--- a/Final Analysis - Data Capstone Project - Data Breaches.pptx
+++ b/Final Analysis - Data Capstone Project - Data Breaches.pptx
@@ -15,6 +15,13 @@
     <p:sldId id="264" r:id="rId9"/>
     <p:sldId id="263" r:id="rId10"/>
     <p:sldId id="265" r:id="rId11"/>
+    <p:sldId id="266" r:id="rId12"/>
+    <p:sldId id="271" r:id="rId13"/>
+    <p:sldId id="268" r:id="rId14"/>
+    <p:sldId id="270" r:id="rId15"/>
+    <p:sldId id="267" r:id="rId16"/>
+    <p:sldId id="269" r:id="rId17"/>
+    <p:sldId id="272" r:id="rId18"/>
   </p:sldIdLst>
   <p:sldSz cx="9144000" cy="6858000" type="screen4x3"/>
   <p:notesSz cx="6858000" cy="9144000"/>
@@ -4792,7 +4799,7 @@
         </p:spPr>
         <p:txBody>
           <a:bodyPr>
-            <a:normAutofit fontScale="47500" lnSpcReduction="20000"/>
+            <a:normAutofit fontScale="55000" lnSpcReduction="20000"/>
           </a:bodyPr>
           <a:lstStyle/>
           <a:p>
@@ -4800,28 +4807,28 @@
               <a:buNone/>
             </a:pPr>
             <a:r>
-              <a:rPr lang="en-US" sz="5000" dirty="0">
+              <a:rPr lang="en-US" sz="4400" dirty="0">
                 <a:latin typeface="Calibri" panose="020F0502020204030204" pitchFamily="34" charset="0"/>
                 <a:cs typeface="Calibri" panose="020F0502020204030204" pitchFamily="34" charset="0"/>
               </a:rPr>
               <a:t>Data </a:t>
             </a:r>
             <a:r>
-              <a:rPr lang="en-US" sz="5000" dirty="0" smtClean="0">
-                <a:latin typeface="Calibri" panose="020F0502020204030204" pitchFamily="34" charset="0"/>
-                <a:cs typeface="Calibri" panose="020F0502020204030204" pitchFamily="34" charset="0"/>
-              </a:rPr>
-              <a:t>assessment, Transformation, Cleaning </a:t>
-            </a:r>
-            <a:r>
-              <a:rPr lang="en-US" sz="5000" dirty="0">
+              <a:rPr lang="en-US" sz="4400" dirty="0" smtClean="0">
+                <a:latin typeface="Calibri" panose="020F0502020204030204" pitchFamily="34" charset="0"/>
+                <a:cs typeface="Calibri" panose="020F0502020204030204" pitchFamily="34" charset="0"/>
+              </a:rPr>
+              <a:t>Assessment, Transformation, Cleaning </a:t>
+            </a:r>
+            <a:r>
+              <a:rPr lang="en-US" sz="4400" dirty="0">
                 <a:latin typeface="Calibri" panose="020F0502020204030204" pitchFamily="34" charset="0"/>
                 <a:cs typeface="Calibri" panose="020F0502020204030204" pitchFamily="34" charset="0"/>
               </a:rPr>
               <a:t>/ </a:t>
             </a:r>
             <a:r>
-              <a:rPr lang="en-US" sz="5000" dirty="0" smtClean="0">
+              <a:rPr lang="en-US" sz="4400" dirty="0" smtClean="0">
                 <a:latin typeface="Calibri" panose="020F0502020204030204" pitchFamily="34" charset="0"/>
                 <a:cs typeface="Calibri" panose="020F0502020204030204" pitchFamily="34" charset="0"/>
               </a:rPr>
@@ -4832,13 +4839,6 @@
             <a:pPr marL="109728" indent="0" algn="ctr">
               <a:buNone/>
             </a:pPr>
-            <a:r>
-              <a:rPr lang="en-US" sz="5000" dirty="0" smtClean="0">
-                <a:latin typeface="Calibri" panose="020F0502020204030204" pitchFamily="34" charset="0"/>
-                <a:cs typeface="Calibri" panose="020F0502020204030204" pitchFamily="34" charset="0"/>
-              </a:rPr>
-              <a:t>Data Cleaning</a:t>
-            </a:r>
             <a:endParaRPr lang="en-US" sz="3000" dirty="0">
               <a:latin typeface="Calibri" panose="020F0502020204030204" pitchFamily="34" charset="0"/>
               <a:cs typeface="Calibri" panose="020F0502020204030204" pitchFamily="34" charset="0"/>
@@ -4846,85 +4846,13 @@
           </a:p>
           <a:p>
             <a:r>
-              <a:rPr lang="en-US" sz="3600" dirty="0" smtClean="0">
-                <a:latin typeface="Calibri" panose="020F0502020204030204" pitchFamily="34" charset="0"/>
-                <a:cs typeface="Calibri" panose="020F0502020204030204" pitchFamily="34" charset="0"/>
-              </a:rPr>
-              <a:t>Column </a:t>
-            </a:r>
-            <a:r>
-              <a:rPr lang="en-US" sz="3600" dirty="0">
-                <a:latin typeface="Calibri" panose="020F0502020204030204" pitchFamily="34" charset="0"/>
-                <a:cs typeface="Calibri" panose="020F0502020204030204" pitchFamily="34" charset="0"/>
-              </a:rPr>
-              <a:t>name: City </a:t>
-            </a:r>
-          </a:p>
-          <a:p>
-            <a:pPr lvl="1"/>
-            <a:r>
-              <a:rPr lang="en-US" sz="3200" dirty="0">
-                <a:latin typeface="Calibri" panose="020F0502020204030204" pitchFamily="34" charset="0"/>
-                <a:cs typeface="Calibri" panose="020F0502020204030204" pitchFamily="34" charset="0"/>
-              </a:rPr>
-              <a:t>How resolved: Drop column. </a:t>
-            </a:r>
-          </a:p>
-          <a:p>
-            <a:pPr lvl="1"/>
-            <a:r>
-              <a:rPr lang="en-US" sz="3200" dirty="0">
-                <a:latin typeface="Calibri" panose="020F0502020204030204" pitchFamily="34" charset="0"/>
-                <a:cs typeface="Calibri" panose="020F0502020204030204" pitchFamily="34" charset="0"/>
-              </a:rPr>
-              <a:t>Justification: The majority of cities are not provided. All we really need is State.</a:t>
-            </a:r>
-          </a:p>
-          <a:p>
-            <a:r>
-              <a:rPr lang="en-US" sz="3600" dirty="0">
-                <a:latin typeface="Calibri" panose="020F0502020204030204" pitchFamily="34" charset="0"/>
-                <a:cs typeface="Calibri" panose="020F0502020204030204" pitchFamily="34" charset="0"/>
-              </a:rPr>
-              <a:t>Column name: State</a:t>
-            </a:r>
-          </a:p>
-          <a:p>
-            <a:pPr lvl="1"/>
-            <a:r>
-              <a:rPr lang="en-US" sz="3200" dirty="0">
-                <a:latin typeface="Calibri" panose="020F0502020204030204" pitchFamily="34" charset="0"/>
-                <a:cs typeface="Calibri" panose="020F0502020204030204" pitchFamily="34" charset="0"/>
-              </a:rPr>
-              <a:t>How resolved: Replace spaces with 'United States'</a:t>
-            </a:r>
-          </a:p>
-          <a:p>
-            <a:pPr lvl="1"/>
-            <a:r>
-              <a:rPr lang="en-US" sz="3200" dirty="0">
-                <a:latin typeface="Calibri" panose="020F0502020204030204" pitchFamily="34" charset="0"/>
-                <a:cs typeface="Calibri" panose="020F0502020204030204" pitchFamily="34" charset="0"/>
-              </a:rPr>
-              <a:t>Justification: Since this value was not provided in the file, the assumption is that the breach was national.</a:t>
-            </a:r>
-          </a:p>
-          <a:p>
-            <a:r>
-              <a:rPr lang="en-US" sz="3600" dirty="0">
-                <a:latin typeface="Calibri" panose="020F0502020204030204" pitchFamily="34" charset="0"/>
-                <a:cs typeface="Calibri" panose="020F0502020204030204" pitchFamily="34" charset="0"/>
-              </a:rPr>
-              <a:t>Column name: </a:t>
-            </a:r>
-            <a:r>
-              <a:rPr lang="en-US" sz="3600" dirty="0" smtClean="0">
-                <a:latin typeface="Calibri" panose="020F0502020204030204" pitchFamily="34" charset="0"/>
-                <a:cs typeface="Calibri" panose="020F0502020204030204" pitchFamily="34" charset="0"/>
-              </a:rPr>
-              <a:t>Total Records </a:t>
-            </a:r>
-            <a:endParaRPr lang="en-US" sz="3600" dirty="0">
+              <a:rPr lang="en-US" sz="4000" dirty="0" smtClean="0">
+                <a:latin typeface="Calibri" panose="020F0502020204030204" pitchFamily="34" charset="0"/>
+                <a:cs typeface="Calibri" panose="020F0502020204030204" pitchFamily="34" charset="0"/>
+              </a:rPr>
+              <a:t>Created new columns with assigned numerical values so that these would be picked up by histograms and correlations.  Added _CAT to column names.</a:t>
+            </a:r>
+            <a:endParaRPr lang="en-US" sz="4000" dirty="0">
               <a:latin typeface="Calibri" panose="020F0502020204030204" pitchFamily="34" charset="0"/>
               <a:cs typeface="Calibri" panose="020F0502020204030204" pitchFamily="34" charset="0"/>
             </a:endParaRPr>
@@ -4932,82 +4860,13 @@
           <a:p>
             <a:pPr lvl="1"/>
             <a:r>
-              <a:rPr lang="en-US" sz="3200" dirty="0">
-                <a:latin typeface="Calibri" panose="020F0502020204030204" pitchFamily="34" charset="0"/>
-                <a:cs typeface="Calibri" panose="020F0502020204030204" pitchFamily="34" charset="0"/>
-              </a:rPr>
-              <a:t>How resolved: Move zeros to null values. Then convert to float to remove zeros, then convert to int.</a:t>
-            </a:r>
-          </a:p>
-          <a:p>
-            <a:pPr lvl="1"/>
-            <a:r>
-              <a:rPr lang="en-US" sz="3200" dirty="0">
-                <a:latin typeface="Calibri" panose="020F0502020204030204" pitchFamily="34" charset="0"/>
-                <a:cs typeface="Calibri" panose="020F0502020204030204" pitchFamily="34" charset="0"/>
-              </a:rPr>
-              <a:t>Justification: This will enable the ability to measure the </a:t>
-            </a:r>
-            <a:r>
-              <a:rPr lang="en-US" sz="3200" dirty="0" smtClean="0">
-                <a:latin typeface="Calibri" panose="020F0502020204030204" pitchFamily="34" charset="0"/>
-                <a:cs typeface="Calibri" panose="020F0502020204030204" pitchFamily="34" charset="0"/>
-              </a:rPr>
-              <a:t>quantitative </a:t>
-            </a:r>
-            <a:r>
-              <a:rPr lang="en-US" sz="3200" dirty="0">
-                <a:latin typeface="Calibri" panose="020F0502020204030204" pitchFamily="34" charset="0"/>
-                <a:cs typeface="Calibri" panose="020F0502020204030204" pitchFamily="34" charset="0"/>
-              </a:rPr>
-              <a:t>impact.</a:t>
-            </a:r>
-          </a:p>
-          <a:p>
-            <a:r>
-              <a:rPr lang="en-US" sz="3600" dirty="0">
-                <a:latin typeface="Calibri" panose="020F0502020204030204" pitchFamily="34" charset="0"/>
-                <a:cs typeface="Calibri" panose="020F0502020204030204" pitchFamily="34" charset="0"/>
-              </a:rPr>
-              <a:t>Column name: Description </a:t>
-            </a:r>
-          </a:p>
-          <a:p>
-            <a:pPr lvl="1"/>
-            <a:r>
-              <a:rPr lang="en-US" sz="3200" dirty="0">
-                <a:latin typeface="Calibri" panose="020F0502020204030204" pitchFamily="34" charset="0"/>
-                <a:cs typeface="Calibri" panose="020F0502020204030204" pitchFamily="34" charset="0"/>
-              </a:rPr>
-              <a:t>How resolved: Replace spaces with 'None'</a:t>
-            </a:r>
-          </a:p>
-          <a:p>
-            <a:pPr lvl="1"/>
-            <a:r>
-              <a:rPr lang="en-US" sz="3200" dirty="0">
-                <a:latin typeface="Calibri" panose="020F0502020204030204" pitchFamily="34" charset="0"/>
-                <a:cs typeface="Calibri" panose="020F0502020204030204" pitchFamily="34" charset="0"/>
-              </a:rPr>
-              <a:t>Justification: This value was not provided in the file.</a:t>
-            </a:r>
-          </a:p>
-          <a:p>
-            <a:r>
-              <a:rPr lang="en-US" sz="3600" dirty="0">
-                <a:latin typeface="Calibri" panose="020F0502020204030204" pitchFamily="34" charset="0"/>
-                <a:cs typeface="Calibri" panose="020F0502020204030204" pitchFamily="34" charset="0"/>
-              </a:rPr>
-              <a:t>Column name: </a:t>
-            </a:r>
-            <a:r>
-              <a:rPr lang="en-US" sz="3600" dirty="0" smtClean="0">
-                <a:latin typeface="Calibri" panose="020F0502020204030204" pitchFamily="34" charset="0"/>
-                <a:cs typeface="Calibri" panose="020F0502020204030204" pitchFamily="34" charset="0"/>
-              </a:rPr>
-              <a:t>Breach Year</a:t>
-            </a:r>
-            <a:endParaRPr lang="en-US" sz="3600" dirty="0">
+              <a:rPr lang="en-US" sz="4000" dirty="0" smtClean="0">
+                <a:latin typeface="Calibri" panose="020F0502020204030204" pitchFamily="34" charset="0"/>
+                <a:cs typeface="Calibri" panose="020F0502020204030204" pitchFamily="34" charset="0"/>
+              </a:rPr>
+              <a:t>Breach Type </a:t>
+            </a:r>
+            <a:endParaRPr lang="en-US" sz="4000" dirty="0">
               <a:latin typeface="Calibri" panose="020F0502020204030204" pitchFamily="34" charset="0"/>
               <a:cs typeface="Calibri" panose="020F0502020204030204" pitchFamily="34" charset="0"/>
             </a:endParaRPr>
@@ -5015,58 +4874,97 @@
           <a:p>
             <a:pPr lvl="1"/>
             <a:r>
-              <a:rPr lang="en-US" sz="3200" dirty="0">
-                <a:latin typeface="Calibri" panose="020F0502020204030204" pitchFamily="34" charset="0"/>
-                <a:cs typeface="Calibri" panose="020F0502020204030204" pitchFamily="34" charset="0"/>
-              </a:rPr>
-              <a:t>How resolved: Drop column</a:t>
+              <a:rPr lang="en-US" sz="4000" dirty="0" smtClean="0">
+                <a:latin typeface="Calibri" panose="020F0502020204030204" pitchFamily="34" charset="0"/>
+                <a:cs typeface="Calibri" panose="020F0502020204030204" pitchFamily="34" charset="0"/>
+              </a:rPr>
+              <a:t>Organization Type</a:t>
             </a:r>
           </a:p>
           <a:p>
             <a:pPr lvl="1"/>
             <a:r>
-              <a:rPr lang="en-US" sz="3200" dirty="0">
-                <a:latin typeface="Calibri" panose="020F0502020204030204" pitchFamily="34" charset="0"/>
-                <a:cs typeface="Calibri" panose="020F0502020204030204" pitchFamily="34" charset="0"/>
-              </a:rPr>
-              <a:t>Justification: We have date with year with no empty values so do not need this field</a:t>
-            </a:r>
-          </a:p>
-          <a:p>
-            <a:r>
-              <a:rPr lang="en-US" sz="3600" dirty="0" smtClean="0">
-                <a:latin typeface="Calibri" panose="020F0502020204030204" pitchFamily="34" charset="0"/>
-                <a:cs typeface="Calibri" panose="020F0502020204030204" pitchFamily="34" charset="0"/>
-              </a:rPr>
-              <a:t>Dropped the following columns as </a:t>
-            </a:r>
-            <a:r>
-              <a:rPr lang="en-US" sz="3600" dirty="0">
-                <a:latin typeface="Calibri" panose="020F0502020204030204" pitchFamily="34" charset="0"/>
-                <a:cs typeface="Calibri" panose="020F0502020204030204" pitchFamily="34" charset="0"/>
-              </a:rPr>
-              <a:t>they are not needed:</a:t>
-            </a:r>
-          </a:p>
-          <a:p>
-            <a:pPr lvl="1"/>
-            <a:r>
-              <a:rPr lang="en-US" sz="3200" dirty="0">
-                <a:latin typeface="Calibri" panose="020F0502020204030204" pitchFamily="34" charset="0"/>
-                <a:cs typeface="Calibri" panose="020F0502020204030204" pitchFamily="34" charset="0"/>
-              </a:rPr>
-              <a:t>Information Source </a:t>
-            </a:r>
-          </a:p>
-          <a:p>
-            <a:pPr lvl="1"/>
-            <a:r>
-              <a:rPr lang="en-US" sz="3200" dirty="0">
-                <a:latin typeface="Calibri" panose="020F0502020204030204" pitchFamily="34" charset="0"/>
-                <a:cs typeface="Calibri" panose="020F0502020204030204" pitchFamily="34" charset="0"/>
-              </a:rPr>
-              <a:t>Source URL </a:t>
-            </a:r>
+              <a:rPr lang="en-US" sz="4000" dirty="0" smtClean="0">
+                <a:latin typeface="Calibri" panose="020F0502020204030204" pitchFamily="34" charset="0"/>
+                <a:cs typeface="Calibri" panose="020F0502020204030204" pitchFamily="34" charset="0"/>
+              </a:rPr>
+              <a:t>State</a:t>
+            </a:r>
+          </a:p>
+          <a:p>
+            <a:r>
+              <a:rPr lang="en-US" sz="4000" dirty="0" smtClean="0">
+                <a:latin typeface="Calibri" panose="020F0502020204030204" pitchFamily="34" charset="0"/>
+                <a:cs typeface="Calibri" panose="020F0502020204030204" pitchFamily="34" charset="0"/>
+              </a:rPr>
+              <a:t>Converted values of all numerical columns to integers</a:t>
+            </a:r>
+            <a:endParaRPr lang="en-US" sz="4000" dirty="0">
+              <a:latin typeface="Calibri" panose="020F0502020204030204" pitchFamily="34" charset="0"/>
+              <a:cs typeface="Calibri" panose="020F0502020204030204" pitchFamily="34" charset="0"/>
+            </a:endParaRPr>
+          </a:p>
+          <a:p>
+            <a:r>
+              <a:rPr lang="en-US" sz="4000" dirty="0" smtClean="0">
+                <a:latin typeface="Calibri" panose="020F0502020204030204" pitchFamily="34" charset="0"/>
+                <a:cs typeface="Calibri" panose="020F0502020204030204" pitchFamily="34" charset="0"/>
+              </a:rPr>
+              <a:t>Removed all non-US states from file.  Total records reduced to 8177</a:t>
+            </a:r>
+          </a:p>
+          <a:p>
+            <a:r>
+              <a:rPr lang="en-US" sz="4000" dirty="0" smtClean="0">
+                <a:latin typeface="Calibri" panose="020F0502020204030204" pitchFamily="34" charset="0"/>
+                <a:cs typeface="Calibri" panose="020F0502020204030204" pitchFamily="34" charset="0"/>
+              </a:rPr>
+              <a:t>Renamed several columns</a:t>
+            </a:r>
+          </a:p>
+          <a:p>
+            <a:r>
+              <a:rPr lang="en-US" sz="4000" dirty="0" smtClean="0">
+                <a:latin typeface="Calibri" panose="020F0502020204030204" pitchFamily="34" charset="0"/>
+                <a:cs typeface="Calibri" panose="020F0502020204030204" pitchFamily="34" charset="0"/>
+              </a:rPr>
+              <a:t>Converted Date of Breach to Year only so now it becomes Breach Year replacing the one dropped. It had values in every record where the original one did not.</a:t>
+            </a:r>
+          </a:p>
+          <a:p>
+            <a:r>
+              <a:rPr lang="en-US" sz="4000" dirty="0" smtClean="0">
+                <a:latin typeface="Calibri" panose="020F0502020204030204" pitchFamily="34" charset="0"/>
+                <a:cs typeface="Calibri" panose="020F0502020204030204" pitchFamily="34" charset="0"/>
+              </a:rPr>
+              <a:t>Integrated GDP from another file for normalization</a:t>
+            </a:r>
+            <a:endParaRPr lang="en-US" sz="4000" dirty="0">
+              <a:latin typeface="Calibri" panose="020F0502020204030204" pitchFamily="34" charset="0"/>
+              <a:cs typeface="Calibri" panose="020F0502020204030204" pitchFamily="34" charset="0"/>
+            </a:endParaRPr>
+          </a:p>
+          <a:p>
+            <a:r>
+              <a:rPr lang="en-US" sz="4000" dirty="0" smtClean="0">
+                <a:latin typeface="Calibri" panose="020F0502020204030204" pitchFamily="34" charset="0"/>
+                <a:cs typeface="Calibri" panose="020F0502020204030204" pitchFamily="34" charset="0"/>
+              </a:rPr>
+              <a:t>Created new file for just longitude and latitude columns and removed them from the breach file.</a:t>
+            </a:r>
+          </a:p>
+          <a:p>
+            <a:r>
+              <a:rPr lang="en-US" sz="4000" dirty="0" smtClean="0">
+                <a:latin typeface="Calibri" panose="020F0502020204030204" pitchFamily="34" charset="0"/>
+                <a:cs typeface="Calibri" panose="020F0502020204030204" pitchFamily="34" charset="0"/>
+              </a:rPr>
+              <a:t>Wrote cleaned breach file.</a:t>
+            </a:r>
+            <a:endParaRPr lang="en-US" sz="4000" dirty="0">
+              <a:latin typeface="Calibri" panose="020F0502020204030204" pitchFamily="34" charset="0"/>
+              <a:cs typeface="Calibri" panose="020F0502020204030204" pitchFamily="34" charset="0"/>
+            </a:endParaRPr>
           </a:p>
           <a:p>
             <a:pPr marL="109728" indent="0" algn="ctr">
@@ -5083,6 +4981,2089 @@
     <p:extLst>
       <p:ext uri="{BB962C8B-B14F-4D97-AF65-F5344CB8AC3E}">
         <p14:creationId xmlns:p14="http://schemas.microsoft.com/office/powerpoint/2010/main" val="2557784618"/>
+      </p:ext>
+    </p:extLst>
+  </p:cSld>
+  <p:clrMapOvr>
+    <a:masterClrMapping/>
+  </p:clrMapOvr>
+</p:sld>
+</file>
+
+<file path=ppt/slides/slide11.xml><?xml version="1.0" encoding="utf-8"?>
+<p:sld xmlns:a="http://schemas.openxmlformats.org/drawingml/2006/main" xmlns:r="http://schemas.openxmlformats.org/officeDocument/2006/relationships" xmlns:p="http://schemas.openxmlformats.org/presentationml/2006/main">
+  <p:cSld>
+    <p:spTree>
+      <p:nvGrpSpPr>
+        <p:cNvPr id="1" name=""/>
+        <p:cNvGrpSpPr/>
+        <p:nvPr/>
+      </p:nvGrpSpPr>
+      <p:grpSpPr>
+        <a:xfrm>
+          <a:off x="0" y="0"/>
+          <a:ext cx="0" cy="0"/>
+          <a:chOff x="0" y="0"/>
+          <a:chExt cx="0" cy="0"/>
+        </a:xfrm>
+      </p:grpSpPr>
+      <p:sp>
+        <p:nvSpPr>
+          <p:cNvPr id="2" name="Content Placeholder 1"/>
+          <p:cNvSpPr>
+            <a:spLocks noGrp="1"/>
+          </p:cNvSpPr>
+          <p:nvPr>
+            <p:ph idx="1"/>
+          </p:nvPr>
+        </p:nvSpPr>
+        <p:spPr>
+          <a:xfrm>
+            <a:off x="457200" y="381000"/>
+            <a:ext cx="8229600" cy="6172200"/>
+          </a:xfrm>
+        </p:spPr>
+        <p:txBody>
+          <a:bodyPr>
+            <a:normAutofit/>
+          </a:bodyPr>
+          <a:lstStyle/>
+          <a:p>
+            <a:pPr marL="109728" indent="0" algn="ctr">
+              <a:buNone/>
+            </a:pPr>
+            <a:r>
+              <a:rPr lang="en-US" sz="2800" dirty="0">
+                <a:latin typeface="Calibri" panose="020F0502020204030204" pitchFamily="34" charset="0"/>
+                <a:cs typeface="Calibri" panose="020F0502020204030204" pitchFamily="34" charset="0"/>
+              </a:rPr>
+              <a:t>Exploratory Data </a:t>
+            </a:r>
+            <a:r>
+              <a:rPr lang="en-US" sz="2800" dirty="0" smtClean="0">
+                <a:latin typeface="Calibri" panose="020F0502020204030204" pitchFamily="34" charset="0"/>
+                <a:cs typeface="Calibri" panose="020F0502020204030204" pitchFamily="34" charset="0"/>
+              </a:rPr>
+              <a:t>Analysis </a:t>
+            </a:r>
+            <a:r>
+              <a:rPr lang="en-US" sz="2800" dirty="0">
+                <a:latin typeface="Calibri" panose="020F0502020204030204" pitchFamily="34" charset="0"/>
+                <a:cs typeface="Calibri" panose="020F0502020204030204" pitchFamily="34" charset="0"/>
+              </a:rPr>
+              <a:t>and Data </a:t>
+            </a:r>
+            <a:r>
+              <a:rPr lang="en-US" sz="2800" dirty="0" smtClean="0">
+                <a:latin typeface="Calibri" panose="020F0502020204030204" pitchFamily="34" charset="0"/>
+                <a:cs typeface="Calibri" panose="020F0502020204030204" pitchFamily="34" charset="0"/>
+              </a:rPr>
+              <a:t>Visualization</a:t>
+            </a:r>
+            <a:endParaRPr lang="en-US" sz="2800" dirty="0">
+              <a:latin typeface="Calibri" panose="020F0502020204030204" pitchFamily="34" charset="0"/>
+              <a:cs typeface="Calibri" panose="020F0502020204030204" pitchFamily="34" charset="0"/>
+            </a:endParaRPr>
+          </a:p>
+          <a:p>
+            <a:pPr marL="109728" indent="0" algn="ctr">
+              <a:buNone/>
+            </a:pPr>
+            <a:r>
+              <a:rPr lang="en-US" sz="2800" dirty="0">
+                <a:latin typeface="Calibri" panose="020F0502020204030204" pitchFamily="34" charset="0"/>
+                <a:cs typeface="Calibri" panose="020F0502020204030204" pitchFamily="34" charset="0"/>
+              </a:rPr>
+              <a:t>Basic </a:t>
+            </a:r>
+            <a:r>
+              <a:rPr lang="en-US" sz="2800" dirty="0" smtClean="0">
+                <a:latin typeface="Calibri" panose="020F0502020204030204" pitchFamily="34" charset="0"/>
+                <a:cs typeface="Calibri" panose="020F0502020204030204" pitchFamily="34" charset="0"/>
+              </a:rPr>
+              <a:t>Statistics </a:t>
+            </a:r>
+            <a:r>
+              <a:rPr lang="en-US" sz="2800" dirty="0">
+                <a:latin typeface="Calibri" panose="020F0502020204030204" pitchFamily="34" charset="0"/>
+                <a:cs typeface="Calibri" panose="020F0502020204030204" pitchFamily="34" charset="0"/>
+              </a:rPr>
+              <a:t>and </a:t>
+            </a:r>
+            <a:r>
+              <a:rPr lang="en-US" sz="2800" dirty="0" smtClean="0">
+                <a:latin typeface="Calibri" panose="020F0502020204030204" pitchFamily="34" charset="0"/>
+                <a:cs typeface="Calibri" panose="020F0502020204030204" pitchFamily="34" charset="0"/>
+              </a:rPr>
+              <a:t>Visualization</a:t>
+            </a:r>
+          </a:p>
+          <a:p>
+            <a:pPr marL="109728" indent="0">
+              <a:buNone/>
+            </a:pPr>
+            <a:r>
+              <a:rPr lang="en-US" sz="2800" dirty="0" smtClean="0">
+                <a:latin typeface="Calibri" panose="020F0502020204030204" pitchFamily="34" charset="0"/>
+                <a:cs typeface="Calibri" panose="020F0502020204030204" pitchFamily="34" charset="0"/>
+              </a:rPr>
+              <a:t>‘Describe’ for columns with object types will provide statistical results as follows: </a:t>
+            </a:r>
+          </a:p>
+          <a:p>
+            <a:pPr marL="109728" indent="0">
+              <a:buNone/>
+            </a:pPr>
+            <a:r>
+              <a:rPr lang="en-US" sz="2800" dirty="0" smtClean="0">
+                <a:latin typeface="Calibri" panose="020F0502020204030204" pitchFamily="34" charset="0"/>
+                <a:cs typeface="Calibri" panose="020F0502020204030204" pitchFamily="34" charset="0"/>
+              </a:rPr>
+              <a:t>Breach Year:</a:t>
+            </a:r>
+          </a:p>
+          <a:p>
+            <a:pPr marL="109728" indent="0">
+              <a:buNone/>
+            </a:pPr>
+            <a:r>
+              <a:rPr lang="en-US" sz="2800" dirty="0">
+                <a:latin typeface="Calibri" panose="020F0502020204030204" pitchFamily="34" charset="0"/>
+                <a:cs typeface="Calibri" panose="020F0502020204030204" pitchFamily="34" charset="0"/>
+              </a:rPr>
+              <a:t>count </a:t>
+            </a:r>
+            <a:r>
+              <a:rPr lang="en-US" sz="2800" dirty="0" smtClean="0">
+                <a:latin typeface="Calibri" panose="020F0502020204030204" pitchFamily="34" charset="0"/>
+                <a:cs typeface="Calibri" panose="020F0502020204030204" pitchFamily="34" charset="0"/>
+              </a:rPr>
+              <a:t>	8177 </a:t>
+            </a:r>
+          </a:p>
+          <a:p>
+            <a:pPr marL="109728" indent="0">
+              <a:buNone/>
+            </a:pPr>
+            <a:r>
+              <a:rPr lang="en-US" sz="2800" dirty="0" smtClean="0">
+                <a:latin typeface="Calibri" panose="020F0502020204030204" pitchFamily="34" charset="0"/>
+                <a:cs typeface="Calibri" panose="020F0502020204030204" pitchFamily="34" charset="0"/>
+              </a:rPr>
+              <a:t>unique 	    14 </a:t>
+            </a:r>
+          </a:p>
+          <a:p>
+            <a:pPr marL="109728" indent="0">
+              <a:buNone/>
+            </a:pPr>
+            <a:r>
+              <a:rPr lang="en-US" sz="2800" dirty="0" smtClean="0">
+                <a:latin typeface="Calibri" panose="020F0502020204030204" pitchFamily="34" charset="0"/>
+                <a:cs typeface="Calibri" panose="020F0502020204030204" pitchFamily="34" charset="0"/>
+              </a:rPr>
+              <a:t>Top		2014 </a:t>
+            </a:r>
+          </a:p>
+          <a:p>
+            <a:pPr marL="109728" indent="0">
+              <a:buNone/>
+            </a:pPr>
+            <a:r>
+              <a:rPr lang="en-US" sz="2800" dirty="0" smtClean="0">
+                <a:latin typeface="Calibri" panose="020F0502020204030204" pitchFamily="34" charset="0"/>
+                <a:cs typeface="Calibri" panose="020F0502020204030204" pitchFamily="34" charset="0"/>
+              </a:rPr>
+              <a:t>freq 	  	887 </a:t>
+            </a:r>
+          </a:p>
+          <a:p>
+            <a:pPr marL="109728" indent="0">
+              <a:buNone/>
+            </a:pPr>
+            <a:r>
+              <a:rPr lang="en-US" sz="2800" dirty="0" smtClean="0">
+                <a:latin typeface="Calibri" panose="020F0502020204030204" pitchFamily="34" charset="0"/>
+                <a:cs typeface="Calibri" panose="020F0502020204030204" pitchFamily="34" charset="0"/>
+              </a:rPr>
+              <a:t>The largest number of breaches occurred in 2014. </a:t>
+            </a:r>
+          </a:p>
+          <a:p>
+            <a:pPr marL="109728" indent="0">
+              <a:buNone/>
+            </a:pPr>
+            <a:r>
+              <a:rPr lang="en-US" sz="2800" dirty="0" smtClean="0">
+                <a:latin typeface="Calibri" panose="020F0502020204030204" pitchFamily="34" charset="0"/>
+                <a:cs typeface="Calibri" panose="020F0502020204030204" pitchFamily="34" charset="0"/>
+              </a:rPr>
+              <a:t>There are 14 years</a:t>
+            </a:r>
+          </a:p>
+          <a:p>
+            <a:pPr marL="109728" indent="0">
+              <a:buNone/>
+            </a:pPr>
+            <a:r>
+              <a:rPr lang="en-US" sz="2800" dirty="0" smtClean="0">
+                <a:latin typeface="Calibri" panose="020F0502020204030204" pitchFamily="34" charset="0"/>
+                <a:cs typeface="Calibri" panose="020F0502020204030204" pitchFamily="34" charset="0"/>
+              </a:rPr>
+              <a:t>Total record count is 8,177</a:t>
+            </a:r>
+          </a:p>
+        </p:txBody>
+      </p:sp>
+    </p:spTree>
+    <p:extLst>
+      <p:ext uri="{BB962C8B-B14F-4D97-AF65-F5344CB8AC3E}">
+        <p14:creationId xmlns:p14="http://schemas.microsoft.com/office/powerpoint/2010/main" val="2288347669"/>
+      </p:ext>
+    </p:extLst>
+  </p:cSld>
+  <p:clrMapOvr>
+    <a:masterClrMapping/>
+  </p:clrMapOvr>
+</p:sld>
+</file>
+
+<file path=ppt/slides/slide12.xml><?xml version="1.0" encoding="utf-8"?>
+<p:sld xmlns:a="http://schemas.openxmlformats.org/drawingml/2006/main" xmlns:r="http://schemas.openxmlformats.org/officeDocument/2006/relationships" xmlns:p="http://schemas.openxmlformats.org/presentationml/2006/main">
+  <p:cSld>
+    <p:spTree>
+      <p:nvGrpSpPr>
+        <p:cNvPr id="1" name=""/>
+        <p:cNvGrpSpPr/>
+        <p:nvPr/>
+      </p:nvGrpSpPr>
+      <p:grpSpPr>
+        <a:xfrm>
+          <a:off x="0" y="0"/>
+          <a:ext cx="0" cy="0"/>
+          <a:chOff x="0" y="0"/>
+          <a:chExt cx="0" cy="0"/>
+        </a:xfrm>
+      </p:grpSpPr>
+      <p:sp>
+        <p:nvSpPr>
+          <p:cNvPr id="2" name="Content Placeholder 1"/>
+          <p:cNvSpPr>
+            <a:spLocks noGrp="1"/>
+          </p:cNvSpPr>
+          <p:nvPr>
+            <p:ph idx="1"/>
+          </p:nvPr>
+        </p:nvSpPr>
+        <p:spPr>
+          <a:xfrm>
+            <a:off x="457200" y="381000"/>
+            <a:ext cx="8229600" cy="6172200"/>
+          </a:xfrm>
+        </p:spPr>
+        <p:txBody>
+          <a:bodyPr>
+            <a:normAutofit/>
+          </a:bodyPr>
+          <a:lstStyle/>
+          <a:p>
+            <a:pPr marL="109728" indent="0" algn="ctr">
+              <a:buNone/>
+            </a:pPr>
+            <a:r>
+              <a:rPr lang="en-US" sz="2800" dirty="0">
+                <a:latin typeface="Calibri" panose="020F0502020204030204" pitchFamily="34" charset="0"/>
+                <a:cs typeface="Calibri" panose="020F0502020204030204" pitchFamily="34" charset="0"/>
+              </a:rPr>
+              <a:t>Exploratory Data </a:t>
+            </a:r>
+            <a:r>
+              <a:rPr lang="en-US" sz="2800" dirty="0" smtClean="0">
+                <a:latin typeface="Calibri" panose="020F0502020204030204" pitchFamily="34" charset="0"/>
+                <a:cs typeface="Calibri" panose="020F0502020204030204" pitchFamily="34" charset="0"/>
+              </a:rPr>
+              <a:t>Analysis </a:t>
+            </a:r>
+            <a:r>
+              <a:rPr lang="en-US" sz="2800" dirty="0">
+                <a:latin typeface="Calibri" panose="020F0502020204030204" pitchFamily="34" charset="0"/>
+                <a:cs typeface="Calibri" panose="020F0502020204030204" pitchFamily="34" charset="0"/>
+              </a:rPr>
+              <a:t>and Data </a:t>
+            </a:r>
+            <a:r>
+              <a:rPr lang="en-US" sz="2800" dirty="0" smtClean="0">
+                <a:latin typeface="Calibri" panose="020F0502020204030204" pitchFamily="34" charset="0"/>
+                <a:cs typeface="Calibri" panose="020F0502020204030204" pitchFamily="34" charset="0"/>
+              </a:rPr>
+              <a:t>Visualization</a:t>
+            </a:r>
+            <a:endParaRPr lang="en-US" sz="2800" dirty="0">
+              <a:latin typeface="Calibri" panose="020F0502020204030204" pitchFamily="34" charset="0"/>
+              <a:cs typeface="Calibri" panose="020F0502020204030204" pitchFamily="34" charset="0"/>
+            </a:endParaRPr>
+          </a:p>
+          <a:p>
+            <a:pPr marL="109728" indent="0" algn="ctr">
+              <a:buNone/>
+            </a:pPr>
+            <a:r>
+              <a:rPr lang="en-US" sz="2800" dirty="0">
+                <a:latin typeface="Calibri" panose="020F0502020204030204" pitchFamily="34" charset="0"/>
+                <a:cs typeface="Calibri" panose="020F0502020204030204" pitchFamily="34" charset="0"/>
+              </a:rPr>
+              <a:t>Basic </a:t>
+            </a:r>
+            <a:r>
+              <a:rPr lang="en-US" sz="2800" dirty="0" smtClean="0">
+                <a:latin typeface="Calibri" panose="020F0502020204030204" pitchFamily="34" charset="0"/>
+                <a:cs typeface="Calibri" panose="020F0502020204030204" pitchFamily="34" charset="0"/>
+              </a:rPr>
+              <a:t>Statistics </a:t>
+            </a:r>
+            <a:r>
+              <a:rPr lang="en-US" sz="2800" dirty="0">
+                <a:latin typeface="Calibri" panose="020F0502020204030204" pitchFamily="34" charset="0"/>
+                <a:cs typeface="Calibri" panose="020F0502020204030204" pitchFamily="34" charset="0"/>
+              </a:rPr>
+              <a:t>and </a:t>
+            </a:r>
+            <a:r>
+              <a:rPr lang="en-US" sz="2800" dirty="0" smtClean="0">
+                <a:latin typeface="Calibri" panose="020F0502020204030204" pitchFamily="34" charset="0"/>
+                <a:cs typeface="Calibri" panose="020F0502020204030204" pitchFamily="34" charset="0"/>
+              </a:rPr>
+              <a:t>Visualization</a:t>
+            </a:r>
+          </a:p>
+          <a:p>
+            <a:pPr marL="109728" indent="0">
+              <a:buNone/>
+            </a:pPr>
+            <a:endParaRPr lang="en-US" sz="2800" dirty="0" smtClean="0">
+              <a:latin typeface="Calibri" panose="020F0502020204030204" pitchFamily="34" charset="0"/>
+              <a:cs typeface="Calibri" panose="020F0502020204030204" pitchFamily="34" charset="0"/>
+            </a:endParaRPr>
+          </a:p>
+          <a:p>
+            <a:pPr marL="109728" indent="0">
+              <a:buNone/>
+            </a:pPr>
+            <a:r>
+              <a:rPr lang="en-US" sz="2800" dirty="0" smtClean="0">
+                <a:latin typeface="Calibri" panose="020F0502020204030204" pitchFamily="34" charset="0"/>
+                <a:cs typeface="Calibri" panose="020F0502020204030204" pitchFamily="34" charset="0"/>
+              </a:rPr>
+              <a:t>In order to answer business questions, need certain statistics:</a:t>
+            </a:r>
+          </a:p>
+          <a:p>
+            <a:r>
+              <a:rPr lang="en-US" sz="2800" dirty="0" smtClean="0">
+                <a:latin typeface="Calibri" panose="020F0502020204030204" pitchFamily="34" charset="0"/>
+                <a:cs typeface="Calibri" panose="020F0502020204030204" pitchFamily="34" charset="0"/>
+              </a:rPr>
+              <a:t>To get counts:  Statistical commands such </a:t>
+            </a:r>
+            <a:r>
+              <a:rPr lang="en-US" sz="2800" dirty="0">
+                <a:latin typeface="Calibri" panose="020F0502020204030204" pitchFamily="34" charset="0"/>
+                <a:cs typeface="Calibri" panose="020F0502020204030204" pitchFamily="34" charset="0"/>
+              </a:rPr>
+              <a:t>as ‘</a:t>
+            </a:r>
+            <a:r>
+              <a:rPr lang="en-US" sz="2800" dirty="0" err="1">
+                <a:latin typeface="Calibri" panose="020F0502020204030204" pitchFamily="34" charset="0"/>
+                <a:cs typeface="Calibri" panose="020F0502020204030204" pitchFamily="34" charset="0"/>
+              </a:rPr>
+              <a:t>df.groupby</a:t>
+            </a:r>
+            <a:r>
+              <a:rPr lang="en-US" sz="2800" dirty="0">
+                <a:latin typeface="Calibri" panose="020F0502020204030204" pitchFamily="34" charset="0"/>
+                <a:cs typeface="Calibri" panose="020F0502020204030204" pitchFamily="34" charset="0"/>
+              </a:rPr>
+              <a:t>(['</a:t>
+            </a:r>
+            <a:r>
+              <a:rPr lang="en-US" sz="2800" dirty="0" err="1">
+                <a:latin typeface="Calibri" panose="020F0502020204030204" pitchFamily="34" charset="0"/>
+                <a:cs typeface="Calibri" panose="020F0502020204030204" pitchFamily="34" charset="0"/>
+              </a:rPr>
+              <a:t>Breach_Year</a:t>
+            </a:r>
+            <a:r>
+              <a:rPr lang="en-US" sz="2800" dirty="0">
+                <a:latin typeface="Calibri" panose="020F0502020204030204" pitchFamily="34" charset="0"/>
+                <a:cs typeface="Calibri" panose="020F0502020204030204" pitchFamily="34" charset="0"/>
+              </a:rPr>
+              <a:t>']).size</a:t>
+            </a:r>
+            <a:r>
+              <a:rPr lang="en-US" sz="2800" dirty="0" smtClean="0">
+                <a:latin typeface="Calibri" panose="020F0502020204030204" pitchFamily="34" charset="0"/>
+                <a:cs typeface="Calibri" panose="020F0502020204030204" pitchFamily="34" charset="0"/>
+              </a:rPr>
+              <a:t>()’ will provide counts for each group within a column. </a:t>
+            </a:r>
+          </a:p>
+          <a:p>
+            <a:r>
+              <a:rPr lang="en-US" sz="2800" dirty="0" smtClean="0">
+                <a:latin typeface="Calibri" panose="020F0502020204030204" pitchFamily="34" charset="0"/>
+                <a:cs typeface="Calibri" panose="020F0502020204030204" pitchFamily="34" charset="0"/>
+              </a:rPr>
+              <a:t>Did this for Breach Type, Organization Type and State.</a:t>
+            </a:r>
+          </a:p>
+          <a:p>
+            <a:r>
+              <a:rPr lang="en-US" sz="2800" dirty="0" smtClean="0">
+                <a:latin typeface="Calibri" panose="020F0502020204030204" pitchFamily="34" charset="0"/>
+                <a:cs typeface="Calibri" panose="020F0502020204030204" pitchFamily="34" charset="0"/>
+              </a:rPr>
+              <a:t>Created Histograms for each numerical column</a:t>
+            </a:r>
+          </a:p>
+          <a:p>
+            <a:pPr marL="109728" indent="0">
+              <a:buNone/>
+            </a:pPr>
+            <a:r>
+              <a:rPr lang="en-US" sz="2800" dirty="0" smtClean="0">
+                <a:latin typeface="Calibri" panose="020F0502020204030204" pitchFamily="34" charset="0"/>
+                <a:cs typeface="Calibri" panose="020F0502020204030204" pitchFamily="34" charset="0"/>
+              </a:rPr>
+              <a:t>	(histograms in next slide)</a:t>
+            </a:r>
+          </a:p>
+        </p:txBody>
+      </p:sp>
+    </p:spTree>
+    <p:extLst>
+      <p:ext uri="{BB962C8B-B14F-4D97-AF65-F5344CB8AC3E}">
+        <p14:creationId xmlns:p14="http://schemas.microsoft.com/office/powerpoint/2010/main" val="1128972384"/>
+      </p:ext>
+    </p:extLst>
+  </p:cSld>
+  <p:clrMapOvr>
+    <a:masterClrMapping/>
+  </p:clrMapOvr>
+</p:sld>
+</file>
+
+<file path=ppt/slides/slide13.xml><?xml version="1.0" encoding="utf-8"?>
+<p:sld xmlns:a="http://schemas.openxmlformats.org/drawingml/2006/main" xmlns:r="http://schemas.openxmlformats.org/officeDocument/2006/relationships" xmlns:p="http://schemas.openxmlformats.org/presentationml/2006/main">
+  <p:cSld>
+    <p:spTree>
+      <p:nvGrpSpPr>
+        <p:cNvPr id="1" name=""/>
+        <p:cNvGrpSpPr/>
+        <p:nvPr/>
+      </p:nvGrpSpPr>
+      <p:grpSpPr>
+        <a:xfrm>
+          <a:off x="0" y="0"/>
+          <a:ext cx="0" cy="0"/>
+          <a:chOff x="0" y="0"/>
+          <a:chExt cx="0" cy="0"/>
+        </a:xfrm>
+      </p:grpSpPr>
+      <p:sp>
+        <p:nvSpPr>
+          <p:cNvPr id="2" name="Content Placeholder 1"/>
+          <p:cNvSpPr>
+            <a:spLocks noGrp="1"/>
+          </p:cNvSpPr>
+          <p:nvPr>
+            <p:ph idx="1"/>
+          </p:nvPr>
+        </p:nvSpPr>
+        <p:spPr>
+          <a:xfrm>
+            <a:off x="457200" y="381000"/>
+            <a:ext cx="8229600" cy="6172200"/>
+          </a:xfrm>
+        </p:spPr>
+        <p:txBody>
+          <a:bodyPr>
+            <a:normAutofit/>
+          </a:bodyPr>
+          <a:lstStyle/>
+          <a:p>
+            <a:pPr marL="109728" indent="0" algn="ctr">
+              <a:buNone/>
+            </a:pPr>
+            <a:r>
+              <a:rPr lang="en-US" sz="2800" dirty="0">
+                <a:latin typeface="Calibri" panose="020F0502020204030204" pitchFamily="34" charset="0"/>
+                <a:cs typeface="Calibri" panose="020F0502020204030204" pitchFamily="34" charset="0"/>
+              </a:rPr>
+              <a:t>Exploratory Data </a:t>
+            </a:r>
+            <a:r>
+              <a:rPr lang="en-US" sz="2800" dirty="0" smtClean="0">
+                <a:latin typeface="Calibri" panose="020F0502020204030204" pitchFamily="34" charset="0"/>
+                <a:cs typeface="Calibri" panose="020F0502020204030204" pitchFamily="34" charset="0"/>
+              </a:rPr>
+              <a:t>Analysis </a:t>
+            </a:r>
+            <a:r>
+              <a:rPr lang="en-US" sz="2800" dirty="0">
+                <a:latin typeface="Calibri" panose="020F0502020204030204" pitchFamily="34" charset="0"/>
+                <a:cs typeface="Calibri" panose="020F0502020204030204" pitchFamily="34" charset="0"/>
+              </a:rPr>
+              <a:t>and Data </a:t>
+            </a:r>
+            <a:r>
+              <a:rPr lang="en-US" sz="2800" dirty="0" smtClean="0">
+                <a:latin typeface="Calibri" panose="020F0502020204030204" pitchFamily="34" charset="0"/>
+                <a:cs typeface="Calibri" panose="020F0502020204030204" pitchFamily="34" charset="0"/>
+              </a:rPr>
+              <a:t>Visualization</a:t>
+            </a:r>
+            <a:endParaRPr lang="en-US" sz="2800" dirty="0">
+              <a:latin typeface="Calibri" panose="020F0502020204030204" pitchFamily="34" charset="0"/>
+              <a:cs typeface="Calibri" panose="020F0502020204030204" pitchFamily="34" charset="0"/>
+            </a:endParaRPr>
+          </a:p>
+          <a:p>
+            <a:pPr marL="109728" indent="0" algn="ctr">
+              <a:buNone/>
+            </a:pPr>
+            <a:r>
+              <a:rPr lang="en-US" sz="2800" dirty="0">
+                <a:latin typeface="Calibri" panose="020F0502020204030204" pitchFamily="34" charset="0"/>
+                <a:cs typeface="Calibri" panose="020F0502020204030204" pitchFamily="34" charset="0"/>
+              </a:rPr>
+              <a:t>Basic </a:t>
+            </a:r>
+            <a:r>
+              <a:rPr lang="en-US" sz="2800" dirty="0" smtClean="0">
+                <a:latin typeface="Calibri" panose="020F0502020204030204" pitchFamily="34" charset="0"/>
+                <a:cs typeface="Calibri" panose="020F0502020204030204" pitchFamily="34" charset="0"/>
+              </a:rPr>
+              <a:t>Statistics </a:t>
+            </a:r>
+            <a:r>
+              <a:rPr lang="en-US" sz="2800" dirty="0">
+                <a:latin typeface="Calibri" panose="020F0502020204030204" pitchFamily="34" charset="0"/>
+                <a:cs typeface="Calibri" panose="020F0502020204030204" pitchFamily="34" charset="0"/>
+              </a:rPr>
+              <a:t>and </a:t>
+            </a:r>
+            <a:r>
+              <a:rPr lang="en-US" sz="2800" dirty="0" smtClean="0">
+                <a:latin typeface="Calibri" panose="020F0502020204030204" pitchFamily="34" charset="0"/>
+                <a:cs typeface="Calibri" panose="020F0502020204030204" pitchFamily="34" charset="0"/>
+              </a:rPr>
+              <a:t>Visualization</a:t>
+            </a:r>
+          </a:p>
+          <a:p>
+            <a:pPr marL="109728" indent="0">
+              <a:buNone/>
+            </a:pPr>
+            <a:endParaRPr lang="en-US" sz="2800" dirty="0" smtClean="0">
+              <a:latin typeface="Calibri" panose="020F0502020204030204" pitchFamily="34" charset="0"/>
+              <a:cs typeface="Calibri" panose="020F0502020204030204" pitchFamily="34" charset="0"/>
+            </a:endParaRPr>
+          </a:p>
+        </p:txBody>
+      </p:sp>
+      <p:pic>
+        <p:nvPicPr>
+          <p:cNvPr id="3" name="Picture 2"/>
+          <p:cNvPicPr>
+            <a:picLocks noChangeAspect="1"/>
+          </p:cNvPicPr>
+          <p:nvPr/>
+        </p:nvPicPr>
+        <p:blipFill>
+          <a:blip r:embed="rId2">
+            <a:extLst>
+              <a:ext uri="{28A0092B-C50C-407E-A947-70E740481C1C}">
+                <a14:useLocalDpi xmlns:a14="http://schemas.microsoft.com/office/drawing/2010/main" val="0"/>
+              </a:ext>
+            </a:extLst>
+          </a:blip>
+          <a:stretch>
+            <a:fillRect/>
+          </a:stretch>
+        </p:blipFill>
+        <p:spPr>
+          <a:xfrm>
+            <a:off x="1066800" y="1314825"/>
+            <a:ext cx="7467600" cy="5563957"/>
+          </a:xfrm>
+          <a:prstGeom prst="rect">
+            <a:avLst/>
+          </a:prstGeom>
+        </p:spPr>
+      </p:pic>
+    </p:spTree>
+    <p:extLst>
+      <p:ext uri="{BB962C8B-B14F-4D97-AF65-F5344CB8AC3E}">
+        <p14:creationId xmlns:p14="http://schemas.microsoft.com/office/powerpoint/2010/main" val="1613955010"/>
+      </p:ext>
+    </p:extLst>
+  </p:cSld>
+  <p:clrMapOvr>
+    <a:masterClrMapping/>
+  </p:clrMapOvr>
+</p:sld>
+</file>
+
+<file path=ppt/slides/slide14.xml><?xml version="1.0" encoding="utf-8"?>
+<p:sld xmlns:a="http://schemas.openxmlformats.org/drawingml/2006/main" xmlns:r="http://schemas.openxmlformats.org/officeDocument/2006/relationships" xmlns:p="http://schemas.openxmlformats.org/presentationml/2006/main">
+  <p:cSld>
+    <p:spTree>
+      <p:nvGrpSpPr>
+        <p:cNvPr id="1" name=""/>
+        <p:cNvGrpSpPr/>
+        <p:nvPr/>
+      </p:nvGrpSpPr>
+      <p:grpSpPr>
+        <a:xfrm>
+          <a:off x="0" y="0"/>
+          <a:ext cx="0" cy="0"/>
+          <a:chOff x="0" y="0"/>
+          <a:chExt cx="0" cy="0"/>
+        </a:xfrm>
+      </p:grpSpPr>
+      <p:sp>
+        <p:nvSpPr>
+          <p:cNvPr id="2" name="Content Placeholder 1"/>
+          <p:cNvSpPr>
+            <a:spLocks noGrp="1"/>
+          </p:cNvSpPr>
+          <p:nvPr>
+            <p:ph idx="1"/>
+          </p:nvPr>
+        </p:nvSpPr>
+        <p:spPr>
+          <a:xfrm>
+            <a:off x="457200" y="381000"/>
+            <a:ext cx="8229600" cy="6172200"/>
+          </a:xfrm>
+        </p:spPr>
+        <p:txBody>
+          <a:bodyPr>
+            <a:normAutofit/>
+          </a:bodyPr>
+          <a:lstStyle/>
+          <a:p>
+            <a:pPr marL="109728" indent="0" algn="ctr">
+              <a:buNone/>
+            </a:pPr>
+            <a:r>
+              <a:rPr lang="en-US" sz="2800" dirty="0">
+                <a:latin typeface="Calibri" panose="020F0502020204030204" pitchFamily="34" charset="0"/>
+                <a:cs typeface="Calibri" panose="020F0502020204030204" pitchFamily="34" charset="0"/>
+              </a:rPr>
+              <a:t>Exploratory Data </a:t>
+            </a:r>
+            <a:r>
+              <a:rPr lang="en-US" sz="2800" dirty="0" smtClean="0">
+                <a:latin typeface="Calibri" panose="020F0502020204030204" pitchFamily="34" charset="0"/>
+                <a:cs typeface="Calibri" panose="020F0502020204030204" pitchFamily="34" charset="0"/>
+              </a:rPr>
+              <a:t>Analysis </a:t>
+            </a:r>
+            <a:r>
+              <a:rPr lang="en-US" sz="2800" dirty="0">
+                <a:latin typeface="Calibri" panose="020F0502020204030204" pitchFamily="34" charset="0"/>
+                <a:cs typeface="Calibri" panose="020F0502020204030204" pitchFamily="34" charset="0"/>
+              </a:rPr>
+              <a:t>and Data </a:t>
+            </a:r>
+            <a:r>
+              <a:rPr lang="en-US" sz="2800" dirty="0" smtClean="0">
+                <a:latin typeface="Calibri" panose="020F0502020204030204" pitchFamily="34" charset="0"/>
+                <a:cs typeface="Calibri" panose="020F0502020204030204" pitchFamily="34" charset="0"/>
+              </a:rPr>
+              <a:t>Visualization</a:t>
+            </a:r>
+            <a:endParaRPr lang="en-US" sz="2800" dirty="0">
+              <a:latin typeface="Calibri" panose="020F0502020204030204" pitchFamily="34" charset="0"/>
+              <a:cs typeface="Calibri" panose="020F0502020204030204" pitchFamily="34" charset="0"/>
+            </a:endParaRPr>
+          </a:p>
+          <a:p>
+            <a:pPr marL="109728" indent="0" algn="ctr">
+              <a:buNone/>
+            </a:pPr>
+            <a:r>
+              <a:rPr lang="en-US" sz="2400" dirty="0">
+                <a:latin typeface="Calibri" panose="020F0502020204030204" pitchFamily="34" charset="0"/>
+                <a:cs typeface="Calibri" panose="020F0502020204030204" pitchFamily="34" charset="0"/>
+              </a:rPr>
+              <a:t>Basic </a:t>
+            </a:r>
+            <a:r>
+              <a:rPr lang="en-US" sz="2400" dirty="0" smtClean="0">
+                <a:latin typeface="Calibri" panose="020F0502020204030204" pitchFamily="34" charset="0"/>
+                <a:cs typeface="Calibri" panose="020F0502020204030204" pitchFamily="34" charset="0"/>
+              </a:rPr>
+              <a:t>Statistics </a:t>
+            </a:r>
+            <a:r>
+              <a:rPr lang="en-US" sz="2400" dirty="0">
+                <a:latin typeface="Calibri" panose="020F0502020204030204" pitchFamily="34" charset="0"/>
+                <a:cs typeface="Calibri" panose="020F0502020204030204" pitchFamily="34" charset="0"/>
+              </a:rPr>
+              <a:t>and </a:t>
+            </a:r>
+            <a:r>
+              <a:rPr lang="en-US" sz="2400" dirty="0" smtClean="0">
+                <a:latin typeface="Calibri" panose="020F0502020204030204" pitchFamily="34" charset="0"/>
+                <a:cs typeface="Calibri" panose="020F0502020204030204" pitchFamily="34" charset="0"/>
+              </a:rPr>
+              <a:t>Visualization- Organization Types</a:t>
+            </a:r>
+          </a:p>
+          <a:p>
+            <a:pPr marL="109728" indent="0">
+              <a:buNone/>
+            </a:pPr>
+            <a:r>
+              <a:rPr lang="en-US" sz="1600" dirty="0" smtClean="0">
+                <a:latin typeface="Calibri" panose="020F0502020204030204" pitchFamily="34" charset="0"/>
+                <a:cs typeface="Calibri" panose="020F0502020204030204" pitchFamily="34" charset="0"/>
+              </a:rPr>
+              <a:t>Legend for Organization Types:</a:t>
+            </a:r>
+          </a:p>
+          <a:p>
+            <a:r>
+              <a:rPr lang="en-US" sz="1400" dirty="0">
+                <a:latin typeface="Calibri" panose="020F0502020204030204" pitchFamily="34" charset="0"/>
+                <a:cs typeface="Calibri" panose="020F0502020204030204" pitchFamily="34" charset="0"/>
+              </a:rPr>
+              <a:t>1 BSF - Businesses - Financial and Insurance Services</a:t>
+            </a:r>
+          </a:p>
+          <a:p>
+            <a:r>
+              <a:rPr lang="en-US" sz="1400" dirty="0">
+                <a:latin typeface="Calibri" panose="020F0502020204030204" pitchFamily="34" charset="0"/>
+                <a:cs typeface="Calibri" panose="020F0502020204030204" pitchFamily="34" charset="0"/>
+              </a:rPr>
+              <a:t>2 BSO - Businesses - Other</a:t>
+            </a:r>
+          </a:p>
+          <a:p>
+            <a:r>
+              <a:rPr lang="en-US" sz="1400" dirty="0">
+                <a:latin typeface="Calibri" panose="020F0502020204030204" pitchFamily="34" charset="0"/>
+                <a:cs typeface="Calibri" panose="020F0502020204030204" pitchFamily="34" charset="0"/>
+              </a:rPr>
+              <a:t>3 BSR - Businesses - Retail/Merchant – Including Online Retail</a:t>
+            </a:r>
+          </a:p>
+          <a:p>
+            <a:r>
+              <a:rPr lang="en-US" sz="1400" dirty="0">
+                <a:latin typeface="Calibri" panose="020F0502020204030204" pitchFamily="34" charset="0"/>
+                <a:cs typeface="Calibri" panose="020F0502020204030204" pitchFamily="34" charset="0"/>
+              </a:rPr>
+              <a:t>4 EDU - Educational Institutions</a:t>
+            </a:r>
+          </a:p>
+          <a:p>
+            <a:r>
+              <a:rPr lang="en-US" sz="1400" dirty="0">
+                <a:latin typeface="Calibri" panose="020F0502020204030204" pitchFamily="34" charset="0"/>
+                <a:cs typeface="Calibri" panose="020F0502020204030204" pitchFamily="34" charset="0"/>
+              </a:rPr>
+              <a:t>5 GOV - Government &amp; Military</a:t>
+            </a:r>
+          </a:p>
+          <a:p>
+            <a:r>
+              <a:rPr lang="en-US" sz="1400" dirty="0">
+                <a:latin typeface="Calibri" panose="020F0502020204030204" pitchFamily="34" charset="0"/>
+                <a:cs typeface="Calibri" panose="020F0502020204030204" pitchFamily="34" charset="0"/>
+              </a:rPr>
+              <a:t>6 MED - Healthcare - Medical Providers &amp; Medical Insurance Services</a:t>
+            </a:r>
+          </a:p>
+          <a:p>
+            <a:r>
+              <a:rPr lang="en-US" sz="1400" dirty="0">
+                <a:latin typeface="Calibri" panose="020F0502020204030204" pitchFamily="34" charset="0"/>
+                <a:cs typeface="Calibri" panose="020F0502020204030204" pitchFamily="34" charset="0"/>
+              </a:rPr>
+              <a:t>7 NGO - Nonprofit </a:t>
+            </a:r>
+            <a:r>
+              <a:rPr lang="en-US" sz="1400" dirty="0" smtClean="0">
+                <a:latin typeface="Calibri" panose="020F0502020204030204" pitchFamily="34" charset="0"/>
+                <a:cs typeface="Calibri" panose="020F0502020204030204" pitchFamily="34" charset="0"/>
+              </a:rPr>
+              <a:t>Organizations</a:t>
+            </a:r>
+          </a:p>
+          <a:p>
+            <a:pPr marL="109728" indent="0">
+              <a:buNone/>
+            </a:pPr>
+            <a:r>
+              <a:rPr lang="en-US" sz="1600" b="1" dirty="0" smtClean="0">
+                <a:latin typeface="Calibri" panose="020F0502020204030204" pitchFamily="34" charset="0"/>
+                <a:cs typeface="Calibri" panose="020F0502020204030204" pitchFamily="34" charset="0"/>
+              </a:rPr>
+              <a:t>Shows Medical has the largest number of breaches</a:t>
+            </a:r>
+          </a:p>
+          <a:p>
+            <a:pPr marL="109728" indent="0">
+              <a:buNone/>
+            </a:pPr>
+            <a:r>
+              <a:rPr lang="en-US" sz="1600" dirty="0" smtClean="0">
+                <a:latin typeface="Calibri" panose="020F0502020204030204" pitchFamily="34" charset="0"/>
+                <a:cs typeface="Calibri" panose="020F0502020204030204" pitchFamily="34" charset="0"/>
+              </a:rPr>
+              <a:t>Counts by category</a:t>
+            </a:r>
+            <a:endParaRPr lang="en-US" sz="1600" dirty="0">
+              <a:latin typeface="Calibri" panose="020F0502020204030204" pitchFamily="34" charset="0"/>
+              <a:cs typeface="Calibri" panose="020F0502020204030204" pitchFamily="34" charset="0"/>
+            </a:endParaRPr>
+          </a:p>
+          <a:p>
+            <a:r>
+              <a:rPr lang="en-US" sz="1600" dirty="0">
+                <a:latin typeface="Calibri" panose="020F0502020204030204" pitchFamily="34" charset="0"/>
+                <a:cs typeface="Calibri" panose="020F0502020204030204" pitchFamily="34" charset="0"/>
+              </a:rPr>
+              <a:t>1 </a:t>
+            </a:r>
+            <a:r>
+              <a:rPr lang="en-US" sz="1600" dirty="0" smtClean="0">
+                <a:latin typeface="Calibri" panose="020F0502020204030204" pitchFamily="34" charset="0"/>
+                <a:cs typeface="Calibri" panose="020F0502020204030204" pitchFamily="34" charset="0"/>
+              </a:rPr>
+              <a:t>- 746 </a:t>
+            </a:r>
+          </a:p>
+          <a:p>
+            <a:r>
+              <a:rPr lang="en-US" sz="1600" dirty="0" smtClean="0">
+                <a:latin typeface="Calibri" panose="020F0502020204030204" pitchFamily="34" charset="0"/>
+                <a:cs typeface="Calibri" panose="020F0502020204030204" pitchFamily="34" charset="0"/>
+              </a:rPr>
+              <a:t>2 -1028 </a:t>
+            </a:r>
+          </a:p>
+          <a:p>
+            <a:r>
+              <a:rPr lang="en-US" sz="1600" dirty="0" smtClean="0">
+                <a:latin typeface="Calibri" panose="020F0502020204030204" pitchFamily="34" charset="0"/>
+                <a:cs typeface="Calibri" panose="020F0502020204030204" pitchFamily="34" charset="0"/>
+              </a:rPr>
+              <a:t>3  -615 </a:t>
+            </a:r>
+          </a:p>
+          <a:p>
+            <a:r>
+              <a:rPr lang="en-US" sz="1600" dirty="0" smtClean="0">
+                <a:latin typeface="Calibri" panose="020F0502020204030204" pitchFamily="34" charset="0"/>
+                <a:cs typeface="Calibri" panose="020F0502020204030204" pitchFamily="34" charset="0"/>
+              </a:rPr>
+              <a:t>4 - </a:t>
+            </a:r>
+            <a:r>
+              <a:rPr lang="en-US" sz="1600" dirty="0">
+                <a:latin typeface="Calibri" panose="020F0502020204030204" pitchFamily="34" charset="0"/>
+                <a:cs typeface="Calibri" panose="020F0502020204030204" pitchFamily="34" charset="0"/>
+              </a:rPr>
+              <a:t>818 </a:t>
+            </a:r>
+            <a:endParaRPr lang="en-US" sz="1600" dirty="0" smtClean="0">
+              <a:latin typeface="Calibri" panose="020F0502020204030204" pitchFamily="34" charset="0"/>
+              <a:cs typeface="Calibri" panose="020F0502020204030204" pitchFamily="34" charset="0"/>
+            </a:endParaRPr>
+          </a:p>
+          <a:p>
+            <a:r>
+              <a:rPr lang="en-US" sz="1600" dirty="0" smtClean="0">
+                <a:latin typeface="Calibri" panose="020F0502020204030204" pitchFamily="34" charset="0"/>
+                <a:cs typeface="Calibri" panose="020F0502020204030204" pitchFamily="34" charset="0"/>
+              </a:rPr>
+              <a:t>5 - 775 </a:t>
+            </a:r>
+          </a:p>
+          <a:p>
+            <a:r>
+              <a:rPr lang="en-US" sz="1600" dirty="0" smtClean="0">
+                <a:latin typeface="Calibri" panose="020F0502020204030204" pitchFamily="34" charset="0"/>
+                <a:cs typeface="Calibri" panose="020F0502020204030204" pitchFamily="34" charset="0"/>
+              </a:rPr>
+              <a:t>6 - </a:t>
+            </a:r>
+            <a:r>
+              <a:rPr lang="en-US" sz="1600" dirty="0">
+                <a:latin typeface="Calibri" panose="020F0502020204030204" pitchFamily="34" charset="0"/>
+                <a:cs typeface="Calibri" panose="020F0502020204030204" pitchFamily="34" charset="0"/>
+              </a:rPr>
+              <a:t>4077 </a:t>
+            </a:r>
+            <a:endParaRPr lang="en-US" sz="1600" dirty="0" smtClean="0">
+              <a:latin typeface="Calibri" panose="020F0502020204030204" pitchFamily="34" charset="0"/>
+              <a:cs typeface="Calibri" panose="020F0502020204030204" pitchFamily="34" charset="0"/>
+            </a:endParaRPr>
+          </a:p>
+          <a:p>
+            <a:r>
+              <a:rPr lang="en-US" sz="1600" dirty="0" smtClean="0">
+                <a:latin typeface="Calibri" panose="020F0502020204030204" pitchFamily="34" charset="0"/>
+                <a:cs typeface="Calibri" panose="020F0502020204030204" pitchFamily="34" charset="0"/>
+              </a:rPr>
+              <a:t>7 -  118 </a:t>
+            </a:r>
+            <a:endParaRPr lang="en-US" sz="1600" dirty="0">
+              <a:latin typeface="Calibri" panose="020F0502020204030204" pitchFamily="34" charset="0"/>
+              <a:cs typeface="Calibri" panose="020F0502020204030204" pitchFamily="34" charset="0"/>
+            </a:endParaRPr>
+          </a:p>
+          <a:p>
+            <a:pPr marL="109728" indent="0">
+              <a:buNone/>
+            </a:pPr>
+            <a:endParaRPr lang="en-US" sz="2800" dirty="0" smtClean="0">
+              <a:latin typeface="Calibri" panose="020F0502020204030204" pitchFamily="34" charset="0"/>
+              <a:cs typeface="Calibri" panose="020F0502020204030204" pitchFamily="34" charset="0"/>
+            </a:endParaRPr>
+          </a:p>
+        </p:txBody>
+      </p:sp>
+      <p:pic>
+        <p:nvPicPr>
+          <p:cNvPr id="3" name="Picture 2"/>
+          <p:cNvPicPr>
+            <a:picLocks noChangeAspect="1"/>
+          </p:cNvPicPr>
+          <p:nvPr/>
+        </p:nvPicPr>
+        <p:blipFill>
+          <a:blip r:embed="rId2">
+            <a:extLst>
+              <a:ext uri="{28A0092B-C50C-407E-A947-70E740481C1C}">
+                <a14:useLocalDpi xmlns:a14="http://schemas.microsoft.com/office/drawing/2010/main" val="0"/>
+              </a:ext>
+            </a:extLst>
+          </a:blip>
+          <a:stretch>
+            <a:fillRect/>
+          </a:stretch>
+        </p:blipFill>
+        <p:spPr>
+          <a:xfrm>
+            <a:off x="4682836" y="3352800"/>
+            <a:ext cx="4461164" cy="3200400"/>
+          </a:xfrm>
+          <a:prstGeom prst="rect">
+            <a:avLst/>
+          </a:prstGeom>
+        </p:spPr>
+      </p:pic>
+    </p:spTree>
+    <p:extLst>
+      <p:ext uri="{BB962C8B-B14F-4D97-AF65-F5344CB8AC3E}">
+        <p14:creationId xmlns:p14="http://schemas.microsoft.com/office/powerpoint/2010/main" val="541929688"/>
+      </p:ext>
+    </p:extLst>
+  </p:cSld>
+  <p:clrMapOvr>
+    <a:masterClrMapping/>
+  </p:clrMapOvr>
+</p:sld>
+</file>
+
+<file path=ppt/slides/slide15.xml><?xml version="1.0" encoding="utf-8"?>
+<p:sld xmlns:a="http://schemas.openxmlformats.org/drawingml/2006/main" xmlns:r="http://schemas.openxmlformats.org/officeDocument/2006/relationships" xmlns:p="http://schemas.openxmlformats.org/presentationml/2006/main">
+  <p:cSld>
+    <p:spTree>
+      <p:nvGrpSpPr>
+        <p:cNvPr id="1" name=""/>
+        <p:cNvGrpSpPr/>
+        <p:nvPr/>
+      </p:nvGrpSpPr>
+      <p:grpSpPr>
+        <a:xfrm>
+          <a:off x="0" y="0"/>
+          <a:ext cx="0" cy="0"/>
+          <a:chOff x="0" y="0"/>
+          <a:chExt cx="0" cy="0"/>
+        </a:xfrm>
+      </p:grpSpPr>
+      <p:sp>
+        <p:nvSpPr>
+          <p:cNvPr id="2" name="Content Placeholder 1"/>
+          <p:cNvSpPr>
+            <a:spLocks noGrp="1"/>
+          </p:cNvSpPr>
+          <p:nvPr>
+            <p:ph idx="1"/>
+          </p:nvPr>
+        </p:nvSpPr>
+        <p:spPr>
+          <a:xfrm>
+            <a:off x="457200" y="381000"/>
+            <a:ext cx="8229600" cy="6172200"/>
+          </a:xfrm>
+        </p:spPr>
+        <p:txBody>
+          <a:bodyPr>
+            <a:normAutofit/>
+          </a:bodyPr>
+          <a:lstStyle/>
+          <a:p>
+            <a:pPr marL="109728" indent="0" algn="ctr">
+              <a:buNone/>
+            </a:pPr>
+            <a:r>
+              <a:rPr lang="en-US" sz="2800" dirty="0">
+                <a:latin typeface="Calibri" panose="020F0502020204030204" pitchFamily="34" charset="0"/>
+                <a:cs typeface="Calibri" panose="020F0502020204030204" pitchFamily="34" charset="0"/>
+              </a:rPr>
+              <a:t>Exploratory Data </a:t>
+            </a:r>
+            <a:r>
+              <a:rPr lang="en-US" sz="2800" dirty="0" smtClean="0">
+                <a:latin typeface="Calibri" panose="020F0502020204030204" pitchFamily="34" charset="0"/>
+                <a:cs typeface="Calibri" panose="020F0502020204030204" pitchFamily="34" charset="0"/>
+              </a:rPr>
+              <a:t>Analysis </a:t>
+            </a:r>
+            <a:r>
+              <a:rPr lang="en-US" sz="2800" dirty="0">
+                <a:latin typeface="Calibri" panose="020F0502020204030204" pitchFamily="34" charset="0"/>
+                <a:cs typeface="Calibri" panose="020F0502020204030204" pitchFamily="34" charset="0"/>
+              </a:rPr>
+              <a:t>and Data </a:t>
+            </a:r>
+            <a:r>
+              <a:rPr lang="en-US" sz="2800" dirty="0" smtClean="0">
+                <a:latin typeface="Calibri" panose="020F0502020204030204" pitchFamily="34" charset="0"/>
+                <a:cs typeface="Calibri" panose="020F0502020204030204" pitchFamily="34" charset="0"/>
+              </a:rPr>
+              <a:t>Visualization</a:t>
+            </a:r>
+            <a:endParaRPr lang="en-US" sz="2800" dirty="0">
+              <a:latin typeface="Calibri" panose="020F0502020204030204" pitchFamily="34" charset="0"/>
+              <a:cs typeface="Calibri" panose="020F0502020204030204" pitchFamily="34" charset="0"/>
+            </a:endParaRPr>
+          </a:p>
+          <a:p>
+            <a:pPr marL="109728" indent="0" algn="ctr">
+              <a:buNone/>
+            </a:pPr>
+            <a:r>
+              <a:rPr lang="en-US" sz="2400" dirty="0">
+                <a:latin typeface="Calibri" panose="020F0502020204030204" pitchFamily="34" charset="0"/>
+                <a:cs typeface="Calibri" panose="020F0502020204030204" pitchFamily="34" charset="0"/>
+              </a:rPr>
+              <a:t>Basic </a:t>
+            </a:r>
+            <a:r>
+              <a:rPr lang="en-US" sz="2400" dirty="0" smtClean="0">
+                <a:latin typeface="Calibri" panose="020F0502020204030204" pitchFamily="34" charset="0"/>
+                <a:cs typeface="Calibri" panose="020F0502020204030204" pitchFamily="34" charset="0"/>
+              </a:rPr>
+              <a:t>Statistics </a:t>
+            </a:r>
+            <a:r>
+              <a:rPr lang="en-US" sz="2400" dirty="0">
+                <a:latin typeface="Calibri" panose="020F0502020204030204" pitchFamily="34" charset="0"/>
+                <a:cs typeface="Calibri" panose="020F0502020204030204" pitchFamily="34" charset="0"/>
+              </a:rPr>
+              <a:t>and </a:t>
+            </a:r>
+            <a:r>
+              <a:rPr lang="en-US" sz="2400" dirty="0" smtClean="0">
+                <a:latin typeface="Calibri" panose="020F0502020204030204" pitchFamily="34" charset="0"/>
+                <a:cs typeface="Calibri" panose="020F0502020204030204" pitchFamily="34" charset="0"/>
+              </a:rPr>
+              <a:t>Visualization- State CA top breaches</a:t>
+            </a:r>
+          </a:p>
+          <a:p>
+            <a:pPr marL="109728" indent="0">
+              <a:buNone/>
+            </a:pPr>
+            <a:endParaRPr lang="en-US" sz="2800" dirty="0" smtClean="0">
+              <a:latin typeface="Calibri" panose="020F0502020204030204" pitchFamily="34" charset="0"/>
+              <a:cs typeface="Calibri" panose="020F0502020204030204" pitchFamily="34" charset="0"/>
+            </a:endParaRPr>
+          </a:p>
+        </p:txBody>
+      </p:sp>
+      <p:pic>
+        <p:nvPicPr>
+          <p:cNvPr id="3" name="Picture 2"/>
+          <p:cNvPicPr>
+            <a:picLocks noChangeAspect="1"/>
+          </p:cNvPicPr>
+          <p:nvPr/>
+        </p:nvPicPr>
+        <p:blipFill>
+          <a:blip r:embed="rId2">
+            <a:extLst>
+              <a:ext uri="{28A0092B-C50C-407E-A947-70E740481C1C}">
+                <a14:useLocalDpi xmlns:a14="http://schemas.microsoft.com/office/drawing/2010/main" val="0"/>
+              </a:ext>
+            </a:extLst>
+          </a:blip>
+          <a:stretch>
+            <a:fillRect/>
+          </a:stretch>
+        </p:blipFill>
+        <p:spPr>
+          <a:xfrm>
+            <a:off x="0" y="1295400"/>
+            <a:ext cx="9067800" cy="5193323"/>
+          </a:xfrm>
+          <a:prstGeom prst="rect">
+            <a:avLst/>
+          </a:prstGeom>
+        </p:spPr>
+      </p:pic>
+    </p:spTree>
+    <p:extLst>
+      <p:ext uri="{BB962C8B-B14F-4D97-AF65-F5344CB8AC3E}">
+        <p14:creationId xmlns:p14="http://schemas.microsoft.com/office/powerpoint/2010/main" val="3694028221"/>
+      </p:ext>
+    </p:extLst>
+  </p:cSld>
+  <p:clrMapOvr>
+    <a:masterClrMapping/>
+  </p:clrMapOvr>
+</p:sld>
+</file>
+
+<file path=ppt/slides/slide16.xml><?xml version="1.0" encoding="utf-8"?>
+<p:sld xmlns:a="http://schemas.openxmlformats.org/drawingml/2006/main" xmlns:r="http://schemas.openxmlformats.org/officeDocument/2006/relationships" xmlns:p="http://schemas.openxmlformats.org/presentationml/2006/main">
+  <p:cSld>
+    <p:spTree>
+      <p:nvGrpSpPr>
+        <p:cNvPr id="1" name=""/>
+        <p:cNvGrpSpPr/>
+        <p:nvPr/>
+      </p:nvGrpSpPr>
+      <p:grpSpPr>
+        <a:xfrm>
+          <a:off x="0" y="0"/>
+          <a:ext cx="0" cy="0"/>
+          <a:chOff x="0" y="0"/>
+          <a:chExt cx="0" cy="0"/>
+        </a:xfrm>
+      </p:grpSpPr>
+      <p:sp>
+        <p:nvSpPr>
+          <p:cNvPr id="2" name="Content Placeholder 1"/>
+          <p:cNvSpPr>
+            <a:spLocks noGrp="1"/>
+          </p:cNvSpPr>
+          <p:nvPr>
+            <p:ph idx="1"/>
+          </p:nvPr>
+        </p:nvSpPr>
+        <p:spPr>
+          <a:xfrm>
+            <a:off x="457200" y="381000"/>
+            <a:ext cx="8229600" cy="6172200"/>
+          </a:xfrm>
+        </p:spPr>
+        <p:txBody>
+          <a:bodyPr>
+            <a:normAutofit fontScale="92500" lnSpcReduction="10000"/>
+          </a:bodyPr>
+          <a:lstStyle/>
+          <a:p>
+            <a:pPr marL="109728" indent="0" algn="ctr">
+              <a:buNone/>
+            </a:pPr>
+            <a:r>
+              <a:rPr lang="en-US" sz="2800" dirty="0">
+                <a:latin typeface="Calibri" panose="020F0502020204030204" pitchFamily="34" charset="0"/>
+                <a:cs typeface="Calibri" panose="020F0502020204030204" pitchFamily="34" charset="0"/>
+              </a:rPr>
+              <a:t>Exploratory Data </a:t>
+            </a:r>
+            <a:r>
+              <a:rPr lang="en-US" sz="2800" dirty="0" smtClean="0">
+                <a:latin typeface="Calibri" panose="020F0502020204030204" pitchFamily="34" charset="0"/>
+                <a:cs typeface="Calibri" panose="020F0502020204030204" pitchFamily="34" charset="0"/>
+              </a:rPr>
+              <a:t>Analysis </a:t>
+            </a:r>
+            <a:r>
+              <a:rPr lang="en-US" sz="2800" dirty="0">
+                <a:latin typeface="Calibri" panose="020F0502020204030204" pitchFamily="34" charset="0"/>
+                <a:cs typeface="Calibri" panose="020F0502020204030204" pitchFamily="34" charset="0"/>
+              </a:rPr>
+              <a:t>and Data </a:t>
+            </a:r>
+            <a:r>
+              <a:rPr lang="en-US" sz="2800" dirty="0" smtClean="0">
+                <a:latin typeface="Calibri" panose="020F0502020204030204" pitchFamily="34" charset="0"/>
+                <a:cs typeface="Calibri" panose="020F0502020204030204" pitchFamily="34" charset="0"/>
+              </a:rPr>
+              <a:t>Visualization</a:t>
+            </a:r>
+            <a:endParaRPr lang="en-US" sz="2800" dirty="0">
+              <a:latin typeface="Calibri" panose="020F0502020204030204" pitchFamily="34" charset="0"/>
+              <a:cs typeface="Calibri" panose="020F0502020204030204" pitchFamily="34" charset="0"/>
+            </a:endParaRPr>
+          </a:p>
+          <a:p>
+            <a:pPr marL="109728" indent="0" algn="ctr">
+              <a:buNone/>
+            </a:pPr>
+            <a:r>
+              <a:rPr lang="en-US" sz="2400" dirty="0">
+                <a:latin typeface="Calibri" panose="020F0502020204030204" pitchFamily="34" charset="0"/>
+                <a:cs typeface="Calibri" panose="020F0502020204030204" pitchFamily="34" charset="0"/>
+              </a:rPr>
+              <a:t>Basic </a:t>
+            </a:r>
+            <a:r>
+              <a:rPr lang="en-US" sz="2400" dirty="0" smtClean="0">
+                <a:latin typeface="Calibri" panose="020F0502020204030204" pitchFamily="34" charset="0"/>
+                <a:cs typeface="Calibri" panose="020F0502020204030204" pitchFamily="34" charset="0"/>
+              </a:rPr>
+              <a:t>Statistics </a:t>
+            </a:r>
+            <a:r>
+              <a:rPr lang="en-US" sz="2400" dirty="0">
+                <a:latin typeface="Calibri" panose="020F0502020204030204" pitchFamily="34" charset="0"/>
+                <a:cs typeface="Calibri" panose="020F0502020204030204" pitchFamily="34" charset="0"/>
+              </a:rPr>
+              <a:t>and </a:t>
+            </a:r>
+            <a:r>
+              <a:rPr lang="en-US" sz="2400" dirty="0" smtClean="0">
+                <a:latin typeface="Calibri" panose="020F0502020204030204" pitchFamily="34" charset="0"/>
+                <a:cs typeface="Calibri" panose="020F0502020204030204" pitchFamily="34" charset="0"/>
+              </a:rPr>
+              <a:t>Visualization- Breach Types</a:t>
+            </a:r>
+          </a:p>
+          <a:p>
+            <a:pPr marL="109728" indent="0">
+              <a:buNone/>
+            </a:pPr>
+            <a:r>
+              <a:rPr lang="en-US" sz="2400" dirty="0" smtClean="0">
+                <a:latin typeface="Calibri" panose="020F0502020204030204" pitchFamily="34" charset="0"/>
+                <a:cs typeface="Calibri" panose="020F0502020204030204" pitchFamily="34" charset="0"/>
+              </a:rPr>
+              <a:t>Legend for Breach Types:</a:t>
+            </a:r>
+          </a:p>
+          <a:p>
+            <a:r>
+              <a:rPr lang="en-US" sz="1600" dirty="0">
+                <a:latin typeface="Calibri" panose="020F0502020204030204" pitchFamily="34" charset="0"/>
+                <a:cs typeface="Calibri" panose="020F0502020204030204" pitchFamily="34" charset="0"/>
+              </a:rPr>
+              <a:t>1: CARD - Payment Card Fraud: </a:t>
+            </a:r>
+            <a:endParaRPr lang="en-US" sz="1600" dirty="0" smtClean="0">
+              <a:latin typeface="Calibri" panose="020F0502020204030204" pitchFamily="34" charset="0"/>
+              <a:cs typeface="Calibri" panose="020F0502020204030204" pitchFamily="34" charset="0"/>
+            </a:endParaRPr>
+          </a:p>
+          <a:p>
+            <a:r>
+              <a:rPr lang="en-US" sz="1600" dirty="0" smtClean="0">
+                <a:latin typeface="Calibri" panose="020F0502020204030204" pitchFamily="34" charset="0"/>
+                <a:cs typeface="Calibri" panose="020F0502020204030204" pitchFamily="34" charset="0"/>
+              </a:rPr>
+              <a:t>2</a:t>
+            </a:r>
+            <a:r>
+              <a:rPr lang="en-US" sz="1600" dirty="0">
+                <a:latin typeface="Calibri" panose="020F0502020204030204" pitchFamily="34" charset="0"/>
+                <a:cs typeface="Calibri" panose="020F0502020204030204" pitchFamily="34" charset="0"/>
+              </a:rPr>
+              <a:t>: HACK - Hacking or </a:t>
+            </a:r>
+            <a:r>
+              <a:rPr lang="en-US" sz="1600" dirty="0" smtClean="0">
+                <a:latin typeface="Calibri" panose="020F0502020204030204" pitchFamily="34" charset="0"/>
+                <a:cs typeface="Calibri" panose="020F0502020204030204" pitchFamily="34" charset="0"/>
+              </a:rPr>
+              <a:t>Malware</a:t>
+            </a:r>
+          </a:p>
+          <a:p>
+            <a:r>
+              <a:rPr lang="en-US" sz="1600" dirty="0" smtClean="0">
+                <a:latin typeface="Calibri" panose="020F0502020204030204" pitchFamily="34" charset="0"/>
+                <a:cs typeface="Calibri" panose="020F0502020204030204" pitchFamily="34" charset="0"/>
+              </a:rPr>
+              <a:t>3</a:t>
+            </a:r>
+            <a:r>
+              <a:rPr lang="en-US" sz="1600" dirty="0">
+                <a:latin typeface="Calibri" panose="020F0502020204030204" pitchFamily="34" charset="0"/>
+                <a:cs typeface="Calibri" panose="020F0502020204030204" pitchFamily="34" charset="0"/>
+              </a:rPr>
+              <a:t>: INSD </a:t>
+            </a:r>
+            <a:r>
+              <a:rPr lang="en-US" sz="1600" dirty="0" smtClean="0">
+                <a:latin typeface="Calibri" panose="020F0502020204030204" pitchFamily="34" charset="0"/>
+                <a:cs typeface="Calibri" panose="020F0502020204030204" pitchFamily="34" charset="0"/>
+              </a:rPr>
+              <a:t>– Insider</a:t>
+            </a:r>
+          </a:p>
+          <a:p>
+            <a:r>
+              <a:rPr lang="en-US" sz="1600" dirty="0" smtClean="0">
+                <a:latin typeface="Calibri" panose="020F0502020204030204" pitchFamily="34" charset="0"/>
+                <a:cs typeface="Calibri" panose="020F0502020204030204" pitchFamily="34" charset="0"/>
+              </a:rPr>
+              <a:t>4</a:t>
+            </a:r>
+            <a:r>
+              <a:rPr lang="en-US" sz="1600" dirty="0">
+                <a:latin typeface="Calibri" panose="020F0502020204030204" pitchFamily="34" charset="0"/>
+                <a:cs typeface="Calibri" panose="020F0502020204030204" pitchFamily="34" charset="0"/>
+              </a:rPr>
+              <a:t>: PHYS - Physical </a:t>
+            </a:r>
+            <a:r>
+              <a:rPr lang="en-US" sz="1600" dirty="0" smtClean="0">
+                <a:latin typeface="Calibri" panose="020F0502020204030204" pitchFamily="34" charset="0"/>
+                <a:cs typeface="Calibri" panose="020F0502020204030204" pitchFamily="34" charset="0"/>
+              </a:rPr>
+              <a:t>Loss</a:t>
+            </a:r>
+          </a:p>
+          <a:p>
+            <a:r>
+              <a:rPr lang="en-US" sz="1600" dirty="0" smtClean="0">
+                <a:latin typeface="Calibri" panose="020F0502020204030204" pitchFamily="34" charset="0"/>
+                <a:cs typeface="Calibri" panose="020F0502020204030204" pitchFamily="34" charset="0"/>
+              </a:rPr>
+              <a:t>5</a:t>
+            </a:r>
+            <a:r>
+              <a:rPr lang="en-US" sz="1600" dirty="0">
+                <a:latin typeface="Calibri" panose="020F0502020204030204" pitchFamily="34" charset="0"/>
+                <a:cs typeface="Calibri" panose="020F0502020204030204" pitchFamily="34" charset="0"/>
+              </a:rPr>
+              <a:t>: PORT - Portable </a:t>
+            </a:r>
+            <a:r>
+              <a:rPr lang="en-US" sz="1600" dirty="0" smtClean="0">
+                <a:latin typeface="Calibri" panose="020F0502020204030204" pitchFamily="34" charset="0"/>
+                <a:cs typeface="Calibri" panose="020F0502020204030204" pitchFamily="34" charset="0"/>
+              </a:rPr>
+              <a:t>Device</a:t>
+            </a:r>
+          </a:p>
+          <a:p>
+            <a:r>
+              <a:rPr lang="en-US" sz="1600" dirty="0" smtClean="0">
+                <a:latin typeface="Calibri" panose="020F0502020204030204" pitchFamily="34" charset="0"/>
+                <a:cs typeface="Calibri" panose="020F0502020204030204" pitchFamily="34" charset="0"/>
+              </a:rPr>
+              <a:t>6</a:t>
+            </a:r>
+            <a:r>
+              <a:rPr lang="en-US" sz="1600" dirty="0">
+                <a:latin typeface="Calibri" panose="020F0502020204030204" pitchFamily="34" charset="0"/>
+                <a:cs typeface="Calibri" panose="020F0502020204030204" pitchFamily="34" charset="0"/>
+              </a:rPr>
+              <a:t>: STAT - Stationary </a:t>
+            </a:r>
+            <a:r>
+              <a:rPr lang="en-US" sz="1600" dirty="0" smtClean="0">
+                <a:latin typeface="Calibri" panose="020F0502020204030204" pitchFamily="34" charset="0"/>
+                <a:cs typeface="Calibri" panose="020F0502020204030204" pitchFamily="34" charset="0"/>
+              </a:rPr>
+              <a:t>Device</a:t>
+            </a:r>
+          </a:p>
+          <a:p>
+            <a:r>
+              <a:rPr lang="en-US" sz="1600" dirty="0" smtClean="0">
+                <a:latin typeface="Calibri" panose="020F0502020204030204" pitchFamily="34" charset="0"/>
+                <a:cs typeface="Calibri" panose="020F0502020204030204" pitchFamily="34" charset="0"/>
+              </a:rPr>
+              <a:t>7: DISC </a:t>
+            </a:r>
+            <a:r>
+              <a:rPr lang="en-US" sz="1600" dirty="0">
+                <a:latin typeface="Calibri" panose="020F0502020204030204" pitchFamily="34" charset="0"/>
+                <a:cs typeface="Calibri" panose="020F0502020204030204" pitchFamily="34" charset="0"/>
+              </a:rPr>
+              <a:t>- Unintended </a:t>
+            </a:r>
+            <a:r>
+              <a:rPr lang="en-US" sz="1600" dirty="0" smtClean="0">
+                <a:latin typeface="Calibri" panose="020F0502020204030204" pitchFamily="34" charset="0"/>
+                <a:cs typeface="Calibri" panose="020F0502020204030204" pitchFamily="34" charset="0"/>
+              </a:rPr>
+              <a:t>Disclosure</a:t>
+            </a:r>
+          </a:p>
+          <a:p>
+            <a:r>
+              <a:rPr lang="en-US" sz="1600" dirty="0" smtClean="0">
+                <a:latin typeface="Calibri" panose="020F0502020204030204" pitchFamily="34" charset="0"/>
+                <a:cs typeface="Calibri" panose="020F0502020204030204" pitchFamily="34" charset="0"/>
+              </a:rPr>
+              <a:t>0</a:t>
+            </a:r>
+            <a:r>
+              <a:rPr lang="en-US" sz="1600" dirty="0">
+                <a:latin typeface="Calibri" panose="020F0502020204030204" pitchFamily="34" charset="0"/>
+                <a:cs typeface="Calibri" panose="020F0502020204030204" pitchFamily="34" charset="0"/>
+              </a:rPr>
+              <a:t>: </a:t>
+            </a:r>
+            <a:r>
+              <a:rPr lang="en-US" sz="1600" dirty="0" smtClean="0">
+                <a:latin typeface="Calibri" panose="020F0502020204030204" pitchFamily="34" charset="0"/>
+                <a:cs typeface="Calibri" panose="020F0502020204030204" pitchFamily="34" charset="0"/>
+              </a:rPr>
+              <a:t>Unknown</a:t>
+            </a:r>
+          </a:p>
+          <a:p>
+            <a:pPr marL="109728" indent="0">
+              <a:buNone/>
+            </a:pPr>
+            <a:r>
+              <a:rPr lang="en-US" sz="1700" b="1" dirty="0" smtClean="0">
+                <a:latin typeface="Calibri" panose="020F0502020204030204" pitchFamily="34" charset="0"/>
+                <a:cs typeface="Calibri" panose="020F0502020204030204" pitchFamily="34" charset="0"/>
+              </a:rPr>
+              <a:t>Top Breach Type is ‘HACK’</a:t>
+            </a:r>
+            <a:endParaRPr lang="en-US" sz="1700" b="1" dirty="0">
+              <a:latin typeface="Calibri" panose="020F0502020204030204" pitchFamily="34" charset="0"/>
+              <a:cs typeface="Calibri" panose="020F0502020204030204" pitchFamily="34" charset="0"/>
+            </a:endParaRPr>
+          </a:p>
+          <a:p>
+            <a:r>
+              <a:rPr lang="en-US" sz="1600" dirty="0" smtClean="0">
+                <a:latin typeface="Calibri" panose="020F0502020204030204" pitchFamily="34" charset="0"/>
+                <a:cs typeface="Calibri" panose="020F0502020204030204" pitchFamily="34" charset="0"/>
+              </a:rPr>
+              <a:t>Counts:</a:t>
+            </a:r>
+            <a:endParaRPr lang="en-US" sz="1600" dirty="0">
+              <a:latin typeface="Calibri" panose="020F0502020204030204" pitchFamily="34" charset="0"/>
+              <a:cs typeface="Calibri" panose="020F0502020204030204" pitchFamily="34" charset="0"/>
+            </a:endParaRPr>
+          </a:p>
+          <a:p>
+            <a:r>
+              <a:rPr lang="en-US" sz="1600" dirty="0" smtClean="0">
+                <a:latin typeface="Calibri" panose="020F0502020204030204" pitchFamily="34" charset="0"/>
+                <a:cs typeface="Calibri" panose="020F0502020204030204" pitchFamily="34" charset="0"/>
+              </a:rPr>
+              <a:t>CARD 	68 </a:t>
+            </a:r>
+          </a:p>
+          <a:p>
+            <a:r>
+              <a:rPr lang="en-US" sz="1600" dirty="0" smtClean="0">
+                <a:latin typeface="Calibri" panose="020F0502020204030204" pitchFamily="34" charset="0"/>
+                <a:cs typeface="Calibri" panose="020F0502020204030204" pitchFamily="34" charset="0"/>
+              </a:rPr>
+              <a:t>DISC 	1708 </a:t>
+            </a:r>
+          </a:p>
+          <a:p>
+            <a:r>
+              <a:rPr lang="en-US" sz="1600" dirty="0" smtClean="0">
+                <a:latin typeface="Calibri" panose="020F0502020204030204" pitchFamily="34" charset="0"/>
+                <a:cs typeface="Calibri" panose="020F0502020204030204" pitchFamily="34" charset="0"/>
+              </a:rPr>
+              <a:t>HACK 	2431 </a:t>
+            </a:r>
+          </a:p>
+          <a:p>
+            <a:r>
+              <a:rPr lang="en-US" sz="1600" dirty="0" smtClean="0">
+                <a:latin typeface="Calibri" panose="020F0502020204030204" pitchFamily="34" charset="0"/>
+                <a:cs typeface="Calibri" panose="020F0502020204030204" pitchFamily="34" charset="0"/>
+              </a:rPr>
+              <a:t>INSD 	609 </a:t>
+            </a:r>
+          </a:p>
+          <a:p>
+            <a:r>
+              <a:rPr lang="en-US" sz="1600" dirty="0" smtClean="0">
+                <a:latin typeface="Calibri" panose="020F0502020204030204" pitchFamily="34" charset="0"/>
+                <a:cs typeface="Calibri" panose="020F0502020204030204" pitchFamily="34" charset="0"/>
+              </a:rPr>
+              <a:t>PHYS 	1691 </a:t>
+            </a:r>
+          </a:p>
+          <a:p>
+            <a:r>
+              <a:rPr lang="en-US" sz="1600" dirty="0" smtClean="0">
+                <a:latin typeface="Calibri" panose="020F0502020204030204" pitchFamily="34" charset="0"/>
+                <a:cs typeface="Calibri" panose="020F0502020204030204" pitchFamily="34" charset="0"/>
+              </a:rPr>
+              <a:t>PORT 	1172 </a:t>
+            </a:r>
+          </a:p>
+          <a:p>
+            <a:r>
+              <a:rPr lang="en-US" sz="1600" dirty="0" smtClean="0">
+                <a:latin typeface="Calibri" panose="020F0502020204030204" pitchFamily="34" charset="0"/>
+                <a:cs typeface="Calibri" panose="020F0502020204030204" pitchFamily="34" charset="0"/>
+              </a:rPr>
+              <a:t>STAT	249 </a:t>
+            </a:r>
+          </a:p>
+          <a:p>
+            <a:r>
+              <a:rPr lang="en-US" sz="1600" dirty="0" smtClean="0">
+                <a:latin typeface="Calibri" panose="020F0502020204030204" pitchFamily="34" charset="0"/>
+                <a:cs typeface="Calibri" panose="020F0502020204030204" pitchFamily="34" charset="0"/>
+              </a:rPr>
+              <a:t>UNKN 	249 </a:t>
+            </a:r>
+            <a:endParaRPr lang="en-US" sz="1600" dirty="0">
+              <a:latin typeface="Calibri" panose="020F0502020204030204" pitchFamily="34" charset="0"/>
+              <a:cs typeface="Calibri" panose="020F0502020204030204" pitchFamily="34" charset="0"/>
+            </a:endParaRPr>
+          </a:p>
+        </p:txBody>
+      </p:sp>
+      <p:pic>
+        <p:nvPicPr>
+          <p:cNvPr id="3" name="Picture 2"/>
+          <p:cNvPicPr>
+            <a:picLocks noChangeAspect="1"/>
+          </p:cNvPicPr>
+          <p:nvPr/>
+        </p:nvPicPr>
+        <p:blipFill>
+          <a:blip r:embed="rId2">
+            <a:extLst>
+              <a:ext uri="{28A0092B-C50C-407E-A947-70E740481C1C}">
+                <a14:useLocalDpi xmlns:a14="http://schemas.microsoft.com/office/drawing/2010/main" val="0"/>
+              </a:ext>
+            </a:extLst>
+          </a:blip>
+          <a:stretch>
+            <a:fillRect/>
+          </a:stretch>
+        </p:blipFill>
+        <p:spPr>
+          <a:xfrm>
+            <a:off x="3810000" y="1447800"/>
+            <a:ext cx="5029200" cy="4190999"/>
+          </a:xfrm>
+          <a:prstGeom prst="rect">
+            <a:avLst/>
+          </a:prstGeom>
+        </p:spPr>
+      </p:pic>
+    </p:spTree>
+    <p:extLst>
+      <p:ext uri="{BB962C8B-B14F-4D97-AF65-F5344CB8AC3E}">
+        <p14:creationId xmlns:p14="http://schemas.microsoft.com/office/powerpoint/2010/main" val="1757371064"/>
+      </p:ext>
+    </p:extLst>
+  </p:cSld>
+  <p:clrMapOvr>
+    <a:masterClrMapping/>
+  </p:clrMapOvr>
+</p:sld>
+</file>
+
+<file path=ppt/slides/slide17.xml><?xml version="1.0" encoding="utf-8"?>
+<p:sld xmlns:a="http://schemas.openxmlformats.org/drawingml/2006/main" xmlns:r="http://schemas.openxmlformats.org/officeDocument/2006/relationships" xmlns:p="http://schemas.openxmlformats.org/presentationml/2006/main">
+  <p:cSld>
+    <p:spTree>
+      <p:nvGrpSpPr>
+        <p:cNvPr id="1" name=""/>
+        <p:cNvGrpSpPr/>
+        <p:nvPr/>
+      </p:nvGrpSpPr>
+      <p:grpSpPr>
+        <a:xfrm>
+          <a:off x="0" y="0"/>
+          <a:ext cx="0" cy="0"/>
+          <a:chOff x="0" y="0"/>
+          <a:chExt cx="0" cy="0"/>
+        </a:xfrm>
+      </p:grpSpPr>
+      <p:sp>
+        <p:nvSpPr>
+          <p:cNvPr id="2" name="Content Placeholder 1"/>
+          <p:cNvSpPr>
+            <a:spLocks noGrp="1"/>
+          </p:cNvSpPr>
+          <p:nvPr>
+            <p:ph idx="1"/>
+          </p:nvPr>
+        </p:nvSpPr>
+        <p:spPr>
+          <a:xfrm>
+            <a:off x="457200" y="381000"/>
+            <a:ext cx="8229600" cy="6172200"/>
+          </a:xfrm>
+        </p:spPr>
+        <p:txBody>
+          <a:bodyPr>
+            <a:normAutofit/>
+          </a:bodyPr>
+          <a:lstStyle/>
+          <a:p>
+            <a:pPr marL="109728" indent="0" algn="ctr">
+              <a:buNone/>
+            </a:pPr>
+            <a:r>
+              <a:rPr lang="en-US" sz="2800" dirty="0">
+                <a:latin typeface="Calibri" panose="020F0502020204030204" pitchFamily="34" charset="0"/>
+                <a:cs typeface="Calibri" panose="020F0502020204030204" pitchFamily="34" charset="0"/>
+              </a:rPr>
+              <a:t>Exploratory Data </a:t>
+            </a:r>
+            <a:r>
+              <a:rPr lang="en-US" sz="2800" dirty="0" smtClean="0">
+                <a:latin typeface="Calibri" panose="020F0502020204030204" pitchFamily="34" charset="0"/>
+                <a:cs typeface="Calibri" panose="020F0502020204030204" pitchFamily="34" charset="0"/>
+              </a:rPr>
+              <a:t>Analysis </a:t>
+            </a:r>
+            <a:r>
+              <a:rPr lang="en-US" sz="2800" dirty="0">
+                <a:latin typeface="Calibri" panose="020F0502020204030204" pitchFamily="34" charset="0"/>
+                <a:cs typeface="Calibri" panose="020F0502020204030204" pitchFamily="34" charset="0"/>
+              </a:rPr>
+              <a:t>and Data </a:t>
+            </a:r>
+            <a:r>
+              <a:rPr lang="en-US" sz="2800" dirty="0" smtClean="0">
+                <a:latin typeface="Calibri" panose="020F0502020204030204" pitchFamily="34" charset="0"/>
+                <a:cs typeface="Calibri" panose="020F0502020204030204" pitchFamily="34" charset="0"/>
+              </a:rPr>
+              <a:t>Visualization</a:t>
+            </a:r>
+            <a:endParaRPr lang="en-US" sz="2800" dirty="0">
+              <a:latin typeface="Calibri" panose="020F0502020204030204" pitchFamily="34" charset="0"/>
+              <a:cs typeface="Calibri" panose="020F0502020204030204" pitchFamily="34" charset="0"/>
+            </a:endParaRPr>
+          </a:p>
+          <a:p>
+            <a:pPr marL="109728" indent="0" algn="ctr">
+              <a:buNone/>
+            </a:pPr>
+            <a:r>
+              <a:rPr lang="en-US" sz="2400" dirty="0">
+                <a:latin typeface="Calibri" panose="020F0502020204030204" pitchFamily="34" charset="0"/>
+                <a:cs typeface="Calibri" panose="020F0502020204030204" pitchFamily="34" charset="0"/>
+              </a:rPr>
+              <a:t>Basic </a:t>
+            </a:r>
+            <a:r>
+              <a:rPr lang="en-US" sz="2400" dirty="0" smtClean="0">
+                <a:latin typeface="Calibri" panose="020F0502020204030204" pitchFamily="34" charset="0"/>
+                <a:cs typeface="Calibri" panose="020F0502020204030204" pitchFamily="34" charset="0"/>
+              </a:rPr>
+              <a:t>Statistics </a:t>
+            </a:r>
+            <a:r>
+              <a:rPr lang="en-US" sz="2400" dirty="0">
+                <a:latin typeface="Calibri" panose="020F0502020204030204" pitchFamily="34" charset="0"/>
+                <a:cs typeface="Calibri" panose="020F0502020204030204" pitchFamily="34" charset="0"/>
+              </a:rPr>
+              <a:t>and </a:t>
+            </a:r>
+            <a:r>
+              <a:rPr lang="en-US" sz="2400" dirty="0" smtClean="0">
+                <a:latin typeface="Calibri" panose="020F0502020204030204" pitchFamily="34" charset="0"/>
+                <a:cs typeface="Calibri" panose="020F0502020204030204" pitchFamily="34" charset="0"/>
+              </a:rPr>
+              <a:t>Visualization- Breach X Organization Types</a:t>
+            </a:r>
+          </a:p>
+          <a:p>
+            <a:pPr marL="109728" indent="0">
+              <a:buNone/>
+            </a:pPr>
+            <a:r>
+              <a:rPr lang="en-US" sz="1600" dirty="0" smtClean="0">
+                <a:latin typeface="Calibri" panose="020F0502020204030204" pitchFamily="34" charset="0"/>
+                <a:cs typeface="Calibri" panose="020F0502020204030204" pitchFamily="34" charset="0"/>
+              </a:rPr>
+              <a:t>Organizations Y</a:t>
+            </a:r>
+            <a:endParaRPr lang="en-US" sz="1600" dirty="0">
+              <a:latin typeface="Calibri" panose="020F0502020204030204" pitchFamily="34" charset="0"/>
+              <a:cs typeface="Calibri" panose="020F0502020204030204" pitchFamily="34" charset="0"/>
+            </a:endParaRPr>
+          </a:p>
+          <a:p>
+            <a:r>
+              <a:rPr lang="en-US" sz="1200" dirty="0">
+                <a:latin typeface="Calibri" panose="020F0502020204030204" pitchFamily="34" charset="0"/>
+                <a:cs typeface="Calibri" panose="020F0502020204030204" pitchFamily="34" charset="0"/>
+              </a:rPr>
+              <a:t>1 BSF - Businesses - Financial and Insurance Services</a:t>
+            </a:r>
+          </a:p>
+          <a:p>
+            <a:r>
+              <a:rPr lang="en-US" sz="1200" dirty="0">
+                <a:latin typeface="Calibri" panose="020F0502020204030204" pitchFamily="34" charset="0"/>
+                <a:cs typeface="Calibri" panose="020F0502020204030204" pitchFamily="34" charset="0"/>
+              </a:rPr>
+              <a:t>2 BSO - Businesses - Other</a:t>
+            </a:r>
+          </a:p>
+          <a:p>
+            <a:r>
+              <a:rPr lang="en-US" sz="1200" dirty="0">
+                <a:latin typeface="Calibri" panose="020F0502020204030204" pitchFamily="34" charset="0"/>
+                <a:cs typeface="Calibri" panose="020F0502020204030204" pitchFamily="34" charset="0"/>
+              </a:rPr>
+              <a:t>3 BSR - Businesses - Retail/Merchant – </a:t>
+            </a:r>
+            <a:endParaRPr lang="en-US" sz="1200" dirty="0" smtClean="0">
+              <a:latin typeface="Calibri" panose="020F0502020204030204" pitchFamily="34" charset="0"/>
+              <a:cs typeface="Calibri" panose="020F0502020204030204" pitchFamily="34" charset="0"/>
+            </a:endParaRPr>
+          </a:p>
+          <a:p>
+            <a:pPr marL="109728" indent="0">
+              <a:buNone/>
+            </a:pPr>
+            <a:r>
+              <a:rPr lang="en-US" sz="1200" dirty="0">
+                <a:latin typeface="Calibri" panose="020F0502020204030204" pitchFamily="34" charset="0"/>
+                <a:cs typeface="Calibri" panose="020F0502020204030204" pitchFamily="34" charset="0"/>
+              </a:rPr>
+              <a:t>	</a:t>
+            </a:r>
+            <a:r>
+              <a:rPr lang="en-US" sz="1200" dirty="0" smtClean="0">
+                <a:latin typeface="Calibri" panose="020F0502020204030204" pitchFamily="34" charset="0"/>
+                <a:cs typeface="Calibri" panose="020F0502020204030204" pitchFamily="34" charset="0"/>
+              </a:rPr>
+              <a:t>Including </a:t>
+            </a:r>
+            <a:r>
+              <a:rPr lang="en-US" sz="1200" dirty="0">
+                <a:latin typeface="Calibri" panose="020F0502020204030204" pitchFamily="34" charset="0"/>
+                <a:cs typeface="Calibri" panose="020F0502020204030204" pitchFamily="34" charset="0"/>
+              </a:rPr>
+              <a:t>Online Retail</a:t>
+            </a:r>
+          </a:p>
+          <a:p>
+            <a:r>
+              <a:rPr lang="en-US" sz="1200" dirty="0">
+                <a:latin typeface="Calibri" panose="020F0502020204030204" pitchFamily="34" charset="0"/>
+                <a:cs typeface="Calibri" panose="020F0502020204030204" pitchFamily="34" charset="0"/>
+              </a:rPr>
+              <a:t>4 EDU - Educational Institutions</a:t>
+            </a:r>
+          </a:p>
+          <a:p>
+            <a:r>
+              <a:rPr lang="en-US" sz="1200" dirty="0">
+                <a:latin typeface="Calibri" panose="020F0502020204030204" pitchFamily="34" charset="0"/>
+                <a:cs typeface="Calibri" panose="020F0502020204030204" pitchFamily="34" charset="0"/>
+              </a:rPr>
+              <a:t>5 GOV - Government &amp; Military</a:t>
+            </a:r>
+          </a:p>
+          <a:p>
+            <a:r>
+              <a:rPr lang="en-US" sz="1200" dirty="0">
+                <a:latin typeface="Calibri" panose="020F0502020204030204" pitchFamily="34" charset="0"/>
+                <a:cs typeface="Calibri" panose="020F0502020204030204" pitchFamily="34" charset="0"/>
+              </a:rPr>
+              <a:t>6 MED - Healthcare </a:t>
+            </a:r>
+            <a:endParaRPr lang="en-US" sz="1200" dirty="0" smtClean="0">
+              <a:latin typeface="Calibri" panose="020F0502020204030204" pitchFamily="34" charset="0"/>
+              <a:cs typeface="Calibri" panose="020F0502020204030204" pitchFamily="34" charset="0"/>
+            </a:endParaRPr>
+          </a:p>
+          <a:p>
+            <a:r>
+              <a:rPr lang="en-US" sz="1200" dirty="0" smtClean="0">
+                <a:latin typeface="Calibri" panose="020F0502020204030204" pitchFamily="34" charset="0"/>
+                <a:cs typeface="Calibri" panose="020F0502020204030204" pitchFamily="34" charset="0"/>
+              </a:rPr>
+              <a:t>7 </a:t>
+            </a:r>
+            <a:r>
+              <a:rPr lang="en-US" sz="1200" dirty="0">
+                <a:latin typeface="Calibri" panose="020F0502020204030204" pitchFamily="34" charset="0"/>
+                <a:cs typeface="Calibri" panose="020F0502020204030204" pitchFamily="34" charset="0"/>
+              </a:rPr>
+              <a:t>NGO - Nonprofit Organizations</a:t>
+            </a:r>
+          </a:p>
+          <a:p>
+            <a:pPr marL="109728" indent="0">
+              <a:buNone/>
+            </a:pPr>
+            <a:r>
+              <a:rPr lang="en-US" sz="1200" dirty="0" smtClean="0">
+                <a:latin typeface="Calibri" panose="020F0502020204030204" pitchFamily="34" charset="0"/>
+                <a:cs typeface="Calibri" panose="020F0502020204030204" pitchFamily="34" charset="0"/>
+              </a:rPr>
+              <a:t>Breach X</a:t>
+            </a:r>
+          </a:p>
+          <a:p>
+            <a:r>
+              <a:rPr lang="en-US" sz="1200" dirty="0" smtClean="0">
+                <a:latin typeface="Calibri" panose="020F0502020204030204" pitchFamily="34" charset="0"/>
+                <a:cs typeface="Calibri" panose="020F0502020204030204" pitchFamily="34" charset="0"/>
+              </a:rPr>
+              <a:t>1</a:t>
+            </a:r>
+            <a:r>
+              <a:rPr lang="en-US" sz="1200" dirty="0">
+                <a:latin typeface="Calibri" panose="020F0502020204030204" pitchFamily="34" charset="0"/>
+                <a:cs typeface="Calibri" panose="020F0502020204030204" pitchFamily="34" charset="0"/>
+              </a:rPr>
+              <a:t>: CARD - Payment Card Fraud: </a:t>
+            </a:r>
+            <a:endParaRPr lang="en-US" sz="1200" dirty="0" smtClean="0">
+              <a:latin typeface="Calibri" panose="020F0502020204030204" pitchFamily="34" charset="0"/>
+              <a:cs typeface="Calibri" panose="020F0502020204030204" pitchFamily="34" charset="0"/>
+            </a:endParaRPr>
+          </a:p>
+          <a:p>
+            <a:r>
+              <a:rPr lang="en-US" sz="1200" dirty="0" smtClean="0">
+                <a:latin typeface="Calibri" panose="020F0502020204030204" pitchFamily="34" charset="0"/>
+                <a:cs typeface="Calibri" panose="020F0502020204030204" pitchFamily="34" charset="0"/>
+              </a:rPr>
+              <a:t>2</a:t>
+            </a:r>
+            <a:r>
+              <a:rPr lang="en-US" sz="1200" dirty="0">
+                <a:latin typeface="Calibri" panose="020F0502020204030204" pitchFamily="34" charset="0"/>
+                <a:cs typeface="Calibri" panose="020F0502020204030204" pitchFamily="34" charset="0"/>
+              </a:rPr>
+              <a:t>: HACK - Hacking or </a:t>
+            </a:r>
+            <a:r>
+              <a:rPr lang="en-US" sz="1200" dirty="0" smtClean="0">
+                <a:latin typeface="Calibri" panose="020F0502020204030204" pitchFamily="34" charset="0"/>
+                <a:cs typeface="Calibri" panose="020F0502020204030204" pitchFamily="34" charset="0"/>
+              </a:rPr>
+              <a:t>Malware</a:t>
+            </a:r>
+          </a:p>
+          <a:p>
+            <a:r>
+              <a:rPr lang="en-US" sz="1200" dirty="0" smtClean="0">
+                <a:latin typeface="Calibri" panose="020F0502020204030204" pitchFamily="34" charset="0"/>
+                <a:cs typeface="Calibri" panose="020F0502020204030204" pitchFamily="34" charset="0"/>
+              </a:rPr>
+              <a:t>3</a:t>
+            </a:r>
+            <a:r>
+              <a:rPr lang="en-US" sz="1200" dirty="0">
+                <a:latin typeface="Calibri" panose="020F0502020204030204" pitchFamily="34" charset="0"/>
+                <a:cs typeface="Calibri" panose="020F0502020204030204" pitchFamily="34" charset="0"/>
+              </a:rPr>
+              <a:t>: INSD </a:t>
+            </a:r>
+            <a:r>
+              <a:rPr lang="en-US" sz="1200" dirty="0" smtClean="0">
+                <a:latin typeface="Calibri" panose="020F0502020204030204" pitchFamily="34" charset="0"/>
+                <a:cs typeface="Calibri" panose="020F0502020204030204" pitchFamily="34" charset="0"/>
+              </a:rPr>
+              <a:t>– Insider</a:t>
+            </a:r>
+          </a:p>
+          <a:p>
+            <a:r>
+              <a:rPr lang="en-US" sz="1200" dirty="0" smtClean="0">
+                <a:latin typeface="Calibri" panose="020F0502020204030204" pitchFamily="34" charset="0"/>
+                <a:cs typeface="Calibri" panose="020F0502020204030204" pitchFamily="34" charset="0"/>
+              </a:rPr>
+              <a:t>4</a:t>
+            </a:r>
+            <a:r>
+              <a:rPr lang="en-US" sz="1200" dirty="0">
+                <a:latin typeface="Calibri" panose="020F0502020204030204" pitchFamily="34" charset="0"/>
+                <a:cs typeface="Calibri" panose="020F0502020204030204" pitchFamily="34" charset="0"/>
+              </a:rPr>
+              <a:t>: PHYS - Physical </a:t>
+            </a:r>
+            <a:r>
+              <a:rPr lang="en-US" sz="1200" dirty="0" smtClean="0">
+                <a:latin typeface="Calibri" panose="020F0502020204030204" pitchFamily="34" charset="0"/>
+                <a:cs typeface="Calibri" panose="020F0502020204030204" pitchFamily="34" charset="0"/>
+              </a:rPr>
+              <a:t>Loss</a:t>
+            </a:r>
+          </a:p>
+          <a:p>
+            <a:r>
+              <a:rPr lang="en-US" sz="1200" dirty="0" smtClean="0">
+                <a:latin typeface="Calibri" panose="020F0502020204030204" pitchFamily="34" charset="0"/>
+                <a:cs typeface="Calibri" panose="020F0502020204030204" pitchFamily="34" charset="0"/>
+              </a:rPr>
+              <a:t>5</a:t>
+            </a:r>
+            <a:r>
+              <a:rPr lang="en-US" sz="1200" dirty="0">
+                <a:latin typeface="Calibri" panose="020F0502020204030204" pitchFamily="34" charset="0"/>
+                <a:cs typeface="Calibri" panose="020F0502020204030204" pitchFamily="34" charset="0"/>
+              </a:rPr>
+              <a:t>: PORT - Portable </a:t>
+            </a:r>
+            <a:r>
+              <a:rPr lang="en-US" sz="1200" dirty="0" smtClean="0">
+                <a:latin typeface="Calibri" panose="020F0502020204030204" pitchFamily="34" charset="0"/>
+                <a:cs typeface="Calibri" panose="020F0502020204030204" pitchFamily="34" charset="0"/>
+              </a:rPr>
+              <a:t>Device</a:t>
+            </a:r>
+          </a:p>
+          <a:p>
+            <a:r>
+              <a:rPr lang="en-US" sz="1200" dirty="0" smtClean="0">
+                <a:latin typeface="Calibri" panose="020F0502020204030204" pitchFamily="34" charset="0"/>
+                <a:cs typeface="Calibri" panose="020F0502020204030204" pitchFamily="34" charset="0"/>
+              </a:rPr>
+              <a:t>6</a:t>
+            </a:r>
+            <a:r>
+              <a:rPr lang="en-US" sz="1200" dirty="0">
+                <a:latin typeface="Calibri" panose="020F0502020204030204" pitchFamily="34" charset="0"/>
+                <a:cs typeface="Calibri" panose="020F0502020204030204" pitchFamily="34" charset="0"/>
+              </a:rPr>
+              <a:t>: STAT - Stationary </a:t>
+            </a:r>
+            <a:r>
+              <a:rPr lang="en-US" sz="1200" dirty="0" smtClean="0">
+                <a:latin typeface="Calibri" panose="020F0502020204030204" pitchFamily="34" charset="0"/>
+                <a:cs typeface="Calibri" panose="020F0502020204030204" pitchFamily="34" charset="0"/>
+              </a:rPr>
+              <a:t>Device</a:t>
+            </a:r>
+          </a:p>
+          <a:p>
+            <a:r>
+              <a:rPr lang="en-US" sz="1200" dirty="0" smtClean="0">
+                <a:latin typeface="Calibri" panose="020F0502020204030204" pitchFamily="34" charset="0"/>
+                <a:cs typeface="Calibri" panose="020F0502020204030204" pitchFamily="34" charset="0"/>
+              </a:rPr>
+              <a:t>7: DISC </a:t>
+            </a:r>
+            <a:r>
+              <a:rPr lang="en-US" sz="1200" dirty="0">
+                <a:latin typeface="Calibri" panose="020F0502020204030204" pitchFamily="34" charset="0"/>
+                <a:cs typeface="Calibri" panose="020F0502020204030204" pitchFamily="34" charset="0"/>
+              </a:rPr>
+              <a:t>- Unintended </a:t>
+            </a:r>
+            <a:r>
+              <a:rPr lang="en-US" sz="1200" dirty="0" smtClean="0">
+                <a:latin typeface="Calibri" panose="020F0502020204030204" pitchFamily="34" charset="0"/>
+                <a:cs typeface="Calibri" panose="020F0502020204030204" pitchFamily="34" charset="0"/>
+              </a:rPr>
+              <a:t>Disclosure</a:t>
+            </a:r>
+          </a:p>
+          <a:p>
+            <a:r>
+              <a:rPr lang="en-US" sz="1200" dirty="0" smtClean="0">
+                <a:latin typeface="Calibri" panose="020F0502020204030204" pitchFamily="34" charset="0"/>
+                <a:cs typeface="Calibri" panose="020F0502020204030204" pitchFamily="34" charset="0"/>
+              </a:rPr>
+              <a:t>0</a:t>
+            </a:r>
+            <a:r>
+              <a:rPr lang="en-US" sz="1200" dirty="0">
+                <a:latin typeface="Calibri" panose="020F0502020204030204" pitchFamily="34" charset="0"/>
+                <a:cs typeface="Calibri" panose="020F0502020204030204" pitchFamily="34" charset="0"/>
+              </a:rPr>
+              <a:t>: </a:t>
+            </a:r>
+            <a:r>
+              <a:rPr lang="en-US" sz="1200" dirty="0" smtClean="0">
+                <a:latin typeface="Calibri" panose="020F0502020204030204" pitchFamily="34" charset="0"/>
+                <a:cs typeface="Calibri" panose="020F0502020204030204" pitchFamily="34" charset="0"/>
+              </a:rPr>
+              <a:t>Unknown</a:t>
+            </a:r>
+          </a:p>
+          <a:p>
+            <a:pPr marL="109728" indent="0">
+              <a:buNone/>
+            </a:pPr>
+            <a:r>
+              <a:rPr lang="en-US" sz="1600" b="1" dirty="0" smtClean="0">
+                <a:latin typeface="Calibri" panose="020F0502020204030204" pitchFamily="34" charset="0"/>
+                <a:cs typeface="Calibri" panose="020F0502020204030204" pitchFamily="34" charset="0"/>
+              </a:rPr>
+              <a:t>Shows  Medical  with the most breaches,  Especially  Hacking and Physical Loss</a:t>
+            </a:r>
+          </a:p>
+          <a:p>
+            <a:endParaRPr lang="en-US" sz="1600" dirty="0" smtClean="0">
+              <a:latin typeface="Calibri" panose="020F0502020204030204" pitchFamily="34" charset="0"/>
+              <a:cs typeface="Calibri" panose="020F0502020204030204" pitchFamily="34" charset="0"/>
+            </a:endParaRPr>
+          </a:p>
+        </p:txBody>
+      </p:sp>
+      <p:pic>
+        <p:nvPicPr>
+          <p:cNvPr id="4" name="Picture 3"/>
+          <p:cNvPicPr>
+            <a:picLocks noChangeAspect="1"/>
+          </p:cNvPicPr>
+          <p:nvPr/>
+        </p:nvPicPr>
+        <p:blipFill>
+          <a:blip r:embed="rId2">
+            <a:extLst>
+              <a:ext uri="{28A0092B-C50C-407E-A947-70E740481C1C}">
+                <a14:useLocalDpi xmlns:a14="http://schemas.microsoft.com/office/drawing/2010/main" val="0"/>
+              </a:ext>
+            </a:extLst>
+          </a:blip>
+          <a:stretch>
+            <a:fillRect/>
+          </a:stretch>
+        </p:blipFill>
+        <p:spPr>
+          <a:xfrm>
+            <a:off x="4495800" y="1600200"/>
+            <a:ext cx="3962400" cy="4038600"/>
+          </a:xfrm>
+          <a:prstGeom prst="rect">
+            <a:avLst/>
+          </a:prstGeom>
+        </p:spPr>
+      </p:pic>
+    </p:spTree>
+    <p:extLst>
+      <p:ext uri="{BB962C8B-B14F-4D97-AF65-F5344CB8AC3E}">
+        <p14:creationId xmlns:p14="http://schemas.microsoft.com/office/powerpoint/2010/main" val="2280630171"/>
       </p:ext>
     </p:extLst>
   </p:cSld>
@@ -7154,7 +9135,7 @@
                 <a:latin typeface="Calibri" panose="020F0502020204030204" pitchFamily="34" charset="0"/>
                 <a:cs typeface="Calibri" panose="020F0502020204030204" pitchFamily="34" charset="0"/>
               </a:rPr>
-              <a:t>assessment, Transformation, Cleaning </a:t>
+              <a:t>Assessment, Transformation, Cleaning </a:t>
             </a:r>
             <a:r>
               <a:rPr lang="en-US" sz="5000" dirty="0">

--- a/Final Analysis - Data Capstone Project - Data Breaches.pptx
+++ b/Final Analysis - Data Capstone Project - Data Breaches.pptx
@@ -22,6 +22,7 @@
     <p:sldId id="267" r:id="rId16"/>
     <p:sldId id="269" r:id="rId17"/>
     <p:sldId id="272" r:id="rId18"/>
+    <p:sldId id="273" r:id="rId19"/>
   </p:sldIdLst>
   <p:sldSz cx="9144000" cy="6858000" type="screen4x3"/>
   <p:notesSz cx="6858000" cy="9144000"/>
@@ -6822,7 +6823,7 @@
               <a:buNone/>
             </a:pPr>
             <a:r>
-              <a:rPr lang="en-US" sz="1200" dirty="0" smtClean="0">
+              <a:rPr lang="en-US" sz="1600" dirty="0" smtClean="0">
                 <a:latin typeface="Calibri" panose="020F0502020204030204" pitchFamily="34" charset="0"/>
                 <a:cs typeface="Calibri" panose="020F0502020204030204" pitchFamily="34" charset="0"/>
               </a:rPr>
@@ -7064,6 +7065,535 @@
     <p:extLst>
       <p:ext uri="{BB962C8B-B14F-4D97-AF65-F5344CB8AC3E}">
         <p14:creationId xmlns:p14="http://schemas.microsoft.com/office/powerpoint/2010/main" val="2280630171"/>
+      </p:ext>
+    </p:extLst>
+  </p:cSld>
+  <p:clrMapOvr>
+    <a:masterClrMapping/>
+  </p:clrMapOvr>
+</p:sld>
+</file>
+
+<file path=ppt/slides/slide18.xml><?xml version="1.0" encoding="utf-8"?>
+<p:sld xmlns:a="http://schemas.openxmlformats.org/drawingml/2006/main" xmlns:r="http://schemas.openxmlformats.org/officeDocument/2006/relationships" xmlns:p="http://schemas.openxmlformats.org/presentationml/2006/main">
+  <p:cSld>
+    <p:spTree>
+      <p:nvGrpSpPr>
+        <p:cNvPr id="1" name=""/>
+        <p:cNvGrpSpPr/>
+        <p:nvPr/>
+      </p:nvGrpSpPr>
+      <p:grpSpPr>
+        <a:xfrm>
+          <a:off x="0" y="0"/>
+          <a:ext cx="0" cy="0"/>
+          <a:chOff x="0" y="0"/>
+          <a:chExt cx="0" cy="0"/>
+        </a:xfrm>
+      </p:grpSpPr>
+      <p:sp>
+        <p:nvSpPr>
+          <p:cNvPr id="2" name="Content Placeholder 1"/>
+          <p:cNvSpPr>
+            <a:spLocks noGrp="1"/>
+          </p:cNvSpPr>
+          <p:nvPr>
+            <p:ph idx="1"/>
+          </p:nvPr>
+        </p:nvSpPr>
+        <p:spPr>
+          <a:xfrm>
+            <a:off x="457200" y="381000"/>
+            <a:ext cx="8229600" cy="6172200"/>
+          </a:xfrm>
+        </p:spPr>
+        <p:txBody>
+          <a:bodyPr>
+            <a:normAutofit/>
+          </a:bodyPr>
+          <a:lstStyle/>
+          <a:p>
+            <a:pPr marL="109728" indent="0" algn="ctr">
+              <a:buNone/>
+            </a:pPr>
+            <a:r>
+              <a:rPr lang="en-US" sz="2800" dirty="0">
+                <a:latin typeface="Calibri" panose="020F0502020204030204" pitchFamily="34" charset="0"/>
+                <a:cs typeface="Calibri" panose="020F0502020204030204" pitchFamily="34" charset="0"/>
+              </a:rPr>
+              <a:t>Exploratory Data </a:t>
+            </a:r>
+            <a:r>
+              <a:rPr lang="en-US" sz="2800" dirty="0" smtClean="0">
+                <a:latin typeface="Calibri" panose="020F0502020204030204" pitchFamily="34" charset="0"/>
+                <a:cs typeface="Calibri" panose="020F0502020204030204" pitchFamily="34" charset="0"/>
+              </a:rPr>
+              <a:t>Analysis </a:t>
+            </a:r>
+            <a:r>
+              <a:rPr lang="en-US" sz="2800" dirty="0">
+                <a:latin typeface="Calibri" panose="020F0502020204030204" pitchFamily="34" charset="0"/>
+                <a:cs typeface="Calibri" panose="020F0502020204030204" pitchFamily="34" charset="0"/>
+              </a:rPr>
+              <a:t>and Data </a:t>
+            </a:r>
+            <a:r>
+              <a:rPr lang="en-US" sz="2800" dirty="0" smtClean="0">
+                <a:latin typeface="Calibri" panose="020F0502020204030204" pitchFamily="34" charset="0"/>
+                <a:cs typeface="Calibri" panose="020F0502020204030204" pitchFamily="34" charset="0"/>
+              </a:rPr>
+              <a:t>Visualization</a:t>
+            </a:r>
+            <a:endParaRPr lang="en-US" sz="2800" dirty="0">
+              <a:latin typeface="Calibri" panose="020F0502020204030204" pitchFamily="34" charset="0"/>
+              <a:cs typeface="Calibri" panose="020F0502020204030204" pitchFamily="34" charset="0"/>
+            </a:endParaRPr>
+          </a:p>
+          <a:p>
+            <a:pPr marL="109728" indent="0" algn="ctr">
+              <a:buNone/>
+            </a:pPr>
+            <a:r>
+              <a:rPr lang="en-US" sz="2400" dirty="0">
+                <a:latin typeface="Calibri" panose="020F0502020204030204" pitchFamily="34" charset="0"/>
+                <a:cs typeface="Calibri" panose="020F0502020204030204" pitchFamily="34" charset="0"/>
+              </a:rPr>
+              <a:t>Basic </a:t>
+            </a:r>
+            <a:r>
+              <a:rPr lang="en-US" sz="2400" dirty="0" smtClean="0">
+                <a:latin typeface="Calibri" panose="020F0502020204030204" pitchFamily="34" charset="0"/>
+                <a:cs typeface="Calibri" panose="020F0502020204030204" pitchFamily="34" charset="0"/>
+              </a:rPr>
+              <a:t>Statistics </a:t>
+            </a:r>
+            <a:r>
+              <a:rPr lang="en-US" sz="2400" dirty="0">
+                <a:latin typeface="Calibri" panose="020F0502020204030204" pitchFamily="34" charset="0"/>
+                <a:cs typeface="Calibri" panose="020F0502020204030204" pitchFamily="34" charset="0"/>
+              </a:rPr>
+              <a:t>and </a:t>
+            </a:r>
+            <a:r>
+              <a:rPr lang="en-US" sz="2400" dirty="0" smtClean="0">
+                <a:latin typeface="Calibri" panose="020F0502020204030204" pitchFamily="34" charset="0"/>
+                <a:cs typeface="Calibri" panose="020F0502020204030204" pitchFamily="34" charset="0"/>
+              </a:rPr>
+              <a:t>Visualization- Correlation Breach Types</a:t>
+            </a:r>
+          </a:p>
+          <a:p>
+            <a:endParaRPr lang="en-US" sz="2400" dirty="0"/>
+          </a:p>
+          <a:p>
+            <a:pPr marL="109728" indent="0">
+              <a:buNone/>
+            </a:pPr>
+            <a:r>
+              <a:rPr lang="en-US" sz="1200" dirty="0" smtClean="0">
+                <a:latin typeface="Courier New" panose="02070309020205020404" pitchFamily="49" charset="0"/>
+                <a:cs typeface="Courier New" panose="02070309020205020404" pitchFamily="49" charset="0"/>
+              </a:rPr>
+              <a:t>	  Total_Recs </a:t>
+            </a:r>
+            <a:r>
+              <a:rPr lang="en-US" sz="1200" dirty="0">
+                <a:latin typeface="Courier New" panose="02070309020205020404" pitchFamily="49" charset="0"/>
+                <a:cs typeface="Courier New" panose="02070309020205020404" pitchFamily="49" charset="0"/>
+              </a:rPr>
+              <a:t>Unknown CreditCard Hacking </a:t>
+            </a:r>
+            <a:r>
+              <a:rPr lang="en-US" sz="1200" dirty="0" smtClean="0">
+                <a:latin typeface="Courier New" panose="02070309020205020404" pitchFamily="49" charset="0"/>
+                <a:cs typeface="Courier New" panose="02070309020205020404" pitchFamily="49" charset="0"/>
+              </a:rPr>
+              <a:t>  Insider   Physical </a:t>
+            </a:r>
+            <a:r>
+              <a:rPr lang="en-US" sz="1200" dirty="0">
+                <a:latin typeface="Courier New" panose="02070309020205020404" pitchFamily="49" charset="0"/>
+                <a:cs typeface="Courier New" panose="02070309020205020404" pitchFamily="49" charset="0"/>
+              </a:rPr>
+              <a:t>\ </a:t>
+            </a:r>
+            <a:endParaRPr lang="en-US" sz="1200" dirty="0" smtClean="0">
+              <a:latin typeface="Courier New" panose="02070309020205020404" pitchFamily="49" charset="0"/>
+              <a:cs typeface="Courier New" panose="02070309020205020404" pitchFamily="49" charset="0"/>
+            </a:endParaRPr>
+          </a:p>
+          <a:p>
+            <a:pPr marL="109728" indent="0">
+              <a:buNone/>
+            </a:pPr>
+            <a:r>
+              <a:rPr lang="en-US" sz="1200" dirty="0" smtClean="0">
+                <a:latin typeface="Courier New" panose="02070309020205020404" pitchFamily="49" charset="0"/>
+                <a:cs typeface="Courier New" panose="02070309020205020404" pitchFamily="49" charset="0"/>
+              </a:rPr>
+              <a:t>Total_Recs </a:t>
+            </a:r>
+            <a:r>
+              <a:rPr lang="en-US" sz="1200" dirty="0">
+                <a:latin typeface="Courier New" panose="02070309020205020404" pitchFamily="49" charset="0"/>
+                <a:cs typeface="Courier New" panose="02070309020205020404" pitchFamily="49" charset="0"/>
+              </a:rPr>
+              <a:t>1.000000 -0.002099 -0.002658 </a:t>
+            </a:r>
+            <a:r>
+              <a:rPr lang="en-US" sz="1200" dirty="0" smtClean="0">
+                <a:latin typeface="Courier New" panose="02070309020205020404" pitchFamily="49" charset="0"/>
+                <a:cs typeface="Courier New" panose="02070309020205020404" pitchFamily="49" charset="0"/>
+              </a:rPr>
+              <a:t> 0.031210 </a:t>
+            </a:r>
+            <a:r>
+              <a:rPr lang="en-US" sz="1200" dirty="0">
+                <a:latin typeface="Courier New" panose="02070309020205020404" pitchFamily="49" charset="0"/>
+                <a:cs typeface="Courier New" panose="02070309020205020404" pitchFamily="49" charset="0"/>
+              </a:rPr>
+              <a:t>-0.008220 -0.016264 </a:t>
+            </a:r>
+            <a:endParaRPr lang="en-US" sz="1200" dirty="0" smtClean="0">
+              <a:latin typeface="Courier New" panose="02070309020205020404" pitchFamily="49" charset="0"/>
+              <a:cs typeface="Courier New" panose="02070309020205020404" pitchFamily="49" charset="0"/>
+            </a:endParaRPr>
+          </a:p>
+          <a:p>
+            <a:pPr marL="109728" indent="0">
+              <a:buNone/>
+            </a:pPr>
+            <a:r>
+              <a:rPr lang="en-US" sz="1200" dirty="0" smtClean="0">
+                <a:latin typeface="Courier New" panose="02070309020205020404" pitchFamily="49" charset="0"/>
+                <a:cs typeface="Courier New" panose="02070309020205020404" pitchFamily="49" charset="0"/>
+              </a:rPr>
+              <a:t>Unknown   -</a:t>
+            </a:r>
+            <a:r>
+              <a:rPr lang="en-US" sz="1200" dirty="0">
+                <a:latin typeface="Courier New" panose="02070309020205020404" pitchFamily="49" charset="0"/>
+                <a:cs typeface="Courier New" panose="02070309020205020404" pitchFamily="49" charset="0"/>
+              </a:rPr>
+              <a:t>0.002099 </a:t>
+            </a:r>
+            <a:r>
+              <a:rPr lang="en-US" sz="1200" dirty="0" smtClean="0">
+                <a:latin typeface="Courier New" panose="02070309020205020404" pitchFamily="49" charset="0"/>
+                <a:cs typeface="Courier New" panose="02070309020205020404" pitchFamily="49" charset="0"/>
+              </a:rPr>
+              <a:t> 1.000000 </a:t>
+            </a:r>
+            <a:r>
+              <a:rPr lang="en-US" sz="1200" dirty="0">
+                <a:latin typeface="Courier New" panose="02070309020205020404" pitchFamily="49" charset="0"/>
+                <a:cs typeface="Courier New" panose="02070309020205020404" pitchFamily="49" charset="0"/>
+              </a:rPr>
+              <a:t>-0.016229 -0.115273 -0.050273 -0.090490 </a:t>
+            </a:r>
+            <a:endParaRPr lang="en-US" sz="1200" dirty="0" smtClean="0">
+              <a:latin typeface="Courier New" panose="02070309020205020404" pitchFamily="49" charset="0"/>
+              <a:cs typeface="Courier New" panose="02070309020205020404" pitchFamily="49" charset="0"/>
+            </a:endParaRPr>
+          </a:p>
+          <a:p>
+            <a:pPr marL="109728" indent="0">
+              <a:buNone/>
+            </a:pPr>
+            <a:r>
+              <a:rPr lang="en-US" sz="1200" dirty="0" smtClean="0">
+                <a:latin typeface="Courier New" panose="02070309020205020404" pitchFamily="49" charset="0"/>
+                <a:cs typeface="Courier New" panose="02070309020205020404" pitchFamily="49" charset="0"/>
+              </a:rPr>
+              <a:t>CreditCard-0.002658 </a:t>
+            </a:r>
+            <a:r>
+              <a:rPr lang="en-US" sz="1200" dirty="0">
+                <a:latin typeface="Courier New" panose="02070309020205020404" pitchFamily="49" charset="0"/>
+                <a:cs typeface="Courier New" panose="02070309020205020404" pitchFamily="49" charset="0"/>
+              </a:rPr>
+              <a:t>-0.016229 </a:t>
+            </a:r>
+            <a:r>
+              <a:rPr lang="en-US" sz="1200" dirty="0" smtClean="0">
+                <a:latin typeface="Courier New" panose="02070309020205020404" pitchFamily="49" charset="0"/>
+                <a:cs typeface="Courier New" panose="02070309020205020404" pitchFamily="49" charset="0"/>
+              </a:rPr>
+              <a:t> 1.000000 </a:t>
+            </a:r>
+            <a:r>
+              <a:rPr lang="en-US" sz="1200" dirty="0">
+                <a:latin typeface="Courier New" panose="02070309020205020404" pitchFamily="49" charset="0"/>
+                <a:cs typeface="Courier New" panose="02070309020205020404" pitchFamily="49" charset="0"/>
+              </a:rPr>
+              <a:t>-0.059564 -0.025977 -0.046758 </a:t>
+            </a:r>
+            <a:endParaRPr lang="en-US" sz="1200" dirty="0" smtClean="0">
+              <a:latin typeface="Courier New" panose="02070309020205020404" pitchFamily="49" charset="0"/>
+              <a:cs typeface="Courier New" panose="02070309020205020404" pitchFamily="49" charset="0"/>
+            </a:endParaRPr>
+          </a:p>
+          <a:p>
+            <a:pPr marL="109728" indent="0">
+              <a:buNone/>
+            </a:pPr>
+            <a:r>
+              <a:rPr lang="en-US" sz="1200" dirty="0" smtClean="0">
+                <a:latin typeface="Courier New" panose="02070309020205020404" pitchFamily="49" charset="0"/>
+                <a:cs typeface="Courier New" panose="02070309020205020404" pitchFamily="49" charset="0"/>
+              </a:rPr>
+              <a:t>Hacking    0.031210 </a:t>
+            </a:r>
+            <a:r>
+              <a:rPr lang="en-US" sz="1200" dirty="0">
+                <a:latin typeface="Courier New" panose="02070309020205020404" pitchFamily="49" charset="0"/>
+                <a:cs typeface="Courier New" panose="02070309020205020404" pitchFamily="49" charset="0"/>
+              </a:rPr>
+              <a:t>-0.115273 -0.059564 </a:t>
+            </a:r>
+            <a:r>
+              <a:rPr lang="en-US" sz="1200" dirty="0" smtClean="0">
+                <a:latin typeface="Courier New" panose="02070309020205020404" pitchFamily="49" charset="0"/>
+                <a:cs typeface="Courier New" panose="02070309020205020404" pitchFamily="49" charset="0"/>
+              </a:rPr>
+              <a:t> 1.000000 </a:t>
+            </a:r>
+            <a:r>
+              <a:rPr lang="en-US" sz="1200" dirty="0">
+                <a:latin typeface="Courier New" panose="02070309020205020404" pitchFamily="49" charset="0"/>
+                <a:cs typeface="Courier New" panose="02070309020205020404" pitchFamily="49" charset="0"/>
+              </a:rPr>
+              <a:t>-0.184513 -0.332118 </a:t>
+            </a:r>
+            <a:endParaRPr lang="en-US" sz="1200" dirty="0" smtClean="0">
+              <a:latin typeface="Courier New" panose="02070309020205020404" pitchFamily="49" charset="0"/>
+              <a:cs typeface="Courier New" panose="02070309020205020404" pitchFamily="49" charset="0"/>
+            </a:endParaRPr>
+          </a:p>
+          <a:p>
+            <a:pPr marL="109728" indent="0">
+              <a:buNone/>
+            </a:pPr>
+            <a:r>
+              <a:rPr lang="en-US" sz="1200" dirty="0" smtClean="0">
+                <a:latin typeface="Courier New" panose="02070309020205020404" pitchFamily="49" charset="0"/>
+                <a:cs typeface="Courier New" panose="02070309020205020404" pitchFamily="49" charset="0"/>
+              </a:rPr>
+              <a:t>Insider   -</a:t>
+            </a:r>
+            <a:r>
+              <a:rPr lang="en-US" sz="1200" dirty="0">
+                <a:latin typeface="Courier New" panose="02070309020205020404" pitchFamily="49" charset="0"/>
+                <a:cs typeface="Courier New" panose="02070309020205020404" pitchFamily="49" charset="0"/>
+              </a:rPr>
+              <a:t>0.008220 -0.050273 -0.025977 -0.184513 </a:t>
+            </a:r>
+            <a:r>
+              <a:rPr lang="en-US" sz="1200" dirty="0" smtClean="0">
+                <a:latin typeface="Courier New" panose="02070309020205020404" pitchFamily="49" charset="0"/>
+                <a:cs typeface="Courier New" panose="02070309020205020404" pitchFamily="49" charset="0"/>
+              </a:rPr>
+              <a:t> 1.000000 </a:t>
+            </a:r>
+            <a:r>
+              <a:rPr lang="en-US" sz="1200" dirty="0">
+                <a:latin typeface="Courier New" panose="02070309020205020404" pitchFamily="49" charset="0"/>
+                <a:cs typeface="Courier New" panose="02070309020205020404" pitchFamily="49" charset="0"/>
+              </a:rPr>
+              <a:t>-0.144844 </a:t>
+            </a:r>
+            <a:endParaRPr lang="en-US" sz="1200" dirty="0" smtClean="0">
+              <a:latin typeface="Courier New" panose="02070309020205020404" pitchFamily="49" charset="0"/>
+              <a:cs typeface="Courier New" panose="02070309020205020404" pitchFamily="49" charset="0"/>
+            </a:endParaRPr>
+          </a:p>
+          <a:p>
+            <a:pPr marL="109728" indent="0">
+              <a:buNone/>
+            </a:pPr>
+            <a:r>
+              <a:rPr lang="en-US" sz="1200" dirty="0" smtClean="0">
+                <a:latin typeface="Courier New" panose="02070309020205020404" pitchFamily="49" charset="0"/>
+                <a:cs typeface="Courier New" panose="02070309020205020404" pitchFamily="49" charset="0"/>
+              </a:rPr>
+              <a:t>Physical  -</a:t>
+            </a:r>
+            <a:r>
+              <a:rPr lang="en-US" sz="1200" dirty="0">
+                <a:latin typeface="Courier New" panose="02070309020205020404" pitchFamily="49" charset="0"/>
+                <a:cs typeface="Courier New" panose="02070309020205020404" pitchFamily="49" charset="0"/>
+              </a:rPr>
+              <a:t>0.016264 -0.090490 -0.046758 </a:t>
+            </a:r>
+            <a:r>
+              <a:rPr lang="en-US" sz="1200" b="1" dirty="0">
+                <a:solidFill>
+                  <a:schemeClr val="accent2">
+                    <a:lumMod val="75000"/>
+                  </a:schemeClr>
+                </a:solidFill>
+                <a:latin typeface="Courier New" panose="02070309020205020404" pitchFamily="49" charset="0"/>
+                <a:cs typeface="Courier New" panose="02070309020205020404" pitchFamily="49" charset="0"/>
+              </a:rPr>
+              <a:t>-0.332118 </a:t>
+            </a:r>
+            <a:r>
+              <a:rPr lang="en-US" sz="1200" dirty="0">
+                <a:latin typeface="Courier New" panose="02070309020205020404" pitchFamily="49" charset="0"/>
+                <a:cs typeface="Courier New" panose="02070309020205020404" pitchFamily="49" charset="0"/>
+              </a:rPr>
+              <a:t>-0.144844 </a:t>
+            </a:r>
+            <a:r>
+              <a:rPr lang="en-US" sz="1200" dirty="0" smtClean="0">
+                <a:latin typeface="Courier New" panose="02070309020205020404" pitchFamily="49" charset="0"/>
+                <a:cs typeface="Courier New" panose="02070309020205020404" pitchFamily="49" charset="0"/>
+              </a:rPr>
+              <a:t> 1.000000 </a:t>
+            </a:r>
+          </a:p>
+          <a:p>
+            <a:pPr marL="109728" indent="0">
+              <a:buNone/>
+            </a:pPr>
+            <a:r>
+              <a:rPr lang="en-US" sz="1200" dirty="0" smtClean="0">
+                <a:latin typeface="Courier New" panose="02070309020205020404" pitchFamily="49" charset="0"/>
+                <a:cs typeface="Courier New" panose="02070309020205020404" pitchFamily="49" charset="0"/>
+              </a:rPr>
+              <a:t>Portable  -</a:t>
+            </a:r>
+            <a:r>
+              <a:rPr lang="en-US" sz="1200" dirty="0">
+                <a:latin typeface="Courier New" panose="02070309020205020404" pitchFamily="49" charset="0"/>
+                <a:cs typeface="Courier New" panose="02070309020205020404" pitchFamily="49" charset="0"/>
+              </a:rPr>
+              <a:t>0.011633 -0.072490 -0.037457 -0.266054 -0.116032 -0.208854 </a:t>
+            </a:r>
+            <a:endParaRPr lang="en-US" sz="1200" dirty="0" smtClean="0">
+              <a:latin typeface="Courier New" panose="02070309020205020404" pitchFamily="49" charset="0"/>
+              <a:cs typeface="Courier New" panose="02070309020205020404" pitchFamily="49" charset="0"/>
+            </a:endParaRPr>
+          </a:p>
+          <a:p>
+            <a:pPr marL="109728" indent="0">
+              <a:buNone/>
+            </a:pPr>
+            <a:r>
+              <a:rPr lang="en-US" sz="1200" dirty="0" smtClean="0">
+                <a:latin typeface="Courier New" panose="02070309020205020404" pitchFamily="49" charset="0"/>
+                <a:cs typeface="Courier New" panose="02070309020205020404" pitchFamily="49" charset="0"/>
+              </a:rPr>
+              <a:t>Stationary-0.005458 </a:t>
+            </a:r>
+            <a:r>
+              <a:rPr lang="en-US" sz="1200" dirty="0">
+                <a:latin typeface="Courier New" panose="02070309020205020404" pitchFamily="49" charset="0"/>
+                <a:cs typeface="Courier New" panose="02070309020205020404" pitchFamily="49" charset="0"/>
+              </a:rPr>
+              <a:t>-0.031408 -0.016229 -0.115273 -0.050273 -0.090490 </a:t>
+            </a:r>
+            <a:endParaRPr lang="en-US" sz="1200" dirty="0" smtClean="0">
+              <a:latin typeface="Courier New" panose="02070309020205020404" pitchFamily="49" charset="0"/>
+              <a:cs typeface="Courier New" panose="02070309020205020404" pitchFamily="49" charset="0"/>
+            </a:endParaRPr>
+          </a:p>
+          <a:p>
+            <a:pPr marL="109728" indent="0">
+              <a:buNone/>
+            </a:pPr>
+            <a:r>
+              <a:rPr lang="en-US" sz="1200" dirty="0" smtClean="0">
+                <a:latin typeface="Courier New" panose="02070309020205020404" pitchFamily="49" charset="0"/>
+                <a:cs typeface="Courier New" panose="02070309020205020404" pitchFamily="49" charset="0"/>
+              </a:rPr>
+              <a:t>Disclosure </a:t>
+            </a:r>
+            <a:r>
+              <a:rPr lang="en-US" sz="1200" dirty="0">
+                <a:latin typeface="Courier New" panose="02070309020205020404" pitchFamily="49" charset="0"/>
+                <a:cs typeface="Courier New" panose="02070309020205020404" pitchFamily="49" charset="0"/>
+              </a:rPr>
+              <a:t>0.000237 -0.091063 -0.047054 </a:t>
+            </a:r>
+            <a:r>
+              <a:rPr lang="en-US" sz="1200" b="1" dirty="0">
+                <a:solidFill>
+                  <a:schemeClr val="accent2">
+                    <a:lumMod val="75000"/>
+                  </a:schemeClr>
+                </a:solidFill>
+                <a:latin typeface="Courier New" panose="02070309020205020404" pitchFamily="49" charset="0"/>
+                <a:cs typeface="Courier New" panose="02070309020205020404" pitchFamily="49" charset="0"/>
+              </a:rPr>
+              <a:t>-0.334222 </a:t>
+            </a:r>
+            <a:r>
+              <a:rPr lang="en-US" sz="1200" dirty="0">
+                <a:latin typeface="Courier New" panose="02070309020205020404" pitchFamily="49" charset="0"/>
+                <a:cs typeface="Courier New" panose="02070309020205020404" pitchFamily="49" charset="0"/>
+              </a:rPr>
+              <a:t>-0.145762 -0.262367 </a:t>
+            </a:r>
+            <a:endParaRPr lang="en-US" sz="1200" dirty="0" smtClean="0">
+              <a:latin typeface="Courier New" panose="02070309020205020404" pitchFamily="49" charset="0"/>
+              <a:cs typeface="Courier New" panose="02070309020205020404" pitchFamily="49" charset="0"/>
+            </a:endParaRPr>
+          </a:p>
+          <a:p>
+            <a:pPr marL="109728" indent="0">
+              <a:buNone/>
+            </a:pPr>
+            <a:endParaRPr lang="en-US" sz="1200" dirty="0">
+              <a:latin typeface="Courier New" panose="02070309020205020404" pitchFamily="49" charset="0"/>
+              <a:cs typeface="Courier New" panose="02070309020205020404" pitchFamily="49" charset="0"/>
+            </a:endParaRPr>
+          </a:p>
+          <a:p>
+            <a:pPr marL="109728" indent="0">
+              <a:buNone/>
+            </a:pPr>
+            <a:r>
+              <a:rPr lang="en-US" sz="1800" dirty="0" smtClean="0">
+                <a:latin typeface="Calibri" panose="020F0502020204030204" pitchFamily="34" charset="0"/>
+                <a:cs typeface="Calibri" panose="020F0502020204030204" pitchFamily="34" charset="0"/>
+              </a:rPr>
+              <a:t>There </a:t>
+            </a:r>
+            <a:r>
+              <a:rPr lang="en-US" sz="1800" smtClean="0">
+                <a:latin typeface="Calibri" panose="020F0502020204030204" pitchFamily="34" charset="0"/>
+                <a:cs typeface="Calibri" panose="020F0502020204030204" pitchFamily="34" charset="0"/>
+              </a:rPr>
+              <a:t>is a negative </a:t>
+            </a:r>
+            <a:r>
+              <a:rPr lang="en-US" sz="1800" dirty="0" smtClean="0">
+                <a:latin typeface="Calibri" panose="020F0502020204030204" pitchFamily="34" charset="0"/>
+                <a:cs typeface="Calibri" panose="020F0502020204030204" pitchFamily="34" charset="0"/>
+              </a:rPr>
+              <a:t>correlation between Hacking and Disclosure and Hacking and Physical.</a:t>
+            </a:r>
+            <a:endParaRPr lang="en-US" sz="1800" dirty="0">
+              <a:latin typeface="Calibri" panose="020F0502020204030204" pitchFamily="34" charset="0"/>
+              <a:cs typeface="Calibri" panose="020F0502020204030204" pitchFamily="34" charset="0"/>
+            </a:endParaRPr>
+          </a:p>
+          <a:p>
+            <a:pPr marL="109728" indent="0" algn="ctr">
+              <a:buNone/>
+            </a:pPr>
+            <a:endParaRPr lang="en-US" sz="1900" dirty="0" smtClean="0">
+              <a:latin typeface="Courier New" panose="02070309020205020404" pitchFamily="49" charset="0"/>
+              <a:cs typeface="Courier New" panose="02070309020205020404" pitchFamily="49" charset="0"/>
+            </a:endParaRPr>
+          </a:p>
+        </p:txBody>
+      </p:sp>
+    </p:spTree>
+    <p:extLst>
+      <p:ext uri="{BB962C8B-B14F-4D97-AF65-F5344CB8AC3E}">
+        <p14:creationId xmlns:p14="http://schemas.microsoft.com/office/powerpoint/2010/main" val="1993766210"/>
       </p:ext>
     </p:extLst>
   </p:cSld>

--- a/Final Analysis - Data Capstone Project - Data Breaches.pptx
+++ b/Final Analysis - Data Capstone Project - Data Breaches.pptx
@@ -23,6 +23,22 @@
     <p:sldId id="269" r:id="rId17"/>
     <p:sldId id="272" r:id="rId18"/>
     <p:sldId id="273" r:id="rId19"/>
+    <p:sldId id="274" r:id="rId20"/>
+    <p:sldId id="275" r:id="rId21"/>
+    <p:sldId id="278" r:id="rId22"/>
+    <p:sldId id="279" r:id="rId23"/>
+    <p:sldId id="280" r:id="rId24"/>
+    <p:sldId id="281" r:id="rId25"/>
+    <p:sldId id="282" r:id="rId26"/>
+    <p:sldId id="283" r:id="rId27"/>
+    <p:sldId id="284" r:id="rId28"/>
+    <p:sldId id="276" r:id="rId29"/>
+    <p:sldId id="277" r:id="rId30"/>
+    <p:sldId id="285" r:id="rId31"/>
+    <p:sldId id="286" r:id="rId32"/>
+    <p:sldId id="287" r:id="rId33"/>
+    <p:sldId id="288" r:id="rId34"/>
+    <p:sldId id="289" r:id="rId35"/>
   </p:sldIdLst>
   <p:sldSz cx="9144000" cy="6858000" type="screen4x3"/>
   <p:notesSz cx="6858000" cy="9144000"/>
@@ -7558,21 +7574,7 @@
                 <a:latin typeface="Calibri" panose="020F0502020204030204" pitchFamily="34" charset="0"/>
                 <a:cs typeface="Calibri" panose="020F0502020204030204" pitchFamily="34" charset="0"/>
               </a:rPr>
-              <a:t>There </a:t>
-            </a:r>
-            <a:r>
-              <a:rPr lang="en-US" sz="1800" smtClean="0">
-                <a:latin typeface="Calibri" panose="020F0502020204030204" pitchFamily="34" charset="0"/>
-                <a:cs typeface="Calibri" panose="020F0502020204030204" pitchFamily="34" charset="0"/>
-              </a:rPr>
-              <a:t>is a negative </a:t>
-            </a:r>
-            <a:r>
-              <a:rPr lang="en-US" sz="1800" dirty="0" smtClean="0">
-                <a:latin typeface="Calibri" panose="020F0502020204030204" pitchFamily="34" charset="0"/>
-                <a:cs typeface="Calibri" panose="020F0502020204030204" pitchFamily="34" charset="0"/>
-              </a:rPr>
-              <a:t>correlation between Hacking and Disclosure and Hacking and Physical.</a:t>
+              <a:t>There is a negative correlation between Hacking and Disclosure and Hacking and Physical.</a:t>
             </a:r>
             <a:endParaRPr lang="en-US" sz="1800" dirty="0">
               <a:latin typeface="Calibri" panose="020F0502020204030204" pitchFamily="34" charset="0"/>
@@ -7594,6 +7596,316 @@
     <p:extLst>
       <p:ext uri="{BB962C8B-B14F-4D97-AF65-F5344CB8AC3E}">
         <p14:creationId xmlns:p14="http://schemas.microsoft.com/office/powerpoint/2010/main" val="1993766210"/>
+      </p:ext>
+    </p:extLst>
+  </p:cSld>
+  <p:clrMapOvr>
+    <a:masterClrMapping/>
+  </p:clrMapOvr>
+</p:sld>
+</file>
+
+<file path=ppt/slides/slide19.xml><?xml version="1.0" encoding="utf-8"?>
+<p:sld xmlns:a="http://schemas.openxmlformats.org/drawingml/2006/main" xmlns:r="http://schemas.openxmlformats.org/officeDocument/2006/relationships" xmlns:p="http://schemas.openxmlformats.org/presentationml/2006/main">
+  <p:cSld>
+    <p:spTree>
+      <p:nvGrpSpPr>
+        <p:cNvPr id="1" name=""/>
+        <p:cNvGrpSpPr/>
+        <p:nvPr/>
+      </p:nvGrpSpPr>
+      <p:grpSpPr>
+        <a:xfrm>
+          <a:off x="0" y="0"/>
+          <a:ext cx="0" cy="0"/>
+          <a:chOff x="0" y="0"/>
+          <a:chExt cx="0" cy="0"/>
+        </a:xfrm>
+      </p:grpSpPr>
+      <p:sp>
+        <p:nvSpPr>
+          <p:cNvPr id="2" name="Content Placeholder 1"/>
+          <p:cNvSpPr>
+            <a:spLocks noGrp="1"/>
+          </p:cNvSpPr>
+          <p:nvPr>
+            <p:ph idx="1"/>
+          </p:nvPr>
+        </p:nvSpPr>
+        <p:spPr>
+          <a:xfrm>
+            <a:off x="457200" y="381000"/>
+            <a:ext cx="8229600" cy="6172200"/>
+          </a:xfrm>
+        </p:spPr>
+        <p:txBody>
+          <a:bodyPr>
+            <a:normAutofit/>
+          </a:bodyPr>
+          <a:lstStyle/>
+          <a:p>
+            <a:pPr marL="109728" indent="0" algn="ctr">
+              <a:buNone/>
+            </a:pPr>
+            <a:r>
+              <a:rPr lang="en-US" sz="2800" dirty="0">
+                <a:latin typeface="Calibri" panose="020F0502020204030204" pitchFamily="34" charset="0"/>
+                <a:cs typeface="Calibri" panose="020F0502020204030204" pitchFamily="34" charset="0"/>
+              </a:rPr>
+              <a:t>Model </a:t>
+            </a:r>
+            <a:r>
+              <a:rPr lang="en-US" sz="2800" dirty="0" smtClean="0">
+                <a:latin typeface="Calibri" panose="020F0502020204030204" pitchFamily="34" charset="0"/>
+                <a:cs typeface="Calibri" panose="020F0502020204030204" pitchFamily="34" charset="0"/>
+              </a:rPr>
+              <a:t>Building and Evaluation – Approach Taken</a:t>
+            </a:r>
+          </a:p>
+          <a:p>
+            <a:pPr marL="109728" indent="0">
+              <a:buNone/>
+            </a:pPr>
+            <a:endParaRPr lang="en-US" sz="2400" dirty="0" smtClean="0">
+              <a:latin typeface="Calibri" panose="020F0502020204030204" pitchFamily="34" charset="0"/>
+              <a:cs typeface="Calibri" panose="020F0502020204030204" pitchFamily="34" charset="0"/>
+            </a:endParaRPr>
+          </a:p>
+          <a:p>
+            <a:pPr marL="109728" indent="0">
+              <a:buNone/>
+            </a:pPr>
+            <a:r>
+              <a:rPr lang="en-US" sz="2400" dirty="0" smtClean="0">
+                <a:latin typeface="Calibri" panose="020F0502020204030204" pitchFamily="34" charset="0"/>
+                <a:cs typeface="Calibri" panose="020F0502020204030204" pitchFamily="34" charset="0"/>
+              </a:rPr>
+              <a:t>Looked </a:t>
+            </a:r>
+            <a:r>
+              <a:rPr lang="en-US" sz="2400" dirty="0">
+                <a:latin typeface="Calibri" panose="020F0502020204030204" pitchFamily="34" charset="0"/>
+                <a:cs typeface="Calibri" panose="020F0502020204030204" pitchFamily="34" charset="0"/>
+              </a:rPr>
+              <a:t>at a variety of modeling </a:t>
+            </a:r>
+            <a:r>
+              <a:rPr lang="en-US" sz="2400" dirty="0" smtClean="0">
+                <a:latin typeface="Calibri" panose="020F0502020204030204" pitchFamily="34" charset="0"/>
+                <a:cs typeface="Calibri" panose="020F0502020204030204" pitchFamily="34" charset="0"/>
+              </a:rPr>
+              <a:t>algorithms: </a:t>
+            </a:r>
+            <a:endParaRPr lang="en-US" sz="2400" dirty="0">
+              <a:latin typeface="Calibri" panose="020F0502020204030204" pitchFamily="34" charset="0"/>
+              <a:cs typeface="Calibri" panose="020F0502020204030204" pitchFamily="34" charset="0"/>
+            </a:endParaRPr>
+          </a:p>
+          <a:p>
+            <a:pPr lvl="1"/>
+            <a:r>
+              <a:rPr lang="en-US" sz="2400" dirty="0" smtClean="0">
+                <a:latin typeface="Calibri" panose="020F0502020204030204" pitchFamily="34" charset="0"/>
+                <a:cs typeface="Calibri" panose="020F0502020204030204" pitchFamily="34" charset="0"/>
+              </a:rPr>
+              <a:t>Unsupervised </a:t>
+            </a:r>
+            <a:r>
+              <a:rPr lang="en-US" sz="2400" dirty="0">
+                <a:latin typeface="Calibri" panose="020F0502020204030204" pitchFamily="34" charset="0"/>
+                <a:cs typeface="Calibri" panose="020F0502020204030204" pitchFamily="34" charset="0"/>
+              </a:rPr>
+              <a:t>machine </a:t>
+            </a:r>
+            <a:r>
+              <a:rPr lang="en-US" sz="2400" dirty="0" smtClean="0">
+                <a:latin typeface="Calibri" panose="020F0502020204030204" pitchFamily="34" charset="0"/>
+                <a:cs typeface="Calibri" panose="020F0502020204030204" pitchFamily="34" charset="0"/>
+              </a:rPr>
+              <a:t>learning</a:t>
+            </a:r>
+            <a:endParaRPr lang="en-US" sz="2400" dirty="0">
+              <a:latin typeface="Calibri" panose="020F0502020204030204" pitchFamily="34" charset="0"/>
+              <a:cs typeface="Calibri" panose="020F0502020204030204" pitchFamily="34" charset="0"/>
+            </a:endParaRPr>
+          </a:p>
+          <a:p>
+            <a:pPr lvl="1"/>
+            <a:r>
+              <a:rPr lang="en-US" sz="2400" dirty="0" smtClean="0">
+                <a:latin typeface="Calibri" panose="020F0502020204030204" pitchFamily="34" charset="0"/>
+                <a:cs typeface="Calibri" panose="020F0502020204030204" pitchFamily="34" charset="0"/>
+              </a:rPr>
+              <a:t>Supervised </a:t>
+            </a:r>
+            <a:r>
+              <a:rPr lang="en-US" sz="2400" dirty="0">
+                <a:latin typeface="Calibri" panose="020F0502020204030204" pitchFamily="34" charset="0"/>
+                <a:cs typeface="Calibri" panose="020F0502020204030204" pitchFamily="34" charset="0"/>
+              </a:rPr>
+              <a:t>machine learning </a:t>
+            </a:r>
+            <a:r>
+              <a:rPr lang="en-US" sz="2400" dirty="0" smtClean="0">
+                <a:latin typeface="Calibri" panose="020F0502020204030204" pitchFamily="34" charset="0"/>
+                <a:cs typeface="Calibri" panose="020F0502020204030204" pitchFamily="34" charset="0"/>
+              </a:rPr>
+              <a:t>- Classification</a:t>
+            </a:r>
+            <a:endParaRPr lang="en-US" sz="2400" dirty="0">
+              <a:latin typeface="Calibri" panose="020F0502020204030204" pitchFamily="34" charset="0"/>
+              <a:cs typeface="Calibri" panose="020F0502020204030204" pitchFamily="34" charset="0"/>
+            </a:endParaRPr>
+          </a:p>
+          <a:p>
+            <a:pPr lvl="1"/>
+            <a:r>
+              <a:rPr lang="en-US" sz="2400" dirty="0" smtClean="0">
+                <a:latin typeface="Calibri" panose="020F0502020204030204" pitchFamily="34" charset="0"/>
+                <a:cs typeface="Calibri" panose="020F0502020204030204" pitchFamily="34" charset="0"/>
+              </a:rPr>
+              <a:t>Linear </a:t>
+            </a:r>
+            <a:r>
+              <a:rPr lang="en-US" sz="2400" dirty="0">
+                <a:latin typeface="Calibri" panose="020F0502020204030204" pitchFamily="34" charset="0"/>
+                <a:cs typeface="Calibri" panose="020F0502020204030204" pitchFamily="34" charset="0"/>
+              </a:rPr>
+              <a:t>regression and Logistic regression </a:t>
+            </a:r>
+            <a:endParaRPr lang="en-US" sz="2400" dirty="0" smtClean="0">
+              <a:latin typeface="Calibri" panose="020F0502020204030204" pitchFamily="34" charset="0"/>
+              <a:cs typeface="Calibri" panose="020F0502020204030204" pitchFamily="34" charset="0"/>
+            </a:endParaRPr>
+          </a:p>
+          <a:p>
+            <a:pPr lvl="1"/>
+            <a:endParaRPr lang="en-US" sz="2400" dirty="0" smtClean="0">
+              <a:latin typeface="Calibri" panose="020F0502020204030204" pitchFamily="34" charset="0"/>
+              <a:cs typeface="Calibri" panose="020F0502020204030204" pitchFamily="34" charset="0"/>
+            </a:endParaRPr>
+          </a:p>
+          <a:p>
+            <a:r>
+              <a:rPr lang="en-US" sz="2400" dirty="0" smtClean="0">
+                <a:latin typeface="Calibri" panose="020F0502020204030204" pitchFamily="34" charset="0"/>
+                <a:cs typeface="Calibri" panose="020F0502020204030204" pitchFamily="34" charset="0"/>
+              </a:rPr>
+              <a:t>Ran </a:t>
+            </a:r>
+            <a:r>
+              <a:rPr lang="en-US" sz="2400" dirty="0">
+                <a:latin typeface="Calibri" panose="020F0502020204030204" pitchFamily="34" charset="0"/>
+                <a:cs typeface="Calibri" panose="020F0502020204030204" pitchFamily="34" charset="0"/>
+              </a:rPr>
+              <a:t>data through </a:t>
+            </a:r>
+            <a:r>
+              <a:rPr lang="en-US" sz="2400" dirty="0" smtClean="0">
+                <a:latin typeface="Calibri" panose="020F0502020204030204" pitchFamily="34" charset="0"/>
+                <a:cs typeface="Calibri" panose="020F0502020204030204" pitchFamily="34" charset="0"/>
+              </a:rPr>
+              <a:t>each model</a:t>
+            </a:r>
+            <a:endParaRPr lang="en-US" sz="2400" dirty="0">
+              <a:latin typeface="Calibri" panose="020F0502020204030204" pitchFamily="34" charset="0"/>
+              <a:cs typeface="Calibri" panose="020F0502020204030204" pitchFamily="34" charset="0"/>
+            </a:endParaRPr>
+          </a:p>
+          <a:p>
+            <a:r>
+              <a:rPr lang="en-US" sz="2400" dirty="0" smtClean="0">
+                <a:latin typeface="Calibri" panose="020F0502020204030204" pitchFamily="34" charset="0"/>
+                <a:cs typeface="Calibri" panose="020F0502020204030204" pitchFamily="34" charset="0"/>
+              </a:rPr>
+              <a:t>Scored each </a:t>
+            </a:r>
+            <a:r>
+              <a:rPr lang="en-US" sz="2400" dirty="0">
+                <a:latin typeface="Calibri" panose="020F0502020204030204" pitchFamily="34" charset="0"/>
+                <a:cs typeface="Calibri" panose="020F0502020204030204" pitchFamily="34" charset="0"/>
+              </a:rPr>
+              <a:t>model</a:t>
+            </a:r>
+          </a:p>
+          <a:p>
+            <a:r>
+              <a:rPr lang="en-US" sz="2400" dirty="0" smtClean="0">
+                <a:latin typeface="Calibri" panose="020F0502020204030204" pitchFamily="34" charset="0"/>
+                <a:cs typeface="Calibri" panose="020F0502020204030204" pitchFamily="34" charset="0"/>
+              </a:rPr>
+              <a:t>Evaluated, adjusted </a:t>
+            </a:r>
+            <a:r>
+              <a:rPr lang="en-US" sz="2400" dirty="0">
+                <a:latin typeface="Calibri" panose="020F0502020204030204" pitchFamily="34" charset="0"/>
+                <a:cs typeface="Calibri" panose="020F0502020204030204" pitchFamily="34" charset="0"/>
+              </a:rPr>
+              <a:t>and </a:t>
+            </a:r>
+            <a:r>
+              <a:rPr lang="en-US" sz="2400" dirty="0" smtClean="0">
+                <a:latin typeface="Calibri" panose="020F0502020204030204" pitchFamily="34" charset="0"/>
+                <a:cs typeface="Calibri" panose="020F0502020204030204" pitchFamily="34" charset="0"/>
+              </a:rPr>
+              <a:t>determined which model fit </a:t>
+            </a:r>
+            <a:r>
+              <a:rPr lang="en-US" sz="2400" dirty="0">
+                <a:latin typeface="Calibri" panose="020F0502020204030204" pitchFamily="34" charset="0"/>
+                <a:cs typeface="Calibri" panose="020F0502020204030204" pitchFamily="34" charset="0"/>
+              </a:rPr>
+              <a:t>the data the best. </a:t>
+            </a:r>
+          </a:p>
+          <a:p>
+            <a:pPr marL="109728" indent="0">
+              <a:buNone/>
+            </a:pPr>
+            <a:r>
+              <a:rPr lang="en-US" sz="2400" dirty="0" smtClean="0">
+                <a:latin typeface="Calibri" panose="020F0502020204030204" pitchFamily="34" charset="0"/>
+                <a:cs typeface="Calibri" panose="020F0502020204030204" pitchFamily="34" charset="0"/>
+              </a:rPr>
+              <a:t>Used the selected models in order to </a:t>
+            </a:r>
+            <a:r>
+              <a:rPr lang="en-US" sz="2400" dirty="0">
+                <a:latin typeface="Calibri" panose="020F0502020204030204" pitchFamily="34" charset="0"/>
+                <a:cs typeface="Calibri" panose="020F0502020204030204" pitchFamily="34" charset="0"/>
+              </a:rPr>
+              <a:t>answer business </a:t>
+            </a:r>
+            <a:r>
+              <a:rPr lang="en-US" sz="2400" dirty="0" smtClean="0">
+                <a:latin typeface="Calibri" panose="020F0502020204030204" pitchFamily="34" charset="0"/>
+                <a:cs typeface="Calibri" panose="020F0502020204030204" pitchFamily="34" charset="0"/>
+              </a:rPr>
+              <a:t>questions</a:t>
+            </a:r>
+            <a:r>
+              <a:rPr lang="en-US" sz="2400" dirty="0">
+                <a:latin typeface="Calibri" panose="020F0502020204030204" pitchFamily="34" charset="0"/>
+                <a:cs typeface="Calibri" panose="020F0502020204030204" pitchFamily="34" charset="0"/>
+              </a:rPr>
+              <a:t>.  </a:t>
+            </a:r>
+          </a:p>
+          <a:p>
+            <a:pPr marL="109728" indent="0" algn="ctr">
+              <a:buNone/>
+            </a:pPr>
+            <a:endParaRPr lang="en-US" sz="2400" dirty="0" smtClean="0">
+              <a:latin typeface="Calibri" panose="020F0502020204030204" pitchFamily="34" charset="0"/>
+              <a:cs typeface="Calibri" panose="020F0502020204030204" pitchFamily="34" charset="0"/>
+            </a:endParaRPr>
+          </a:p>
+        </p:txBody>
+      </p:sp>
+    </p:spTree>
+    <p:extLst>
+      <p:ext uri="{BB962C8B-B14F-4D97-AF65-F5344CB8AC3E}">
+        <p14:creationId xmlns:p14="http://schemas.microsoft.com/office/powerpoint/2010/main" val="2690339228"/>
       </p:ext>
     </p:extLst>
   </p:cSld>
@@ -7789,6 +8101,4840 @@
     <p:extLst>
       <p:ext uri="{BB962C8B-B14F-4D97-AF65-F5344CB8AC3E}">
         <p14:creationId xmlns:p14="http://schemas.microsoft.com/office/powerpoint/2010/main" val="2567148456"/>
+      </p:ext>
+    </p:extLst>
+  </p:cSld>
+  <p:clrMapOvr>
+    <a:masterClrMapping/>
+  </p:clrMapOvr>
+</p:sld>
+</file>
+
+<file path=ppt/slides/slide20.xml><?xml version="1.0" encoding="utf-8"?>
+<p:sld xmlns:a="http://schemas.openxmlformats.org/drawingml/2006/main" xmlns:r="http://schemas.openxmlformats.org/officeDocument/2006/relationships" xmlns:p="http://schemas.openxmlformats.org/presentationml/2006/main">
+  <p:cSld>
+    <p:spTree>
+      <p:nvGrpSpPr>
+        <p:cNvPr id="1" name=""/>
+        <p:cNvGrpSpPr/>
+        <p:nvPr/>
+      </p:nvGrpSpPr>
+      <p:grpSpPr>
+        <a:xfrm>
+          <a:off x="0" y="0"/>
+          <a:ext cx="0" cy="0"/>
+          <a:chOff x="0" y="0"/>
+          <a:chExt cx="0" cy="0"/>
+        </a:xfrm>
+      </p:grpSpPr>
+      <p:sp>
+        <p:nvSpPr>
+          <p:cNvPr id="2" name="Content Placeholder 1"/>
+          <p:cNvSpPr>
+            <a:spLocks noGrp="1"/>
+          </p:cNvSpPr>
+          <p:nvPr>
+            <p:ph idx="1"/>
+          </p:nvPr>
+        </p:nvSpPr>
+        <p:spPr>
+          <a:xfrm>
+            <a:off x="457200" y="381000"/>
+            <a:ext cx="8229600" cy="6172200"/>
+          </a:xfrm>
+        </p:spPr>
+        <p:txBody>
+          <a:bodyPr>
+            <a:normAutofit/>
+          </a:bodyPr>
+          <a:lstStyle/>
+          <a:p>
+            <a:pPr marL="109728" indent="0" algn="ctr">
+              <a:buNone/>
+            </a:pPr>
+            <a:r>
+              <a:rPr lang="en-US" sz="2800" dirty="0">
+                <a:latin typeface="Calibri" panose="020F0502020204030204" pitchFamily="34" charset="0"/>
+                <a:cs typeface="Calibri" panose="020F0502020204030204" pitchFamily="34" charset="0"/>
+              </a:rPr>
+              <a:t>Model </a:t>
+            </a:r>
+            <a:r>
+              <a:rPr lang="en-US" sz="2800" dirty="0" smtClean="0">
+                <a:latin typeface="Calibri" panose="020F0502020204030204" pitchFamily="34" charset="0"/>
+                <a:cs typeface="Calibri" panose="020F0502020204030204" pitchFamily="34" charset="0"/>
+              </a:rPr>
+              <a:t>Building and Evaluation </a:t>
+            </a:r>
+          </a:p>
+          <a:p>
+            <a:pPr marL="109728" indent="0">
+              <a:buNone/>
+            </a:pPr>
+            <a:r>
+              <a:rPr lang="en-US" sz="2600" dirty="0" smtClean="0">
+                <a:latin typeface="Calibri" panose="020F0502020204030204" pitchFamily="34" charset="0"/>
+                <a:cs typeface="Calibri" panose="020F0502020204030204" pitchFamily="34" charset="0"/>
+              </a:rPr>
+              <a:t>Supervised Classification </a:t>
+            </a:r>
+            <a:r>
+              <a:rPr lang="en-US" sz="2600" dirty="0">
+                <a:latin typeface="Calibri" panose="020F0502020204030204" pitchFamily="34" charset="0"/>
+                <a:cs typeface="Calibri" panose="020F0502020204030204" pitchFamily="34" charset="0"/>
+              </a:rPr>
+              <a:t>Modeling – </a:t>
+            </a:r>
+            <a:r>
+              <a:rPr lang="en-US" sz="2600" dirty="0" smtClean="0">
+                <a:latin typeface="Calibri" panose="020F0502020204030204" pitchFamily="34" charset="0"/>
+                <a:cs typeface="Calibri" panose="020F0502020204030204" pitchFamily="34" charset="0"/>
+              </a:rPr>
+              <a:t>Incident Descriptions</a:t>
+            </a:r>
+          </a:p>
+          <a:p>
+            <a:pPr marL="109728" indent="0">
+              <a:buNone/>
+            </a:pPr>
+            <a:endParaRPr lang="en-US" sz="2400" dirty="0" smtClean="0">
+              <a:latin typeface="Calibri" panose="020F0502020204030204" pitchFamily="34" charset="0"/>
+              <a:cs typeface="Calibri" panose="020F0502020204030204" pitchFamily="34" charset="0"/>
+            </a:endParaRPr>
+          </a:p>
+          <a:p>
+            <a:r>
+              <a:rPr lang="en-US" dirty="0" smtClean="0">
+                <a:latin typeface="Calibri" panose="020F0502020204030204" pitchFamily="34" charset="0"/>
+                <a:cs typeface="Calibri" panose="020F0502020204030204" pitchFamily="34" charset="0"/>
+              </a:rPr>
+              <a:t>Used </a:t>
+            </a:r>
+            <a:r>
+              <a:rPr lang="en-US" dirty="0">
+                <a:latin typeface="Calibri" panose="020F0502020204030204" pitchFamily="34" charset="0"/>
+                <a:cs typeface="Calibri" panose="020F0502020204030204" pitchFamily="34" charset="0"/>
+              </a:rPr>
+              <a:t>Breach Type as Classifier</a:t>
+            </a:r>
+          </a:p>
+          <a:p>
+            <a:r>
+              <a:rPr lang="en-US" dirty="0" smtClean="0">
+                <a:latin typeface="Calibri" panose="020F0502020204030204" pitchFamily="34" charset="0"/>
+                <a:cs typeface="Calibri" panose="020F0502020204030204" pitchFamily="34" charset="0"/>
+              </a:rPr>
+              <a:t>Preprocessed and used </a:t>
+            </a:r>
+            <a:r>
+              <a:rPr lang="en-US" dirty="0">
+                <a:latin typeface="Calibri" panose="020F0502020204030204" pitchFamily="34" charset="0"/>
+                <a:cs typeface="Calibri" panose="020F0502020204030204" pitchFamily="34" charset="0"/>
+              </a:rPr>
+              <a:t>feature engineering </a:t>
+            </a:r>
+            <a:endParaRPr lang="en-US" dirty="0" smtClean="0">
+              <a:latin typeface="Calibri" panose="020F0502020204030204" pitchFamily="34" charset="0"/>
+              <a:cs typeface="Calibri" panose="020F0502020204030204" pitchFamily="34" charset="0"/>
+            </a:endParaRPr>
+          </a:p>
+          <a:p>
+            <a:pPr marL="109728" indent="0">
+              <a:buNone/>
+            </a:pPr>
+            <a:r>
+              <a:rPr lang="en-US" dirty="0">
+                <a:latin typeface="Calibri" panose="020F0502020204030204" pitchFamily="34" charset="0"/>
+                <a:cs typeface="Calibri" panose="020F0502020204030204" pitchFamily="34" charset="0"/>
+              </a:rPr>
+              <a:t>	</a:t>
+            </a:r>
+            <a:r>
+              <a:rPr lang="en-US" dirty="0" smtClean="0">
+                <a:latin typeface="Calibri" panose="020F0502020204030204" pitchFamily="34" charset="0"/>
+                <a:cs typeface="Calibri" panose="020F0502020204030204" pitchFamily="34" charset="0"/>
+              </a:rPr>
+              <a:t>	(</a:t>
+            </a:r>
+            <a:r>
+              <a:rPr lang="en-US" dirty="0">
+                <a:latin typeface="Calibri" panose="020F0502020204030204" pitchFamily="34" charset="0"/>
+                <a:cs typeface="Calibri" panose="020F0502020204030204" pitchFamily="34" charset="0"/>
+              </a:rPr>
+              <a:t>Words to Vectors)</a:t>
+            </a:r>
+          </a:p>
+          <a:p>
+            <a:r>
+              <a:rPr lang="en-US" dirty="0" smtClean="0">
+                <a:latin typeface="Calibri" panose="020F0502020204030204" pitchFamily="34" charset="0"/>
+                <a:cs typeface="Calibri" panose="020F0502020204030204" pitchFamily="34" charset="0"/>
+              </a:rPr>
+              <a:t>Models Built </a:t>
+            </a:r>
+          </a:p>
+          <a:p>
+            <a:pPr lvl="1"/>
+            <a:r>
+              <a:rPr lang="en-US" dirty="0" smtClean="0">
+                <a:latin typeface="Calibri" panose="020F0502020204030204" pitchFamily="34" charset="0"/>
+                <a:cs typeface="Calibri" panose="020F0502020204030204" pitchFamily="34" charset="0"/>
+              </a:rPr>
+              <a:t>Validation </a:t>
+            </a:r>
+            <a:r>
+              <a:rPr lang="en-US" dirty="0">
+                <a:latin typeface="Calibri" panose="020F0502020204030204" pitchFamily="34" charset="0"/>
+                <a:cs typeface="Calibri" panose="020F0502020204030204" pitchFamily="34" charset="0"/>
+              </a:rPr>
+              <a:t>using Split </a:t>
+            </a:r>
+            <a:r>
+              <a:rPr lang="en-US" dirty="0" smtClean="0">
+                <a:latin typeface="Calibri" panose="020F0502020204030204" pitchFamily="34" charset="0"/>
+                <a:cs typeface="Calibri" panose="020F0502020204030204" pitchFamily="34" charset="0"/>
+              </a:rPr>
+              <a:t>Validation 70/30</a:t>
+            </a:r>
+          </a:p>
+          <a:p>
+            <a:pPr lvl="1"/>
+            <a:r>
+              <a:rPr lang="en-US" dirty="0" smtClean="0">
+                <a:latin typeface="Calibri" panose="020F0502020204030204" pitchFamily="34" charset="0"/>
+                <a:cs typeface="Calibri" panose="020F0502020204030204" pitchFamily="34" charset="0"/>
+              </a:rPr>
+              <a:t>Grid Search  </a:t>
+            </a:r>
+          </a:p>
+          <a:p>
+            <a:pPr lvl="1"/>
+            <a:r>
+              <a:rPr lang="en-US" dirty="0" smtClean="0">
+                <a:latin typeface="Calibri" panose="020F0502020204030204" pitchFamily="34" charset="0"/>
+                <a:cs typeface="Calibri" panose="020F0502020204030204" pitchFamily="34" charset="0"/>
+              </a:rPr>
+              <a:t>Cross Validation  </a:t>
+            </a:r>
+          </a:p>
+          <a:p>
+            <a:r>
+              <a:rPr lang="en-US" dirty="0" smtClean="0">
+                <a:latin typeface="Calibri" panose="020F0502020204030204" pitchFamily="34" charset="0"/>
+                <a:cs typeface="Calibri" panose="020F0502020204030204" pitchFamily="34" charset="0"/>
+              </a:rPr>
+              <a:t>Evaluation (scoring)</a:t>
+            </a:r>
+            <a:endParaRPr lang="en-US" dirty="0">
+              <a:latin typeface="Calibri" panose="020F0502020204030204" pitchFamily="34" charset="0"/>
+              <a:cs typeface="Calibri" panose="020F0502020204030204" pitchFamily="34" charset="0"/>
+            </a:endParaRPr>
+          </a:p>
+          <a:p>
+            <a:pPr marL="109728" indent="0">
+              <a:buNone/>
+            </a:pPr>
+            <a:endParaRPr lang="en-US" dirty="0" smtClean="0">
+              <a:latin typeface="Calibri" panose="020F0502020204030204" pitchFamily="34" charset="0"/>
+              <a:cs typeface="Calibri" panose="020F0502020204030204" pitchFamily="34" charset="0"/>
+            </a:endParaRPr>
+          </a:p>
+          <a:p>
+            <a:pPr marL="109728" indent="0" algn="ctr">
+              <a:buNone/>
+            </a:pPr>
+            <a:endParaRPr lang="en-US" sz="2400" dirty="0" smtClean="0">
+              <a:latin typeface="Calibri" panose="020F0502020204030204" pitchFamily="34" charset="0"/>
+              <a:cs typeface="Calibri" panose="020F0502020204030204" pitchFamily="34" charset="0"/>
+            </a:endParaRPr>
+          </a:p>
+        </p:txBody>
+      </p:sp>
+    </p:spTree>
+    <p:extLst>
+      <p:ext uri="{BB962C8B-B14F-4D97-AF65-F5344CB8AC3E}">
+        <p14:creationId xmlns:p14="http://schemas.microsoft.com/office/powerpoint/2010/main" val="1591248027"/>
+      </p:ext>
+    </p:extLst>
+  </p:cSld>
+  <p:clrMapOvr>
+    <a:masterClrMapping/>
+  </p:clrMapOvr>
+</p:sld>
+</file>
+
+<file path=ppt/slides/slide21.xml><?xml version="1.0" encoding="utf-8"?>
+<p:sld xmlns:a="http://schemas.openxmlformats.org/drawingml/2006/main" xmlns:r="http://schemas.openxmlformats.org/officeDocument/2006/relationships" xmlns:p="http://schemas.openxmlformats.org/presentationml/2006/main">
+  <p:cSld>
+    <p:spTree>
+      <p:nvGrpSpPr>
+        <p:cNvPr id="1" name=""/>
+        <p:cNvGrpSpPr/>
+        <p:nvPr/>
+      </p:nvGrpSpPr>
+      <p:grpSpPr>
+        <a:xfrm>
+          <a:off x="0" y="0"/>
+          <a:ext cx="0" cy="0"/>
+          <a:chOff x="0" y="0"/>
+          <a:chExt cx="0" cy="0"/>
+        </a:xfrm>
+      </p:grpSpPr>
+      <p:sp>
+        <p:nvSpPr>
+          <p:cNvPr id="2" name="Content Placeholder 1"/>
+          <p:cNvSpPr>
+            <a:spLocks noGrp="1"/>
+          </p:cNvSpPr>
+          <p:nvPr>
+            <p:ph idx="1"/>
+          </p:nvPr>
+        </p:nvSpPr>
+        <p:spPr>
+          <a:xfrm>
+            <a:off x="457200" y="381000"/>
+            <a:ext cx="8229600" cy="6172200"/>
+          </a:xfrm>
+        </p:spPr>
+        <p:txBody>
+          <a:bodyPr>
+            <a:normAutofit lnSpcReduction="10000"/>
+          </a:bodyPr>
+          <a:lstStyle/>
+          <a:p>
+            <a:pPr marL="109728" indent="0" algn="ctr">
+              <a:buNone/>
+            </a:pPr>
+            <a:r>
+              <a:rPr lang="en-US" sz="2800" dirty="0">
+                <a:latin typeface="Calibri" panose="020F0502020204030204" pitchFamily="34" charset="0"/>
+                <a:cs typeface="Calibri" panose="020F0502020204030204" pitchFamily="34" charset="0"/>
+              </a:rPr>
+              <a:t>Model </a:t>
+            </a:r>
+            <a:r>
+              <a:rPr lang="en-US" sz="2800" dirty="0" smtClean="0">
+                <a:latin typeface="Calibri" panose="020F0502020204030204" pitchFamily="34" charset="0"/>
+                <a:cs typeface="Calibri" panose="020F0502020204030204" pitchFamily="34" charset="0"/>
+              </a:rPr>
+              <a:t>Building and Evaluation </a:t>
+            </a:r>
+          </a:p>
+          <a:p>
+            <a:pPr marL="109728" indent="0" algn="ctr">
+              <a:buNone/>
+            </a:pPr>
+            <a:r>
+              <a:rPr lang="en-US" sz="2800" dirty="0" smtClean="0">
+                <a:latin typeface="Calibri" panose="020F0502020204030204" pitchFamily="34" charset="0"/>
+                <a:cs typeface="Calibri" panose="020F0502020204030204" pitchFamily="34" charset="0"/>
+              </a:rPr>
+              <a:t>Classification Report for </a:t>
+            </a:r>
+            <a:r>
+              <a:rPr lang="en-US" sz="2800" dirty="0">
+                <a:latin typeface="Calibri" panose="020F0502020204030204" pitchFamily="34" charset="0"/>
+                <a:cs typeface="Calibri" panose="020F0502020204030204" pitchFamily="34" charset="0"/>
+              </a:rPr>
+              <a:t>Naïve Bayes</a:t>
+            </a:r>
+            <a:endParaRPr lang="en-US" sz="2800" dirty="0" smtClean="0">
+              <a:latin typeface="Calibri" panose="020F0502020204030204" pitchFamily="34" charset="0"/>
+              <a:cs typeface="Calibri" panose="020F0502020204030204" pitchFamily="34" charset="0"/>
+            </a:endParaRPr>
+          </a:p>
+          <a:p>
+            <a:pPr marL="109728" indent="0">
+              <a:buNone/>
+            </a:pPr>
+            <a:r>
+              <a:rPr lang="en-US" sz="2800" dirty="0">
+                <a:latin typeface="Courier New" panose="02070309020205020404" pitchFamily="49" charset="0"/>
+                <a:cs typeface="Courier New" panose="02070309020205020404" pitchFamily="49" charset="0"/>
+              </a:rPr>
+              <a:t>precision recall f1-score support </a:t>
+            </a:r>
+          </a:p>
+          <a:p>
+            <a:pPr marL="109728" indent="0">
+              <a:buNone/>
+            </a:pPr>
+            <a:r>
+              <a:rPr lang="en-US" sz="2800" dirty="0">
+                <a:latin typeface="Courier New" panose="02070309020205020404" pitchFamily="49" charset="0"/>
+                <a:cs typeface="Courier New" panose="02070309020205020404" pitchFamily="49" charset="0"/>
+              </a:rPr>
+              <a:t>CARD 0.00 0.00 	0.00 		 18 </a:t>
+            </a:r>
+          </a:p>
+          <a:p>
+            <a:pPr marL="109728" indent="0">
+              <a:buNone/>
+            </a:pPr>
+            <a:r>
+              <a:rPr lang="en-US" sz="2800" dirty="0">
+                <a:latin typeface="Courier New" panose="02070309020205020404" pitchFamily="49" charset="0"/>
+                <a:cs typeface="Courier New" panose="02070309020205020404" pitchFamily="49" charset="0"/>
+              </a:rPr>
+              <a:t>DISC 0.78 0.30 	0.43 		504 </a:t>
+            </a:r>
+          </a:p>
+          <a:p>
+            <a:pPr marL="109728" indent="0">
+              <a:buNone/>
+            </a:pPr>
+            <a:r>
+              <a:rPr lang="en-US" sz="2800" dirty="0">
+                <a:latin typeface="Courier New" panose="02070309020205020404" pitchFamily="49" charset="0"/>
+                <a:cs typeface="Courier New" panose="02070309020205020404" pitchFamily="49" charset="0"/>
+              </a:rPr>
+              <a:t>HACK 0.59 0.93 	0.72 		746 </a:t>
+            </a:r>
+          </a:p>
+          <a:p>
+            <a:pPr marL="109728" indent="0">
+              <a:buNone/>
+            </a:pPr>
+            <a:r>
+              <a:rPr lang="en-US" sz="2800" dirty="0">
+                <a:latin typeface="Courier New" panose="02070309020205020404" pitchFamily="49" charset="0"/>
+                <a:cs typeface="Courier New" panose="02070309020205020404" pitchFamily="49" charset="0"/>
+              </a:rPr>
+              <a:t>INSD 0.83 0.21 	0.34 		165 </a:t>
+            </a:r>
+          </a:p>
+          <a:p>
+            <a:pPr marL="109728" indent="0">
+              <a:buNone/>
+            </a:pPr>
+            <a:r>
+              <a:rPr lang="en-US" sz="2800" dirty="0">
+                <a:latin typeface="Courier New" panose="02070309020205020404" pitchFamily="49" charset="0"/>
+                <a:cs typeface="Courier New" panose="02070309020205020404" pitchFamily="49" charset="0"/>
+              </a:rPr>
+              <a:t>PHYS 0.61 0.80 	0.69 		523 </a:t>
+            </a:r>
+          </a:p>
+          <a:p>
+            <a:pPr marL="109728" indent="0">
+              <a:buNone/>
+            </a:pPr>
+            <a:r>
+              <a:rPr lang="en-US" sz="2800" dirty="0">
+                <a:latin typeface="Courier New" panose="02070309020205020404" pitchFamily="49" charset="0"/>
+                <a:cs typeface="Courier New" panose="02070309020205020404" pitchFamily="49" charset="0"/>
+              </a:rPr>
+              <a:t>PORT 0.77 0.75 	0.76 		351 </a:t>
+            </a:r>
+          </a:p>
+          <a:p>
+            <a:pPr marL="109728" indent="0">
+              <a:buNone/>
+            </a:pPr>
+            <a:r>
+              <a:rPr lang="en-US" sz="2800" dirty="0">
+                <a:latin typeface="Courier New" panose="02070309020205020404" pitchFamily="49" charset="0"/>
+                <a:cs typeface="Courier New" panose="02070309020205020404" pitchFamily="49" charset="0"/>
+              </a:rPr>
+              <a:t>STAT 0.00 0.00 	0.00 		 73 </a:t>
+            </a:r>
+          </a:p>
+          <a:p>
+            <a:pPr marL="109728" indent="0">
+              <a:buNone/>
+            </a:pPr>
+            <a:r>
+              <a:rPr lang="en-US" sz="2800" dirty="0">
+                <a:latin typeface="Courier New" panose="02070309020205020404" pitchFamily="49" charset="0"/>
+                <a:cs typeface="Courier New" panose="02070309020205020404" pitchFamily="49" charset="0"/>
+              </a:rPr>
+              <a:t>UNKN 0.00 0.00 	0.00 		 74 </a:t>
+            </a:r>
+          </a:p>
+          <a:p>
+            <a:pPr marL="109728" indent="0">
+              <a:buNone/>
+            </a:pPr>
+            <a:r>
+              <a:rPr lang="en-US" sz="2800" dirty="0">
+                <a:latin typeface="Courier New" panose="02070309020205020404" pitchFamily="49" charset="0"/>
+                <a:cs typeface="Courier New" panose="02070309020205020404" pitchFamily="49" charset="0"/>
+              </a:rPr>
+              <a:t>			avg/total</a:t>
+            </a:r>
+          </a:p>
+          <a:p>
+            <a:pPr marL="109728" indent="0">
+              <a:buNone/>
+            </a:pPr>
+            <a:r>
+              <a:rPr lang="en-US" sz="2800" dirty="0">
+                <a:latin typeface="Courier New" panose="02070309020205020404" pitchFamily="49" charset="0"/>
+                <a:cs typeface="Courier New" panose="02070309020205020404" pitchFamily="49" charset="0"/>
+              </a:rPr>
+              <a:t>	0.63  0.64     0.59 	    2454 </a:t>
+            </a:r>
+          </a:p>
+          <a:p>
+            <a:pPr marL="109728" indent="0">
+              <a:buNone/>
+            </a:pPr>
+            <a:endParaRPr lang="en-US" dirty="0" smtClean="0">
+              <a:latin typeface="Calibri" panose="020F0502020204030204" pitchFamily="34" charset="0"/>
+              <a:cs typeface="Calibri" panose="020F0502020204030204" pitchFamily="34" charset="0"/>
+            </a:endParaRPr>
+          </a:p>
+          <a:p>
+            <a:pPr marL="109728" indent="0">
+              <a:buNone/>
+            </a:pPr>
+            <a:endParaRPr lang="en-US" sz="2400" dirty="0" smtClean="0">
+              <a:latin typeface="Calibri" panose="020F0502020204030204" pitchFamily="34" charset="0"/>
+              <a:cs typeface="Calibri" panose="020F0502020204030204" pitchFamily="34" charset="0"/>
+            </a:endParaRPr>
+          </a:p>
+        </p:txBody>
+      </p:sp>
+    </p:spTree>
+    <p:extLst>
+      <p:ext uri="{BB962C8B-B14F-4D97-AF65-F5344CB8AC3E}">
+        <p14:creationId xmlns:p14="http://schemas.microsoft.com/office/powerpoint/2010/main" val="3550450143"/>
+      </p:ext>
+    </p:extLst>
+  </p:cSld>
+  <p:clrMapOvr>
+    <a:masterClrMapping/>
+  </p:clrMapOvr>
+</p:sld>
+</file>
+
+<file path=ppt/slides/slide22.xml><?xml version="1.0" encoding="utf-8"?>
+<p:sld xmlns:a="http://schemas.openxmlformats.org/drawingml/2006/main" xmlns:r="http://schemas.openxmlformats.org/officeDocument/2006/relationships" xmlns:p="http://schemas.openxmlformats.org/presentationml/2006/main">
+  <p:cSld>
+    <p:spTree>
+      <p:nvGrpSpPr>
+        <p:cNvPr id="1" name=""/>
+        <p:cNvGrpSpPr/>
+        <p:nvPr/>
+      </p:nvGrpSpPr>
+      <p:grpSpPr>
+        <a:xfrm>
+          <a:off x="0" y="0"/>
+          <a:ext cx="0" cy="0"/>
+          <a:chOff x="0" y="0"/>
+          <a:chExt cx="0" cy="0"/>
+        </a:xfrm>
+      </p:grpSpPr>
+      <p:sp>
+        <p:nvSpPr>
+          <p:cNvPr id="2" name="Content Placeholder 1"/>
+          <p:cNvSpPr>
+            <a:spLocks noGrp="1"/>
+          </p:cNvSpPr>
+          <p:nvPr>
+            <p:ph idx="1"/>
+          </p:nvPr>
+        </p:nvSpPr>
+        <p:spPr>
+          <a:xfrm>
+            <a:off x="457200" y="381000"/>
+            <a:ext cx="8229600" cy="6172200"/>
+          </a:xfrm>
+        </p:spPr>
+        <p:txBody>
+          <a:bodyPr>
+            <a:normAutofit/>
+          </a:bodyPr>
+          <a:lstStyle/>
+          <a:p>
+            <a:pPr marL="109728" indent="0" algn="ctr">
+              <a:buNone/>
+            </a:pPr>
+            <a:r>
+              <a:rPr lang="en-US" sz="2400" dirty="0">
+                <a:latin typeface="Calibri" panose="020F0502020204030204" pitchFamily="34" charset="0"/>
+                <a:cs typeface="Calibri" panose="020F0502020204030204" pitchFamily="34" charset="0"/>
+              </a:rPr>
+              <a:t>Model </a:t>
+            </a:r>
+            <a:r>
+              <a:rPr lang="en-US" sz="2400" dirty="0" smtClean="0">
+                <a:latin typeface="Calibri" panose="020F0502020204030204" pitchFamily="34" charset="0"/>
+                <a:cs typeface="Calibri" panose="020F0502020204030204" pitchFamily="34" charset="0"/>
+              </a:rPr>
+              <a:t>Building and Evaluation </a:t>
+            </a:r>
+          </a:p>
+          <a:p>
+            <a:pPr marL="109728" indent="0" algn="ctr">
+              <a:buNone/>
+            </a:pPr>
+            <a:r>
+              <a:rPr lang="en-US" sz="2400" dirty="0" smtClean="0">
+                <a:latin typeface="Calibri" panose="020F0502020204030204" pitchFamily="34" charset="0"/>
+                <a:cs typeface="Calibri" panose="020F0502020204030204" pitchFamily="34" charset="0"/>
+              </a:rPr>
+              <a:t>Naïve </a:t>
+            </a:r>
+            <a:r>
+              <a:rPr lang="en-US" sz="2400" dirty="0">
+                <a:latin typeface="Calibri" panose="020F0502020204030204" pitchFamily="34" charset="0"/>
+                <a:cs typeface="Calibri" panose="020F0502020204030204" pitchFamily="34" charset="0"/>
+              </a:rPr>
+              <a:t>Bayes Confusion Matrix</a:t>
+            </a:r>
+            <a:endParaRPr lang="en-US" sz="2400" dirty="0" smtClean="0">
+              <a:latin typeface="Calibri" panose="020F0502020204030204" pitchFamily="34" charset="0"/>
+              <a:cs typeface="Calibri" panose="020F0502020204030204" pitchFamily="34" charset="0"/>
+            </a:endParaRPr>
+          </a:p>
+          <a:p>
+            <a:pPr marL="109728" indent="0">
+              <a:buNone/>
+            </a:pPr>
+            <a:endParaRPr lang="en-US" sz="2400" dirty="0" smtClean="0">
+              <a:latin typeface="Calibri" panose="020F0502020204030204" pitchFamily="34" charset="0"/>
+              <a:cs typeface="Calibri" panose="020F0502020204030204" pitchFamily="34" charset="0"/>
+            </a:endParaRPr>
+          </a:p>
+        </p:txBody>
+      </p:sp>
+      <p:pic>
+        <p:nvPicPr>
+          <p:cNvPr id="3" name="Content Placeholder 3"/>
+          <p:cNvPicPr>
+            <a:picLocks noChangeAspect="1"/>
+          </p:cNvPicPr>
+          <p:nvPr/>
+        </p:nvPicPr>
+        <p:blipFill>
+          <a:blip r:embed="rId2">
+            <a:extLst>
+              <a:ext uri="{28A0092B-C50C-407E-A947-70E740481C1C}">
+                <a14:useLocalDpi xmlns:a14="http://schemas.microsoft.com/office/drawing/2010/main" val="0"/>
+              </a:ext>
+            </a:extLst>
+          </a:blip>
+          <a:stretch>
+            <a:fillRect/>
+          </a:stretch>
+        </p:blipFill>
+        <p:spPr>
+          <a:xfrm>
+            <a:off x="1126898" y="1371600"/>
+            <a:ext cx="5647037" cy="4123390"/>
+          </a:xfrm>
+          <a:prstGeom prst="rect">
+            <a:avLst/>
+          </a:prstGeom>
+        </p:spPr>
+      </p:pic>
+      <p:sp>
+        <p:nvSpPr>
+          <p:cNvPr id="4" name="Rectangle 3"/>
+          <p:cNvSpPr/>
+          <p:nvPr/>
+        </p:nvSpPr>
+        <p:spPr>
+          <a:xfrm>
+            <a:off x="3908852" y="5494990"/>
+            <a:ext cx="5006548" cy="1015663"/>
+          </a:xfrm>
+          <a:prstGeom prst="rect">
+            <a:avLst/>
+          </a:prstGeom>
+        </p:spPr>
+        <p:txBody>
+          <a:bodyPr wrap="square">
+            <a:spAutoFit/>
+          </a:bodyPr>
+          <a:lstStyle/>
+          <a:p>
+            <a:pPr marL="171450" indent="-171450">
+              <a:buFont typeface="Arial" panose="020B0604020202020204" pitchFamily="34" charset="0"/>
+              <a:buChar char="•"/>
+            </a:pPr>
+            <a:r>
+              <a:rPr lang="en-US" sz="1200" dirty="0" smtClean="0">
+                <a:latin typeface="Calibri" panose="020F0502020204030204" pitchFamily="34" charset="0"/>
+                <a:cs typeface="Calibri" panose="020F0502020204030204" pitchFamily="34" charset="0"/>
+              </a:rPr>
+              <a:t>Overall accuracy = 0.636919315403</a:t>
+            </a:r>
+          </a:p>
+          <a:p>
+            <a:pPr marL="171450" indent="-171450">
+              <a:buFont typeface="Arial" panose="020B0604020202020204" pitchFamily="34" charset="0"/>
+              <a:buChar char="•"/>
+            </a:pPr>
+            <a:r>
+              <a:rPr lang="en-US" sz="1200" dirty="0" smtClean="0">
+                <a:latin typeface="Calibri" panose="020F0502020204030204" pitchFamily="34" charset="0"/>
+                <a:cs typeface="Calibri" panose="020F0502020204030204" pitchFamily="34" charset="0"/>
+              </a:rPr>
+              <a:t>Highest accuracy shows 'Hack' with 694 correct classifications</a:t>
+            </a:r>
+          </a:p>
+          <a:p>
+            <a:pPr marL="171450" indent="-171450">
+              <a:buFont typeface="Arial" panose="020B0604020202020204" pitchFamily="34" charset="0"/>
+              <a:buChar char="•"/>
+            </a:pPr>
+            <a:r>
+              <a:rPr lang="en-US" sz="1200" dirty="0" smtClean="0">
+                <a:latin typeface="Calibri" panose="020F0502020204030204" pitchFamily="34" charset="0"/>
+                <a:cs typeface="Calibri" panose="020F0502020204030204" pitchFamily="34" charset="0"/>
+              </a:rPr>
+              <a:t>Next highest is 'Phys' with 421 correct classifications, then 'PORT' with 264.</a:t>
+            </a:r>
+          </a:p>
+          <a:p>
+            <a:pPr marL="171450" indent="-171450">
+              <a:buFont typeface="Arial" panose="020B0604020202020204" pitchFamily="34" charset="0"/>
+              <a:buChar char="•"/>
+            </a:pPr>
+            <a:r>
+              <a:rPr lang="en-US" sz="1200" dirty="0" smtClean="0">
+                <a:latin typeface="Calibri" panose="020F0502020204030204" pitchFamily="34" charset="0"/>
+                <a:cs typeface="Calibri" panose="020F0502020204030204" pitchFamily="34" charset="0"/>
+              </a:rPr>
+              <a:t>200 were miscalculated as Hack when they should have been DISC. 153 were miscategorized as 'PHYS' when should be 'DISC'.</a:t>
+            </a:r>
+            <a:endParaRPr lang="en-US" sz="1200" dirty="0">
+              <a:latin typeface="Calibri" panose="020F0502020204030204" pitchFamily="34" charset="0"/>
+              <a:cs typeface="Calibri" panose="020F0502020204030204" pitchFamily="34" charset="0"/>
+            </a:endParaRPr>
+          </a:p>
+        </p:txBody>
+      </p:sp>
+    </p:spTree>
+    <p:extLst>
+      <p:ext uri="{BB962C8B-B14F-4D97-AF65-F5344CB8AC3E}">
+        <p14:creationId xmlns:p14="http://schemas.microsoft.com/office/powerpoint/2010/main" val="2381862198"/>
+      </p:ext>
+    </p:extLst>
+  </p:cSld>
+  <p:clrMapOvr>
+    <a:masterClrMapping/>
+  </p:clrMapOvr>
+</p:sld>
+</file>
+
+<file path=ppt/slides/slide23.xml><?xml version="1.0" encoding="utf-8"?>
+<p:sld xmlns:a="http://schemas.openxmlformats.org/drawingml/2006/main" xmlns:r="http://schemas.openxmlformats.org/officeDocument/2006/relationships" xmlns:p="http://schemas.openxmlformats.org/presentationml/2006/main">
+  <p:cSld>
+    <p:spTree>
+      <p:nvGrpSpPr>
+        <p:cNvPr id="1" name=""/>
+        <p:cNvGrpSpPr/>
+        <p:nvPr/>
+      </p:nvGrpSpPr>
+      <p:grpSpPr>
+        <a:xfrm>
+          <a:off x="0" y="0"/>
+          <a:ext cx="0" cy="0"/>
+          <a:chOff x="0" y="0"/>
+          <a:chExt cx="0" cy="0"/>
+        </a:xfrm>
+      </p:grpSpPr>
+      <p:sp>
+        <p:nvSpPr>
+          <p:cNvPr id="2" name="Content Placeholder 1"/>
+          <p:cNvSpPr>
+            <a:spLocks noGrp="1"/>
+          </p:cNvSpPr>
+          <p:nvPr>
+            <p:ph idx="1"/>
+          </p:nvPr>
+        </p:nvSpPr>
+        <p:spPr>
+          <a:xfrm>
+            <a:off x="457200" y="381000"/>
+            <a:ext cx="8229600" cy="6172200"/>
+          </a:xfrm>
+        </p:spPr>
+        <p:txBody>
+          <a:bodyPr>
+            <a:normAutofit/>
+          </a:bodyPr>
+          <a:lstStyle/>
+          <a:p>
+            <a:pPr marL="109728" indent="0" algn="ctr">
+              <a:buNone/>
+            </a:pPr>
+            <a:r>
+              <a:rPr lang="en-US" sz="2400" dirty="0">
+                <a:latin typeface="Calibri" panose="020F0502020204030204" pitchFamily="34" charset="0"/>
+                <a:cs typeface="Calibri" panose="020F0502020204030204" pitchFamily="34" charset="0"/>
+              </a:rPr>
+              <a:t>Model </a:t>
+            </a:r>
+            <a:r>
+              <a:rPr lang="en-US" sz="2400" dirty="0" smtClean="0">
+                <a:latin typeface="Calibri" panose="020F0502020204030204" pitchFamily="34" charset="0"/>
+                <a:cs typeface="Calibri" panose="020F0502020204030204" pitchFamily="34" charset="0"/>
+              </a:rPr>
+              <a:t>Building and Evaluation - Naïve </a:t>
+            </a:r>
+            <a:r>
+              <a:rPr lang="en-US" sz="2400" dirty="0">
+                <a:latin typeface="Calibri" panose="020F0502020204030204" pitchFamily="34" charset="0"/>
+                <a:cs typeface="Calibri" panose="020F0502020204030204" pitchFamily="34" charset="0"/>
+              </a:rPr>
+              <a:t>Bayes – ROC Curve</a:t>
+            </a:r>
+            <a:endParaRPr lang="en-US" sz="2400" dirty="0" smtClean="0">
+              <a:latin typeface="Calibri" panose="020F0502020204030204" pitchFamily="34" charset="0"/>
+              <a:cs typeface="Calibri" panose="020F0502020204030204" pitchFamily="34" charset="0"/>
+            </a:endParaRPr>
+          </a:p>
+        </p:txBody>
+      </p:sp>
+      <p:sp>
+        <p:nvSpPr>
+          <p:cNvPr id="5" name="Rectangle 4"/>
+          <p:cNvSpPr/>
+          <p:nvPr/>
+        </p:nvSpPr>
+        <p:spPr>
+          <a:xfrm>
+            <a:off x="990600" y="886691"/>
+            <a:ext cx="7657070" cy="1077218"/>
+          </a:xfrm>
+          <a:prstGeom prst="rect">
+            <a:avLst/>
+          </a:prstGeom>
+        </p:spPr>
+        <p:txBody>
+          <a:bodyPr wrap="square">
+            <a:spAutoFit/>
+          </a:bodyPr>
+          <a:lstStyle/>
+          <a:p>
+            <a:r>
+              <a:rPr lang="en-US" sz="1600" b="1" dirty="0">
+                <a:latin typeface="Calibri" panose="020F0502020204030204" pitchFamily="34" charset="0"/>
+                <a:cs typeface="Calibri" panose="020F0502020204030204" pitchFamily="34" charset="0"/>
+              </a:rPr>
+              <a:t>Explanation of the ROC Curves: The steeper the curve the more accurate it is</a:t>
+            </a:r>
+            <a:r>
+              <a:rPr lang="en-US" sz="1600" b="1" dirty="0" smtClean="0">
+                <a:latin typeface="Calibri" panose="020F0502020204030204" pitchFamily="34" charset="0"/>
+                <a:cs typeface="Calibri" panose="020F0502020204030204" pitchFamily="34" charset="0"/>
+              </a:rPr>
+              <a:t>.</a:t>
+            </a:r>
+            <a:endParaRPr lang="en-US" sz="1600" b="1" dirty="0">
+              <a:latin typeface="Calibri" panose="020F0502020204030204" pitchFamily="34" charset="0"/>
+              <a:cs typeface="Calibri" panose="020F0502020204030204" pitchFamily="34" charset="0"/>
+            </a:endParaRPr>
+          </a:p>
+          <a:p>
+            <a:r>
+              <a:rPr lang="en-US" sz="1600" dirty="0">
+                <a:latin typeface="Calibri" panose="020F0502020204030204" pitchFamily="34" charset="0"/>
+                <a:cs typeface="Calibri" panose="020F0502020204030204" pitchFamily="34" charset="0"/>
+              </a:rPr>
+              <a:t>The highest accuracy is shown by the CARD </a:t>
+            </a:r>
+            <a:r>
+              <a:rPr lang="en-US" sz="1600" dirty="0" smtClean="0">
+                <a:latin typeface="Calibri" panose="020F0502020204030204" pitchFamily="34" charset="0"/>
+                <a:cs typeface="Calibri" panose="020F0502020204030204" pitchFamily="34" charset="0"/>
+              </a:rPr>
+              <a:t>breach type, </a:t>
+            </a:r>
+            <a:r>
+              <a:rPr lang="en-US" sz="1600" dirty="0">
+                <a:latin typeface="Calibri" panose="020F0502020204030204" pitchFamily="34" charset="0"/>
+                <a:cs typeface="Calibri" panose="020F0502020204030204" pitchFamily="34" charset="0"/>
+              </a:rPr>
+              <a:t>followed by </a:t>
+            </a:r>
+            <a:r>
+              <a:rPr lang="en-US" sz="1600" dirty="0" smtClean="0">
+                <a:latin typeface="Calibri" panose="020F0502020204030204" pitchFamily="34" charset="0"/>
+                <a:cs typeface="Calibri" panose="020F0502020204030204" pitchFamily="34" charset="0"/>
+              </a:rPr>
+              <a:t>PORT.</a:t>
+            </a:r>
+            <a:endParaRPr lang="en-US" sz="1600" dirty="0">
+              <a:latin typeface="Calibri" panose="020F0502020204030204" pitchFamily="34" charset="0"/>
+              <a:cs typeface="Calibri" panose="020F0502020204030204" pitchFamily="34" charset="0"/>
+            </a:endParaRPr>
+          </a:p>
+          <a:p>
+            <a:r>
+              <a:rPr lang="en-US" sz="1600" dirty="0">
+                <a:latin typeface="Calibri" panose="020F0502020204030204" pitchFamily="34" charset="0"/>
+                <a:cs typeface="Calibri" panose="020F0502020204030204" pitchFamily="34" charset="0"/>
+              </a:rPr>
+              <a:t>The lowest accuracy is shown by the UNKN breach type. </a:t>
+            </a:r>
+          </a:p>
+          <a:p>
+            <a:r>
+              <a:rPr lang="en-US" sz="1600" dirty="0">
+                <a:latin typeface="Calibri" panose="020F0502020204030204" pitchFamily="34" charset="0"/>
+                <a:cs typeface="Calibri" panose="020F0502020204030204" pitchFamily="34" charset="0"/>
+              </a:rPr>
+              <a:t>This is a better model than </a:t>
+            </a:r>
+            <a:r>
+              <a:rPr lang="en-US" sz="1600" dirty="0" smtClean="0">
+                <a:latin typeface="Calibri" panose="020F0502020204030204" pitchFamily="34" charset="0"/>
+                <a:cs typeface="Calibri" panose="020F0502020204030204" pitchFamily="34" charset="0"/>
+              </a:rPr>
+              <a:t>shown by the confusion matrix.</a:t>
+            </a:r>
+            <a:endParaRPr lang="en-US" sz="1600" dirty="0">
+              <a:latin typeface="Calibri" panose="020F0502020204030204" pitchFamily="34" charset="0"/>
+              <a:cs typeface="Calibri" panose="020F0502020204030204" pitchFamily="34" charset="0"/>
+            </a:endParaRPr>
+          </a:p>
+        </p:txBody>
+      </p:sp>
+      <p:pic>
+        <p:nvPicPr>
+          <p:cNvPr id="6" name="Content Placeholder 3"/>
+          <p:cNvPicPr>
+            <a:picLocks noChangeAspect="1"/>
+          </p:cNvPicPr>
+          <p:nvPr/>
+        </p:nvPicPr>
+        <p:blipFill>
+          <a:blip r:embed="rId2">
+            <a:extLst>
+              <a:ext uri="{28A0092B-C50C-407E-A947-70E740481C1C}">
+                <a14:useLocalDpi xmlns:a14="http://schemas.microsoft.com/office/drawing/2010/main" val="0"/>
+              </a:ext>
+            </a:extLst>
+          </a:blip>
+          <a:stretch>
+            <a:fillRect/>
+          </a:stretch>
+        </p:blipFill>
+        <p:spPr>
+          <a:xfrm>
+            <a:off x="962891" y="1963907"/>
+            <a:ext cx="6921006" cy="4055891"/>
+          </a:xfrm>
+          <a:prstGeom prst="rect">
+            <a:avLst/>
+          </a:prstGeom>
+        </p:spPr>
+      </p:pic>
+    </p:spTree>
+    <p:extLst>
+      <p:ext uri="{BB962C8B-B14F-4D97-AF65-F5344CB8AC3E}">
+        <p14:creationId xmlns:p14="http://schemas.microsoft.com/office/powerpoint/2010/main" val="427340702"/>
+      </p:ext>
+    </p:extLst>
+  </p:cSld>
+  <p:clrMapOvr>
+    <a:masterClrMapping/>
+  </p:clrMapOvr>
+</p:sld>
+</file>
+
+<file path=ppt/slides/slide24.xml><?xml version="1.0" encoding="utf-8"?>
+<p:sld xmlns:a="http://schemas.openxmlformats.org/drawingml/2006/main" xmlns:r="http://schemas.openxmlformats.org/officeDocument/2006/relationships" xmlns:p="http://schemas.openxmlformats.org/presentationml/2006/main">
+  <p:cSld>
+    <p:spTree>
+      <p:nvGrpSpPr>
+        <p:cNvPr id="1" name=""/>
+        <p:cNvGrpSpPr/>
+        <p:nvPr/>
+      </p:nvGrpSpPr>
+      <p:grpSpPr>
+        <a:xfrm>
+          <a:off x="0" y="0"/>
+          <a:ext cx="0" cy="0"/>
+          <a:chOff x="0" y="0"/>
+          <a:chExt cx="0" cy="0"/>
+        </a:xfrm>
+      </p:grpSpPr>
+      <p:sp>
+        <p:nvSpPr>
+          <p:cNvPr id="2" name="Content Placeholder 1"/>
+          <p:cNvSpPr>
+            <a:spLocks noGrp="1"/>
+          </p:cNvSpPr>
+          <p:nvPr>
+            <p:ph idx="1"/>
+          </p:nvPr>
+        </p:nvSpPr>
+        <p:spPr>
+          <a:xfrm>
+            <a:off x="457200" y="381000"/>
+            <a:ext cx="8229600" cy="6172200"/>
+          </a:xfrm>
+        </p:spPr>
+        <p:txBody>
+          <a:bodyPr>
+            <a:normAutofit lnSpcReduction="10000"/>
+          </a:bodyPr>
+          <a:lstStyle/>
+          <a:p>
+            <a:pPr marL="109728" indent="0" algn="ctr">
+              <a:buNone/>
+            </a:pPr>
+            <a:r>
+              <a:rPr lang="en-US" sz="2800" dirty="0">
+                <a:latin typeface="Calibri" panose="020F0502020204030204" pitchFamily="34" charset="0"/>
+                <a:cs typeface="Calibri" panose="020F0502020204030204" pitchFamily="34" charset="0"/>
+              </a:rPr>
+              <a:t>Model </a:t>
+            </a:r>
+            <a:r>
+              <a:rPr lang="en-US" sz="2800" dirty="0" smtClean="0">
+                <a:latin typeface="Calibri" panose="020F0502020204030204" pitchFamily="34" charset="0"/>
+                <a:cs typeface="Calibri" panose="020F0502020204030204" pitchFamily="34" charset="0"/>
+              </a:rPr>
+              <a:t>Building and Evaluation </a:t>
+            </a:r>
+          </a:p>
+          <a:p>
+            <a:pPr marL="109728" indent="0" algn="ctr">
+              <a:buNone/>
+            </a:pPr>
+            <a:r>
+              <a:rPr lang="en-US" sz="2800" dirty="0">
+                <a:latin typeface="Calibri" panose="020F0502020204030204" pitchFamily="34" charset="0"/>
+                <a:cs typeface="Calibri" panose="020F0502020204030204" pitchFamily="34" charset="0"/>
+              </a:rPr>
+              <a:t>Fit </a:t>
+            </a:r>
+            <a:r>
+              <a:rPr lang="en-US" sz="2800" dirty="0" smtClean="0">
+                <a:latin typeface="Calibri" panose="020F0502020204030204" pitchFamily="34" charset="0"/>
+                <a:cs typeface="Calibri" panose="020F0502020204030204" pitchFamily="34" charset="0"/>
+              </a:rPr>
+              <a:t>Data </a:t>
+            </a:r>
+            <a:r>
+              <a:rPr lang="en-US" sz="2800" dirty="0">
+                <a:latin typeface="Calibri" panose="020F0502020204030204" pitchFamily="34" charset="0"/>
+                <a:cs typeface="Calibri" panose="020F0502020204030204" pitchFamily="34" charset="0"/>
+              </a:rPr>
+              <a:t>to SVM model/Classification </a:t>
+            </a:r>
+            <a:r>
+              <a:rPr lang="en-US" sz="2800" dirty="0" smtClean="0">
+                <a:latin typeface="Calibri" panose="020F0502020204030204" pitchFamily="34" charset="0"/>
+                <a:cs typeface="Calibri" panose="020F0502020204030204" pitchFamily="34" charset="0"/>
+              </a:rPr>
+              <a:t>Report</a:t>
+            </a:r>
+          </a:p>
+          <a:p>
+            <a:pPr marL="109728" indent="0">
+              <a:buNone/>
+            </a:pPr>
+            <a:r>
+              <a:rPr lang="en-US" sz="2800" dirty="0">
+                <a:latin typeface="Courier New" panose="02070309020205020404" pitchFamily="49" charset="0"/>
+                <a:cs typeface="Courier New" panose="02070309020205020404" pitchFamily="49" charset="0"/>
+              </a:rPr>
+              <a:t>precision recall f1-score support </a:t>
+            </a:r>
+          </a:p>
+          <a:p>
+            <a:pPr marL="109728" indent="0">
+              <a:buNone/>
+            </a:pPr>
+            <a:r>
+              <a:rPr lang="en-US" sz="2800" dirty="0">
+                <a:latin typeface="Courier New" panose="02070309020205020404" pitchFamily="49" charset="0"/>
+                <a:cs typeface="Courier New" panose="02070309020205020404" pitchFamily="49" charset="0"/>
+              </a:rPr>
+              <a:t>CARD 0.67 0.44 	0.53 	 18 </a:t>
+            </a:r>
+          </a:p>
+          <a:p>
+            <a:pPr marL="109728" indent="0">
+              <a:buNone/>
+            </a:pPr>
+            <a:r>
+              <a:rPr lang="en-US" sz="2800" dirty="0">
+                <a:latin typeface="Courier New" panose="02070309020205020404" pitchFamily="49" charset="0"/>
+                <a:cs typeface="Courier New" panose="02070309020205020404" pitchFamily="49" charset="0"/>
+              </a:rPr>
+              <a:t>DISC 0.71 0.70 	0.71 	504 </a:t>
+            </a:r>
+          </a:p>
+          <a:p>
+            <a:pPr marL="109728" indent="0">
+              <a:buNone/>
+            </a:pPr>
+            <a:r>
+              <a:rPr lang="en-US" sz="2800" dirty="0">
+                <a:latin typeface="Courier New" panose="02070309020205020404" pitchFamily="49" charset="0"/>
+                <a:cs typeface="Courier New" panose="02070309020205020404" pitchFamily="49" charset="0"/>
+              </a:rPr>
+              <a:t>HACK 0.83 0.87 	0.85 	746 </a:t>
+            </a:r>
+          </a:p>
+          <a:p>
+            <a:pPr marL="109728" indent="0">
+              <a:buNone/>
+            </a:pPr>
+            <a:r>
+              <a:rPr lang="en-US" sz="2800" dirty="0">
+                <a:latin typeface="Courier New" panose="02070309020205020404" pitchFamily="49" charset="0"/>
+                <a:cs typeface="Courier New" panose="02070309020205020404" pitchFamily="49" charset="0"/>
+              </a:rPr>
+              <a:t>INSD 0.84 0.77 	0.80 	165 </a:t>
+            </a:r>
+          </a:p>
+          <a:p>
+            <a:pPr marL="109728" indent="0">
+              <a:buNone/>
+            </a:pPr>
+            <a:r>
+              <a:rPr lang="en-US" sz="2800" dirty="0">
+                <a:latin typeface="Courier New" panose="02070309020205020404" pitchFamily="49" charset="0"/>
+                <a:cs typeface="Courier New" panose="02070309020205020404" pitchFamily="49" charset="0"/>
+              </a:rPr>
+              <a:t>PHYS 0.74 0.82 	0.78 	523 </a:t>
+            </a:r>
+          </a:p>
+          <a:p>
+            <a:pPr marL="109728" indent="0">
+              <a:buNone/>
+            </a:pPr>
+            <a:r>
+              <a:rPr lang="en-US" sz="2800" dirty="0">
+                <a:latin typeface="Courier New" panose="02070309020205020404" pitchFamily="49" charset="0"/>
+                <a:cs typeface="Courier New" panose="02070309020205020404" pitchFamily="49" charset="0"/>
+              </a:rPr>
+              <a:t>PORT 0.84 0.90 	0.87 	351 </a:t>
+            </a:r>
+          </a:p>
+          <a:p>
+            <a:pPr marL="109728" indent="0">
+              <a:buNone/>
+            </a:pPr>
+            <a:r>
+              <a:rPr lang="en-US" sz="2800" dirty="0">
+                <a:latin typeface="Courier New" panose="02070309020205020404" pitchFamily="49" charset="0"/>
+                <a:cs typeface="Courier New" panose="02070309020205020404" pitchFamily="49" charset="0"/>
+              </a:rPr>
+              <a:t>STAT 0.73 0.52 	0.61 	 73 </a:t>
+            </a:r>
+          </a:p>
+          <a:p>
+            <a:pPr marL="109728" indent="0">
+              <a:buNone/>
+            </a:pPr>
+            <a:r>
+              <a:rPr lang="en-US" sz="2800" dirty="0">
+                <a:latin typeface="Courier New" panose="02070309020205020404" pitchFamily="49" charset="0"/>
+                <a:cs typeface="Courier New" panose="02070309020205020404" pitchFamily="49" charset="0"/>
+              </a:rPr>
+              <a:t>UNKN 0.67 0.05 	0.10 	 74 </a:t>
+            </a:r>
+          </a:p>
+          <a:p>
+            <a:pPr marL="109728" indent="0">
+              <a:buNone/>
+            </a:pPr>
+            <a:r>
+              <a:rPr lang="en-US" sz="2800" dirty="0">
+                <a:latin typeface="Courier New" panose="02070309020205020404" pitchFamily="49" charset="0"/>
+                <a:cs typeface="Courier New" panose="02070309020205020404" pitchFamily="49" charset="0"/>
+              </a:rPr>
+              <a:t>avg/total</a:t>
+            </a:r>
+          </a:p>
+          <a:p>
+            <a:pPr marL="109728" indent="0">
+              <a:buNone/>
+            </a:pPr>
+            <a:r>
+              <a:rPr lang="en-US" sz="2800" dirty="0" smtClean="0">
+                <a:latin typeface="Courier New" panose="02070309020205020404" pitchFamily="49" charset="0"/>
+                <a:cs typeface="Courier New" panose="02070309020205020404" pitchFamily="49" charset="0"/>
+              </a:rPr>
+              <a:t>	 0.78 </a:t>
+            </a:r>
+            <a:r>
+              <a:rPr lang="en-US" sz="2800" dirty="0">
+                <a:latin typeface="Courier New" panose="02070309020205020404" pitchFamily="49" charset="0"/>
+                <a:cs typeface="Courier New" panose="02070309020205020404" pitchFamily="49" charset="0"/>
+              </a:rPr>
+              <a:t>0.78 </a:t>
+            </a:r>
+            <a:r>
+              <a:rPr lang="en-US" sz="2800" dirty="0" smtClean="0">
+                <a:latin typeface="Courier New" panose="02070309020205020404" pitchFamily="49" charset="0"/>
+                <a:cs typeface="Courier New" panose="02070309020205020404" pitchFamily="49" charset="0"/>
+              </a:rPr>
+              <a:t>  0.77    2454 </a:t>
+            </a:r>
+            <a:endParaRPr lang="en-US" sz="2800" dirty="0">
+              <a:latin typeface="Courier New" panose="02070309020205020404" pitchFamily="49" charset="0"/>
+              <a:cs typeface="Courier New" panose="02070309020205020404" pitchFamily="49" charset="0"/>
+            </a:endParaRPr>
+          </a:p>
+          <a:p>
+            <a:pPr marL="109728" indent="0">
+              <a:buNone/>
+            </a:pPr>
+            <a:endParaRPr lang="en-US" sz="2800" dirty="0" smtClean="0">
+              <a:latin typeface="Calibri" panose="020F0502020204030204" pitchFamily="34" charset="0"/>
+              <a:cs typeface="Calibri" panose="020F0502020204030204" pitchFamily="34" charset="0"/>
+            </a:endParaRPr>
+          </a:p>
+        </p:txBody>
+      </p:sp>
+    </p:spTree>
+    <p:extLst>
+      <p:ext uri="{BB962C8B-B14F-4D97-AF65-F5344CB8AC3E}">
+        <p14:creationId xmlns:p14="http://schemas.microsoft.com/office/powerpoint/2010/main" val="4112134910"/>
+      </p:ext>
+    </p:extLst>
+  </p:cSld>
+  <p:clrMapOvr>
+    <a:masterClrMapping/>
+  </p:clrMapOvr>
+</p:sld>
+</file>
+
+<file path=ppt/slides/slide25.xml><?xml version="1.0" encoding="utf-8"?>
+<p:sld xmlns:a="http://schemas.openxmlformats.org/drawingml/2006/main" xmlns:r="http://schemas.openxmlformats.org/officeDocument/2006/relationships" xmlns:p="http://schemas.openxmlformats.org/presentationml/2006/main">
+  <p:cSld>
+    <p:spTree>
+      <p:nvGrpSpPr>
+        <p:cNvPr id="1" name=""/>
+        <p:cNvGrpSpPr/>
+        <p:nvPr/>
+      </p:nvGrpSpPr>
+      <p:grpSpPr>
+        <a:xfrm>
+          <a:off x="0" y="0"/>
+          <a:ext cx="0" cy="0"/>
+          <a:chOff x="0" y="0"/>
+          <a:chExt cx="0" cy="0"/>
+        </a:xfrm>
+      </p:grpSpPr>
+      <p:sp>
+        <p:nvSpPr>
+          <p:cNvPr id="2" name="Content Placeholder 1"/>
+          <p:cNvSpPr>
+            <a:spLocks noGrp="1"/>
+          </p:cNvSpPr>
+          <p:nvPr>
+            <p:ph idx="1"/>
+          </p:nvPr>
+        </p:nvSpPr>
+        <p:spPr>
+          <a:xfrm>
+            <a:off x="457200" y="381000"/>
+            <a:ext cx="8229600" cy="6172200"/>
+          </a:xfrm>
+        </p:spPr>
+        <p:txBody>
+          <a:bodyPr>
+            <a:normAutofit/>
+          </a:bodyPr>
+          <a:lstStyle/>
+          <a:p>
+            <a:pPr marL="109728" indent="0">
+              <a:buNone/>
+            </a:pPr>
+            <a:r>
+              <a:rPr lang="en-US" sz="2400" dirty="0">
+                <a:latin typeface="Calibri" panose="020F0502020204030204" pitchFamily="34" charset="0"/>
+                <a:cs typeface="Calibri" panose="020F0502020204030204" pitchFamily="34" charset="0"/>
+              </a:rPr>
+              <a:t>Model </a:t>
+            </a:r>
+            <a:r>
+              <a:rPr lang="en-US" sz="2400" dirty="0" smtClean="0">
+                <a:latin typeface="Calibri" panose="020F0502020204030204" pitchFamily="34" charset="0"/>
+                <a:cs typeface="Calibri" panose="020F0502020204030204" pitchFamily="34" charset="0"/>
+              </a:rPr>
+              <a:t>Building and Evaluation - SVM </a:t>
+            </a:r>
+            <a:r>
+              <a:rPr lang="en-US" sz="2400" dirty="0">
+                <a:latin typeface="Calibri" panose="020F0502020204030204" pitchFamily="34" charset="0"/>
+                <a:cs typeface="Calibri" panose="020F0502020204030204" pitchFamily="34" charset="0"/>
+              </a:rPr>
+              <a:t>Confusion Matrix</a:t>
+            </a:r>
+            <a:endParaRPr lang="en-US" sz="2400" dirty="0" smtClean="0">
+              <a:latin typeface="Calibri" panose="020F0502020204030204" pitchFamily="34" charset="0"/>
+              <a:cs typeface="Calibri" panose="020F0502020204030204" pitchFamily="34" charset="0"/>
+            </a:endParaRPr>
+          </a:p>
+        </p:txBody>
+      </p:sp>
+      <p:pic>
+        <p:nvPicPr>
+          <p:cNvPr id="5" name="Content Placeholder 4"/>
+          <p:cNvPicPr>
+            <a:picLocks noChangeAspect="1"/>
+          </p:cNvPicPr>
+          <p:nvPr/>
+        </p:nvPicPr>
+        <p:blipFill>
+          <a:blip r:embed="rId2">
+            <a:extLst>
+              <a:ext uri="{28A0092B-C50C-407E-A947-70E740481C1C}">
+                <a14:useLocalDpi xmlns:a14="http://schemas.microsoft.com/office/drawing/2010/main" val="0"/>
+              </a:ext>
+            </a:extLst>
+          </a:blip>
+          <a:stretch>
+            <a:fillRect/>
+          </a:stretch>
+        </p:blipFill>
+        <p:spPr>
+          <a:xfrm>
+            <a:off x="810491" y="990600"/>
+            <a:ext cx="6672648" cy="4424870"/>
+          </a:xfrm>
+          <a:prstGeom prst="rect">
+            <a:avLst/>
+          </a:prstGeom>
+        </p:spPr>
+      </p:pic>
+      <p:sp>
+        <p:nvSpPr>
+          <p:cNvPr id="7" name="Content Placeholder 1"/>
+          <p:cNvSpPr txBox="1">
+            <a:spLocks/>
+          </p:cNvSpPr>
+          <p:nvPr/>
+        </p:nvSpPr>
+        <p:spPr>
+          <a:xfrm>
+            <a:off x="580768" y="5463362"/>
+            <a:ext cx="8106032" cy="764443"/>
+          </a:xfrm>
+          <a:prstGeom prst="rect">
+            <a:avLst/>
+          </a:prstGeom>
+        </p:spPr>
+        <p:txBody>
+          <a:bodyPr vert="horz">
+            <a:normAutofit fontScale="40000" lnSpcReduction="20000"/>
+          </a:bodyPr>
+          <a:lstStyle>
+            <a:lvl1pPr marL="365760" indent="-256032" algn="l" rtl="0" eaLnBrk="1" latinLnBrk="0" hangingPunct="1">
+              <a:spcBef>
+                <a:spcPts val="400"/>
+              </a:spcBef>
+              <a:spcAft>
+                <a:spcPts val="0"/>
+              </a:spcAft>
+              <a:buClr>
+                <a:schemeClr val="accent1"/>
+              </a:buClr>
+              <a:buSzPct val="68000"/>
+              <a:buFont typeface="Wingdings 3"/>
+              <a:buChar char=""/>
+              <a:defRPr kumimoji="0" sz="2700" kern="1200">
+                <a:solidFill>
+                  <a:schemeClr val="tx1"/>
+                </a:solidFill>
+                <a:latin typeface="+mn-lt"/>
+                <a:ea typeface="+mn-ea"/>
+                <a:cs typeface="+mn-cs"/>
+              </a:defRPr>
+            </a:lvl1pPr>
+            <a:lvl2pPr marL="621792" indent="-228600" algn="l" rtl="0" eaLnBrk="1" latinLnBrk="0" hangingPunct="1">
+              <a:spcBef>
+                <a:spcPts val="324"/>
+              </a:spcBef>
+              <a:buClr>
+                <a:schemeClr val="accent1"/>
+              </a:buClr>
+              <a:buFont typeface="Verdana"/>
+              <a:buChar char="◦"/>
+              <a:defRPr kumimoji="0" sz="2300" kern="1200">
+                <a:solidFill>
+                  <a:schemeClr val="tx1"/>
+                </a:solidFill>
+                <a:latin typeface="+mn-lt"/>
+                <a:ea typeface="+mn-ea"/>
+                <a:cs typeface="+mn-cs"/>
+              </a:defRPr>
+            </a:lvl2pPr>
+            <a:lvl3pPr marL="859536" indent="-228600" algn="l" rtl="0" eaLnBrk="1" latinLnBrk="0" hangingPunct="1">
+              <a:spcBef>
+                <a:spcPts val="350"/>
+              </a:spcBef>
+              <a:buClr>
+                <a:schemeClr val="accent2"/>
+              </a:buClr>
+              <a:buSzPct val="100000"/>
+              <a:buFont typeface="Wingdings 2"/>
+              <a:buChar char=""/>
+              <a:defRPr kumimoji="0" sz="2100" kern="1200">
+                <a:solidFill>
+                  <a:schemeClr val="tx1"/>
+                </a:solidFill>
+                <a:latin typeface="+mn-lt"/>
+                <a:ea typeface="+mn-ea"/>
+                <a:cs typeface="+mn-cs"/>
+              </a:defRPr>
+            </a:lvl3pPr>
+            <a:lvl4pPr marL="1143000" indent="-228600" algn="l" rtl="0" eaLnBrk="1" latinLnBrk="0" hangingPunct="1">
+              <a:spcBef>
+                <a:spcPts val="350"/>
+              </a:spcBef>
+              <a:buClr>
+                <a:schemeClr val="accent2"/>
+              </a:buClr>
+              <a:buFont typeface="Wingdings 2"/>
+              <a:buChar char=""/>
+              <a:defRPr kumimoji="0" sz="1900" kern="1200">
+                <a:solidFill>
+                  <a:schemeClr val="tx1"/>
+                </a:solidFill>
+                <a:latin typeface="+mn-lt"/>
+                <a:ea typeface="+mn-ea"/>
+                <a:cs typeface="+mn-cs"/>
+              </a:defRPr>
+            </a:lvl4pPr>
+            <a:lvl5pPr marL="1371600" indent="-228600" algn="l" rtl="0" eaLnBrk="1" latinLnBrk="0" hangingPunct="1">
+              <a:spcBef>
+                <a:spcPts val="350"/>
+              </a:spcBef>
+              <a:buClr>
+                <a:schemeClr val="accent2"/>
+              </a:buClr>
+              <a:buFont typeface="Wingdings 2"/>
+              <a:buChar char=""/>
+              <a:defRPr kumimoji="0" sz="1800" kern="1200">
+                <a:solidFill>
+                  <a:schemeClr val="tx1"/>
+                </a:solidFill>
+                <a:latin typeface="+mn-lt"/>
+                <a:ea typeface="+mn-ea"/>
+                <a:cs typeface="+mn-cs"/>
+              </a:defRPr>
+            </a:lvl5pPr>
+            <a:lvl6pPr marL="1600200" indent="-228600" algn="l" rtl="0" eaLnBrk="1" latinLnBrk="0" hangingPunct="1">
+              <a:spcBef>
+                <a:spcPts val="350"/>
+              </a:spcBef>
+              <a:buClr>
+                <a:schemeClr val="accent3"/>
+              </a:buClr>
+              <a:buFont typeface="Wingdings 2"/>
+              <a:buChar char=""/>
+              <a:defRPr kumimoji="0" sz="1800" kern="1200">
+                <a:solidFill>
+                  <a:schemeClr val="tx1"/>
+                </a:solidFill>
+                <a:latin typeface="+mn-lt"/>
+                <a:ea typeface="+mn-ea"/>
+                <a:cs typeface="+mn-cs"/>
+              </a:defRPr>
+            </a:lvl6pPr>
+            <a:lvl7pPr marL="1828800" indent="-228600" algn="l" rtl="0" eaLnBrk="1" latinLnBrk="0" hangingPunct="1">
+              <a:spcBef>
+                <a:spcPts val="350"/>
+              </a:spcBef>
+              <a:buClr>
+                <a:schemeClr val="accent3"/>
+              </a:buClr>
+              <a:buFont typeface="Wingdings 2"/>
+              <a:buChar char=""/>
+              <a:defRPr kumimoji="0" sz="1600" kern="1200">
+                <a:solidFill>
+                  <a:schemeClr val="tx1"/>
+                </a:solidFill>
+                <a:latin typeface="+mn-lt"/>
+                <a:ea typeface="+mn-ea"/>
+                <a:cs typeface="+mn-cs"/>
+              </a:defRPr>
+            </a:lvl7pPr>
+            <a:lvl8pPr marL="2057400" indent="-228600" algn="l" rtl="0" eaLnBrk="1" latinLnBrk="0" hangingPunct="1">
+              <a:spcBef>
+                <a:spcPts val="350"/>
+              </a:spcBef>
+              <a:buClr>
+                <a:schemeClr val="accent3"/>
+              </a:buClr>
+              <a:buFont typeface="Wingdings 2"/>
+              <a:buChar char=""/>
+              <a:defRPr kumimoji="0" sz="1600" kern="1200">
+                <a:solidFill>
+                  <a:schemeClr val="tx1"/>
+                </a:solidFill>
+                <a:latin typeface="+mn-lt"/>
+                <a:ea typeface="+mn-ea"/>
+                <a:cs typeface="+mn-cs"/>
+              </a:defRPr>
+            </a:lvl8pPr>
+            <a:lvl9pPr marL="2286000" indent="-228600" algn="l" rtl="0" eaLnBrk="1" latinLnBrk="0" hangingPunct="1">
+              <a:spcBef>
+                <a:spcPts val="350"/>
+              </a:spcBef>
+              <a:buClr>
+                <a:schemeClr val="accent3"/>
+              </a:buClr>
+              <a:buFont typeface="Wingdings 2"/>
+              <a:buChar char=""/>
+              <a:defRPr kumimoji="0" sz="1600" kern="1200" baseline="0">
+                <a:solidFill>
+                  <a:schemeClr val="tx1"/>
+                </a:solidFill>
+                <a:latin typeface="+mn-lt"/>
+                <a:ea typeface="+mn-ea"/>
+                <a:cs typeface="+mn-cs"/>
+              </a:defRPr>
+            </a:lvl9pPr>
+            <a:extLst/>
+          </a:lstStyle>
+          <a:p>
+            <a:r>
+              <a:rPr lang="en-US" dirty="0"/>
+              <a:t>Overall accuracy = 0.783211083945</a:t>
+            </a:r>
+          </a:p>
+          <a:p>
+            <a:r>
+              <a:rPr lang="en-US" dirty="0"/>
+              <a:t>Highest accuracy shows 'Hack' with 646 correct classifications</a:t>
+            </a:r>
+          </a:p>
+          <a:p>
+            <a:r>
+              <a:rPr lang="en-US" dirty="0"/>
+              <a:t>Next highest is 'Phys' with 429 correct classifications, then 'DISC' with 354 and PORT with 316.</a:t>
+            </a:r>
+          </a:p>
+          <a:p>
+            <a:pPr marL="109728" indent="0">
+              <a:buNone/>
+            </a:pPr>
+            <a:endParaRPr lang="en-US" dirty="0">
+              <a:latin typeface="Courier New" panose="02070309020205020404" pitchFamily="49" charset="0"/>
+              <a:cs typeface="Courier New" panose="02070309020205020404" pitchFamily="49" charset="0"/>
+            </a:endParaRPr>
+          </a:p>
+          <a:p>
+            <a:pPr marL="109728" indent="0" defTabSz="914400" fontAlgn="auto">
+              <a:buFont typeface="Wingdings 3"/>
+              <a:buNone/>
+            </a:pPr>
+            <a:endParaRPr lang="en-US" dirty="0">
+              <a:latin typeface="Courier New" panose="02070309020205020404" pitchFamily="49" charset="0"/>
+              <a:cs typeface="Courier New" panose="02070309020205020404" pitchFamily="49" charset="0"/>
+            </a:endParaRPr>
+          </a:p>
+        </p:txBody>
+      </p:sp>
+    </p:spTree>
+    <p:extLst>
+      <p:ext uri="{BB962C8B-B14F-4D97-AF65-F5344CB8AC3E}">
+        <p14:creationId xmlns:p14="http://schemas.microsoft.com/office/powerpoint/2010/main" val="3983449891"/>
+      </p:ext>
+    </p:extLst>
+  </p:cSld>
+  <p:clrMapOvr>
+    <a:masterClrMapping/>
+  </p:clrMapOvr>
+</p:sld>
+</file>
+
+<file path=ppt/slides/slide26.xml><?xml version="1.0" encoding="utf-8"?>
+<p:sld xmlns:a="http://schemas.openxmlformats.org/drawingml/2006/main" xmlns:r="http://schemas.openxmlformats.org/officeDocument/2006/relationships" xmlns:p="http://schemas.openxmlformats.org/presentationml/2006/main">
+  <p:cSld>
+    <p:spTree>
+      <p:nvGrpSpPr>
+        <p:cNvPr id="1" name=""/>
+        <p:cNvGrpSpPr/>
+        <p:nvPr/>
+      </p:nvGrpSpPr>
+      <p:grpSpPr>
+        <a:xfrm>
+          <a:off x="0" y="0"/>
+          <a:ext cx="0" cy="0"/>
+          <a:chOff x="0" y="0"/>
+          <a:chExt cx="0" cy="0"/>
+        </a:xfrm>
+      </p:grpSpPr>
+      <p:sp>
+        <p:nvSpPr>
+          <p:cNvPr id="2" name="Content Placeholder 1"/>
+          <p:cNvSpPr>
+            <a:spLocks noGrp="1"/>
+          </p:cNvSpPr>
+          <p:nvPr>
+            <p:ph idx="1"/>
+          </p:nvPr>
+        </p:nvSpPr>
+        <p:spPr>
+          <a:xfrm>
+            <a:off x="457200" y="381000"/>
+            <a:ext cx="8229600" cy="6172200"/>
+          </a:xfrm>
+        </p:spPr>
+        <p:txBody>
+          <a:bodyPr>
+            <a:normAutofit/>
+          </a:bodyPr>
+          <a:lstStyle/>
+          <a:p>
+            <a:pPr marL="109728" indent="0" algn="ctr">
+              <a:buNone/>
+            </a:pPr>
+            <a:r>
+              <a:rPr lang="en-US" sz="2400" dirty="0">
+                <a:latin typeface="Calibri" panose="020F0502020204030204" pitchFamily="34" charset="0"/>
+                <a:cs typeface="Calibri" panose="020F0502020204030204" pitchFamily="34" charset="0"/>
+              </a:rPr>
+              <a:t>Model </a:t>
+            </a:r>
+            <a:r>
+              <a:rPr lang="en-US" sz="2400" dirty="0" smtClean="0">
+                <a:latin typeface="Calibri" panose="020F0502020204030204" pitchFamily="34" charset="0"/>
+                <a:cs typeface="Calibri" panose="020F0502020204030204" pitchFamily="34" charset="0"/>
+              </a:rPr>
+              <a:t>Building and Evaluation </a:t>
+            </a:r>
+          </a:p>
+          <a:p>
+            <a:pPr marL="109728" indent="0" algn="ctr">
+              <a:buNone/>
+            </a:pPr>
+            <a:r>
+              <a:rPr lang="en-US" sz="2400" dirty="0" smtClean="0">
+                <a:latin typeface="Calibri" panose="020F0502020204030204" pitchFamily="34" charset="0"/>
+                <a:cs typeface="Calibri" panose="020F0502020204030204" pitchFamily="34" charset="0"/>
+              </a:rPr>
+              <a:t>Fit </a:t>
+            </a:r>
+            <a:r>
+              <a:rPr lang="en-US" sz="2400" dirty="0">
+                <a:latin typeface="Calibri" panose="020F0502020204030204" pitchFamily="34" charset="0"/>
+                <a:cs typeface="Calibri" panose="020F0502020204030204" pitchFamily="34" charset="0"/>
+              </a:rPr>
+              <a:t>Data to Random Forest </a:t>
+            </a:r>
+            <a:r>
+              <a:rPr lang="en-US" sz="2400" dirty="0" smtClean="0">
+                <a:latin typeface="Calibri" panose="020F0502020204030204" pitchFamily="34" charset="0"/>
+                <a:cs typeface="Calibri" panose="020F0502020204030204" pitchFamily="34" charset="0"/>
+              </a:rPr>
+              <a:t>model / Classification </a:t>
+            </a:r>
+            <a:r>
+              <a:rPr lang="en-US" sz="2400" dirty="0">
+                <a:latin typeface="Calibri" panose="020F0502020204030204" pitchFamily="34" charset="0"/>
+                <a:cs typeface="Calibri" panose="020F0502020204030204" pitchFamily="34" charset="0"/>
+              </a:rPr>
+              <a:t>Report</a:t>
+            </a:r>
+            <a:endParaRPr lang="en-US" sz="2400" dirty="0" smtClean="0">
+              <a:latin typeface="Calibri" panose="020F0502020204030204" pitchFamily="34" charset="0"/>
+              <a:cs typeface="Calibri" panose="020F0502020204030204" pitchFamily="34" charset="0"/>
+            </a:endParaRPr>
+          </a:p>
+          <a:p>
+            <a:pPr marL="109728" indent="0">
+              <a:buNone/>
+            </a:pPr>
+            <a:r>
+              <a:rPr lang="en-US" sz="2400" dirty="0">
+                <a:latin typeface="Courier New" panose="02070309020205020404" pitchFamily="49" charset="0"/>
+                <a:cs typeface="Courier New" panose="02070309020205020404" pitchFamily="49" charset="0"/>
+              </a:rPr>
+              <a:t>precision recall f1-score support </a:t>
+            </a:r>
+          </a:p>
+          <a:p>
+            <a:pPr marL="109728" indent="0">
+              <a:buNone/>
+            </a:pPr>
+            <a:r>
+              <a:rPr lang="en-US" sz="2400" dirty="0">
+                <a:latin typeface="Courier New" panose="02070309020205020404" pitchFamily="49" charset="0"/>
+                <a:cs typeface="Courier New" panose="02070309020205020404" pitchFamily="49" charset="0"/>
+              </a:rPr>
+              <a:t>CARD 1.00 1.00 	1.00 		 18 </a:t>
+            </a:r>
+          </a:p>
+          <a:p>
+            <a:pPr marL="109728" indent="0">
+              <a:buNone/>
+            </a:pPr>
+            <a:r>
+              <a:rPr lang="en-US" sz="2400" dirty="0">
+                <a:latin typeface="Courier New" panose="02070309020205020404" pitchFamily="49" charset="0"/>
+                <a:cs typeface="Courier New" panose="02070309020205020404" pitchFamily="49" charset="0"/>
+              </a:rPr>
+              <a:t>DISC 0.88 0.88 	0.88 		504 </a:t>
+            </a:r>
+          </a:p>
+          <a:p>
+            <a:pPr marL="109728" indent="0">
+              <a:buNone/>
+            </a:pPr>
+            <a:r>
+              <a:rPr lang="en-US" sz="2400" dirty="0">
+                <a:latin typeface="Courier New" panose="02070309020205020404" pitchFamily="49" charset="0"/>
+                <a:cs typeface="Courier New" panose="02070309020205020404" pitchFamily="49" charset="0"/>
+              </a:rPr>
+              <a:t>HACK 0.97 0.94 	0.96 		746 </a:t>
+            </a:r>
+          </a:p>
+          <a:p>
+            <a:pPr marL="109728" indent="0">
+              <a:buNone/>
+            </a:pPr>
+            <a:r>
+              <a:rPr lang="en-US" sz="2400" dirty="0">
+                <a:latin typeface="Courier New" panose="02070309020205020404" pitchFamily="49" charset="0"/>
+                <a:cs typeface="Courier New" panose="02070309020205020404" pitchFamily="49" charset="0"/>
+              </a:rPr>
+              <a:t>INSD 1.00 0.99 	1.00 		165 </a:t>
+            </a:r>
+          </a:p>
+          <a:p>
+            <a:pPr marL="109728" indent="0">
+              <a:buNone/>
+            </a:pPr>
+            <a:r>
+              <a:rPr lang="en-US" sz="2400" dirty="0">
+                <a:latin typeface="Courier New" panose="02070309020205020404" pitchFamily="49" charset="0"/>
+                <a:cs typeface="Courier New" panose="02070309020205020404" pitchFamily="49" charset="0"/>
+              </a:rPr>
+              <a:t>PHYS 0.89 0.96 	0.92 		523 </a:t>
+            </a:r>
+          </a:p>
+          <a:p>
+            <a:pPr marL="109728" indent="0">
+              <a:buNone/>
+            </a:pPr>
+            <a:r>
+              <a:rPr lang="en-US" sz="2400" dirty="0">
+                <a:latin typeface="Courier New" panose="02070309020205020404" pitchFamily="49" charset="0"/>
+                <a:cs typeface="Courier New" panose="02070309020205020404" pitchFamily="49" charset="0"/>
+              </a:rPr>
+              <a:t>PORT 1.00 1.00 	1.00 		351 </a:t>
+            </a:r>
+          </a:p>
+          <a:p>
+            <a:pPr marL="109728" indent="0">
+              <a:buNone/>
+            </a:pPr>
+            <a:r>
+              <a:rPr lang="en-US" sz="2400" dirty="0">
+                <a:latin typeface="Courier New" panose="02070309020205020404" pitchFamily="49" charset="0"/>
+                <a:cs typeface="Courier New" panose="02070309020205020404" pitchFamily="49" charset="0"/>
+              </a:rPr>
+              <a:t>STAT 1.00 1.00 	1.00 		 73 </a:t>
+            </a:r>
+          </a:p>
+          <a:p>
+            <a:pPr marL="109728" indent="0">
+              <a:buNone/>
+            </a:pPr>
+            <a:r>
+              <a:rPr lang="en-US" sz="2400" dirty="0">
+                <a:latin typeface="Courier New" panose="02070309020205020404" pitchFamily="49" charset="0"/>
+                <a:cs typeface="Courier New" panose="02070309020205020404" pitchFamily="49" charset="0"/>
+              </a:rPr>
+              <a:t>UNKN 1.00 0.77 	0.87 		 74 </a:t>
+            </a:r>
+          </a:p>
+          <a:p>
+            <a:pPr marL="109728" indent="0">
+              <a:buNone/>
+            </a:pPr>
+            <a:r>
+              <a:rPr lang="en-US" sz="2400" dirty="0">
+                <a:latin typeface="Courier New" panose="02070309020205020404" pitchFamily="49" charset="0"/>
+                <a:cs typeface="Courier New" panose="02070309020205020404" pitchFamily="49" charset="0"/>
+              </a:rPr>
+              <a:t>			avg/total </a:t>
+            </a:r>
+          </a:p>
+          <a:p>
+            <a:pPr marL="109728" indent="0">
+              <a:buNone/>
+            </a:pPr>
+            <a:r>
+              <a:rPr lang="en-US" sz="2400" dirty="0">
+                <a:latin typeface="Courier New" panose="02070309020205020404" pitchFamily="49" charset="0"/>
+                <a:cs typeface="Courier New" panose="02070309020205020404" pitchFamily="49" charset="0"/>
+              </a:rPr>
+              <a:t>	</a:t>
+            </a:r>
+            <a:r>
+              <a:rPr lang="en-US" sz="2400" dirty="0" smtClean="0">
+                <a:latin typeface="Courier New" panose="02070309020205020404" pitchFamily="49" charset="0"/>
+                <a:cs typeface="Courier New" panose="02070309020205020404" pitchFamily="49" charset="0"/>
+              </a:rPr>
+              <a:t> 0.94 0.94 </a:t>
+            </a:r>
+            <a:r>
+              <a:rPr lang="en-US" sz="2400" dirty="0">
+                <a:latin typeface="Courier New" panose="02070309020205020404" pitchFamily="49" charset="0"/>
+                <a:cs typeface="Courier New" panose="02070309020205020404" pitchFamily="49" charset="0"/>
+              </a:rPr>
+              <a:t>	0.94 	    2454 </a:t>
+            </a:r>
+          </a:p>
+          <a:p>
+            <a:pPr marL="109728" indent="0">
+              <a:buNone/>
+            </a:pPr>
+            <a:endParaRPr lang="en-US" sz="2800" dirty="0" smtClean="0">
+              <a:latin typeface="Calibri" panose="020F0502020204030204" pitchFamily="34" charset="0"/>
+              <a:cs typeface="Calibri" panose="020F0502020204030204" pitchFamily="34" charset="0"/>
+            </a:endParaRPr>
+          </a:p>
+        </p:txBody>
+      </p:sp>
+    </p:spTree>
+    <p:extLst>
+      <p:ext uri="{BB962C8B-B14F-4D97-AF65-F5344CB8AC3E}">
+        <p14:creationId xmlns:p14="http://schemas.microsoft.com/office/powerpoint/2010/main" val="894701691"/>
+      </p:ext>
+    </p:extLst>
+  </p:cSld>
+  <p:clrMapOvr>
+    <a:masterClrMapping/>
+  </p:clrMapOvr>
+</p:sld>
+</file>
+
+<file path=ppt/slides/slide27.xml><?xml version="1.0" encoding="utf-8"?>
+<p:sld xmlns:a="http://schemas.openxmlformats.org/drawingml/2006/main" xmlns:r="http://schemas.openxmlformats.org/officeDocument/2006/relationships" xmlns:p="http://schemas.openxmlformats.org/presentationml/2006/main">
+  <p:cSld>
+    <p:spTree>
+      <p:nvGrpSpPr>
+        <p:cNvPr id="1" name=""/>
+        <p:cNvGrpSpPr/>
+        <p:nvPr/>
+      </p:nvGrpSpPr>
+      <p:grpSpPr>
+        <a:xfrm>
+          <a:off x="0" y="0"/>
+          <a:ext cx="0" cy="0"/>
+          <a:chOff x="0" y="0"/>
+          <a:chExt cx="0" cy="0"/>
+        </a:xfrm>
+      </p:grpSpPr>
+      <p:sp>
+        <p:nvSpPr>
+          <p:cNvPr id="2" name="Content Placeholder 1"/>
+          <p:cNvSpPr>
+            <a:spLocks noGrp="1"/>
+          </p:cNvSpPr>
+          <p:nvPr>
+            <p:ph idx="1"/>
+          </p:nvPr>
+        </p:nvSpPr>
+        <p:spPr>
+          <a:xfrm>
+            <a:off x="381000" y="381000"/>
+            <a:ext cx="8382000" cy="6336375"/>
+          </a:xfrm>
+        </p:spPr>
+        <p:txBody>
+          <a:bodyPr>
+            <a:normAutofit/>
+          </a:bodyPr>
+          <a:lstStyle/>
+          <a:p>
+            <a:pPr marL="109728" indent="0" algn="ctr">
+              <a:buNone/>
+            </a:pPr>
+            <a:r>
+              <a:rPr lang="en-US" sz="2400" dirty="0">
+                <a:latin typeface="Calibri" panose="020F0502020204030204" pitchFamily="34" charset="0"/>
+                <a:cs typeface="Calibri" panose="020F0502020204030204" pitchFamily="34" charset="0"/>
+              </a:rPr>
+              <a:t>Model </a:t>
+            </a:r>
+            <a:r>
+              <a:rPr lang="en-US" sz="2400" dirty="0" smtClean="0">
+                <a:latin typeface="Calibri" panose="020F0502020204030204" pitchFamily="34" charset="0"/>
+                <a:cs typeface="Calibri" panose="020F0502020204030204" pitchFamily="34" charset="0"/>
+              </a:rPr>
+              <a:t>Building and Evaluation – </a:t>
+            </a:r>
+          </a:p>
+          <a:p>
+            <a:pPr marL="109728" indent="0" algn="ctr">
+              <a:buNone/>
+            </a:pPr>
+            <a:r>
+              <a:rPr lang="en-US" sz="2400" dirty="0" smtClean="0">
+                <a:latin typeface="Calibri" panose="020F0502020204030204" pitchFamily="34" charset="0"/>
+                <a:cs typeface="Calibri" panose="020F0502020204030204" pitchFamily="34" charset="0"/>
+              </a:rPr>
+              <a:t>Random </a:t>
+            </a:r>
+            <a:r>
+              <a:rPr lang="en-US" sz="2400" dirty="0">
+                <a:latin typeface="Calibri" panose="020F0502020204030204" pitchFamily="34" charset="0"/>
+                <a:cs typeface="Calibri" panose="020F0502020204030204" pitchFamily="34" charset="0"/>
+              </a:rPr>
+              <a:t>Forest Confusion </a:t>
+            </a:r>
+            <a:r>
+              <a:rPr lang="en-US" sz="2400" dirty="0" smtClean="0">
+                <a:latin typeface="Calibri" panose="020F0502020204030204" pitchFamily="34" charset="0"/>
+                <a:cs typeface="Calibri" panose="020F0502020204030204" pitchFamily="34" charset="0"/>
+              </a:rPr>
+              <a:t>Matrix</a:t>
+            </a:r>
+          </a:p>
+          <a:p>
+            <a:pPr marL="109728" indent="0">
+              <a:buNone/>
+            </a:pPr>
+            <a:endParaRPr lang="en-US" sz="2400" dirty="0" smtClean="0">
+              <a:latin typeface="Calibri" panose="020F0502020204030204" pitchFamily="34" charset="0"/>
+              <a:cs typeface="Calibri" panose="020F0502020204030204" pitchFamily="34" charset="0"/>
+            </a:endParaRPr>
+          </a:p>
+        </p:txBody>
+      </p:sp>
+      <p:pic>
+        <p:nvPicPr>
+          <p:cNvPr id="6" name="Content Placeholder 11"/>
+          <p:cNvPicPr>
+            <a:picLocks noChangeAspect="1"/>
+          </p:cNvPicPr>
+          <p:nvPr/>
+        </p:nvPicPr>
+        <p:blipFill>
+          <a:blip r:embed="rId2">
+            <a:extLst>
+              <a:ext uri="{28A0092B-C50C-407E-A947-70E740481C1C}">
+                <a14:useLocalDpi xmlns:a14="http://schemas.microsoft.com/office/drawing/2010/main" val="0"/>
+              </a:ext>
+            </a:extLst>
+          </a:blip>
+          <a:stretch>
+            <a:fillRect/>
+          </a:stretch>
+        </p:blipFill>
+        <p:spPr>
+          <a:xfrm>
+            <a:off x="1447800" y="1280216"/>
+            <a:ext cx="6629400" cy="3859565"/>
+          </a:xfrm>
+          <a:prstGeom prst="rect">
+            <a:avLst/>
+          </a:prstGeom>
+        </p:spPr>
+      </p:pic>
+      <p:sp>
+        <p:nvSpPr>
+          <p:cNvPr id="8" name="Content Placeholder 1"/>
+          <p:cNvSpPr txBox="1">
+            <a:spLocks/>
+          </p:cNvSpPr>
+          <p:nvPr/>
+        </p:nvSpPr>
+        <p:spPr>
+          <a:xfrm>
+            <a:off x="3276600" y="5139781"/>
+            <a:ext cx="5737654" cy="1577594"/>
+          </a:xfrm>
+          <a:prstGeom prst="rect">
+            <a:avLst/>
+          </a:prstGeom>
+        </p:spPr>
+        <p:txBody>
+          <a:bodyPr vert="horz">
+            <a:normAutofit fontScale="25000" lnSpcReduction="20000"/>
+          </a:bodyPr>
+          <a:lstStyle>
+            <a:lvl1pPr marL="365760" indent="-256032" algn="l" rtl="0" eaLnBrk="1" latinLnBrk="0" hangingPunct="1">
+              <a:spcBef>
+                <a:spcPts val="400"/>
+              </a:spcBef>
+              <a:spcAft>
+                <a:spcPts val="0"/>
+              </a:spcAft>
+              <a:buClr>
+                <a:schemeClr val="accent1"/>
+              </a:buClr>
+              <a:buSzPct val="68000"/>
+              <a:buFont typeface="Wingdings 3"/>
+              <a:buChar char=""/>
+              <a:defRPr kumimoji="0" sz="2700" kern="1200">
+                <a:solidFill>
+                  <a:schemeClr val="tx1"/>
+                </a:solidFill>
+                <a:latin typeface="+mn-lt"/>
+                <a:ea typeface="+mn-ea"/>
+                <a:cs typeface="+mn-cs"/>
+              </a:defRPr>
+            </a:lvl1pPr>
+            <a:lvl2pPr marL="621792" indent="-228600" algn="l" rtl="0" eaLnBrk="1" latinLnBrk="0" hangingPunct="1">
+              <a:spcBef>
+                <a:spcPts val="324"/>
+              </a:spcBef>
+              <a:buClr>
+                <a:schemeClr val="accent1"/>
+              </a:buClr>
+              <a:buFont typeface="Verdana"/>
+              <a:buChar char="◦"/>
+              <a:defRPr kumimoji="0" sz="2300" kern="1200">
+                <a:solidFill>
+                  <a:schemeClr val="tx1"/>
+                </a:solidFill>
+                <a:latin typeface="+mn-lt"/>
+                <a:ea typeface="+mn-ea"/>
+                <a:cs typeface="+mn-cs"/>
+              </a:defRPr>
+            </a:lvl2pPr>
+            <a:lvl3pPr marL="859536" indent="-228600" algn="l" rtl="0" eaLnBrk="1" latinLnBrk="0" hangingPunct="1">
+              <a:spcBef>
+                <a:spcPts val="350"/>
+              </a:spcBef>
+              <a:buClr>
+                <a:schemeClr val="accent2"/>
+              </a:buClr>
+              <a:buSzPct val="100000"/>
+              <a:buFont typeface="Wingdings 2"/>
+              <a:buChar char=""/>
+              <a:defRPr kumimoji="0" sz="2100" kern="1200">
+                <a:solidFill>
+                  <a:schemeClr val="tx1"/>
+                </a:solidFill>
+                <a:latin typeface="+mn-lt"/>
+                <a:ea typeface="+mn-ea"/>
+                <a:cs typeface="+mn-cs"/>
+              </a:defRPr>
+            </a:lvl3pPr>
+            <a:lvl4pPr marL="1143000" indent="-228600" algn="l" rtl="0" eaLnBrk="1" latinLnBrk="0" hangingPunct="1">
+              <a:spcBef>
+                <a:spcPts val="350"/>
+              </a:spcBef>
+              <a:buClr>
+                <a:schemeClr val="accent2"/>
+              </a:buClr>
+              <a:buFont typeface="Wingdings 2"/>
+              <a:buChar char=""/>
+              <a:defRPr kumimoji="0" sz="1900" kern="1200">
+                <a:solidFill>
+                  <a:schemeClr val="tx1"/>
+                </a:solidFill>
+                <a:latin typeface="+mn-lt"/>
+                <a:ea typeface="+mn-ea"/>
+                <a:cs typeface="+mn-cs"/>
+              </a:defRPr>
+            </a:lvl4pPr>
+            <a:lvl5pPr marL="1371600" indent="-228600" algn="l" rtl="0" eaLnBrk="1" latinLnBrk="0" hangingPunct="1">
+              <a:spcBef>
+                <a:spcPts val="350"/>
+              </a:spcBef>
+              <a:buClr>
+                <a:schemeClr val="accent2"/>
+              </a:buClr>
+              <a:buFont typeface="Wingdings 2"/>
+              <a:buChar char=""/>
+              <a:defRPr kumimoji="0" sz="1800" kern="1200">
+                <a:solidFill>
+                  <a:schemeClr val="tx1"/>
+                </a:solidFill>
+                <a:latin typeface="+mn-lt"/>
+                <a:ea typeface="+mn-ea"/>
+                <a:cs typeface="+mn-cs"/>
+              </a:defRPr>
+            </a:lvl5pPr>
+            <a:lvl6pPr marL="1600200" indent="-228600" algn="l" rtl="0" eaLnBrk="1" latinLnBrk="0" hangingPunct="1">
+              <a:spcBef>
+                <a:spcPts val="350"/>
+              </a:spcBef>
+              <a:buClr>
+                <a:schemeClr val="accent3"/>
+              </a:buClr>
+              <a:buFont typeface="Wingdings 2"/>
+              <a:buChar char=""/>
+              <a:defRPr kumimoji="0" sz="1800" kern="1200">
+                <a:solidFill>
+                  <a:schemeClr val="tx1"/>
+                </a:solidFill>
+                <a:latin typeface="+mn-lt"/>
+                <a:ea typeface="+mn-ea"/>
+                <a:cs typeface="+mn-cs"/>
+              </a:defRPr>
+            </a:lvl6pPr>
+            <a:lvl7pPr marL="1828800" indent="-228600" algn="l" rtl="0" eaLnBrk="1" latinLnBrk="0" hangingPunct="1">
+              <a:spcBef>
+                <a:spcPts val="350"/>
+              </a:spcBef>
+              <a:buClr>
+                <a:schemeClr val="accent3"/>
+              </a:buClr>
+              <a:buFont typeface="Wingdings 2"/>
+              <a:buChar char=""/>
+              <a:defRPr kumimoji="0" sz="1600" kern="1200">
+                <a:solidFill>
+                  <a:schemeClr val="tx1"/>
+                </a:solidFill>
+                <a:latin typeface="+mn-lt"/>
+                <a:ea typeface="+mn-ea"/>
+                <a:cs typeface="+mn-cs"/>
+              </a:defRPr>
+            </a:lvl7pPr>
+            <a:lvl8pPr marL="2057400" indent="-228600" algn="l" rtl="0" eaLnBrk="1" latinLnBrk="0" hangingPunct="1">
+              <a:spcBef>
+                <a:spcPts val="350"/>
+              </a:spcBef>
+              <a:buClr>
+                <a:schemeClr val="accent3"/>
+              </a:buClr>
+              <a:buFont typeface="Wingdings 2"/>
+              <a:buChar char=""/>
+              <a:defRPr kumimoji="0" sz="1600" kern="1200">
+                <a:solidFill>
+                  <a:schemeClr val="tx1"/>
+                </a:solidFill>
+                <a:latin typeface="+mn-lt"/>
+                <a:ea typeface="+mn-ea"/>
+                <a:cs typeface="+mn-cs"/>
+              </a:defRPr>
+            </a:lvl8pPr>
+            <a:lvl9pPr marL="2286000" indent="-228600" algn="l" rtl="0" eaLnBrk="1" latinLnBrk="0" hangingPunct="1">
+              <a:spcBef>
+                <a:spcPts val="350"/>
+              </a:spcBef>
+              <a:buClr>
+                <a:schemeClr val="accent3"/>
+              </a:buClr>
+              <a:buFont typeface="Wingdings 2"/>
+              <a:buChar char=""/>
+              <a:defRPr kumimoji="0" sz="1600" kern="1200" baseline="0">
+                <a:solidFill>
+                  <a:schemeClr val="tx1"/>
+                </a:solidFill>
+                <a:latin typeface="+mn-lt"/>
+                <a:ea typeface="+mn-ea"/>
+                <a:cs typeface="+mn-cs"/>
+              </a:defRPr>
+            </a:lvl9pPr>
+            <a:extLst/>
+          </a:lstStyle>
+          <a:p>
+            <a:pPr marL="109728" indent="0">
+              <a:buNone/>
+            </a:pPr>
+            <a:r>
+              <a:rPr lang="en-US" sz="4400" dirty="0" smtClean="0">
+                <a:latin typeface="Calibri" panose="020F0502020204030204" pitchFamily="34" charset="0"/>
+                <a:cs typeface="Calibri" panose="020F0502020204030204" pitchFamily="34" charset="0"/>
+              </a:rPr>
+              <a:t>Overall </a:t>
+            </a:r>
+            <a:r>
+              <a:rPr lang="en-US" sz="4400" dirty="0">
+                <a:latin typeface="Calibri" panose="020F0502020204030204" pitchFamily="34" charset="0"/>
+                <a:cs typeface="Calibri" panose="020F0502020204030204" pitchFamily="34" charset="0"/>
+              </a:rPr>
+              <a:t>accuracy </a:t>
+            </a:r>
+            <a:r>
+              <a:rPr lang="en-US" sz="4400" dirty="0" smtClean="0">
+                <a:latin typeface="Calibri" panose="020F0502020204030204" pitchFamily="34" charset="0"/>
+                <a:cs typeface="Calibri" panose="020F0502020204030204" pitchFamily="34" charset="0"/>
+              </a:rPr>
+              <a:t>.</a:t>
+            </a:r>
+            <a:r>
+              <a:rPr lang="en-US" sz="4400" dirty="0">
+                <a:latin typeface="Calibri" panose="020F0502020204030204" pitchFamily="34" charset="0"/>
+                <a:cs typeface="Calibri" panose="020F0502020204030204" pitchFamily="34" charset="0"/>
+              </a:rPr>
+              <a:t>941320293399</a:t>
+            </a:r>
+          </a:p>
+          <a:p>
+            <a:r>
+              <a:rPr lang="en-US" sz="4400" dirty="0">
+                <a:latin typeface="Calibri" panose="020F0502020204030204" pitchFamily="34" charset="0"/>
+                <a:cs typeface="Calibri" panose="020F0502020204030204" pitchFamily="34" charset="0"/>
+              </a:rPr>
+              <a:t>CARD, STAT at 1.0 accuracy</a:t>
+            </a:r>
+          </a:p>
+          <a:p>
+            <a:r>
+              <a:rPr lang="en-US" sz="4400" dirty="0">
+                <a:latin typeface="Calibri" panose="020F0502020204030204" pitchFamily="34" charset="0"/>
+                <a:cs typeface="Calibri" panose="020F0502020204030204" pitchFamily="34" charset="0"/>
+              </a:rPr>
+              <a:t>PORT - 350 correctly predicted, </a:t>
+            </a:r>
+            <a:r>
+              <a:rPr lang="en-US" sz="4400" dirty="0" smtClean="0">
+                <a:latin typeface="Calibri" panose="020F0502020204030204" pitchFamily="34" charset="0"/>
+                <a:cs typeface="Calibri" panose="020F0502020204030204" pitchFamily="34" charset="0"/>
+              </a:rPr>
+              <a:t>  01 </a:t>
+            </a:r>
+            <a:r>
+              <a:rPr lang="en-US" sz="4400" dirty="0">
+                <a:latin typeface="Calibri" panose="020F0502020204030204" pitchFamily="34" charset="0"/>
+                <a:cs typeface="Calibri" panose="020F0502020204030204" pitchFamily="34" charset="0"/>
+              </a:rPr>
+              <a:t>miscategorized as DISC</a:t>
+            </a:r>
+          </a:p>
+          <a:p>
+            <a:r>
+              <a:rPr lang="en-US" sz="4400" dirty="0">
+                <a:latin typeface="Calibri" panose="020F0502020204030204" pitchFamily="34" charset="0"/>
+                <a:cs typeface="Calibri" panose="020F0502020204030204" pitchFamily="34" charset="0"/>
+              </a:rPr>
+              <a:t>INSD - 164 correctly predicted, </a:t>
+            </a:r>
+            <a:r>
+              <a:rPr lang="en-US" sz="4400" dirty="0" smtClean="0">
+                <a:latin typeface="Calibri" panose="020F0502020204030204" pitchFamily="34" charset="0"/>
+                <a:cs typeface="Calibri" panose="020F0502020204030204" pitchFamily="34" charset="0"/>
+              </a:rPr>
+              <a:t>   01 </a:t>
+            </a:r>
+            <a:r>
+              <a:rPr lang="en-US" sz="4400" dirty="0">
+                <a:latin typeface="Calibri" panose="020F0502020204030204" pitchFamily="34" charset="0"/>
+                <a:cs typeface="Calibri" panose="020F0502020204030204" pitchFamily="34" charset="0"/>
+              </a:rPr>
+              <a:t>miscategorized as HACK</a:t>
+            </a:r>
+          </a:p>
+          <a:p>
+            <a:r>
+              <a:rPr lang="en-US" sz="4400" dirty="0">
+                <a:latin typeface="Calibri" panose="020F0502020204030204" pitchFamily="34" charset="0"/>
+                <a:cs typeface="Calibri" panose="020F0502020204030204" pitchFamily="34" charset="0"/>
+              </a:rPr>
+              <a:t>PHYS - 501 correctly predicted, </a:t>
+            </a:r>
+            <a:r>
+              <a:rPr lang="en-US" sz="4400" dirty="0" smtClean="0">
+                <a:latin typeface="Calibri" panose="020F0502020204030204" pitchFamily="34" charset="0"/>
+                <a:cs typeface="Calibri" panose="020F0502020204030204" pitchFamily="34" charset="0"/>
+              </a:rPr>
+              <a:t>  06 </a:t>
+            </a:r>
+            <a:r>
+              <a:rPr lang="en-US" sz="4400" dirty="0">
+                <a:latin typeface="Calibri" panose="020F0502020204030204" pitchFamily="34" charset="0"/>
+                <a:cs typeface="Calibri" panose="020F0502020204030204" pitchFamily="34" charset="0"/>
+              </a:rPr>
+              <a:t>miscategorized as HACK, </a:t>
+            </a:r>
+            <a:r>
+              <a:rPr lang="en-US" sz="4400" dirty="0" smtClean="0">
+                <a:latin typeface="Calibri" panose="020F0502020204030204" pitchFamily="34" charset="0"/>
+                <a:cs typeface="Calibri" panose="020F0502020204030204" pitchFamily="34" charset="0"/>
+              </a:rPr>
+              <a:t> 16 </a:t>
+            </a:r>
+            <a:r>
+              <a:rPr lang="en-US" sz="4400" dirty="0">
+                <a:latin typeface="Calibri" panose="020F0502020204030204" pitchFamily="34" charset="0"/>
+                <a:cs typeface="Calibri" panose="020F0502020204030204" pitchFamily="34" charset="0"/>
+              </a:rPr>
+              <a:t>miscategorized as DISC</a:t>
+            </a:r>
+          </a:p>
+          <a:p>
+            <a:r>
+              <a:rPr lang="en-US" sz="4400" dirty="0">
+                <a:latin typeface="Calibri" panose="020F0502020204030204" pitchFamily="34" charset="0"/>
+                <a:cs typeface="Calibri" panose="020F0502020204030204" pitchFamily="34" charset="0"/>
+              </a:rPr>
+              <a:t>HACK - 703 correctly predicted, </a:t>
+            </a:r>
+            <a:r>
+              <a:rPr lang="en-US" sz="4400" dirty="0" smtClean="0">
+                <a:latin typeface="Calibri" panose="020F0502020204030204" pitchFamily="34" charset="0"/>
+                <a:cs typeface="Calibri" panose="020F0502020204030204" pitchFamily="34" charset="0"/>
+              </a:rPr>
+              <a:t> 33 </a:t>
+            </a:r>
+            <a:r>
+              <a:rPr lang="en-US" sz="4400" dirty="0">
+                <a:latin typeface="Calibri" panose="020F0502020204030204" pitchFamily="34" charset="0"/>
+                <a:cs typeface="Calibri" panose="020F0502020204030204" pitchFamily="34" charset="0"/>
+              </a:rPr>
+              <a:t>miscategorized as DISC, </a:t>
+            </a:r>
+            <a:r>
+              <a:rPr lang="en-US" sz="4400" dirty="0" smtClean="0">
+                <a:latin typeface="Calibri" panose="020F0502020204030204" pitchFamily="34" charset="0"/>
+                <a:cs typeface="Calibri" panose="020F0502020204030204" pitchFamily="34" charset="0"/>
+              </a:rPr>
+              <a:t>   10 </a:t>
+            </a:r>
+            <a:r>
+              <a:rPr lang="en-US" sz="4400" dirty="0">
+                <a:latin typeface="Calibri" panose="020F0502020204030204" pitchFamily="34" charset="0"/>
+                <a:cs typeface="Calibri" panose="020F0502020204030204" pitchFamily="34" charset="0"/>
+              </a:rPr>
+              <a:t>miscategorized as PHYS</a:t>
+            </a:r>
+          </a:p>
+          <a:p>
+            <a:r>
+              <a:rPr lang="en-US" sz="4400" dirty="0">
+                <a:latin typeface="Calibri" panose="020F0502020204030204" pitchFamily="34" charset="0"/>
+                <a:cs typeface="Calibri" panose="020F0502020204030204" pitchFamily="34" charset="0"/>
+              </a:rPr>
+              <a:t>DISC - 444 correctly predicted, </a:t>
+            </a:r>
+            <a:r>
+              <a:rPr lang="en-US" sz="4400" dirty="0" smtClean="0">
+                <a:latin typeface="Calibri" panose="020F0502020204030204" pitchFamily="34" charset="0"/>
+                <a:cs typeface="Calibri" panose="020F0502020204030204" pitchFamily="34" charset="0"/>
+              </a:rPr>
+              <a:t>   13 </a:t>
+            </a:r>
+            <a:r>
+              <a:rPr lang="en-US" sz="4400" dirty="0">
+                <a:latin typeface="Calibri" panose="020F0502020204030204" pitchFamily="34" charset="0"/>
+                <a:cs typeface="Calibri" panose="020F0502020204030204" pitchFamily="34" charset="0"/>
+              </a:rPr>
+              <a:t>miscategorized as HACK, </a:t>
+            </a:r>
+            <a:r>
+              <a:rPr lang="en-US" sz="4400" dirty="0" smtClean="0">
+                <a:latin typeface="Calibri" panose="020F0502020204030204" pitchFamily="34" charset="0"/>
+                <a:cs typeface="Calibri" panose="020F0502020204030204" pitchFamily="34" charset="0"/>
+              </a:rPr>
+              <a:t>  47 </a:t>
+            </a:r>
+            <a:r>
+              <a:rPr lang="en-US" sz="4400" dirty="0">
+                <a:latin typeface="Calibri" panose="020F0502020204030204" pitchFamily="34" charset="0"/>
+                <a:cs typeface="Calibri" panose="020F0502020204030204" pitchFamily="34" charset="0"/>
+              </a:rPr>
+              <a:t>miscategorized as PHYS</a:t>
+            </a:r>
+          </a:p>
+          <a:p>
+            <a:r>
+              <a:rPr lang="en-US" sz="4400" dirty="0">
+                <a:latin typeface="Calibri" panose="020F0502020204030204" pitchFamily="34" charset="0"/>
+                <a:cs typeface="Calibri" panose="020F0502020204030204" pitchFamily="34" charset="0"/>
+              </a:rPr>
+              <a:t>UNKN - 057 correctly predicted, </a:t>
+            </a:r>
+            <a:r>
+              <a:rPr lang="en-US" sz="4400" dirty="0" smtClean="0">
+                <a:latin typeface="Calibri" panose="020F0502020204030204" pitchFamily="34" charset="0"/>
+                <a:cs typeface="Calibri" panose="020F0502020204030204" pitchFamily="34" charset="0"/>
+              </a:rPr>
+              <a:t>  01 </a:t>
+            </a:r>
+            <a:r>
+              <a:rPr lang="en-US" sz="4400" dirty="0">
+                <a:latin typeface="Calibri" panose="020F0502020204030204" pitchFamily="34" charset="0"/>
+                <a:cs typeface="Calibri" panose="020F0502020204030204" pitchFamily="34" charset="0"/>
+              </a:rPr>
+              <a:t>miscategorized as HACK, </a:t>
+            </a:r>
+            <a:r>
+              <a:rPr lang="en-US" sz="4400" dirty="0" smtClean="0">
+                <a:latin typeface="Calibri" panose="020F0502020204030204" pitchFamily="34" charset="0"/>
+                <a:cs typeface="Calibri" panose="020F0502020204030204" pitchFamily="34" charset="0"/>
+              </a:rPr>
+              <a:t> 10 </a:t>
+            </a:r>
+            <a:r>
+              <a:rPr lang="en-US" sz="4400" dirty="0">
+                <a:latin typeface="Calibri" panose="020F0502020204030204" pitchFamily="34" charset="0"/>
+                <a:cs typeface="Calibri" panose="020F0502020204030204" pitchFamily="34" charset="0"/>
+              </a:rPr>
+              <a:t>miscategorized as DISC </a:t>
+            </a:r>
+          </a:p>
+          <a:p>
+            <a:pPr marL="109728" indent="0" defTabSz="914400" fontAlgn="auto">
+              <a:buFont typeface="Wingdings 3"/>
+              <a:buNone/>
+            </a:pPr>
+            <a:endParaRPr lang="en-US" dirty="0">
+              <a:latin typeface="Courier New" panose="02070309020205020404" pitchFamily="49" charset="0"/>
+              <a:cs typeface="Courier New" panose="02070309020205020404" pitchFamily="49" charset="0"/>
+            </a:endParaRPr>
+          </a:p>
+        </p:txBody>
+      </p:sp>
+    </p:spTree>
+    <p:extLst>
+      <p:ext uri="{BB962C8B-B14F-4D97-AF65-F5344CB8AC3E}">
+        <p14:creationId xmlns:p14="http://schemas.microsoft.com/office/powerpoint/2010/main" val="2721657890"/>
+      </p:ext>
+    </p:extLst>
+  </p:cSld>
+  <p:clrMapOvr>
+    <a:masterClrMapping/>
+  </p:clrMapOvr>
+</p:sld>
+</file>
+
+<file path=ppt/slides/slide28.xml><?xml version="1.0" encoding="utf-8"?>
+<p:sld xmlns:a="http://schemas.openxmlformats.org/drawingml/2006/main" xmlns:r="http://schemas.openxmlformats.org/officeDocument/2006/relationships" xmlns:p="http://schemas.openxmlformats.org/presentationml/2006/main">
+  <p:cSld>
+    <p:spTree>
+      <p:nvGrpSpPr>
+        <p:cNvPr id="1" name=""/>
+        <p:cNvGrpSpPr/>
+        <p:nvPr/>
+      </p:nvGrpSpPr>
+      <p:grpSpPr>
+        <a:xfrm>
+          <a:off x="0" y="0"/>
+          <a:ext cx="0" cy="0"/>
+          <a:chOff x="0" y="0"/>
+          <a:chExt cx="0" cy="0"/>
+        </a:xfrm>
+      </p:grpSpPr>
+      <p:sp>
+        <p:nvSpPr>
+          <p:cNvPr id="2" name="Content Placeholder 1"/>
+          <p:cNvSpPr>
+            <a:spLocks noGrp="1"/>
+          </p:cNvSpPr>
+          <p:nvPr>
+            <p:ph idx="1"/>
+          </p:nvPr>
+        </p:nvSpPr>
+        <p:spPr>
+          <a:xfrm>
+            <a:off x="457200" y="381000"/>
+            <a:ext cx="8229600" cy="6172200"/>
+          </a:xfrm>
+        </p:spPr>
+        <p:txBody>
+          <a:bodyPr>
+            <a:normAutofit/>
+          </a:bodyPr>
+          <a:lstStyle/>
+          <a:p>
+            <a:pPr marL="109728" indent="0" algn="ctr">
+              <a:buNone/>
+            </a:pPr>
+            <a:r>
+              <a:rPr lang="en-US" sz="2800" dirty="0">
+                <a:latin typeface="Calibri" panose="020F0502020204030204" pitchFamily="34" charset="0"/>
+                <a:cs typeface="Calibri" panose="020F0502020204030204" pitchFamily="34" charset="0"/>
+              </a:rPr>
+              <a:t>Model </a:t>
+            </a:r>
+            <a:r>
+              <a:rPr lang="en-US" sz="2800" dirty="0" smtClean="0">
+                <a:latin typeface="Calibri" panose="020F0502020204030204" pitchFamily="34" charset="0"/>
+                <a:cs typeface="Calibri" panose="020F0502020204030204" pitchFamily="34" charset="0"/>
+              </a:rPr>
+              <a:t>Building and Evaluation </a:t>
+            </a:r>
+          </a:p>
+          <a:p>
+            <a:pPr marL="109728" indent="0">
+              <a:buNone/>
+            </a:pPr>
+            <a:r>
+              <a:rPr lang="en-US" sz="2600" dirty="0" smtClean="0">
+                <a:latin typeface="Calibri" panose="020F0502020204030204" pitchFamily="34" charset="0"/>
+                <a:cs typeface="Calibri" panose="020F0502020204030204" pitchFamily="34" charset="0"/>
+              </a:rPr>
+              <a:t>Supervised Classification </a:t>
+            </a:r>
+            <a:r>
+              <a:rPr lang="en-US" sz="2600" dirty="0">
+                <a:latin typeface="Calibri" panose="020F0502020204030204" pitchFamily="34" charset="0"/>
+                <a:cs typeface="Calibri" panose="020F0502020204030204" pitchFamily="34" charset="0"/>
+              </a:rPr>
+              <a:t>Modeling – </a:t>
+            </a:r>
+            <a:r>
+              <a:rPr lang="en-US" sz="2600" dirty="0" smtClean="0">
+                <a:latin typeface="Calibri" panose="020F0502020204030204" pitchFamily="34" charset="0"/>
+                <a:cs typeface="Calibri" panose="020F0502020204030204" pitchFamily="34" charset="0"/>
+              </a:rPr>
+              <a:t>Incident Descriptions</a:t>
+            </a:r>
+          </a:p>
+          <a:p>
+            <a:pPr marL="109728" indent="0">
+              <a:buNone/>
+            </a:pPr>
+            <a:endParaRPr lang="en-US" sz="2400" dirty="0" smtClean="0">
+              <a:latin typeface="Calibri" panose="020F0502020204030204" pitchFamily="34" charset="0"/>
+              <a:cs typeface="Calibri" panose="020F0502020204030204" pitchFamily="34" charset="0"/>
+            </a:endParaRPr>
+          </a:p>
+          <a:p>
+            <a:pPr marL="109728" indent="0">
+              <a:buNone/>
+            </a:pPr>
+            <a:endParaRPr lang="en-US" dirty="0" smtClean="0">
+              <a:latin typeface="Calibri" panose="020F0502020204030204" pitchFamily="34" charset="0"/>
+              <a:cs typeface="Calibri" panose="020F0502020204030204" pitchFamily="34" charset="0"/>
+            </a:endParaRPr>
+          </a:p>
+          <a:p>
+            <a:pPr marL="109728" indent="0" algn="ctr">
+              <a:buNone/>
+            </a:pPr>
+            <a:endParaRPr lang="en-US" sz="2400" dirty="0" smtClean="0">
+              <a:latin typeface="Calibri" panose="020F0502020204030204" pitchFamily="34" charset="0"/>
+              <a:cs typeface="Calibri" panose="020F0502020204030204" pitchFamily="34" charset="0"/>
+            </a:endParaRPr>
+          </a:p>
+        </p:txBody>
+      </p:sp>
+      <p:sp>
+        <p:nvSpPr>
+          <p:cNvPr id="3" name="Content Placeholder 4"/>
+          <p:cNvSpPr txBox="1">
+            <a:spLocks/>
+          </p:cNvSpPr>
+          <p:nvPr/>
+        </p:nvSpPr>
+        <p:spPr>
+          <a:xfrm>
+            <a:off x="584055" y="1468437"/>
+            <a:ext cx="4040188" cy="3941763"/>
+          </a:xfrm>
+          <a:prstGeom prst="rect">
+            <a:avLst/>
+          </a:prstGeom>
+          <a:ln>
+            <a:solidFill>
+              <a:schemeClr val="accent6">
+                <a:lumMod val="50000"/>
+              </a:schemeClr>
+            </a:solidFill>
+          </a:ln>
+        </p:spPr>
+        <p:txBody>
+          <a:bodyPr/>
+          <a:lstStyle>
+            <a:lvl1pPr marL="365760" indent="-256032" algn="l" rtl="0" eaLnBrk="1" latinLnBrk="0" hangingPunct="1">
+              <a:spcBef>
+                <a:spcPts val="400"/>
+              </a:spcBef>
+              <a:spcAft>
+                <a:spcPts val="0"/>
+              </a:spcAft>
+              <a:buClr>
+                <a:schemeClr val="accent1"/>
+              </a:buClr>
+              <a:buSzPct val="68000"/>
+              <a:buFont typeface="Wingdings 3"/>
+              <a:buChar char=""/>
+              <a:defRPr kumimoji="0" sz="2700" kern="1200">
+                <a:solidFill>
+                  <a:schemeClr val="tx1"/>
+                </a:solidFill>
+                <a:latin typeface="+mn-lt"/>
+                <a:ea typeface="+mn-ea"/>
+                <a:cs typeface="+mn-cs"/>
+              </a:defRPr>
+            </a:lvl1pPr>
+            <a:lvl2pPr marL="621792" indent="-228600" algn="l" rtl="0" eaLnBrk="1" latinLnBrk="0" hangingPunct="1">
+              <a:spcBef>
+                <a:spcPts val="324"/>
+              </a:spcBef>
+              <a:buClr>
+                <a:schemeClr val="accent1"/>
+              </a:buClr>
+              <a:buFont typeface="Verdana"/>
+              <a:buChar char="◦"/>
+              <a:defRPr kumimoji="0" sz="2300" kern="1200">
+                <a:solidFill>
+                  <a:schemeClr val="tx1"/>
+                </a:solidFill>
+                <a:latin typeface="+mn-lt"/>
+                <a:ea typeface="+mn-ea"/>
+                <a:cs typeface="+mn-cs"/>
+              </a:defRPr>
+            </a:lvl2pPr>
+            <a:lvl3pPr marL="859536" indent="-228600" algn="l" rtl="0" eaLnBrk="1" latinLnBrk="0" hangingPunct="1">
+              <a:spcBef>
+                <a:spcPts val="350"/>
+              </a:spcBef>
+              <a:buClr>
+                <a:schemeClr val="accent2"/>
+              </a:buClr>
+              <a:buSzPct val="100000"/>
+              <a:buFont typeface="Wingdings 2"/>
+              <a:buChar char=""/>
+              <a:defRPr kumimoji="0" sz="2100" kern="1200">
+                <a:solidFill>
+                  <a:schemeClr val="tx1"/>
+                </a:solidFill>
+                <a:latin typeface="+mn-lt"/>
+                <a:ea typeface="+mn-ea"/>
+                <a:cs typeface="+mn-cs"/>
+              </a:defRPr>
+            </a:lvl3pPr>
+            <a:lvl4pPr marL="1143000" indent="-228600" algn="l" rtl="0" eaLnBrk="1" latinLnBrk="0" hangingPunct="1">
+              <a:spcBef>
+                <a:spcPts val="350"/>
+              </a:spcBef>
+              <a:buClr>
+                <a:schemeClr val="accent2"/>
+              </a:buClr>
+              <a:buFont typeface="Wingdings 2"/>
+              <a:buChar char=""/>
+              <a:defRPr kumimoji="0" sz="1900" kern="1200">
+                <a:solidFill>
+                  <a:schemeClr val="tx1"/>
+                </a:solidFill>
+                <a:latin typeface="+mn-lt"/>
+                <a:ea typeface="+mn-ea"/>
+                <a:cs typeface="+mn-cs"/>
+              </a:defRPr>
+            </a:lvl4pPr>
+            <a:lvl5pPr marL="1371600" indent="-228600" algn="l" rtl="0" eaLnBrk="1" latinLnBrk="0" hangingPunct="1">
+              <a:spcBef>
+                <a:spcPts val="350"/>
+              </a:spcBef>
+              <a:buClr>
+                <a:schemeClr val="accent2"/>
+              </a:buClr>
+              <a:buFont typeface="Wingdings 2"/>
+              <a:buChar char=""/>
+              <a:defRPr kumimoji="0" sz="1800" kern="1200">
+                <a:solidFill>
+                  <a:schemeClr val="tx1"/>
+                </a:solidFill>
+                <a:latin typeface="+mn-lt"/>
+                <a:ea typeface="+mn-ea"/>
+                <a:cs typeface="+mn-cs"/>
+              </a:defRPr>
+            </a:lvl5pPr>
+            <a:lvl6pPr marL="1600200" indent="-228600" algn="l" rtl="0" eaLnBrk="1" latinLnBrk="0" hangingPunct="1">
+              <a:spcBef>
+                <a:spcPts val="350"/>
+              </a:spcBef>
+              <a:buClr>
+                <a:schemeClr val="accent3"/>
+              </a:buClr>
+              <a:buFont typeface="Wingdings 2"/>
+              <a:buChar char=""/>
+              <a:defRPr kumimoji="0" sz="1800" kern="1200">
+                <a:solidFill>
+                  <a:schemeClr val="tx1"/>
+                </a:solidFill>
+                <a:latin typeface="+mn-lt"/>
+                <a:ea typeface="+mn-ea"/>
+                <a:cs typeface="+mn-cs"/>
+              </a:defRPr>
+            </a:lvl6pPr>
+            <a:lvl7pPr marL="1828800" indent="-228600" algn="l" rtl="0" eaLnBrk="1" latinLnBrk="0" hangingPunct="1">
+              <a:spcBef>
+                <a:spcPts val="350"/>
+              </a:spcBef>
+              <a:buClr>
+                <a:schemeClr val="accent3"/>
+              </a:buClr>
+              <a:buFont typeface="Wingdings 2"/>
+              <a:buChar char=""/>
+              <a:defRPr kumimoji="0" sz="1600" kern="1200">
+                <a:solidFill>
+                  <a:schemeClr val="tx1"/>
+                </a:solidFill>
+                <a:latin typeface="+mn-lt"/>
+                <a:ea typeface="+mn-ea"/>
+                <a:cs typeface="+mn-cs"/>
+              </a:defRPr>
+            </a:lvl7pPr>
+            <a:lvl8pPr marL="2057400" indent="-228600" algn="l" rtl="0" eaLnBrk="1" latinLnBrk="0" hangingPunct="1">
+              <a:spcBef>
+                <a:spcPts val="350"/>
+              </a:spcBef>
+              <a:buClr>
+                <a:schemeClr val="accent3"/>
+              </a:buClr>
+              <a:buFont typeface="Wingdings 2"/>
+              <a:buChar char=""/>
+              <a:defRPr kumimoji="0" sz="1600" kern="1200">
+                <a:solidFill>
+                  <a:schemeClr val="tx1"/>
+                </a:solidFill>
+                <a:latin typeface="+mn-lt"/>
+                <a:ea typeface="+mn-ea"/>
+                <a:cs typeface="+mn-cs"/>
+              </a:defRPr>
+            </a:lvl8pPr>
+            <a:lvl9pPr marL="2286000" indent="-228600" algn="l" rtl="0" eaLnBrk="1" latinLnBrk="0" hangingPunct="1">
+              <a:spcBef>
+                <a:spcPts val="350"/>
+              </a:spcBef>
+              <a:buClr>
+                <a:schemeClr val="accent3"/>
+              </a:buClr>
+              <a:buFont typeface="Wingdings 2"/>
+              <a:buChar char=""/>
+              <a:defRPr kumimoji="0" sz="1600" kern="1200" baseline="0">
+                <a:solidFill>
+                  <a:schemeClr val="tx1"/>
+                </a:solidFill>
+                <a:latin typeface="+mn-lt"/>
+                <a:ea typeface="+mn-ea"/>
+                <a:cs typeface="+mn-cs"/>
+              </a:defRPr>
+            </a:lvl9pPr>
+            <a:extLst/>
+          </a:lstStyle>
+          <a:p>
+            <a:pPr marL="109728" lvl="1" indent="0">
+              <a:spcBef>
+                <a:spcPts val="400"/>
+              </a:spcBef>
+              <a:buSzPct val="68000"/>
+              <a:buFont typeface="Verdana"/>
+              <a:buNone/>
+            </a:pPr>
+            <a:r>
+              <a:rPr lang="en-US" sz="2400" dirty="0" smtClean="0">
+                <a:latin typeface="Calibri" panose="020F0502020204030204" pitchFamily="34" charset="0"/>
+                <a:cs typeface="Calibri" panose="020F0502020204030204" pitchFamily="34" charset="0"/>
+              </a:rPr>
+              <a:t>Naive Bayes Multinomial </a:t>
+            </a:r>
+          </a:p>
+          <a:p>
+            <a:pPr marL="109728" indent="0">
+              <a:buFont typeface="Wingdings 3"/>
+              <a:buNone/>
+            </a:pPr>
+            <a:endParaRPr lang="en-US" sz="2400" dirty="0" smtClean="0">
+              <a:latin typeface="Calibri" panose="020F0502020204030204" pitchFamily="34" charset="0"/>
+              <a:cs typeface="Calibri" panose="020F0502020204030204" pitchFamily="34" charset="0"/>
+            </a:endParaRPr>
+          </a:p>
+          <a:p>
+            <a:pPr marL="109728" indent="0">
+              <a:buFont typeface="Wingdings 3"/>
+              <a:buNone/>
+            </a:pPr>
+            <a:r>
+              <a:rPr lang="en-US" sz="2400" dirty="0" smtClean="0">
+                <a:latin typeface="Calibri" panose="020F0502020204030204" pitchFamily="34" charset="0"/>
+                <a:cs typeface="Calibri" panose="020F0502020204030204" pitchFamily="34" charset="0"/>
+              </a:rPr>
+              <a:t>kNeighbors Classifier (kNN)</a:t>
+            </a:r>
+          </a:p>
+          <a:p>
+            <a:pPr marL="109728" indent="0">
+              <a:buFont typeface="Wingdings 3"/>
+              <a:buNone/>
+            </a:pPr>
+            <a:endParaRPr lang="en-US" sz="2400" dirty="0" smtClean="0">
+              <a:latin typeface="Calibri" panose="020F0502020204030204" pitchFamily="34" charset="0"/>
+              <a:cs typeface="Calibri" panose="020F0502020204030204" pitchFamily="34" charset="0"/>
+            </a:endParaRPr>
+          </a:p>
+          <a:p>
+            <a:pPr marL="109728" indent="0">
+              <a:buFont typeface="Wingdings 3"/>
+              <a:buNone/>
+            </a:pPr>
+            <a:r>
+              <a:rPr lang="en-US" sz="2400" dirty="0" smtClean="0">
+                <a:latin typeface="Calibri" panose="020F0502020204030204" pitchFamily="34" charset="0"/>
+                <a:cs typeface="Calibri" panose="020F0502020204030204" pitchFamily="34" charset="0"/>
+              </a:rPr>
+              <a:t>SVM (Support Vector Machine)</a:t>
+            </a:r>
+          </a:p>
+          <a:p>
+            <a:pPr marL="109728" indent="0">
+              <a:buFont typeface="Wingdings 3"/>
+              <a:buNone/>
+            </a:pPr>
+            <a:endParaRPr lang="en-US" sz="2400" dirty="0" smtClean="0">
+              <a:latin typeface="Calibri" panose="020F0502020204030204" pitchFamily="34" charset="0"/>
+              <a:cs typeface="Calibri" panose="020F0502020204030204" pitchFamily="34" charset="0"/>
+            </a:endParaRPr>
+          </a:p>
+          <a:p>
+            <a:pPr marL="109728" indent="0">
+              <a:buFont typeface="Wingdings 3"/>
+              <a:buNone/>
+            </a:pPr>
+            <a:r>
+              <a:rPr lang="en-US" sz="2400" dirty="0" smtClean="0">
+                <a:latin typeface="Calibri" panose="020F0502020204030204" pitchFamily="34" charset="0"/>
+                <a:cs typeface="Calibri" panose="020F0502020204030204" pitchFamily="34" charset="0"/>
+              </a:rPr>
+              <a:t>Random Forest</a:t>
+            </a:r>
+            <a:endParaRPr lang="en-US" sz="2400" dirty="0">
+              <a:latin typeface="Calibri" panose="020F0502020204030204" pitchFamily="34" charset="0"/>
+              <a:cs typeface="Calibri" panose="020F0502020204030204" pitchFamily="34" charset="0"/>
+            </a:endParaRPr>
+          </a:p>
+        </p:txBody>
+      </p:sp>
+      <p:sp>
+        <p:nvSpPr>
+          <p:cNvPr id="4" name="Content Placeholder 5"/>
+          <p:cNvSpPr txBox="1">
+            <a:spLocks/>
+          </p:cNvSpPr>
+          <p:nvPr/>
+        </p:nvSpPr>
+        <p:spPr>
+          <a:xfrm>
+            <a:off x="4648778" y="1475364"/>
+            <a:ext cx="4041775" cy="3941763"/>
+          </a:xfrm>
+          <a:prstGeom prst="rect">
+            <a:avLst/>
+          </a:prstGeom>
+          <a:ln>
+            <a:solidFill>
+              <a:schemeClr val="accent6">
+                <a:lumMod val="50000"/>
+              </a:schemeClr>
+            </a:solidFill>
+          </a:ln>
+        </p:spPr>
+        <p:txBody>
+          <a:bodyPr>
+            <a:normAutofit/>
+          </a:bodyPr>
+          <a:lstStyle>
+            <a:lvl1pPr marL="365760" indent="-256032" algn="l" rtl="0" eaLnBrk="1" latinLnBrk="0" hangingPunct="1">
+              <a:spcBef>
+                <a:spcPts val="400"/>
+              </a:spcBef>
+              <a:spcAft>
+                <a:spcPts val="0"/>
+              </a:spcAft>
+              <a:buClr>
+                <a:schemeClr val="accent1"/>
+              </a:buClr>
+              <a:buSzPct val="68000"/>
+              <a:buFont typeface="Wingdings 3"/>
+              <a:buChar char=""/>
+              <a:defRPr kumimoji="0" sz="2700" kern="1200">
+                <a:solidFill>
+                  <a:schemeClr val="tx1"/>
+                </a:solidFill>
+                <a:latin typeface="+mn-lt"/>
+                <a:ea typeface="+mn-ea"/>
+                <a:cs typeface="+mn-cs"/>
+              </a:defRPr>
+            </a:lvl1pPr>
+            <a:lvl2pPr marL="621792" indent="-228600" algn="l" rtl="0" eaLnBrk="1" latinLnBrk="0" hangingPunct="1">
+              <a:spcBef>
+                <a:spcPts val="324"/>
+              </a:spcBef>
+              <a:buClr>
+                <a:schemeClr val="accent1"/>
+              </a:buClr>
+              <a:buFont typeface="Verdana"/>
+              <a:buChar char="◦"/>
+              <a:defRPr kumimoji="0" sz="2300" kern="1200">
+                <a:solidFill>
+                  <a:schemeClr val="tx1"/>
+                </a:solidFill>
+                <a:latin typeface="+mn-lt"/>
+                <a:ea typeface="+mn-ea"/>
+                <a:cs typeface="+mn-cs"/>
+              </a:defRPr>
+            </a:lvl2pPr>
+            <a:lvl3pPr marL="859536" indent="-228600" algn="l" rtl="0" eaLnBrk="1" latinLnBrk="0" hangingPunct="1">
+              <a:spcBef>
+                <a:spcPts val="350"/>
+              </a:spcBef>
+              <a:buClr>
+                <a:schemeClr val="accent2"/>
+              </a:buClr>
+              <a:buSzPct val="100000"/>
+              <a:buFont typeface="Wingdings 2"/>
+              <a:buChar char=""/>
+              <a:defRPr kumimoji="0" sz="2100" kern="1200">
+                <a:solidFill>
+                  <a:schemeClr val="tx1"/>
+                </a:solidFill>
+                <a:latin typeface="+mn-lt"/>
+                <a:ea typeface="+mn-ea"/>
+                <a:cs typeface="+mn-cs"/>
+              </a:defRPr>
+            </a:lvl3pPr>
+            <a:lvl4pPr marL="1143000" indent="-228600" algn="l" rtl="0" eaLnBrk="1" latinLnBrk="0" hangingPunct="1">
+              <a:spcBef>
+                <a:spcPts val="350"/>
+              </a:spcBef>
+              <a:buClr>
+                <a:schemeClr val="accent2"/>
+              </a:buClr>
+              <a:buFont typeface="Wingdings 2"/>
+              <a:buChar char=""/>
+              <a:defRPr kumimoji="0" sz="1900" kern="1200">
+                <a:solidFill>
+                  <a:schemeClr val="tx1"/>
+                </a:solidFill>
+                <a:latin typeface="+mn-lt"/>
+                <a:ea typeface="+mn-ea"/>
+                <a:cs typeface="+mn-cs"/>
+              </a:defRPr>
+            </a:lvl4pPr>
+            <a:lvl5pPr marL="1371600" indent="-228600" algn="l" rtl="0" eaLnBrk="1" latinLnBrk="0" hangingPunct="1">
+              <a:spcBef>
+                <a:spcPts val="350"/>
+              </a:spcBef>
+              <a:buClr>
+                <a:schemeClr val="accent2"/>
+              </a:buClr>
+              <a:buFont typeface="Wingdings 2"/>
+              <a:buChar char=""/>
+              <a:defRPr kumimoji="0" sz="1800" kern="1200">
+                <a:solidFill>
+                  <a:schemeClr val="tx1"/>
+                </a:solidFill>
+                <a:latin typeface="+mn-lt"/>
+                <a:ea typeface="+mn-ea"/>
+                <a:cs typeface="+mn-cs"/>
+              </a:defRPr>
+            </a:lvl5pPr>
+            <a:lvl6pPr marL="1600200" indent="-228600" algn="l" rtl="0" eaLnBrk="1" latinLnBrk="0" hangingPunct="1">
+              <a:spcBef>
+                <a:spcPts val="350"/>
+              </a:spcBef>
+              <a:buClr>
+                <a:schemeClr val="accent3"/>
+              </a:buClr>
+              <a:buFont typeface="Wingdings 2"/>
+              <a:buChar char=""/>
+              <a:defRPr kumimoji="0" sz="1800" kern="1200">
+                <a:solidFill>
+                  <a:schemeClr val="tx1"/>
+                </a:solidFill>
+                <a:latin typeface="+mn-lt"/>
+                <a:ea typeface="+mn-ea"/>
+                <a:cs typeface="+mn-cs"/>
+              </a:defRPr>
+            </a:lvl6pPr>
+            <a:lvl7pPr marL="1828800" indent="-228600" algn="l" rtl="0" eaLnBrk="1" latinLnBrk="0" hangingPunct="1">
+              <a:spcBef>
+                <a:spcPts val="350"/>
+              </a:spcBef>
+              <a:buClr>
+                <a:schemeClr val="accent3"/>
+              </a:buClr>
+              <a:buFont typeface="Wingdings 2"/>
+              <a:buChar char=""/>
+              <a:defRPr kumimoji="0" sz="1600" kern="1200">
+                <a:solidFill>
+                  <a:schemeClr val="tx1"/>
+                </a:solidFill>
+                <a:latin typeface="+mn-lt"/>
+                <a:ea typeface="+mn-ea"/>
+                <a:cs typeface="+mn-cs"/>
+              </a:defRPr>
+            </a:lvl7pPr>
+            <a:lvl8pPr marL="2057400" indent="-228600" algn="l" rtl="0" eaLnBrk="1" latinLnBrk="0" hangingPunct="1">
+              <a:spcBef>
+                <a:spcPts val="350"/>
+              </a:spcBef>
+              <a:buClr>
+                <a:schemeClr val="accent3"/>
+              </a:buClr>
+              <a:buFont typeface="Wingdings 2"/>
+              <a:buChar char=""/>
+              <a:defRPr kumimoji="0" sz="1600" kern="1200">
+                <a:solidFill>
+                  <a:schemeClr val="tx1"/>
+                </a:solidFill>
+                <a:latin typeface="+mn-lt"/>
+                <a:ea typeface="+mn-ea"/>
+                <a:cs typeface="+mn-cs"/>
+              </a:defRPr>
+            </a:lvl8pPr>
+            <a:lvl9pPr marL="2286000" indent="-228600" algn="l" rtl="0" eaLnBrk="1" latinLnBrk="0" hangingPunct="1">
+              <a:spcBef>
+                <a:spcPts val="350"/>
+              </a:spcBef>
+              <a:buClr>
+                <a:schemeClr val="accent3"/>
+              </a:buClr>
+              <a:buFont typeface="Wingdings 2"/>
+              <a:buChar char=""/>
+              <a:defRPr kumimoji="0" sz="1600" kern="1200" baseline="0">
+                <a:solidFill>
+                  <a:schemeClr val="tx1"/>
+                </a:solidFill>
+                <a:latin typeface="+mn-lt"/>
+                <a:ea typeface="+mn-ea"/>
+                <a:cs typeface="+mn-cs"/>
+              </a:defRPr>
+            </a:lvl9pPr>
+            <a:extLst/>
+          </a:lstStyle>
+          <a:p>
+            <a:pPr marL="109728" indent="0">
+              <a:buFont typeface="Wingdings 3"/>
+              <a:buNone/>
+            </a:pPr>
+            <a:r>
+              <a:rPr lang="en-US" sz="2400" dirty="0" smtClean="0">
+                <a:latin typeface="Calibri" panose="020F0502020204030204" pitchFamily="34" charset="0"/>
+                <a:cs typeface="Calibri" panose="020F0502020204030204" pitchFamily="34" charset="0"/>
+              </a:rPr>
+              <a:t>0.63691931540342295</a:t>
+            </a:r>
+          </a:p>
+          <a:p>
+            <a:pPr marL="109728" indent="0">
+              <a:buFont typeface="Wingdings 3"/>
+              <a:buNone/>
+            </a:pPr>
+            <a:endParaRPr lang="en-US" sz="2400" dirty="0" smtClean="0">
+              <a:latin typeface="Calibri" panose="020F0502020204030204" pitchFamily="34" charset="0"/>
+              <a:cs typeface="Calibri" panose="020F0502020204030204" pitchFamily="34" charset="0"/>
+            </a:endParaRPr>
+          </a:p>
+          <a:p>
+            <a:pPr marL="109728" indent="0">
+              <a:buFont typeface="Wingdings 3"/>
+              <a:buNone/>
+            </a:pPr>
+            <a:r>
+              <a:rPr lang="en-US" sz="2400" dirty="0" smtClean="0">
+                <a:latin typeface="Calibri" panose="020F0502020204030204" pitchFamily="34" charset="0"/>
+                <a:cs typeface="Calibri" panose="020F0502020204030204" pitchFamily="34" charset="0"/>
+              </a:rPr>
+              <a:t>0.68052159739201301</a:t>
+            </a:r>
+          </a:p>
+          <a:p>
+            <a:pPr marL="109728" indent="0">
+              <a:buFont typeface="Wingdings 3"/>
+              <a:buNone/>
+            </a:pPr>
+            <a:endParaRPr lang="en-US" sz="2400" dirty="0" smtClean="0">
+              <a:latin typeface="Calibri" panose="020F0502020204030204" pitchFamily="34" charset="0"/>
+              <a:cs typeface="Calibri" panose="020F0502020204030204" pitchFamily="34" charset="0"/>
+            </a:endParaRPr>
+          </a:p>
+          <a:p>
+            <a:pPr marL="109728" indent="0">
+              <a:buFont typeface="Wingdings 3"/>
+              <a:buNone/>
+            </a:pPr>
+            <a:endParaRPr lang="en-US" sz="2400" dirty="0" smtClean="0">
+              <a:latin typeface="Calibri" panose="020F0502020204030204" pitchFamily="34" charset="0"/>
+              <a:cs typeface="Calibri" panose="020F0502020204030204" pitchFamily="34" charset="0"/>
+            </a:endParaRPr>
+          </a:p>
+          <a:p>
+            <a:pPr marL="109728" indent="0">
+              <a:buFont typeface="Wingdings 3"/>
+              <a:buNone/>
+            </a:pPr>
+            <a:r>
+              <a:rPr lang="en-US" sz="2400" dirty="0" smtClean="0">
+                <a:latin typeface="Calibri" panose="020F0502020204030204" pitchFamily="34" charset="0"/>
+                <a:cs typeface="Calibri" panose="020F0502020204030204" pitchFamily="34" charset="0"/>
+              </a:rPr>
+              <a:t>0.783211083945 </a:t>
+            </a:r>
+          </a:p>
+          <a:p>
+            <a:pPr marL="109728" indent="0">
+              <a:buFont typeface="Wingdings 3"/>
+              <a:buNone/>
+            </a:pPr>
+            <a:endParaRPr lang="en-US" sz="2400" dirty="0" smtClean="0">
+              <a:latin typeface="Calibri" panose="020F0502020204030204" pitchFamily="34" charset="0"/>
+              <a:cs typeface="Calibri" panose="020F0502020204030204" pitchFamily="34" charset="0"/>
+            </a:endParaRPr>
+          </a:p>
+          <a:p>
+            <a:pPr marL="109728" indent="0">
+              <a:buFont typeface="Wingdings 3"/>
+              <a:buNone/>
+            </a:pPr>
+            <a:r>
+              <a:rPr lang="en-US" sz="2400" dirty="0" smtClean="0">
+                <a:latin typeface="Calibri" panose="020F0502020204030204" pitchFamily="34" charset="0"/>
+                <a:cs typeface="Calibri" panose="020F0502020204030204" pitchFamily="34" charset="0"/>
+              </a:rPr>
+              <a:t>0.94132029339853296</a:t>
+            </a:r>
+            <a:endParaRPr lang="en-US" sz="2400" dirty="0">
+              <a:latin typeface="Calibri" panose="020F0502020204030204" pitchFamily="34" charset="0"/>
+              <a:cs typeface="Calibri" panose="020F0502020204030204" pitchFamily="34" charset="0"/>
+            </a:endParaRPr>
+          </a:p>
+        </p:txBody>
+      </p:sp>
+      <p:sp>
+        <p:nvSpPr>
+          <p:cNvPr id="5" name="Text Placeholder 3"/>
+          <p:cNvSpPr txBox="1">
+            <a:spLocks/>
+          </p:cNvSpPr>
+          <p:nvPr/>
+        </p:nvSpPr>
+        <p:spPr>
+          <a:xfrm>
+            <a:off x="4645026" y="5410200"/>
+            <a:ext cx="4041775" cy="762000"/>
+          </a:xfrm>
+          <a:prstGeom prst="rect">
+            <a:avLst/>
+          </a:prstGeom>
+          <a:solidFill>
+            <a:schemeClr val="accent1">
+              <a:lumMod val="60000"/>
+              <a:lumOff val="40000"/>
+            </a:schemeClr>
+          </a:solidFill>
+          <a:ln>
+            <a:solidFill>
+              <a:schemeClr val="accent6">
+                <a:lumMod val="50000"/>
+              </a:schemeClr>
+            </a:solidFill>
+          </a:ln>
+        </p:spPr>
+        <p:txBody>
+          <a:bodyPr/>
+          <a:lstStyle>
+            <a:lvl1pPr marL="365760" indent="-256032" algn="l" rtl="0" eaLnBrk="1" latinLnBrk="0" hangingPunct="1">
+              <a:spcBef>
+                <a:spcPts val="400"/>
+              </a:spcBef>
+              <a:spcAft>
+                <a:spcPts val="0"/>
+              </a:spcAft>
+              <a:buClr>
+                <a:schemeClr val="accent1"/>
+              </a:buClr>
+              <a:buSzPct val="68000"/>
+              <a:buFont typeface="Wingdings 3"/>
+              <a:buChar char=""/>
+              <a:defRPr kumimoji="0" sz="2700" kern="1200">
+                <a:solidFill>
+                  <a:schemeClr val="tx1"/>
+                </a:solidFill>
+                <a:latin typeface="+mn-lt"/>
+                <a:ea typeface="+mn-ea"/>
+                <a:cs typeface="+mn-cs"/>
+              </a:defRPr>
+            </a:lvl1pPr>
+            <a:lvl2pPr marL="621792" indent="-228600" algn="l" rtl="0" eaLnBrk="1" latinLnBrk="0" hangingPunct="1">
+              <a:spcBef>
+                <a:spcPts val="324"/>
+              </a:spcBef>
+              <a:buClr>
+                <a:schemeClr val="accent1"/>
+              </a:buClr>
+              <a:buFont typeface="Verdana"/>
+              <a:buChar char="◦"/>
+              <a:defRPr kumimoji="0" sz="2300" kern="1200">
+                <a:solidFill>
+                  <a:schemeClr val="tx1"/>
+                </a:solidFill>
+                <a:latin typeface="+mn-lt"/>
+                <a:ea typeface="+mn-ea"/>
+                <a:cs typeface="+mn-cs"/>
+              </a:defRPr>
+            </a:lvl2pPr>
+            <a:lvl3pPr marL="859536" indent="-228600" algn="l" rtl="0" eaLnBrk="1" latinLnBrk="0" hangingPunct="1">
+              <a:spcBef>
+                <a:spcPts val="350"/>
+              </a:spcBef>
+              <a:buClr>
+                <a:schemeClr val="accent2"/>
+              </a:buClr>
+              <a:buSzPct val="100000"/>
+              <a:buFont typeface="Wingdings 2"/>
+              <a:buChar char=""/>
+              <a:defRPr kumimoji="0" sz="2100" kern="1200">
+                <a:solidFill>
+                  <a:schemeClr val="tx1"/>
+                </a:solidFill>
+                <a:latin typeface="+mn-lt"/>
+                <a:ea typeface="+mn-ea"/>
+                <a:cs typeface="+mn-cs"/>
+              </a:defRPr>
+            </a:lvl3pPr>
+            <a:lvl4pPr marL="1143000" indent="-228600" algn="l" rtl="0" eaLnBrk="1" latinLnBrk="0" hangingPunct="1">
+              <a:spcBef>
+                <a:spcPts val="350"/>
+              </a:spcBef>
+              <a:buClr>
+                <a:schemeClr val="accent2"/>
+              </a:buClr>
+              <a:buFont typeface="Wingdings 2"/>
+              <a:buChar char=""/>
+              <a:defRPr kumimoji="0" sz="1900" kern="1200">
+                <a:solidFill>
+                  <a:schemeClr val="tx1"/>
+                </a:solidFill>
+                <a:latin typeface="+mn-lt"/>
+                <a:ea typeface="+mn-ea"/>
+                <a:cs typeface="+mn-cs"/>
+              </a:defRPr>
+            </a:lvl4pPr>
+            <a:lvl5pPr marL="1371600" indent="-228600" algn="l" rtl="0" eaLnBrk="1" latinLnBrk="0" hangingPunct="1">
+              <a:spcBef>
+                <a:spcPts val="350"/>
+              </a:spcBef>
+              <a:buClr>
+                <a:schemeClr val="accent2"/>
+              </a:buClr>
+              <a:buFont typeface="Wingdings 2"/>
+              <a:buChar char=""/>
+              <a:defRPr kumimoji="0" sz="1800" kern="1200">
+                <a:solidFill>
+                  <a:schemeClr val="tx1"/>
+                </a:solidFill>
+                <a:latin typeface="+mn-lt"/>
+                <a:ea typeface="+mn-ea"/>
+                <a:cs typeface="+mn-cs"/>
+              </a:defRPr>
+            </a:lvl5pPr>
+            <a:lvl6pPr marL="1600200" indent="-228600" algn="l" rtl="0" eaLnBrk="1" latinLnBrk="0" hangingPunct="1">
+              <a:spcBef>
+                <a:spcPts val="350"/>
+              </a:spcBef>
+              <a:buClr>
+                <a:schemeClr val="accent3"/>
+              </a:buClr>
+              <a:buFont typeface="Wingdings 2"/>
+              <a:buChar char=""/>
+              <a:defRPr kumimoji="0" sz="1800" kern="1200">
+                <a:solidFill>
+                  <a:schemeClr val="tx1"/>
+                </a:solidFill>
+                <a:latin typeface="+mn-lt"/>
+                <a:ea typeface="+mn-ea"/>
+                <a:cs typeface="+mn-cs"/>
+              </a:defRPr>
+            </a:lvl6pPr>
+            <a:lvl7pPr marL="1828800" indent="-228600" algn="l" rtl="0" eaLnBrk="1" latinLnBrk="0" hangingPunct="1">
+              <a:spcBef>
+                <a:spcPts val="350"/>
+              </a:spcBef>
+              <a:buClr>
+                <a:schemeClr val="accent3"/>
+              </a:buClr>
+              <a:buFont typeface="Wingdings 2"/>
+              <a:buChar char=""/>
+              <a:defRPr kumimoji="0" sz="1600" kern="1200">
+                <a:solidFill>
+                  <a:schemeClr val="tx1"/>
+                </a:solidFill>
+                <a:latin typeface="+mn-lt"/>
+                <a:ea typeface="+mn-ea"/>
+                <a:cs typeface="+mn-cs"/>
+              </a:defRPr>
+            </a:lvl7pPr>
+            <a:lvl8pPr marL="2057400" indent="-228600" algn="l" rtl="0" eaLnBrk="1" latinLnBrk="0" hangingPunct="1">
+              <a:spcBef>
+                <a:spcPts val="350"/>
+              </a:spcBef>
+              <a:buClr>
+                <a:schemeClr val="accent3"/>
+              </a:buClr>
+              <a:buFont typeface="Wingdings 2"/>
+              <a:buChar char=""/>
+              <a:defRPr kumimoji="0" sz="1600" kern="1200">
+                <a:solidFill>
+                  <a:schemeClr val="tx1"/>
+                </a:solidFill>
+                <a:latin typeface="+mn-lt"/>
+                <a:ea typeface="+mn-ea"/>
+                <a:cs typeface="+mn-cs"/>
+              </a:defRPr>
+            </a:lvl8pPr>
+            <a:lvl9pPr marL="2286000" indent="-228600" algn="l" rtl="0" eaLnBrk="1" latinLnBrk="0" hangingPunct="1">
+              <a:spcBef>
+                <a:spcPts val="350"/>
+              </a:spcBef>
+              <a:buClr>
+                <a:schemeClr val="accent3"/>
+              </a:buClr>
+              <a:buFont typeface="Wingdings 2"/>
+              <a:buChar char=""/>
+              <a:defRPr kumimoji="0" sz="1600" kern="1200" baseline="0">
+                <a:solidFill>
+                  <a:schemeClr val="tx1"/>
+                </a:solidFill>
+                <a:latin typeface="+mn-lt"/>
+                <a:ea typeface="+mn-ea"/>
+                <a:cs typeface="+mn-cs"/>
+              </a:defRPr>
+            </a:lvl9pPr>
+            <a:extLst/>
+          </a:lstStyle>
+          <a:p>
+            <a:pPr marL="109728" indent="0" algn="ctr">
+              <a:buNone/>
+            </a:pPr>
+            <a:r>
+              <a:rPr lang="en-US" dirty="0" smtClean="0">
+                <a:latin typeface="Calibri" panose="020F0502020204030204" pitchFamily="34" charset="0"/>
+                <a:cs typeface="Calibri" panose="020F0502020204030204" pitchFamily="34" charset="0"/>
+              </a:rPr>
+              <a:t>Overall Accuracy</a:t>
+            </a:r>
+            <a:endParaRPr lang="en-US" dirty="0">
+              <a:latin typeface="Calibri" panose="020F0502020204030204" pitchFamily="34" charset="0"/>
+              <a:cs typeface="Calibri" panose="020F0502020204030204" pitchFamily="34" charset="0"/>
+            </a:endParaRPr>
+          </a:p>
+        </p:txBody>
+      </p:sp>
+      <p:sp>
+        <p:nvSpPr>
+          <p:cNvPr id="6" name="Text Placeholder 6"/>
+          <p:cNvSpPr txBox="1">
+            <a:spLocks/>
+          </p:cNvSpPr>
+          <p:nvPr/>
+        </p:nvSpPr>
+        <p:spPr>
+          <a:xfrm>
+            <a:off x="584055" y="5410200"/>
+            <a:ext cx="4040188" cy="762000"/>
+          </a:xfrm>
+          <a:prstGeom prst="rect">
+            <a:avLst/>
+          </a:prstGeom>
+          <a:solidFill>
+            <a:schemeClr val="accent1">
+              <a:lumMod val="60000"/>
+              <a:lumOff val="40000"/>
+            </a:schemeClr>
+          </a:solidFill>
+          <a:ln>
+            <a:solidFill>
+              <a:schemeClr val="accent6">
+                <a:lumMod val="50000"/>
+              </a:schemeClr>
+            </a:solidFill>
+          </a:ln>
+        </p:spPr>
+        <p:txBody>
+          <a:bodyPr vert="horz">
+            <a:normAutofit/>
+          </a:bodyPr>
+          <a:lstStyle>
+            <a:lvl1pPr marL="365760" indent="-256032" algn="l" rtl="0" eaLnBrk="1" latinLnBrk="0" hangingPunct="1">
+              <a:spcBef>
+                <a:spcPts val="400"/>
+              </a:spcBef>
+              <a:spcAft>
+                <a:spcPts val="0"/>
+              </a:spcAft>
+              <a:buClr>
+                <a:schemeClr val="accent1"/>
+              </a:buClr>
+              <a:buSzPct val="68000"/>
+              <a:buFont typeface="Wingdings 3"/>
+              <a:buChar char=""/>
+              <a:defRPr kumimoji="0" sz="2700" kern="1200">
+                <a:solidFill>
+                  <a:schemeClr val="tx1"/>
+                </a:solidFill>
+                <a:latin typeface="+mn-lt"/>
+                <a:ea typeface="+mn-ea"/>
+                <a:cs typeface="+mn-cs"/>
+              </a:defRPr>
+            </a:lvl1pPr>
+            <a:lvl2pPr marL="621792" indent="-228600" algn="l" rtl="0" eaLnBrk="1" latinLnBrk="0" hangingPunct="1">
+              <a:spcBef>
+                <a:spcPts val="324"/>
+              </a:spcBef>
+              <a:buClr>
+                <a:schemeClr val="accent1"/>
+              </a:buClr>
+              <a:buFont typeface="Verdana"/>
+              <a:buChar char="◦"/>
+              <a:defRPr kumimoji="0" sz="2300" kern="1200">
+                <a:solidFill>
+                  <a:schemeClr val="tx1"/>
+                </a:solidFill>
+                <a:latin typeface="+mn-lt"/>
+                <a:ea typeface="+mn-ea"/>
+                <a:cs typeface="+mn-cs"/>
+              </a:defRPr>
+            </a:lvl2pPr>
+            <a:lvl3pPr marL="859536" indent="-228600" algn="l" rtl="0" eaLnBrk="1" latinLnBrk="0" hangingPunct="1">
+              <a:spcBef>
+                <a:spcPts val="350"/>
+              </a:spcBef>
+              <a:buClr>
+                <a:schemeClr val="accent2"/>
+              </a:buClr>
+              <a:buSzPct val="100000"/>
+              <a:buFont typeface="Wingdings 2"/>
+              <a:buChar char=""/>
+              <a:defRPr kumimoji="0" sz="2100" kern="1200">
+                <a:solidFill>
+                  <a:schemeClr val="tx1"/>
+                </a:solidFill>
+                <a:latin typeface="+mn-lt"/>
+                <a:ea typeface="+mn-ea"/>
+                <a:cs typeface="+mn-cs"/>
+              </a:defRPr>
+            </a:lvl3pPr>
+            <a:lvl4pPr marL="1143000" indent="-228600" algn="l" rtl="0" eaLnBrk="1" latinLnBrk="0" hangingPunct="1">
+              <a:spcBef>
+                <a:spcPts val="350"/>
+              </a:spcBef>
+              <a:buClr>
+                <a:schemeClr val="accent2"/>
+              </a:buClr>
+              <a:buFont typeface="Wingdings 2"/>
+              <a:buChar char=""/>
+              <a:defRPr kumimoji="0" sz="1900" kern="1200">
+                <a:solidFill>
+                  <a:schemeClr val="tx1"/>
+                </a:solidFill>
+                <a:latin typeface="+mn-lt"/>
+                <a:ea typeface="+mn-ea"/>
+                <a:cs typeface="+mn-cs"/>
+              </a:defRPr>
+            </a:lvl4pPr>
+            <a:lvl5pPr marL="1371600" indent="-228600" algn="l" rtl="0" eaLnBrk="1" latinLnBrk="0" hangingPunct="1">
+              <a:spcBef>
+                <a:spcPts val="350"/>
+              </a:spcBef>
+              <a:buClr>
+                <a:schemeClr val="accent2"/>
+              </a:buClr>
+              <a:buFont typeface="Wingdings 2"/>
+              <a:buChar char=""/>
+              <a:defRPr kumimoji="0" sz="1800" kern="1200">
+                <a:solidFill>
+                  <a:schemeClr val="tx1"/>
+                </a:solidFill>
+                <a:latin typeface="+mn-lt"/>
+                <a:ea typeface="+mn-ea"/>
+                <a:cs typeface="+mn-cs"/>
+              </a:defRPr>
+            </a:lvl5pPr>
+            <a:lvl6pPr marL="1600200" indent="-228600" algn="l" rtl="0" eaLnBrk="1" latinLnBrk="0" hangingPunct="1">
+              <a:spcBef>
+                <a:spcPts val="350"/>
+              </a:spcBef>
+              <a:buClr>
+                <a:schemeClr val="accent3"/>
+              </a:buClr>
+              <a:buFont typeface="Wingdings 2"/>
+              <a:buChar char=""/>
+              <a:defRPr kumimoji="0" sz="1800" kern="1200">
+                <a:solidFill>
+                  <a:schemeClr val="tx1"/>
+                </a:solidFill>
+                <a:latin typeface="+mn-lt"/>
+                <a:ea typeface="+mn-ea"/>
+                <a:cs typeface="+mn-cs"/>
+              </a:defRPr>
+            </a:lvl6pPr>
+            <a:lvl7pPr marL="1828800" indent="-228600" algn="l" rtl="0" eaLnBrk="1" latinLnBrk="0" hangingPunct="1">
+              <a:spcBef>
+                <a:spcPts val="350"/>
+              </a:spcBef>
+              <a:buClr>
+                <a:schemeClr val="accent3"/>
+              </a:buClr>
+              <a:buFont typeface="Wingdings 2"/>
+              <a:buChar char=""/>
+              <a:defRPr kumimoji="0" sz="1600" kern="1200">
+                <a:solidFill>
+                  <a:schemeClr val="tx1"/>
+                </a:solidFill>
+                <a:latin typeface="+mn-lt"/>
+                <a:ea typeface="+mn-ea"/>
+                <a:cs typeface="+mn-cs"/>
+              </a:defRPr>
+            </a:lvl7pPr>
+            <a:lvl8pPr marL="2057400" indent="-228600" algn="l" rtl="0" eaLnBrk="1" latinLnBrk="0" hangingPunct="1">
+              <a:spcBef>
+                <a:spcPts val="350"/>
+              </a:spcBef>
+              <a:buClr>
+                <a:schemeClr val="accent3"/>
+              </a:buClr>
+              <a:buFont typeface="Wingdings 2"/>
+              <a:buChar char=""/>
+              <a:defRPr kumimoji="0" sz="1600" kern="1200">
+                <a:solidFill>
+                  <a:schemeClr val="tx1"/>
+                </a:solidFill>
+                <a:latin typeface="+mn-lt"/>
+                <a:ea typeface="+mn-ea"/>
+                <a:cs typeface="+mn-cs"/>
+              </a:defRPr>
+            </a:lvl8pPr>
+            <a:lvl9pPr marL="2286000" indent="-228600" algn="l" rtl="0" eaLnBrk="1" latinLnBrk="0" hangingPunct="1">
+              <a:spcBef>
+                <a:spcPts val="350"/>
+              </a:spcBef>
+              <a:buClr>
+                <a:schemeClr val="accent3"/>
+              </a:buClr>
+              <a:buFont typeface="Wingdings 2"/>
+              <a:buChar char=""/>
+              <a:defRPr kumimoji="0" sz="1600" kern="1200" baseline="0">
+                <a:solidFill>
+                  <a:schemeClr val="tx1"/>
+                </a:solidFill>
+                <a:latin typeface="+mn-lt"/>
+                <a:ea typeface="+mn-ea"/>
+                <a:cs typeface="+mn-cs"/>
+              </a:defRPr>
+            </a:lvl9pPr>
+            <a:extLst/>
+          </a:lstStyle>
+          <a:p>
+            <a:pPr marL="109728" indent="0" algn="ctr">
+              <a:buNone/>
+            </a:pPr>
+            <a:r>
+              <a:rPr lang="en-US" dirty="0" smtClean="0">
+                <a:latin typeface="Calibri" panose="020F0502020204030204" pitchFamily="34" charset="0"/>
+                <a:cs typeface="Calibri" panose="020F0502020204030204" pitchFamily="34" charset="0"/>
+              </a:rPr>
+              <a:t>Models</a:t>
+            </a:r>
+            <a:endParaRPr lang="en-US" dirty="0">
+              <a:latin typeface="Calibri" panose="020F0502020204030204" pitchFamily="34" charset="0"/>
+              <a:cs typeface="Calibri" panose="020F0502020204030204" pitchFamily="34" charset="0"/>
+            </a:endParaRPr>
+          </a:p>
+        </p:txBody>
+      </p:sp>
+    </p:spTree>
+    <p:extLst>
+      <p:ext uri="{BB962C8B-B14F-4D97-AF65-F5344CB8AC3E}">
+        <p14:creationId xmlns:p14="http://schemas.microsoft.com/office/powerpoint/2010/main" val="2124684862"/>
+      </p:ext>
+    </p:extLst>
+  </p:cSld>
+  <p:clrMapOvr>
+    <a:masterClrMapping/>
+  </p:clrMapOvr>
+</p:sld>
+</file>
+
+<file path=ppt/slides/slide29.xml><?xml version="1.0" encoding="utf-8"?>
+<p:sld xmlns:a="http://schemas.openxmlformats.org/drawingml/2006/main" xmlns:r="http://schemas.openxmlformats.org/officeDocument/2006/relationships" xmlns:p="http://schemas.openxmlformats.org/presentationml/2006/main">
+  <p:cSld>
+    <p:spTree>
+      <p:nvGrpSpPr>
+        <p:cNvPr id="1" name=""/>
+        <p:cNvGrpSpPr/>
+        <p:nvPr/>
+      </p:nvGrpSpPr>
+      <p:grpSpPr>
+        <a:xfrm>
+          <a:off x="0" y="0"/>
+          <a:ext cx="0" cy="0"/>
+          <a:chOff x="0" y="0"/>
+          <a:chExt cx="0" cy="0"/>
+        </a:xfrm>
+      </p:grpSpPr>
+      <p:sp>
+        <p:nvSpPr>
+          <p:cNvPr id="2" name="Content Placeholder 1"/>
+          <p:cNvSpPr>
+            <a:spLocks noGrp="1"/>
+          </p:cNvSpPr>
+          <p:nvPr>
+            <p:ph idx="1"/>
+          </p:nvPr>
+        </p:nvSpPr>
+        <p:spPr>
+          <a:xfrm>
+            <a:off x="457200" y="381000"/>
+            <a:ext cx="8229600" cy="6172200"/>
+          </a:xfrm>
+        </p:spPr>
+        <p:txBody>
+          <a:bodyPr>
+            <a:normAutofit/>
+          </a:bodyPr>
+          <a:lstStyle/>
+          <a:p>
+            <a:pPr marL="109728" indent="0" algn="ctr">
+              <a:buNone/>
+            </a:pPr>
+            <a:r>
+              <a:rPr lang="en-US" sz="2800" dirty="0">
+                <a:latin typeface="Calibri" panose="020F0502020204030204" pitchFamily="34" charset="0"/>
+                <a:cs typeface="Calibri" panose="020F0502020204030204" pitchFamily="34" charset="0"/>
+              </a:rPr>
+              <a:t>Model </a:t>
+            </a:r>
+            <a:r>
+              <a:rPr lang="en-US" sz="2800" dirty="0" smtClean="0">
+                <a:latin typeface="Calibri" panose="020F0502020204030204" pitchFamily="34" charset="0"/>
+                <a:cs typeface="Calibri" panose="020F0502020204030204" pitchFamily="34" charset="0"/>
+              </a:rPr>
+              <a:t>Building and Evaluation </a:t>
+            </a:r>
+          </a:p>
+          <a:p>
+            <a:pPr marL="109728" indent="0">
+              <a:buNone/>
+            </a:pPr>
+            <a:r>
+              <a:rPr lang="en-US" sz="2400" dirty="0" smtClean="0">
+                <a:latin typeface="Calibri" panose="020F0502020204030204" pitchFamily="34" charset="0"/>
+                <a:cs typeface="Calibri" panose="020F0502020204030204" pitchFamily="34" charset="0"/>
+              </a:rPr>
+              <a:t>Supervised Classification Models </a:t>
+            </a:r>
+            <a:r>
+              <a:rPr lang="en-US" sz="2400" dirty="0">
+                <a:latin typeface="Calibri" panose="020F0502020204030204" pitchFamily="34" charset="0"/>
+                <a:cs typeface="Calibri" panose="020F0502020204030204" pitchFamily="34" charset="0"/>
+              </a:rPr>
+              <a:t>– </a:t>
+            </a:r>
+            <a:r>
+              <a:rPr lang="en-US" sz="2400" dirty="0" smtClean="0">
+                <a:latin typeface="Calibri" panose="020F0502020204030204" pitchFamily="34" charset="0"/>
+                <a:cs typeface="Calibri" panose="020F0502020204030204" pitchFamily="34" charset="0"/>
+              </a:rPr>
+              <a:t>Adjustments to Improve</a:t>
+            </a:r>
+          </a:p>
+          <a:p>
+            <a:pPr marL="109728" indent="0">
+              <a:buNone/>
+            </a:pPr>
+            <a:endParaRPr lang="en-US" sz="2400" dirty="0" smtClean="0">
+              <a:latin typeface="Calibri" panose="020F0502020204030204" pitchFamily="34" charset="0"/>
+              <a:cs typeface="Calibri" panose="020F0502020204030204" pitchFamily="34" charset="0"/>
+            </a:endParaRPr>
+          </a:p>
+          <a:p>
+            <a:pPr marL="109728" indent="0">
+              <a:buNone/>
+            </a:pPr>
+            <a:endParaRPr lang="en-US" dirty="0" smtClean="0">
+              <a:latin typeface="Calibri" panose="020F0502020204030204" pitchFamily="34" charset="0"/>
+              <a:cs typeface="Calibri" panose="020F0502020204030204" pitchFamily="34" charset="0"/>
+            </a:endParaRPr>
+          </a:p>
+          <a:p>
+            <a:pPr marL="109728" indent="0" algn="ctr">
+              <a:buNone/>
+            </a:pPr>
+            <a:endParaRPr lang="en-US" sz="2400" dirty="0" smtClean="0">
+              <a:latin typeface="Calibri" panose="020F0502020204030204" pitchFamily="34" charset="0"/>
+              <a:cs typeface="Calibri" panose="020F0502020204030204" pitchFamily="34" charset="0"/>
+            </a:endParaRPr>
+          </a:p>
+        </p:txBody>
+      </p:sp>
+      <p:sp>
+        <p:nvSpPr>
+          <p:cNvPr id="3" name="Content Placeholder 4"/>
+          <p:cNvSpPr txBox="1">
+            <a:spLocks/>
+          </p:cNvSpPr>
+          <p:nvPr/>
+        </p:nvSpPr>
+        <p:spPr>
+          <a:xfrm>
+            <a:off x="584055" y="1468437"/>
+            <a:ext cx="4040188" cy="3941763"/>
+          </a:xfrm>
+          <a:prstGeom prst="rect">
+            <a:avLst/>
+          </a:prstGeom>
+          <a:ln>
+            <a:solidFill>
+              <a:schemeClr val="accent6">
+                <a:lumMod val="50000"/>
+              </a:schemeClr>
+            </a:solidFill>
+          </a:ln>
+        </p:spPr>
+        <p:txBody>
+          <a:bodyPr/>
+          <a:lstStyle>
+            <a:lvl1pPr marL="365760" indent="-256032" algn="l" rtl="0" eaLnBrk="1" latinLnBrk="0" hangingPunct="1">
+              <a:spcBef>
+                <a:spcPts val="400"/>
+              </a:spcBef>
+              <a:spcAft>
+                <a:spcPts val="0"/>
+              </a:spcAft>
+              <a:buClr>
+                <a:schemeClr val="accent1"/>
+              </a:buClr>
+              <a:buSzPct val="68000"/>
+              <a:buFont typeface="Wingdings 3"/>
+              <a:buChar char=""/>
+              <a:defRPr kumimoji="0" sz="2700" kern="1200">
+                <a:solidFill>
+                  <a:schemeClr val="tx1"/>
+                </a:solidFill>
+                <a:latin typeface="+mn-lt"/>
+                <a:ea typeface="+mn-ea"/>
+                <a:cs typeface="+mn-cs"/>
+              </a:defRPr>
+            </a:lvl1pPr>
+            <a:lvl2pPr marL="621792" indent="-228600" algn="l" rtl="0" eaLnBrk="1" latinLnBrk="0" hangingPunct="1">
+              <a:spcBef>
+                <a:spcPts val="324"/>
+              </a:spcBef>
+              <a:buClr>
+                <a:schemeClr val="accent1"/>
+              </a:buClr>
+              <a:buFont typeface="Verdana"/>
+              <a:buChar char="◦"/>
+              <a:defRPr kumimoji="0" sz="2300" kern="1200">
+                <a:solidFill>
+                  <a:schemeClr val="tx1"/>
+                </a:solidFill>
+                <a:latin typeface="+mn-lt"/>
+                <a:ea typeface="+mn-ea"/>
+                <a:cs typeface="+mn-cs"/>
+              </a:defRPr>
+            </a:lvl2pPr>
+            <a:lvl3pPr marL="859536" indent="-228600" algn="l" rtl="0" eaLnBrk="1" latinLnBrk="0" hangingPunct="1">
+              <a:spcBef>
+                <a:spcPts val="350"/>
+              </a:spcBef>
+              <a:buClr>
+                <a:schemeClr val="accent2"/>
+              </a:buClr>
+              <a:buSzPct val="100000"/>
+              <a:buFont typeface="Wingdings 2"/>
+              <a:buChar char=""/>
+              <a:defRPr kumimoji="0" sz="2100" kern="1200">
+                <a:solidFill>
+                  <a:schemeClr val="tx1"/>
+                </a:solidFill>
+                <a:latin typeface="+mn-lt"/>
+                <a:ea typeface="+mn-ea"/>
+                <a:cs typeface="+mn-cs"/>
+              </a:defRPr>
+            </a:lvl3pPr>
+            <a:lvl4pPr marL="1143000" indent="-228600" algn="l" rtl="0" eaLnBrk="1" latinLnBrk="0" hangingPunct="1">
+              <a:spcBef>
+                <a:spcPts val="350"/>
+              </a:spcBef>
+              <a:buClr>
+                <a:schemeClr val="accent2"/>
+              </a:buClr>
+              <a:buFont typeface="Wingdings 2"/>
+              <a:buChar char=""/>
+              <a:defRPr kumimoji="0" sz="1900" kern="1200">
+                <a:solidFill>
+                  <a:schemeClr val="tx1"/>
+                </a:solidFill>
+                <a:latin typeface="+mn-lt"/>
+                <a:ea typeface="+mn-ea"/>
+                <a:cs typeface="+mn-cs"/>
+              </a:defRPr>
+            </a:lvl4pPr>
+            <a:lvl5pPr marL="1371600" indent="-228600" algn="l" rtl="0" eaLnBrk="1" latinLnBrk="0" hangingPunct="1">
+              <a:spcBef>
+                <a:spcPts val="350"/>
+              </a:spcBef>
+              <a:buClr>
+                <a:schemeClr val="accent2"/>
+              </a:buClr>
+              <a:buFont typeface="Wingdings 2"/>
+              <a:buChar char=""/>
+              <a:defRPr kumimoji="0" sz="1800" kern="1200">
+                <a:solidFill>
+                  <a:schemeClr val="tx1"/>
+                </a:solidFill>
+                <a:latin typeface="+mn-lt"/>
+                <a:ea typeface="+mn-ea"/>
+                <a:cs typeface="+mn-cs"/>
+              </a:defRPr>
+            </a:lvl5pPr>
+            <a:lvl6pPr marL="1600200" indent="-228600" algn="l" rtl="0" eaLnBrk="1" latinLnBrk="0" hangingPunct="1">
+              <a:spcBef>
+                <a:spcPts val="350"/>
+              </a:spcBef>
+              <a:buClr>
+                <a:schemeClr val="accent3"/>
+              </a:buClr>
+              <a:buFont typeface="Wingdings 2"/>
+              <a:buChar char=""/>
+              <a:defRPr kumimoji="0" sz="1800" kern="1200">
+                <a:solidFill>
+                  <a:schemeClr val="tx1"/>
+                </a:solidFill>
+                <a:latin typeface="+mn-lt"/>
+                <a:ea typeface="+mn-ea"/>
+                <a:cs typeface="+mn-cs"/>
+              </a:defRPr>
+            </a:lvl6pPr>
+            <a:lvl7pPr marL="1828800" indent="-228600" algn="l" rtl="0" eaLnBrk="1" latinLnBrk="0" hangingPunct="1">
+              <a:spcBef>
+                <a:spcPts val="350"/>
+              </a:spcBef>
+              <a:buClr>
+                <a:schemeClr val="accent3"/>
+              </a:buClr>
+              <a:buFont typeface="Wingdings 2"/>
+              <a:buChar char=""/>
+              <a:defRPr kumimoji="0" sz="1600" kern="1200">
+                <a:solidFill>
+                  <a:schemeClr val="tx1"/>
+                </a:solidFill>
+                <a:latin typeface="+mn-lt"/>
+                <a:ea typeface="+mn-ea"/>
+                <a:cs typeface="+mn-cs"/>
+              </a:defRPr>
+            </a:lvl7pPr>
+            <a:lvl8pPr marL="2057400" indent="-228600" algn="l" rtl="0" eaLnBrk="1" latinLnBrk="0" hangingPunct="1">
+              <a:spcBef>
+                <a:spcPts val="350"/>
+              </a:spcBef>
+              <a:buClr>
+                <a:schemeClr val="accent3"/>
+              </a:buClr>
+              <a:buFont typeface="Wingdings 2"/>
+              <a:buChar char=""/>
+              <a:defRPr kumimoji="0" sz="1600" kern="1200">
+                <a:solidFill>
+                  <a:schemeClr val="tx1"/>
+                </a:solidFill>
+                <a:latin typeface="+mn-lt"/>
+                <a:ea typeface="+mn-ea"/>
+                <a:cs typeface="+mn-cs"/>
+              </a:defRPr>
+            </a:lvl8pPr>
+            <a:lvl9pPr marL="2286000" indent="-228600" algn="l" rtl="0" eaLnBrk="1" latinLnBrk="0" hangingPunct="1">
+              <a:spcBef>
+                <a:spcPts val="350"/>
+              </a:spcBef>
+              <a:buClr>
+                <a:schemeClr val="accent3"/>
+              </a:buClr>
+              <a:buFont typeface="Wingdings 2"/>
+              <a:buChar char=""/>
+              <a:defRPr kumimoji="0" sz="1600" kern="1200" baseline="0">
+                <a:solidFill>
+                  <a:schemeClr val="tx1"/>
+                </a:solidFill>
+                <a:latin typeface="+mn-lt"/>
+                <a:ea typeface="+mn-ea"/>
+                <a:cs typeface="+mn-cs"/>
+              </a:defRPr>
+            </a:lvl9pPr>
+            <a:extLst/>
+          </a:lstStyle>
+          <a:p>
+            <a:pPr marL="109728" lvl="1" indent="0">
+              <a:spcBef>
+                <a:spcPts val="400"/>
+              </a:spcBef>
+              <a:buSzPct val="68000"/>
+              <a:buNone/>
+            </a:pPr>
+            <a:r>
+              <a:rPr lang="en-US" dirty="0">
+                <a:latin typeface="Calibri" panose="020F0502020204030204" pitchFamily="34" charset="0"/>
+                <a:cs typeface="Calibri" panose="020F0502020204030204" pitchFamily="34" charset="0"/>
+              </a:rPr>
+              <a:t>Naive Bayes Multinomial </a:t>
+            </a:r>
+          </a:p>
+          <a:p>
+            <a:pPr marL="347472" lvl="2" indent="0">
+              <a:spcBef>
+                <a:spcPts val="400"/>
+              </a:spcBef>
+              <a:buSzPct val="68000"/>
+              <a:buNone/>
+            </a:pPr>
+            <a:r>
+              <a:rPr lang="en-US" sz="1600" dirty="0">
+                <a:latin typeface="Calibri" panose="020F0502020204030204" pitchFamily="34" charset="0"/>
+                <a:cs typeface="Calibri" panose="020F0502020204030204" pitchFamily="34" charset="0"/>
+              </a:rPr>
+              <a:t>Removed Stop Words</a:t>
+            </a:r>
+          </a:p>
+          <a:p>
+            <a:pPr marL="347472" lvl="2" indent="0">
+              <a:spcBef>
+                <a:spcPts val="400"/>
+              </a:spcBef>
+              <a:buSzPct val="68000"/>
+              <a:buNone/>
+            </a:pPr>
+            <a:r>
+              <a:rPr lang="en-US" sz="1600" dirty="0">
+                <a:latin typeface="Calibri" panose="020F0502020204030204" pitchFamily="34" charset="0"/>
+                <a:cs typeface="Calibri" panose="020F0502020204030204" pitchFamily="34" charset="0"/>
+              </a:rPr>
+              <a:t>After Grid Search-no adjust</a:t>
+            </a:r>
+          </a:p>
+          <a:p>
+            <a:pPr marL="347472" lvl="2" indent="0">
+              <a:spcBef>
+                <a:spcPts val="400"/>
+              </a:spcBef>
+              <a:buSzPct val="68000"/>
+              <a:buNone/>
+            </a:pPr>
+            <a:r>
+              <a:rPr lang="en-US" sz="1600" dirty="0">
+                <a:latin typeface="Calibri" panose="020F0502020204030204" pitchFamily="34" charset="0"/>
+                <a:cs typeface="Calibri" panose="020F0502020204030204" pitchFamily="34" charset="0"/>
+              </a:rPr>
+              <a:t>Cross-Validation 10 fold</a:t>
+            </a:r>
+          </a:p>
+          <a:p>
+            <a:pPr marL="347472" lvl="2" indent="0">
+              <a:spcBef>
+                <a:spcPts val="400"/>
+              </a:spcBef>
+              <a:buSzPct val="68000"/>
+              <a:buNone/>
+            </a:pPr>
+            <a:r>
+              <a:rPr lang="en-US" sz="1600" dirty="0">
+                <a:latin typeface="Calibri" panose="020F0502020204030204" pitchFamily="34" charset="0"/>
+                <a:cs typeface="Calibri" panose="020F0502020204030204" pitchFamily="34" charset="0"/>
+              </a:rPr>
+              <a:t>After Grid Search – new parameters</a:t>
+            </a:r>
+          </a:p>
+          <a:p>
+            <a:pPr marL="109728" indent="0">
+              <a:buNone/>
+            </a:pPr>
+            <a:r>
+              <a:rPr lang="en-US" sz="2200" dirty="0" smtClean="0">
+                <a:latin typeface="Calibri" panose="020F0502020204030204" pitchFamily="34" charset="0"/>
+                <a:cs typeface="Calibri" panose="020F0502020204030204" pitchFamily="34" charset="0"/>
+              </a:rPr>
+              <a:t>kNeighbors </a:t>
+            </a:r>
+            <a:r>
+              <a:rPr lang="en-US" sz="2200" dirty="0">
+                <a:latin typeface="Calibri" panose="020F0502020204030204" pitchFamily="34" charset="0"/>
+                <a:cs typeface="Calibri" panose="020F0502020204030204" pitchFamily="34" charset="0"/>
+              </a:rPr>
+              <a:t>Classifier (kNN)</a:t>
+            </a:r>
+          </a:p>
+          <a:p>
+            <a:pPr marL="109728" indent="0">
+              <a:buNone/>
+            </a:pPr>
+            <a:r>
+              <a:rPr lang="en-US" sz="2000" dirty="0">
+                <a:latin typeface="Calibri" panose="020F0502020204030204" pitchFamily="34" charset="0"/>
+                <a:cs typeface="Calibri" panose="020F0502020204030204" pitchFamily="34" charset="0"/>
+              </a:rPr>
+              <a:t>	Not able to improve</a:t>
+            </a:r>
+          </a:p>
+          <a:p>
+            <a:pPr marL="109728" indent="0">
+              <a:buNone/>
+            </a:pPr>
+            <a:r>
+              <a:rPr lang="en-US" sz="2200" dirty="0" smtClean="0">
+                <a:latin typeface="Calibri" panose="020F0502020204030204" pitchFamily="34" charset="0"/>
+                <a:cs typeface="Calibri" panose="020F0502020204030204" pitchFamily="34" charset="0"/>
+              </a:rPr>
+              <a:t>SVM </a:t>
+            </a:r>
+            <a:r>
+              <a:rPr lang="en-US" sz="2200" dirty="0">
+                <a:latin typeface="Calibri" panose="020F0502020204030204" pitchFamily="34" charset="0"/>
+                <a:cs typeface="Calibri" panose="020F0502020204030204" pitchFamily="34" charset="0"/>
+              </a:rPr>
+              <a:t>(Support Vector Machine)</a:t>
+            </a:r>
+          </a:p>
+          <a:p>
+            <a:pPr marL="109728" indent="0">
+              <a:buNone/>
+            </a:pPr>
+            <a:r>
+              <a:rPr lang="en-US" sz="2000" dirty="0">
+                <a:latin typeface="Calibri" panose="020F0502020204030204" pitchFamily="34" charset="0"/>
+                <a:cs typeface="Calibri" panose="020F0502020204030204" pitchFamily="34" charset="0"/>
+              </a:rPr>
+              <a:t>	Not able to improve</a:t>
+            </a:r>
+          </a:p>
+          <a:p>
+            <a:pPr marL="109728" indent="0">
+              <a:buNone/>
+            </a:pPr>
+            <a:endParaRPr lang="en-US" sz="1800" dirty="0" smtClean="0">
+              <a:latin typeface="Calibri" panose="020F0502020204030204" pitchFamily="34" charset="0"/>
+              <a:cs typeface="Calibri" panose="020F0502020204030204" pitchFamily="34" charset="0"/>
+            </a:endParaRPr>
+          </a:p>
+          <a:p>
+            <a:pPr marL="109728" indent="0">
+              <a:buNone/>
+            </a:pPr>
+            <a:r>
+              <a:rPr lang="en-US" sz="2200" dirty="0" smtClean="0">
+                <a:latin typeface="Calibri" panose="020F0502020204030204" pitchFamily="34" charset="0"/>
+                <a:cs typeface="Calibri" panose="020F0502020204030204" pitchFamily="34" charset="0"/>
+              </a:rPr>
+              <a:t>Random Forest (Selected)</a:t>
+            </a:r>
+            <a:endParaRPr lang="en-US" sz="2200" dirty="0">
+              <a:latin typeface="Calibri" panose="020F0502020204030204" pitchFamily="34" charset="0"/>
+              <a:cs typeface="Calibri" panose="020F0502020204030204" pitchFamily="34" charset="0"/>
+            </a:endParaRPr>
+          </a:p>
+          <a:p>
+            <a:pPr marL="109728" lvl="1" indent="0">
+              <a:spcBef>
+                <a:spcPts val="400"/>
+              </a:spcBef>
+              <a:buSzPct val="68000"/>
+              <a:buFont typeface="Verdana"/>
+              <a:buNone/>
+            </a:pPr>
+            <a:endParaRPr lang="en-US" sz="2000" dirty="0"/>
+          </a:p>
+        </p:txBody>
+      </p:sp>
+      <p:sp>
+        <p:nvSpPr>
+          <p:cNvPr id="4" name="Content Placeholder 5"/>
+          <p:cNvSpPr txBox="1">
+            <a:spLocks/>
+          </p:cNvSpPr>
+          <p:nvPr/>
+        </p:nvSpPr>
+        <p:spPr>
+          <a:xfrm>
+            <a:off x="4648778" y="1475364"/>
+            <a:ext cx="4041775" cy="3941763"/>
+          </a:xfrm>
+          <a:prstGeom prst="rect">
+            <a:avLst/>
+          </a:prstGeom>
+          <a:ln>
+            <a:solidFill>
+              <a:schemeClr val="accent6">
+                <a:lumMod val="50000"/>
+              </a:schemeClr>
+            </a:solidFill>
+          </a:ln>
+        </p:spPr>
+        <p:txBody>
+          <a:bodyPr>
+            <a:normAutofit fontScale="92500" lnSpcReduction="20000"/>
+          </a:bodyPr>
+          <a:lstStyle>
+            <a:lvl1pPr marL="365760" indent="-256032" algn="l" rtl="0" eaLnBrk="1" latinLnBrk="0" hangingPunct="1">
+              <a:spcBef>
+                <a:spcPts val="400"/>
+              </a:spcBef>
+              <a:spcAft>
+                <a:spcPts val="0"/>
+              </a:spcAft>
+              <a:buClr>
+                <a:schemeClr val="accent1"/>
+              </a:buClr>
+              <a:buSzPct val="68000"/>
+              <a:buFont typeface="Wingdings 3"/>
+              <a:buChar char=""/>
+              <a:defRPr kumimoji="0" sz="2700" kern="1200">
+                <a:solidFill>
+                  <a:schemeClr val="tx1"/>
+                </a:solidFill>
+                <a:latin typeface="+mn-lt"/>
+                <a:ea typeface="+mn-ea"/>
+                <a:cs typeface="+mn-cs"/>
+              </a:defRPr>
+            </a:lvl1pPr>
+            <a:lvl2pPr marL="621792" indent="-228600" algn="l" rtl="0" eaLnBrk="1" latinLnBrk="0" hangingPunct="1">
+              <a:spcBef>
+                <a:spcPts val="324"/>
+              </a:spcBef>
+              <a:buClr>
+                <a:schemeClr val="accent1"/>
+              </a:buClr>
+              <a:buFont typeface="Verdana"/>
+              <a:buChar char="◦"/>
+              <a:defRPr kumimoji="0" sz="2300" kern="1200">
+                <a:solidFill>
+                  <a:schemeClr val="tx1"/>
+                </a:solidFill>
+                <a:latin typeface="+mn-lt"/>
+                <a:ea typeface="+mn-ea"/>
+                <a:cs typeface="+mn-cs"/>
+              </a:defRPr>
+            </a:lvl2pPr>
+            <a:lvl3pPr marL="859536" indent="-228600" algn="l" rtl="0" eaLnBrk="1" latinLnBrk="0" hangingPunct="1">
+              <a:spcBef>
+                <a:spcPts val="350"/>
+              </a:spcBef>
+              <a:buClr>
+                <a:schemeClr val="accent2"/>
+              </a:buClr>
+              <a:buSzPct val="100000"/>
+              <a:buFont typeface="Wingdings 2"/>
+              <a:buChar char=""/>
+              <a:defRPr kumimoji="0" sz="2100" kern="1200">
+                <a:solidFill>
+                  <a:schemeClr val="tx1"/>
+                </a:solidFill>
+                <a:latin typeface="+mn-lt"/>
+                <a:ea typeface="+mn-ea"/>
+                <a:cs typeface="+mn-cs"/>
+              </a:defRPr>
+            </a:lvl3pPr>
+            <a:lvl4pPr marL="1143000" indent="-228600" algn="l" rtl="0" eaLnBrk="1" latinLnBrk="0" hangingPunct="1">
+              <a:spcBef>
+                <a:spcPts val="350"/>
+              </a:spcBef>
+              <a:buClr>
+                <a:schemeClr val="accent2"/>
+              </a:buClr>
+              <a:buFont typeface="Wingdings 2"/>
+              <a:buChar char=""/>
+              <a:defRPr kumimoji="0" sz="1900" kern="1200">
+                <a:solidFill>
+                  <a:schemeClr val="tx1"/>
+                </a:solidFill>
+                <a:latin typeface="+mn-lt"/>
+                <a:ea typeface="+mn-ea"/>
+                <a:cs typeface="+mn-cs"/>
+              </a:defRPr>
+            </a:lvl4pPr>
+            <a:lvl5pPr marL="1371600" indent="-228600" algn="l" rtl="0" eaLnBrk="1" latinLnBrk="0" hangingPunct="1">
+              <a:spcBef>
+                <a:spcPts val="350"/>
+              </a:spcBef>
+              <a:buClr>
+                <a:schemeClr val="accent2"/>
+              </a:buClr>
+              <a:buFont typeface="Wingdings 2"/>
+              <a:buChar char=""/>
+              <a:defRPr kumimoji="0" sz="1800" kern="1200">
+                <a:solidFill>
+                  <a:schemeClr val="tx1"/>
+                </a:solidFill>
+                <a:latin typeface="+mn-lt"/>
+                <a:ea typeface="+mn-ea"/>
+                <a:cs typeface="+mn-cs"/>
+              </a:defRPr>
+            </a:lvl5pPr>
+            <a:lvl6pPr marL="1600200" indent="-228600" algn="l" rtl="0" eaLnBrk="1" latinLnBrk="0" hangingPunct="1">
+              <a:spcBef>
+                <a:spcPts val="350"/>
+              </a:spcBef>
+              <a:buClr>
+                <a:schemeClr val="accent3"/>
+              </a:buClr>
+              <a:buFont typeface="Wingdings 2"/>
+              <a:buChar char=""/>
+              <a:defRPr kumimoji="0" sz="1800" kern="1200">
+                <a:solidFill>
+                  <a:schemeClr val="tx1"/>
+                </a:solidFill>
+                <a:latin typeface="+mn-lt"/>
+                <a:ea typeface="+mn-ea"/>
+                <a:cs typeface="+mn-cs"/>
+              </a:defRPr>
+            </a:lvl6pPr>
+            <a:lvl7pPr marL="1828800" indent="-228600" algn="l" rtl="0" eaLnBrk="1" latinLnBrk="0" hangingPunct="1">
+              <a:spcBef>
+                <a:spcPts val="350"/>
+              </a:spcBef>
+              <a:buClr>
+                <a:schemeClr val="accent3"/>
+              </a:buClr>
+              <a:buFont typeface="Wingdings 2"/>
+              <a:buChar char=""/>
+              <a:defRPr kumimoji="0" sz="1600" kern="1200">
+                <a:solidFill>
+                  <a:schemeClr val="tx1"/>
+                </a:solidFill>
+                <a:latin typeface="+mn-lt"/>
+                <a:ea typeface="+mn-ea"/>
+                <a:cs typeface="+mn-cs"/>
+              </a:defRPr>
+            </a:lvl7pPr>
+            <a:lvl8pPr marL="2057400" indent="-228600" algn="l" rtl="0" eaLnBrk="1" latinLnBrk="0" hangingPunct="1">
+              <a:spcBef>
+                <a:spcPts val="350"/>
+              </a:spcBef>
+              <a:buClr>
+                <a:schemeClr val="accent3"/>
+              </a:buClr>
+              <a:buFont typeface="Wingdings 2"/>
+              <a:buChar char=""/>
+              <a:defRPr kumimoji="0" sz="1600" kern="1200">
+                <a:solidFill>
+                  <a:schemeClr val="tx1"/>
+                </a:solidFill>
+                <a:latin typeface="+mn-lt"/>
+                <a:ea typeface="+mn-ea"/>
+                <a:cs typeface="+mn-cs"/>
+              </a:defRPr>
+            </a:lvl8pPr>
+            <a:lvl9pPr marL="2286000" indent="-228600" algn="l" rtl="0" eaLnBrk="1" latinLnBrk="0" hangingPunct="1">
+              <a:spcBef>
+                <a:spcPts val="350"/>
+              </a:spcBef>
+              <a:buClr>
+                <a:schemeClr val="accent3"/>
+              </a:buClr>
+              <a:buFont typeface="Wingdings 2"/>
+              <a:buChar char=""/>
+              <a:defRPr kumimoji="0" sz="1600" kern="1200" baseline="0">
+                <a:solidFill>
+                  <a:schemeClr val="tx1"/>
+                </a:solidFill>
+                <a:latin typeface="+mn-lt"/>
+                <a:ea typeface="+mn-ea"/>
+                <a:cs typeface="+mn-cs"/>
+              </a:defRPr>
+            </a:lvl9pPr>
+            <a:extLst/>
+          </a:lstStyle>
+          <a:p>
+            <a:pPr marL="109728" indent="0">
+              <a:buNone/>
+            </a:pPr>
+            <a:endParaRPr lang="en-US" sz="2000" dirty="0" smtClean="0">
+              <a:latin typeface="Calibri" panose="020F0502020204030204" pitchFamily="34" charset="0"/>
+              <a:cs typeface="Calibri" panose="020F0502020204030204" pitchFamily="34" charset="0"/>
+            </a:endParaRPr>
+          </a:p>
+          <a:p>
+            <a:pPr marL="109728" indent="0">
+              <a:buNone/>
+            </a:pPr>
+            <a:r>
+              <a:rPr lang="en-US" sz="2100" dirty="0" smtClean="0">
+                <a:latin typeface="Calibri" panose="020F0502020204030204" pitchFamily="34" charset="0"/>
+                <a:cs typeface="Calibri" panose="020F0502020204030204" pitchFamily="34" charset="0"/>
+              </a:rPr>
+              <a:t>0.66462917685411571</a:t>
+            </a:r>
+            <a:endParaRPr lang="en-US" sz="2100" dirty="0">
+              <a:latin typeface="Calibri" panose="020F0502020204030204" pitchFamily="34" charset="0"/>
+              <a:cs typeface="Calibri" panose="020F0502020204030204" pitchFamily="34" charset="0"/>
+            </a:endParaRPr>
+          </a:p>
+          <a:p>
+            <a:pPr marL="109728" indent="0">
+              <a:buNone/>
+            </a:pPr>
+            <a:r>
+              <a:rPr lang="en-US" sz="2100" dirty="0">
+                <a:latin typeface="Calibri" panose="020F0502020204030204" pitchFamily="34" charset="0"/>
+                <a:cs typeface="Calibri" panose="020F0502020204030204" pitchFamily="34" charset="0"/>
+              </a:rPr>
+              <a:t>0.72290138549307248</a:t>
+            </a:r>
+          </a:p>
+          <a:p>
+            <a:pPr marL="109728" indent="0">
+              <a:buNone/>
+            </a:pPr>
+            <a:r>
+              <a:rPr lang="en-US" sz="2100" dirty="0">
+                <a:latin typeface="Calibri" panose="020F0502020204030204" pitchFamily="34" charset="0"/>
+                <a:cs typeface="Calibri" panose="020F0502020204030204" pitchFamily="34" charset="0"/>
+              </a:rPr>
+              <a:t>0.717871168729 </a:t>
+            </a:r>
+            <a:endParaRPr lang="en-US" sz="2100" dirty="0" smtClean="0">
+              <a:latin typeface="Calibri" panose="020F0502020204030204" pitchFamily="34" charset="0"/>
+              <a:cs typeface="Calibri" panose="020F0502020204030204" pitchFamily="34" charset="0"/>
+            </a:endParaRPr>
+          </a:p>
+          <a:p>
+            <a:pPr marL="109728" indent="0">
+              <a:buNone/>
+            </a:pPr>
+            <a:r>
+              <a:rPr lang="en-US" sz="2100" dirty="0" smtClean="0">
+                <a:latin typeface="Calibri" panose="020F0502020204030204" pitchFamily="34" charset="0"/>
+                <a:cs typeface="Calibri" panose="020F0502020204030204" pitchFamily="34" charset="0"/>
+              </a:rPr>
+              <a:t>0.68581907090464544</a:t>
+            </a:r>
+            <a:endParaRPr lang="en-US" sz="2100" dirty="0">
+              <a:latin typeface="Calibri" panose="020F0502020204030204" pitchFamily="34" charset="0"/>
+              <a:cs typeface="Calibri" panose="020F0502020204030204" pitchFamily="34" charset="0"/>
+            </a:endParaRPr>
+          </a:p>
+          <a:p>
+            <a:pPr marL="109728" indent="0">
+              <a:buNone/>
+            </a:pPr>
+            <a:endParaRPr lang="en-US" sz="2000" dirty="0">
+              <a:latin typeface="Calibri" panose="020F0502020204030204" pitchFamily="34" charset="0"/>
+              <a:cs typeface="Calibri" panose="020F0502020204030204" pitchFamily="34" charset="0"/>
+            </a:endParaRPr>
+          </a:p>
+          <a:p>
+            <a:pPr marL="109728" indent="0">
+              <a:buNone/>
+            </a:pPr>
+            <a:endParaRPr lang="en-US" sz="2000" dirty="0" smtClean="0">
+              <a:latin typeface="Calibri" panose="020F0502020204030204" pitchFamily="34" charset="0"/>
+              <a:cs typeface="Calibri" panose="020F0502020204030204" pitchFamily="34" charset="0"/>
+            </a:endParaRPr>
+          </a:p>
+          <a:p>
+            <a:pPr marL="109728" indent="0">
+              <a:buNone/>
+            </a:pPr>
+            <a:r>
+              <a:rPr lang="en-US" sz="2000" dirty="0" smtClean="0">
+                <a:latin typeface="Calibri" panose="020F0502020204030204" pitchFamily="34" charset="0"/>
+                <a:cs typeface="Calibri" panose="020F0502020204030204" pitchFamily="34" charset="0"/>
+              </a:rPr>
+              <a:t>0.68052159739201301</a:t>
+            </a:r>
+            <a:endParaRPr lang="en-US" sz="2000" dirty="0">
+              <a:latin typeface="Calibri" panose="020F0502020204030204" pitchFamily="34" charset="0"/>
+              <a:cs typeface="Calibri" panose="020F0502020204030204" pitchFamily="34" charset="0"/>
+            </a:endParaRPr>
+          </a:p>
+          <a:p>
+            <a:pPr marL="109728" indent="0">
+              <a:buNone/>
+            </a:pPr>
+            <a:endParaRPr lang="en-US" sz="2000" dirty="0">
+              <a:latin typeface="Calibri" panose="020F0502020204030204" pitchFamily="34" charset="0"/>
+              <a:cs typeface="Calibri" panose="020F0502020204030204" pitchFamily="34" charset="0"/>
+            </a:endParaRPr>
+          </a:p>
+          <a:p>
+            <a:pPr marL="109728" indent="0">
+              <a:buNone/>
+            </a:pPr>
+            <a:r>
+              <a:rPr lang="en-US" sz="2000" dirty="0">
+                <a:latin typeface="Calibri" panose="020F0502020204030204" pitchFamily="34" charset="0"/>
+                <a:cs typeface="Calibri" panose="020F0502020204030204" pitchFamily="34" charset="0"/>
+              </a:rPr>
+              <a:t>0.783211083945 </a:t>
+            </a:r>
+          </a:p>
+          <a:p>
+            <a:pPr marL="109728" indent="0">
+              <a:buNone/>
+            </a:pPr>
+            <a:endParaRPr lang="en-US" sz="2000" dirty="0">
+              <a:latin typeface="Calibri" panose="020F0502020204030204" pitchFamily="34" charset="0"/>
+              <a:cs typeface="Calibri" panose="020F0502020204030204" pitchFamily="34" charset="0"/>
+            </a:endParaRPr>
+          </a:p>
+          <a:p>
+            <a:pPr marL="109728" indent="0">
+              <a:buNone/>
+            </a:pPr>
+            <a:endParaRPr lang="en-US" sz="1800" dirty="0" smtClean="0">
+              <a:latin typeface="Calibri" panose="020F0502020204030204" pitchFamily="34" charset="0"/>
+              <a:cs typeface="Calibri" panose="020F0502020204030204" pitchFamily="34" charset="0"/>
+            </a:endParaRPr>
+          </a:p>
+          <a:p>
+            <a:pPr marL="109728" indent="0">
+              <a:buNone/>
+            </a:pPr>
+            <a:r>
+              <a:rPr lang="en-US" sz="1800" dirty="0" smtClean="0">
+                <a:latin typeface="Calibri" panose="020F0502020204030204" pitchFamily="34" charset="0"/>
+                <a:cs typeface="Calibri" panose="020F0502020204030204" pitchFamily="34" charset="0"/>
+              </a:rPr>
+              <a:t>0.94132029339853296</a:t>
+            </a:r>
+            <a:endParaRPr lang="en-US" sz="1800" dirty="0">
+              <a:latin typeface="Calibri" panose="020F0502020204030204" pitchFamily="34" charset="0"/>
+              <a:cs typeface="Calibri" panose="020F0502020204030204" pitchFamily="34" charset="0"/>
+            </a:endParaRPr>
+          </a:p>
+          <a:p>
+            <a:pPr marL="109728" indent="0">
+              <a:buFont typeface="Wingdings 3"/>
+              <a:buNone/>
+            </a:pPr>
+            <a:endParaRPr lang="en-US" sz="2000" dirty="0"/>
+          </a:p>
+        </p:txBody>
+      </p:sp>
+      <p:sp>
+        <p:nvSpPr>
+          <p:cNvPr id="5" name="Text Placeholder 3"/>
+          <p:cNvSpPr txBox="1">
+            <a:spLocks/>
+          </p:cNvSpPr>
+          <p:nvPr/>
+        </p:nvSpPr>
+        <p:spPr>
+          <a:xfrm>
+            <a:off x="4645026" y="5410200"/>
+            <a:ext cx="4041775" cy="762000"/>
+          </a:xfrm>
+          <a:prstGeom prst="rect">
+            <a:avLst/>
+          </a:prstGeom>
+          <a:solidFill>
+            <a:schemeClr val="accent1">
+              <a:lumMod val="60000"/>
+              <a:lumOff val="40000"/>
+            </a:schemeClr>
+          </a:solidFill>
+          <a:ln>
+            <a:solidFill>
+              <a:schemeClr val="accent6">
+                <a:lumMod val="50000"/>
+              </a:schemeClr>
+            </a:solidFill>
+          </a:ln>
+        </p:spPr>
+        <p:txBody>
+          <a:bodyPr/>
+          <a:lstStyle>
+            <a:lvl1pPr marL="365760" indent="-256032" algn="l" rtl="0" eaLnBrk="1" latinLnBrk="0" hangingPunct="1">
+              <a:spcBef>
+                <a:spcPts val="400"/>
+              </a:spcBef>
+              <a:spcAft>
+                <a:spcPts val="0"/>
+              </a:spcAft>
+              <a:buClr>
+                <a:schemeClr val="accent1"/>
+              </a:buClr>
+              <a:buSzPct val="68000"/>
+              <a:buFont typeface="Wingdings 3"/>
+              <a:buChar char=""/>
+              <a:defRPr kumimoji="0" sz="2700" kern="1200">
+                <a:solidFill>
+                  <a:schemeClr val="tx1"/>
+                </a:solidFill>
+                <a:latin typeface="+mn-lt"/>
+                <a:ea typeface="+mn-ea"/>
+                <a:cs typeface="+mn-cs"/>
+              </a:defRPr>
+            </a:lvl1pPr>
+            <a:lvl2pPr marL="621792" indent="-228600" algn="l" rtl="0" eaLnBrk="1" latinLnBrk="0" hangingPunct="1">
+              <a:spcBef>
+                <a:spcPts val="324"/>
+              </a:spcBef>
+              <a:buClr>
+                <a:schemeClr val="accent1"/>
+              </a:buClr>
+              <a:buFont typeface="Verdana"/>
+              <a:buChar char="◦"/>
+              <a:defRPr kumimoji="0" sz="2300" kern="1200">
+                <a:solidFill>
+                  <a:schemeClr val="tx1"/>
+                </a:solidFill>
+                <a:latin typeface="+mn-lt"/>
+                <a:ea typeface="+mn-ea"/>
+                <a:cs typeface="+mn-cs"/>
+              </a:defRPr>
+            </a:lvl2pPr>
+            <a:lvl3pPr marL="859536" indent="-228600" algn="l" rtl="0" eaLnBrk="1" latinLnBrk="0" hangingPunct="1">
+              <a:spcBef>
+                <a:spcPts val="350"/>
+              </a:spcBef>
+              <a:buClr>
+                <a:schemeClr val="accent2"/>
+              </a:buClr>
+              <a:buSzPct val="100000"/>
+              <a:buFont typeface="Wingdings 2"/>
+              <a:buChar char=""/>
+              <a:defRPr kumimoji="0" sz="2100" kern="1200">
+                <a:solidFill>
+                  <a:schemeClr val="tx1"/>
+                </a:solidFill>
+                <a:latin typeface="+mn-lt"/>
+                <a:ea typeface="+mn-ea"/>
+                <a:cs typeface="+mn-cs"/>
+              </a:defRPr>
+            </a:lvl3pPr>
+            <a:lvl4pPr marL="1143000" indent="-228600" algn="l" rtl="0" eaLnBrk="1" latinLnBrk="0" hangingPunct="1">
+              <a:spcBef>
+                <a:spcPts val="350"/>
+              </a:spcBef>
+              <a:buClr>
+                <a:schemeClr val="accent2"/>
+              </a:buClr>
+              <a:buFont typeface="Wingdings 2"/>
+              <a:buChar char=""/>
+              <a:defRPr kumimoji="0" sz="1900" kern="1200">
+                <a:solidFill>
+                  <a:schemeClr val="tx1"/>
+                </a:solidFill>
+                <a:latin typeface="+mn-lt"/>
+                <a:ea typeface="+mn-ea"/>
+                <a:cs typeface="+mn-cs"/>
+              </a:defRPr>
+            </a:lvl4pPr>
+            <a:lvl5pPr marL="1371600" indent="-228600" algn="l" rtl="0" eaLnBrk="1" latinLnBrk="0" hangingPunct="1">
+              <a:spcBef>
+                <a:spcPts val="350"/>
+              </a:spcBef>
+              <a:buClr>
+                <a:schemeClr val="accent2"/>
+              </a:buClr>
+              <a:buFont typeface="Wingdings 2"/>
+              <a:buChar char=""/>
+              <a:defRPr kumimoji="0" sz="1800" kern="1200">
+                <a:solidFill>
+                  <a:schemeClr val="tx1"/>
+                </a:solidFill>
+                <a:latin typeface="+mn-lt"/>
+                <a:ea typeface="+mn-ea"/>
+                <a:cs typeface="+mn-cs"/>
+              </a:defRPr>
+            </a:lvl5pPr>
+            <a:lvl6pPr marL="1600200" indent="-228600" algn="l" rtl="0" eaLnBrk="1" latinLnBrk="0" hangingPunct="1">
+              <a:spcBef>
+                <a:spcPts val="350"/>
+              </a:spcBef>
+              <a:buClr>
+                <a:schemeClr val="accent3"/>
+              </a:buClr>
+              <a:buFont typeface="Wingdings 2"/>
+              <a:buChar char=""/>
+              <a:defRPr kumimoji="0" sz="1800" kern="1200">
+                <a:solidFill>
+                  <a:schemeClr val="tx1"/>
+                </a:solidFill>
+                <a:latin typeface="+mn-lt"/>
+                <a:ea typeface="+mn-ea"/>
+                <a:cs typeface="+mn-cs"/>
+              </a:defRPr>
+            </a:lvl6pPr>
+            <a:lvl7pPr marL="1828800" indent="-228600" algn="l" rtl="0" eaLnBrk="1" latinLnBrk="0" hangingPunct="1">
+              <a:spcBef>
+                <a:spcPts val="350"/>
+              </a:spcBef>
+              <a:buClr>
+                <a:schemeClr val="accent3"/>
+              </a:buClr>
+              <a:buFont typeface="Wingdings 2"/>
+              <a:buChar char=""/>
+              <a:defRPr kumimoji="0" sz="1600" kern="1200">
+                <a:solidFill>
+                  <a:schemeClr val="tx1"/>
+                </a:solidFill>
+                <a:latin typeface="+mn-lt"/>
+                <a:ea typeface="+mn-ea"/>
+                <a:cs typeface="+mn-cs"/>
+              </a:defRPr>
+            </a:lvl7pPr>
+            <a:lvl8pPr marL="2057400" indent="-228600" algn="l" rtl="0" eaLnBrk="1" latinLnBrk="0" hangingPunct="1">
+              <a:spcBef>
+                <a:spcPts val="350"/>
+              </a:spcBef>
+              <a:buClr>
+                <a:schemeClr val="accent3"/>
+              </a:buClr>
+              <a:buFont typeface="Wingdings 2"/>
+              <a:buChar char=""/>
+              <a:defRPr kumimoji="0" sz="1600" kern="1200">
+                <a:solidFill>
+                  <a:schemeClr val="tx1"/>
+                </a:solidFill>
+                <a:latin typeface="+mn-lt"/>
+                <a:ea typeface="+mn-ea"/>
+                <a:cs typeface="+mn-cs"/>
+              </a:defRPr>
+            </a:lvl8pPr>
+            <a:lvl9pPr marL="2286000" indent="-228600" algn="l" rtl="0" eaLnBrk="1" latinLnBrk="0" hangingPunct="1">
+              <a:spcBef>
+                <a:spcPts val="350"/>
+              </a:spcBef>
+              <a:buClr>
+                <a:schemeClr val="accent3"/>
+              </a:buClr>
+              <a:buFont typeface="Wingdings 2"/>
+              <a:buChar char=""/>
+              <a:defRPr kumimoji="0" sz="1600" kern="1200" baseline="0">
+                <a:solidFill>
+                  <a:schemeClr val="tx1"/>
+                </a:solidFill>
+                <a:latin typeface="+mn-lt"/>
+                <a:ea typeface="+mn-ea"/>
+                <a:cs typeface="+mn-cs"/>
+              </a:defRPr>
+            </a:lvl9pPr>
+            <a:extLst/>
+          </a:lstStyle>
+          <a:p>
+            <a:pPr marL="109728" indent="0" algn="ctr">
+              <a:buNone/>
+            </a:pPr>
+            <a:r>
+              <a:rPr lang="en-US" dirty="0" smtClean="0">
+                <a:latin typeface="Calibri" panose="020F0502020204030204" pitchFamily="34" charset="0"/>
+                <a:cs typeface="Calibri" panose="020F0502020204030204" pitchFamily="34" charset="0"/>
+              </a:rPr>
+              <a:t>Overall Accuracy</a:t>
+            </a:r>
+            <a:endParaRPr lang="en-US" dirty="0">
+              <a:latin typeface="Calibri" panose="020F0502020204030204" pitchFamily="34" charset="0"/>
+              <a:cs typeface="Calibri" panose="020F0502020204030204" pitchFamily="34" charset="0"/>
+            </a:endParaRPr>
+          </a:p>
+        </p:txBody>
+      </p:sp>
+      <p:sp>
+        <p:nvSpPr>
+          <p:cNvPr id="6" name="Text Placeholder 6"/>
+          <p:cNvSpPr txBox="1">
+            <a:spLocks/>
+          </p:cNvSpPr>
+          <p:nvPr/>
+        </p:nvSpPr>
+        <p:spPr>
+          <a:xfrm>
+            <a:off x="584055" y="5410200"/>
+            <a:ext cx="4040188" cy="762000"/>
+          </a:xfrm>
+          <a:prstGeom prst="rect">
+            <a:avLst/>
+          </a:prstGeom>
+          <a:solidFill>
+            <a:schemeClr val="accent1">
+              <a:lumMod val="60000"/>
+              <a:lumOff val="40000"/>
+            </a:schemeClr>
+          </a:solidFill>
+          <a:ln>
+            <a:solidFill>
+              <a:schemeClr val="accent6">
+                <a:lumMod val="50000"/>
+              </a:schemeClr>
+            </a:solidFill>
+          </a:ln>
+        </p:spPr>
+        <p:txBody>
+          <a:bodyPr vert="horz">
+            <a:normAutofit/>
+          </a:bodyPr>
+          <a:lstStyle>
+            <a:lvl1pPr marL="365760" indent="-256032" algn="l" rtl="0" eaLnBrk="1" latinLnBrk="0" hangingPunct="1">
+              <a:spcBef>
+                <a:spcPts val="400"/>
+              </a:spcBef>
+              <a:spcAft>
+                <a:spcPts val="0"/>
+              </a:spcAft>
+              <a:buClr>
+                <a:schemeClr val="accent1"/>
+              </a:buClr>
+              <a:buSzPct val="68000"/>
+              <a:buFont typeface="Wingdings 3"/>
+              <a:buChar char=""/>
+              <a:defRPr kumimoji="0" sz="2700" kern="1200">
+                <a:solidFill>
+                  <a:schemeClr val="tx1"/>
+                </a:solidFill>
+                <a:latin typeface="+mn-lt"/>
+                <a:ea typeface="+mn-ea"/>
+                <a:cs typeface="+mn-cs"/>
+              </a:defRPr>
+            </a:lvl1pPr>
+            <a:lvl2pPr marL="621792" indent="-228600" algn="l" rtl="0" eaLnBrk="1" latinLnBrk="0" hangingPunct="1">
+              <a:spcBef>
+                <a:spcPts val="324"/>
+              </a:spcBef>
+              <a:buClr>
+                <a:schemeClr val="accent1"/>
+              </a:buClr>
+              <a:buFont typeface="Verdana"/>
+              <a:buChar char="◦"/>
+              <a:defRPr kumimoji="0" sz="2300" kern="1200">
+                <a:solidFill>
+                  <a:schemeClr val="tx1"/>
+                </a:solidFill>
+                <a:latin typeface="+mn-lt"/>
+                <a:ea typeface="+mn-ea"/>
+                <a:cs typeface="+mn-cs"/>
+              </a:defRPr>
+            </a:lvl2pPr>
+            <a:lvl3pPr marL="859536" indent="-228600" algn="l" rtl="0" eaLnBrk="1" latinLnBrk="0" hangingPunct="1">
+              <a:spcBef>
+                <a:spcPts val="350"/>
+              </a:spcBef>
+              <a:buClr>
+                <a:schemeClr val="accent2"/>
+              </a:buClr>
+              <a:buSzPct val="100000"/>
+              <a:buFont typeface="Wingdings 2"/>
+              <a:buChar char=""/>
+              <a:defRPr kumimoji="0" sz="2100" kern="1200">
+                <a:solidFill>
+                  <a:schemeClr val="tx1"/>
+                </a:solidFill>
+                <a:latin typeface="+mn-lt"/>
+                <a:ea typeface="+mn-ea"/>
+                <a:cs typeface="+mn-cs"/>
+              </a:defRPr>
+            </a:lvl3pPr>
+            <a:lvl4pPr marL="1143000" indent="-228600" algn="l" rtl="0" eaLnBrk="1" latinLnBrk="0" hangingPunct="1">
+              <a:spcBef>
+                <a:spcPts val="350"/>
+              </a:spcBef>
+              <a:buClr>
+                <a:schemeClr val="accent2"/>
+              </a:buClr>
+              <a:buFont typeface="Wingdings 2"/>
+              <a:buChar char=""/>
+              <a:defRPr kumimoji="0" sz="1900" kern="1200">
+                <a:solidFill>
+                  <a:schemeClr val="tx1"/>
+                </a:solidFill>
+                <a:latin typeface="+mn-lt"/>
+                <a:ea typeface="+mn-ea"/>
+                <a:cs typeface="+mn-cs"/>
+              </a:defRPr>
+            </a:lvl4pPr>
+            <a:lvl5pPr marL="1371600" indent="-228600" algn="l" rtl="0" eaLnBrk="1" latinLnBrk="0" hangingPunct="1">
+              <a:spcBef>
+                <a:spcPts val="350"/>
+              </a:spcBef>
+              <a:buClr>
+                <a:schemeClr val="accent2"/>
+              </a:buClr>
+              <a:buFont typeface="Wingdings 2"/>
+              <a:buChar char=""/>
+              <a:defRPr kumimoji="0" sz="1800" kern="1200">
+                <a:solidFill>
+                  <a:schemeClr val="tx1"/>
+                </a:solidFill>
+                <a:latin typeface="+mn-lt"/>
+                <a:ea typeface="+mn-ea"/>
+                <a:cs typeface="+mn-cs"/>
+              </a:defRPr>
+            </a:lvl5pPr>
+            <a:lvl6pPr marL="1600200" indent="-228600" algn="l" rtl="0" eaLnBrk="1" latinLnBrk="0" hangingPunct="1">
+              <a:spcBef>
+                <a:spcPts val="350"/>
+              </a:spcBef>
+              <a:buClr>
+                <a:schemeClr val="accent3"/>
+              </a:buClr>
+              <a:buFont typeface="Wingdings 2"/>
+              <a:buChar char=""/>
+              <a:defRPr kumimoji="0" sz="1800" kern="1200">
+                <a:solidFill>
+                  <a:schemeClr val="tx1"/>
+                </a:solidFill>
+                <a:latin typeface="+mn-lt"/>
+                <a:ea typeface="+mn-ea"/>
+                <a:cs typeface="+mn-cs"/>
+              </a:defRPr>
+            </a:lvl6pPr>
+            <a:lvl7pPr marL="1828800" indent="-228600" algn="l" rtl="0" eaLnBrk="1" latinLnBrk="0" hangingPunct="1">
+              <a:spcBef>
+                <a:spcPts val="350"/>
+              </a:spcBef>
+              <a:buClr>
+                <a:schemeClr val="accent3"/>
+              </a:buClr>
+              <a:buFont typeface="Wingdings 2"/>
+              <a:buChar char=""/>
+              <a:defRPr kumimoji="0" sz="1600" kern="1200">
+                <a:solidFill>
+                  <a:schemeClr val="tx1"/>
+                </a:solidFill>
+                <a:latin typeface="+mn-lt"/>
+                <a:ea typeface="+mn-ea"/>
+                <a:cs typeface="+mn-cs"/>
+              </a:defRPr>
+            </a:lvl7pPr>
+            <a:lvl8pPr marL="2057400" indent="-228600" algn="l" rtl="0" eaLnBrk="1" latinLnBrk="0" hangingPunct="1">
+              <a:spcBef>
+                <a:spcPts val="350"/>
+              </a:spcBef>
+              <a:buClr>
+                <a:schemeClr val="accent3"/>
+              </a:buClr>
+              <a:buFont typeface="Wingdings 2"/>
+              <a:buChar char=""/>
+              <a:defRPr kumimoji="0" sz="1600" kern="1200">
+                <a:solidFill>
+                  <a:schemeClr val="tx1"/>
+                </a:solidFill>
+                <a:latin typeface="+mn-lt"/>
+                <a:ea typeface="+mn-ea"/>
+                <a:cs typeface="+mn-cs"/>
+              </a:defRPr>
+            </a:lvl8pPr>
+            <a:lvl9pPr marL="2286000" indent="-228600" algn="l" rtl="0" eaLnBrk="1" latinLnBrk="0" hangingPunct="1">
+              <a:spcBef>
+                <a:spcPts val="350"/>
+              </a:spcBef>
+              <a:buClr>
+                <a:schemeClr val="accent3"/>
+              </a:buClr>
+              <a:buFont typeface="Wingdings 2"/>
+              <a:buChar char=""/>
+              <a:defRPr kumimoji="0" sz="1600" kern="1200" baseline="0">
+                <a:solidFill>
+                  <a:schemeClr val="tx1"/>
+                </a:solidFill>
+                <a:latin typeface="+mn-lt"/>
+                <a:ea typeface="+mn-ea"/>
+                <a:cs typeface="+mn-cs"/>
+              </a:defRPr>
+            </a:lvl9pPr>
+            <a:extLst/>
+          </a:lstStyle>
+          <a:p>
+            <a:pPr marL="109728" indent="0" algn="ctr">
+              <a:buNone/>
+            </a:pPr>
+            <a:r>
+              <a:rPr lang="en-US" dirty="0" smtClean="0">
+                <a:latin typeface="Calibri" panose="020F0502020204030204" pitchFamily="34" charset="0"/>
+                <a:cs typeface="Calibri" panose="020F0502020204030204" pitchFamily="34" charset="0"/>
+              </a:rPr>
+              <a:t>Models</a:t>
+            </a:r>
+            <a:endParaRPr lang="en-US" dirty="0">
+              <a:latin typeface="Calibri" panose="020F0502020204030204" pitchFamily="34" charset="0"/>
+              <a:cs typeface="Calibri" panose="020F0502020204030204" pitchFamily="34" charset="0"/>
+            </a:endParaRPr>
+          </a:p>
+        </p:txBody>
+      </p:sp>
+    </p:spTree>
+    <p:extLst>
+      <p:ext uri="{BB962C8B-B14F-4D97-AF65-F5344CB8AC3E}">
+        <p14:creationId xmlns:p14="http://schemas.microsoft.com/office/powerpoint/2010/main" val="1319404907"/>
       </p:ext>
     </p:extLst>
   </p:cSld>
@@ -8105,6 +13251,2000 @@
     <p:extLst>
       <p:ext uri="{BB962C8B-B14F-4D97-AF65-F5344CB8AC3E}">
         <p14:creationId xmlns:p14="http://schemas.microsoft.com/office/powerpoint/2010/main" val="388563059"/>
+      </p:ext>
+    </p:extLst>
+  </p:cSld>
+  <p:clrMapOvr>
+    <a:masterClrMapping/>
+  </p:clrMapOvr>
+</p:sld>
+</file>
+
+<file path=ppt/slides/slide30.xml><?xml version="1.0" encoding="utf-8"?>
+<p:sld xmlns:a="http://schemas.openxmlformats.org/drawingml/2006/main" xmlns:r="http://schemas.openxmlformats.org/officeDocument/2006/relationships" xmlns:p="http://schemas.openxmlformats.org/presentationml/2006/main">
+  <p:cSld>
+    <p:spTree>
+      <p:nvGrpSpPr>
+        <p:cNvPr id="1" name=""/>
+        <p:cNvGrpSpPr/>
+        <p:nvPr/>
+      </p:nvGrpSpPr>
+      <p:grpSpPr>
+        <a:xfrm>
+          <a:off x="0" y="0"/>
+          <a:ext cx="0" cy="0"/>
+          <a:chOff x="0" y="0"/>
+          <a:chExt cx="0" cy="0"/>
+        </a:xfrm>
+      </p:grpSpPr>
+      <p:sp>
+        <p:nvSpPr>
+          <p:cNvPr id="2" name="Content Placeholder 1"/>
+          <p:cNvSpPr>
+            <a:spLocks noGrp="1"/>
+          </p:cNvSpPr>
+          <p:nvPr>
+            <p:ph idx="1"/>
+          </p:nvPr>
+        </p:nvSpPr>
+        <p:spPr>
+          <a:xfrm>
+            <a:off x="457200" y="381000"/>
+            <a:ext cx="8229600" cy="6172200"/>
+          </a:xfrm>
+        </p:spPr>
+        <p:txBody>
+          <a:bodyPr>
+            <a:normAutofit/>
+          </a:bodyPr>
+          <a:lstStyle/>
+          <a:p>
+            <a:pPr marL="109728" indent="0">
+              <a:buNone/>
+            </a:pPr>
+            <a:r>
+              <a:rPr lang="en-US" sz="2400" dirty="0">
+                <a:latin typeface="Calibri" panose="020F0502020204030204" pitchFamily="34" charset="0"/>
+                <a:cs typeface="Calibri" panose="020F0502020204030204" pitchFamily="34" charset="0"/>
+              </a:rPr>
+              <a:t>Model Building and Evaluation -Supervised Classification </a:t>
+            </a:r>
+          </a:p>
+          <a:p>
+            <a:pPr marL="109728" indent="0" algn="ctr">
+              <a:buNone/>
+            </a:pPr>
+            <a:r>
+              <a:rPr lang="en-US" sz="2400" dirty="0">
+                <a:latin typeface="Calibri" panose="020F0502020204030204" pitchFamily="34" charset="0"/>
+                <a:cs typeface="Calibri" panose="020F0502020204030204" pitchFamily="34" charset="0"/>
+              </a:rPr>
+              <a:t>(non-text features) Breach </a:t>
+            </a:r>
+            <a:r>
+              <a:rPr lang="en-US" sz="2400" dirty="0" smtClean="0">
+                <a:latin typeface="Calibri" panose="020F0502020204030204" pitchFamily="34" charset="0"/>
+                <a:cs typeface="Calibri" panose="020F0502020204030204" pitchFamily="34" charset="0"/>
+              </a:rPr>
+              <a:t>Types</a:t>
+            </a:r>
+          </a:p>
+          <a:p>
+            <a:pPr marL="109728" indent="0">
+              <a:buNone/>
+            </a:pPr>
+            <a:r>
+              <a:rPr lang="en-US" sz="2000" dirty="0">
+                <a:latin typeface="Calibri" panose="020F0502020204030204" pitchFamily="34" charset="0"/>
+                <a:cs typeface="Calibri" panose="020F0502020204030204" pitchFamily="34" charset="0"/>
+              </a:rPr>
+              <a:t>This is a multi-class classification </a:t>
+            </a:r>
+          </a:p>
+          <a:p>
+            <a:r>
+              <a:rPr lang="en-US" sz="2000" dirty="0">
+                <a:latin typeface="Calibri" panose="020F0502020204030204" pitchFamily="34" charset="0"/>
+                <a:cs typeface="Calibri" panose="020F0502020204030204" pitchFamily="34" charset="0"/>
+              </a:rPr>
+              <a:t>Data Preparation (Remove stop words and unimportant columns)</a:t>
+            </a:r>
+          </a:p>
+          <a:p>
+            <a:endParaRPr lang="en-US" sz="2000" dirty="0" smtClean="0">
+              <a:latin typeface="Calibri" panose="020F0502020204030204" pitchFamily="34" charset="0"/>
+              <a:cs typeface="Calibri" panose="020F0502020204030204" pitchFamily="34" charset="0"/>
+            </a:endParaRPr>
+          </a:p>
+          <a:p>
+            <a:r>
+              <a:rPr lang="en-US" sz="2000" dirty="0" smtClean="0">
+                <a:latin typeface="Calibri" panose="020F0502020204030204" pitchFamily="34" charset="0"/>
+                <a:cs typeface="Calibri" panose="020F0502020204030204" pitchFamily="34" charset="0"/>
+              </a:rPr>
+              <a:t>Model </a:t>
+            </a:r>
+            <a:r>
+              <a:rPr lang="en-US" sz="2000" dirty="0">
+                <a:latin typeface="Calibri" panose="020F0502020204030204" pitchFamily="34" charset="0"/>
+                <a:cs typeface="Calibri" panose="020F0502020204030204" pitchFamily="34" charset="0"/>
+              </a:rPr>
+              <a:t>building </a:t>
+            </a:r>
+          </a:p>
+          <a:p>
+            <a:pPr lvl="1"/>
+            <a:r>
+              <a:rPr lang="en-US" sz="2000" dirty="0">
+                <a:latin typeface="Calibri" panose="020F0502020204030204" pitchFamily="34" charset="0"/>
+                <a:cs typeface="Calibri" panose="020F0502020204030204" pitchFamily="34" charset="0"/>
+              </a:rPr>
+              <a:t>Decision Tree Model (Observation - </a:t>
+            </a:r>
+            <a:r>
+              <a:rPr lang="en-US" sz="2000" dirty="0" smtClean="0">
+                <a:latin typeface="Calibri" panose="020F0502020204030204" pitchFamily="34" charset="0"/>
+                <a:cs typeface="Calibri" panose="020F0502020204030204" pitchFamily="34" charset="0"/>
+              </a:rPr>
+              <a:t>Adjusting </a:t>
+            </a:r>
+            <a:r>
+              <a:rPr lang="en-US" sz="2000" dirty="0">
+                <a:latin typeface="Calibri" panose="020F0502020204030204" pitchFamily="34" charset="0"/>
+                <a:cs typeface="Calibri" panose="020F0502020204030204" pitchFamily="34" charset="0"/>
+              </a:rPr>
+              <a:t>the max depth to 6 and min samples to 45, improved accuracy of model)</a:t>
+            </a:r>
+          </a:p>
+          <a:p>
+            <a:pPr lvl="1"/>
+            <a:r>
+              <a:rPr lang="en-US" sz="2000" dirty="0">
+                <a:latin typeface="Calibri" panose="020F0502020204030204" pitchFamily="34" charset="0"/>
+                <a:cs typeface="Calibri" panose="020F0502020204030204" pitchFamily="34" charset="0"/>
+              </a:rPr>
+              <a:t>K-nearest Neighbors (knn) Using Grid </a:t>
+            </a:r>
+            <a:r>
+              <a:rPr lang="en-US" sz="2000" dirty="0" smtClean="0">
+                <a:latin typeface="Calibri" panose="020F0502020204030204" pitchFamily="34" charset="0"/>
+                <a:cs typeface="Calibri" panose="020F0502020204030204" pitchFamily="34" charset="0"/>
+              </a:rPr>
+              <a:t>Search</a:t>
+            </a:r>
+          </a:p>
+          <a:p>
+            <a:pPr marL="649224" lvl="3" indent="-256032">
+              <a:spcBef>
+                <a:spcPts val="400"/>
+              </a:spcBef>
+              <a:buClr>
+                <a:schemeClr val="accent1"/>
+              </a:buClr>
+              <a:buSzPct val="68000"/>
+              <a:buFont typeface="Wingdings 3"/>
+              <a:buChar char=""/>
+            </a:pPr>
+            <a:r>
+              <a:rPr lang="en-US" sz="1800" dirty="0" smtClean="0">
+                <a:latin typeface="Calibri" panose="020F0502020204030204" pitchFamily="34" charset="0"/>
+                <a:cs typeface="Calibri" panose="020F0502020204030204" pitchFamily="34" charset="0"/>
+              </a:rPr>
+              <a:t>Random Forest</a:t>
+            </a:r>
+          </a:p>
+          <a:p>
+            <a:pPr marL="365760" lvl="2" indent="-256032">
+              <a:spcBef>
+                <a:spcPts val="400"/>
+              </a:spcBef>
+              <a:buClr>
+                <a:schemeClr val="accent1"/>
+              </a:buClr>
+              <a:buSzPct val="68000"/>
+              <a:buFont typeface="Wingdings 3"/>
+              <a:buChar char=""/>
+            </a:pPr>
+            <a:endParaRPr lang="en-US" sz="2000" dirty="0">
+              <a:latin typeface="Calibri" panose="020F0502020204030204" pitchFamily="34" charset="0"/>
+              <a:cs typeface="Calibri" panose="020F0502020204030204" pitchFamily="34" charset="0"/>
+            </a:endParaRPr>
+          </a:p>
+          <a:p>
+            <a:pPr marL="365760" lvl="2" indent="-256032">
+              <a:spcBef>
+                <a:spcPts val="400"/>
+              </a:spcBef>
+              <a:buClr>
+                <a:schemeClr val="accent1"/>
+              </a:buClr>
+              <a:buSzPct val="68000"/>
+              <a:buFont typeface="Wingdings 3"/>
+              <a:buChar char=""/>
+            </a:pPr>
+            <a:r>
+              <a:rPr lang="en-US" sz="2000" dirty="0" smtClean="0">
+                <a:latin typeface="Calibri" panose="020F0502020204030204" pitchFamily="34" charset="0"/>
+                <a:cs typeface="Calibri" panose="020F0502020204030204" pitchFamily="34" charset="0"/>
+              </a:rPr>
+              <a:t>Split </a:t>
+            </a:r>
+            <a:r>
+              <a:rPr lang="en-US" sz="2000" dirty="0">
+                <a:latin typeface="Calibri" panose="020F0502020204030204" pitchFamily="34" charset="0"/>
+                <a:cs typeface="Calibri" panose="020F0502020204030204" pitchFamily="34" charset="0"/>
+              </a:rPr>
+              <a:t>Validation </a:t>
+            </a:r>
+            <a:r>
+              <a:rPr lang="en-US" sz="2000" dirty="0" smtClean="0">
+                <a:latin typeface="Calibri" panose="020F0502020204030204" pitchFamily="34" charset="0"/>
+                <a:cs typeface="Calibri" panose="020F0502020204030204" pitchFamily="34" charset="0"/>
+              </a:rPr>
+              <a:t>30/70</a:t>
+            </a:r>
+          </a:p>
+          <a:p>
+            <a:pPr marL="365760" lvl="2" indent="-256032">
+              <a:spcBef>
+                <a:spcPts val="400"/>
+              </a:spcBef>
+              <a:buClr>
+                <a:schemeClr val="accent1"/>
+              </a:buClr>
+              <a:buSzPct val="68000"/>
+              <a:buFont typeface="Wingdings 3"/>
+              <a:buChar char=""/>
+            </a:pPr>
+            <a:endParaRPr lang="en-US" sz="2000" dirty="0">
+              <a:latin typeface="Calibri" panose="020F0502020204030204" pitchFamily="34" charset="0"/>
+              <a:cs typeface="Calibri" panose="020F0502020204030204" pitchFamily="34" charset="0"/>
+            </a:endParaRPr>
+          </a:p>
+          <a:p>
+            <a:pPr marL="365760" lvl="2" indent="-256032">
+              <a:spcBef>
+                <a:spcPts val="400"/>
+              </a:spcBef>
+              <a:buClr>
+                <a:schemeClr val="accent1"/>
+              </a:buClr>
+              <a:buSzPct val="68000"/>
+              <a:buFont typeface="Wingdings 3"/>
+              <a:buChar char=""/>
+            </a:pPr>
+            <a:r>
+              <a:rPr lang="en-US" sz="2000" dirty="0" smtClean="0">
+                <a:latin typeface="Calibri" panose="020F0502020204030204" pitchFamily="34" charset="0"/>
+                <a:cs typeface="Calibri" panose="020F0502020204030204" pitchFamily="34" charset="0"/>
+              </a:rPr>
+              <a:t>Model Evaluation</a:t>
+            </a:r>
+            <a:endParaRPr lang="en-US" sz="2000" dirty="0">
+              <a:latin typeface="Calibri" panose="020F0502020204030204" pitchFamily="34" charset="0"/>
+              <a:cs typeface="Calibri" panose="020F0502020204030204" pitchFamily="34" charset="0"/>
+            </a:endParaRPr>
+          </a:p>
+          <a:p>
+            <a:pPr marL="690372" lvl="2" indent="-342900">
+              <a:spcBef>
+                <a:spcPts val="400"/>
+              </a:spcBef>
+              <a:buSzPct val="68000"/>
+            </a:pPr>
+            <a:r>
+              <a:rPr lang="en-US" sz="1800" dirty="0">
+                <a:latin typeface="Calibri" panose="020F0502020204030204" pitchFamily="34" charset="0"/>
+                <a:cs typeface="Calibri" panose="020F0502020204030204" pitchFamily="34" charset="0"/>
+              </a:rPr>
+              <a:t>Cross Evaluation</a:t>
+            </a:r>
+          </a:p>
+          <a:p>
+            <a:pPr marL="109728" indent="0">
+              <a:buNone/>
+            </a:pPr>
+            <a:endParaRPr lang="en-US" sz="2400" dirty="0">
+              <a:latin typeface="Calibri" panose="020F0502020204030204" pitchFamily="34" charset="0"/>
+              <a:cs typeface="Calibri" panose="020F0502020204030204" pitchFamily="34" charset="0"/>
+            </a:endParaRPr>
+          </a:p>
+          <a:p>
+            <a:pPr marL="109728" indent="0" algn="ctr">
+              <a:buNone/>
+            </a:pPr>
+            <a:endParaRPr lang="en-US" sz="2400" dirty="0">
+              <a:latin typeface="Calibri" panose="020F0502020204030204" pitchFamily="34" charset="0"/>
+              <a:cs typeface="Calibri" panose="020F0502020204030204" pitchFamily="34" charset="0"/>
+            </a:endParaRPr>
+          </a:p>
+          <a:p>
+            <a:pPr marL="109728" indent="0">
+              <a:buNone/>
+            </a:pPr>
+            <a:endParaRPr lang="en-US" sz="2400" dirty="0" smtClean="0">
+              <a:latin typeface="Calibri" panose="020F0502020204030204" pitchFamily="34" charset="0"/>
+              <a:cs typeface="Calibri" panose="020F0502020204030204" pitchFamily="34" charset="0"/>
+            </a:endParaRPr>
+          </a:p>
+        </p:txBody>
+      </p:sp>
+      <p:sp>
+        <p:nvSpPr>
+          <p:cNvPr id="5" name="Content Placeholder 1"/>
+          <p:cNvSpPr txBox="1">
+            <a:spLocks/>
+          </p:cNvSpPr>
+          <p:nvPr/>
+        </p:nvSpPr>
+        <p:spPr>
+          <a:xfrm>
+            <a:off x="457200" y="1481328"/>
+            <a:ext cx="8229600" cy="4525963"/>
+          </a:xfrm>
+          <a:prstGeom prst="rect">
+            <a:avLst/>
+          </a:prstGeom>
+        </p:spPr>
+        <p:txBody>
+          <a:bodyPr vert="horz">
+            <a:normAutofit/>
+          </a:bodyPr>
+          <a:lstStyle>
+            <a:lvl1pPr marL="365760" indent="-256032" algn="l" rtl="0" eaLnBrk="1" latinLnBrk="0" hangingPunct="1">
+              <a:spcBef>
+                <a:spcPts val="400"/>
+              </a:spcBef>
+              <a:spcAft>
+                <a:spcPts val="0"/>
+              </a:spcAft>
+              <a:buClr>
+                <a:schemeClr val="accent1"/>
+              </a:buClr>
+              <a:buSzPct val="68000"/>
+              <a:buFont typeface="Wingdings 3"/>
+              <a:buChar char=""/>
+              <a:defRPr kumimoji="0" sz="2700" kern="1200">
+                <a:solidFill>
+                  <a:schemeClr val="tx1"/>
+                </a:solidFill>
+                <a:latin typeface="+mn-lt"/>
+                <a:ea typeface="+mn-ea"/>
+                <a:cs typeface="+mn-cs"/>
+              </a:defRPr>
+            </a:lvl1pPr>
+            <a:lvl2pPr marL="621792" indent="-228600" algn="l" rtl="0" eaLnBrk="1" latinLnBrk="0" hangingPunct="1">
+              <a:spcBef>
+                <a:spcPts val="324"/>
+              </a:spcBef>
+              <a:buClr>
+                <a:schemeClr val="accent1"/>
+              </a:buClr>
+              <a:buFont typeface="Verdana"/>
+              <a:buChar char="◦"/>
+              <a:defRPr kumimoji="0" sz="2300" kern="1200">
+                <a:solidFill>
+                  <a:schemeClr val="tx1"/>
+                </a:solidFill>
+                <a:latin typeface="+mn-lt"/>
+                <a:ea typeface="+mn-ea"/>
+                <a:cs typeface="+mn-cs"/>
+              </a:defRPr>
+            </a:lvl2pPr>
+            <a:lvl3pPr marL="859536" indent="-228600" algn="l" rtl="0" eaLnBrk="1" latinLnBrk="0" hangingPunct="1">
+              <a:spcBef>
+                <a:spcPts val="350"/>
+              </a:spcBef>
+              <a:buClr>
+                <a:schemeClr val="accent2"/>
+              </a:buClr>
+              <a:buSzPct val="100000"/>
+              <a:buFont typeface="Wingdings 2"/>
+              <a:buChar char=""/>
+              <a:defRPr kumimoji="0" sz="2100" kern="1200">
+                <a:solidFill>
+                  <a:schemeClr val="tx1"/>
+                </a:solidFill>
+                <a:latin typeface="+mn-lt"/>
+                <a:ea typeface="+mn-ea"/>
+                <a:cs typeface="+mn-cs"/>
+              </a:defRPr>
+            </a:lvl3pPr>
+            <a:lvl4pPr marL="1143000" indent="-228600" algn="l" rtl="0" eaLnBrk="1" latinLnBrk="0" hangingPunct="1">
+              <a:spcBef>
+                <a:spcPts val="350"/>
+              </a:spcBef>
+              <a:buClr>
+                <a:schemeClr val="accent2"/>
+              </a:buClr>
+              <a:buFont typeface="Wingdings 2"/>
+              <a:buChar char=""/>
+              <a:defRPr kumimoji="0" sz="1900" kern="1200">
+                <a:solidFill>
+                  <a:schemeClr val="tx1"/>
+                </a:solidFill>
+                <a:latin typeface="+mn-lt"/>
+                <a:ea typeface="+mn-ea"/>
+                <a:cs typeface="+mn-cs"/>
+              </a:defRPr>
+            </a:lvl4pPr>
+            <a:lvl5pPr marL="1371600" indent="-228600" algn="l" rtl="0" eaLnBrk="1" latinLnBrk="0" hangingPunct="1">
+              <a:spcBef>
+                <a:spcPts val="350"/>
+              </a:spcBef>
+              <a:buClr>
+                <a:schemeClr val="accent2"/>
+              </a:buClr>
+              <a:buFont typeface="Wingdings 2"/>
+              <a:buChar char=""/>
+              <a:defRPr kumimoji="0" sz="1800" kern="1200">
+                <a:solidFill>
+                  <a:schemeClr val="tx1"/>
+                </a:solidFill>
+                <a:latin typeface="+mn-lt"/>
+                <a:ea typeface="+mn-ea"/>
+                <a:cs typeface="+mn-cs"/>
+              </a:defRPr>
+            </a:lvl5pPr>
+            <a:lvl6pPr marL="1600200" indent="-228600" algn="l" rtl="0" eaLnBrk="1" latinLnBrk="0" hangingPunct="1">
+              <a:spcBef>
+                <a:spcPts val="350"/>
+              </a:spcBef>
+              <a:buClr>
+                <a:schemeClr val="accent3"/>
+              </a:buClr>
+              <a:buFont typeface="Wingdings 2"/>
+              <a:buChar char=""/>
+              <a:defRPr kumimoji="0" sz="1800" kern="1200">
+                <a:solidFill>
+                  <a:schemeClr val="tx1"/>
+                </a:solidFill>
+                <a:latin typeface="+mn-lt"/>
+                <a:ea typeface="+mn-ea"/>
+                <a:cs typeface="+mn-cs"/>
+              </a:defRPr>
+            </a:lvl6pPr>
+            <a:lvl7pPr marL="1828800" indent="-228600" algn="l" rtl="0" eaLnBrk="1" latinLnBrk="0" hangingPunct="1">
+              <a:spcBef>
+                <a:spcPts val="350"/>
+              </a:spcBef>
+              <a:buClr>
+                <a:schemeClr val="accent3"/>
+              </a:buClr>
+              <a:buFont typeface="Wingdings 2"/>
+              <a:buChar char=""/>
+              <a:defRPr kumimoji="0" sz="1600" kern="1200">
+                <a:solidFill>
+                  <a:schemeClr val="tx1"/>
+                </a:solidFill>
+                <a:latin typeface="+mn-lt"/>
+                <a:ea typeface="+mn-ea"/>
+                <a:cs typeface="+mn-cs"/>
+              </a:defRPr>
+            </a:lvl7pPr>
+            <a:lvl8pPr marL="2057400" indent="-228600" algn="l" rtl="0" eaLnBrk="1" latinLnBrk="0" hangingPunct="1">
+              <a:spcBef>
+                <a:spcPts val="350"/>
+              </a:spcBef>
+              <a:buClr>
+                <a:schemeClr val="accent3"/>
+              </a:buClr>
+              <a:buFont typeface="Wingdings 2"/>
+              <a:buChar char=""/>
+              <a:defRPr kumimoji="0" sz="1600" kern="1200">
+                <a:solidFill>
+                  <a:schemeClr val="tx1"/>
+                </a:solidFill>
+                <a:latin typeface="+mn-lt"/>
+                <a:ea typeface="+mn-ea"/>
+                <a:cs typeface="+mn-cs"/>
+              </a:defRPr>
+            </a:lvl8pPr>
+            <a:lvl9pPr marL="2286000" indent="-228600" algn="l" rtl="0" eaLnBrk="1" latinLnBrk="0" hangingPunct="1">
+              <a:spcBef>
+                <a:spcPts val="350"/>
+              </a:spcBef>
+              <a:buClr>
+                <a:schemeClr val="accent3"/>
+              </a:buClr>
+              <a:buFont typeface="Wingdings 2"/>
+              <a:buChar char=""/>
+              <a:defRPr kumimoji="0" sz="1600" kern="1200" baseline="0">
+                <a:solidFill>
+                  <a:schemeClr val="tx1"/>
+                </a:solidFill>
+                <a:latin typeface="+mn-lt"/>
+                <a:ea typeface="+mn-ea"/>
+                <a:cs typeface="+mn-cs"/>
+              </a:defRPr>
+            </a:lvl9pPr>
+            <a:extLst/>
+          </a:lstStyle>
+          <a:p>
+            <a:pPr marL="109728" indent="0">
+              <a:buNone/>
+            </a:pPr>
+            <a:endParaRPr lang="en-US" sz="2000" dirty="0" smtClean="0">
+              <a:latin typeface="Calibri" panose="020F0502020204030204" pitchFamily="34" charset="0"/>
+              <a:cs typeface="Calibri" panose="020F0502020204030204" pitchFamily="34" charset="0"/>
+            </a:endParaRPr>
+          </a:p>
+        </p:txBody>
+      </p:sp>
+    </p:spTree>
+    <p:extLst>
+      <p:ext uri="{BB962C8B-B14F-4D97-AF65-F5344CB8AC3E}">
+        <p14:creationId xmlns:p14="http://schemas.microsoft.com/office/powerpoint/2010/main" val="2764972290"/>
+      </p:ext>
+    </p:extLst>
+  </p:cSld>
+  <p:clrMapOvr>
+    <a:masterClrMapping/>
+  </p:clrMapOvr>
+</p:sld>
+</file>
+
+<file path=ppt/slides/slide31.xml><?xml version="1.0" encoding="utf-8"?>
+<p:sld xmlns:a="http://schemas.openxmlformats.org/drawingml/2006/main" xmlns:r="http://schemas.openxmlformats.org/officeDocument/2006/relationships" xmlns:p="http://schemas.openxmlformats.org/presentationml/2006/main">
+  <p:cSld>
+    <p:spTree>
+      <p:nvGrpSpPr>
+        <p:cNvPr id="1" name=""/>
+        <p:cNvGrpSpPr/>
+        <p:nvPr/>
+      </p:nvGrpSpPr>
+      <p:grpSpPr>
+        <a:xfrm>
+          <a:off x="0" y="0"/>
+          <a:ext cx="0" cy="0"/>
+          <a:chOff x="0" y="0"/>
+          <a:chExt cx="0" cy="0"/>
+        </a:xfrm>
+      </p:grpSpPr>
+      <p:sp>
+        <p:nvSpPr>
+          <p:cNvPr id="2" name="Content Placeholder 1"/>
+          <p:cNvSpPr>
+            <a:spLocks noGrp="1"/>
+          </p:cNvSpPr>
+          <p:nvPr>
+            <p:ph idx="1"/>
+          </p:nvPr>
+        </p:nvSpPr>
+        <p:spPr>
+          <a:xfrm>
+            <a:off x="457200" y="381000"/>
+            <a:ext cx="8229600" cy="6172200"/>
+          </a:xfrm>
+        </p:spPr>
+        <p:txBody>
+          <a:bodyPr>
+            <a:normAutofit/>
+          </a:bodyPr>
+          <a:lstStyle/>
+          <a:p>
+            <a:pPr marL="109728" indent="0" algn="ctr">
+              <a:buNone/>
+            </a:pPr>
+            <a:r>
+              <a:rPr lang="en-US" sz="1800" dirty="0">
+                <a:latin typeface="Calibri" panose="020F0502020204030204" pitchFamily="34" charset="0"/>
+                <a:cs typeface="Calibri" panose="020F0502020204030204" pitchFamily="34" charset="0"/>
+              </a:rPr>
+              <a:t>Model Building and Evaluation -Supervised Classification </a:t>
+            </a:r>
+          </a:p>
+          <a:p>
+            <a:pPr marL="109728" indent="0" algn="ctr">
+              <a:buNone/>
+            </a:pPr>
+            <a:r>
+              <a:rPr lang="en-US" sz="1800" dirty="0">
+                <a:latin typeface="Calibri" panose="020F0502020204030204" pitchFamily="34" charset="0"/>
+                <a:cs typeface="Calibri" panose="020F0502020204030204" pitchFamily="34" charset="0"/>
+              </a:rPr>
+              <a:t>(non-text </a:t>
+            </a:r>
+            <a:r>
+              <a:rPr lang="en-US" sz="1800" dirty="0" smtClean="0">
+                <a:latin typeface="Calibri" panose="020F0502020204030204" pitchFamily="34" charset="0"/>
+                <a:cs typeface="Calibri" panose="020F0502020204030204" pitchFamily="34" charset="0"/>
+              </a:rPr>
+              <a:t>) </a:t>
+            </a:r>
+            <a:r>
+              <a:rPr lang="en-US" sz="1800" dirty="0">
+                <a:latin typeface="Calibri" panose="020F0502020204030204" pitchFamily="34" charset="0"/>
+                <a:cs typeface="Calibri" panose="020F0502020204030204" pitchFamily="34" charset="0"/>
+              </a:rPr>
+              <a:t>Breach </a:t>
+            </a:r>
+            <a:r>
+              <a:rPr lang="en-US" sz="1800" dirty="0" smtClean="0">
+                <a:latin typeface="Calibri" panose="020F0502020204030204" pitchFamily="34" charset="0"/>
+                <a:cs typeface="Calibri" panose="020F0502020204030204" pitchFamily="34" charset="0"/>
+              </a:rPr>
+              <a:t>Types - Correlation </a:t>
+            </a:r>
+            <a:r>
+              <a:rPr lang="en-US" sz="1800" dirty="0">
+                <a:latin typeface="Calibri" panose="020F0502020204030204" pitchFamily="34" charset="0"/>
+                <a:cs typeface="Calibri" panose="020F0502020204030204" pitchFamily="34" charset="0"/>
+              </a:rPr>
+              <a:t>with Other features</a:t>
+            </a:r>
+            <a:endParaRPr lang="en-US" sz="1800" dirty="0" smtClean="0">
+              <a:latin typeface="Calibri" panose="020F0502020204030204" pitchFamily="34" charset="0"/>
+              <a:cs typeface="Calibri" panose="020F0502020204030204" pitchFamily="34" charset="0"/>
+            </a:endParaRPr>
+          </a:p>
+          <a:p>
+            <a:pPr marL="109728" indent="0" algn="ctr">
+              <a:buNone/>
+            </a:pPr>
+            <a:endParaRPr lang="en-US" sz="2400" dirty="0">
+              <a:latin typeface="Calibri" panose="020F0502020204030204" pitchFamily="34" charset="0"/>
+              <a:cs typeface="Calibri" panose="020F0502020204030204" pitchFamily="34" charset="0"/>
+            </a:endParaRPr>
+          </a:p>
+          <a:p>
+            <a:pPr marL="109728" indent="0">
+              <a:buNone/>
+            </a:pPr>
+            <a:endParaRPr lang="en-US" sz="2400" dirty="0" smtClean="0">
+              <a:latin typeface="Calibri" panose="020F0502020204030204" pitchFamily="34" charset="0"/>
+              <a:cs typeface="Calibri" panose="020F0502020204030204" pitchFamily="34" charset="0"/>
+            </a:endParaRPr>
+          </a:p>
+        </p:txBody>
+      </p:sp>
+      <p:sp>
+        <p:nvSpPr>
+          <p:cNvPr id="5" name="Content Placeholder 1"/>
+          <p:cNvSpPr txBox="1">
+            <a:spLocks/>
+          </p:cNvSpPr>
+          <p:nvPr/>
+        </p:nvSpPr>
+        <p:spPr>
+          <a:xfrm>
+            <a:off x="457200" y="1481328"/>
+            <a:ext cx="8229600" cy="4525963"/>
+          </a:xfrm>
+          <a:prstGeom prst="rect">
+            <a:avLst/>
+          </a:prstGeom>
+        </p:spPr>
+        <p:txBody>
+          <a:bodyPr vert="horz">
+            <a:normAutofit/>
+          </a:bodyPr>
+          <a:lstStyle>
+            <a:lvl1pPr marL="365760" indent="-256032" algn="l" rtl="0" eaLnBrk="1" latinLnBrk="0" hangingPunct="1">
+              <a:spcBef>
+                <a:spcPts val="400"/>
+              </a:spcBef>
+              <a:spcAft>
+                <a:spcPts val="0"/>
+              </a:spcAft>
+              <a:buClr>
+                <a:schemeClr val="accent1"/>
+              </a:buClr>
+              <a:buSzPct val="68000"/>
+              <a:buFont typeface="Wingdings 3"/>
+              <a:buChar char=""/>
+              <a:defRPr kumimoji="0" sz="2700" kern="1200">
+                <a:solidFill>
+                  <a:schemeClr val="tx1"/>
+                </a:solidFill>
+                <a:latin typeface="+mn-lt"/>
+                <a:ea typeface="+mn-ea"/>
+                <a:cs typeface="+mn-cs"/>
+              </a:defRPr>
+            </a:lvl1pPr>
+            <a:lvl2pPr marL="621792" indent="-228600" algn="l" rtl="0" eaLnBrk="1" latinLnBrk="0" hangingPunct="1">
+              <a:spcBef>
+                <a:spcPts val="324"/>
+              </a:spcBef>
+              <a:buClr>
+                <a:schemeClr val="accent1"/>
+              </a:buClr>
+              <a:buFont typeface="Verdana"/>
+              <a:buChar char="◦"/>
+              <a:defRPr kumimoji="0" sz="2300" kern="1200">
+                <a:solidFill>
+                  <a:schemeClr val="tx1"/>
+                </a:solidFill>
+                <a:latin typeface="+mn-lt"/>
+                <a:ea typeface="+mn-ea"/>
+                <a:cs typeface="+mn-cs"/>
+              </a:defRPr>
+            </a:lvl2pPr>
+            <a:lvl3pPr marL="859536" indent="-228600" algn="l" rtl="0" eaLnBrk="1" latinLnBrk="0" hangingPunct="1">
+              <a:spcBef>
+                <a:spcPts val="350"/>
+              </a:spcBef>
+              <a:buClr>
+                <a:schemeClr val="accent2"/>
+              </a:buClr>
+              <a:buSzPct val="100000"/>
+              <a:buFont typeface="Wingdings 2"/>
+              <a:buChar char=""/>
+              <a:defRPr kumimoji="0" sz="2100" kern="1200">
+                <a:solidFill>
+                  <a:schemeClr val="tx1"/>
+                </a:solidFill>
+                <a:latin typeface="+mn-lt"/>
+                <a:ea typeface="+mn-ea"/>
+                <a:cs typeface="+mn-cs"/>
+              </a:defRPr>
+            </a:lvl3pPr>
+            <a:lvl4pPr marL="1143000" indent="-228600" algn="l" rtl="0" eaLnBrk="1" latinLnBrk="0" hangingPunct="1">
+              <a:spcBef>
+                <a:spcPts val="350"/>
+              </a:spcBef>
+              <a:buClr>
+                <a:schemeClr val="accent2"/>
+              </a:buClr>
+              <a:buFont typeface="Wingdings 2"/>
+              <a:buChar char=""/>
+              <a:defRPr kumimoji="0" sz="1900" kern="1200">
+                <a:solidFill>
+                  <a:schemeClr val="tx1"/>
+                </a:solidFill>
+                <a:latin typeface="+mn-lt"/>
+                <a:ea typeface="+mn-ea"/>
+                <a:cs typeface="+mn-cs"/>
+              </a:defRPr>
+            </a:lvl4pPr>
+            <a:lvl5pPr marL="1371600" indent="-228600" algn="l" rtl="0" eaLnBrk="1" latinLnBrk="0" hangingPunct="1">
+              <a:spcBef>
+                <a:spcPts val="350"/>
+              </a:spcBef>
+              <a:buClr>
+                <a:schemeClr val="accent2"/>
+              </a:buClr>
+              <a:buFont typeface="Wingdings 2"/>
+              <a:buChar char=""/>
+              <a:defRPr kumimoji="0" sz="1800" kern="1200">
+                <a:solidFill>
+                  <a:schemeClr val="tx1"/>
+                </a:solidFill>
+                <a:latin typeface="+mn-lt"/>
+                <a:ea typeface="+mn-ea"/>
+                <a:cs typeface="+mn-cs"/>
+              </a:defRPr>
+            </a:lvl5pPr>
+            <a:lvl6pPr marL="1600200" indent="-228600" algn="l" rtl="0" eaLnBrk="1" latinLnBrk="0" hangingPunct="1">
+              <a:spcBef>
+                <a:spcPts val="350"/>
+              </a:spcBef>
+              <a:buClr>
+                <a:schemeClr val="accent3"/>
+              </a:buClr>
+              <a:buFont typeface="Wingdings 2"/>
+              <a:buChar char=""/>
+              <a:defRPr kumimoji="0" sz="1800" kern="1200">
+                <a:solidFill>
+                  <a:schemeClr val="tx1"/>
+                </a:solidFill>
+                <a:latin typeface="+mn-lt"/>
+                <a:ea typeface="+mn-ea"/>
+                <a:cs typeface="+mn-cs"/>
+              </a:defRPr>
+            </a:lvl6pPr>
+            <a:lvl7pPr marL="1828800" indent="-228600" algn="l" rtl="0" eaLnBrk="1" latinLnBrk="0" hangingPunct="1">
+              <a:spcBef>
+                <a:spcPts val="350"/>
+              </a:spcBef>
+              <a:buClr>
+                <a:schemeClr val="accent3"/>
+              </a:buClr>
+              <a:buFont typeface="Wingdings 2"/>
+              <a:buChar char=""/>
+              <a:defRPr kumimoji="0" sz="1600" kern="1200">
+                <a:solidFill>
+                  <a:schemeClr val="tx1"/>
+                </a:solidFill>
+                <a:latin typeface="+mn-lt"/>
+                <a:ea typeface="+mn-ea"/>
+                <a:cs typeface="+mn-cs"/>
+              </a:defRPr>
+            </a:lvl7pPr>
+            <a:lvl8pPr marL="2057400" indent="-228600" algn="l" rtl="0" eaLnBrk="1" latinLnBrk="0" hangingPunct="1">
+              <a:spcBef>
+                <a:spcPts val="350"/>
+              </a:spcBef>
+              <a:buClr>
+                <a:schemeClr val="accent3"/>
+              </a:buClr>
+              <a:buFont typeface="Wingdings 2"/>
+              <a:buChar char=""/>
+              <a:defRPr kumimoji="0" sz="1600" kern="1200">
+                <a:solidFill>
+                  <a:schemeClr val="tx1"/>
+                </a:solidFill>
+                <a:latin typeface="+mn-lt"/>
+                <a:ea typeface="+mn-ea"/>
+                <a:cs typeface="+mn-cs"/>
+              </a:defRPr>
+            </a:lvl8pPr>
+            <a:lvl9pPr marL="2286000" indent="-228600" algn="l" rtl="0" eaLnBrk="1" latinLnBrk="0" hangingPunct="1">
+              <a:spcBef>
+                <a:spcPts val="350"/>
+              </a:spcBef>
+              <a:buClr>
+                <a:schemeClr val="accent3"/>
+              </a:buClr>
+              <a:buFont typeface="Wingdings 2"/>
+              <a:buChar char=""/>
+              <a:defRPr kumimoji="0" sz="1600" kern="1200" baseline="0">
+                <a:solidFill>
+                  <a:schemeClr val="tx1"/>
+                </a:solidFill>
+                <a:latin typeface="+mn-lt"/>
+                <a:ea typeface="+mn-ea"/>
+                <a:cs typeface="+mn-cs"/>
+              </a:defRPr>
+            </a:lvl9pPr>
+            <a:extLst/>
+          </a:lstStyle>
+          <a:p>
+            <a:pPr marL="109728" indent="0">
+              <a:buNone/>
+            </a:pPr>
+            <a:endParaRPr lang="en-US" sz="2000" dirty="0" smtClean="0">
+              <a:latin typeface="Calibri" panose="020F0502020204030204" pitchFamily="34" charset="0"/>
+              <a:cs typeface="Calibri" panose="020F0502020204030204" pitchFamily="34" charset="0"/>
+            </a:endParaRPr>
+          </a:p>
+        </p:txBody>
+      </p:sp>
+      <p:pic>
+        <p:nvPicPr>
+          <p:cNvPr id="4" name="Content Placeholder 3"/>
+          <p:cNvPicPr>
+            <a:picLocks noChangeAspect="1"/>
+          </p:cNvPicPr>
+          <p:nvPr/>
+        </p:nvPicPr>
+        <p:blipFill>
+          <a:blip r:embed="rId2">
+            <a:extLst>
+              <a:ext uri="{28A0092B-C50C-407E-A947-70E740481C1C}">
+                <a14:useLocalDpi xmlns:a14="http://schemas.microsoft.com/office/drawing/2010/main" val="0"/>
+              </a:ext>
+            </a:extLst>
+          </a:blip>
+          <a:stretch>
+            <a:fillRect/>
+          </a:stretch>
+        </p:blipFill>
+        <p:spPr>
+          <a:xfrm>
+            <a:off x="304800" y="990600"/>
+            <a:ext cx="8610600" cy="5714999"/>
+          </a:xfrm>
+          <a:prstGeom prst="rect">
+            <a:avLst/>
+          </a:prstGeom>
+        </p:spPr>
+      </p:pic>
+    </p:spTree>
+    <p:extLst>
+      <p:ext uri="{BB962C8B-B14F-4D97-AF65-F5344CB8AC3E}">
+        <p14:creationId xmlns:p14="http://schemas.microsoft.com/office/powerpoint/2010/main" val="2194531292"/>
+      </p:ext>
+    </p:extLst>
+  </p:cSld>
+  <p:clrMapOvr>
+    <a:masterClrMapping/>
+  </p:clrMapOvr>
+</p:sld>
+</file>
+
+<file path=ppt/slides/slide32.xml><?xml version="1.0" encoding="utf-8"?>
+<p:sld xmlns:a="http://schemas.openxmlformats.org/drawingml/2006/main" xmlns:r="http://schemas.openxmlformats.org/officeDocument/2006/relationships" xmlns:p="http://schemas.openxmlformats.org/presentationml/2006/main">
+  <p:cSld>
+    <p:spTree>
+      <p:nvGrpSpPr>
+        <p:cNvPr id="1" name=""/>
+        <p:cNvGrpSpPr/>
+        <p:nvPr/>
+      </p:nvGrpSpPr>
+      <p:grpSpPr>
+        <a:xfrm>
+          <a:off x="0" y="0"/>
+          <a:ext cx="0" cy="0"/>
+          <a:chOff x="0" y="0"/>
+          <a:chExt cx="0" cy="0"/>
+        </a:xfrm>
+      </p:grpSpPr>
+      <p:sp>
+        <p:nvSpPr>
+          <p:cNvPr id="2" name="Content Placeholder 1"/>
+          <p:cNvSpPr>
+            <a:spLocks noGrp="1"/>
+          </p:cNvSpPr>
+          <p:nvPr>
+            <p:ph idx="1"/>
+          </p:nvPr>
+        </p:nvSpPr>
+        <p:spPr>
+          <a:xfrm>
+            <a:off x="457200" y="381000"/>
+            <a:ext cx="8229600" cy="6172200"/>
+          </a:xfrm>
+        </p:spPr>
+        <p:txBody>
+          <a:bodyPr>
+            <a:normAutofit/>
+          </a:bodyPr>
+          <a:lstStyle/>
+          <a:p>
+            <a:pPr marL="109728" indent="0">
+              <a:buNone/>
+            </a:pPr>
+            <a:r>
+              <a:rPr lang="en-US" sz="2400" dirty="0">
+                <a:latin typeface="Calibri" panose="020F0502020204030204" pitchFamily="34" charset="0"/>
+                <a:cs typeface="Calibri" panose="020F0502020204030204" pitchFamily="34" charset="0"/>
+              </a:rPr>
+              <a:t>Model Building and Evaluation -Supervised Classification </a:t>
+            </a:r>
+            <a:endParaRPr lang="en-US" sz="2400" dirty="0" smtClean="0">
+              <a:latin typeface="Calibri" panose="020F0502020204030204" pitchFamily="34" charset="0"/>
+              <a:cs typeface="Calibri" panose="020F0502020204030204" pitchFamily="34" charset="0"/>
+            </a:endParaRPr>
+          </a:p>
+          <a:p>
+            <a:pPr marL="109728" indent="0">
+              <a:buNone/>
+            </a:pPr>
+            <a:r>
+              <a:rPr lang="en-US" sz="2400" dirty="0" smtClean="0">
+                <a:latin typeface="Calibri" panose="020F0502020204030204" pitchFamily="34" charset="0"/>
+                <a:cs typeface="Calibri" panose="020F0502020204030204" pitchFamily="34" charset="0"/>
+              </a:rPr>
+              <a:t>(non-text) </a:t>
+            </a:r>
+            <a:r>
+              <a:rPr lang="en-US" sz="2400" dirty="0">
+                <a:latin typeface="Calibri" panose="020F0502020204030204" pitchFamily="34" charset="0"/>
+                <a:cs typeface="Calibri" panose="020F0502020204030204" pitchFamily="34" charset="0"/>
+              </a:rPr>
+              <a:t>Breach </a:t>
+            </a:r>
+            <a:r>
+              <a:rPr lang="en-US" sz="2400" dirty="0" smtClean="0">
+                <a:latin typeface="Calibri" panose="020F0502020204030204" pitchFamily="34" charset="0"/>
+                <a:cs typeface="Calibri" panose="020F0502020204030204" pitchFamily="34" charset="0"/>
+              </a:rPr>
+              <a:t>Type - Correlation </a:t>
+            </a:r>
+            <a:r>
+              <a:rPr lang="en-US" sz="2400" dirty="0">
+                <a:latin typeface="Calibri" panose="020F0502020204030204" pitchFamily="34" charset="0"/>
+                <a:cs typeface="Calibri" panose="020F0502020204030204" pitchFamily="34" charset="0"/>
+              </a:rPr>
+              <a:t>with Other Features</a:t>
+            </a:r>
+            <a:endParaRPr lang="en-US" sz="2400" dirty="0" smtClean="0">
+              <a:latin typeface="Calibri" panose="020F0502020204030204" pitchFamily="34" charset="0"/>
+              <a:cs typeface="Calibri" panose="020F0502020204030204" pitchFamily="34" charset="0"/>
+            </a:endParaRPr>
+          </a:p>
+          <a:p>
+            <a:pPr marL="109728" indent="0">
+              <a:buNone/>
+            </a:pPr>
+            <a:endParaRPr lang="en-US" sz="2400" dirty="0" smtClean="0">
+              <a:latin typeface="Calibri" panose="020F0502020204030204" pitchFamily="34" charset="0"/>
+              <a:cs typeface="Calibri" panose="020F0502020204030204" pitchFamily="34" charset="0"/>
+            </a:endParaRPr>
+          </a:p>
+          <a:p>
+            <a:pPr marL="109728" indent="0">
+              <a:buNone/>
+            </a:pPr>
+            <a:r>
+              <a:rPr lang="en-US" sz="2400" dirty="0" smtClean="0">
+                <a:latin typeface="Calibri" panose="020F0502020204030204" pitchFamily="34" charset="0"/>
+                <a:cs typeface="Calibri" panose="020F0502020204030204" pitchFamily="34" charset="0"/>
+              </a:rPr>
+              <a:t>What </a:t>
+            </a:r>
+            <a:r>
+              <a:rPr lang="en-US" sz="2400" dirty="0">
+                <a:latin typeface="Calibri" panose="020F0502020204030204" pitchFamily="34" charset="0"/>
+                <a:cs typeface="Calibri" panose="020F0502020204030204" pitchFamily="34" charset="0"/>
+              </a:rPr>
+              <a:t>are the findings from correlation analysis?</a:t>
+            </a:r>
+          </a:p>
+          <a:p>
+            <a:r>
+              <a:rPr lang="en-US" sz="2400" dirty="0">
+                <a:latin typeface="Calibri" panose="020F0502020204030204" pitchFamily="34" charset="0"/>
+                <a:cs typeface="Calibri" panose="020F0502020204030204" pitchFamily="34" charset="0"/>
+              </a:rPr>
+              <a:t>The higher values seem to occur with hacking breaches.</a:t>
+            </a:r>
+          </a:p>
+          <a:p>
+            <a:r>
+              <a:rPr lang="en-US" sz="2400" dirty="0">
+                <a:latin typeface="Calibri" panose="020F0502020204030204" pitchFamily="34" charset="0"/>
+                <a:cs typeface="Calibri" panose="020F0502020204030204" pitchFamily="34" charset="0"/>
+              </a:rPr>
+              <a:t>Hacking and all other breach types show a negative correlation.</a:t>
+            </a:r>
+          </a:p>
+          <a:p>
+            <a:r>
+              <a:rPr lang="en-US" sz="2400" dirty="0">
+                <a:latin typeface="Calibri" panose="020F0502020204030204" pitchFamily="34" charset="0"/>
+                <a:cs typeface="Calibri" panose="020F0502020204030204" pitchFamily="34" charset="0"/>
+              </a:rPr>
+              <a:t>Physical breaches are also among the higher scores.</a:t>
+            </a:r>
+          </a:p>
+          <a:p>
+            <a:r>
+              <a:rPr lang="en-US" sz="2400" dirty="0">
+                <a:latin typeface="Calibri" panose="020F0502020204030204" pitchFamily="34" charset="0"/>
+                <a:cs typeface="Calibri" panose="020F0502020204030204" pitchFamily="34" charset="0"/>
+              </a:rPr>
+              <a:t>For the most part the correlation scores appear to be low.</a:t>
+            </a:r>
+          </a:p>
+          <a:p>
+            <a:pPr marL="109728" indent="0">
+              <a:buNone/>
+            </a:pPr>
+            <a:endParaRPr lang="en-US" sz="2400" dirty="0">
+              <a:latin typeface="Calibri" panose="020F0502020204030204" pitchFamily="34" charset="0"/>
+              <a:cs typeface="Calibri" panose="020F0502020204030204" pitchFamily="34" charset="0"/>
+            </a:endParaRPr>
+          </a:p>
+          <a:p>
+            <a:pPr marL="109728" indent="0" algn="ctr">
+              <a:buNone/>
+            </a:pPr>
+            <a:endParaRPr lang="en-US" sz="2400" dirty="0">
+              <a:latin typeface="Calibri" panose="020F0502020204030204" pitchFamily="34" charset="0"/>
+              <a:cs typeface="Calibri" panose="020F0502020204030204" pitchFamily="34" charset="0"/>
+            </a:endParaRPr>
+          </a:p>
+          <a:p>
+            <a:pPr marL="109728" indent="0">
+              <a:buNone/>
+            </a:pPr>
+            <a:endParaRPr lang="en-US" sz="2400" dirty="0" smtClean="0">
+              <a:latin typeface="Calibri" panose="020F0502020204030204" pitchFamily="34" charset="0"/>
+              <a:cs typeface="Calibri" panose="020F0502020204030204" pitchFamily="34" charset="0"/>
+            </a:endParaRPr>
+          </a:p>
+        </p:txBody>
+      </p:sp>
+      <p:sp>
+        <p:nvSpPr>
+          <p:cNvPr id="5" name="Content Placeholder 1"/>
+          <p:cNvSpPr txBox="1">
+            <a:spLocks/>
+          </p:cNvSpPr>
+          <p:nvPr/>
+        </p:nvSpPr>
+        <p:spPr>
+          <a:xfrm>
+            <a:off x="457200" y="1481328"/>
+            <a:ext cx="8229600" cy="4525963"/>
+          </a:xfrm>
+          <a:prstGeom prst="rect">
+            <a:avLst/>
+          </a:prstGeom>
+        </p:spPr>
+        <p:txBody>
+          <a:bodyPr vert="horz">
+            <a:normAutofit/>
+          </a:bodyPr>
+          <a:lstStyle>
+            <a:lvl1pPr marL="365760" indent="-256032" algn="l" rtl="0" eaLnBrk="1" latinLnBrk="0" hangingPunct="1">
+              <a:spcBef>
+                <a:spcPts val="400"/>
+              </a:spcBef>
+              <a:spcAft>
+                <a:spcPts val="0"/>
+              </a:spcAft>
+              <a:buClr>
+                <a:schemeClr val="accent1"/>
+              </a:buClr>
+              <a:buSzPct val="68000"/>
+              <a:buFont typeface="Wingdings 3"/>
+              <a:buChar char=""/>
+              <a:defRPr kumimoji="0" sz="2700" kern="1200">
+                <a:solidFill>
+                  <a:schemeClr val="tx1"/>
+                </a:solidFill>
+                <a:latin typeface="+mn-lt"/>
+                <a:ea typeface="+mn-ea"/>
+                <a:cs typeface="+mn-cs"/>
+              </a:defRPr>
+            </a:lvl1pPr>
+            <a:lvl2pPr marL="621792" indent="-228600" algn="l" rtl="0" eaLnBrk="1" latinLnBrk="0" hangingPunct="1">
+              <a:spcBef>
+                <a:spcPts val="324"/>
+              </a:spcBef>
+              <a:buClr>
+                <a:schemeClr val="accent1"/>
+              </a:buClr>
+              <a:buFont typeface="Verdana"/>
+              <a:buChar char="◦"/>
+              <a:defRPr kumimoji="0" sz="2300" kern="1200">
+                <a:solidFill>
+                  <a:schemeClr val="tx1"/>
+                </a:solidFill>
+                <a:latin typeface="+mn-lt"/>
+                <a:ea typeface="+mn-ea"/>
+                <a:cs typeface="+mn-cs"/>
+              </a:defRPr>
+            </a:lvl2pPr>
+            <a:lvl3pPr marL="859536" indent="-228600" algn="l" rtl="0" eaLnBrk="1" latinLnBrk="0" hangingPunct="1">
+              <a:spcBef>
+                <a:spcPts val="350"/>
+              </a:spcBef>
+              <a:buClr>
+                <a:schemeClr val="accent2"/>
+              </a:buClr>
+              <a:buSzPct val="100000"/>
+              <a:buFont typeface="Wingdings 2"/>
+              <a:buChar char=""/>
+              <a:defRPr kumimoji="0" sz="2100" kern="1200">
+                <a:solidFill>
+                  <a:schemeClr val="tx1"/>
+                </a:solidFill>
+                <a:latin typeface="+mn-lt"/>
+                <a:ea typeface="+mn-ea"/>
+                <a:cs typeface="+mn-cs"/>
+              </a:defRPr>
+            </a:lvl3pPr>
+            <a:lvl4pPr marL="1143000" indent="-228600" algn="l" rtl="0" eaLnBrk="1" latinLnBrk="0" hangingPunct="1">
+              <a:spcBef>
+                <a:spcPts val="350"/>
+              </a:spcBef>
+              <a:buClr>
+                <a:schemeClr val="accent2"/>
+              </a:buClr>
+              <a:buFont typeface="Wingdings 2"/>
+              <a:buChar char=""/>
+              <a:defRPr kumimoji="0" sz="1900" kern="1200">
+                <a:solidFill>
+                  <a:schemeClr val="tx1"/>
+                </a:solidFill>
+                <a:latin typeface="+mn-lt"/>
+                <a:ea typeface="+mn-ea"/>
+                <a:cs typeface="+mn-cs"/>
+              </a:defRPr>
+            </a:lvl4pPr>
+            <a:lvl5pPr marL="1371600" indent="-228600" algn="l" rtl="0" eaLnBrk="1" latinLnBrk="0" hangingPunct="1">
+              <a:spcBef>
+                <a:spcPts val="350"/>
+              </a:spcBef>
+              <a:buClr>
+                <a:schemeClr val="accent2"/>
+              </a:buClr>
+              <a:buFont typeface="Wingdings 2"/>
+              <a:buChar char=""/>
+              <a:defRPr kumimoji="0" sz="1800" kern="1200">
+                <a:solidFill>
+                  <a:schemeClr val="tx1"/>
+                </a:solidFill>
+                <a:latin typeface="+mn-lt"/>
+                <a:ea typeface="+mn-ea"/>
+                <a:cs typeface="+mn-cs"/>
+              </a:defRPr>
+            </a:lvl5pPr>
+            <a:lvl6pPr marL="1600200" indent="-228600" algn="l" rtl="0" eaLnBrk="1" latinLnBrk="0" hangingPunct="1">
+              <a:spcBef>
+                <a:spcPts val="350"/>
+              </a:spcBef>
+              <a:buClr>
+                <a:schemeClr val="accent3"/>
+              </a:buClr>
+              <a:buFont typeface="Wingdings 2"/>
+              <a:buChar char=""/>
+              <a:defRPr kumimoji="0" sz="1800" kern="1200">
+                <a:solidFill>
+                  <a:schemeClr val="tx1"/>
+                </a:solidFill>
+                <a:latin typeface="+mn-lt"/>
+                <a:ea typeface="+mn-ea"/>
+                <a:cs typeface="+mn-cs"/>
+              </a:defRPr>
+            </a:lvl6pPr>
+            <a:lvl7pPr marL="1828800" indent="-228600" algn="l" rtl="0" eaLnBrk="1" latinLnBrk="0" hangingPunct="1">
+              <a:spcBef>
+                <a:spcPts val="350"/>
+              </a:spcBef>
+              <a:buClr>
+                <a:schemeClr val="accent3"/>
+              </a:buClr>
+              <a:buFont typeface="Wingdings 2"/>
+              <a:buChar char=""/>
+              <a:defRPr kumimoji="0" sz="1600" kern="1200">
+                <a:solidFill>
+                  <a:schemeClr val="tx1"/>
+                </a:solidFill>
+                <a:latin typeface="+mn-lt"/>
+                <a:ea typeface="+mn-ea"/>
+                <a:cs typeface="+mn-cs"/>
+              </a:defRPr>
+            </a:lvl7pPr>
+            <a:lvl8pPr marL="2057400" indent="-228600" algn="l" rtl="0" eaLnBrk="1" latinLnBrk="0" hangingPunct="1">
+              <a:spcBef>
+                <a:spcPts val="350"/>
+              </a:spcBef>
+              <a:buClr>
+                <a:schemeClr val="accent3"/>
+              </a:buClr>
+              <a:buFont typeface="Wingdings 2"/>
+              <a:buChar char=""/>
+              <a:defRPr kumimoji="0" sz="1600" kern="1200">
+                <a:solidFill>
+                  <a:schemeClr val="tx1"/>
+                </a:solidFill>
+                <a:latin typeface="+mn-lt"/>
+                <a:ea typeface="+mn-ea"/>
+                <a:cs typeface="+mn-cs"/>
+              </a:defRPr>
+            </a:lvl8pPr>
+            <a:lvl9pPr marL="2286000" indent="-228600" algn="l" rtl="0" eaLnBrk="1" latinLnBrk="0" hangingPunct="1">
+              <a:spcBef>
+                <a:spcPts val="350"/>
+              </a:spcBef>
+              <a:buClr>
+                <a:schemeClr val="accent3"/>
+              </a:buClr>
+              <a:buFont typeface="Wingdings 2"/>
+              <a:buChar char=""/>
+              <a:defRPr kumimoji="0" sz="1600" kern="1200" baseline="0">
+                <a:solidFill>
+                  <a:schemeClr val="tx1"/>
+                </a:solidFill>
+                <a:latin typeface="+mn-lt"/>
+                <a:ea typeface="+mn-ea"/>
+                <a:cs typeface="+mn-cs"/>
+              </a:defRPr>
+            </a:lvl9pPr>
+            <a:extLst/>
+          </a:lstStyle>
+          <a:p>
+            <a:pPr marL="109728" indent="0">
+              <a:buNone/>
+            </a:pPr>
+            <a:endParaRPr lang="en-US" sz="2000" dirty="0" smtClean="0">
+              <a:latin typeface="Calibri" panose="020F0502020204030204" pitchFamily="34" charset="0"/>
+              <a:cs typeface="Calibri" panose="020F0502020204030204" pitchFamily="34" charset="0"/>
+            </a:endParaRPr>
+          </a:p>
+        </p:txBody>
+      </p:sp>
+    </p:spTree>
+    <p:extLst>
+      <p:ext uri="{BB962C8B-B14F-4D97-AF65-F5344CB8AC3E}">
+        <p14:creationId xmlns:p14="http://schemas.microsoft.com/office/powerpoint/2010/main" val="3737477674"/>
+      </p:ext>
+    </p:extLst>
+  </p:cSld>
+  <p:clrMapOvr>
+    <a:masterClrMapping/>
+  </p:clrMapOvr>
+</p:sld>
+</file>
+
+<file path=ppt/slides/slide33.xml><?xml version="1.0" encoding="utf-8"?>
+<p:sld xmlns:a="http://schemas.openxmlformats.org/drawingml/2006/main" xmlns:r="http://schemas.openxmlformats.org/officeDocument/2006/relationships" xmlns:p="http://schemas.openxmlformats.org/presentationml/2006/main">
+  <p:cSld>
+    <p:spTree>
+      <p:nvGrpSpPr>
+        <p:cNvPr id="1" name=""/>
+        <p:cNvGrpSpPr/>
+        <p:nvPr/>
+      </p:nvGrpSpPr>
+      <p:grpSpPr>
+        <a:xfrm>
+          <a:off x="0" y="0"/>
+          <a:ext cx="0" cy="0"/>
+          <a:chOff x="0" y="0"/>
+          <a:chExt cx="0" cy="0"/>
+        </a:xfrm>
+      </p:grpSpPr>
+      <p:sp>
+        <p:nvSpPr>
+          <p:cNvPr id="2" name="Content Placeholder 1"/>
+          <p:cNvSpPr>
+            <a:spLocks noGrp="1"/>
+          </p:cNvSpPr>
+          <p:nvPr>
+            <p:ph idx="1"/>
+          </p:nvPr>
+        </p:nvSpPr>
+        <p:spPr>
+          <a:xfrm>
+            <a:off x="457200" y="381000"/>
+            <a:ext cx="8229600" cy="6172200"/>
+          </a:xfrm>
+        </p:spPr>
+        <p:txBody>
+          <a:bodyPr>
+            <a:normAutofit/>
+          </a:bodyPr>
+          <a:lstStyle/>
+          <a:p>
+            <a:pPr marL="109728" indent="0" algn="ctr">
+              <a:buNone/>
+            </a:pPr>
+            <a:r>
+              <a:rPr lang="en-US" sz="1800" dirty="0">
+                <a:latin typeface="Calibri" panose="020F0502020204030204" pitchFamily="34" charset="0"/>
+                <a:cs typeface="Calibri" panose="020F0502020204030204" pitchFamily="34" charset="0"/>
+              </a:rPr>
+              <a:t>Model Building and Evaluation -Supervised Classification </a:t>
+            </a:r>
+          </a:p>
+          <a:p>
+            <a:pPr marL="109728" indent="0" algn="ctr">
+              <a:buNone/>
+            </a:pPr>
+            <a:r>
+              <a:rPr lang="en-US" sz="1800" dirty="0">
+                <a:latin typeface="Calibri" panose="020F0502020204030204" pitchFamily="34" charset="0"/>
+                <a:cs typeface="Calibri" panose="020F0502020204030204" pitchFamily="34" charset="0"/>
+              </a:rPr>
+              <a:t>(non-text </a:t>
+            </a:r>
+            <a:r>
+              <a:rPr lang="en-US" sz="1800" dirty="0" smtClean="0">
+                <a:latin typeface="Calibri" panose="020F0502020204030204" pitchFamily="34" charset="0"/>
+                <a:cs typeface="Calibri" panose="020F0502020204030204" pitchFamily="34" charset="0"/>
+              </a:rPr>
+              <a:t>) Organization Types - Correlation </a:t>
+            </a:r>
+            <a:r>
+              <a:rPr lang="en-US" sz="1800" dirty="0">
+                <a:latin typeface="Calibri" panose="020F0502020204030204" pitchFamily="34" charset="0"/>
+                <a:cs typeface="Calibri" panose="020F0502020204030204" pitchFamily="34" charset="0"/>
+              </a:rPr>
+              <a:t>with Other features</a:t>
+            </a:r>
+            <a:endParaRPr lang="en-US" sz="1800" dirty="0" smtClean="0">
+              <a:latin typeface="Calibri" panose="020F0502020204030204" pitchFamily="34" charset="0"/>
+              <a:cs typeface="Calibri" panose="020F0502020204030204" pitchFamily="34" charset="0"/>
+            </a:endParaRPr>
+          </a:p>
+          <a:p>
+            <a:pPr marL="109728" indent="0" algn="ctr">
+              <a:buNone/>
+            </a:pPr>
+            <a:endParaRPr lang="en-US" sz="2400" dirty="0">
+              <a:latin typeface="Calibri" panose="020F0502020204030204" pitchFamily="34" charset="0"/>
+              <a:cs typeface="Calibri" panose="020F0502020204030204" pitchFamily="34" charset="0"/>
+            </a:endParaRPr>
+          </a:p>
+          <a:p>
+            <a:pPr marL="109728" indent="0">
+              <a:buNone/>
+            </a:pPr>
+            <a:endParaRPr lang="en-US" sz="2400" dirty="0" smtClean="0">
+              <a:latin typeface="Calibri" panose="020F0502020204030204" pitchFamily="34" charset="0"/>
+              <a:cs typeface="Calibri" panose="020F0502020204030204" pitchFamily="34" charset="0"/>
+            </a:endParaRPr>
+          </a:p>
+        </p:txBody>
+      </p:sp>
+      <p:sp>
+        <p:nvSpPr>
+          <p:cNvPr id="5" name="Content Placeholder 1"/>
+          <p:cNvSpPr txBox="1">
+            <a:spLocks/>
+          </p:cNvSpPr>
+          <p:nvPr/>
+        </p:nvSpPr>
+        <p:spPr>
+          <a:xfrm>
+            <a:off x="457200" y="1481328"/>
+            <a:ext cx="8229600" cy="4525963"/>
+          </a:xfrm>
+          <a:prstGeom prst="rect">
+            <a:avLst/>
+          </a:prstGeom>
+        </p:spPr>
+        <p:txBody>
+          <a:bodyPr vert="horz">
+            <a:normAutofit/>
+          </a:bodyPr>
+          <a:lstStyle>
+            <a:lvl1pPr marL="365760" indent="-256032" algn="l" rtl="0" eaLnBrk="1" latinLnBrk="0" hangingPunct="1">
+              <a:spcBef>
+                <a:spcPts val="400"/>
+              </a:spcBef>
+              <a:spcAft>
+                <a:spcPts val="0"/>
+              </a:spcAft>
+              <a:buClr>
+                <a:schemeClr val="accent1"/>
+              </a:buClr>
+              <a:buSzPct val="68000"/>
+              <a:buFont typeface="Wingdings 3"/>
+              <a:buChar char=""/>
+              <a:defRPr kumimoji="0" sz="2700" kern="1200">
+                <a:solidFill>
+                  <a:schemeClr val="tx1"/>
+                </a:solidFill>
+                <a:latin typeface="+mn-lt"/>
+                <a:ea typeface="+mn-ea"/>
+                <a:cs typeface="+mn-cs"/>
+              </a:defRPr>
+            </a:lvl1pPr>
+            <a:lvl2pPr marL="621792" indent="-228600" algn="l" rtl="0" eaLnBrk="1" latinLnBrk="0" hangingPunct="1">
+              <a:spcBef>
+                <a:spcPts val="324"/>
+              </a:spcBef>
+              <a:buClr>
+                <a:schemeClr val="accent1"/>
+              </a:buClr>
+              <a:buFont typeface="Verdana"/>
+              <a:buChar char="◦"/>
+              <a:defRPr kumimoji="0" sz="2300" kern="1200">
+                <a:solidFill>
+                  <a:schemeClr val="tx1"/>
+                </a:solidFill>
+                <a:latin typeface="+mn-lt"/>
+                <a:ea typeface="+mn-ea"/>
+                <a:cs typeface="+mn-cs"/>
+              </a:defRPr>
+            </a:lvl2pPr>
+            <a:lvl3pPr marL="859536" indent="-228600" algn="l" rtl="0" eaLnBrk="1" latinLnBrk="0" hangingPunct="1">
+              <a:spcBef>
+                <a:spcPts val="350"/>
+              </a:spcBef>
+              <a:buClr>
+                <a:schemeClr val="accent2"/>
+              </a:buClr>
+              <a:buSzPct val="100000"/>
+              <a:buFont typeface="Wingdings 2"/>
+              <a:buChar char=""/>
+              <a:defRPr kumimoji="0" sz="2100" kern="1200">
+                <a:solidFill>
+                  <a:schemeClr val="tx1"/>
+                </a:solidFill>
+                <a:latin typeface="+mn-lt"/>
+                <a:ea typeface="+mn-ea"/>
+                <a:cs typeface="+mn-cs"/>
+              </a:defRPr>
+            </a:lvl3pPr>
+            <a:lvl4pPr marL="1143000" indent="-228600" algn="l" rtl="0" eaLnBrk="1" latinLnBrk="0" hangingPunct="1">
+              <a:spcBef>
+                <a:spcPts val="350"/>
+              </a:spcBef>
+              <a:buClr>
+                <a:schemeClr val="accent2"/>
+              </a:buClr>
+              <a:buFont typeface="Wingdings 2"/>
+              <a:buChar char=""/>
+              <a:defRPr kumimoji="0" sz="1900" kern="1200">
+                <a:solidFill>
+                  <a:schemeClr val="tx1"/>
+                </a:solidFill>
+                <a:latin typeface="+mn-lt"/>
+                <a:ea typeface="+mn-ea"/>
+                <a:cs typeface="+mn-cs"/>
+              </a:defRPr>
+            </a:lvl4pPr>
+            <a:lvl5pPr marL="1371600" indent="-228600" algn="l" rtl="0" eaLnBrk="1" latinLnBrk="0" hangingPunct="1">
+              <a:spcBef>
+                <a:spcPts val="350"/>
+              </a:spcBef>
+              <a:buClr>
+                <a:schemeClr val="accent2"/>
+              </a:buClr>
+              <a:buFont typeface="Wingdings 2"/>
+              <a:buChar char=""/>
+              <a:defRPr kumimoji="0" sz="1800" kern="1200">
+                <a:solidFill>
+                  <a:schemeClr val="tx1"/>
+                </a:solidFill>
+                <a:latin typeface="+mn-lt"/>
+                <a:ea typeface="+mn-ea"/>
+                <a:cs typeface="+mn-cs"/>
+              </a:defRPr>
+            </a:lvl5pPr>
+            <a:lvl6pPr marL="1600200" indent="-228600" algn="l" rtl="0" eaLnBrk="1" latinLnBrk="0" hangingPunct="1">
+              <a:spcBef>
+                <a:spcPts val="350"/>
+              </a:spcBef>
+              <a:buClr>
+                <a:schemeClr val="accent3"/>
+              </a:buClr>
+              <a:buFont typeface="Wingdings 2"/>
+              <a:buChar char=""/>
+              <a:defRPr kumimoji="0" sz="1800" kern="1200">
+                <a:solidFill>
+                  <a:schemeClr val="tx1"/>
+                </a:solidFill>
+                <a:latin typeface="+mn-lt"/>
+                <a:ea typeface="+mn-ea"/>
+                <a:cs typeface="+mn-cs"/>
+              </a:defRPr>
+            </a:lvl6pPr>
+            <a:lvl7pPr marL="1828800" indent="-228600" algn="l" rtl="0" eaLnBrk="1" latinLnBrk="0" hangingPunct="1">
+              <a:spcBef>
+                <a:spcPts val="350"/>
+              </a:spcBef>
+              <a:buClr>
+                <a:schemeClr val="accent3"/>
+              </a:buClr>
+              <a:buFont typeface="Wingdings 2"/>
+              <a:buChar char=""/>
+              <a:defRPr kumimoji="0" sz="1600" kern="1200">
+                <a:solidFill>
+                  <a:schemeClr val="tx1"/>
+                </a:solidFill>
+                <a:latin typeface="+mn-lt"/>
+                <a:ea typeface="+mn-ea"/>
+                <a:cs typeface="+mn-cs"/>
+              </a:defRPr>
+            </a:lvl7pPr>
+            <a:lvl8pPr marL="2057400" indent="-228600" algn="l" rtl="0" eaLnBrk="1" latinLnBrk="0" hangingPunct="1">
+              <a:spcBef>
+                <a:spcPts val="350"/>
+              </a:spcBef>
+              <a:buClr>
+                <a:schemeClr val="accent3"/>
+              </a:buClr>
+              <a:buFont typeface="Wingdings 2"/>
+              <a:buChar char=""/>
+              <a:defRPr kumimoji="0" sz="1600" kern="1200">
+                <a:solidFill>
+                  <a:schemeClr val="tx1"/>
+                </a:solidFill>
+                <a:latin typeface="+mn-lt"/>
+                <a:ea typeface="+mn-ea"/>
+                <a:cs typeface="+mn-cs"/>
+              </a:defRPr>
+            </a:lvl8pPr>
+            <a:lvl9pPr marL="2286000" indent="-228600" algn="l" rtl="0" eaLnBrk="1" latinLnBrk="0" hangingPunct="1">
+              <a:spcBef>
+                <a:spcPts val="350"/>
+              </a:spcBef>
+              <a:buClr>
+                <a:schemeClr val="accent3"/>
+              </a:buClr>
+              <a:buFont typeface="Wingdings 2"/>
+              <a:buChar char=""/>
+              <a:defRPr kumimoji="0" sz="1600" kern="1200" baseline="0">
+                <a:solidFill>
+                  <a:schemeClr val="tx1"/>
+                </a:solidFill>
+                <a:latin typeface="+mn-lt"/>
+                <a:ea typeface="+mn-ea"/>
+                <a:cs typeface="+mn-cs"/>
+              </a:defRPr>
+            </a:lvl9pPr>
+            <a:extLst/>
+          </a:lstStyle>
+          <a:p>
+            <a:pPr marL="109728" indent="0">
+              <a:buNone/>
+            </a:pPr>
+            <a:endParaRPr lang="en-US" sz="2000" dirty="0" smtClean="0">
+              <a:latin typeface="Calibri" panose="020F0502020204030204" pitchFamily="34" charset="0"/>
+              <a:cs typeface="Calibri" panose="020F0502020204030204" pitchFamily="34" charset="0"/>
+            </a:endParaRPr>
+          </a:p>
+        </p:txBody>
+      </p:sp>
+      <p:pic>
+        <p:nvPicPr>
+          <p:cNvPr id="6" name="Content Placeholder 3"/>
+          <p:cNvPicPr>
+            <a:picLocks noChangeAspect="1"/>
+          </p:cNvPicPr>
+          <p:nvPr/>
+        </p:nvPicPr>
+        <p:blipFill>
+          <a:blip r:embed="rId2">
+            <a:extLst>
+              <a:ext uri="{28A0092B-C50C-407E-A947-70E740481C1C}">
+                <a14:useLocalDpi xmlns:a14="http://schemas.microsoft.com/office/drawing/2010/main" val="0"/>
+              </a:ext>
+            </a:extLst>
+          </a:blip>
+          <a:stretch>
+            <a:fillRect/>
+          </a:stretch>
+        </p:blipFill>
+        <p:spPr>
+          <a:xfrm>
+            <a:off x="381000" y="1136822"/>
+            <a:ext cx="8153399" cy="5340178"/>
+          </a:xfrm>
+          <a:prstGeom prst="rect">
+            <a:avLst/>
+          </a:prstGeom>
+        </p:spPr>
+      </p:pic>
+    </p:spTree>
+    <p:extLst>
+      <p:ext uri="{BB962C8B-B14F-4D97-AF65-F5344CB8AC3E}">
+        <p14:creationId xmlns:p14="http://schemas.microsoft.com/office/powerpoint/2010/main" val="635250243"/>
+      </p:ext>
+    </p:extLst>
+  </p:cSld>
+  <p:clrMapOvr>
+    <a:masterClrMapping/>
+  </p:clrMapOvr>
+</p:sld>
+</file>
+
+<file path=ppt/slides/slide34.xml><?xml version="1.0" encoding="utf-8"?>
+<p:sld xmlns:a="http://schemas.openxmlformats.org/drawingml/2006/main" xmlns:r="http://schemas.openxmlformats.org/officeDocument/2006/relationships" xmlns:p="http://schemas.openxmlformats.org/presentationml/2006/main">
+  <p:cSld>
+    <p:spTree>
+      <p:nvGrpSpPr>
+        <p:cNvPr id="1" name=""/>
+        <p:cNvGrpSpPr/>
+        <p:nvPr/>
+      </p:nvGrpSpPr>
+      <p:grpSpPr>
+        <a:xfrm>
+          <a:off x="0" y="0"/>
+          <a:ext cx="0" cy="0"/>
+          <a:chOff x="0" y="0"/>
+          <a:chExt cx="0" cy="0"/>
+        </a:xfrm>
+      </p:grpSpPr>
+      <p:sp>
+        <p:nvSpPr>
+          <p:cNvPr id="2" name="Content Placeholder 1"/>
+          <p:cNvSpPr>
+            <a:spLocks noGrp="1"/>
+          </p:cNvSpPr>
+          <p:nvPr>
+            <p:ph idx="1"/>
+          </p:nvPr>
+        </p:nvSpPr>
+        <p:spPr>
+          <a:xfrm>
+            <a:off x="457200" y="381000"/>
+            <a:ext cx="8229600" cy="6172200"/>
+          </a:xfrm>
+        </p:spPr>
+        <p:txBody>
+          <a:bodyPr>
+            <a:normAutofit/>
+          </a:bodyPr>
+          <a:lstStyle/>
+          <a:p>
+            <a:pPr marL="109728" indent="0">
+              <a:buNone/>
+            </a:pPr>
+            <a:r>
+              <a:rPr lang="en-US" sz="2400" dirty="0">
+                <a:latin typeface="Calibri" panose="020F0502020204030204" pitchFamily="34" charset="0"/>
+                <a:cs typeface="Calibri" panose="020F0502020204030204" pitchFamily="34" charset="0"/>
+              </a:rPr>
+              <a:t>Model Building and Evaluation -Supervised Classification </a:t>
+            </a:r>
+            <a:endParaRPr lang="en-US" sz="2400" dirty="0" smtClean="0">
+              <a:latin typeface="Calibri" panose="020F0502020204030204" pitchFamily="34" charset="0"/>
+              <a:cs typeface="Calibri" panose="020F0502020204030204" pitchFamily="34" charset="0"/>
+            </a:endParaRPr>
+          </a:p>
+          <a:p>
+            <a:pPr marL="109728" indent="0">
+              <a:buNone/>
+            </a:pPr>
+            <a:r>
+              <a:rPr lang="en-US" sz="2400" dirty="0" smtClean="0">
+                <a:latin typeface="Calibri" panose="020F0502020204030204" pitchFamily="34" charset="0"/>
+                <a:cs typeface="Calibri" panose="020F0502020204030204" pitchFamily="34" charset="0"/>
+              </a:rPr>
+              <a:t>(non-text) Organization Type - Correlation </a:t>
+            </a:r>
+            <a:r>
+              <a:rPr lang="en-US" sz="2400" dirty="0">
+                <a:latin typeface="Calibri" panose="020F0502020204030204" pitchFamily="34" charset="0"/>
+                <a:cs typeface="Calibri" panose="020F0502020204030204" pitchFamily="34" charset="0"/>
+              </a:rPr>
+              <a:t>with Other Features</a:t>
+            </a:r>
+            <a:endParaRPr lang="en-US" sz="2400" dirty="0" smtClean="0">
+              <a:latin typeface="Calibri" panose="020F0502020204030204" pitchFamily="34" charset="0"/>
+              <a:cs typeface="Calibri" panose="020F0502020204030204" pitchFamily="34" charset="0"/>
+            </a:endParaRPr>
+          </a:p>
+          <a:p>
+            <a:pPr marL="109728" indent="0">
+              <a:buNone/>
+            </a:pPr>
+            <a:endParaRPr lang="en-US" sz="2400" dirty="0" smtClean="0">
+              <a:latin typeface="Calibri" panose="020F0502020204030204" pitchFamily="34" charset="0"/>
+              <a:cs typeface="Calibri" panose="020F0502020204030204" pitchFamily="34" charset="0"/>
+            </a:endParaRPr>
+          </a:p>
+          <a:p>
+            <a:pPr marL="109728" indent="0">
+              <a:buNone/>
+            </a:pPr>
+            <a:r>
+              <a:rPr lang="en-US" sz="2400" dirty="0" smtClean="0">
+                <a:latin typeface="Calibri" panose="020F0502020204030204" pitchFamily="34" charset="0"/>
+                <a:cs typeface="Calibri" panose="020F0502020204030204" pitchFamily="34" charset="0"/>
+              </a:rPr>
+              <a:t>What </a:t>
+            </a:r>
+            <a:r>
+              <a:rPr lang="en-US" sz="2400" dirty="0">
+                <a:latin typeface="Calibri" panose="020F0502020204030204" pitchFamily="34" charset="0"/>
+                <a:cs typeface="Calibri" panose="020F0502020204030204" pitchFamily="34" charset="0"/>
+              </a:rPr>
+              <a:t>are the findings from correlation analysis?</a:t>
+            </a:r>
+          </a:p>
+          <a:p>
+            <a:r>
+              <a:rPr lang="en-US" sz="2400" dirty="0">
+                <a:latin typeface="Calibri" panose="020F0502020204030204" pitchFamily="34" charset="0"/>
+                <a:cs typeface="Calibri" panose="020F0502020204030204" pitchFamily="34" charset="0"/>
+              </a:rPr>
+              <a:t>The higher values seem to occur with medical and harm.</a:t>
+            </a:r>
+          </a:p>
+          <a:p>
+            <a:r>
+              <a:rPr lang="en-US" sz="2400" dirty="0">
+                <a:latin typeface="Calibri" panose="020F0502020204030204" pitchFamily="34" charset="0"/>
+                <a:cs typeface="Calibri" panose="020F0502020204030204" pitchFamily="34" charset="0"/>
+              </a:rPr>
+              <a:t>Retail and medical have a negative correlation.</a:t>
+            </a:r>
+          </a:p>
+          <a:p>
+            <a:r>
+              <a:rPr lang="en-US" sz="2400" dirty="0">
+                <a:latin typeface="Calibri" panose="020F0502020204030204" pitchFamily="34" charset="0"/>
+                <a:cs typeface="Calibri" panose="020F0502020204030204" pitchFamily="34" charset="0"/>
+              </a:rPr>
+              <a:t>Medical has a positive correlation with the other organizations.</a:t>
+            </a:r>
+          </a:p>
+          <a:p>
+            <a:r>
+              <a:rPr lang="en-US" sz="2400" dirty="0">
+                <a:latin typeface="Calibri" panose="020F0502020204030204" pitchFamily="34" charset="0"/>
+                <a:cs typeface="Calibri" panose="020F0502020204030204" pitchFamily="34" charset="0"/>
+              </a:rPr>
+              <a:t>For the most part the correlation scores appear to be low.</a:t>
+            </a:r>
+          </a:p>
+          <a:p>
+            <a:pPr marL="109728" indent="0">
+              <a:buNone/>
+            </a:pPr>
+            <a:endParaRPr lang="en-US" sz="2400" dirty="0" smtClean="0">
+              <a:latin typeface="Calibri" panose="020F0502020204030204" pitchFamily="34" charset="0"/>
+              <a:cs typeface="Calibri" panose="020F0502020204030204" pitchFamily="34" charset="0"/>
+            </a:endParaRPr>
+          </a:p>
+        </p:txBody>
+      </p:sp>
+      <p:sp>
+        <p:nvSpPr>
+          <p:cNvPr id="5" name="Content Placeholder 1"/>
+          <p:cNvSpPr txBox="1">
+            <a:spLocks/>
+          </p:cNvSpPr>
+          <p:nvPr/>
+        </p:nvSpPr>
+        <p:spPr>
+          <a:xfrm>
+            <a:off x="457200" y="1481328"/>
+            <a:ext cx="8229600" cy="4525963"/>
+          </a:xfrm>
+          <a:prstGeom prst="rect">
+            <a:avLst/>
+          </a:prstGeom>
+        </p:spPr>
+        <p:txBody>
+          <a:bodyPr vert="horz">
+            <a:normAutofit/>
+          </a:bodyPr>
+          <a:lstStyle>
+            <a:lvl1pPr marL="365760" indent="-256032" algn="l" rtl="0" eaLnBrk="1" latinLnBrk="0" hangingPunct="1">
+              <a:spcBef>
+                <a:spcPts val="400"/>
+              </a:spcBef>
+              <a:spcAft>
+                <a:spcPts val="0"/>
+              </a:spcAft>
+              <a:buClr>
+                <a:schemeClr val="accent1"/>
+              </a:buClr>
+              <a:buSzPct val="68000"/>
+              <a:buFont typeface="Wingdings 3"/>
+              <a:buChar char=""/>
+              <a:defRPr kumimoji="0" sz="2700" kern="1200">
+                <a:solidFill>
+                  <a:schemeClr val="tx1"/>
+                </a:solidFill>
+                <a:latin typeface="+mn-lt"/>
+                <a:ea typeface="+mn-ea"/>
+                <a:cs typeface="+mn-cs"/>
+              </a:defRPr>
+            </a:lvl1pPr>
+            <a:lvl2pPr marL="621792" indent="-228600" algn="l" rtl="0" eaLnBrk="1" latinLnBrk="0" hangingPunct="1">
+              <a:spcBef>
+                <a:spcPts val="324"/>
+              </a:spcBef>
+              <a:buClr>
+                <a:schemeClr val="accent1"/>
+              </a:buClr>
+              <a:buFont typeface="Verdana"/>
+              <a:buChar char="◦"/>
+              <a:defRPr kumimoji="0" sz="2300" kern="1200">
+                <a:solidFill>
+                  <a:schemeClr val="tx1"/>
+                </a:solidFill>
+                <a:latin typeface="+mn-lt"/>
+                <a:ea typeface="+mn-ea"/>
+                <a:cs typeface="+mn-cs"/>
+              </a:defRPr>
+            </a:lvl2pPr>
+            <a:lvl3pPr marL="859536" indent="-228600" algn="l" rtl="0" eaLnBrk="1" latinLnBrk="0" hangingPunct="1">
+              <a:spcBef>
+                <a:spcPts val="350"/>
+              </a:spcBef>
+              <a:buClr>
+                <a:schemeClr val="accent2"/>
+              </a:buClr>
+              <a:buSzPct val="100000"/>
+              <a:buFont typeface="Wingdings 2"/>
+              <a:buChar char=""/>
+              <a:defRPr kumimoji="0" sz="2100" kern="1200">
+                <a:solidFill>
+                  <a:schemeClr val="tx1"/>
+                </a:solidFill>
+                <a:latin typeface="+mn-lt"/>
+                <a:ea typeface="+mn-ea"/>
+                <a:cs typeface="+mn-cs"/>
+              </a:defRPr>
+            </a:lvl3pPr>
+            <a:lvl4pPr marL="1143000" indent="-228600" algn="l" rtl="0" eaLnBrk="1" latinLnBrk="0" hangingPunct="1">
+              <a:spcBef>
+                <a:spcPts val="350"/>
+              </a:spcBef>
+              <a:buClr>
+                <a:schemeClr val="accent2"/>
+              </a:buClr>
+              <a:buFont typeface="Wingdings 2"/>
+              <a:buChar char=""/>
+              <a:defRPr kumimoji="0" sz="1900" kern="1200">
+                <a:solidFill>
+                  <a:schemeClr val="tx1"/>
+                </a:solidFill>
+                <a:latin typeface="+mn-lt"/>
+                <a:ea typeface="+mn-ea"/>
+                <a:cs typeface="+mn-cs"/>
+              </a:defRPr>
+            </a:lvl4pPr>
+            <a:lvl5pPr marL="1371600" indent="-228600" algn="l" rtl="0" eaLnBrk="1" latinLnBrk="0" hangingPunct="1">
+              <a:spcBef>
+                <a:spcPts val="350"/>
+              </a:spcBef>
+              <a:buClr>
+                <a:schemeClr val="accent2"/>
+              </a:buClr>
+              <a:buFont typeface="Wingdings 2"/>
+              <a:buChar char=""/>
+              <a:defRPr kumimoji="0" sz="1800" kern="1200">
+                <a:solidFill>
+                  <a:schemeClr val="tx1"/>
+                </a:solidFill>
+                <a:latin typeface="+mn-lt"/>
+                <a:ea typeface="+mn-ea"/>
+                <a:cs typeface="+mn-cs"/>
+              </a:defRPr>
+            </a:lvl5pPr>
+            <a:lvl6pPr marL="1600200" indent="-228600" algn="l" rtl="0" eaLnBrk="1" latinLnBrk="0" hangingPunct="1">
+              <a:spcBef>
+                <a:spcPts val="350"/>
+              </a:spcBef>
+              <a:buClr>
+                <a:schemeClr val="accent3"/>
+              </a:buClr>
+              <a:buFont typeface="Wingdings 2"/>
+              <a:buChar char=""/>
+              <a:defRPr kumimoji="0" sz="1800" kern="1200">
+                <a:solidFill>
+                  <a:schemeClr val="tx1"/>
+                </a:solidFill>
+                <a:latin typeface="+mn-lt"/>
+                <a:ea typeface="+mn-ea"/>
+                <a:cs typeface="+mn-cs"/>
+              </a:defRPr>
+            </a:lvl6pPr>
+            <a:lvl7pPr marL="1828800" indent="-228600" algn="l" rtl="0" eaLnBrk="1" latinLnBrk="0" hangingPunct="1">
+              <a:spcBef>
+                <a:spcPts val="350"/>
+              </a:spcBef>
+              <a:buClr>
+                <a:schemeClr val="accent3"/>
+              </a:buClr>
+              <a:buFont typeface="Wingdings 2"/>
+              <a:buChar char=""/>
+              <a:defRPr kumimoji="0" sz="1600" kern="1200">
+                <a:solidFill>
+                  <a:schemeClr val="tx1"/>
+                </a:solidFill>
+                <a:latin typeface="+mn-lt"/>
+                <a:ea typeface="+mn-ea"/>
+                <a:cs typeface="+mn-cs"/>
+              </a:defRPr>
+            </a:lvl7pPr>
+            <a:lvl8pPr marL="2057400" indent="-228600" algn="l" rtl="0" eaLnBrk="1" latinLnBrk="0" hangingPunct="1">
+              <a:spcBef>
+                <a:spcPts val="350"/>
+              </a:spcBef>
+              <a:buClr>
+                <a:schemeClr val="accent3"/>
+              </a:buClr>
+              <a:buFont typeface="Wingdings 2"/>
+              <a:buChar char=""/>
+              <a:defRPr kumimoji="0" sz="1600" kern="1200">
+                <a:solidFill>
+                  <a:schemeClr val="tx1"/>
+                </a:solidFill>
+                <a:latin typeface="+mn-lt"/>
+                <a:ea typeface="+mn-ea"/>
+                <a:cs typeface="+mn-cs"/>
+              </a:defRPr>
+            </a:lvl8pPr>
+            <a:lvl9pPr marL="2286000" indent="-228600" algn="l" rtl="0" eaLnBrk="1" latinLnBrk="0" hangingPunct="1">
+              <a:spcBef>
+                <a:spcPts val="350"/>
+              </a:spcBef>
+              <a:buClr>
+                <a:schemeClr val="accent3"/>
+              </a:buClr>
+              <a:buFont typeface="Wingdings 2"/>
+              <a:buChar char=""/>
+              <a:defRPr kumimoji="0" sz="1600" kern="1200" baseline="0">
+                <a:solidFill>
+                  <a:schemeClr val="tx1"/>
+                </a:solidFill>
+                <a:latin typeface="+mn-lt"/>
+                <a:ea typeface="+mn-ea"/>
+                <a:cs typeface="+mn-cs"/>
+              </a:defRPr>
+            </a:lvl9pPr>
+            <a:extLst/>
+          </a:lstStyle>
+          <a:p>
+            <a:pPr marL="109728" indent="0">
+              <a:buNone/>
+            </a:pPr>
+            <a:endParaRPr lang="en-US" sz="2000" dirty="0" smtClean="0">
+              <a:latin typeface="Calibri" panose="020F0502020204030204" pitchFamily="34" charset="0"/>
+              <a:cs typeface="Calibri" panose="020F0502020204030204" pitchFamily="34" charset="0"/>
+            </a:endParaRPr>
+          </a:p>
+        </p:txBody>
+      </p:sp>
+    </p:spTree>
+    <p:extLst>
+      <p:ext uri="{BB962C8B-B14F-4D97-AF65-F5344CB8AC3E}">
+        <p14:creationId xmlns:p14="http://schemas.microsoft.com/office/powerpoint/2010/main" val="1725654085"/>
       </p:ext>
     </p:extLst>
   </p:cSld>

--- a/Final Analysis - Data Capstone Project - Data Breaches.pptx
+++ b/Final Analysis - Data Capstone Project - Data Breaches.pptx
@@ -37,8 +37,18 @@
     <p:sldId id="285" r:id="rId31"/>
     <p:sldId id="286" r:id="rId32"/>
     <p:sldId id="287" r:id="rId33"/>
-    <p:sldId id="288" r:id="rId34"/>
-    <p:sldId id="289" r:id="rId35"/>
+    <p:sldId id="291" r:id="rId34"/>
+    <p:sldId id="292" r:id="rId35"/>
+    <p:sldId id="293" r:id="rId36"/>
+    <p:sldId id="294" r:id="rId37"/>
+    <p:sldId id="290" r:id="rId38"/>
+    <p:sldId id="288" r:id="rId39"/>
+    <p:sldId id="289" r:id="rId40"/>
+    <p:sldId id="296" r:id="rId41"/>
+    <p:sldId id="297" r:id="rId42"/>
+    <p:sldId id="298" r:id="rId43"/>
+    <p:sldId id="299" r:id="rId44"/>
+    <p:sldId id="300" r:id="rId45"/>
   </p:sldIdLst>
   <p:sldSz cx="9144000" cy="6858000" type="screen4x3"/>
   <p:notesSz cx="6858000" cy="9144000"/>
@@ -8215,8 +8225,35 @@
                 <a:latin typeface="Calibri" panose="020F0502020204030204" pitchFamily="34" charset="0"/>
                 <a:cs typeface="Calibri" panose="020F0502020204030204" pitchFamily="34" charset="0"/>
               </a:rPr>
-              <a:t>Breach Type as Classifier</a:t>
-            </a:r>
+              <a:t>Breach Type as </a:t>
+            </a:r>
+            <a:r>
+              <a:rPr lang="en-US" dirty="0" smtClean="0">
+                <a:latin typeface="Calibri" panose="020F0502020204030204" pitchFamily="34" charset="0"/>
+                <a:cs typeface="Calibri" panose="020F0502020204030204" pitchFamily="34" charset="0"/>
+              </a:rPr>
+              <a:t>Classifier</a:t>
+            </a:r>
+          </a:p>
+          <a:p>
+            <a:r>
+              <a:rPr lang="en-US" dirty="0">
+                <a:latin typeface="Calibri" panose="020F0502020204030204" pitchFamily="34" charset="0"/>
+                <a:cs typeface="Calibri" panose="020F0502020204030204" pitchFamily="34" charset="0"/>
+              </a:rPr>
+              <a:t>This is a multi-class classification </a:t>
+            </a:r>
+            <a:r>
+              <a:rPr lang="en-US" dirty="0" smtClean="0">
+                <a:latin typeface="Calibri" panose="020F0502020204030204" pitchFamily="34" charset="0"/>
+                <a:cs typeface="Calibri" panose="020F0502020204030204" pitchFamily="34" charset="0"/>
+              </a:rPr>
+              <a:t>(8 types)</a:t>
+            </a:r>
+            <a:endParaRPr lang="en-US" dirty="0">
+              <a:latin typeface="Calibri" panose="020F0502020204030204" pitchFamily="34" charset="0"/>
+              <a:cs typeface="Calibri" panose="020F0502020204030204" pitchFamily="34" charset="0"/>
+            </a:endParaRPr>
           </a:p>
           <a:p>
             <a:r>
@@ -13371,15 +13408,29 @@
               </a:rPr>
               <a:t>building </a:t>
             </a:r>
+            <a:r>
+              <a:rPr lang="en-US" sz="2000" dirty="0" smtClean="0">
+                <a:latin typeface="Calibri" panose="020F0502020204030204" pitchFamily="34" charset="0"/>
+                <a:cs typeface="Calibri" panose="020F0502020204030204" pitchFamily="34" charset="0"/>
+              </a:rPr>
+              <a:t>and Validation</a:t>
+            </a:r>
           </a:p>
           <a:p>
             <a:pPr lvl="1"/>
             <a:r>
+              <a:rPr lang="en-US" sz="2000" dirty="0" smtClean="0">
+                <a:latin typeface="Calibri" panose="020F0502020204030204" pitchFamily="34" charset="0"/>
+                <a:cs typeface="Calibri" panose="020F0502020204030204" pitchFamily="34" charset="0"/>
+              </a:rPr>
+              <a:t>Decision </a:t>
+            </a:r>
+            <a:r>
               <a:rPr lang="en-US" sz="2000" dirty="0">
                 <a:latin typeface="Calibri" panose="020F0502020204030204" pitchFamily="34" charset="0"/>
                 <a:cs typeface="Calibri" panose="020F0502020204030204" pitchFamily="34" charset="0"/>
               </a:rPr>
-              <a:t>Decision Tree Model (Observation - </a:t>
+              <a:t>Tree Model (Observation - </a:t>
             </a:r>
             <a:r>
               <a:rPr lang="en-US" sz="2000" dirty="0" smtClean="0">
@@ -13393,7 +13444,24 @@
                 <a:latin typeface="Calibri" panose="020F0502020204030204" pitchFamily="34" charset="0"/>
                 <a:cs typeface="Calibri" panose="020F0502020204030204" pitchFamily="34" charset="0"/>
               </a:rPr>
-              <a:t>the max depth to 6 and min samples to 45, improved accuracy of model)</a:t>
+              <a:t>the max depth to 6 and min samples to 45, improved accuracy of model</a:t>
+            </a:r>
+            <a:r>
+              <a:rPr lang="en-US" sz="2000" dirty="0" smtClean="0">
+                <a:latin typeface="Calibri" panose="020F0502020204030204" pitchFamily="34" charset="0"/>
+                <a:cs typeface="Calibri" panose="020F0502020204030204" pitchFamily="34" charset="0"/>
+              </a:rPr>
+              <a:t>)</a:t>
+            </a:r>
+          </a:p>
+          <a:p>
+            <a:pPr lvl="1"/>
+            <a:r>
+              <a:rPr lang="en-US" sz="2000" dirty="0">
+                <a:latin typeface="Calibri" panose="020F0502020204030204" pitchFamily="34" charset="0"/>
+                <a:cs typeface="Calibri" panose="020F0502020204030204" pitchFamily="34" charset="0"/>
+              </a:rPr>
+              <a:t>Logistic  and Logit Regression</a:t>
             </a:r>
           </a:p>
           <a:p>
@@ -13445,100 +13513,81 @@
               <a:buFont typeface="Wingdings 3"/>
               <a:buChar char=""/>
             </a:pPr>
+            <a:endParaRPr lang="en-US" sz="2000" dirty="0" smtClean="0">
+              <a:latin typeface="Calibri" panose="020F0502020204030204" pitchFamily="34" charset="0"/>
+              <a:cs typeface="Calibri" panose="020F0502020204030204" pitchFamily="34" charset="0"/>
+            </a:endParaRPr>
+          </a:p>
+          <a:p>
+            <a:pPr marL="365760" lvl="2" indent="-256032">
+              <a:spcBef>
+                <a:spcPts val="400"/>
+              </a:spcBef>
+              <a:buClr>
+                <a:schemeClr val="accent1"/>
+              </a:buClr>
+              <a:buSzPct val="68000"/>
+              <a:buFont typeface="Wingdings 3"/>
+              <a:buChar char=""/>
+            </a:pPr>
+            <a:r>
+              <a:rPr lang="en-US" sz="2000" dirty="0" smtClean="0">
+                <a:latin typeface="Calibri" panose="020F0502020204030204" pitchFamily="34" charset="0"/>
+                <a:cs typeface="Calibri" panose="020F0502020204030204" pitchFamily="34" charset="0"/>
+              </a:rPr>
+              <a:t>Split </a:t>
+            </a:r>
+            <a:r>
+              <a:rPr lang="en-US" sz="2000" dirty="0">
+                <a:latin typeface="Calibri" panose="020F0502020204030204" pitchFamily="34" charset="0"/>
+                <a:cs typeface="Calibri" panose="020F0502020204030204" pitchFamily="34" charset="0"/>
+              </a:rPr>
+              <a:t>Validation 30/70</a:t>
+            </a:r>
+          </a:p>
+          <a:p>
+            <a:pPr marL="365760" lvl="2" indent="-256032">
+              <a:spcBef>
+                <a:spcPts val="400"/>
+              </a:spcBef>
+              <a:buClr>
+                <a:schemeClr val="accent1"/>
+              </a:buClr>
+              <a:buSzPct val="68000"/>
+              <a:buFont typeface="Wingdings 3"/>
+              <a:buChar char=""/>
+            </a:pPr>
+            <a:r>
+              <a:rPr lang="en-US" sz="2000" dirty="0">
+                <a:latin typeface="Calibri" panose="020F0502020204030204" pitchFamily="34" charset="0"/>
+                <a:cs typeface="Calibri" panose="020F0502020204030204" pitchFamily="34" charset="0"/>
+              </a:rPr>
+              <a:t>Cross Evaluation</a:t>
+            </a:r>
+          </a:p>
+          <a:p>
+            <a:pPr marL="365760" lvl="2" indent="-256032">
+              <a:spcBef>
+                <a:spcPts val="400"/>
+              </a:spcBef>
+              <a:buClr>
+                <a:schemeClr val="accent1"/>
+              </a:buClr>
+              <a:buSzPct val="68000"/>
+              <a:buFont typeface="Wingdings 3"/>
+              <a:buChar char=""/>
+            </a:pPr>
+            <a:r>
+              <a:rPr lang="en-US" sz="2000" dirty="0" smtClean="0">
+                <a:latin typeface="Calibri" panose="020F0502020204030204" pitchFamily="34" charset="0"/>
+                <a:cs typeface="Calibri" panose="020F0502020204030204" pitchFamily="34" charset="0"/>
+              </a:rPr>
+              <a:t>Model Evaluation</a:t>
+            </a:r>
             <a:endParaRPr lang="en-US" sz="2000" dirty="0">
               <a:latin typeface="Calibri" panose="020F0502020204030204" pitchFamily="34" charset="0"/>
               <a:cs typeface="Calibri" panose="020F0502020204030204" pitchFamily="34" charset="0"/>
             </a:endParaRPr>
-          </a:p>
-          <a:p>
-            <a:pPr marL="365760" lvl="2" indent="-256032">
-              <a:spcBef>
-                <a:spcPts val="400"/>
-              </a:spcBef>
-              <a:buClr>
-                <a:schemeClr val="accent1"/>
-              </a:buClr>
-              <a:buSzPct val="68000"/>
-              <a:buFont typeface="Wingdings 3"/>
-              <a:buChar char=""/>
-            </a:pPr>
-            <a:r>
-              <a:rPr lang="en-US" sz="2000" dirty="0" smtClean="0">
-                <a:latin typeface="Calibri" panose="020F0502020204030204" pitchFamily="34" charset="0"/>
-                <a:cs typeface="Calibri" panose="020F0502020204030204" pitchFamily="34" charset="0"/>
-              </a:rPr>
-              <a:t>Split </a:t>
-            </a:r>
-            <a:r>
-              <a:rPr lang="en-US" sz="2000" dirty="0">
-                <a:latin typeface="Calibri" panose="020F0502020204030204" pitchFamily="34" charset="0"/>
-                <a:cs typeface="Calibri" panose="020F0502020204030204" pitchFamily="34" charset="0"/>
-              </a:rPr>
-              <a:t>Validation </a:t>
-            </a:r>
-            <a:r>
-              <a:rPr lang="en-US" sz="2000" dirty="0" smtClean="0">
-                <a:latin typeface="Calibri" panose="020F0502020204030204" pitchFamily="34" charset="0"/>
-                <a:cs typeface="Calibri" panose="020F0502020204030204" pitchFamily="34" charset="0"/>
-              </a:rPr>
-              <a:t>30/70</a:t>
-            </a:r>
-          </a:p>
-          <a:p>
-            <a:pPr marL="365760" lvl="2" indent="-256032">
-              <a:spcBef>
-                <a:spcPts val="400"/>
-              </a:spcBef>
-              <a:buClr>
-                <a:schemeClr val="accent1"/>
-              </a:buClr>
-              <a:buSzPct val="68000"/>
-              <a:buFont typeface="Wingdings 3"/>
-              <a:buChar char=""/>
-            </a:pPr>
-            <a:endParaRPr lang="en-US" sz="2000" dirty="0">
-              <a:latin typeface="Calibri" panose="020F0502020204030204" pitchFamily="34" charset="0"/>
-              <a:cs typeface="Calibri" panose="020F0502020204030204" pitchFamily="34" charset="0"/>
-            </a:endParaRPr>
-          </a:p>
-          <a:p>
-            <a:pPr marL="365760" lvl="2" indent="-256032">
-              <a:spcBef>
-                <a:spcPts val="400"/>
-              </a:spcBef>
-              <a:buClr>
-                <a:schemeClr val="accent1"/>
-              </a:buClr>
-              <a:buSzPct val="68000"/>
-              <a:buFont typeface="Wingdings 3"/>
-              <a:buChar char=""/>
-            </a:pPr>
-            <a:r>
-              <a:rPr lang="en-US" sz="2000" dirty="0" smtClean="0">
-                <a:latin typeface="Calibri" panose="020F0502020204030204" pitchFamily="34" charset="0"/>
-                <a:cs typeface="Calibri" panose="020F0502020204030204" pitchFamily="34" charset="0"/>
-              </a:rPr>
-              <a:t>Model Evaluation</a:t>
-            </a:r>
-            <a:endParaRPr lang="en-US" sz="2000" dirty="0">
-              <a:latin typeface="Calibri" panose="020F0502020204030204" pitchFamily="34" charset="0"/>
-              <a:cs typeface="Calibri" panose="020F0502020204030204" pitchFamily="34" charset="0"/>
-            </a:endParaRPr>
-          </a:p>
-          <a:p>
-            <a:pPr marL="690372" lvl="2" indent="-342900">
-              <a:spcBef>
-                <a:spcPts val="400"/>
-              </a:spcBef>
-              <a:buSzPct val="68000"/>
-            </a:pPr>
-            <a:r>
-              <a:rPr lang="en-US" sz="1800" dirty="0">
-                <a:latin typeface="Calibri" panose="020F0502020204030204" pitchFamily="34" charset="0"/>
-                <a:cs typeface="Calibri" panose="020F0502020204030204" pitchFamily="34" charset="0"/>
-              </a:rPr>
-              <a:t>Cross Evaluation</a:t>
-            </a:r>
           </a:p>
           <a:p>
             <a:pPr marL="109728" indent="0">
@@ -14581,61 +14630,176 @@
           </a:bodyPr>
           <a:lstStyle/>
           <a:p>
+            <a:pPr marL="109728" indent="0">
+              <a:buNone/>
+            </a:pPr>
+            <a:r>
+              <a:rPr lang="en-US" sz="2400" dirty="0">
+                <a:latin typeface="Calibri" panose="020F0502020204030204" pitchFamily="34" charset="0"/>
+                <a:cs typeface="Calibri" panose="020F0502020204030204" pitchFamily="34" charset="0"/>
+              </a:rPr>
+              <a:t>Model Building and Evaluation -Supervised Classification </a:t>
+            </a:r>
+          </a:p>
+          <a:p>
             <a:pPr marL="109728" indent="0" algn="ctr">
               <a:buNone/>
             </a:pPr>
             <a:r>
-              <a:rPr lang="en-US" sz="1800" dirty="0">
-                <a:latin typeface="Calibri" panose="020F0502020204030204" pitchFamily="34" charset="0"/>
-                <a:cs typeface="Calibri" panose="020F0502020204030204" pitchFamily="34" charset="0"/>
-              </a:rPr>
-              <a:t>Model Building and Evaluation -Supervised Classification </a:t>
-            </a:r>
-          </a:p>
-          <a:p>
-            <a:pPr marL="109728" indent="0" algn="ctr">
-              <a:buNone/>
-            </a:pPr>
-            <a:r>
-              <a:rPr lang="en-US" sz="1800" dirty="0">
-                <a:latin typeface="Calibri" panose="020F0502020204030204" pitchFamily="34" charset="0"/>
-                <a:cs typeface="Calibri" panose="020F0502020204030204" pitchFamily="34" charset="0"/>
-              </a:rPr>
-              <a:t>(non-text </a:t>
-            </a:r>
-            <a:r>
-              <a:rPr lang="en-US" sz="1800" dirty="0" smtClean="0">
-                <a:latin typeface="Calibri" panose="020F0502020204030204" pitchFamily="34" charset="0"/>
-                <a:cs typeface="Calibri" panose="020F0502020204030204" pitchFamily="34" charset="0"/>
-              </a:rPr>
-              <a:t>) Organization Types - Correlation </a:t>
-            </a:r>
-            <a:r>
-              <a:rPr lang="en-US" sz="1800" dirty="0">
-                <a:latin typeface="Calibri" panose="020F0502020204030204" pitchFamily="34" charset="0"/>
-                <a:cs typeface="Calibri" panose="020F0502020204030204" pitchFamily="34" charset="0"/>
-              </a:rPr>
-              <a:t>with Other features</a:t>
-            </a:r>
-            <a:endParaRPr lang="en-US" sz="1800" dirty="0" smtClean="0">
-              <a:latin typeface="Calibri" panose="020F0502020204030204" pitchFamily="34" charset="0"/>
-              <a:cs typeface="Calibri" panose="020F0502020204030204" pitchFamily="34" charset="0"/>
-            </a:endParaRPr>
-          </a:p>
-          <a:p>
-            <a:pPr marL="109728" indent="0" algn="ctr">
-              <a:buNone/>
-            </a:pPr>
+              <a:rPr lang="en-US" sz="2400" dirty="0">
+                <a:latin typeface="Calibri" panose="020F0502020204030204" pitchFamily="34" charset="0"/>
+                <a:cs typeface="Calibri" panose="020F0502020204030204" pitchFamily="34" charset="0"/>
+              </a:rPr>
+              <a:t>(non-text features) Breach </a:t>
+            </a:r>
+            <a:r>
+              <a:rPr lang="en-US" sz="2400" dirty="0" smtClean="0">
+                <a:latin typeface="Calibri" panose="020F0502020204030204" pitchFamily="34" charset="0"/>
+                <a:cs typeface="Calibri" panose="020F0502020204030204" pitchFamily="34" charset="0"/>
+              </a:rPr>
+              <a:t>Types – Decision Tree</a:t>
+            </a:r>
+          </a:p>
+          <a:p>
+            <a:r>
+              <a:rPr lang="en-US" sz="2000" dirty="0">
+                <a:latin typeface="Calibri" panose="020F0502020204030204" pitchFamily="34" charset="0"/>
+                <a:cs typeface="Calibri" panose="020F0502020204030204" pitchFamily="34" charset="0"/>
+              </a:rPr>
+              <a:t>Decision Tree Model not a good fit </a:t>
+            </a:r>
+            <a:r>
+              <a:rPr lang="en-US" sz="2000" dirty="0" smtClean="0">
+                <a:latin typeface="Calibri" panose="020F0502020204030204" pitchFamily="34" charset="0"/>
+                <a:cs typeface="Calibri" panose="020F0502020204030204" pitchFamily="34" charset="0"/>
+              </a:rPr>
+              <a:t>at .45</a:t>
+            </a:r>
+          </a:p>
+          <a:p>
             <a:endParaRPr lang="en-US" sz="2400" dirty="0">
               <a:latin typeface="Calibri" panose="020F0502020204030204" pitchFamily="34" charset="0"/>
               <a:cs typeface="Calibri" panose="020F0502020204030204" pitchFamily="34" charset="0"/>
             </a:endParaRPr>
           </a:p>
           <a:p>
-            <a:pPr marL="109728" indent="0">
+            <a:pPr marL="109728" indent="0" algn="ctr">
               <a:buNone/>
             </a:pPr>
             <a:endParaRPr lang="en-US" sz="2400" dirty="0" smtClean="0">
+              <a:latin typeface="Calibri" panose="020F0502020204030204" pitchFamily="34" charset="0"/>
+              <a:cs typeface="Calibri" panose="020F0502020204030204" pitchFamily="34" charset="0"/>
+            </a:endParaRPr>
+          </a:p>
+          <a:p>
+            <a:pPr marL="109728" indent="0" algn="ctr">
+              <a:buNone/>
+            </a:pPr>
+            <a:endParaRPr lang="en-US" sz="2400" dirty="0">
+              <a:latin typeface="Calibri" panose="020F0502020204030204" pitchFamily="34" charset="0"/>
+              <a:cs typeface="Calibri" panose="020F0502020204030204" pitchFamily="34" charset="0"/>
+            </a:endParaRPr>
+          </a:p>
+          <a:p>
+            <a:pPr marL="109728" indent="0" algn="ctr">
+              <a:buNone/>
+            </a:pPr>
+            <a:endParaRPr lang="en-US" sz="2400" dirty="0" smtClean="0">
+              <a:latin typeface="Calibri" panose="020F0502020204030204" pitchFamily="34" charset="0"/>
+              <a:cs typeface="Calibri" panose="020F0502020204030204" pitchFamily="34" charset="0"/>
+            </a:endParaRPr>
+          </a:p>
+          <a:p>
+            <a:pPr marL="109728" indent="0" algn="ctr">
+              <a:buNone/>
+            </a:pPr>
+            <a:endParaRPr lang="en-US" sz="2400" dirty="0">
+              <a:latin typeface="Calibri" panose="020F0502020204030204" pitchFamily="34" charset="0"/>
+              <a:cs typeface="Calibri" panose="020F0502020204030204" pitchFamily="34" charset="0"/>
+            </a:endParaRPr>
+          </a:p>
+          <a:p>
+            <a:pPr marL="109728" indent="0" algn="ctr">
+              <a:buNone/>
+            </a:pPr>
+            <a:endParaRPr lang="en-US" sz="2400" dirty="0" smtClean="0">
+              <a:latin typeface="Calibri" panose="020F0502020204030204" pitchFamily="34" charset="0"/>
+              <a:cs typeface="Calibri" panose="020F0502020204030204" pitchFamily="34" charset="0"/>
+            </a:endParaRPr>
+          </a:p>
+          <a:p>
+            <a:pPr marL="109728" indent="0" algn="ctr">
+              <a:buNone/>
+            </a:pPr>
+            <a:endParaRPr lang="en-US" sz="2400" dirty="0">
+              <a:latin typeface="Calibri" panose="020F0502020204030204" pitchFamily="34" charset="0"/>
+              <a:cs typeface="Calibri" panose="020F0502020204030204" pitchFamily="34" charset="0"/>
+            </a:endParaRPr>
+          </a:p>
+          <a:p>
+            <a:pPr marL="109728" indent="0" algn="ctr">
+              <a:buNone/>
+            </a:pPr>
+            <a:endParaRPr lang="en-US" sz="2400" dirty="0">
+              <a:latin typeface="Calibri" panose="020F0502020204030204" pitchFamily="34" charset="0"/>
+              <a:cs typeface="Calibri" panose="020F0502020204030204" pitchFamily="34" charset="0"/>
+            </a:endParaRPr>
+          </a:p>
+          <a:p>
+            <a:r>
+              <a:rPr lang="en-US" sz="1200" dirty="0">
+                <a:latin typeface="Calibri" panose="020F0502020204030204" pitchFamily="34" charset="0"/>
+                <a:cs typeface="Calibri" panose="020F0502020204030204" pitchFamily="34" charset="0"/>
+              </a:rPr>
+              <a:t>Overall accuracy .448655256724 </a:t>
+            </a:r>
+          </a:p>
+          <a:p>
+            <a:r>
+              <a:rPr lang="en-US" sz="1200" dirty="0">
+                <a:latin typeface="Calibri" panose="020F0502020204030204" pitchFamily="34" charset="0"/>
+                <a:cs typeface="Calibri" panose="020F0502020204030204" pitchFamily="34" charset="0"/>
+              </a:rPr>
+              <a:t>The decision tree model went from 40% to 45% accurate when adjusting the depth and number of leaves. Therefore, we expect that the model will be about 45% accurate when the model is applied into a real-world situation </a:t>
+            </a:r>
+          </a:p>
+          <a:p>
+            <a:r>
+              <a:rPr lang="en-US" sz="1200" dirty="0">
+                <a:latin typeface="Calibri" panose="020F0502020204030204" pitchFamily="34" charset="0"/>
+                <a:cs typeface="Calibri" panose="020F0502020204030204" pitchFamily="34" charset="0"/>
+              </a:rPr>
+              <a:t>Hacking is showing the most accurate prediction of all at 494. </a:t>
+            </a:r>
+          </a:p>
+          <a:p>
+            <a:r>
+              <a:rPr lang="en-US" sz="1200" dirty="0">
+                <a:latin typeface="Calibri" panose="020F0502020204030204" pitchFamily="34" charset="0"/>
+                <a:cs typeface="Calibri" panose="020F0502020204030204" pitchFamily="34" charset="0"/>
+              </a:rPr>
+              <a:t>Overall accuracy calculated as correctly classified 2454 total in test </a:t>
+            </a:r>
+            <a:r>
+              <a:rPr lang="en-US" sz="1200" dirty="0" err="1">
+                <a:latin typeface="Calibri" panose="020F0502020204030204" pitchFamily="34" charset="0"/>
+                <a:cs typeface="Calibri" panose="020F0502020204030204" pitchFamily="34" charset="0"/>
+              </a:rPr>
+              <a:t>dsn</a:t>
+            </a:r>
+            <a:r>
+              <a:rPr lang="en-US" sz="1200" dirty="0">
+                <a:latin typeface="Calibri" panose="020F0502020204030204" pitchFamily="34" charset="0"/>
+                <a:cs typeface="Calibri" panose="020F0502020204030204" pitchFamily="34" charset="0"/>
+              </a:rPr>
+              <a:t> = 45%</a:t>
+            </a:r>
+          </a:p>
+          <a:p>
+            <a:pPr marL="109728" indent="0">
+              <a:buNone/>
+            </a:pPr>
+            <a:endParaRPr lang="en-US" sz="1200" dirty="0" smtClean="0">
               <a:latin typeface="Calibri" panose="020F0502020204030204" pitchFamily="34" charset="0"/>
               <a:cs typeface="Calibri" panose="020F0502020204030204" pitchFamily="34" charset="0"/>
             </a:endParaRPr>
@@ -14846,7 +15010,7 @@
       </p:sp>
       <p:pic>
         <p:nvPicPr>
-          <p:cNvPr id="6" name="Content Placeholder 3"/>
+          <p:cNvPr id="4" name="Content Placeholder 8"/>
           <p:cNvPicPr>
             <a:picLocks noChangeAspect="1"/>
           </p:cNvPicPr>
@@ -14866,8 +15030,8 @@
         </p:blipFill>
         <p:spPr>
           <a:xfrm>
-            <a:off x="381000" y="1136822"/>
-            <a:ext cx="8153399" cy="5340178"/>
+            <a:off x="1371600" y="1676400"/>
+            <a:ext cx="4590454" cy="3246339"/>
           </a:xfrm>
           <a:prstGeom prst="rect">
             <a:avLst/>
@@ -14877,7 +15041,7 @@
     </p:spTree>
     <p:extLst>
       <p:ext uri="{BB962C8B-B14F-4D97-AF65-F5344CB8AC3E}">
-        <p14:creationId xmlns:p14="http://schemas.microsoft.com/office/powerpoint/2010/main" val="635250243"/>
+        <p14:creationId xmlns:p14="http://schemas.microsoft.com/office/powerpoint/2010/main" val="1876376975"/>
       </p:ext>
     </p:extLst>
   </p:cSld>
@@ -14936,36 +15100,151 @@
               </a:rPr>
               <a:t>Model Building and Evaluation -Supervised Classification </a:t>
             </a:r>
+          </a:p>
+          <a:p>
+            <a:pPr marL="109728" indent="0" algn="ctr">
+              <a:buNone/>
+            </a:pPr>
+            <a:r>
+              <a:rPr lang="en-US" sz="2400" dirty="0">
+                <a:latin typeface="Calibri" panose="020F0502020204030204" pitchFamily="34" charset="0"/>
+                <a:cs typeface="Calibri" panose="020F0502020204030204" pitchFamily="34" charset="0"/>
+              </a:rPr>
+              <a:t>(non-text features) Breach </a:t>
+            </a:r>
+            <a:r>
+              <a:rPr lang="en-US" sz="2400" dirty="0" smtClean="0">
+                <a:latin typeface="Calibri" panose="020F0502020204030204" pitchFamily="34" charset="0"/>
+                <a:cs typeface="Calibri" panose="020F0502020204030204" pitchFamily="34" charset="0"/>
+              </a:rPr>
+              <a:t>Types – Decision Tree</a:t>
+            </a:r>
+          </a:p>
+          <a:p>
+            <a:r>
+              <a:rPr lang="en-US" sz="1400" dirty="0">
+                <a:latin typeface="Calibri" panose="020F0502020204030204" pitchFamily="34" charset="0"/>
+                <a:cs typeface="Calibri" panose="020F0502020204030204" pitchFamily="34" charset="0"/>
+              </a:rPr>
+              <a:t>Created Scoring dataset by removing Breach Type from dataset (Y</a:t>
+            </a:r>
+            <a:r>
+              <a:rPr lang="en-US" sz="1400" dirty="0" smtClean="0">
+                <a:latin typeface="Calibri" panose="020F0502020204030204" pitchFamily="34" charset="0"/>
+                <a:cs typeface="Calibri" panose="020F0502020204030204" pitchFamily="34" charset="0"/>
+              </a:rPr>
+              <a:t>)</a:t>
+            </a:r>
+          </a:p>
+          <a:p>
+            <a:r>
+              <a:rPr lang="en-US" sz="1400" dirty="0" smtClean="0">
+                <a:latin typeface="Calibri" panose="020F0502020204030204" pitchFamily="34" charset="0"/>
+                <a:cs typeface="Calibri" panose="020F0502020204030204" pitchFamily="34" charset="0"/>
+              </a:rPr>
+              <a:t>Fit </a:t>
+            </a:r>
+            <a:r>
+              <a:rPr lang="en-US" sz="1400" dirty="0">
+                <a:latin typeface="Calibri" panose="020F0502020204030204" pitchFamily="34" charset="0"/>
+                <a:cs typeface="Calibri" panose="020F0502020204030204" pitchFamily="34" charset="0"/>
+              </a:rPr>
+              <a:t>scoring data to Decision Tree model and created ‘Predicted Y</a:t>
+            </a:r>
+            <a:r>
+              <a:rPr lang="en-US" sz="1400" dirty="0" smtClean="0">
+                <a:latin typeface="Calibri" panose="020F0502020204030204" pitchFamily="34" charset="0"/>
+                <a:cs typeface="Calibri" panose="020F0502020204030204" pitchFamily="34" charset="0"/>
+              </a:rPr>
+              <a:t>’</a:t>
+            </a:r>
+          </a:p>
+          <a:p>
+            <a:pPr marL="365760" lvl="8" indent="-256032">
+              <a:spcBef>
+                <a:spcPts val="400"/>
+              </a:spcBef>
+              <a:buClr>
+                <a:schemeClr val="accent1"/>
+              </a:buClr>
+              <a:buSzPct val="68000"/>
+              <a:buFont typeface="Wingdings 3"/>
+              <a:buChar char=""/>
+            </a:pPr>
+            <a:r>
+              <a:rPr lang="en-US" altLang="en-US" sz="1400" dirty="0">
+                <a:solidFill>
+                  <a:srgbClr val="000000"/>
+                </a:solidFill>
+                <a:latin typeface="Calibri" panose="020F0502020204030204" pitchFamily="34" charset="0"/>
+                <a:cs typeface="Calibri" panose="020F0502020204030204" pitchFamily="34" charset="0"/>
+              </a:rPr>
+              <a:t>Reduced sample size from 45 to 5. With these features showing 95% accurate, </a:t>
+            </a:r>
+          </a:p>
+          <a:p>
+            <a:r>
+              <a:rPr lang="en-US" sz="1400" dirty="0" smtClean="0">
+                <a:latin typeface="Calibri" panose="020F0502020204030204" pitchFamily="34" charset="0"/>
+                <a:cs typeface="Calibri" panose="020F0502020204030204" pitchFamily="34" charset="0"/>
+              </a:rPr>
+              <a:t>Overall </a:t>
+            </a:r>
+            <a:r>
+              <a:rPr lang="en-US" sz="1400" dirty="0">
+                <a:latin typeface="Calibri" panose="020F0502020204030204" pitchFamily="34" charset="0"/>
+                <a:cs typeface="Calibri" panose="020F0502020204030204" pitchFamily="34" charset="0"/>
+              </a:rPr>
+              <a:t>accuracy = 0.950692746536 </a:t>
+            </a:r>
+          </a:p>
+          <a:p>
+            <a:pPr marL="109728" indent="0">
+              <a:buNone/>
+            </a:pPr>
+            <a:endParaRPr lang="en-US" sz="2200" dirty="0">
+              <a:latin typeface="Calibri" panose="020F0502020204030204" pitchFamily="34" charset="0"/>
+              <a:cs typeface="Calibri" panose="020F0502020204030204" pitchFamily="34" charset="0"/>
+            </a:endParaRPr>
+          </a:p>
+          <a:p>
+            <a:pPr marL="109728" indent="0" algn="ctr">
+              <a:buNone/>
+            </a:pPr>
             <a:endParaRPr lang="en-US" sz="2400" dirty="0" smtClean="0">
               <a:latin typeface="Calibri" panose="020F0502020204030204" pitchFamily="34" charset="0"/>
               <a:cs typeface="Calibri" panose="020F0502020204030204" pitchFamily="34" charset="0"/>
             </a:endParaRPr>
           </a:p>
           <a:p>
-            <a:pPr marL="109728" indent="0">
-              <a:buNone/>
-            </a:pPr>
-            <a:r>
-              <a:rPr lang="en-US" sz="2400" dirty="0" smtClean="0">
-                <a:latin typeface="Calibri" panose="020F0502020204030204" pitchFamily="34" charset="0"/>
-                <a:cs typeface="Calibri" panose="020F0502020204030204" pitchFamily="34" charset="0"/>
-              </a:rPr>
-              <a:t>(non-text) Organization Type - Correlation </a:t>
-            </a:r>
-            <a:r>
-              <a:rPr lang="en-US" sz="2400" dirty="0">
-                <a:latin typeface="Calibri" panose="020F0502020204030204" pitchFamily="34" charset="0"/>
-                <a:cs typeface="Calibri" panose="020F0502020204030204" pitchFamily="34" charset="0"/>
-              </a:rPr>
-              <a:t>with Other Features</a:t>
-            </a:r>
+            <a:pPr marL="109728" indent="0" algn="ctr">
+              <a:buNone/>
+            </a:pPr>
+            <a:endParaRPr lang="en-US" sz="2400" dirty="0">
+              <a:latin typeface="Calibri" panose="020F0502020204030204" pitchFamily="34" charset="0"/>
+              <a:cs typeface="Calibri" panose="020F0502020204030204" pitchFamily="34" charset="0"/>
+            </a:endParaRPr>
+          </a:p>
+          <a:p>
+            <a:pPr marL="109728" indent="0" algn="ctr">
+              <a:buNone/>
+            </a:pPr>
             <a:endParaRPr lang="en-US" sz="2400" dirty="0" smtClean="0">
               <a:latin typeface="Calibri" panose="020F0502020204030204" pitchFamily="34" charset="0"/>
               <a:cs typeface="Calibri" panose="020F0502020204030204" pitchFamily="34" charset="0"/>
             </a:endParaRPr>
           </a:p>
           <a:p>
-            <a:pPr marL="109728" indent="0">
+            <a:pPr marL="109728" indent="0" algn="ctr">
+              <a:buNone/>
+            </a:pPr>
+            <a:endParaRPr lang="en-US" sz="2400" dirty="0">
+              <a:latin typeface="Calibri" panose="020F0502020204030204" pitchFamily="34" charset="0"/>
+              <a:cs typeface="Calibri" panose="020F0502020204030204" pitchFamily="34" charset="0"/>
+            </a:endParaRPr>
+          </a:p>
+          <a:p>
+            <a:pPr marL="109728" indent="0" algn="ctr">
               <a:buNone/>
             </a:pPr>
             <a:endParaRPr lang="en-US" sz="2400" dirty="0" smtClean="0">
@@ -14974,14 +15253,2234 @@
             </a:endParaRPr>
           </a:p>
           <a:p>
-            <a:pPr marL="109728" indent="0">
-              <a:buNone/>
-            </a:pPr>
+            <a:pPr lvl="4"/>
+            <a:endParaRPr lang="en-US" altLang="en-US" sz="1100" b="1" dirty="0" smtClean="0">
+              <a:solidFill>
+                <a:srgbClr val="000000"/>
+              </a:solidFill>
+              <a:latin typeface="Calibri" panose="020F0502020204030204" pitchFamily="34" charset="0"/>
+              <a:cs typeface="Calibri" panose="020F0502020204030204" pitchFamily="34" charset="0"/>
+            </a:endParaRPr>
+          </a:p>
+          <a:p>
+            <a:pPr marL="2029968" lvl="8" indent="0">
+              <a:buNone/>
+            </a:pPr>
+            <a:r>
+              <a:rPr lang="en-US" altLang="en-US" sz="1100" b="1" dirty="0" smtClean="0">
+                <a:solidFill>
+                  <a:srgbClr val="000000"/>
+                </a:solidFill>
+                <a:latin typeface="Calibri" panose="020F0502020204030204" pitchFamily="34" charset="0"/>
+                <a:cs typeface="Calibri" panose="020F0502020204030204" pitchFamily="34" charset="0"/>
+              </a:rPr>
+              <a:t>Showing </a:t>
+            </a:r>
+            <a:r>
+              <a:rPr lang="en-US" altLang="en-US" sz="1100" b="1" dirty="0">
+                <a:solidFill>
+                  <a:srgbClr val="000000"/>
+                </a:solidFill>
+                <a:latin typeface="Calibri" panose="020F0502020204030204" pitchFamily="34" charset="0"/>
+                <a:cs typeface="Calibri" panose="020F0502020204030204" pitchFamily="34" charset="0"/>
+              </a:rPr>
+              <a:t>these features as the best predictors:</a:t>
+            </a:r>
+          </a:p>
+          <a:p>
+            <a:pPr marL="2029968" lvl="8" indent="0">
+              <a:buNone/>
+            </a:pPr>
+            <a:r>
+              <a:rPr lang="en-US" altLang="en-US" sz="1100" dirty="0">
+                <a:solidFill>
+                  <a:srgbClr val="000000"/>
+                </a:solidFill>
+                <a:latin typeface="Calibri" panose="020F0502020204030204" pitchFamily="34" charset="0"/>
+                <a:cs typeface="Calibri" panose="020F0502020204030204" pitchFamily="34" charset="0"/>
+              </a:rPr>
+              <a:t>2: HACK - Hacking </a:t>
+            </a:r>
+          </a:p>
+          <a:p>
+            <a:pPr marL="2029968" lvl="8" indent="0">
+              <a:buNone/>
+            </a:pPr>
+            <a:r>
+              <a:rPr lang="en-US" altLang="en-US" sz="1100" dirty="0">
+                <a:solidFill>
+                  <a:srgbClr val="000000"/>
+                </a:solidFill>
+                <a:latin typeface="Calibri" panose="020F0502020204030204" pitchFamily="34" charset="0"/>
+                <a:cs typeface="Calibri" panose="020F0502020204030204" pitchFamily="34" charset="0"/>
+              </a:rPr>
+              <a:t>3: INSD - Insider:</a:t>
+            </a:r>
+          </a:p>
+          <a:p>
+            <a:pPr marL="2029968" lvl="8" indent="0">
+              <a:buNone/>
+            </a:pPr>
+            <a:r>
+              <a:rPr lang="en-US" altLang="en-US" sz="1100" dirty="0">
+                <a:solidFill>
+                  <a:srgbClr val="000000"/>
+                </a:solidFill>
+                <a:latin typeface="Calibri" panose="020F0502020204030204" pitchFamily="34" charset="0"/>
+                <a:cs typeface="Calibri" panose="020F0502020204030204" pitchFamily="34" charset="0"/>
+              </a:rPr>
+              <a:t>4: PHYS - Physical Loss: </a:t>
+            </a:r>
+          </a:p>
+          <a:p>
+            <a:pPr marL="2029968" lvl="8" indent="0">
+              <a:buNone/>
+            </a:pPr>
+            <a:r>
+              <a:rPr lang="en-US" altLang="en-US" sz="1100" dirty="0">
+                <a:solidFill>
+                  <a:srgbClr val="000000"/>
+                </a:solidFill>
+                <a:latin typeface="Calibri" panose="020F0502020204030204" pitchFamily="34" charset="0"/>
+                <a:cs typeface="Calibri" panose="020F0502020204030204" pitchFamily="34" charset="0"/>
+              </a:rPr>
+              <a:t>5: PORT - Portable Device</a:t>
+            </a:r>
+          </a:p>
+          <a:p>
+            <a:pPr marL="2029968" lvl="8" indent="0">
+              <a:buNone/>
+            </a:pPr>
+            <a:r>
+              <a:rPr lang="en-US" altLang="en-US" sz="1100" dirty="0">
+                <a:solidFill>
+                  <a:srgbClr val="000000"/>
+                </a:solidFill>
+                <a:latin typeface="Calibri" panose="020F0502020204030204" pitchFamily="34" charset="0"/>
+                <a:cs typeface="Calibri" panose="020F0502020204030204" pitchFamily="34" charset="0"/>
+              </a:rPr>
+              <a:t>7: DISC - Unintended Disclosure: </a:t>
+            </a:r>
+          </a:p>
+          <a:p>
+            <a:pPr marL="2029968" lvl="8" indent="0">
+              <a:buNone/>
+            </a:pPr>
+            <a:r>
+              <a:rPr lang="en-US" altLang="en-US" sz="1100" dirty="0" smtClean="0">
+                <a:solidFill>
+                  <a:srgbClr val="000000"/>
+                </a:solidFill>
+                <a:latin typeface="Calibri" panose="020F0502020204030204" pitchFamily="34" charset="0"/>
+                <a:cs typeface="Calibri" panose="020F0502020204030204" pitchFamily="34" charset="0"/>
+              </a:rPr>
+              <a:t>Physical </a:t>
+            </a:r>
+            <a:r>
+              <a:rPr lang="en-US" altLang="en-US" sz="1100" dirty="0">
+                <a:solidFill>
+                  <a:srgbClr val="000000"/>
+                </a:solidFill>
+                <a:latin typeface="Calibri" panose="020F0502020204030204" pitchFamily="34" charset="0"/>
+                <a:cs typeface="Calibri" panose="020F0502020204030204" pitchFamily="34" charset="0"/>
+              </a:rPr>
+              <a:t>loss being the most accurate and hacking the least. </a:t>
+            </a:r>
+          </a:p>
+          <a:p>
+            <a:pPr marL="109728" indent="0" algn="ctr">
+              <a:buNone/>
+            </a:pPr>
+            <a:endParaRPr lang="en-US" sz="2400" dirty="0">
+              <a:latin typeface="Calibri" panose="020F0502020204030204" pitchFamily="34" charset="0"/>
+              <a:cs typeface="Calibri" panose="020F0502020204030204" pitchFamily="34" charset="0"/>
+            </a:endParaRPr>
+          </a:p>
+          <a:p>
+            <a:pPr marL="109728" indent="0" algn="ctr">
+              <a:buNone/>
+            </a:pPr>
+            <a:endParaRPr lang="en-US" sz="2400" dirty="0">
+              <a:latin typeface="Calibri" panose="020F0502020204030204" pitchFamily="34" charset="0"/>
+              <a:cs typeface="Calibri" panose="020F0502020204030204" pitchFamily="34" charset="0"/>
+            </a:endParaRPr>
+          </a:p>
+        </p:txBody>
+      </p:sp>
+      <p:sp>
+        <p:nvSpPr>
+          <p:cNvPr id="5" name="Content Placeholder 1"/>
+          <p:cNvSpPr txBox="1">
+            <a:spLocks/>
+          </p:cNvSpPr>
+          <p:nvPr/>
+        </p:nvSpPr>
+        <p:spPr>
+          <a:xfrm>
+            <a:off x="-76200" y="228600"/>
+            <a:ext cx="9067800" cy="6629400"/>
+          </a:xfrm>
+          <a:prstGeom prst="rect">
+            <a:avLst/>
+          </a:prstGeom>
+        </p:spPr>
+        <p:txBody>
+          <a:bodyPr vert="horz">
+            <a:normAutofit/>
+          </a:bodyPr>
+          <a:lstStyle>
+            <a:lvl1pPr marL="365760" indent="-256032" algn="l" rtl="0" eaLnBrk="1" latinLnBrk="0" hangingPunct="1">
+              <a:spcBef>
+                <a:spcPts val="400"/>
+              </a:spcBef>
+              <a:spcAft>
+                <a:spcPts val="0"/>
+              </a:spcAft>
+              <a:buClr>
+                <a:schemeClr val="accent1"/>
+              </a:buClr>
+              <a:buSzPct val="68000"/>
+              <a:buFont typeface="Wingdings 3"/>
+              <a:buChar char=""/>
+              <a:defRPr kumimoji="0" sz="2700" kern="1200">
+                <a:solidFill>
+                  <a:schemeClr val="tx1"/>
+                </a:solidFill>
+                <a:latin typeface="+mn-lt"/>
+                <a:ea typeface="+mn-ea"/>
+                <a:cs typeface="+mn-cs"/>
+              </a:defRPr>
+            </a:lvl1pPr>
+            <a:lvl2pPr marL="621792" indent="-228600" algn="l" rtl="0" eaLnBrk="1" latinLnBrk="0" hangingPunct="1">
+              <a:spcBef>
+                <a:spcPts val="324"/>
+              </a:spcBef>
+              <a:buClr>
+                <a:schemeClr val="accent1"/>
+              </a:buClr>
+              <a:buFont typeface="Verdana"/>
+              <a:buChar char="◦"/>
+              <a:defRPr kumimoji="0" sz="2300" kern="1200">
+                <a:solidFill>
+                  <a:schemeClr val="tx1"/>
+                </a:solidFill>
+                <a:latin typeface="+mn-lt"/>
+                <a:ea typeface="+mn-ea"/>
+                <a:cs typeface="+mn-cs"/>
+              </a:defRPr>
+            </a:lvl2pPr>
+            <a:lvl3pPr marL="859536" indent="-228600" algn="l" rtl="0" eaLnBrk="1" latinLnBrk="0" hangingPunct="1">
+              <a:spcBef>
+                <a:spcPts val="350"/>
+              </a:spcBef>
+              <a:buClr>
+                <a:schemeClr val="accent2"/>
+              </a:buClr>
+              <a:buSzPct val="100000"/>
+              <a:buFont typeface="Wingdings 2"/>
+              <a:buChar char=""/>
+              <a:defRPr kumimoji="0" sz="2100" kern="1200">
+                <a:solidFill>
+                  <a:schemeClr val="tx1"/>
+                </a:solidFill>
+                <a:latin typeface="+mn-lt"/>
+                <a:ea typeface="+mn-ea"/>
+                <a:cs typeface="+mn-cs"/>
+              </a:defRPr>
+            </a:lvl3pPr>
+            <a:lvl4pPr marL="1143000" indent="-228600" algn="l" rtl="0" eaLnBrk="1" latinLnBrk="0" hangingPunct="1">
+              <a:spcBef>
+                <a:spcPts val="350"/>
+              </a:spcBef>
+              <a:buClr>
+                <a:schemeClr val="accent2"/>
+              </a:buClr>
+              <a:buFont typeface="Wingdings 2"/>
+              <a:buChar char=""/>
+              <a:defRPr kumimoji="0" sz="1900" kern="1200">
+                <a:solidFill>
+                  <a:schemeClr val="tx1"/>
+                </a:solidFill>
+                <a:latin typeface="+mn-lt"/>
+                <a:ea typeface="+mn-ea"/>
+                <a:cs typeface="+mn-cs"/>
+              </a:defRPr>
+            </a:lvl4pPr>
+            <a:lvl5pPr marL="1371600" indent="-228600" algn="l" rtl="0" eaLnBrk="1" latinLnBrk="0" hangingPunct="1">
+              <a:spcBef>
+                <a:spcPts val="350"/>
+              </a:spcBef>
+              <a:buClr>
+                <a:schemeClr val="accent2"/>
+              </a:buClr>
+              <a:buFont typeface="Wingdings 2"/>
+              <a:buChar char=""/>
+              <a:defRPr kumimoji="0" sz="1800" kern="1200">
+                <a:solidFill>
+                  <a:schemeClr val="tx1"/>
+                </a:solidFill>
+                <a:latin typeface="+mn-lt"/>
+                <a:ea typeface="+mn-ea"/>
+                <a:cs typeface="+mn-cs"/>
+              </a:defRPr>
+            </a:lvl5pPr>
+            <a:lvl6pPr marL="1600200" indent="-228600" algn="l" rtl="0" eaLnBrk="1" latinLnBrk="0" hangingPunct="1">
+              <a:spcBef>
+                <a:spcPts val="350"/>
+              </a:spcBef>
+              <a:buClr>
+                <a:schemeClr val="accent3"/>
+              </a:buClr>
+              <a:buFont typeface="Wingdings 2"/>
+              <a:buChar char=""/>
+              <a:defRPr kumimoji="0" sz="1800" kern="1200">
+                <a:solidFill>
+                  <a:schemeClr val="tx1"/>
+                </a:solidFill>
+                <a:latin typeface="+mn-lt"/>
+                <a:ea typeface="+mn-ea"/>
+                <a:cs typeface="+mn-cs"/>
+              </a:defRPr>
+            </a:lvl6pPr>
+            <a:lvl7pPr marL="1828800" indent="-228600" algn="l" rtl="0" eaLnBrk="1" latinLnBrk="0" hangingPunct="1">
+              <a:spcBef>
+                <a:spcPts val="350"/>
+              </a:spcBef>
+              <a:buClr>
+                <a:schemeClr val="accent3"/>
+              </a:buClr>
+              <a:buFont typeface="Wingdings 2"/>
+              <a:buChar char=""/>
+              <a:defRPr kumimoji="0" sz="1600" kern="1200">
+                <a:solidFill>
+                  <a:schemeClr val="tx1"/>
+                </a:solidFill>
+                <a:latin typeface="+mn-lt"/>
+                <a:ea typeface="+mn-ea"/>
+                <a:cs typeface="+mn-cs"/>
+              </a:defRPr>
+            </a:lvl7pPr>
+            <a:lvl8pPr marL="2057400" indent="-228600" algn="l" rtl="0" eaLnBrk="1" latinLnBrk="0" hangingPunct="1">
+              <a:spcBef>
+                <a:spcPts val="350"/>
+              </a:spcBef>
+              <a:buClr>
+                <a:schemeClr val="accent3"/>
+              </a:buClr>
+              <a:buFont typeface="Wingdings 2"/>
+              <a:buChar char=""/>
+              <a:defRPr kumimoji="0" sz="1600" kern="1200">
+                <a:solidFill>
+                  <a:schemeClr val="tx1"/>
+                </a:solidFill>
+                <a:latin typeface="+mn-lt"/>
+                <a:ea typeface="+mn-ea"/>
+                <a:cs typeface="+mn-cs"/>
+              </a:defRPr>
+            </a:lvl8pPr>
+            <a:lvl9pPr marL="2286000" indent="-228600" algn="l" rtl="0" eaLnBrk="1" latinLnBrk="0" hangingPunct="1">
+              <a:spcBef>
+                <a:spcPts val="350"/>
+              </a:spcBef>
+              <a:buClr>
+                <a:schemeClr val="accent3"/>
+              </a:buClr>
+              <a:buFont typeface="Wingdings 2"/>
+              <a:buChar char=""/>
+              <a:defRPr kumimoji="0" sz="1600" kern="1200" baseline="0">
+                <a:solidFill>
+                  <a:schemeClr val="tx1"/>
+                </a:solidFill>
+                <a:latin typeface="+mn-lt"/>
+                <a:ea typeface="+mn-ea"/>
+                <a:cs typeface="+mn-cs"/>
+              </a:defRPr>
+            </a:lvl9pPr>
+            <a:extLst/>
+          </a:lstStyle>
+          <a:p>
+            <a:pPr marL="109728" indent="0">
+              <a:buNone/>
+            </a:pPr>
+            <a:endParaRPr lang="en-US" sz="2000" dirty="0" smtClean="0">
+              <a:latin typeface="Calibri" panose="020F0502020204030204" pitchFamily="34" charset="0"/>
+              <a:cs typeface="Calibri" panose="020F0502020204030204" pitchFamily="34" charset="0"/>
+            </a:endParaRPr>
+          </a:p>
+        </p:txBody>
+      </p:sp>
+      <p:pic>
+        <p:nvPicPr>
+          <p:cNvPr id="6" name="Content Placeholder 3"/>
+          <p:cNvPicPr>
+            <a:picLocks noChangeAspect="1"/>
+          </p:cNvPicPr>
+          <p:nvPr/>
+        </p:nvPicPr>
+        <p:blipFill>
+          <a:blip r:embed="rId2">
+            <a:extLst>
+              <a:ext uri="{28A0092B-C50C-407E-A947-70E740481C1C}">
+                <a14:useLocalDpi xmlns:a14="http://schemas.microsoft.com/office/drawing/2010/main" val="0"/>
+              </a:ext>
+            </a:extLst>
+          </a:blip>
+          <a:stretch>
+            <a:fillRect/>
+          </a:stretch>
+        </p:blipFill>
+        <p:spPr>
+          <a:xfrm>
+            <a:off x="1524000" y="2286312"/>
+            <a:ext cx="5257800" cy="2639653"/>
+          </a:xfrm>
+          <a:prstGeom prst="rect">
+            <a:avLst/>
+          </a:prstGeom>
+        </p:spPr>
+      </p:pic>
+    </p:spTree>
+    <p:extLst>
+      <p:ext uri="{BB962C8B-B14F-4D97-AF65-F5344CB8AC3E}">
+        <p14:creationId xmlns:p14="http://schemas.microsoft.com/office/powerpoint/2010/main" val="2489994143"/>
+      </p:ext>
+    </p:extLst>
+  </p:cSld>
+  <p:clrMapOvr>
+    <a:masterClrMapping/>
+  </p:clrMapOvr>
+</p:sld>
+</file>
+
+<file path=ppt/slides/slide35.xml><?xml version="1.0" encoding="utf-8"?>
+<p:sld xmlns:a="http://schemas.openxmlformats.org/drawingml/2006/main" xmlns:r="http://schemas.openxmlformats.org/officeDocument/2006/relationships" xmlns:p="http://schemas.openxmlformats.org/presentationml/2006/main">
+  <p:cSld>
+    <p:spTree>
+      <p:nvGrpSpPr>
+        <p:cNvPr id="1" name=""/>
+        <p:cNvGrpSpPr/>
+        <p:nvPr/>
+      </p:nvGrpSpPr>
+      <p:grpSpPr>
+        <a:xfrm>
+          <a:off x="0" y="0"/>
+          <a:ext cx="0" cy="0"/>
+          <a:chOff x="0" y="0"/>
+          <a:chExt cx="0" cy="0"/>
+        </a:xfrm>
+      </p:grpSpPr>
+      <p:sp>
+        <p:nvSpPr>
+          <p:cNvPr id="2" name="Content Placeholder 1"/>
+          <p:cNvSpPr>
+            <a:spLocks noGrp="1"/>
+          </p:cNvSpPr>
+          <p:nvPr>
+            <p:ph idx="1"/>
+          </p:nvPr>
+        </p:nvSpPr>
+        <p:spPr>
+          <a:xfrm>
+            <a:off x="152400" y="381000"/>
+            <a:ext cx="8991600" cy="6172200"/>
+          </a:xfrm>
+        </p:spPr>
+        <p:txBody>
+          <a:bodyPr>
+            <a:normAutofit/>
+          </a:bodyPr>
+          <a:lstStyle/>
+          <a:p>
+            <a:pPr marL="109728" indent="0">
+              <a:buNone/>
+            </a:pPr>
+            <a:r>
+              <a:rPr lang="en-US" sz="2400" dirty="0">
+                <a:latin typeface="Calibri" panose="020F0502020204030204" pitchFamily="34" charset="0"/>
+                <a:cs typeface="Calibri" panose="020F0502020204030204" pitchFamily="34" charset="0"/>
+              </a:rPr>
+              <a:t>Model Building and Evaluation -Supervised Classification </a:t>
+            </a:r>
             <a:r>
               <a:rPr lang="en-US" sz="2400" dirty="0" smtClean="0">
                 <a:latin typeface="Calibri" panose="020F0502020204030204" pitchFamily="34" charset="0"/>
                 <a:cs typeface="Calibri" panose="020F0502020204030204" pitchFamily="34" charset="0"/>
               </a:rPr>
+              <a:t>(non-text) </a:t>
+            </a:r>
+            <a:r>
+              <a:rPr lang="en-US" sz="2400" dirty="0">
+                <a:latin typeface="Calibri" panose="020F0502020204030204" pitchFamily="34" charset="0"/>
+                <a:cs typeface="Calibri" panose="020F0502020204030204" pitchFamily="34" charset="0"/>
+              </a:rPr>
+              <a:t>Breach </a:t>
+            </a:r>
+            <a:r>
+              <a:rPr lang="en-US" sz="2400" dirty="0" smtClean="0">
+                <a:latin typeface="Calibri" panose="020F0502020204030204" pitchFamily="34" charset="0"/>
+                <a:cs typeface="Calibri" panose="020F0502020204030204" pitchFamily="34" charset="0"/>
+              </a:rPr>
+              <a:t>Type  K-nearest </a:t>
+            </a:r>
+            <a:r>
+              <a:rPr lang="en-US" sz="2400" dirty="0">
+                <a:latin typeface="Calibri" panose="020F0502020204030204" pitchFamily="34" charset="0"/>
+                <a:cs typeface="Calibri" panose="020F0502020204030204" pitchFamily="34" charset="0"/>
+              </a:rPr>
+              <a:t>Neighbors (knn) </a:t>
+            </a:r>
+            <a:r>
+              <a:rPr lang="en-US" sz="2400" dirty="0" smtClean="0">
+                <a:latin typeface="Calibri" panose="020F0502020204030204" pitchFamily="34" charset="0"/>
+                <a:cs typeface="Calibri" panose="020F0502020204030204" pitchFamily="34" charset="0"/>
+              </a:rPr>
+              <a:t>Using </a:t>
+            </a:r>
+            <a:r>
+              <a:rPr lang="en-US" sz="2400" dirty="0">
+                <a:latin typeface="Calibri" panose="020F0502020204030204" pitchFamily="34" charset="0"/>
+                <a:cs typeface="Calibri" panose="020F0502020204030204" pitchFamily="34" charset="0"/>
+              </a:rPr>
+              <a:t>Grid Search Results</a:t>
+            </a:r>
+          </a:p>
+          <a:p>
+            <a:pPr marL="109728" indent="0">
+              <a:buNone/>
+            </a:pPr>
+            <a:endParaRPr lang="en-US" sz="2400" dirty="0" smtClean="0">
+              <a:latin typeface="Calibri" panose="020F0502020204030204" pitchFamily="34" charset="0"/>
+              <a:cs typeface="Calibri" panose="020F0502020204030204" pitchFamily="34" charset="0"/>
+            </a:endParaRPr>
+          </a:p>
+          <a:p>
+            <a:pPr marL="109728" indent="0">
+              <a:buNone/>
+            </a:pPr>
+            <a:endParaRPr lang="en-US" sz="2400" dirty="0" smtClean="0">
+              <a:latin typeface="Calibri" panose="020F0502020204030204" pitchFamily="34" charset="0"/>
+              <a:cs typeface="Calibri" panose="020F0502020204030204" pitchFamily="34" charset="0"/>
+            </a:endParaRPr>
+          </a:p>
+        </p:txBody>
+      </p:sp>
+      <p:sp>
+        <p:nvSpPr>
+          <p:cNvPr id="5" name="Content Placeholder 1"/>
+          <p:cNvSpPr txBox="1">
+            <a:spLocks/>
+          </p:cNvSpPr>
+          <p:nvPr/>
+        </p:nvSpPr>
+        <p:spPr>
+          <a:xfrm>
+            <a:off x="457200" y="1481328"/>
+            <a:ext cx="8229600" cy="4525963"/>
+          </a:xfrm>
+          <a:prstGeom prst="rect">
+            <a:avLst/>
+          </a:prstGeom>
+        </p:spPr>
+        <p:txBody>
+          <a:bodyPr vert="horz">
+            <a:normAutofit/>
+          </a:bodyPr>
+          <a:lstStyle>
+            <a:lvl1pPr marL="365760" indent="-256032" algn="l" rtl="0" eaLnBrk="1" latinLnBrk="0" hangingPunct="1">
+              <a:spcBef>
+                <a:spcPts val="400"/>
+              </a:spcBef>
+              <a:spcAft>
+                <a:spcPts val="0"/>
+              </a:spcAft>
+              <a:buClr>
+                <a:schemeClr val="accent1"/>
+              </a:buClr>
+              <a:buSzPct val="68000"/>
+              <a:buFont typeface="Wingdings 3"/>
+              <a:buChar char=""/>
+              <a:defRPr kumimoji="0" sz="2700" kern="1200">
+                <a:solidFill>
+                  <a:schemeClr val="tx1"/>
+                </a:solidFill>
+                <a:latin typeface="+mn-lt"/>
+                <a:ea typeface="+mn-ea"/>
+                <a:cs typeface="+mn-cs"/>
+              </a:defRPr>
+            </a:lvl1pPr>
+            <a:lvl2pPr marL="621792" indent="-228600" algn="l" rtl="0" eaLnBrk="1" latinLnBrk="0" hangingPunct="1">
+              <a:spcBef>
+                <a:spcPts val="324"/>
+              </a:spcBef>
+              <a:buClr>
+                <a:schemeClr val="accent1"/>
+              </a:buClr>
+              <a:buFont typeface="Verdana"/>
+              <a:buChar char="◦"/>
+              <a:defRPr kumimoji="0" sz="2300" kern="1200">
+                <a:solidFill>
+                  <a:schemeClr val="tx1"/>
+                </a:solidFill>
+                <a:latin typeface="+mn-lt"/>
+                <a:ea typeface="+mn-ea"/>
+                <a:cs typeface="+mn-cs"/>
+              </a:defRPr>
+            </a:lvl2pPr>
+            <a:lvl3pPr marL="859536" indent="-228600" algn="l" rtl="0" eaLnBrk="1" latinLnBrk="0" hangingPunct="1">
+              <a:spcBef>
+                <a:spcPts val="350"/>
+              </a:spcBef>
+              <a:buClr>
+                <a:schemeClr val="accent2"/>
+              </a:buClr>
+              <a:buSzPct val="100000"/>
+              <a:buFont typeface="Wingdings 2"/>
+              <a:buChar char=""/>
+              <a:defRPr kumimoji="0" sz="2100" kern="1200">
+                <a:solidFill>
+                  <a:schemeClr val="tx1"/>
+                </a:solidFill>
+                <a:latin typeface="+mn-lt"/>
+                <a:ea typeface="+mn-ea"/>
+                <a:cs typeface="+mn-cs"/>
+              </a:defRPr>
+            </a:lvl3pPr>
+            <a:lvl4pPr marL="1143000" indent="-228600" algn="l" rtl="0" eaLnBrk="1" latinLnBrk="0" hangingPunct="1">
+              <a:spcBef>
+                <a:spcPts val="350"/>
+              </a:spcBef>
+              <a:buClr>
+                <a:schemeClr val="accent2"/>
+              </a:buClr>
+              <a:buFont typeface="Wingdings 2"/>
+              <a:buChar char=""/>
+              <a:defRPr kumimoji="0" sz="1900" kern="1200">
+                <a:solidFill>
+                  <a:schemeClr val="tx1"/>
+                </a:solidFill>
+                <a:latin typeface="+mn-lt"/>
+                <a:ea typeface="+mn-ea"/>
+                <a:cs typeface="+mn-cs"/>
+              </a:defRPr>
+            </a:lvl4pPr>
+            <a:lvl5pPr marL="1371600" indent="-228600" algn="l" rtl="0" eaLnBrk="1" latinLnBrk="0" hangingPunct="1">
+              <a:spcBef>
+                <a:spcPts val="350"/>
+              </a:spcBef>
+              <a:buClr>
+                <a:schemeClr val="accent2"/>
+              </a:buClr>
+              <a:buFont typeface="Wingdings 2"/>
+              <a:buChar char=""/>
+              <a:defRPr kumimoji="0" sz="1800" kern="1200">
+                <a:solidFill>
+                  <a:schemeClr val="tx1"/>
+                </a:solidFill>
+                <a:latin typeface="+mn-lt"/>
+                <a:ea typeface="+mn-ea"/>
+                <a:cs typeface="+mn-cs"/>
+              </a:defRPr>
+            </a:lvl5pPr>
+            <a:lvl6pPr marL="1600200" indent="-228600" algn="l" rtl="0" eaLnBrk="1" latinLnBrk="0" hangingPunct="1">
+              <a:spcBef>
+                <a:spcPts val="350"/>
+              </a:spcBef>
+              <a:buClr>
+                <a:schemeClr val="accent3"/>
+              </a:buClr>
+              <a:buFont typeface="Wingdings 2"/>
+              <a:buChar char=""/>
+              <a:defRPr kumimoji="0" sz="1800" kern="1200">
+                <a:solidFill>
+                  <a:schemeClr val="tx1"/>
+                </a:solidFill>
+                <a:latin typeface="+mn-lt"/>
+                <a:ea typeface="+mn-ea"/>
+                <a:cs typeface="+mn-cs"/>
+              </a:defRPr>
+            </a:lvl6pPr>
+            <a:lvl7pPr marL="1828800" indent="-228600" algn="l" rtl="0" eaLnBrk="1" latinLnBrk="0" hangingPunct="1">
+              <a:spcBef>
+                <a:spcPts val="350"/>
+              </a:spcBef>
+              <a:buClr>
+                <a:schemeClr val="accent3"/>
+              </a:buClr>
+              <a:buFont typeface="Wingdings 2"/>
+              <a:buChar char=""/>
+              <a:defRPr kumimoji="0" sz="1600" kern="1200">
+                <a:solidFill>
+                  <a:schemeClr val="tx1"/>
+                </a:solidFill>
+                <a:latin typeface="+mn-lt"/>
+                <a:ea typeface="+mn-ea"/>
+                <a:cs typeface="+mn-cs"/>
+              </a:defRPr>
+            </a:lvl7pPr>
+            <a:lvl8pPr marL="2057400" indent="-228600" algn="l" rtl="0" eaLnBrk="1" latinLnBrk="0" hangingPunct="1">
+              <a:spcBef>
+                <a:spcPts val="350"/>
+              </a:spcBef>
+              <a:buClr>
+                <a:schemeClr val="accent3"/>
+              </a:buClr>
+              <a:buFont typeface="Wingdings 2"/>
+              <a:buChar char=""/>
+              <a:defRPr kumimoji="0" sz="1600" kern="1200">
+                <a:solidFill>
+                  <a:schemeClr val="tx1"/>
+                </a:solidFill>
+                <a:latin typeface="+mn-lt"/>
+                <a:ea typeface="+mn-ea"/>
+                <a:cs typeface="+mn-cs"/>
+              </a:defRPr>
+            </a:lvl8pPr>
+            <a:lvl9pPr marL="2286000" indent="-228600" algn="l" rtl="0" eaLnBrk="1" latinLnBrk="0" hangingPunct="1">
+              <a:spcBef>
+                <a:spcPts val="350"/>
+              </a:spcBef>
+              <a:buClr>
+                <a:schemeClr val="accent3"/>
+              </a:buClr>
+              <a:buFont typeface="Wingdings 2"/>
+              <a:buChar char=""/>
+              <a:defRPr kumimoji="0" sz="1600" kern="1200" baseline="0">
+                <a:solidFill>
+                  <a:schemeClr val="tx1"/>
+                </a:solidFill>
+                <a:latin typeface="+mn-lt"/>
+                <a:ea typeface="+mn-ea"/>
+                <a:cs typeface="+mn-cs"/>
+              </a:defRPr>
+            </a:lvl9pPr>
+            <a:extLst/>
+          </a:lstStyle>
+          <a:p>
+            <a:pPr marL="109728" indent="0">
+              <a:buNone/>
+            </a:pPr>
+            <a:endParaRPr lang="en-US" sz="2000" dirty="0" smtClean="0">
+              <a:latin typeface="Calibri" panose="020F0502020204030204" pitchFamily="34" charset="0"/>
+              <a:cs typeface="Calibri" panose="020F0502020204030204" pitchFamily="34" charset="0"/>
+            </a:endParaRPr>
+          </a:p>
+        </p:txBody>
+      </p:sp>
+      <p:sp>
+        <p:nvSpPr>
+          <p:cNvPr id="4" name="Content Placeholder 1"/>
+          <p:cNvSpPr txBox="1">
+            <a:spLocks/>
+          </p:cNvSpPr>
+          <p:nvPr/>
+        </p:nvSpPr>
+        <p:spPr>
+          <a:xfrm>
+            <a:off x="1371600" y="1752600"/>
+            <a:ext cx="6400800" cy="4254691"/>
+          </a:xfrm>
+          <a:prstGeom prst="rect">
+            <a:avLst/>
+          </a:prstGeom>
+        </p:spPr>
+        <p:txBody>
+          <a:bodyPr vert="horz">
+            <a:normAutofit/>
+          </a:bodyPr>
+          <a:lstStyle>
+            <a:lvl1pPr marL="365760" indent="-256032" algn="l" rtl="0" eaLnBrk="1" latinLnBrk="0" hangingPunct="1">
+              <a:spcBef>
+                <a:spcPts val="400"/>
+              </a:spcBef>
+              <a:spcAft>
+                <a:spcPts val="0"/>
+              </a:spcAft>
+              <a:buClr>
+                <a:schemeClr val="accent1"/>
+              </a:buClr>
+              <a:buSzPct val="68000"/>
+              <a:buFont typeface="Wingdings 3"/>
+              <a:buChar char=""/>
+              <a:defRPr kumimoji="0" sz="2700" kern="1200">
+                <a:solidFill>
+                  <a:schemeClr val="tx1"/>
+                </a:solidFill>
+                <a:latin typeface="+mn-lt"/>
+                <a:ea typeface="+mn-ea"/>
+                <a:cs typeface="+mn-cs"/>
+              </a:defRPr>
+            </a:lvl1pPr>
+            <a:lvl2pPr marL="621792" indent="-228600" algn="l" rtl="0" eaLnBrk="1" latinLnBrk="0" hangingPunct="1">
+              <a:spcBef>
+                <a:spcPts val="324"/>
+              </a:spcBef>
+              <a:buClr>
+                <a:schemeClr val="accent1"/>
+              </a:buClr>
+              <a:buFont typeface="Verdana"/>
+              <a:buChar char="◦"/>
+              <a:defRPr kumimoji="0" sz="2300" kern="1200">
+                <a:solidFill>
+                  <a:schemeClr val="tx1"/>
+                </a:solidFill>
+                <a:latin typeface="+mn-lt"/>
+                <a:ea typeface="+mn-ea"/>
+                <a:cs typeface="+mn-cs"/>
+              </a:defRPr>
+            </a:lvl2pPr>
+            <a:lvl3pPr marL="859536" indent="-228600" algn="l" rtl="0" eaLnBrk="1" latinLnBrk="0" hangingPunct="1">
+              <a:spcBef>
+                <a:spcPts val="350"/>
+              </a:spcBef>
+              <a:buClr>
+                <a:schemeClr val="accent2"/>
+              </a:buClr>
+              <a:buSzPct val="100000"/>
+              <a:buFont typeface="Wingdings 2"/>
+              <a:buChar char=""/>
+              <a:defRPr kumimoji="0" sz="2100" kern="1200">
+                <a:solidFill>
+                  <a:schemeClr val="tx1"/>
+                </a:solidFill>
+                <a:latin typeface="+mn-lt"/>
+                <a:ea typeface="+mn-ea"/>
+                <a:cs typeface="+mn-cs"/>
+              </a:defRPr>
+            </a:lvl3pPr>
+            <a:lvl4pPr marL="1143000" indent="-228600" algn="l" rtl="0" eaLnBrk="1" latinLnBrk="0" hangingPunct="1">
+              <a:spcBef>
+                <a:spcPts val="350"/>
+              </a:spcBef>
+              <a:buClr>
+                <a:schemeClr val="accent2"/>
+              </a:buClr>
+              <a:buFont typeface="Wingdings 2"/>
+              <a:buChar char=""/>
+              <a:defRPr kumimoji="0" sz="1900" kern="1200">
+                <a:solidFill>
+                  <a:schemeClr val="tx1"/>
+                </a:solidFill>
+                <a:latin typeface="+mn-lt"/>
+                <a:ea typeface="+mn-ea"/>
+                <a:cs typeface="+mn-cs"/>
+              </a:defRPr>
+            </a:lvl4pPr>
+            <a:lvl5pPr marL="1371600" indent="-228600" algn="l" rtl="0" eaLnBrk="1" latinLnBrk="0" hangingPunct="1">
+              <a:spcBef>
+                <a:spcPts val="350"/>
+              </a:spcBef>
+              <a:buClr>
+                <a:schemeClr val="accent2"/>
+              </a:buClr>
+              <a:buFont typeface="Wingdings 2"/>
+              <a:buChar char=""/>
+              <a:defRPr kumimoji="0" sz="1800" kern="1200">
+                <a:solidFill>
+                  <a:schemeClr val="tx1"/>
+                </a:solidFill>
+                <a:latin typeface="+mn-lt"/>
+                <a:ea typeface="+mn-ea"/>
+                <a:cs typeface="+mn-cs"/>
+              </a:defRPr>
+            </a:lvl5pPr>
+            <a:lvl6pPr marL="1600200" indent="-228600" algn="l" rtl="0" eaLnBrk="1" latinLnBrk="0" hangingPunct="1">
+              <a:spcBef>
+                <a:spcPts val="350"/>
+              </a:spcBef>
+              <a:buClr>
+                <a:schemeClr val="accent3"/>
+              </a:buClr>
+              <a:buFont typeface="Wingdings 2"/>
+              <a:buChar char=""/>
+              <a:defRPr kumimoji="0" sz="1800" kern="1200">
+                <a:solidFill>
+                  <a:schemeClr val="tx1"/>
+                </a:solidFill>
+                <a:latin typeface="+mn-lt"/>
+                <a:ea typeface="+mn-ea"/>
+                <a:cs typeface="+mn-cs"/>
+              </a:defRPr>
+            </a:lvl6pPr>
+            <a:lvl7pPr marL="1828800" indent="-228600" algn="l" rtl="0" eaLnBrk="1" latinLnBrk="0" hangingPunct="1">
+              <a:spcBef>
+                <a:spcPts val="350"/>
+              </a:spcBef>
+              <a:buClr>
+                <a:schemeClr val="accent3"/>
+              </a:buClr>
+              <a:buFont typeface="Wingdings 2"/>
+              <a:buChar char=""/>
+              <a:defRPr kumimoji="0" sz="1600" kern="1200">
+                <a:solidFill>
+                  <a:schemeClr val="tx1"/>
+                </a:solidFill>
+                <a:latin typeface="+mn-lt"/>
+                <a:ea typeface="+mn-ea"/>
+                <a:cs typeface="+mn-cs"/>
+              </a:defRPr>
+            </a:lvl7pPr>
+            <a:lvl8pPr marL="2057400" indent="-228600" algn="l" rtl="0" eaLnBrk="1" latinLnBrk="0" hangingPunct="1">
+              <a:spcBef>
+                <a:spcPts val="350"/>
+              </a:spcBef>
+              <a:buClr>
+                <a:schemeClr val="accent3"/>
+              </a:buClr>
+              <a:buFont typeface="Wingdings 2"/>
+              <a:buChar char=""/>
+              <a:defRPr kumimoji="0" sz="1600" kern="1200">
+                <a:solidFill>
+                  <a:schemeClr val="tx1"/>
+                </a:solidFill>
+                <a:latin typeface="+mn-lt"/>
+                <a:ea typeface="+mn-ea"/>
+                <a:cs typeface="+mn-cs"/>
+              </a:defRPr>
+            </a:lvl8pPr>
+            <a:lvl9pPr marL="2286000" indent="-228600" algn="l" rtl="0" eaLnBrk="1" latinLnBrk="0" hangingPunct="1">
+              <a:spcBef>
+                <a:spcPts val="350"/>
+              </a:spcBef>
+              <a:buClr>
+                <a:schemeClr val="accent3"/>
+              </a:buClr>
+              <a:buFont typeface="Wingdings 2"/>
+              <a:buChar char=""/>
+              <a:defRPr kumimoji="0" sz="1600" kern="1200" baseline="0">
+                <a:solidFill>
+                  <a:schemeClr val="tx1"/>
+                </a:solidFill>
+                <a:latin typeface="+mn-lt"/>
+                <a:ea typeface="+mn-ea"/>
+                <a:cs typeface="+mn-cs"/>
+              </a:defRPr>
+            </a:lvl9pPr>
+            <a:extLst/>
+          </a:lstStyle>
+          <a:p>
+            <a:pPr algn="ctr"/>
+            <a:r>
+              <a:rPr lang="en-US" sz="2000" dirty="0" smtClean="0"/>
+              <a:t>Optimal K-Value = 8, </a:t>
+            </a:r>
+          </a:p>
+          <a:p>
+            <a:pPr algn="ctr"/>
+            <a:r>
+              <a:rPr lang="en-US" sz="2000" dirty="0" smtClean="0"/>
+              <a:t>overall accuracy 0.334148329258  </a:t>
+            </a:r>
+          </a:p>
+          <a:p>
+            <a:pPr marL="109728" indent="0">
+              <a:buFont typeface="Wingdings 3"/>
+              <a:buNone/>
+            </a:pPr>
+            <a:endParaRPr lang="en-US" dirty="0"/>
+          </a:p>
+        </p:txBody>
+      </p:sp>
+      <p:pic>
+        <p:nvPicPr>
+          <p:cNvPr id="6" name="Picture 5"/>
+          <p:cNvPicPr>
+            <a:picLocks noChangeAspect="1"/>
+          </p:cNvPicPr>
+          <p:nvPr/>
+        </p:nvPicPr>
+        <p:blipFill>
+          <a:blip r:embed="rId2">
+            <a:extLst>
+              <a:ext uri="{28A0092B-C50C-407E-A947-70E740481C1C}">
+                <a14:useLocalDpi xmlns:a14="http://schemas.microsoft.com/office/drawing/2010/main" val="0"/>
+              </a:ext>
+            </a:extLst>
+          </a:blip>
+          <a:stretch>
+            <a:fillRect/>
+          </a:stretch>
+        </p:blipFill>
+        <p:spPr>
+          <a:xfrm>
+            <a:off x="2057400" y="2673927"/>
+            <a:ext cx="5547282" cy="3821304"/>
+          </a:xfrm>
+          <a:prstGeom prst="rect">
+            <a:avLst/>
+          </a:prstGeom>
+        </p:spPr>
+      </p:pic>
+    </p:spTree>
+    <p:extLst>
+      <p:ext uri="{BB962C8B-B14F-4D97-AF65-F5344CB8AC3E}">
+        <p14:creationId xmlns:p14="http://schemas.microsoft.com/office/powerpoint/2010/main" val="93933258"/>
+      </p:ext>
+    </p:extLst>
+  </p:cSld>
+  <p:clrMapOvr>
+    <a:masterClrMapping/>
+  </p:clrMapOvr>
+</p:sld>
+</file>
+
+<file path=ppt/slides/slide36.xml><?xml version="1.0" encoding="utf-8"?>
+<p:sld xmlns:a="http://schemas.openxmlformats.org/drawingml/2006/main" xmlns:r="http://schemas.openxmlformats.org/officeDocument/2006/relationships" xmlns:p="http://schemas.openxmlformats.org/presentationml/2006/main">
+  <p:cSld>
+    <p:spTree>
+      <p:nvGrpSpPr>
+        <p:cNvPr id="1" name=""/>
+        <p:cNvGrpSpPr/>
+        <p:nvPr/>
+      </p:nvGrpSpPr>
+      <p:grpSpPr>
+        <a:xfrm>
+          <a:off x="0" y="0"/>
+          <a:ext cx="0" cy="0"/>
+          <a:chOff x="0" y="0"/>
+          <a:chExt cx="0" cy="0"/>
+        </a:xfrm>
+      </p:grpSpPr>
+      <p:sp>
+        <p:nvSpPr>
+          <p:cNvPr id="2" name="Content Placeholder 1"/>
+          <p:cNvSpPr>
+            <a:spLocks noGrp="1"/>
+          </p:cNvSpPr>
+          <p:nvPr>
+            <p:ph idx="1"/>
+          </p:nvPr>
+        </p:nvSpPr>
+        <p:spPr>
+          <a:xfrm>
+            <a:off x="457200" y="381000"/>
+            <a:ext cx="8229600" cy="6172200"/>
+          </a:xfrm>
+        </p:spPr>
+        <p:txBody>
+          <a:bodyPr>
+            <a:normAutofit/>
+          </a:bodyPr>
+          <a:lstStyle/>
+          <a:p>
+            <a:pPr marL="109728" indent="0">
+              <a:buNone/>
+            </a:pPr>
+            <a:r>
+              <a:rPr lang="en-US" sz="2400" dirty="0">
+                <a:latin typeface="Calibri" panose="020F0502020204030204" pitchFamily="34" charset="0"/>
+                <a:cs typeface="Calibri" panose="020F0502020204030204" pitchFamily="34" charset="0"/>
+              </a:rPr>
+              <a:t>Model Building and Evaluation -Supervised Classification </a:t>
+            </a:r>
+            <a:endParaRPr lang="en-US" sz="2400" dirty="0" smtClean="0">
+              <a:latin typeface="Calibri" panose="020F0502020204030204" pitchFamily="34" charset="0"/>
+              <a:cs typeface="Calibri" panose="020F0502020204030204" pitchFamily="34" charset="0"/>
+            </a:endParaRPr>
+          </a:p>
+          <a:p>
+            <a:pPr marL="109728" indent="0" algn="ctr">
+              <a:buNone/>
+            </a:pPr>
+            <a:r>
+              <a:rPr lang="en-US" sz="2400" dirty="0" smtClean="0">
+                <a:latin typeface="Calibri" panose="020F0502020204030204" pitchFamily="34" charset="0"/>
+                <a:cs typeface="Calibri" panose="020F0502020204030204" pitchFamily="34" charset="0"/>
+              </a:rPr>
+              <a:t>(non-text) </a:t>
+            </a:r>
+            <a:r>
+              <a:rPr lang="en-US" sz="2400" dirty="0">
+                <a:latin typeface="Calibri" panose="020F0502020204030204" pitchFamily="34" charset="0"/>
+                <a:cs typeface="Calibri" panose="020F0502020204030204" pitchFamily="34" charset="0"/>
+              </a:rPr>
+              <a:t>Breach </a:t>
+            </a:r>
+            <a:r>
+              <a:rPr lang="en-US" sz="2400" dirty="0" smtClean="0">
+                <a:latin typeface="Calibri" panose="020F0502020204030204" pitchFamily="34" charset="0"/>
+                <a:cs typeface="Calibri" panose="020F0502020204030204" pitchFamily="34" charset="0"/>
+              </a:rPr>
+              <a:t>Type  </a:t>
+            </a:r>
+          </a:p>
+          <a:p>
+            <a:pPr marL="109728" indent="0">
+              <a:buNone/>
+            </a:pPr>
+            <a:r>
+              <a:rPr lang="en-US" sz="2200" dirty="0">
+                <a:latin typeface="Calibri" panose="020F0502020204030204" pitchFamily="34" charset="0"/>
+                <a:cs typeface="Calibri" panose="020F0502020204030204" pitchFamily="34" charset="0"/>
+              </a:rPr>
+              <a:t>Cross Evaluation- </a:t>
+            </a:r>
+            <a:r>
+              <a:rPr lang="en-US" sz="2200" dirty="0" smtClean="0">
+                <a:latin typeface="Calibri" panose="020F0502020204030204" pitchFamily="34" charset="0"/>
+                <a:cs typeface="Calibri" panose="020F0502020204030204" pitchFamily="34" charset="0"/>
+              </a:rPr>
+              <a:t>knn Results</a:t>
+            </a:r>
+          </a:p>
+          <a:p>
+            <a:r>
+              <a:rPr lang="en-US" sz="1400" dirty="0">
+                <a:latin typeface="Courier New" panose="02070309020205020404" pitchFamily="49" charset="0"/>
+                <a:cs typeface="Courier New" panose="02070309020205020404" pitchFamily="49" charset="0"/>
+              </a:rPr>
+              <a:t>[ 0.29539952 0.18401937 0.26876513 0.27118644 0.24697337 0.28329298 0.29297821 0.2590799 0.27007299 0.24264706 0.31127451 0.26108374 0.2962963 0.27160494 0.2691358 0.27407407 0.29382716 0.26419753 0.34814815 0.31111111] </a:t>
+            </a:r>
+          </a:p>
+          <a:p>
+            <a:r>
+              <a:rPr lang="en-US" sz="2200" dirty="0" smtClean="0">
+                <a:latin typeface="Calibri" panose="020F0502020204030204" pitchFamily="34" charset="0"/>
+                <a:cs typeface="Calibri" panose="020F0502020204030204" pitchFamily="34" charset="0"/>
+              </a:rPr>
+              <a:t>Overall </a:t>
+            </a:r>
+            <a:r>
+              <a:rPr lang="en-US" sz="2200" dirty="0">
+                <a:latin typeface="Calibri" panose="020F0502020204030204" pitchFamily="34" charset="0"/>
+                <a:cs typeface="Calibri" panose="020F0502020204030204" pitchFamily="34" charset="0"/>
+              </a:rPr>
+              <a:t>accuracy 0.275758414108 </a:t>
+            </a:r>
+          </a:p>
+          <a:p>
+            <a:r>
+              <a:rPr lang="en-US" sz="2200" dirty="0" smtClean="0">
+                <a:latin typeface="Calibri" panose="020F0502020204030204" pitchFamily="34" charset="0"/>
+                <a:cs typeface="Calibri" panose="020F0502020204030204" pitchFamily="34" charset="0"/>
+              </a:rPr>
+              <a:t>Not </a:t>
+            </a:r>
+            <a:r>
+              <a:rPr lang="en-US" sz="2200" dirty="0">
+                <a:latin typeface="Calibri" panose="020F0502020204030204" pitchFamily="34" charset="0"/>
+                <a:cs typeface="Calibri" panose="020F0502020204030204" pitchFamily="34" charset="0"/>
+              </a:rPr>
+              <a:t>the best model to use</a:t>
+            </a:r>
+          </a:p>
+          <a:p>
+            <a:r>
+              <a:rPr lang="en-US" sz="2200" dirty="0" smtClean="0">
+                <a:latin typeface="Calibri" panose="020F0502020204030204" pitchFamily="34" charset="0"/>
+                <a:cs typeface="Calibri" panose="020F0502020204030204" pitchFamily="34" charset="0"/>
+              </a:rPr>
+              <a:t>SelectKBest</a:t>
+            </a:r>
+            <a:r>
+              <a:rPr lang="en-US" sz="2200" dirty="0">
+                <a:latin typeface="Calibri" panose="020F0502020204030204" pitchFamily="34" charset="0"/>
+                <a:cs typeface="Calibri" panose="020F0502020204030204" pitchFamily="34" charset="0"/>
+              </a:rPr>
+              <a:t>,  Extra Tree Classifier, RFE also not good to use.</a:t>
+            </a:r>
+          </a:p>
+          <a:p>
+            <a:pPr marL="109728" indent="0">
+              <a:buNone/>
+            </a:pPr>
+            <a:endParaRPr lang="en-US" sz="2200" dirty="0" smtClean="0">
+              <a:latin typeface="Calibri" panose="020F0502020204030204" pitchFamily="34" charset="0"/>
+              <a:cs typeface="Calibri" panose="020F0502020204030204" pitchFamily="34" charset="0"/>
+            </a:endParaRPr>
+          </a:p>
+          <a:p>
+            <a:pPr marL="109728" indent="0">
+              <a:buNone/>
+            </a:pPr>
+            <a:r>
+              <a:rPr lang="en-US" sz="2200" dirty="0" smtClean="0">
+                <a:latin typeface="Calibri" panose="020F0502020204030204" pitchFamily="34" charset="0"/>
+                <a:cs typeface="Calibri" panose="020F0502020204030204" pitchFamily="34" charset="0"/>
+              </a:rPr>
+              <a:t>Logistic  </a:t>
+            </a:r>
+            <a:r>
+              <a:rPr lang="en-US" sz="2200" dirty="0">
+                <a:latin typeface="Calibri" panose="020F0502020204030204" pitchFamily="34" charset="0"/>
+                <a:cs typeface="Calibri" panose="020F0502020204030204" pitchFamily="34" charset="0"/>
+              </a:rPr>
+              <a:t>and Logit Regression Results</a:t>
+            </a:r>
+            <a:endParaRPr lang="en-US" sz="2200" dirty="0" smtClean="0">
+              <a:latin typeface="Calibri" panose="020F0502020204030204" pitchFamily="34" charset="0"/>
+              <a:cs typeface="Calibri" panose="020F0502020204030204" pitchFamily="34" charset="0"/>
+            </a:endParaRPr>
+          </a:p>
+          <a:p>
+            <a:r>
+              <a:rPr lang="en-US" sz="2200" dirty="0" smtClean="0">
+                <a:latin typeface="Calibri" panose="020F0502020204030204" pitchFamily="34" charset="0"/>
+                <a:cs typeface="Calibri" panose="020F0502020204030204" pitchFamily="34" charset="0"/>
+              </a:rPr>
+              <a:t>Split </a:t>
+            </a:r>
+            <a:r>
+              <a:rPr lang="en-US" sz="2200" dirty="0">
+                <a:latin typeface="Calibri" panose="020F0502020204030204" pitchFamily="34" charset="0"/>
+                <a:cs typeface="Calibri" panose="020F0502020204030204" pitchFamily="34" charset="0"/>
+              </a:rPr>
+              <a:t>Validation into Training and Test datasets</a:t>
+            </a:r>
+          </a:p>
+          <a:p>
+            <a:r>
+              <a:rPr lang="en-US" sz="2200" dirty="0" smtClean="0">
+                <a:latin typeface="Calibri" panose="020F0502020204030204" pitchFamily="34" charset="0"/>
+                <a:cs typeface="Calibri" panose="020F0502020204030204" pitchFamily="34" charset="0"/>
+              </a:rPr>
+              <a:t>Overall </a:t>
+            </a:r>
+            <a:r>
+              <a:rPr lang="en-US" sz="2200" dirty="0">
+                <a:latin typeface="Calibri" panose="020F0502020204030204" pitchFamily="34" charset="0"/>
+                <a:cs typeface="Calibri" panose="020F0502020204030204" pitchFamily="34" charset="0"/>
+              </a:rPr>
+              <a:t>accuracy 0.303993480033 </a:t>
+            </a:r>
+          </a:p>
+          <a:p>
+            <a:r>
+              <a:rPr lang="en-US" sz="2200" dirty="0" smtClean="0">
+                <a:latin typeface="Calibri" panose="020F0502020204030204" pitchFamily="34" charset="0"/>
+                <a:cs typeface="Calibri" panose="020F0502020204030204" pitchFamily="34" charset="0"/>
+              </a:rPr>
+              <a:t>Not </a:t>
+            </a:r>
+            <a:r>
+              <a:rPr lang="en-US" sz="2200" dirty="0">
+                <a:latin typeface="Calibri" panose="020F0502020204030204" pitchFamily="34" charset="0"/>
+                <a:cs typeface="Calibri" panose="020F0502020204030204" pitchFamily="34" charset="0"/>
+              </a:rPr>
+              <a:t>a good model to use</a:t>
+            </a:r>
+          </a:p>
+          <a:p>
+            <a:r>
+              <a:rPr lang="en-US" sz="2200" dirty="0" smtClean="0">
+                <a:latin typeface="Calibri" panose="020F0502020204030204" pitchFamily="34" charset="0"/>
+                <a:cs typeface="Calibri" panose="020F0502020204030204" pitchFamily="34" charset="0"/>
+              </a:rPr>
+              <a:t>Logit </a:t>
+            </a:r>
+            <a:r>
+              <a:rPr lang="en-US" sz="2200" dirty="0">
+                <a:latin typeface="Calibri" panose="020F0502020204030204" pitchFamily="34" charset="0"/>
+                <a:cs typeface="Calibri" panose="020F0502020204030204" pitchFamily="34" charset="0"/>
+              </a:rPr>
+              <a:t>does  not work for multi-class features</a:t>
+            </a:r>
+            <a:r>
+              <a:rPr lang="en-US" sz="2200" dirty="0" smtClean="0">
+                <a:latin typeface="Calibri" panose="020F0502020204030204" pitchFamily="34" charset="0"/>
+                <a:cs typeface="Calibri" panose="020F0502020204030204" pitchFamily="34" charset="0"/>
+              </a:rPr>
+              <a:t>.</a:t>
+            </a:r>
+            <a:endParaRPr lang="en-US" sz="2200" dirty="0">
+              <a:latin typeface="Calibri" panose="020F0502020204030204" pitchFamily="34" charset="0"/>
+              <a:cs typeface="Calibri" panose="020F0502020204030204" pitchFamily="34" charset="0"/>
+            </a:endParaRPr>
+          </a:p>
+        </p:txBody>
+      </p:sp>
+      <p:sp>
+        <p:nvSpPr>
+          <p:cNvPr id="5" name="Content Placeholder 1"/>
+          <p:cNvSpPr txBox="1">
+            <a:spLocks/>
+          </p:cNvSpPr>
+          <p:nvPr/>
+        </p:nvSpPr>
+        <p:spPr>
+          <a:xfrm>
+            <a:off x="457200" y="1481328"/>
+            <a:ext cx="8229600" cy="4525963"/>
+          </a:xfrm>
+          <a:prstGeom prst="rect">
+            <a:avLst/>
+          </a:prstGeom>
+        </p:spPr>
+        <p:txBody>
+          <a:bodyPr vert="horz">
+            <a:normAutofit/>
+          </a:bodyPr>
+          <a:lstStyle>
+            <a:lvl1pPr marL="365760" indent="-256032" algn="l" rtl="0" eaLnBrk="1" latinLnBrk="0" hangingPunct="1">
+              <a:spcBef>
+                <a:spcPts val="400"/>
+              </a:spcBef>
+              <a:spcAft>
+                <a:spcPts val="0"/>
+              </a:spcAft>
+              <a:buClr>
+                <a:schemeClr val="accent1"/>
+              </a:buClr>
+              <a:buSzPct val="68000"/>
+              <a:buFont typeface="Wingdings 3"/>
+              <a:buChar char=""/>
+              <a:defRPr kumimoji="0" sz="2700" kern="1200">
+                <a:solidFill>
+                  <a:schemeClr val="tx1"/>
+                </a:solidFill>
+                <a:latin typeface="+mn-lt"/>
+                <a:ea typeface="+mn-ea"/>
+                <a:cs typeface="+mn-cs"/>
+              </a:defRPr>
+            </a:lvl1pPr>
+            <a:lvl2pPr marL="621792" indent="-228600" algn="l" rtl="0" eaLnBrk="1" latinLnBrk="0" hangingPunct="1">
+              <a:spcBef>
+                <a:spcPts val="324"/>
+              </a:spcBef>
+              <a:buClr>
+                <a:schemeClr val="accent1"/>
+              </a:buClr>
+              <a:buFont typeface="Verdana"/>
+              <a:buChar char="◦"/>
+              <a:defRPr kumimoji="0" sz="2300" kern="1200">
+                <a:solidFill>
+                  <a:schemeClr val="tx1"/>
+                </a:solidFill>
+                <a:latin typeface="+mn-lt"/>
+                <a:ea typeface="+mn-ea"/>
+                <a:cs typeface="+mn-cs"/>
+              </a:defRPr>
+            </a:lvl2pPr>
+            <a:lvl3pPr marL="859536" indent="-228600" algn="l" rtl="0" eaLnBrk="1" latinLnBrk="0" hangingPunct="1">
+              <a:spcBef>
+                <a:spcPts val="350"/>
+              </a:spcBef>
+              <a:buClr>
+                <a:schemeClr val="accent2"/>
+              </a:buClr>
+              <a:buSzPct val="100000"/>
+              <a:buFont typeface="Wingdings 2"/>
+              <a:buChar char=""/>
+              <a:defRPr kumimoji="0" sz="2100" kern="1200">
+                <a:solidFill>
+                  <a:schemeClr val="tx1"/>
+                </a:solidFill>
+                <a:latin typeface="+mn-lt"/>
+                <a:ea typeface="+mn-ea"/>
+                <a:cs typeface="+mn-cs"/>
+              </a:defRPr>
+            </a:lvl3pPr>
+            <a:lvl4pPr marL="1143000" indent="-228600" algn="l" rtl="0" eaLnBrk="1" latinLnBrk="0" hangingPunct="1">
+              <a:spcBef>
+                <a:spcPts val="350"/>
+              </a:spcBef>
+              <a:buClr>
+                <a:schemeClr val="accent2"/>
+              </a:buClr>
+              <a:buFont typeface="Wingdings 2"/>
+              <a:buChar char=""/>
+              <a:defRPr kumimoji="0" sz="1900" kern="1200">
+                <a:solidFill>
+                  <a:schemeClr val="tx1"/>
+                </a:solidFill>
+                <a:latin typeface="+mn-lt"/>
+                <a:ea typeface="+mn-ea"/>
+                <a:cs typeface="+mn-cs"/>
+              </a:defRPr>
+            </a:lvl4pPr>
+            <a:lvl5pPr marL="1371600" indent="-228600" algn="l" rtl="0" eaLnBrk="1" latinLnBrk="0" hangingPunct="1">
+              <a:spcBef>
+                <a:spcPts val="350"/>
+              </a:spcBef>
+              <a:buClr>
+                <a:schemeClr val="accent2"/>
+              </a:buClr>
+              <a:buFont typeface="Wingdings 2"/>
+              <a:buChar char=""/>
+              <a:defRPr kumimoji="0" sz="1800" kern="1200">
+                <a:solidFill>
+                  <a:schemeClr val="tx1"/>
+                </a:solidFill>
+                <a:latin typeface="+mn-lt"/>
+                <a:ea typeface="+mn-ea"/>
+                <a:cs typeface="+mn-cs"/>
+              </a:defRPr>
+            </a:lvl5pPr>
+            <a:lvl6pPr marL="1600200" indent="-228600" algn="l" rtl="0" eaLnBrk="1" latinLnBrk="0" hangingPunct="1">
+              <a:spcBef>
+                <a:spcPts val="350"/>
+              </a:spcBef>
+              <a:buClr>
+                <a:schemeClr val="accent3"/>
+              </a:buClr>
+              <a:buFont typeface="Wingdings 2"/>
+              <a:buChar char=""/>
+              <a:defRPr kumimoji="0" sz="1800" kern="1200">
+                <a:solidFill>
+                  <a:schemeClr val="tx1"/>
+                </a:solidFill>
+                <a:latin typeface="+mn-lt"/>
+                <a:ea typeface="+mn-ea"/>
+                <a:cs typeface="+mn-cs"/>
+              </a:defRPr>
+            </a:lvl6pPr>
+            <a:lvl7pPr marL="1828800" indent="-228600" algn="l" rtl="0" eaLnBrk="1" latinLnBrk="0" hangingPunct="1">
+              <a:spcBef>
+                <a:spcPts val="350"/>
+              </a:spcBef>
+              <a:buClr>
+                <a:schemeClr val="accent3"/>
+              </a:buClr>
+              <a:buFont typeface="Wingdings 2"/>
+              <a:buChar char=""/>
+              <a:defRPr kumimoji="0" sz="1600" kern="1200">
+                <a:solidFill>
+                  <a:schemeClr val="tx1"/>
+                </a:solidFill>
+                <a:latin typeface="+mn-lt"/>
+                <a:ea typeface="+mn-ea"/>
+                <a:cs typeface="+mn-cs"/>
+              </a:defRPr>
+            </a:lvl7pPr>
+            <a:lvl8pPr marL="2057400" indent="-228600" algn="l" rtl="0" eaLnBrk="1" latinLnBrk="0" hangingPunct="1">
+              <a:spcBef>
+                <a:spcPts val="350"/>
+              </a:spcBef>
+              <a:buClr>
+                <a:schemeClr val="accent3"/>
+              </a:buClr>
+              <a:buFont typeface="Wingdings 2"/>
+              <a:buChar char=""/>
+              <a:defRPr kumimoji="0" sz="1600" kern="1200">
+                <a:solidFill>
+                  <a:schemeClr val="tx1"/>
+                </a:solidFill>
+                <a:latin typeface="+mn-lt"/>
+                <a:ea typeface="+mn-ea"/>
+                <a:cs typeface="+mn-cs"/>
+              </a:defRPr>
+            </a:lvl8pPr>
+            <a:lvl9pPr marL="2286000" indent="-228600" algn="l" rtl="0" eaLnBrk="1" latinLnBrk="0" hangingPunct="1">
+              <a:spcBef>
+                <a:spcPts val="350"/>
+              </a:spcBef>
+              <a:buClr>
+                <a:schemeClr val="accent3"/>
+              </a:buClr>
+              <a:buFont typeface="Wingdings 2"/>
+              <a:buChar char=""/>
+              <a:defRPr kumimoji="0" sz="1600" kern="1200" baseline="0">
+                <a:solidFill>
+                  <a:schemeClr val="tx1"/>
+                </a:solidFill>
+                <a:latin typeface="+mn-lt"/>
+                <a:ea typeface="+mn-ea"/>
+                <a:cs typeface="+mn-cs"/>
+              </a:defRPr>
+            </a:lvl9pPr>
+            <a:extLst/>
+          </a:lstStyle>
+          <a:p>
+            <a:pPr marL="109728" indent="0">
+              <a:buNone/>
+            </a:pPr>
+            <a:endParaRPr lang="en-US" sz="2000" dirty="0" smtClean="0">
+              <a:latin typeface="Calibri" panose="020F0502020204030204" pitchFamily="34" charset="0"/>
+              <a:cs typeface="Calibri" panose="020F0502020204030204" pitchFamily="34" charset="0"/>
+            </a:endParaRPr>
+          </a:p>
+        </p:txBody>
+      </p:sp>
+    </p:spTree>
+    <p:extLst>
+      <p:ext uri="{BB962C8B-B14F-4D97-AF65-F5344CB8AC3E}">
+        <p14:creationId xmlns:p14="http://schemas.microsoft.com/office/powerpoint/2010/main" val="1833352367"/>
+      </p:ext>
+    </p:extLst>
+  </p:cSld>
+  <p:clrMapOvr>
+    <a:masterClrMapping/>
+  </p:clrMapOvr>
+</p:sld>
+</file>
+
+<file path=ppt/slides/slide37.xml><?xml version="1.0" encoding="utf-8"?>
+<p:sld xmlns:a="http://schemas.openxmlformats.org/drawingml/2006/main" xmlns:r="http://schemas.openxmlformats.org/officeDocument/2006/relationships" xmlns:p="http://schemas.openxmlformats.org/presentationml/2006/main">
+  <p:cSld>
+    <p:spTree>
+      <p:nvGrpSpPr>
+        <p:cNvPr id="1" name=""/>
+        <p:cNvGrpSpPr/>
+        <p:nvPr/>
+      </p:nvGrpSpPr>
+      <p:grpSpPr>
+        <a:xfrm>
+          <a:off x="0" y="0"/>
+          <a:ext cx="0" cy="0"/>
+          <a:chOff x="0" y="0"/>
+          <a:chExt cx="0" cy="0"/>
+        </a:xfrm>
+      </p:grpSpPr>
+      <p:sp>
+        <p:nvSpPr>
+          <p:cNvPr id="2" name="Content Placeholder 1"/>
+          <p:cNvSpPr>
+            <a:spLocks noGrp="1"/>
+          </p:cNvSpPr>
+          <p:nvPr>
+            <p:ph idx="1"/>
+          </p:nvPr>
+        </p:nvSpPr>
+        <p:spPr>
+          <a:xfrm>
+            <a:off x="457200" y="381000"/>
+            <a:ext cx="8229600" cy="6172200"/>
+          </a:xfrm>
+        </p:spPr>
+        <p:txBody>
+          <a:bodyPr>
+            <a:normAutofit/>
+          </a:bodyPr>
+          <a:lstStyle/>
+          <a:p>
+            <a:pPr marL="109728" indent="0">
+              <a:buNone/>
+            </a:pPr>
+            <a:r>
+              <a:rPr lang="en-US" sz="2400" dirty="0">
+                <a:latin typeface="Calibri" panose="020F0502020204030204" pitchFamily="34" charset="0"/>
+                <a:cs typeface="Calibri" panose="020F0502020204030204" pitchFamily="34" charset="0"/>
+              </a:rPr>
+              <a:t>Model Building and Evaluation -Supervised Classification </a:t>
+            </a:r>
+          </a:p>
+          <a:p>
+            <a:pPr marL="109728" indent="0" algn="ctr">
+              <a:buNone/>
+            </a:pPr>
+            <a:r>
+              <a:rPr lang="en-US" sz="2400" dirty="0" smtClean="0">
+                <a:latin typeface="Calibri" panose="020F0502020204030204" pitchFamily="34" charset="0"/>
+                <a:cs typeface="Calibri" panose="020F0502020204030204" pitchFamily="34" charset="0"/>
+              </a:rPr>
+              <a:t>(non-text) Breach Type – Random Forest</a:t>
+            </a:r>
+          </a:p>
+          <a:p>
+            <a:pPr marL="109728" indent="0">
+              <a:buNone/>
+            </a:pPr>
+            <a:endParaRPr lang="en-US" sz="2400" dirty="0" smtClean="0">
+              <a:latin typeface="Calibri" panose="020F0502020204030204" pitchFamily="34" charset="0"/>
+              <a:cs typeface="Calibri" panose="020F0502020204030204" pitchFamily="34" charset="0"/>
+            </a:endParaRPr>
+          </a:p>
+          <a:p>
+            <a:r>
+              <a:rPr lang="en-US" sz="2400" dirty="0"/>
+              <a:t>Overall accuracy = 0.94132029339853296</a:t>
+            </a:r>
+          </a:p>
+          <a:p>
+            <a:r>
+              <a:rPr lang="en-US" sz="2400" dirty="0" smtClean="0"/>
+              <a:t>Hacking </a:t>
+            </a:r>
+            <a:r>
+              <a:rPr lang="en-US" sz="2400" dirty="0"/>
+              <a:t>showing largest population</a:t>
+            </a:r>
+          </a:p>
+          <a:p>
+            <a:r>
+              <a:rPr lang="en-US" sz="2400" dirty="0"/>
+              <a:t>Best model to use for classification</a:t>
+            </a:r>
+          </a:p>
+          <a:p>
+            <a:pPr marL="109728" indent="0">
+              <a:buNone/>
+            </a:pPr>
+            <a:endParaRPr lang="en-US" sz="2400" dirty="0" smtClean="0">
+              <a:latin typeface="Calibri" panose="020F0502020204030204" pitchFamily="34" charset="0"/>
+              <a:cs typeface="Calibri" panose="020F0502020204030204" pitchFamily="34" charset="0"/>
+            </a:endParaRPr>
+          </a:p>
+        </p:txBody>
+      </p:sp>
+      <p:sp>
+        <p:nvSpPr>
+          <p:cNvPr id="5" name="Content Placeholder 1"/>
+          <p:cNvSpPr txBox="1">
+            <a:spLocks/>
+          </p:cNvSpPr>
+          <p:nvPr/>
+        </p:nvSpPr>
+        <p:spPr>
+          <a:xfrm>
+            <a:off x="457200" y="1481328"/>
+            <a:ext cx="8229600" cy="4525963"/>
+          </a:xfrm>
+          <a:prstGeom prst="rect">
+            <a:avLst/>
+          </a:prstGeom>
+        </p:spPr>
+        <p:txBody>
+          <a:bodyPr vert="horz">
+            <a:normAutofit/>
+          </a:bodyPr>
+          <a:lstStyle>
+            <a:lvl1pPr marL="365760" indent="-256032" algn="l" rtl="0" eaLnBrk="1" latinLnBrk="0" hangingPunct="1">
+              <a:spcBef>
+                <a:spcPts val="400"/>
+              </a:spcBef>
+              <a:spcAft>
+                <a:spcPts val="0"/>
+              </a:spcAft>
+              <a:buClr>
+                <a:schemeClr val="accent1"/>
+              </a:buClr>
+              <a:buSzPct val="68000"/>
+              <a:buFont typeface="Wingdings 3"/>
+              <a:buChar char=""/>
+              <a:defRPr kumimoji="0" sz="2700" kern="1200">
+                <a:solidFill>
+                  <a:schemeClr val="tx1"/>
+                </a:solidFill>
+                <a:latin typeface="+mn-lt"/>
+                <a:ea typeface="+mn-ea"/>
+                <a:cs typeface="+mn-cs"/>
+              </a:defRPr>
+            </a:lvl1pPr>
+            <a:lvl2pPr marL="621792" indent="-228600" algn="l" rtl="0" eaLnBrk="1" latinLnBrk="0" hangingPunct="1">
+              <a:spcBef>
+                <a:spcPts val="324"/>
+              </a:spcBef>
+              <a:buClr>
+                <a:schemeClr val="accent1"/>
+              </a:buClr>
+              <a:buFont typeface="Verdana"/>
+              <a:buChar char="◦"/>
+              <a:defRPr kumimoji="0" sz="2300" kern="1200">
+                <a:solidFill>
+                  <a:schemeClr val="tx1"/>
+                </a:solidFill>
+                <a:latin typeface="+mn-lt"/>
+                <a:ea typeface="+mn-ea"/>
+                <a:cs typeface="+mn-cs"/>
+              </a:defRPr>
+            </a:lvl2pPr>
+            <a:lvl3pPr marL="859536" indent="-228600" algn="l" rtl="0" eaLnBrk="1" latinLnBrk="0" hangingPunct="1">
+              <a:spcBef>
+                <a:spcPts val="350"/>
+              </a:spcBef>
+              <a:buClr>
+                <a:schemeClr val="accent2"/>
+              </a:buClr>
+              <a:buSzPct val="100000"/>
+              <a:buFont typeface="Wingdings 2"/>
+              <a:buChar char=""/>
+              <a:defRPr kumimoji="0" sz="2100" kern="1200">
+                <a:solidFill>
+                  <a:schemeClr val="tx1"/>
+                </a:solidFill>
+                <a:latin typeface="+mn-lt"/>
+                <a:ea typeface="+mn-ea"/>
+                <a:cs typeface="+mn-cs"/>
+              </a:defRPr>
+            </a:lvl3pPr>
+            <a:lvl4pPr marL="1143000" indent="-228600" algn="l" rtl="0" eaLnBrk="1" latinLnBrk="0" hangingPunct="1">
+              <a:spcBef>
+                <a:spcPts val="350"/>
+              </a:spcBef>
+              <a:buClr>
+                <a:schemeClr val="accent2"/>
+              </a:buClr>
+              <a:buFont typeface="Wingdings 2"/>
+              <a:buChar char=""/>
+              <a:defRPr kumimoji="0" sz="1900" kern="1200">
+                <a:solidFill>
+                  <a:schemeClr val="tx1"/>
+                </a:solidFill>
+                <a:latin typeface="+mn-lt"/>
+                <a:ea typeface="+mn-ea"/>
+                <a:cs typeface="+mn-cs"/>
+              </a:defRPr>
+            </a:lvl4pPr>
+            <a:lvl5pPr marL="1371600" indent="-228600" algn="l" rtl="0" eaLnBrk="1" latinLnBrk="0" hangingPunct="1">
+              <a:spcBef>
+                <a:spcPts val="350"/>
+              </a:spcBef>
+              <a:buClr>
+                <a:schemeClr val="accent2"/>
+              </a:buClr>
+              <a:buFont typeface="Wingdings 2"/>
+              <a:buChar char=""/>
+              <a:defRPr kumimoji="0" sz="1800" kern="1200">
+                <a:solidFill>
+                  <a:schemeClr val="tx1"/>
+                </a:solidFill>
+                <a:latin typeface="+mn-lt"/>
+                <a:ea typeface="+mn-ea"/>
+                <a:cs typeface="+mn-cs"/>
+              </a:defRPr>
+            </a:lvl5pPr>
+            <a:lvl6pPr marL="1600200" indent="-228600" algn="l" rtl="0" eaLnBrk="1" latinLnBrk="0" hangingPunct="1">
+              <a:spcBef>
+                <a:spcPts val="350"/>
+              </a:spcBef>
+              <a:buClr>
+                <a:schemeClr val="accent3"/>
+              </a:buClr>
+              <a:buFont typeface="Wingdings 2"/>
+              <a:buChar char=""/>
+              <a:defRPr kumimoji="0" sz="1800" kern="1200">
+                <a:solidFill>
+                  <a:schemeClr val="tx1"/>
+                </a:solidFill>
+                <a:latin typeface="+mn-lt"/>
+                <a:ea typeface="+mn-ea"/>
+                <a:cs typeface="+mn-cs"/>
+              </a:defRPr>
+            </a:lvl6pPr>
+            <a:lvl7pPr marL="1828800" indent="-228600" algn="l" rtl="0" eaLnBrk="1" latinLnBrk="0" hangingPunct="1">
+              <a:spcBef>
+                <a:spcPts val="350"/>
+              </a:spcBef>
+              <a:buClr>
+                <a:schemeClr val="accent3"/>
+              </a:buClr>
+              <a:buFont typeface="Wingdings 2"/>
+              <a:buChar char=""/>
+              <a:defRPr kumimoji="0" sz="1600" kern="1200">
+                <a:solidFill>
+                  <a:schemeClr val="tx1"/>
+                </a:solidFill>
+                <a:latin typeface="+mn-lt"/>
+                <a:ea typeface="+mn-ea"/>
+                <a:cs typeface="+mn-cs"/>
+              </a:defRPr>
+            </a:lvl7pPr>
+            <a:lvl8pPr marL="2057400" indent="-228600" algn="l" rtl="0" eaLnBrk="1" latinLnBrk="0" hangingPunct="1">
+              <a:spcBef>
+                <a:spcPts val="350"/>
+              </a:spcBef>
+              <a:buClr>
+                <a:schemeClr val="accent3"/>
+              </a:buClr>
+              <a:buFont typeface="Wingdings 2"/>
+              <a:buChar char=""/>
+              <a:defRPr kumimoji="0" sz="1600" kern="1200">
+                <a:solidFill>
+                  <a:schemeClr val="tx1"/>
+                </a:solidFill>
+                <a:latin typeface="+mn-lt"/>
+                <a:ea typeface="+mn-ea"/>
+                <a:cs typeface="+mn-cs"/>
+              </a:defRPr>
+            </a:lvl8pPr>
+            <a:lvl9pPr marL="2286000" indent="-228600" algn="l" rtl="0" eaLnBrk="1" latinLnBrk="0" hangingPunct="1">
+              <a:spcBef>
+                <a:spcPts val="350"/>
+              </a:spcBef>
+              <a:buClr>
+                <a:schemeClr val="accent3"/>
+              </a:buClr>
+              <a:buFont typeface="Wingdings 2"/>
+              <a:buChar char=""/>
+              <a:defRPr kumimoji="0" sz="1600" kern="1200" baseline="0">
+                <a:solidFill>
+                  <a:schemeClr val="tx1"/>
+                </a:solidFill>
+                <a:latin typeface="+mn-lt"/>
+                <a:ea typeface="+mn-ea"/>
+                <a:cs typeface="+mn-cs"/>
+              </a:defRPr>
+            </a:lvl9pPr>
+            <a:extLst/>
+          </a:lstStyle>
+          <a:p>
+            <a:pPr marL="109728" indent="0">
+              <a:buNone/>
+            </a:pPr>
+            <a:endParaRPr lang="en-US" sz="2000" dirty="0" smtClean="0">
+              <a:latin typeface="Calibri" panose="020F0502020204030204" pitchFamily="34" charset="0"/>
+              <a:cs typeface="Calibri" panose="020F0502020204030204" pitchFamily="34" charset="0"/>
+            </a:endParaRPr>
+          </a:p>
+        </p:txBody>
+      </p:sp>
+      <p:pic>
+        <p:nvPicPr>
+          <p:cNvPr id="4" name="Picture 3"/>
+          <p:cNvPicPr>
+            <a:picLocks noChangeAspect="1"/>
+          </p:cNvPicPr>
+          <p:nvPr/>
+        </p:nvPicPr>
+        <p:blipFill>
+          <a:blip r:embed="rId2">
+            <a:extLst>
+              <a:ext uri="{28A0092B-C50C-407E-A947-70E740481C1C}">
+                <a14:useLocalDpi xmlns:a14="http://schemas.microsoft.com/office/drawing/2010/main" val="0"/>
+              </a:ext>
+            </a:extLst>
+          </a:blip>
+          <a:stretch>
+            <a:fillRect/>
+          </a:stretch>
+        </p:blipFill>
+        <p:spPr>
+          <a:xfrm>
+            <a:off x="1865870" y="3150331"/>
+            <a:ext cx="4077730" cy="2942837"/>
+          </a:xfrm>
+          <a:prstGeom prst="rect">
+            <a:avLst/>
+          </a:prstGeom>
+        </p:spPr>
+      </p:pic>
+    </p:spTree>
+    <p:extLst>
+      <p:ext uri="{BB962C8B-B14F-4D97-AF65-F5344CB8AC3E}">
+        <p14:creationId xmlns:p14="http://schemas.microsoft.com/office/powerpoint/2010/main" val="693869626"/>
+      </p:ext>
+    </p:extLst>
+  </p:cSld>
+  <p:clrMapOvr>
+    <a:masterClrMapping/>
+  </p:clrMapOvr>
+</p:sld>
+</file>
+
+<file path=ppt/slides/slide38.xml><?xml version="1.0" encoding="utf-8"?>
+<p:sld xmlns:a="http://schemas.openxmlformats.org/drawingml/2006/main" xmlns:r="http://schemas.openxmlformats.org/officeDocument/2006/relationships" xmlns:p="http://schemas.openxmlformats.org/presentationml/2006/main">
+  <p:cSld>
+    <p:spTree>
+      <p:nvGrpSpPr>
+        <p:cNvPr id="1" name=""/>
+        <p:cNvGrpSpPr/>
+        <p:nvPr/>
+      </p:nvGrpSpPr>
+      <p:grpSpPr>
+        <a:xfrm>
+          <a:off x="0" y="0"/>
+          <a:ext cx="0" cy="0"/>
+          <a:chOff x="0" y="0"/>
+          <a:chExt cx="0" cy="0"/>
+        </a:xfrm>
+      </p:grpSpPr>
+      <p:sp>
+        <p:nvSpPr>
+          <p:cNvPr id="2" name="Content Placeholder 1"/>
+          <p:cNvSpPr>
+            <a:spLocks noGrp="1"/>
+          </p:cNvSpPr>
+          <p:nvPr>
+            <p:ph idx="1"/>
+          </p:nvPr>
+        </p:nvSpPr>
+        <p:spPr>
+          <a:xfrm>
+            <a:off x="457200" y="381000"/>
+            <a:ext cx="8229600" cy="6172200"/>
+          </a:xfrm>
+        </p:spPr>
+        <p:txBody>
+          <a:bodyPr>
+            <a:normAutofit/>
+          </a:bodyPr>
+          <a:lstStyle/>
+          <a:p>
+            <a:pPr marL="109728" indent="0" algn="ctr">
+              <a:buNone/>
+            </a:pPr>
+            <a:r>
+              <a:rPr lang="en-US" sz="1800" dirty="0">
+                <a:latin typeface="Calibri" panose="020F0502020204030204" pitchFamily="34" charset="0"/>
+                <a:cs typeface="Calibri" panose="020F0502020204030204" pitchFamily="34" charset="0"/>
+              </a:rPr>
+              <a:t>Model Building and Evaluation -Supervised Classification </a:t>
+            </a:r>
+          </a:p>
+          <a:p>
+            <a:pPr marL="109728" indent="0" algn="ctr">
+              <a:buNone/>
+            </a:pPr>
+            <a:r>
+              <a:rPr lang="en-US" sz="1800" dirty="0">
+                <a:latin typeface="Calibri" panose="020F0502020204030204" pitchFamily="34" charset="0"/>
+                <a:cs typeface="Calibri" panose="020F0502020204030204" pitchFamily="34" charset="0"/>
+              </a:rPr>
+              <a:t>(non-text </a:t>
+            </a:r>
+            <a:r>
+              <a:rPr lang="en-US" sz="1800" dirty="0" smtClean="0">
+                <a:latin typeface="Calibri" panose="020F0502020204030204" pitchFamily="34" charset="0"/>
+                <a:cs typeface="Calibri" panose="020F0502020204030204" pitchFamily="34" charset="0"/>
+              </a:rPr>
+              <a:t>) Organization Types - Correlation </a:t>
+            </a:r>
+            <a:r>
+              <a:rPr lang="en-US" sz="1800" dirty="0">
+                <a:latin typeface="Calibri" panose="020F0502020204030204" pitchFamily="34" charset="0"/>
+                <a:cs typeface="Calibri" panose="020F0502020204030204" pitchFamily="34" charset="0"/>
+              </a:rPr>
+              <a:t>with Other features</a:t>
+            </a:r>
+            <a:endParaRPr lang="en-US" sz="1800" dirty="0" smtClean="0">
+              <a:latin typeface="Calibri" panose="020F0502020204030204" pitchFamily="34" charset="0"/>
+              <a:cs typeface="Calibri" panose="020F0502020204030204" pitchFamily="34" charset="0"/>
+            </a:endParaRPr>
+          </a:p>
+          <a:p>
+            <a:pPr marL="109728" indent="0" algn="ctr">
+              <a:buNone/>
+            </a:pPr>
+            <a:endParaRPr lang="en-US" sz="2400" dirty="0">
+              <a:latin typeface="Calibri" panose="020F0502020204030204" pitchFamily="34" charset="0"/>
+              <a:cs typeface="Calibri" panose="020F0502020204030204" pitchFamily="34" charset="0"/>
+            </a:endParaRPr>
+          </a:p>
+          <a:p>
+            <a:pPr marL="109728" indent="0">
+              <a:buNone/>
+            </a:pPr>
+            <a:endParaRPr lang="en-US" sz="2400" dirty="0" smtClean="0">
+              <a:latin typeface="Calibri" panose="020F0502020204030204" pitchFamily="34" charset="0"/>
+              <a:cs typeface="Calibri" panose="020F0502020204030204" pitchFamily="34" charset="0"/>
+            </a:endParaRPr>
+          </a:p>
+        </p:txBody>
+      </p:sp>
+      <p:sp>
+        <p:nvSpPr>
+          <p:cNvPr id="5" name="Content Placeholder 1"/>
+          <p:cNvSpPr txBox="1">
+            <a:spLocks/>
+          </p:cNvSpPr>
+          <p:nvPr/>
+        </p:nvSpPr>
+        <p:spPr>
+          <a:xfrm>
+            <a:off x="457200" y="1481328"/>
+            <a:ext cx="8229600" cy="4525963"/>
+          </a:xfrm>
+          <a:prstGeom prst="rect">
+            <a:avLst/>
+          </a:prstGeom>
+        </p:spPr>
+        <p:txBody>
+          <a:bodyPr vert="horz">
+            <a:normAutofit/>
+          </a:bodyPr>
+          <a:lstStyle>
+            <a:lvl1pPr marL="365760" indent="-256032" algn="l" rtl="0" eaLnBrk="1" latinLnBrk="0" hangingPunct="1">
+              <a:spcBef>
+                <a:spcPts val="400"/>
+              </a:spcBef>
+              <a:spcAft>
+                <a:spcPts val="0"/>
+              </a:spcAft>
+              <a:buClr>
+                <a:schemeClr val="accent1"/>
+              </a:buClr>
+              <a:buSzPct val="68000"/>
+              <a:buFont typeface="Wingdings 3"/>
+              <a:buChar char=""/>
+              <a:defRPr kumimoji="0" sz="2700" kern="1200">
+                <a:solidFill>
+                  <a:schemeClr val="tx1"/>
+                </a:solidFill>
+                <a:latin typeface="+mn-lt"/>
+                <a:ea typeface="+mn-ea"/>
+                <a:cs typeface="+mn-cs"/>
+              </a:defRPr>
+            </a:lvl1pPr>
+            <a:lvl2pPr marL="621792" indent="-228600" algn="l" rtl="0" eaLnBrk="1" latinLnBrk="0" hangingPunct="1">
+              <a:spcBef>
+                <a:spcPts val="324"/>
+              </a:spcBef>
+              <a:buClr>
+                <a:schemeClr val="accent1"/>
+              </a:buClr>
+              <a:buFont typeface="Verdana"/>
+              <a:buChar char="◦"/>
+              <a:defRPr kumimoji="0" sz="2300" kern="1200">
+                <a:solidFill>
+                  <a:schemeClr val="tx1"/>
+                </a:solidFill>
+                <a:latin typeface="+mn-lt"/>
+                <a:ea typeface="+mn-ea"/>
+                <a:cs typeface="+mn-cs"/>
+              </a:defRPr>
+            </a:lvl2pPr>
+            <a:lvl3pPr marL="859536" indent="-228600" algn="l" rtl="0" eaLnBrk="1" latinLnBrk="0" hangingPunct="1">
+              <a:spcBef>
+                <a:spcPts val="350"/>
+              </a:spcBef>
+              <a:buClr>
+                <a:schemeClr val="accent2"/>
+              </a:buClr>
+              <a:buSzPct val="100000"/>
+              <a:buFont typeface="Wingdings 2"/>
+              <a:buChar char=""/>
+              <a:defRPr kumimoji="0" sz="2100" kern="1200">
+                <a:solidFill>
+                  <a:schemeClr val="tx1"/>
+                </a:solidFill>
+                <a:latin typeface="+mn-lt"/>
+                <a:ea typeface="+mn-ea"/>
+                <a:cs typeface="+mn-cs"/>
+              </a:defRPr>
+            </a:lvl3pPr>
+            <a:lvl4pPr marL="1143000" indent="-228600" algn="l" rtl="0" eaLnBrk="1" latinLnBrk="0" hangingPunct="1">
+              <a:spcBef>
+                <a:spcPts val="350"/>
+              </a:spcBef>
+              <a:buClr>
+                <a:schemeClr val="accent2"/>
+              </a:buClr>
+              <a:buFont typeface="Wingdings 2"/>
+              <a:buChar char=""/>
+              <a:defRPr kumimoji="0" sz="1900" kern="1200">
+                <a:solidFill>
+                  <a:schemeClr val="tx1"/>
+                </a:solidFill>
+                <a:latin typeface="+mn-lt"/>
+                <a:ea typeface="+mn-ea"/>
+                <a:cs typeface="+mn-cs"/>
+              </a:defRPr>
+            </a:lvl4pPr>
+            <a:lvl5pPr marL="1371600" indent="-228600" algn="l" rtl="0" eaLnBrk="1" latinLnBrk="0" hangingPunct="1">
+              <a:spcBef>
+                <a:spcPts val="350"/>
+              </a:spcBef>
+              <a:buClr>
+                <a:schemeClr val="accent2"/>
+              </a:buClr>
+              <a:buFont typeface="Wingdings 2"/>
+              <a:buChar char=""/>
+              <a:defRPr kumimoji="0" sz="1800" kern="1200">
+                <a:solidFill>
+                  <a:schemeClr val="tx1"/>
+                </a:solidFill>
+                <a:latin typeface="+mn-lt"/>
+                <a:ea typeface="+mn-ea"/>
+                <a:cs typeface="+mn-cs"/>
+              </a:defRPr>
+            </a:lvl5pPr>
+            <a:lvl6pPr marL="1600200" indent="-228600" algn="l" rtl="0" eaLnBrk="1" latinLnBrk="0" hangingPunct="1">
+              <a:spcBef>
+                <a:spcPts val="350"/>
+              </a:spcBef>
+              <a:buClr>
+                <a:schemeClr val="accent3"/>
+              </a:buClr>
+              <a:buFont typeface="Wingdings 2"/>
+              <a:buChar char=""/>
+              <a:defRPr kumimoji="0" sz="1800" kern="1200">
+                <a:solidFill>
+                  <a:schemeClr val="tx1"/>
+                </a:solidFill>
+                <a:latin typeface="+mn-lt"/>
+                <a:ea typeface="+mn-ea"/>
+                <a:cs typeface="+mn-cs"/>
+              </a:defRPr>
+            </a:lvl6pPr>
+            <a:lvl7pPr marL="1828800" indent="-228600" algn="l" rtl="0" eaLnBrk="1" latinLnBrk="0" hangingPunct="1">
+              <a:spcBef>
+                <a:spcPts val="350"/>
+              </a:spcBef>
+              <a:buClr>
+                <a:schemeClr val="accent3"/>
+              </a:buClr>
+              <a:buFont typeface="Wingdings 2"/>
+              <a:buChar char=""/>
+              <a:defRPr kumimoji="0" sz="1600" kern="1200">
+                <a:solidFill>
+                  <a:schemeClr val="tx1"/>
+                </a:solidFill>
+                <a:latin typeface="+mn-lt"/>
+                <a:ea typeface="+mn-ea"/>
+                <a:cs typeface="+mn-cs"/>
+              </a:defRPr>
+            </a:lvl7pPr>
+            <a:lvl8pPr marL="2057400" indent="-228600" algn="l" rtl="0" eaLnBrk="1" latinLnBrk="0" hangingPunct="1">
+              <a:spcBef>
+                <a:spcPts val="350"/>
+              </a:spcBef>
+              <a:buClr>
+                <a:schemeClr val="accent3"/>
+              </a:buClr>
+              <a:buFont typeface="Wingdings 2"/>
+              <a:buChar char=""/>
+              <a:defRPr kumimoji="0" sz="1600" kern="1200">
+                <a:solidFill>
+                  <a:schemeClr val="tx1"/>
+                </a:solidFill>
+                <a:latin typeface="+mn-lt"/>
+                <a:ea typeface="+mn-ea"/>
+                <a:cs typeface="+mn-cs"/>
+              </a:defRPr>
+            </a:lvl8pPr>
+            <a:lvl9pPr marL="2286000" indent="-228600" algn="l" rtl="0" eaLnBrk="1" latinLnBrk="0" hangingPunct="1">
+              <a:spcBef>
+                <a:spcPts val="350"/>
+              </a:spcBef>
+              <a:buClr>
+                <a:schemeClr val="accent3"/>
+              </a:buClr>
+              <a:buFont typeface="Wingdings 2"/>
+              <a:buChar char=""/>
+              <a:defRPr kumimoji="0" sz="1600" kern="1200" baseline="0">
+                <a:solidFill>
+                  <a:schemeClr val="tx1"/>
+                </a:solidFill>
+                <a:latin typeface="+mn-lt"/>
+                <a:ea typeface="+mn-ea"/>
+                <a:cs typeface="+mn-cs"/>
+              </a:defRPr>
+            </a:lvl9pPr>
+            <a:extLst/>
+          </a:lstStyle>
+          <a:p>
+            <a:pPr marL="109728" indent="0">
+              <a:buNone/>
+            </a:pPr>
+            <a:endParaRPr lang="en-US" sz="2000" dirty="0" smtClean="0">
+              <a:latin typeface="Calibri" panose="020F0502020204030204" pitchFamily="34" charset="0"/>
+              <a:cs typeface="Calibri" panose="020F0502020204030204" pitchFamily="34" charset="0"/>
+            </a:endParaRPr>
+          </a:p>
+        </p:txBody>
+      </p:sp>
+      <p:pic>
+        <p:nvPicPr>
+          <p:cNvPr id="6" name="Content Placeholder 3"/>
+          <p:cNvPicPr>
+            <a:picLocks noChangeAspect="1"/>
+          </p:cNvPicPr>
+          <p:nvPr/>
+        </p:nvPicPr>
+        <p:blipFill>
+          <a:blip r:embed="rId2">
+            <a:extLst>
+              <a:ext uri="{28A0092B-C50C-407E-A947-70E740481C1C}">
+                <a14:useLocalDpi xmlns:a14="http://schemas.microsoft.com/office/drawing/2010/main" val="0"/>
+              </a:ext>
+            </a:extLst>
+          </a:blip>
+          <a:stretch>
+            <a:fillRect/>
+          </a:stretch>
+        </p:blipFill>
+        <p:spPr>
+          <a:xfrm>
+            <a:off x="381000" y="1136822"/>
+            <a:ext cx="8153399" cy="5340178"/>
+          </a:xfrm>
+          <a:prstGeom prst="rect">
+            <a:avLst/>
+          </a:prstGeom>
+        </p:spPr>
+      </p:pic>
+    </p:spTree>
+    <p:extLst>
+      <p:ext uri="{BB962C8B-B14F-4D97-AF65-F5344CB8AC3E}">
+        <p14:creationId xmlns:p14="http://schemas.microsoft.com/office/powerpoint/2010/main" val="635250243"/>
+      </p:ext>
+    </p:extLst>
+  </p:cSld>
+  <p:clrMapOvr>
+    <a:masterClrMapping/>
+  </p:clrMapOvr>
+</p:sld>
+</file>
+
+<file path=ppt/slides/slide39.xml><?xml version="1.0" encoding="utf-8"?>
+<p:sld xmlns:a="http://schemas.openxmlformats.org/drawingml/2006/main" xmlns:r="http://schemas.openxmlformats.org/officeDocument/2006/relationships" xmlns:p="http://schemas.openxmlformats.org/presentationml/2006/main">
+  <p:cSld>
+    <p:spTree>
+      <p:nvGrpSpPr>
+        <p:cNvPr id="1" name=""/>
+        <p:cNvGrpSpPr/>
+        <p:nvPr/>
+      </p:nvGrpSpPr>
+      <p:grpSpPr>
+        <a:xfrm>
+          <a:off x="0" y="0"/>
+          <a:ext cx="0" cy="0"/>
+          <a:chOff x="0" y="0"/>
+          <a:chExt cx="0" cy="0"/>
+        </a:xfrm>
+      </p:grpSpPr>
+      <p:sp>
+        <p:nvSpPr>
+          <p:cNvPr id="2" name="Content Placeholder 1"/>
+          <p:cNvSpPr>
+            <a:spLocks noGrp="1"/>
+          </p:cNvSpPr>
+          <p:nvPr>
+            <p:ph idx="1"/>
+          </p:nvPr>
+        </p:nvSpPr>
+        <p:spPr>
+          <a:xfrm>
+            <a:off x="457200" y="152400"/>
+            <a:ext cx="8458200" cy="6400800"/>
+          </a:xfrm>
+        </p:spPr>
+        <p:txBody>
+          <a:bodyPr>
+            <a:normAutofit/>
+          </a:bodyPr>
+          <a:lstStyle/>
+          <a:p>
+            <a:pPr marL="109728" indent="0">
+              <a:buNone/>
+            </a:pPr>
+            <a:r>
+              <a:rPr lang="en-US" sz="2400" dirty="0">
+                <a:latin typeface="Calibri" panose="020F0502020204030204" pitchFamily="34" charset="0"/>
+                <a:cs typeface="Calibri" panose="020F0502020204030204" pitchFamily="34" charset="0"/>
+              </a:rPr>
+              <a:t>Model Building and Evaluation -Supervised Classification </a:t>
+            </a:r>
+            <a:endParaRPr lang="en-US" sz="2400" dirty="0" smtClean="0">
+              <a:latin typeface="Calibri" panose="020F0502020204030204" pitchFamily="34" charset="0"/>
+              <a:cs typeface="Calibri" panose="020F0502020204030204" pitchFamily="34" charset="0"/>
+            </a:endParaRPr>
+          </a:p>
+          <a:p>
+            <a:pPr marL="109728" indent="0">
+              <a:buNone/>
+            </a:pPr>
+            <a:r>
+              <a:rPr lang="en-US" sz="2400" dirty="0" smtClean="0">
+                <a:latin typeface="Calibri" panose="020F0502020204030204" pitchFamily="34" charset="0"/>
+                <a:cs typeface="Calibri" panose="020F0502020204030204" pitchFamily="34" charset="0"/>
+              </a:rPr>
+              <a:t>(non-text) Organization Type – Findings and Summary</a:t>
+            </a:r>
+          </a:p>
+          <a:p>
+            <a:pPr marL="109728" indent="0">
+              <a:buNone/>
+            </a:pPr>
+            <a:endParaRPr lang="en-US" sz="2400" dirty="0" smtClean="0">
+              <a:latin typeface="Calibri" panose="020F0502020204030204" pitchFamily="34" charset="0"/>
+              <a:cs typeface="Calibri" panose="020F0502020204030204" pitchFamily="34" charset="0"/>
+            </a:endParaRPr>
+          </a:p>
+          <a:p>
+            <a:pPr marL="109728" indent="0">
+              <a:buNone/>
+            </a:pPr>
+            <a:r>
+              <a:rPr lang="en-US" sz="2400" dirty="0" smtClean="0">
+                <a:latin typeface="Calibri" panose="020F0502020204030204" pitchFamily="34" charset="0"/>
+                <a:cs typeface="Calibri" panose="020F0502020204030204" pitchFamily="34" charset="0"/>
+              </a:rPr>
               <a:t>What </a:t>
             </a:r>
             <a:r>
@@ -15027,6 +17526,85 @@
               </a:rPr>
               <a:t>For the most part the correlation scores appear to be low.</a:t>
             </a:r>
+          </a:p>
+          <a:p>
+            <a:pPr marL="109728" indent="0">
+              <a:buNone/>
+            </a:pPr>
+            <a:endParaRPr lang="en-US" sz="2400" dirty="0" smtClean="0">
+              <a:latin typeface="Calibri" panose="020F0502020204030204" pitchFamily="34" charset="0"/>
+              <a:cs typeface="Calibri" panose="020F0502020204030204" pitchFamily="34" charset="0"/>
+            </a:endParaRPr>
+          </a:p>
+          <a:p>
+            <a:pPr marL="109728" indent="0">
+              <a:buNone/>
+            </a:pPr>
+            <a:r>
+              <a:rPr lang="en-US" sz="2400" dirty="0" smtClean="0">
+                <a:latin typeface="Calibri" panose="020F0502020204030204" pitchFamily="34" charset="0"/>
+                <a:cs typeface="Calibri" panose="020F0502020204030204" pitchFamily="34" charset="0"/>
+              </a:rPr>
+              <a:t>Summary</a:t>
+            </a:r>
+          </a:p>
+          <a:p>
+            <a:r>
+              <a:rPr lang="en-US" sz="2400" dirty="0">
+                <a:latin typeface="Calibri" panose="020F0502020204030204" pitchFamily="34" charset="0"/>
+                <a:cs typeface="Calibri" panose="020F0502020204030204" pitchFamily="34" charset="0"/>
+              </a:rPr>
+              <a:t>Medical Organizations predicted the most </a:t>
+            </a:r>
+            <a:r>
+              <a:rPr lang="en-US" sz="2400" dirty="0" smtClean="0">
+                <a:latin typeface="Calibri" panose="020F0502020204030204" pitchFamily="34" charset="0"/>
+                <a:cs typeface="Calibri" panose="020F0502020204030204" pitchFamily="34" charset="0"/>
+              </a:rPr>
+              <a:t>often</a:t>
+            </a:r>
+            <a:endParaRPr lang="en-US" sz="2400" dirty="0">
+              <a:latin typeface="Calibri" panose="020F0502020204030204" pitchFamily="34" charset="0"/>
+              <a:cs typeface="Calibri" panose="020F0502020204030204" pitchFamily="34" charset="0"/>
+            </a:endParaRPr>
+          </a:p>
+          <a:p>
+            <a:r>
+              <a:rPr lang="en-US" sz="2400" dirty="0">
+                <a:latin typeface="Calibri" panose="020F0502020204030204" pitchFamily="34" charset="0"/>
+                <a:cs typeface="Calibri" panose="020F0502020204030204" pitchFamily="34" charset="0"/>
+              </a:rPr>
+              <a:t>Tested same models as Breach Types with similar </a:t>
+            </a:r>
+            <a:r>
+              <a:rPr lang="en-US" sz="2400" dirty="0" smtClean="0">
+                <a:latin typeface="Calibri" panose="020F0502020204030204" pitchFamily="34" charset="0"/>
+                <a:cs typeface="Calibri" panose="020F0502020204030204" pitchFamily="34" charset="0"/>
+              </a:rPr>
+              <a:t>results</a:t>
+            </a:r>
+            <a:endParaRPr lang="en-US" sz="2400" dirty="0">
+              <a:latin typeface="Calibri" panose="020F0502020204030204" pitchFamily="34" charset="0"/>
+              <a:cs typeface="Calibri" panose="020F0502020204030204" pitchFamily="34" charset="0"/>
+            </a:endParaRPr>
+          </a:p>
+          <a:p>
+            <a:r>
+              <a:rPr lang="en-US" sz="2400" dirty="0">
+                <a:latin typeface="Calibri" panose="020F0502020204030204" pitchFamily="34" charset="0"/>
+                <a:cs typeface="Calibri" panose="020F0502020204030204" pitchFamily="34" charset="0"/>
+              </a:rPr>
+              <a:t>Random Forest best model to use at overall accuracy of .90.</a:t>
+            </a:r>
+          </a:p>
+          <a:p>
+            <a:pPr marL="109728" indent="0">
+              <a:buNone/>
+            </a:pPr>
+            <a:endParaRPr lang="en-US" sz="2400" dirty="0">
+              <a:latin typeface="Calibri" panose="020F0502020204030204" pitchFamily="34" charset="0"/>
+              <a:cs typeface="Calibri" panose="020F0502020204030204" pitchFamily="34" charset="0"/>
+            </a:endParaRPr>
           </a:p>
           <a:p>
             <a:pPr marL="109728" indent="0">
@@ -15396,6 +17974,1956 @@
     <p:extLst>
       <p:ext uri="{BB962C8B-B14F-4D97-AF65-F5344CB8AC3E}">
         <p14:creationId xmlns:p14="http://schemas.microsoft.com/office/powerpoint/2010/main" val="2093967"/>
+      </p:ext>
+    </p:extLst>
+  </p:cSld>
+  <p:clrMapOvr>
+    <a:masterClrMapping/>
+  </p:clrMapOvr>
+</p:sld>
+</file>
+
+<file path=ppt/slides/slide40.xml><?xml version="1.0" encoding="utf-8"?>
+<p:sld xmlns:a="http://schemas.openxmlformats.org/drawingml/2006/main" xmlns:r="http://schemas.openxmlformats.org/officeDocument/2006/relationships" xmlns:p="http://schemas.openxmlformats.org/presentationml/2006/main">
+  <p:cSld>
+    <p:spTree>
+      <p:nvGrpSpPr>
+        <p:cNvPr id="1" name=""/>
+        <p:cNvGrpSpPr/>
+        <p:nvPr/>
+      </p:nvGrpSpPr>
+      <p:grpSpPr>
+        <a:xfrm>
+          <a:off x="0" y="0"/>
+          <a:ext cx="0" cy="0"/>
+          <a:chOff x="0" y="0"/>
+          <a:chExt cx="0" cy="0"/>
+        </a:xfrm>
+      </p:grpSpPr>
+      <p:sp>
+        <p:nvSpPr>
+          <p:cNvPr id="2" name="Content Placeholder 1"/>
+          <p:cNvSpPr>
+            <a:spLocks noGrp="1"/>
+          </p:cNvSpPr>
+          <p:nvPr>
+            <p:ph idx="1"/>
+          </p:nvPr>
+        </p:nvSpPr>
+        <p:spPr>
+          <a:xfrm>
+            <a:off x="457200" y="152400"/>
+            <a:ext cx="8458200" cy="6400800"/>
+          </a:xfrm>
+        </p:spPr>
+        <p:txBody>
+          <a:bodyPr>
+            <a:normAutofit/>
+          </a:bodyPr>
+          <a:lstStyle/>
+          <a:p>
+            <a:pPr marL="109728" indent="0">
+              <a:buNone/>
+            </a:pPr>
+            <a:r>
+              <a:rPr lang="en-US" sz="2400" dirty="0">
+                <a:latin typeface="Calibri" panose="020F0502020204030204" pitchFamily="34" charset="0"/>
+                <a:cs typeface="Calibri" panose="020F0502020204030204" pitchFamily="34" charset="0"/>
+              </a:rPr>
+              <a:t>Model Building and Evaluation </a:t>
+            </a:r>
+            <a:r>
+              <a:rPr lang="en-US" sz="2400" dirty="0" smtClean="0">
+                <a:latin typeface="Calibri" panose="020F0502020204030204" pitchFamily="34" charset="0"/>
+                <a:cs typeface="Calibri" panose="020F0502020204030204" pitchFamily="34" charset="0"/>
+              </a:rPr>
+              <a:t>–Unsupervised Machine </a:t>
+            </a:r>
+            <a:r>
+              <a:rPr lang="en-US" sz="2400" dirty="0">
+                <a:latin typeface="Calibri" panose="020F0502020204030204" pitchFamily="34" charset="0"/>
+                <a:cs typeface="Calibri" panose="020F0502020204030204" pitchFamily="34" charset="0"/>
+              </a:rPr>
+              <a:t>Learning </a:t>
+            </a:r>
+            <a:endParaRPr lang="en-US" sz="2400" dirty="0" smtClean="0">
+              <a:latin typeface="Calibri" panose="020F0502020204030204" pitchFamily="34" charset="0"/>
+              <a:cs typeface="Calibri" panose="020F0502020204030204" pitchFamily="34" charset="0"/>
+            </a:endParaRPr>
+          </a:p>
+          <a:p>
+            <a:pPr marL="109728" indent="0" algn="ctr">
+              <a:buNone/>
+            </a:pPr>
+            <a:r>
+              <a:rPr lang="en-US" sz="2400" dirty="0" smtClean="0">
+                <a:latin typeface="Calibri" panose="020F0502020204030204" pitchFamily="34" charset="0"/>
+                <a:cs typeface="Calibri" panose="020F0502020204030204" pitchFamily="34" charset="0"/>
+              </a:rPr>
+              <a:t>Text </a:t>
+            </a:r>
+            <a:r>
+              <a:rPr lang="en-US" sz="2400" dirty="0">
+                <a:latin typeface="Calibri" panose="020F0502020204030204" pitchFamily="34" charset="0"/>
+                <a:cs typeface="Calibri" panose="020F0502020204030204" pitchFamily="34" charset="0"/>
+              </a:rPr>
+              <a:t>Data Preprocessing and Results</a:t>
+            </a:r>
+            <a:endParaRPr lang="en-US" sz="2400" dirty="0" smtClean="0">
+              <a:latin typeface="Calibri" panose="020F0502020204030204" pitchFamily="34" charset="0"/>
+              <a:cs typeface="Calibri" panose="020F0502020204030204" pitchFamily="34" charset="0"/>
+            </a:endParaRPr>
+          </a:p>
+          <a:p>
+            <a:pPr marL="109728" indent="0" algn="ctr">
+              <a:buNone/>
+            </a:pPr>
+            <a:r>
+              <a:rPr lang="en-US" sz="2400" dirty="0" smtClean="0">
+                <a:latin typeface="Calibri" panose="020F0502020204030204" pitchFamily="34" charset="0"/>
+                <a:cs typeface="Calibri" panose="020F0502020204030204" pitchFamily="34" charset="0"/>
+              </a:rPr>
+              <a:t>Conducted </a:t>
+            </a:r>
+            <a:r>
+              <a:rPr lang="en-US" sz="2400" dirty="0">
+                <a:latin typeface="Calibri" panose="020F0502020204030204" pitchFamily="34" charset="0"/>
+                <a:cs typeface="Calibri" panose="020F0502020204030204" pitchFamily="34" charset="0"/>
+              </a:rPr>
+              <a:t>word frequency analysis </a:t>
+            </a:r>
+          </a:p>
+          <a:p>
+            <a:pPr marL="109728" indent="0">
+              <a:buNone/>
+            </a:pPr>
+            <a:endParaRPr lang="en-US" sz="2400" dirty="0" smtClean="0">
+              <a:latin typeface="Calibri" panose="020F0502020204030204" pitchFamily="34" charset="0"/>
+              <a:cs typeface="Calibri" panose="020F0502020204030204" pitchFamily="34" charset="0"/>
+            </a:endParaRPr>
+          </a:p>
+          <a:p>
+            <a:pPr marL="109728" indent="0">
+              <a:buNone/>
+            </a:pPr>
+            <a:endParaRPr lang="en-US" sz="2400" dirty="0">
+              <a:latin typeface="Calibri" panose="020F0502020204030204" pitchFamily="34" charset="0"/>
+              <a:cs typeface="Calibri" panose="020F0502020204030204" pitchFamily="34" charset="0"/>
+            </a:endParaRPr>
+          </a:p>
+          <a:p>
+            <a:pPr marL="109728" indent="0">
+              <a:buNone/>
+            </a:pPr>
+            <a:endParaRPr lang="en-US" sz="2400" dirty="0" smtClean="0">
+              <a:latin typeface="Calibri" panose="020F0502020204030204" pitchFamily="34" charset="0"/>
+              <a:cs typeface="Calibri" panose="020F0502020204030204" pitchFamily="34" charset="0"/>
+            </a:endParaRPr>
+          </a:p>
+        </p:txBody>
+      </p:sp>
+      <p:sp>
+        <p:nvSpPr>
+          <p:cNvPr id="5" name="Content Placeholder 1"/>
+          <p:cNvSpPr txBox="1">
+            <a:spLocks/>
+          </p:cNvSpPr>
+          <p:nvPr/>
+        </p:nvSpPr>
+        <p:spPr>
+          <a:xfrm>
+            <a:off x="457200" y="1481328"/>
+            <a:ext cx="8229600" cy="4525963"/>
+          </a:xfrm>
+          <a:prstGeom prst="rect">
+            <a:avLst/>
+          </a:prstGeom>
+        </p:spPr>
+        <p:txBody>
+          <a:bodyPr vert="horz">
+            <a:normAutofit/>
+          </a:bodyPr>
+          <a:lstStyle>
+            <a:lvl1pPr marL="365760" indent="-256032" algn="l" rtl="0" eaLnBrk="1" latinLnBrk="0" hangingPunct="1">
+              <a:spcBef>
+                <a:spcPts val="400"/>
+              </a:spcBef>
+              <a:spcAft>
+                <a:spcPts val="0"/>
+              </a:spcAft>
+              <a:buClr>
+                <a:schemeClr val="accent1"/>
+              </a:buClr>
+              <a:buSzPct val="68000"/>
+              <a:buFont typeface="Wingdings 3"/>
+              <a:buChar char=""/>
+              <a:defRPr kumimoji="0" sz="2700" kern="1200">
+                <a:solidFill>
+                  <a:schemeClr val="tx1"/>
+                </a:solidFill>
+                <a:latin typeface="+mn-lt"/>
+                <a:ea typeface="+mn-ea"/>
+                <a:cs typeface="+mn-cs"/>
+              </a:defRPr>
+            </a:lvl1pPr>
+            <a:lvl2pPr marL="621792" indent="-228600" algn="l" rtl="0" eaLnBrk="1" latinLnBrk="0" hangingPunct="1">
+              <a:spcBef>
+                <a:spcPts val="324"/>
+              </a:spcBef>
+              <a:buClr>
+                <a:schemeClr val="accent1"/>
+              </a:buClr>
+              <a:buFont typeface="Verdana"/>
+              <a:buChar char="◦"/>
+              <a:defRPr kumimoji="0" sz="2300" kern="1200">
+                <a:solidFill>
+                  <a:schemeClr val="tx1"/>
+                </a:solidFill>
+                <a:latin typeface="+mn-lt"/>
+                <a:ea typeface="+mn-ea"/>
+                <a:cs typeface="+mn-cs"/>
+              </a:defRPr>
+            </a:lvl2pPr>
+            <a:lvl3pPr marL="859536" indent="-228600" algn="l" rtl="0" eaLnBrk="1" latinLnBrk="0" hangingPunct="1">
+              <a:spcBef>
+                <a:spcPts val="350"/>
+              </a:spcBef>
+              <a:buClr>
+                <a:schemeClr val="accent2"/>
+              </a:buClr>
+              <a:buSzPct val="100000"/>
+              <a:buFont typeface="Wingdings 2"/>
+              <a:buChar char=""/>
+              <a:defRPr kumimoji="0" sz="2100" kern="1200">
+                <a:solidFill>
+                  <a:schemeClr val="tx1"/>
+                </a:solidFill>
+                <a:latin typeface="+mn-lt"/>
+                <a:ea typeface="+mn-ea"/>
+                <a:cs typeface="+mn-cs"/>
+              </a:defRPr>
+            </a:lvl3pPr>
+            <a:lvl4pPr marL="1143000" indent="-228600" algn="l" rtl="0" eaLnBrk="1" latinLnBrk="0" hangingPunct="1">
+              <a:spcBef>
+                <a:spcPts val="350"/>
+              </a:spcBef>
+              <a:buClr>
+                <a:schemeClr val="accent2"/>
+              </a:buClr>
+              <a:buFont typeface="Wingdings 2"/>
+              <a:buChar char=""/>
+              <a:defRPr kumimoji="0" sz="1900" kern="1200">
+                <a:solidFill>
+                  <a:schemeClr val="tx1"/>
+                </a:solidFill>
+                <a:latin typeface="+mn-lt"/>
+                <a:ea typeface="+mn-ea"/>
+                <a:cs typeface="+mn-cs"/>
+              </a:defRPr>
+            </a:lvl4pPr>
+            <a:lvl5pPr marL="1371600" indent="-228600" algn="l" rtl="0" eaLnBrk="1" latinLnBrk="0" hangingPunct="1">
+              <a:spcBef>
+                <a:spcPts val="350"/>
+              </a:spcBef>
+              <a:buClr>
+                <a:schemeClr val="accent2"/>
+              </a:buClr>
+              <a:buFont typeface="Wingdings 2"/>
+              <a:buChar char=""/>
+              <a:defRPr kumimoji="0" sz="1800" kern="1200">
+                <a:solidFill>
+                  <a:schemeClr val="tx1"/>
+                </a:solidFill>
+                <a:latin typeface="+mn-lt"/>
+                <a:ea typeface="+mn-ea"/>
+                <a:cs typeface="+mn-cs"/>
+              </a:defRPr>
+            </a:lvl5pPr>
+            <a:lvl6pPr marL="1600200" indent="-228600" algn="l" rtl="0" eaLnBrk="1" latinLnBrk="0" hangingPunct="1">
+              <a:spcBef>
+                <a:spcPts val="350"/>
+              </a:spcBef>
+              <a:buClr>
+                <a:schemeClr val="accent3"/>
+              </a:buClr>
+              <a:buFont typeface="Wingdings 2"/>
+              <a:buChar char=""/>
+              <a:defRPr kumimoji="0" sz="1800" kern="1200">
+                <a:solidFill>
+                  <a:schemeClr val="tx1"/>
+                </a:solidFill>
+                <a:latin typeface="+mn-lt"/>
+                <a:ea typeface="+mn-ea"/>
+                <a:cs typeface="+mn-cs"/>
+              </a:defRPr>
+            </a:lvl6pPr>
+            <a:lvl7pPr marL="1828800" indent="-228600" algn="l" rtl="0" eaLnBrk="1" latinLnBrk="0" hangingPunct="1">
+              <a:spcBef>
+                <a:spcPts val="350"/>
+              </a:spcBef>
+              <a:buClr>
+                <a:schemeClr val="accent3"/>
+              </a:buClr>
+              <a:buFont typeface="Wingdings 2"/>
+              <a:buChar char=""/>
+              <a:defRPr kumimoji="0" sz="1600" kern="1200">
+                <a:solidFill>
+                  <a:schemeClr val="tx1"/>
+                </a:solidFill>
+                <a:latin typeface="+mn-lt"/>
+                <a:ea typeface="+mn-ea"/>
+                <a:cs typeface="+mn-cs"/>
+              </a:defRPr>
+            </a:lvl7pPr>
+            <a:lvl8pPr marL="2057400" indent="-228600" algn="l" rtl="0" eaLnBrk="1" latinLnBrk="0" hangingPunct="1">
+              <a:spcBef>
+                <a:spcPts val="350"/>
+              </a:spcBef>
+              <a:buClr>
+                <a:schemeClr val="accent3"/>
+              </a:buClr>
+              <a:buFont typeface="Wingdings 2"/>
+              <a:buChar char=""/>
+              <a:defRPr kumimoji="0" sz="1600" kern="1200">
+                <a:solidFill>
+                  <a:schemeClr val="tx1"/>
+                </a:solidFill>
+                <a:latin typeface="+mn-lt"/>
+                <a:ea typeface="+mn-ea"/>
+                <a:cs typeface="+mn-cs"/>
+              </a:defRPr>
+            </a:lvl8pPr>
+            <a:lvl9pPr marL="2286000" indent="-228600" algn="l" rtl="0" eaLnBrk="1" latinLnBrk="0" hangingPunct="1">
+              <a:spcBef>
+                <a:spcPts val="350"/>
+              </a:spcBef>
+              <a:buClr>
+                <a:schemeClr val="accent3"/>
+              </a:buClr>
+              <a:buFont typeface="Wingdings 2"/>
+              <a:buChar char=""/>
+              <a:defRPr kumimoji="0" sz="1600" kern="1200" baseline="0">
+                <a:solidFill>
+                  <a:schemeClr val="tx1"/>
+                </a:solidFill>
+                <a:latin typeface="+mn-lt"/>
+                <a:ea typeface="+mn-ea"/>
+                <a:cs typeface="+mn-cs"/>
+              </a:defRPr>
+            </a:lvl9pPr>
+            <a:extLst/>
+          </a:lstStyle>
+          <a:p>
+            <a:pPr marL="109728" indent="0">
+              <a:buNone/>
+            </a:pPr>
+            <a:endParaRPr lang="en-US" sz="2000" dirty="0" smtClean="0">
+              <a:latin typeface="Calibri" panose="020F0502020204030204" pitchFamily="34" charset="0"/>
+              <a:cs typeface="Calibri" panose="020F0502020204030204" pitchFamily="34" charset="0"/>
+            </a:endParaRPr>
+          </a:p>
+        </p:txBody>
+      </p:sp>
+      <p:pic>
+        <p:nvPicPr>
+          <p:cNvPr id="4" name="Picture 3"/>
+          <p:cNvPicPr>
+            <a:picLocks noChangeAspect="1"/>
+          </p:cNvPicPr>
+          <p:nvPr/>
+        </p:nvPicPr>
+        <p:blipFill>
+          <a:blip r:embed="rId2">
+            <a:extLst>
+              <a:ext uri="{28A0092B-C50C-407E-A947-70E740481C1C}">
+                <a14:useLocalDpi xmlns:a14="http://schemas.microsoft.com/office/drawing/2010/main" val="0"/>
+              </a:ext>
+            </a:extLst>
+          </a:blip>
+          <a:stretch>
+            <a:fillRect/>
+          </a:stretch>
+        </p:blipFill>
+        <p:spPr>
+          <a:xfrm>
+            <a:off x="279453" y="1387626"/>
+            <a:ext cx="8585094" cy="4713366"/>
+          </a:xfrm>
+          <a:prstGeom prst="rect">
+            <a:avLst/>
+          </a:prstGeom>
+        </p:spPr>
+      </p:pic>
+    </p:spTree>
+    <p:extLst>
+      <p:ext uri="{BB962C8B-B14F-4D97-AF65-F5344CB8AC3E}">
+        <p14:creationId xmlns:p14="http://schemas.microsoft.com/office/powerpoint/2010/main" val="492645209"/>
+      </p:ext>
+    </p:extLst>
+  </p:cSld>
+  <p:clrMapOvr>
+    <a:masterClrMapping/>
+  </p:clrMapOvr>
+</p:sld>
+</file>
+
+<file path=ppt/slides/slide41.xml><?xml version="1.0" encoding="utf-8"?>
+<p:sld xmlns:a="http://schemas.openxmlformats.org/drawingml/2006/main" xmlns:r="http://schemas.openxmlformats.org/officeDocument/2006/relationships" xmlns:p="http://schemas.openxmlformats.org/presentationml/2006/main">
+  <p:cSld>
+    <p:spTree>
+      <p:nvGrpSpPr>
+        <p:cNvPr id="1" name=""/>
+        <p:cNvGrpSpPr/>
+        <p:nvPr/>
+      </p:nvGrpSpPr>
+      <p:grpSpPr>
+        <a:xfrm>
+          <a:off x="0" y="0"/>
+          <a:ext cx="0" cy="0"/>
+          <a:chOff x="0" y="0"/>
+          <a:chExt cx="0" cy="0"/>
+        </a:xfrm>
+      </p:grpSpPr>
+      <p:sp>
+        <p:nvSpPr>
+          <p:cNvPr id="2" name="Content Placeholder 1"/>
+          <p:cNvSpPr>
+            <a:spLocks noGrp="1"/>
+          </p:cNvSpPr>
+          <p:nvPr>
+            <p:ph idx="1"/>
+          </p:nvPr>
+        </p:nvSpPr>
+        <p:spPr>
+          <a:xfrm>
+            <a:off x="457200" y="152400"/>
+            <a:ext cx="8458200" cy="6400800"/>
+          </a:xfrm>
+        </p:spPr>
+        <p:txBody>
+          <a:bodyPr>
+            <a:normAutofit/>
+          </a:bodyPr>
+          <a:lstStyle/>
+          <a:p>
+            <a:pPr marL="109728" indent="0">
+              <a:buNone/>
+            </a:pPr>
+            <a:r>
+              <a:rPr lang="en-US" sz="2400" dirty="0">
+                <a:latin typeface="Calibri" panose="020F0502020204030204" pitchFamily="34" charset="0"/>
+                <a:cs typeface="Calibri" panose="020F0502020204030204" pitchFamily="34" charset="0"/>
+              </a:rPr>
+              <a:t>Model Building and Evaluation </a:t>
+            </a:r>
+            <a:r>
+              <a:rPr lang="en-US" sz="2400" dirty="0" smtClean="0">
+                <a:latin typeface="Calibri" panose="020F0502020204030204" pitchFamily="34" charset="0"/>
+                <a:cs typeface="Calibri" panose="020F0502020204030204" pitchFamily="34" charset="0"/>
+              </a:rPr>
+              <a:t>-Unsupervised Machine Language </a:t>
+            </a:r>
+          </a:p>
+          <a:p>
+            <a:pPr marL="109728" indent="0">
+              <a:buNone/>
+            </a:pPr>
+            <a:r>
+              <a:rPr lang="en-US" sz="2400" dirty="0" smtClean="0">
+                <a:latin typeface="Calibri" panose="020F0502020204030204" pitchFamily="34" charset="0"/>
+                <a:cs typeface="Calibri" panose="020F0502020204030204" pitchFamily="34" charset="0"/>
+              </a:rPr>
+              <a:t>			Word Cloud</a:t>
+            </a:r>
+          </a:p>
+          <a:p>
+            <a:r>
+              <a:rPr lang="en-US" sz="2400" dirty="0">
+                <a:latin typeface="Calibri" panose="020F0502020204030204" pitchFamily="34" charset="0"/>
+                <a:cs typeface="Calibri" panose="020F0502020204030204" pitchFamily="34" charset="0"/>
+              </a:rPr>
+              <a:t>The themes here appear to be social security number, credit cards, birthdates, names and addresses, employees and business associates</a:t>
+            </a:r>
+            <a:endParaRPr lang="en-US" sz="2400" dirty="0" smtClean="0">
+              <a:latin typeface="Calibri" panose="020F0502020204030204" pitchFamily="34" charset="0"/>
+              <a:cs typeface="Calibri" panose="020F0502020204030204" pitchFamily="34" charset="0"/>
+            </a:endParaRPr>
+          </a:p>
+          <a:p>
+            <a:endParaRPr lang="en-US" sz="2400" dirty="0">
+              <a:latin typeface="Calibri" panose="020F0502020204030204" pitchFamily="34" charset="0"/>
+              <a:cs typeface="Calibri" panose="020F0502020204030204" pitchFamily="34" charset="0"/>
+            </a:endParaRPr>
+          </a:p>
+          <a:p>
+            <a:pPr marL="109728" indent="0">
+              <a:buNone/>
+            </a:pPr>
+            <a:endParaRPr lang="en-US" sz="2400" dirty="0">
+              <a:latin typeface="Calibri" panose="020F0502020204030204" pitchFamily="34" charset="0"/>
+              <a:cs typeface="Calibri" panose="020F0502020204030204" pitchFamily="34" charset="0"/>
+            </a:endParaRPr>
+          </a:p>
+          <a:p>
+            <a:pPr marL="109728" indent="0">
+              <a:buNone/>
+            </a:pPr>
+            <a:endParaRPr lang="en-US" sz="2400" dirty="0" smtClean="0">
+              <a:latin typeface="Calibri" panose="020F0502020204030204" pitchFamily="34" charset="0"/>
+              <a:cs typeface="Calibri" panose="020F0502020204030204" pitchFamily="34" charset="0"/>
+            </a:endParaRPr>
+          </a:p>
+        </p:txBody>
+      </p:sp>
+      <p:sp>
+        <p:nvSpPr>
+          <p:cNvPr id="5" name="Content Placeholder 1"/>
+          <p:cNvSpPr txBox="1">
+            <a:spLocks/>
+          </p:cNvSpPr>
+          <p:nvPr/>
+        </p:nvSpPr>
+        <p:spPr>
+          <a:xfrm>
+            <a:off x="457200" y="1481328"/>
+            <a:ext cx="8229600" cy="4525963"/>
+          </a:xfrm>
+          <a:prstGeom prst="rect">
+            <a:avLst/>
+          </a:prstGeom>
+        </p:spPr>
+        <p:txBody>
+          <a:bodyPr vert="horz">
+            <a:normAutofit/>
+          </a:bodyPr>
+          <a:lstStyle>
+            <a:lvl1pPr marL="365760" indent="-256032" algn="l" rtl="0" eaLnBrk="1" latinLnBrk="0" hangingPunct="1">
+              <a:spcBef>
+                <a:spcPts val="400"/>
+              </a:spcBef>
+              <a:spcAft>
+                <a:spcPts val="0"/>
+              </a:spcAft>
+              <a:buClr>
+                <a:schemeClr val="accent1"/>
+              </a:buClr>
+              <a:buSzPct val="68000"/>
+              <a:buFont typeface="Wingdings 3"/>
+              <a:buChar char=""/>
+              <a:defRPr kumimoji="0" sz="2700" kern="1200">
+                <a:solidFill>
+                  <a:schemeClr val="tx1"/>
+                </a:solidFill>
+                <a:latin typeface="+mn-lt"/>
+                <a:ea typeface="+mn-ea"/>
+                <a:cs typeface="+mn-cs"/>
+              </a:defRPr>
+            </a:lvl1pPr>
+            <a:lvl2pPr marL="621792" indent="-228600" algn="l" rtl="0" eaLnBrk="1" latinLnBrk="0" hangingPunct="1">
+              <a:spcBef>
+                <a:spcPts val="324"/>
+              </a:spcBef>
+              <a:buClr>
+                <a:schemeClr val="accent1"/>
+              </a:buClr>
+              <a:buFont typeface="Verdana"/>
+              <a:buChar char="◦"/>
+              <a:defRPr kumimoji="0" sz="2300" kern="1200">
+                <a:solidFill>
+                  <a:schemeClr val="tx1"/>
+                </a:solidFill>
+                <a:latin typeface="+mn-lt"/>
+                <a:ea typeface="+mn-ea"/>
+                <a:cs typeface="+mn-cs"/>
+              </a:defRPr>
+            </a:lvl2pPr>
+            <a:lvl3pPr marL="859536" indent="-228600" algn="l" rtl="0" eaLnBrk="1" latinLnBrk="0" hangingPunct="1">
+              <a:spcBef>
+                <a:spcPts val="350"/>
+              </a:spcBef>
+              <a:buClr>
+                <a:schemeClr val="accent2"/>
+              </a:buClr>
+              <a:buSzPct val="100000"/>
+              <a:buFont typeface="Wingdings 2"/>
+              <a:buChar char=""/>
+              <a:defRPr kumimoji="0" sz="2100" kern="1200">
+                <a:solidFill>
+                  <a:schemeClr val="tx1"/>
+                </a:solidFill>
+                <a:latin typeface="+mn-lt"/>
+                <a:ea typeface="+mn-ea"/>
+                <a:cs typeface="+mn-cs"/>
+              </a:defRPr>
+            </a:lvl3pPr>
+            <a:lvl4pPr marL="1143000" indent="-228600" algn="l" rtl="0" eaLnBrk="1" latinLnBrk="0" hangingPunct="1">
+              <a:spcBef>
+                <a:spcPts val="350"/>
+              </a:spcBef>
+              <a:buClr>
+                <a:schemeClr val="accent2"/>
+              </a:buClr>
+              <a:buFont typeface="Wingdings 2"/>
+              <a:buChar char=""/>
+              <a:defRPr kumimoji="0" sz="1900" kern="1200">
+                <a:solidFill>
+                  <a:schemeClr val="tx1"/>
+                </a:solidFill>
+                <a:latin typeface="+mn-lt"/>
+                <a:ea typeface="+mn-ea"/>
+                <a:cs typeface="+mn-cs"/>
+              </a:defRPr>
+            </a:lvl4pPr>
+            <a:lvl5pPr marL="1371600" indent="-228600" algn="l" rtl="0" eaLnBrk="1" latinLnBrk="0" hangingPunct="1">
+              <a:spcBef>
+                <a:spcPts val="350"/>
+              </a:spcBef>
+              <a:buClr>
+                <a:schemeClr val="accent2"/>
+              </a:buClr>
+              <a:buFont typeface="Wingdings 2"/>
+              <a:buChar char=""/>
+              <a:defRPr kumimoji="0" sz="1800" kern="1200">
+                <a:solidFill>
+                  <a:schemeClr val="tx1"/>
+                </a:solidFill>
+                <a:latin typeface="+mn-lt"/>
+                <a:ea typeface="+mn-ea"/>
+                <a:cs typeface="+mn-cs"/>
+              </a:defRPr>
+            </a:lvl5pPr>
+            <a:lvl6pPr marL="1600200" indent="-228600" algn="l" rtl="0" eaLnBrk="1" latinLnBrk="0" hangingPunct="1">
+              <a:spcBef>
+                <a:spcPts val="350"/>
+              </a:spcBef>
+              <a:buClr>
+                <a:schemeClr val="accent3"/>
+              </a:buClr>
+              <a:buFont typeface="Wingdings 2"/>
+              <a:buChar char=""/>
+              <a:defRPr kumimoji="0" sz="1800" kern="1200">
+                <a:solidFill>
+                  <a:schemeClr val="tx1"/>
+                </a:solidFill>
+                <a:latin typeface="+mn-lt"/>
+                <a:ea typeface="+mn-ea"/>
+                <a:cs typeface="+mn-cs"/>
+              </a:defRPr>
+            </a:lvl6pPr>
+            <a:lvl7pPr marL="1828800" indent="-228600" algn="l" rtl="0" eaLnBrk="1" latinLnBrk="0" hangingPunct="1">
+              <a:spcBef>
+                <a:spcPts val="350"/>
+              </a:spcBef>
+              <a:buClr>
+                <a:schemeClr val="accent3"/>
+              </a:buClr>
+              <a:buFont typeface="Wingdings 2"/>
+              <a:buChar char=""/>
+              <a:defRPr kumimoji="0" sz="1600" kern="1200">
+                <a:solidFill>
+                  <a:schemeClr val="tx1"/>
+                </a:solidFill>
+                <a:latin typeface="+mn-lt"/>
+                <a:ea typeface="+mn-ea"/>
+                <a:cs typeface="+mn-cs"/>
+              </a:defRPr>
+            </a:lvl7pPr>
+            <a:lvl8pPr marL="2057400" indent="-228600" algn="l" rtl="0" eaLnBrk="1" latinLnBrk="0" hangingPunct="1">
+              <a:spcBef>
+                <a:spcPts val="350"/>
+              </a:spcBef>
+              <a:buClr>
+                <a:schemeClr val="accent3"/>
+              </a:buClr>
+              <a:buFont typeface="Wingdings 2"/>
+              <a:buChar char=""/>
+              <a:defRPr kumimoji="0" sz="1600" kern="1200">
+                <a:solidFill>
+                  <a:schemeClr val="tx1"/>
+                </a:solidFill>
+                <a:latin typeface="+mn-lt"/>
+                <a:ea typeface="+mn-ea"/>
+                <a:cs typeface="+mn-cs"/>
+              </a:defRPr>
+            </a:lvl8pPr>
+            <a:lvl9pPr marL="2286000" indent="-228600" algn="l" rtl="0" eaLnBrk="1" latinLnBrk="0" hangingPunct="1">
+              <a:spcBef>
+                <a:spcPts val="350"/>
+              </a:spcBef>
+              <a:buClr>
+                <a:schemeClr val="accent3"/>
+              </a:buClr>
+              <a:buFont typeface="Wingdings 2"/>
+              <a:buChar char=""/>
+              <a:defRPr kumimoji="0" sz="1600" kern="1200" baseline="0">
+                <a:solidFill>
+                  <a:schemeClr val="tx1"/>
+                </a:solidFill>
+                <a:latin typeface="+mn-lt"/>
+                <a:ea typeface="+mn-ea"/>
+                <a:cs typeface="+mn-cs"/>
+              </a:defRPr>
+            </a:lvl9pPr>
+            <a:extLst/>
+          </a:lstStyle>
+          <a:p>
+            <a:pPr marL="109728" indent="0">
+              <a:buNone/>
+            </a:pPr>
+            <a:endParaRPr lang="en-US" sz="2000" dirty="0" smtClean="0">
+              <a:latin typeface="Calibri" panose="020F0502020204030204" pitchFamily="34" charset="0"/>
+              <a:cs typeface="Calibri" panose="020F0502020204030204" pitchFamily="34" charset="0"/>
+            </a:endParaRPr>
+          </a:p>
+        </p:txBody>
+      </p:sp>
+      <p:pic>
+        <p:nvPicPr>
+          <p:cNvPr id="4" name="Picture 3"/>
+          <p:cNvPicPr>
+            <a:picLocks noChangeAspect="1"/>
+          </p:cNvPicPr>
+          <p:nvPr/>
+        </p:nvPicPr>
+        <p:blipFill>
+          <a:blip r:embed="rId2">
+            <a:extLst>
+              <a:ext uri="{28A0092B-C50C-407E-A947-70E740481C1C}">
+                <a14:useLocalDpi xmlns:a14="http://schemas.microsoft.com/office/drawing/2010/main" val="0"/>
+              </a:ext>
+            </a:extLst>
+          </a:blip>
+          <a:stretch>
+            <a:fillRect/>
+          </a:stretch>
+        </p:blipFill>
+        <p:spPr>
+          <a:xfrm>
+            <a:off x="951470" y="2273644"/>
+            <a:ext cx="7241059" cy="3929448"/>
+          </a:xfrm>
+          <a:prstGeom prst="rect">
+            <a:avLst/>
+          </a:prstGeom>
+        </p:spPr>
+      </p:pic>
+    </p:spTree>
+    <p:extLst>
+      <p:ext uri="{BB962C8B-B14F-4D97-AF65-F5344CB8AC3E}">
+        <p14:creationId xmlns:p14="http://schemas.microsoft.com/office/powerpoint/2010/main" val="3062371752"/>
+      </p:ext>
+    </p:extLst>
+  </p:cSld>
+  <p:clrMapOvr>
+    <a:masterClrMapping/>
+  </p:clrMapOvr>
+</p:sld>
+</file>
+
+<file path=ppt/slides/slide42.xml><?xml version="1.0" encoding="utf-8"?>
+<p:sld xmlns:a="http://schemas.openxmlformats.org/drawingml/2006/main" xmlns:r="http://schemas.openxmlformats.org/officeDocument/2006/relationships" xmlns:p="http://schemas.openxmlformats.org/presentationml/2006/main">
+  <p:cSld>
+    <p:spTree>
+      <p:nvGrpSpPr>
+        <p:cNvPr id="1" name=""/>
+        <p:cNvGrpSpPr/>
+        <p:nvPr/>
+      </p:nvGrpSpPr>
+      <p:grpSpPr>
+        <a:xfrm>
+          <a:off x="0" y="0"/>
+          <a:ext cx="0" cy="0"/>
+          <a:chOff x="0" y="0"/>
+          <a:chExt cx="0" cy="0"/>
+        </a:xfrm>
+      </p:grpSpPr>
+      <p:sp>
+        <p:nvSpPr>
+          <p:cNvPr id="2" name="Content Placeholder 1"/>
+          <p:cNvSpPr>
+            <a:spLocks noGrp="1"/>
+          </p:cNvSpPr>
+          <p:nvPr>
+            <p:ph idx="1"/>
+          </p:nvPr>
+        </p:nvSpPr>
+        <p:spPr>
+          <a:xfrm>
+            <a:off x="457200" y="152400"/>
+            <a:ext cx="8458200" cy="6400800"/>
+          </a:xfrm>
+        </p:spPr>
+        <p:txBody>
+          <a:bodyPr>
+            <a:normAutofit lnSpcReduction="10000"/>
+          </a:bodyPr>
+          <a:lstStyle/>
+          <a:p>
+            <a:pPr marL="109728" indent="0">
+              <a:buNone/>
+            </a:pPr>
+            <a:r>
+              <a:rPr lang="en-US" sz="2400" dirty="0">
+                <a:latin typeface="Calibri" panose="020F0502020204030204" pitchFamily="34" charset="0"/>
+                <a:cs typeface="Calibri" panose="020F0502020204030204" pitchFamily="34" charset="0"/>
+              </a:rPr>
+              <a:t>Model Building and Evaluation </a:t>
+            </a:r>
+            <a:r>
+              <a:rPr lang="en-US" sz="2400" dirty="0" smtClean="0">
+                <a:latin typeface="Calibri" panose="020F0502020204030204" pitchFamily="34" charset="0"/>
+                <a:cs typeface="Calibri" panose="020F0502020204030204" pitchFamily="34" charset="0"/>
+              </a:rPr>
+              <a:t>-Unsupervised Machine Learning </a:t>
+            </a:r>
+          </a:p>
+          <a:p>
+            <a:pPr marL="109728" indent="0" algn="ctr">
+              <a:buNone/>
+            </a:pPr>
+            <a:r>
+              <a:rPr lang="en-US" sz="2400" dirty="0" smtClean="0">
+                <a:latin typeface="Calibri" panose="020F0502020204030204" pitchFamily="34" charset="0"/>
+                <a:cs typeface="Calibri" panose="020F0502020204030204" pitchFamily="34" charset="0"/>
+              </a:rPr>
+              <a:t>LDA </a:t>
+            </a:r>
+            <a:r>
+              <a:rPr lang="en-US" sz="2400" dirty="0">
+                <a:latin typeface="Calibri" panose="020F0502020204030204" pitchFamily="34" charset="0"/>
+                <a:cs typeface="Calibri" panose="020F0502020204030204" pitchFamily="34" charset="0"/>
+              </a:rPr>
+              <a:t>Topic </a:t>
+            </a:r>
+            <a:r>
+              <a:rPr lang="en-US" sz="2400" dirty="0" smtClean="0">
+                <a:latin typeface="Calibri" panose="020F0502020204030204" pitchFamily="34" charset="0"/>
+                <a:cs typeface="Calibri" panose="020F0502020204030204" pitchFamily="34" charset="0"/>
+              </a:rPr>
+              <a:t>Modeling – Top Topics</a:t>
+            </a:r>
+          </a:p>
+          <a:p>
+            <a:endParaRPr lang="en-US" sz="2200" dirty="0" smtClean="0">
+              <a:latin typeface="Calibri" panose="020F0502020204030204" pitchFamily="34" charset="0"/>
+              <a:cs typeface="Calibri" panose="020F0502020204030204" pitchFamily="34" charset="0"/>
+            </a:endParaRPr>
+          </a:p>
+          <a:p>
+            <a:r>
+              <a:rPr lang="en-US" sz="2200" dirty="0" smtClean="0">
+                <a:latin typeface="Calibri" panose="020F0502020204030204" pitchFamily="34" charset="0"/>
+                <a:cs typeface="Calibri" panose="020F0502020204030204" pitchFamily="34" charset="0"/>
+              </a:rPr>
+              <a:t>Used </a:t>
+            </a:r>
+            <a:r>
+              <a:rPr lang="en-US" sz="2200" dirty="0">
+                <a:latin typeface="Calibri" panose="020F0502020204030204" pitchFamily="34" charset="0"/>
+                <a:cs typeface="Calibri" panose="020F0502020204030204" pitchFamily="34" charset="0"/>
+              </a:rPr>
+              <a:t>10 for the number of topics. </a:t>
+            </a:r>
+            <a:endParaRPr lang="en-US" sz="2200" dirty="0" smtClean="0">
+              <a:latin typeface="Calibri" panose="020F0502020204030204" pitchFamily="34" charset="0"/>
+              <a:cs typeface="Calibri" panose="020F0502020204030204" pitchFamily="34" charset="0"/>
+            </a:endParaRPr>
+          </a:p>
+          <a:p>
+            <a:r>
+              <a:rPr lang="en-US" sz="2200" dirty="0">
+                <a:latin typeface="Calibri" panose="020F0502020204030204" pitchFamily="34" charset="0"/>
+                <a:cs typeface="Calibri" panose="020F0502020204030204" pitchFamily="34" charset="0"/>
+              </a:rPr>
+              <a:t>Used </a:t>
+            </a:r>
+            <a:r>
+              <a:rPr lang="en-US" sz="2200" dirty="0" err="1">
+                <a:latin typeface="Calibri" panose="020F0502020204030204" pitchFamily="34" charset="0"/>
+                <a:cs typeface="Calibri" panose="020F0502020204030204" pitchFamily="34" charset="0"/>
+              </a:rPr>
+              <a:t>pyLDAvis</a:t>
+            </a:r>
+            <a:r>
+              <a:rPr lang="en-US" sz="2200" dirty="0">
+                <a:latin typeface="Calibri" panose="020F0502020204030204" pitchFamily="34" charset="0"/>
+                <a:cs typeface="Calibri" panose="020F0502020204030204" pitchFamily="34" charset="0"/>
+              </a:rPr>
+              <a:t> to generate a </a:t>
+            </a:r>
+            <a:r>
+              <a:rPr lang="en-US" sz="2200" dirty="0" err="1">
+                <a:latin typeface="Calibri" panose="020F0502020204030204" pitchFamily="34" charset="0"/>
+                <a:cs typeface="Calibri" panose="020F0502020204030204" pitchFamily="34" charset="0"/>
+              </a:rPr>
+              <a:t>Intertopic</a:t>
+            </a:r>
+            <a:r>
+              <a:rPr lang="en-US" sz="2200" dirty="0">
+                <a:latin typeface="Calibri" panose="020F0502020204030204" pitchFamily="34" charset="0"/>
+                <a:cs typeface="Calibri" panose="020F0502020204030204" pitchFamily="34" charset="0"/>
+              </a:rPr>
+              <a:t> Distance Map</a:t>
+            </a:r>
+            <a:r>
+              <a:rPr lang="en-US" sz="2200" dirty="0" smtClean="0">
+                <a:latin typeface="Calibri" panose="020F0502020204030204" pitchFamily="34" charset="0"/>
+                <a:cs typeface="Calibri" panose="020F0502020204030204" pitchFamily="34" charset="0"/>
+              </a:rPr>
+              <a:t>.</a:t>
+            </a:r>
+          </a:p>
+          <a:p>
+            <a:r>
+              <a:rPr lang="en-US" sz="2200" dirty="0" smtClean="0">
+                <a:latin typeface="Calibri" panose="020F0502020204030204" pitchFamily="34" charset="0"/>
+                <a:cs typeface="Calibri" panose="020F0502020204030204" pitchFamily="34" charset="0"/>
+              </a:rPr>
+              <a:t>Assigned </a:t>
+            </a:r>
+            <a:r>
+              <a:rPr lang="en-US" sz="2200" dirty="0">
+                <a:latin typeface="Calibri" panose="020F0502020204030204" pitchFamily="34" charset="0"/>
+                <a:cs typeface="Calibri" panose="020F0502020204030204" pitchFamily="34" charset="0"/>
+              </a:rPr>
+              <a:t>the topics to the documents in corpus (Document-Topic Distribution)</a:t>
+            </a:r>
+          </a:p>
+          <a:p>
+            <a:pPr lvl="1"/>
+            <a:r>
+              <a:rPr lang="en-US" sz="2200" dirty="0">
+                <a:latin typeface="Calibri" panose="020F0502020204030204" pitchFamily="34" charset="0"/>
+                <a:cs typeface="Calibri" panose="020F0502020204030204" pitchFamily="34" charset="0"/>
+              </a:rPr>
+              <a:t>Top 10 topics show persistent cases of physical loss, theft and hacking.</a:t>
+            </a:r>
+          </a:p>
+          <a:p>
+            <a:pPr marL="109728" indent="0">
+              <a:buNone/>
+            </a:pPr>
+            <a:endParaRPr lang="en-US" sz="2200" dirty="0" smtClean="0">
+              <a:latin typeface="Calibri" panose="020F0502020204030204" pitchFamily="34" charset="0"/>
+              <a:cs typeface="Calibri" panose="020F0502020204030204" pitchFamily="34" charset="0"/>
+            </a:endParaRPr>
+          </a:p>
+          <a:p>
+            <a:pPr marL="109728" indent="0">
+              <a:buNone/>
+            </a:pPr>
+            <a:r>
+              <a:rPr lang="en-US" sz="2200" dirty="0" smtClean="0">
+                <a:latin typeface="Calibri" panose="020F0502020204030204" pitchFamily="34" charset="0"/>
+                <a:cs typeface="Calibri" panose="020F0502020204030204" pitchFamily="34" charset="0"/>
+              </a:rPr>
+              <a:t>Top Topics appearing:</a:t>
+            </a:r>
+          </a:p>
+          <a:p>
+            <a:r>
+              <a:rPr lang="en-US" sz="2200" dirty="0" smtClean="0">
+                <a:latin typeface="Calibri" panose="020F0502020204030204" pitchFamily="34" charset="0"/>
+                <a:cs typeface="Calibri" panose="020F0502020204030204" pitchFamily="34" charset="0"/>
+              </a:rPr>
+              <a:t>1</a:t>
+            </a:r>
+            <a:r>
+              <a:rPr lang="en-US" sz="2200" dirty="0">
+                <a:latin typeface="Calibri" panose="020F0502020204030204" pitchFamily="34" charset="0"/>
+                <a:cs typeface="Calibri" panose="020F0502020204030204" pitchFamily="34" charset="0"/>
+              </a:rPr>
+              <a:t>) Hacking getting email, passwords, etc. </a:t>
+            </a:r>
+          </a:p>
+          <a:p>
+            <a:r>
+              <a:rPr lang="en-US" sz="2200" dirty="0">
+                <a:latin typeface="Calibri" panose="020F0502020204030204" pitchFamily="34" charset="0"/>
+                <a:cs typeface="Calibri" panose="020F0502020204030204" pitchFamily="34" charset="0"/>
+              </a:rPr>
+              <a:t>2) Credit card and bank accounts, lawsuit </a:t>
+            </a:r>
+          </a:p>
+          <a:p>
+            <a:r>
+              <a:rPr lang="en-US" sz="2200" dirty="0">
+                <a:latin typeface="Calibri" panose="020F0502020204030204" pitchFamily="34" charset="0"/>
+                <a:cs typeface="Calibri" panose="020F0502020204030204" pitchFamily="34" charset="0"/>
+              </a:rPr>
+              <a:t>3) Unauthorized access to payment systems</a:t>
+            </a:r>
+          </a:p>
+          <a:p>
+            <a:r>
+              <a:rPr lang="en-US" sz="2200" dirty="0">
+                <a:latin typeface="Calibri" panose="020F0502020204030204" pitchFamily="34" charset="0"/>
+                <a:cs typeface="Calibri" panose="020F0502020204030204" pitchFamily="34" charset="0"/>
+              </a:rPr>
+              <a:t>4) University, student, computer files, documents</a:t>
+            </a:r>
+          </a:p>
+          <a:p>
+            <a:r>
+              <a:rPr lang="en-US" sz="2200" dirty="0">
+                <a:latin typeface="Calibri" panose="020F0502020204030204" pitchFamily="34" charset="0"/>
+                <a:cs typeface="Calibri" panose="020F0502020204030204" pitchFamily="34" charset="0"/>
+              </a:rPr>
+              <a:t>9) Stolen laptop from employee containing patient medical information, birthdate, etc.</a:t>
+            </a:r>
+          </a:p>
+          <a:p>
+            <a:pPr marL="109728" indent="0">
+              <a:buNone/>
+            </a:pPr>
+            <a:endParaRPr lang="en-US" sz="2200" dirty="0">
+              <a:latin typeface="Calibri" panose="020F0502020204030204" pitchFamily="34" charset="0"/>
+              <a:cs typeface="Calibri" panose="020F0502020204030204" pitchFamily="34" charset="0"/>
+            </a:endParaRPr>
+          </a:p>
+          <a:p>
+            <a:pPr marL="109728" indent="0">
+              <a:buNone/>
+            </a:pPr>
+            <a:endParaRPr lang="en-US" sz="2400" dirty="0" smtClean="0">
+              <a:latin typeface="Calibri" panose="020F0502020204030204" pitchFamily="34" charset="0"/>
+              <a:cs typeface="Calibri" panose="020F0502020204030204" pitchFamily="34" charset="0"/>
+            </a:endParaRPr>
+          </a:p>
+        </p:txBody>
+      </p:sp>
+      <p:sp>
+        <p:nvSpPr>
+          <p:cNvPr id="5" name="Content Placeholder 1"/>
+          <p:cNvSpPr txBox="1">
+            <a:spLocks/>
+          </p:cNvSpPr>
+          <p:nvPr/>
+        </p:nvSpPr>
+        <p:spPr>
+          <a:xfrm>
+            <a:off x="457200" y="1481328"/>
+            <a:ext cx="8229600" cy="4525963"/>
+          </a:xfrm>
+          <a:prstGeom prst="rect">
+            <a:avLst/>
+          </a:prstGeom>
+        </p:spPr>
+        <p:txBody>
+          <a:bodyPr vert="horz">
+            <a:normAutofit/>
+          </a:bodyPr>
+          <a:lstStyle>
+            <a:lvl1pPr marL="365760" indent="-256032" algn="l" rtl="0" eaLnBrk="1" latinLnBrk="0" hangingPunct="1">
+              <a:spcBef>
+                <a:spcPts val="400"/>
+              </a:spcBef>
+              <a:spcAft>
+                <a:spcPts val="0"/>
+              </a:spcAft>
+              <a:buClr>
+                <a:schemeClr val="accent1"/>
+              </a:buClr>
+              <a:buSzPct val="68000"/>
+              <a:buFont typeface="Wingdings 3"/>
+              <a:buChar char=""/>
+              <a:defRPr kumimoji="0" sz="2700" kern="1200">
+                <a:solidFill>
+                  <a:schemeClr val="tx1"/>
+                </a:solidFill>
+                <a:latin typeface="+mn-lt"/>
+                <a:ea typeface="+mn-ea"/>
+                <a:cs typeface="+mn-cs"/>
+              </a:defRPr>
+            </a:lvl1pPr>
+            <a:lvl2pPr marL="621792" indent="-228600" algn="l" rtl="0" eaLnBrk="1" latinLnBrk="0" hangingPunct="1">
+              <a:spcBef>
+                <a:spcPts val="324"/>
+              </a:spcBef>
+              <a:buClr>
+                <a:schemeClr val="accent1"/>
+              </a:buClr>
+              <a:buFont typeface="Verdana"/>
+              <a:buChar char="◦"/>
+              <a:defRPr kumimoji="0" sz="2300" kern="1200">
+                <a:solidFill>
+                  <a:schemeClr val="tx1"/>
+                </a:solidFill>
+                <a:latin typeface="+mn-lt"/>
+                <a:ea typeface="+mn-ea"/>
+                <a:cs typeface="+mn-cs"/>
+              </a:defRPr>
+            </a:lvl2pPr>
+            <a:lvl3pPr marL="859536" indent="-228600" algn="l" rtl="0" eaLnBrk="1" latinLnBrk="0" hangingPunct="1">
+              <a:spcBef>
+                <a:spcPts val="350"/>
+              </a:spcBef>
+              <a:buClr>
+                <a:schemeClr val="accent2"/>
+              </a:buClr>
+              <a:buSzPct val="100000"/>
+              <a:buFont typeface="Wingdings 2"/>
+              <a:buChar char=""/>
+              <a:defRPr kumimoji="0" sz="2100" kern="1200">
+                <a:solidFill>
+                  <a:schemeClr val="tx1"/>
+                </a:solidFill>
+                <a:latin typeface="+mn-lt"/>
+                <a:ea typeface="+mn-ea"/>
+                <a:cs typeface="+mn-cs"/>
+              </a:defRPr>
+            </a:lvl3pPr>
+            <a:lvl4pPr marL="1143000" indent="-228600" algn="l" rtl="0" eaLnBrk="1" latinLnBrk="0" hangingPunct="1">
+              <a:spcBef>
+                <a:spcPts val="350"/>
+              </a:spcBef>
+              <a:buClr>
+                <a:schemeClr val="accent2"/>
+              </a:buClr>
+              <a:buFont typeface="Wingdings 2"/>
+              <a:buChar char=""/>
+              <a:defRPr kumimoji="0" sz="1900" kern="1200">
+                <a:solidFill>
+                  <a:schemeClr val="tx1"/>
+                </a:solidFill>
+                <a:latin typeface="+mn-lt"/>
+                <a:ea typeface="+mn-ea"/>
+                <a:cs typeface="+mn-cs"/>
+              </a:defRPr>
+            </a:lvl4pPr>
+            <a:lvl5pPr marL="1371600" indent="-228600" algn="l" rtl="0" eaLnBrk="1" latinLnBrk="0" hangingPunct="1">
+              <a:spcBef>
+                <a:spcPts val="350"/>
+              </a:spcBef>
+              <a:buClr>
+                <a:schemeClr val="accent2"/>
+              </a:buClr>
+              <a:buFont typeface="Wingdings 2"/>
+              <a:buChar char=""/>
+              <a:defRPr kumimoji="0" sz="1800" kern="1200">
+                <a:solidFill>
+                  <a:schemeClr val="tx1"/>
+                </a:solidFill>
+                <a:latin typeface="+mn-lt"/>
+                <a:ea typeface="+mn-ea"/>
+                <a:cs typeface="+mn-cs"/>
+              </a:defRPr>
+            </a:lvl5pPr>
+            <a:lvl6pPr marL="1600200" indent="-228600" algn="l" rtl="0" eaLnBrk="1" latinLnBrk="0" hangingPunct="1">
+              <a:spcBef>
+                <a:spcPts val="350"/>
+              </a:spcBef>
+              <a:buClr>
+                <a:schemeClr val="accent3"/>
+              </a:buClr>
+              <a:buFont typeface="Wingdings 2"/>
+              <a:buChar char=""/>
+              <a:defRPr kumimoji="0" sz="1800" kern="1200">
+                <a:solidFill>
+                  <a:schemeClr val="tx1"/>
+                </a:solidFill>
+                <a:latin typeface="+mn-lt"/>
+                <a:ea typeface="+mn-ea"/>
+                <a:cs typeface="+mn-cs"/>
+              </a:defRPr>
+            </a:lvl6pPr>
+            <a:lvl7pPr marL="1828800" indent="-228600" algn="l" rtl="0" eaLnBrk="1" latinLnBrk="0" hangingPunct="1">
+              <a:spcBef>
+                <a:spcPts val="350"/>
+              </a:spcBef>
+              <a:buClr>
+                <a:schemeClr val="accent3"/>
+              </a:buClr>
+              <a:buFont typeface="Wingdings 2"/>
+              <a:buChar char=""/>
+              <a:defRPr kumimoji="0" sz="1600" kern="1200">
+                <a:solidFill>
+                  <a:schemeClr val="tx1"/>
+                </a:solidFill>
+                <a:latin typeface="+mn-lt"/>
+                <a:ea typeface="+mn-ea"/>
+                <a:cs typeface="+mn-cs"/>
+              </a:defRPr>
+            </a:lvl7pPr>
+            <a:lvl8pPr marL="2057400" indent="-228600" algn="l" rtl="0" eaLnBrk="1" latinLnBrk="0" hangingPunct="1">
+              <a:spcBef>
+                <a:spcPts val="350"/>
+              </a:spcBef>
+              <a:buClr>
+                <a:schemeClr val="accent3"/>
+              </a:buClr>
+              <a:buFont typeface="Wingdings 2"/>
+              <a:buChar char=""/>
+              <a:defRPr kumimoji="0" sz="1600" kern="1200">
+                <a:solidFill>
+                  <a:schemeClr val="tx1"/>
+                </a:solidFill>
+                <a:latin typeface="+mn-lt"/>
+                <a:ea typeface="+mn-ea"/>
+                <a:cs typeface="+mn-cs"/>
+              </a:defRPr>
+            </a:lvl8pPr>
+            <a:lvl9pPr marL="2286000" indent="-228600" algn="l" rtl="0" eaLnBrk="1" latinLnBrk="0" hangingPunct="1">
+              <a:spcBef>
+                <a:spcPts val="350"/>
+              </a:spcBef>
+              <a:buClr>
+                <a:schemeClr val="accent3"/>
+              </a:buClr>
+              <a:buFont typeface="Wingdings 2"/>
+              <a:buChar char=""/>
+              <a:defRPr kumimoji="0" sz="1600" kern="1200" baseline="0">
+                <a:solidFill>
+                  <a:schemeClr val="tx1"/>
+                </a:solidFill>
+                <a:latin typeface="+mn-lt"/>
+                <a:ea typeface="+mn-ea"/>
+                <a:cs typeface="+mn-cs"/>
+              </a:defRPr>
+            </a:lvl9pPr>
+            <a:extLst/>
+          </a:lstStyle>
+          <a:p>
+            <a:pPr marL="109728" indent="0">
+              <a:buNone/>
+            </a:pPr>
+            <a:endParaRPr lang="en-US" sz="2000" dirty="0" smtClean="0">
+              <a:latin typeface="Calibri" panose="020F0502020204030204" pitchFamily="34" charset="0"/>
+              <a:cs typeface="Calibri" panose="020F0502020204030204" pitchFamily="34" charset="0"/>
+            </a:endParaRPr>
+          </a:p>
+        </p:txBody>
+      </p:sp>
+    </p:spTree>
+    <p:extLst>
+      <p:ext uri="{BB962C8B-B14F-4D97-AF65-F5344CB8AC3E}">
+        <p14:creationId xmlns:p14="http://schemas.microsoft.com/office/powerpoint/2010/main" val="2798512954"/>
+      </p:ext>
+    </p:extLst>
+  </p:cSld>
+  <p:clrMapOvr>
+    <a:masterClrMapping/>
+  </p:clrMapOvr>
+</p:sld>
+</file>
+
+<file path=ppt/slides/slide43.xml><?xml version="1.0" encoding="utf-8"?>
+<p:sld xmlns:a="http://schemas.openxmlformats.org/drawingml/2006/main" xmlns:r="http://schemas.openxmlformats.org/officeDocument/2006/relationships" xmlns:p="http://schemas.openxmlformats.org/presentationml/2006/main">
+  <p:cSld>
+    <p:spTree>
+      <p:nvGrpSpPr>
+        <p:cNvPr id="1" name=""/>
+        <p:cNvGrpSpPr/>
+        <p:nvPr/>
+      </p:nvGrpSpPr>
+      <p:grpSpPr>
+        <a:xfrm>
+          <a:off x="0" y="0"/>
+          <a:ext cx="0" cy="0"/>
+          <a:chOff x="0" y="0"/>
+          <a:chExt cx="0" cy="0"/>
+        </a:xfrm>
+      </p:grpSpPr>
+      <p:sp>
+        <p:nvSpPr>
+          <p:cNvPr id="2" name="Content Placeholder 1"/>
+          <p:cNvSpPr>
+            <a:spLocks noGrp="1"/>
+          </p:cNvSpPr>
+          <p:nvPr>
+            <p:ph idx="1"/>
+          </p:nvPr>
+        </p:nvSpPr>
+        <p:spPr>
+          <a:xfrm>
+            <a:off x="457200" y="152400"/>
+            <a:ext cx="8458200" cy="6400800"/>
+          </a:xfrm>
+        </p:spPr>
+        <p:txBody>
+          <a:bodyPr>
+            <a:normAutofit/>
+          </a:bodyPr>
+          <a:lstStyle/>
+          <a:p>
+            <a:pPr marL="109728" indent="0" algn="ctr">
+              <a:buNone/>
+            </a:pPr>
+            <a:r>
+              <a:rPr lang="en-US" sz="2400" dirty="0">
+                <a:latin typeface="Calibri" panose="020F0502020204030204" pitchFamily="34" charset="0"/>
+                <a:cs typeface="Calibri" panose="020F0502020204030204" pitchFamily="34" charset="0"/>
+              </a:rPr>
+              <a:t>Model Building and Evaluation </a:t>
+            </a:r>
+            <a:r>
+              <a:rPr lang="en-US" sz="2400" dirty="0" smtClean="0">
+                <a:latin typeface="Calibri" panose="020F0502020204030204" pitchFamily="34" charset="0"/>
+                <a:cs typeface="Calibri" panose="020F0502020204030204" pitchFamily="34" charset="0"/>
+              </a:rPr>
+              <a:t>-Unsupervised Machine Learning </a:t>
+            </a:r>
+          </a:p>
+          <a:p>
+            <a:pPr marL="109728" indent="0" algn="ctr">
+              <a:buNone/>
+            </a:pPr>
+            <a:r>
+              <a:rPr lang="en-US" sz="2400" dirty="0" smtClean="0">
+                <a:latin typeface="Calibri" panose="020F0502020204030204" pitchFamily="34" charset="0"/>
+                <a:cs typeface="Calibri" panose="020F0502020204030204" pitchFamily="34" charset="0"/>
+              </a:rPr>
+              <a:t>Top </a:t>
+            </a:r>
+            <a:r>
+              <a:rPr lang="en-US" sz="2400" dirty="0">
+                <a:latin typeface="Calibri" panose="020F0502020204030204" pitchFamily="34" charset="0"/>
+                <a:cs typeface="Calibri" panose="020F0502020204030204" pitchFamily="34" charset="0"/>
+              </a:rPr>
+              <a:t>Topics from LSI Model </a:t>
+            </a:r>
+            <a:r>
+              <a:rPr lang="en-US" sz="2400" dirty="0" smtClean="0">
+                <a:latin typeface="Calibri" panose="020F0502020204030204" pitchFamily="34" charset="0"/>
+                <a:cs typeface="Calibri" panose="020F0502020204030204" pitchFamily="34" charset="0"/>
+              </a:rPr>
+              <a:t>“</a:t>
+            </a:r>
+            <a:r>
+              <a:rPr lang="en-US" sz="2400" dirty="0">
+                <a:latin typeface="Calibri" panose="020F0502020204030204" pitchFamily="34" charset="0"/>
+                <a:cs typeface="Calibri" panose="020F0502020204030204" pitchFamily="34" charset="0"/>
+              </a:rPr>
+              <a:t>Latent Semantic </a:t>
+            </a:r>
+            <a:r>
+              <a:rPr lang="en-US" sz="2400" dirty="0" smtClean="0">
+                <a:latin typeface="Calibri" panose="020F0502020204030204" pitchFamily="34" charset="0"/>
+                <a:cs typeface="Calibri" panose="020F0502020204030204" pitchFamily="34" charset="0"/>
+              </a:rPr>
+              <a:t>Indexing”</a:t>
+            </a:r>
+            <a:endParaRPr lang="en-US" sz="2200" dirty="0">
+              <a:latin typeface="Calibri" panose="020F0502020204030204" pitchFamily="34" charset="0"/>
+              <a:cs typeface="Calibri" panose="020F0502020204030204" pitchFamily="34" charset="0"/>
+            </a:endParaRPr>
+          </a:p>
+          <a:p>
+            <a:pPr marL="109728" indent="0">
+              <a:buNone/>
+            </a:pPr>
+            <a:endParaRPr lang="en-US" sz="2400" dirty="0" smtClean="0"/>
+          </a:p>
+          <a:p>
+            <a:pPr marL="109728" indent="0">
+              <a:buNone/>
+            </a:pPr>
+            <a:r>
+              <a:rPr lang="en-US" sz="2000" dirty="0" smtClean="0"/>
+              <a:t>Similar </a:t>
+            </a:r>
+            <a:r>
+              <a:rPr lang="en-US" sz="2000" dirty="0"/>
+              <a:t>to LDA only in different order and less clear</a:t>
+            </a:r>
+          </a:p>
+          <a:p>
+            <a:r>
+              <a:rPr lang="en-US" sz="2000" dirty="0"/>
+              <a:t>1) Breaches relating to business and servers. </a:t>
+            </a:r>
+          </a:p>
+          <a:p>
+            <a:r>
+              <a:rPr lang="en-US" sz="2000" dirty="0"/>
+              <a:t>2) Stolen laptop from employee containing patient medical information.</a:t>
+            </a:r>
+          </a:p>
+          <a:p>
+            <a:r>
+              <a:rPr lang="en-US" sz="2000" dirty="0"/>
+              <a:t>3) Breaches related to email</a:t>
+            </a:r>
+          </a:p>
+          <a:p>
+            <a:pPr marL="109728" indent="0">
+              <a:buNone/>
+            </a:pPr>
+            <a:r>
+              <a:rPr lang="en-US" sz="2000" dirty="0"/>
+              <a:t>LSI shows topics that appear similar, but harder to differentiate topics in this case. </a:t>
+            </a:r>
+          </a:p>
+          <a:p>
+            <a:pPr marL="109728" indent="0">
+              <a:buNone/>
+            </a:pPr>
+            <a:endParaRPr lang="en-US" sz="2000" dirty="0"/>
+          </a:p>
+          <a:p>
+            <a:pPr marL="109728" indent="0">
+              <a:buNone/>
+            </a:pPr>
+            <a:r>
+              <a:rPr lang="en-US" sz="2000" dirty="0"/>
+              <a:t>Prefer LDA topic model.</a:t>
+            </a:r>
+            <a:endParaRPr lang="en-US" sz="2000" dirty="0" smtClean="0">
+              <a:latin typeface="Calibri" panose="020F0502020204030204" pitchFamily="34" charset="0"/>
+              <a:cs typeface="Calibri" panose="020F0502020204030204" pitchFamily="34" charset="0"/>
+            </a:endParaRPr>
+          </a:p>
+        </p:txBody>
+      </p:sp>
+      <p:sp>
+        <p:nvSpPr>
+          <p:cNvPr id="5" name="Content Placeholder 1"/>
+          <p:cNvSpPr txBox="1">
+            <a:spLocks/>
+          </p:cNvSpPr>
+          <p:nvPr/>
+        </p:nvSpPr>
+        <p:spPr>
+          <a:xfrm>
+            <a:off x="457200" y="1466365"/>
+            <a:ext cx="8229600" cy="4525963"/>
+          </a:xfrm>
+          <a:prstGeom prst="rect">
+            <a:avLst/>
+          </a:prstGeom>
+        </p:spPr>
+        <p:txBody>
+          <a:bodyPr vert="horz">
+            <a:normAutofit/>
+          </a:bodyPr>
+          <a:lstStyle>
+            <a:lvl1pPr marL="365760" indent="-256032" algn="l" rtl="0" eaLnBrk="1" latinLnBrk="0" hangingPunct="1">
+              <a:spcBef>
+                <a:spcPts val="400"/>
+              </a:spcBef>
+              <a:spcAft>
+                <a:spcPts val="0"/>
+              </a:spcAft>
+              <a:buClr>
+                <a:schemeClr val="accent1"/>
+              </a:buClr>
+              <a:buSzPct val="68000"/>
+              <a:buFont typeface="Wingdings 3"/>
+              <a:buChar char=""/>
+              <a:defRPr kumimoji="0" sz="2700" kern="1200">
+                <a:solidFill>
+                  <a:schemeClr val="tx1"/>
+                </a:solidFill>
+                <a:latin typeface="+mn-lt"/>
+                <a:ea typeface="+mn-ea"/>
+                <a:cs typeface="+mn-cs"/>
+              </a:defRPr>
+            </a:lvl1pPr>
+            <a:lvl2pPr marL="621792" indent="-228600" algn="l" rtl="0" eaLnBrk="1" latinLnBrk="0" hangingPunct="1">
+              <a:spcBef>
+                <a:spcPts val="324"/>
+              </a:spcBef>
+              <a:buClr>
+                <a:schemeClr val="accent1"/>
+              </a:buClr>
+              <a:buFont typeface="Verdana"/>
+              <a:buChar char="◦"/>
+              <a:defRPr kumimoji="0" sz="2300" kern="1200">
+                <a:solidFill>
+                  <a:schemeClr val="tx1"/>
+                </a:solidFill>
+                <a:latin typeface="+mn-lt"/>
+                <a:ea typeface="+mn-ea"/>
+                <a:cs typeface="+mn-cs"/>
+              </a:defRPr>
+            </a:lvl2pPr>
+            <a:lvl3pPr marL="859536" indent="-228600" algn="l" rtl="0" eaLnBrk="1" latinLnBrk="0" hangingPunct="1">
+              <a:spcBef>
+                <a:spcPts val="350"/>
+              </a:spcBef>
+              <a:buClr>
+                <a:schemeClr val="accent2"/>
+              </a:buClr>
+              <a:buSzPct val="100000"/>
+              <a:buFont typeface="Wingdings 2"/>
+              <a:buChar char=""/>
+              <a:defRPr kumimoji="0" sz="2100" kern="1200">
+                <a:solidFill>
+                  <a:schemeClr val="tx1"/>
+                </a:solidFill>
+                <a:latin typeface="+mn-lt"/>
+                <a:ea typeface="+mn-ea"/>
+                <a:cs typeface="+mn-cs"/>
+              </a:defRPr>
+            </a:lvl3pPr>
+            <a:lvl4pPr marL="1143000" indent="-228600" algn="l" rtl="0" eaLnBrk="1" latinLnBrk="0" hangingPunct="1">
+              <a:spcBef>
+                <a:spcPts val="350"/>
+              </a:spcBef>
+              <a:buClr>
+                <a:schemeClr val="accent2"/>
+              </a:buClr>
+              <a:buFont typeface="Wingdings 2"/>
+              <a:buChar char=""/>
+              <a:defRPr kumimoji="0" sz="1900" kern="1200">
+                <a:solidFill>
+                  <a:schemeClr val="tx1"/>
+                </a:solidFill>
+                <a:latin typeface="+mn-lt"/>
+                <a:ea typeface="+mn-ea"/>
+                <a:cs typeface="+mn-cs"/>
+              </a:defRPr>
+            </a:lvl4pPr>
+            <a:lvl5pPr marL="1371600" indent="-228600" algn="l" rtl="0" eaLnBrk="1" latinLnBrk="0" hangingPunct="1">
+              <a:spcBef>
+                <a:spcPts val="350"/>
+              </a:spcBef>
+              <a:buClr>
+                <a:schemeClr val="accent2"/>
+              </a:buClr>
+              <a:buFont typeface="Wingdings 2"/>
+              <a:buChar char=""/>
+              <a:defRPr kumimoji="0" sz="1800" kern="1200">
+                <a:solidFill>
+                  <a:schemeClr val="tx1"/>
+                </a:solidFill>
+                <a:latin typeface="+mn-lt"/>
+                <a:ea typeface="+mn-ea"/>
+                <a:cs typeface="+mn-cs"/>
+              </a:defRPr>
+            </a:lvl5pPr>
+            <a:lvl6pPr marL="1600200" indent="-228600" algn="l" rtl="0" eaLnBrk="1" latinLnBrk="0" hangingPunct="1">
+              <a:spcBef>
+                <a:spcPts val="350"/>
+              </a:spcBef>
+              <a:buClr>
+                <a:schemeClr val="accent3"/>
+              </a:buClr>
+              <a:buFont typeface="Wingdings 2"/>
+              <a:buChar char=""/>
+              <a:defRPr kumimoji="0" sz="1800" kern="1200">
+                <a:solidFill>
+                  <a:schemeClr val="tx1"/>
+                </a:solidFill>
+                <a:latin typeface="+mn-lt"/>
+                <a:ea typeface="+mn-ea"/>
+                <a:cs typeface="+mn-cs"/>
+              </a:defRPr>
+            </a:lvl6pPr>
+            <a:lvl7pPr marL="1828800" indent="-228600" algn="l" rtl="0" eaLnBrk="1" latinLnBrk="0" hangingPunct="1">
+              <a:spcBef>
+                <a:spcPts val="350"/>
+              </a:spcBef>
+              <a:buClr>
+                <a:schemeClr val="accent3"/>
+              </a:buClr>
+              <a:buFont typeface="Wingdings 2"/>
+              <a:buChar char=""/>
+              <a:defRPr kumimoji="0" sz="1600" kern="1200">
+                <a:solidFill>
+                  <a:schemeClr val="tx1"/>
+                </a:solidFill>
+                <a:latin typeface="+mn-lt"/>
+                <a:ea typeface="+mn-ea"/>
+                <a:cs typeface="+mn-cs"/>
+              </a:defRPr>
+            </a:lvl7pPr>
+            <a:lvl8pPr marL="2057400" indent="-228600" algn="l" rtl="0" eaLnBrk="1" latinLnBrk="0" hangingPunct="1">
+              <a:spcBef>
+                <a:spcPts val="350"/>
+              </a:spcBef>
+              <a:buClr>
+                <a:schemeClr val="accent3"/>
+              </a:buClr>
+              <a:buFont typeface="Wingdings 2"/>
+              <a:buChar char=""/>
+              <a:defRPr kumimoji="0" sz="1600" kern="1200">
+                <a:solidFill>
+                  <a:schemeClr val="tx1"/>
+                </a:solidFill>
+                <a:latin typeface="+mn-lt"/>
+                <a:ea typeface="+mn-ea"/>
+                <a:cs typeface="+mn-cs"/>
+              </a:defRPr>
+            </a:lvl8pPr>
+            <a:lvl9pPr marL="2286000" indent="-228600" algn="l" rtl="0" eaLnBrk="1" latinLnBrk="0" hangingPunct="1">
+              <a:spcBef>
+                <a:spcPts val="350"/>
+              </a:spcBef>
+              <a:buClr>
+                <a:schemeClr val="accent3"/>
+              </a:buClr>
+              <a:buFont typeface="Wingdings 2"/>
+              <a:buChar char=""/>
+              <a:defRPr kumimoji="0" sz="1600" kern="1200" baseline="0">
+                <a:solidFill>
+                  <a:schemeClr val="tx1"/>
+                </a:solidFill>
+                <a:latin typeface="+mn-lt"/>
+                <a:ea typeface="+mn-ea"/>
+                <a:cs typeface="+mn-cs"/>
+              </a:defRPr>
+            </a:lvl9pPr>
+            <a:extLst/>
+          </a:lstStyle>
+          <a:p>
+            <a:pPr marL="109728" indent="0">
+              <a:buNone/>
+            </a:pPr>
+            <a:endParaRPr lang="en-US" sz="2000" dirty="0" smtClean="0">
+              <a:latin typeface="Calibri" panose="020F0502020204030204" pitchFamily="34" charset="0"/>
+              <a:cs typeface="Calibri" panose="020F0502020204030204" pitchFamily="34" charset="0"/>
+            </a:endParaRPr>
+          </a:p>
+        </p:txBody>
+      </p:sp>
+    </p:spTree>
+    <p:extLst>
+      <p:ext uri="{BB962C8B-B14F-4D97-AF65-F5344CB8AC3E}">
+        <p14:creationId xmlns:p14="http://schemas.microsoft.com/office/powerpoint/2010/main" val="1666915710"/>
+      </p:ext>
+    </p:extLst>
+  </p:cSld>
+  <p:clrMapOvr>
+    <a:masterClrMapping/>
+  </p:clrMapOvr>
+</p:sld>
+</file>
+
+<file path=ppt/slides/slide44.xml><?xml version="1.0" encoding="utf-8"?>
+<p:sld xmlns:a="http://schemas.openxmlformats.org/drawingml/2006/main" xmlns:r="http://schemas.openxmlformats.org/officeDocument/2006/relationships" xmlns:p="http://schemas.openxmlformats.org/presentationml/2006/main">
+  <p:cSld>
+    <p:spTree>
+      <p:nvGrpSpPr>
+        <p:cNvPr id="1" name=""/>
+        <p:cNvGrpSpPr/>
+        <p:nvPr/>
+      </p:nvGrpSpPr>
+      <p:grpSpPr>
+        <a:xfrm>
+          <a:off x="0" y="0"/>
+          <a:ext cx="0" cy="0"/>
+          <a:chOff x="0" y="0"/>
+          <a:chExt cx="0" cy="0"/>
+        </a:xfrm>
+      </p:grpSpPr>
+      <p:sp>
+        <p:nvSpPr>
+          <p:cNvPr id="2" name="Content Placeholder 1"/>
+          <p:cNvSpPr>
+            <a:spLocks noGrp="1"/>
+          </p:cNvSpPr>
+          <p:nvPr>
+            <p:ph idx="1"/>
+          </p:nvPr>
+        </p:nvSpPr>
+        <p:spPr>
+          <a:xfrm>
+            <a:off x="457200" y="152400"/>
+            <a:ext cx="8458200" cy="6400800"/>
+          </a:xfrm>
+        </p:spPr>
+        <p:txBody>
+          <a:bodyPr>
+            <a:normAutofit/>
+          </a:bodyPr>
+          <a:lstStyle/>
+          <a:p>
+            <a:pPr marL="109728" indent="0" algn="ctr">
+              <a:buNone/>
+            </a:pPr>
+            <a:r>
+              <a:rPr lang="en-US" sz="2400" dirty="0">
+                <a:latin typeface="Calibri" panose="020F0502020204030204" pitchFamily="34" charset="0"/>
+                <a:cs typeface="Calibri" panose="020F0502020204030204" pitchFamily="34" charset="0"/>
+              </a:rPr>
+              <a:t>Model Building and Evaluation </a:t>
+            </a:r>
+            <a:r>
+              <a:rPr lang="en-US" sz="2400" dirty="0" smtClean="0">
+                <a:latin typeface="Calibri" panose="020F0502020204030204" pitchFamily="34" charset="0"/>
+                <a:cs typeface="Calibri" panose="020F0502020204030204" pitchFamily="34" charset="0"/>
+              </a:rPr>
+              <a:t>-Unsupervised Machine Learning </a:t>
+            </a:r>
+          </a:p>
+          <a:p>
+            <a:pPr marL="109728" indent="0" algn="ctr">
+              <a:buNone/>
+            </a:pPr>
+            <a:r>
+              <a:rPr lang="en-US" sz="2400" dirty="0" smtClean="0">
+                <a:latin typeface="Calibri" panose="020F0502020204030204" pitchFamily="34" charset="0"/>
+                <a:cs typeface="Calibri" panose="020F0502020204030204" pitchFamily="34" charset="0"/>
+              </a:rPr>
+              <a:t>Conclusion</a:t>
+            </a:r>
+            <a:endParaRPr lang="en-US" sz="2200" dirty="0">
+              <a:latin typeface="Calibri" panose="020F0502020204030204" pitchFamily="34" charset="0"/>
+              <a:cs typeface="Calibri" panose="020F0502020204030204" pitchFamily="34" charset="0"/>
+            </a:endParaRPr>
+          </a:p>
+          <a:p>
+            <a:pPr marL="525780" indent="-457200"/>
+            <a:endParaRPr lang="en-US" altLang="en-US" sz="2400" dirty="0" smtClean="0"/>
+          </a:p>
+          <a:p>
+            <a:pPr marL="68580" indent="0">
+              <a:buNone/>
+            </a:pPr>
+            <a:endParaRPr lang="en-US" altLang="en-US" sz="2400" dirty="0"/>
+          </a:p>
+          <a:p>
+            <a:pPr marL="525780" indent="-457200"/>
+            <a:r>
+              <a:rPr lang="en-US" altLang="en-US" sz="2400" dirty="0" smtClean="0">
+                <a:latin typeface="Calibri" panose="020F0502020204030204" pitchFamily="34" charset="0"/>
+                <a:cs typeface="Calibri" panose="020F0502020204030204" pitchFamily="34" charset="0"/>
+              </a:rPr>
+              <a:t>For </a:t>
+            </a:r>
+            <a:r>
+              <a:rPr lang="en-US" altLang="en-US" sz="2400" dirty="0">
+                <a:latin typeface="Calibri" panose="020F0502020204030204" pitchFamily="34" charset="0"/>
+                <a:cs typeface="Calibri" panose="020F0502020204030204" pitchFamily="34" charset="0"/>
+              </a:rPr>
+              <a:t>unsupervised topic modeling, prefer LDA</a:t>
+            </a:r>
+          </a:p>
+          <a:p>
+            <a:pPr marL="525780" indent="-457200"/>
+            <a:endParaRPr lang="en-US" altLang="en-US" sz="2400" dirty="0">
+              <a:latin typeface="Calibri" panose="020F0502020204030204" pitchFamily="34" charset="0"/>
+              <a:cs typeface="Calibri" panose="020F0502020204030204" pitchFamily="34" charset="0"/>
+            </a:endParaRPr>
+          </a:p>
+          <a:p>
+            <a:pPr marL="525780" indent="-457200"/>
+            <a:r>
+              <a:rPr lang="en-US" altLang="en-US" sz="2400" dirty="0">
+                <a:latin typeface="Calibri" panose="020F0502020204030204" pitchFamily="34" charset="0"/>
+                <a:cs typeface="Calibri" panose="020F0502020204030204" pitchFamily="34" charset="0"/>
+              </a:rPr>
+              <a:t>For all supervised classification models for description data, will use Random Forest.</a:t>
+            </a:r>
+          </a:p>
+          <a:p>
+            <a:pPr marL="109728" indent="0">
+              <a:buNone/>
+            </a:pPr>
+            <a:endParaRPr lang="en-US" sz="2400" dirty="0" smtClean="0">
+              <a:latin typeface="Calibri" panose="020F0502020204030204" pitchFamily="34" charset="0"/>
+              <a:cs typeface="Calibri" panose="020F0502020204030204" pitchFamily="34" charset="0"/>
+            </a:endParaRPr>
+          </a:p>
+        </p:txBody>
+      </p:sp>
+      <p:sp>
+        <p:nvSpPr>
+          <p:cNvPr id="5" name="Content Placeholder 1"/>
+          <p:cNvSpPr txBox="1">
+            <a:spLocks/>
+          </p:cNvSpPr>
+          <p:nvPr/>
+        </p:nvSpPr>
+        <p:spPr>
+          <a:xfrm>
+            <a:off x="457200" y="1466365"/>
+            <a:ext cx="8229600" cy="4525963"/>
+          </a:xfrm>
+          <a:prstGeom prst="rect">
+            <a:avLst/>
+          </a:prstGeom>
+        </p:spPr>
+        <p:txBody>
+          <a:bodyPr vert="horz">
+            <a:normAutofit/>
+          </a:bodyPr>
+          <a:lstStyle>
+            <a:lvl1pPr marL="365760" indent="-256032" algn="l" rtl="0" eaLnBrk="1" latinLnBrk="0" hangingPunct="1">
+              <a:spcBef>
+                <a:spcPts val="400"/>
+              </a:spcBef>
+              <a:spcAft>
+                <a:spcPts val="0"/>
+              </a:spcAft>
+              <a:buClr>
+                <a:schemeClr val="accent1"/>
+              </a:buClr>
+              <a:buSzPct val="68000"/>
+              <a:buFont typeface="Wingdings 3"/>
+              <a:buChar char=""/>
+              <a:defRPr kumimoji="0" sz="2700" kern="1200">
+                <a:solidFill>
+                  <a:schemeClr val="tx1"/>
+                </a:solidFill>
+                <a:latin typeface="+mn-lt"/>
+                <a:ea typeface="+mn-ea"/>
+                <a:cs typeface="+mn-cs"/>
+              </a:defRPr>
+            </a:lvl1pPr>
+            <a:lvl2pPr marL="621792" indent="-228600" algn="l" rtl="0" eaLnBrk="1" latinLnBrk="0" hangingPunct="1">
+              <a:spcBef>
+                <a:spcPts val="324"/>
+              </a:spcBef>
+              <a:buClr>
+                <a:schemeClr val="accent1"/>
+              </a:buClr>
+              <a:buFont typeface="Verdana"/>
+              <a:buChar char="◦"/>
+              <a:defRPr kumimoji="0" sz="2300" kern="1200">
+                <a:solidFill>
+                  <a:schemeClr val="tx1"/>
+                </a:solidFill>
+                <a:latin typeface="+mn-lt"/>
+                <a:ea typeface="+mn-ea"/>
+                <a:cs typeface="+mn-cs"/>
+              </a:defRPr>
+            </a:lvl2pPr>
+            <a:lvl3pPr marL="859536" indent="-228600" algn="l" rtl="0" eaLnBrk="1" latinLnBrk="0" hangingPunct="1">
+              <a:spcBef>
+                <a:spcPts val="350"/>
+              </a:spcBef>
+              <a:buClr>
+                <a:schemeClr val="accent2"/>
+              </a:buClr>
+              <a:buSzPct val="100000"/>
+              <a:buFont typeface="Wingdings 2"/>
+              <a:buChar char=""/>
+              <a:defRPr kumimoji="0" sz="2100" kern="1200">
+                <a:solidFill>
+                  <a:schemeClr val="tx1"/>
+                </a:solidFill>
+                <a:latin typeface="+mn-lt"/>
+                <a:ea typeface="+mn-ea"/>
+                <a:cs typeface="+mn-cs"/>
+              </a:defRPr>
+            </a:lvl3pPr>
+            <a:lvl4pPr marL="1143000" indent="-228600" algn="l" rtl="0" eaLnBrk="1" latinLnBrk="0" hangingPunct="1">
+              <a:spcBef>
+                <a:spcPts val="350"/>
+              </a:spcBef>
+              <a:buClr>
+                <a:schemeClr val="accent2"/>
+              </a:buClr>
+              <a:buFont typeface="Wingdings 2"/>
+              <a:buChar char=""/>
+              <a:defRPr kumimoji="0" sz="1900" kern="1200">
+                <a:solidFill>
+                  <a:schemeClr val="tx1"/>
+                </a:solidFill>
+                <a:latin typeface="+mn-lt"/>
+                <a:ea typeface="+mn-ea"/>
+                <a:cs typeface="+mn-cs"/>
+              </a:defRPr>
+            </a:lvl4pPr>
+            <a:lvl5pPr marL="1371600" indent="-228600" algn="l" rtl="0" eaLnBrk="1" latinLnBrk="0" hangingPunct="1">
+              <a:spcBef>
+                <a:spcPts val="350"/>
+              </a:spcBef>
+              <a:buClr>
+                <a:schemeClr val="accent2"/>
+              </a:buClr>
+              <a:buFont typeface="Wingdings 2"/>
+              <a:buChar char=""/>
+              <a:defRPr kumimoji="0" sz="1800" kern="1200">
+                <a:solidFill>
+                  <a:schemeClr val="tx1"/>
+                </a:solidFill>
+                <a:latin typeface="+mn-lt"/>
+                <a:ea typeface="+mn-ea"/>
+                <a:cs typeface="+mn-cs"/>
+              </a:defRPr>
+            </a:lvl5pPr>
+            <a:lvl6pPr marL="1600200" indent="-228600" algn="l" rtl="0" eaLnBrk="1" latinLnBrk="0" hangingPunct="1">
+              <a:spcBef>
+                <a:spcPts val="350"/>
+              </a:spcBef>
+              <a:buClr>
+                <a:schemeClr val="accent3"/>
+              </a:buClr>
+              <a:buFont typeface="Wingdings 2"/>
+              <a:buChar char=""/>
+              <a:defRPr kumimoji="0" sz="1800" kern="1200">
+                <a:solidFill>
+                  <a:schemeClr val="tx1"/>
+                </a:solidFill>
+                <a:latin typeface="+mn-lt"/>
+                <a:ea typeface="+mn-ea"/>
+                <a:cs typeface="+mn-cs"/>
+              </a:defRPr>
+            </a:lvl6pPr>
+            <a:lvl7pPr marL="1828800" indent="-228600" algn="l" rtl="0" eaLnBrk="1" latinLnBrk="0" hangingPunct="1">
+              <a:spcBef>
+                <a:spcPts val="350"/>
+              </a:spcBef>
+              <a:buClr>
+                <a:schemeClr val="accent3"/>
+              </a:buClr>
+              <a:buFont typeface="Wingdings 2"/>
+              <a:buChar char=""/>
+              <a:defRPr kumimoji="0" sz="1600" kern="1200">
+                <a:solidFill>
+                  <a:schemeClr val="tx1"/>
+                </a:solidFill>
+                <a:latin typeface="+mn-lt"/>
+                <a:ea typeface="+mn-ea"/>
+                <a:cs typeface="+mn-cs"/>
+              </a:defRPr>
+            </a:lvl7pPr>
+            <a:lvl8pPr marL="2057400" indent="-228600" algn="l" rtl="0" eaLnBrk="1" latinLnBrk="0" hangingPunct="1">
+              <a:spcBef>
+                <a:spcPts val="350"/>
+              </a:spcBef>
+              <a:buClr>
+                <a:schemeClr val="accent3"/>
+              </a:buClr>
+              <a:buFont typeface="Wingdings 2"/>
+              <a:buChar char=""/>
+              <a:defRPr kumimoji="0" sz="1600" kern="1200">
+                <a:solidFill>
+                  <a:schemeClr val="tx1"/>
+                </a:solidFill>
+                <a:latin typeface="+mn-lt"/>
+                <a:ea typeface="+mn-ea"/>
+                <a:cs typeface="+mn-cs"/>
+              </a:defRPr>
+            </a:lvl8pPr>
+            <a:lvl9pPr marL="2286000" indent="-228600" algn="l" rtl="0" eaLnBrk="1" latinLnBrk="0" hangingPunct="1">
+              <a:spcBef>
+                <a:spcPts val="350"/>
+              </a:spcBef>
+              <a:buClr>
+                <a:schemeClr val="accent3"/>
+              </a:buClr>
+              <a:buFont typeface="Wingdings 2"/>
+              <a:buChar char=""/>
+              <a:defRPr kumimoji="0" sz="1600" kern="1200" baseline="0">
+                <a:solidFill>
+                  <a:schemeClr val="tx1"/>
+                </a:solidFill>
+                <a:latin typeface="+mn-lt"/>
+                <a:ea typeface="+mn-ea"/>
+                <a:cs typeface="+mn-cs"/>
+              </a:defRPr>
+            </a:lvl9pPr>
+            <a:extLst/>
+          </a:lstStyle>
+          <a:p>
+            <a:pPr marL="109728" indent="0">
+              <a:buNone/>
+            </a:pPr>
+            <a:endParaRPr lang="en-US" sz="2000" dirty="0" smtClean="0">
+              <a:latin typeface="Calibri" panose="020F0502020204030204" pitchFamily="34" charset="0"/>
+              <a:cs typeface="Calibri" panose="020F0502020204030204" pitchFamily="34" charset="0"/>
+            </a:endParaRPr>
+          </a:p>
+        </p:txBody>
+      </p:sp>
+    </p:spTree>
+    <p:extLst>
+      <p:ext uri="{BB962C8B-B14F-4D97-AF65-F5344CB8AC3E}">
+        <p14:creationId xmlns:p14="http://schemas.microsoft.com/office/powerpoint/2010/main" val="1354700086"/>
       </p:ext>
     </p:extLst>
   </p:cSld>

--- a/Final Analysis - Data Capstone Project - Data Breaches.pptx
+++ b/Final Analysis - Data Capstone Project - Data Breaches.pptx
@@ -45,10 +45,12 @@
     <p:sldId id="288" r:id="rId39"/>
     <p:sldId id="289" r:id="rId40"/>
     <p:sldId id="296" r:id="rId41"/>
-    <p:sldId id="297" r:id="rId42"/>
-    <p:sldId id="298" r:id="rId43"/>
-    <p:sldId id="299" r:id="rId44"/>
-    <p:sldId id="300" r:id="rId45"/>
+    <p:sldId id="301" r:id="rId42"/>
+    <p:sldId id="297" r:id="rId43"/>
+    <p:sldId id="298" r:id="rId44"/>
+    <p:sldId id="302" r:id="rId45"/>
+    <p:sldId id="299" r:id="rId46"/>
+    <p:sldId id="300" r:id="rId47"/>
   </p:sldIdLst>
   <p:sldSz cx="9144000" cy="6858000" type="screen4x3"/>
   <p:notesSz cx="6858000" cy="9144000"/>
@@ -18421,28 +18423,14 @@
                 <a:latin typeface="Calibri" panose="020F0502020204030204" pitchFamily="34" charset="0"/>
                 <a:cs typeface="Calibri" panose="020F0502020204030204" pitchFamily="34" charset="0"/>
               </a:rPr>
-              <a:t>-Unsupervised Machine Language </a:t>
-            </a:r>
-          </a:p>
-          <a:p>
-            <a:pPr marL="109728" indent="0">
-              <a:buNone/>
-            </a:pPr>
-            <a:r>
-              <a:rPr lang="en-US" sz="2400" dirty="0" smtClean="0">
-                <a:latin typeface="Calibri" panose="020F0502020204030204" pitchFamily="34" charset="0"/>
-                <a:cs typeface="Calibri" panose="020F0502020204030204" pitchFamily="34" charset="0"/>
-              </a:rPr>
-              <a:t>			Word Cloud</a:t>
-            </a:r>
-          </a:p>
-          <a:p>
+              <a:t>–Unsupervised Machine </a:t>
+            </a:r>
             <a:r>
               <a:rPr lang="en-US" sz="2400" dirty="0">
                 <a:latin typeface="Calibri" panose="020F0502020204030204" pitchFamily="34" charset="0"/>
                 <a:cs typeface="Calibri" panose="020F0502020204030204" pitchFamily="34" charset="0"/>
               </a:rPr>
-              <a:t>The themes here appear to be social security number, credit cards, birthdates, names and addresses, employees and business associates</a:t>
+              <a:t>Learning </a:t>
             </a:r>
             <a:endParaRPr lang="en-US" sz="2400" dirty="0" smtClean="0">
               <a:latin typeface="Calibri" panose="020F0502020204030204" pitchFamily="34" charset="0"/>
@@ -18450,7 +18438,63 @@
             </a:endParaRPr>
           </a:p>
           <a:p>
+            <a:pPr marL="109728" indent="0" algn="ctr">
+              <a:buNone/>
+            </a:pPr>
+            <a:r>
+              <a:rPr lang="en-US" sz="2400" dirty="0" smtClean="0">
+                <a:latin typeface="Calibri" panose="020F0502020204030204" pitchFamily="34" charset="0"/>
+                <a:cs typeface="Calibri" panose="020F0502020204030204" pitchFamily="34" charset="0"/>
+              </a:rPr>
+              <a:t>Text </a:t>
+            </a:r>
+            <a:r>
+              <a:rPr lang="en-US" sz="2400" dirty="0">
+                <a:latin typeface="Calibri" panose="020F0502020204030204" pitchFamily="34" charset="0"/>
+                <a:cs typeface="Calibri" panose="020F0502020204030204" pitchFamily="34" charset="0"/>
+              </a:rPr>
+              <a:t>Data Preprocessing and Results</a:t>
+            </a:r>
+            <a:endParaRPr lang="en-US" sz="2400" dirty="0" smtClean="0">
+              <a:latin typeface="Calibri" panose="020F0502020204030204" pitchFamily="34" charset="0"/>
+              <a:cs typeface="Calibri" panose="020F0502020204030204" pitchFamily="34" charset="0"/>
+            </a:endParaRPr>
+          </a:p>
+          <a:p>
+            <a:pPr marL="109728" indent="0" algn="ctr">
+              <a:buNone/>
+            </a:pPr>
+            <a:r>
+              <a:rPr lang="en-US" sz="2400" dirty="0" smtClean="0">
+                <a:latin typeface="Calibri" panose="020F0502020204030204" pitchFamily="34" charset="0"/>
+                <a:cs typeface="Calibri" panose="020F0502020204030204" pitchFamily="34" charset="0"/>
+              </a:rPr>
+              <a:t>Conducted </a:t>
+            </a:r>
+            <a:r>
+              <a:rPr lang="en-US" sz="2400" dirty="0">
+                <a:latin typeface="Calibri" panose="020F0502020204030204" pitchFamily="34" charset="0"/>
+                <a:cs typeface="Calibri" panose="020F0502020204030204" pitchFamily="34" charset="0"/>
+              </a:rPr>
+              <a:t>word frequency analysis </a:t>
+            </a:r>
+            <a:r>
+              <a:rPr lang="en-US" sz="2400" dirty="0" smtClean="0">
+                <a:latin typeface="Calibri" panose="020F0502020204030204" pitchFamily="34" charset="0"/>
+                <a:cs typeface="Calibri" panose="020F0502020204030204" pitchFamily="34" charset="0"/>
+              </a:rPr>
+              <a:t>- Bigrams</a:t>
+            </a:r>
             <a:endParaRPr lang="en-US" sz="2400" dirty="0">
+              <a:latin typeface="Calibri" panose="020F0502020204030204" pitchFamily="34" charset="0"/>
+              <a:cs typeface="Calibri" panose="020F0502020204030204" pitchFamily="34" charset="0"/>
+            </a:endParaRPr>
+          </a:p>
+          <a:p>
+            <a:pPr marL="109728" indent="0">
+              <a:buNone/>
+            </a:pPr>
+            <a:endParaRPr lang="en-US" sz="2400" dirty="0" smtClean="0">
               <a:latin typeface="Calibri" panose="020F0502020204030204" pitchFamily="34" charset="0"/>
               <a:cs typeface="Calibri" panose="020F0502020204030204" pitchFamily="34" charset="0"/>
             </a:endParaRPr>
@@ -18679,7 +18723,7 @@
       </p:sp>
       <p:pic>
         <p:nvPicPr>
-          <p:cNvPr id="4" name="Picture 3"/>
+          <p:cNvPr id="6" name="Picture 5"/>
           <p:cNvPicPr>
             <a:picLocks noChangeAspect="1"/>
           </p:cNvPicPr>
@@ -18699,8 +18743,8 @@
         </p:blipFill>
         <p:spPr>
           <a:xfrm>
-            <a:off x="951470" y="2273644"/>
-            <a:ext cx="7241059" cy="3929448"/>
+            <a:off x="1095375" y="1666875"/>
+            <a:ext cx="6953250" cy="4733925"/>
           </a:xfrm>
           <a:prstGeom prst="rect">
             <a:avLst/>
@@ -18710,7 +18754,7 @@
     </p:spTree>
     <p:extLst>
       <p:ext uri="{BB962C8B-B14F-4D97-AF65-F5344CB8AC3E}">
-        <p14:creationId xmlns:p14="http://schemas.microsoft.com/office/powerpoint/2010/main" val="3062371752"/>
+        <p14:creationId xmlns:p14="http://schemas.microsoft.com/office/powerpoint/2010/main" val="1388505327"/>
       </p:ext>
     </p:extLst>
   </p:cSld>
@@ -18755,7 +18799,7 @@
         </p:spPr>
         <p:txBody>
           <a:bodyPr>
-            <a:normAutofit lnSpcReduction="10000"/>
+            <a:normAutofit/>
           </a:bodyPr>
           <a:lstStyle/>
           <a:p>
@@ -18774,11 +18818,11 @@
                 <a:latin typeface="Calibri" panose="020F0502020204030204" pitchFamily="34" charset="0"/>
                 <a:cs typeface="Calibri" panose="020F0502020204030204" pitchFamily="34" charset="0"/>
               </a:rPr>
-              <a:t>-Unsupervised Machine Learning </a:t>
-            </a:r>
-          </a:p>
-          <a:p>
-            <a:pPr marL="109728" indent="0" algn="ctr">
+              <a:t>-Unsupervised Machine Language </a:t>
+            </a:r>
+          </a:p>
+          <a:p>
+            <a:pPr marL="109728" indent="0">
               <a:buNone/>
             </a:pPr>
             <a:r>
@@ -18786,197 +18830,33 @@
                 <a:latin typeface="Calibri" panose="020F0502020204030204" pitchFamily="34" charset="0"/>
                 <a:cs typeface="Calibri" panose="020F0502020204030204" pitchFamily="34" charset="0"/>
               </a:rPr>
-              <a:t>LDA </a:t>
-            </a:r>
+              <a:t>			Word Cloud</a:t>
+            </a:r>
+          </a:p>
+          <a:p>
             <a:r>
               <a:rPr lang="en-US" sz="2400" dirty="0">
                 <a:latin typeface="Calibri" panose="020F0502020204030204" pitchFamily="34" charset="0"/>
                 <a:cs typeface="Calibri" panose="020F0502020204030204" pitchFamily="34" charset="0"/>
               </a:rPr>
-              <a:t>Topic </a:t>
-            </a:r>
-            <a:r>
-              <a:rPr lang="en-US" sz="2400" dirty="0" smtClean="0">
-                <a:latin typeface="Calibri" panose="020F0502020204030204" pitchFamily="34" charset="0"/>
-                <a:cs typeface="Calibri" panose="020F0502020204030204" pitchFamily="34" charset="0"/>
-              </a:rPr>
-              <a:t>Modeling – Top Topics</a:t>
-            </a:r>
-          </a:p>
-          <a:p>
-            <a:endParaRPr lang="en-US" sz="2200" dirty="0" smtClean="0">
+              <a:t>The themes here appear to be social security number, credit cards, birthdates, names and addresses, employees and business associates</a:t>
+            </a:r>
+            <a:endParaRPr lang="en-US" sz="2400" dirty="0" smtClean="0">
               <a:latin typeface="Calibri" panose="020F0502020204030204" pitchFamily="34" charset="0"/>
               <a:cs typeface="Calibri" panose="020F0502020204030204" pitchFamily="34" charset="0"/>
             </a:endParaRPr>
           </a:p>
           <a:p>
-            <a:r>
-              <a:rPr lang="en-US" sz="2200" dirty="0" smtClean="0">
-                <a:latin typeface="Calibri" panose="020F0502020204030204" pitchFamily="34" charset="0"/>
-                <a:cs typeface="Calibri" panose="020F0502020204030204" pitchFamily="34" charset="0"/>
-              </a:rPr>
-              <a:t>Used </a:t>
-            </a:r>
-            <a:r>
-              <a:rPr lang="en-US" sz="2200" dirty="0">
-                <a:latin typeface="Calibri" panose="020F0502020204030204" pitchFamily="34" charset="0"/>
-                <a:cs typeface="Calibri" panose="020F0502020204030204" pitchFamily="34" charset="0"/>
-              </a:rPr>
-              <a:t>10 for the number of topics. </a:t>
-            </a:r>
-            <a:endParaRPr lang="en-US" sz="2200" dirty="0" smtClean="0">
+            <a:endParaRPr lang="en-US" sz="2400" dirty="0">
               <a:latin typeface="Calibri" panose="020F0502020204030204" pitchFamily="34" charset="0"/>
               <a:cs typeface="Calibri" panose="020F0502020204030204" pitchFamily="34" charset="0"/>
             </a:endParaRPr>
           </a:p>
           <a:p>
-            <a:r>
-              <a:rPr lang="en-US" sz="2200" dirty="0">
-                <a:latin typeface="Calibri" panose="020F0502020204030204" pitchFamily="34" charset="0"/>
-                <a:cs typeface="Calibri" panose="020F0502020204030204" pitchFamily="34" charset="0"/>
-              </a:rPr>
-              <a:t>Used </a:t>
-            </a:r>
-            <a:r>
-              <a:rPr lang="en-US" sz="2200" dirty="0" err="1">
-                <a:latin typeface="Calibri" panose="020F0502020204030204" pitchFamily="34" charset="0"/>
-                <a:cs typeface="Calibri" panose="020F0502020204030204" pitchFamily="34" charset="0"/>
-              </a:rPr>
-              <a:t>pyLDAvis</a:t>
-            </a:r>
-            <a:r>
-              <a:rPr lang="en-US" sz="2200" dirty="0">
-                <a:latin typeface="Calibri" panose="020F0502020204030204" pitchFamily="34" charset="0"/>
-                <a:cs typeface="Calibri" panose="020F0502020204030204" pitchFamily="34" charset="0"/>
-              </a:rPr>
-              <a:t> to generate a </a:t>
-            </a:r>
-            <a:r>
-              <a:rPr lang="en-US" sz="2200" dirty="0" err="1">
-                <a:latin typeface="Calibri" panose="020F0502020204030204" pitchFamily="34" charset="0"/>
-                <a:cs typeface="Calibri" panose="020F0502020204030204" pitchFamily="34" charset="0"/>
-              </a:rPr>
-              <a:t>Intertopic</a:t>
-            </a:r>
-            <a:r>
-              <a:rPr lang="en-US" sz="2200" dirty="0">
-                <a:latin typeface="Calibri" panose="020F0502020204030204" pitchFamily="34" charset="0"/>
-                <a:cs typeface="Calibri" panose="020F0502020204030204" pitchFamily="34" charset="0"/>
-              </a:rPr>
-              <a:t> Distance Map</a:t>
-            </a:r>
-            <a:r>
-              <a:rPr lang="en-US" sz="2200" dirty="0" smtClean="0">
-                <a:latin typeface="Calibri" panose="020F0502020204030204" pitchFamily="34" charset="0"/>
-                <a:cs typeface="Calibri" panose="020F0502020204030204" pitchFamily="34" charset="0"/>
-              </a:rPr>
-              <a:t>.</a:t>
-            </a:r>
-          </a:p>
-          <a:p>
-            <a:r>
-              <a:rPr lang="en-US" sz="2200" dirty="0" smtClean="0">
-                <a:latin typeface="Calibri" panose="020F0502020204030204" pitchFamily="34" charset="0"/>
-                <a:cs typeface="Calibri" panose="020F0502020204030204" pitchFamily="34" charset="0"/>
-              </a:rPr>
-              <a:t>Assigned </a:t>
-            </a:r>
-            <a:r>
-              <a:rPr lang="en-US" sz="2200" dirty="0">
-                <a:latin typeface="Calibri" panose="020F0502020204030204" pitchFamily="34" charset="0"/>
-                <a:cs typeface="Calibri" panose="020F0502020204030204" pitchFamily="34" charset="0"/>
-              </a:rPr>
-              <a:t>the topics to the documents in corpus (Document-Topic Distribution)</a:t>
-            </a:r>
-          </a:p>
-          <a:p>
-            <a:pPr lvl="1"/>
-            <a:r>
-              <a:rPr lang="en-US" sz="2200" dirty="0">
-                <a:latin typeface="Calibri" panose="020F0502020204030204" pitchFamily="34" charset="0"/>
-                <a:cs typeface="Calibri" panose="020F0502020204030204" pitchFamily="34" charset="0"/>
-              </a:rPr>
-              <a:t>Top 10 topics show persistent cases of physical loss, theft and hacking.</a:t>
-            </a:r>
-          </a:p>
-          <a:p>
-            <a:pPr marL="109728" indent="0">
-              <a:buNone/>
-            </a:pPr>
-            <a:endParaRPr lang="en-US" sz="2200" dirty="0" smtClean="0">
-              <a:latin typeface="Calibri" panose="020F0502020204030204" pitchFamily="34" charset="0"/>
-              <a:cs typeface="Calibri" panose="020F0502020204030204" pitchFamily="34" charset="0"/>
-            </a:endParaRPr>
-          </a:p>
-          <a:p>
-            <a:pPr marL="109728" indent="0">
-              <a:buNone/>
-            </a:pPr>
-            <a:r>
-              <a:rPr lang="en-US" sz="2200" dirty="0" smtClean="0">
-                <a:latin typeface="Calibri" panose="020F0502020204030204" pitchFamily="34" charset="0"/>
-                <a:cs typeface="Calibri" panose="020F0502020204030204" pitchFamily="34" charset="0"/>
-              </a:rPr>
-              <a:t>Top Topics appearing:</a:t>
-            </a:r>
-          </a:p>
-          <a:p>
-            <a:r>
-              <a:rPr lang="en-US" sz="2200" dirty="0" smtClean="0">
-                <a:latin typeface="Calibri" panose="020F0502020204030204" pitchFamily="34" charset="0"/>
-                <a:cs typeface="Calibri" panose="020F0502020204030204" pitchFamily="34" charset="0"/>
-              </a:rPr>
-              <a:t>1</a:t>
-            </a:r>
-            <a:r>
-              <a:rPr lang="en-US" sz="2200" dirty="0">
-                <a:latin typeface="Calibri" panose="020F0502020204030204" pitchFamily="34" charset="0"/>
-                <a:cs typeface="Calibri" panose="020F0502020204030204" pitchFamily="34" charset="0"/>
-              </a:rPr>
-              <a:t>) Hacking getting email, passwords, etc. </a:t>
-            </a:r>
-          </a:p>
-          <a:p>
-            <a:r>
-              <a:rPr lang="en-US" sz="2200" dirty="0">
-                <a:latin typeface="Calibri" panose="020F0502020204030204" pitchFamily="34" charset="0"/>
-                <a:cs typeface="Calibri" panose="020F0502020204030204" pitchFamily="34" charset="0"/>
-              </a:rPr>
-              <a:t>2) Credit card and bank accounts, lawsuit </a:t>
-            </a:r>
-          </a:p>
-          <a:p>
-            <a:r>
-              <a:rPr lang="en-US" sz="2200" dirty="0">
-                <a:latin typeface="Calibri" panose="020F0502020204030204" pitchFamily="34" charset="0"/>
-                <a:cs typeface="Calibri" panose="020F0502020204030204" pitchFamily="34" charset="0"/>
-              </a:rPr>
-              <a:t>3) Unauthorized access to payment systems</a:t>
-            </a:r>
-          </a:p>
-          <a:p>
-            <a:r>
-              <a:rPr lang="en-US" sz="2200" dirty="0">
-                <a:latin typeface="Calibri" panose="020F0502020204030204" pitchFamily="34" charset="0"/>
-                <a:cs typeface="Calibri" panose="020F0502020204030204" pitchFamily="34" charset="0"/>
-              </a:rPr>
-              <a:t>4) University, student, computer files, documents</a:t>
-            </a:r>
-          </a:p>
-          <a:p>
-            <a:r>
-              <a:rPr lang="en-US" sz="2200" dirty="0">
-                <a:latin typeface="Calibri" panose="020F0502020204030204" pitchFamily="34" charset="0"/>
-                <a:cs typeface="Calibri" panose="020F0502020204030204" pitchFamily="34" charset="0"/>
-              </a:rPr>
-              <a:t>9) Stolen laptop from employee containing patient medical information, birthdate, etc.</a:t>
-            </a:r>
-          </a:p>
-          <a:p>
-            <a:pPr marL="109728" indent="0">
-              <a:buNone/>
-            </a:pPr>
-            <a:endParaRPr lang="en-US" sz="2200" dirty="0">
+            <a:pPr marL="109728" indent="0">
+              <a:buNone/>
+            </a:pPr>
+            <a:endParaRPr lang="en-US" sz="2400" dirty="0">
               <a:latin typeface="Calibri" panose="020F0502020204030204" pitchFamily="34" charset="0"/>
               <a:cs typeface="Calibri" panose="020F0502020204030204" pitchFamily="34" charset="0"/>
             </a:endParaRPr>
@@ -19194,10 +19074,40 @@
           </a:p>
         </p:txBody>
       </p:sp>
+      <p:pic>
+        <p:nvPicPr>
+          <p:cNvPr id="4" name="Picture 3"/>
+          <p:cNvPicPr>
+            <a:picLocks noChangeAspect="1"/>
+          </p:cNvPicPr>
+          <p:nvPr/>
+        </p:nvPicPr>
+        <p:blipFill>
+          <a:blip r:embed="rId2">
+            <a:extLst>
+              <a:ext uri="{28A0092B-C50C-407E-A947-70E740481C1C}">
+                <a14:useLocalDpi xmlns:a14="http://schemas.microsoft.com/office/drawing/2010/main" val="0"/>
+              </a:ext>
+            </a:extLst>
+          </a:blip>
+          <a:stretch>
+            <a:fillRect/>
+          </a:stretch>
+        </p:blipFill>
+        <p:spPr>
+          <a:xfrm>
+            <a:off x="951470" y="2273644"/>
+            <a:ext cx="7241059" cy="3929448"/>
+          </a:xfrm>
+          <a:prstGeom prst="rect">
+            <a:avLst/>
+          </a:prstGeom>
+        </p:spPr>
+      </p:pic>
     </p:spTree>
     <p:extLst>
       <p:ext uri="{BB962C8B-B14F-4D97-AF65-F5344CB8AC3E}">
-        <p14:creationId xmlns:p14="http://schemas.microsoft.com/office/powerpoint/2010/main" val="2798512954"/>
+        <p14:creationId xmlns:p14="http://schemas.microsoft.com/office/powerpoint/2010/main" val="3062371752"/>
       </p:ext>
     </p:extLst>
   </p:cSld>
@@ -19246,28 +19156,135 @@
           </a:bodyPr>
           <a:lstStyle/>
           <a:p>
+            <a:pPr marL="109728" indent="0">
+              <a:buNone/>
+            </a:pPr>
+            <a:r>
+              <a:rPr lang="en-US" sz="2400" dirty="0">
+                <a:latin typeface="Calibri" panose="020F0502020204030204" pitchFamily="34" charset="0"/>
+                <a:cs typeface="Calibri" panose="020F0502020204030204" pitchFamily="34" charset="0"/>
+              </a:rPr>
+              <a:t>Model Building and Evaluation </a:t>
+            </a:r>
+            <a:r>
+              <a:rPr lang="en-US" sz="2400" dirty="0" smtClean="0">
+                <a:latin typeface="Calibri" panose="020F0502020204030204" pitchFamily="34" charset="0"/>
+                <a:cs typeface="Calibri" panose="020F0502020204030204" pitchFamily="34" charset="0"/>
+              </a:rPr>
+              <a:t>-Unsupervised Machine Learning </a:t>
+            </a:r>
+          </a:p>
+          <a:p>
             <a:pPr marL="109728" indent="0" algn="ctr">
               <a:buNone/>
             </a:pPr>
             <a:r>
+              <a:rPr lang="en-US" sz="2400" dirty="0" smtClean="0">
+                <a:latin typeface="Calibri" panose="020F0502020204030204" pitchFamily="34" charset="0"/>
+                <a:cs typeface="Calibri" panose="020F0502020204030204" pitchFamily="34" charset="0"/>
+              </a:rPr>
+              <a:t>LDA </a:t>
+            </a:r>
+            <a:r>
               <a:rPr lang="en-US" sz="2400" dirty="0">
                 <a:latin typeface="Calibri" panose="020F0502020204030204" pitchFamily="34" charset="0"/>
                 <a:cs typeface="Calibri" panose="020F0502020204030204" pitchFamily="34" charset="0"/>
               </a:rPr>
-              <a:t>Model Building and Evaluation </a:t>
+              <a:t>Topic </a:t>
             </a:r>
             <a:r>
               <a:rPr lang="en-US" sz="2400" dirty="0" smtClean="0">
                 <a:latin typeface="Calibri" panose="020F0502020204030204" pitchFamily="34" charset="0"/>
                 <a:cs typeface="Calibri" panose="020F0502020204030204" pitchFamily="34" charset="0"/>
               </a:rPr>
-              <a:t>-Unsupervised Machine Learning </a:t>
-            </a:r>
-          </a:p>
-          <a:p>
-            <a:pPr marL="109728" indent="0" algn="ctr">
-              <a:buNone/>
-            </a:pPr>
+              <a:t>Modeling – Top Topics</a:t>
+            </a:r>
+          </a:p>
+          <a:p>
+            <a:endParaRPr lang="en-US" sz="2200" dirty="0" smtClean="0">
+              <a:latin typeface="Calibri" panose="020F0502020204030204" pitchFamily="34" charset="0"/>
+              <a:cs typeface="Calibri" panose="020F0502020204030204" pitchFamily="34" charset="0"/>
+            </a:endParaRPr>
+          </a:p>
+          <a:p>
+            <a:r>
+              <a:rPr lang="en-US" sz="2200" dirty="0" smtClean="0">
+                <a:latin typeface="Calibri" panose="020F0502020204030204" pitchFamily="34" charset="0"/>
+                <a:cs typeface="Calibri" panose="020F0502020204030204" pitchFamily="34" charset="0"/>
+              </a:rPr>
+              <a:t>Used </a:t>
+            </a:r>
+            <a:r>
+              <a:rPr lang="en-US" sz="2200" dirty="0">
+                <a:latin typeface="Calibri" panose="020F0502020204030204" pitchFamily="34" charset="0"/>
+                <a:cs typeface="Calibri" panose="020F0502020204030204" pitchFamily="34" charset="0"/>
+              </a:rPr>
+              <a:t>10 for the number of topics. </a:t>
+            </a:r>
+            <a:endParaRPr lang="en-US" sz="2200" dirty="0" smtClean="0">
+              <a:latin typeface="Calibri" panose="020F0502020204030204" pitchFamily="34" charset="0"/>
+              <a:cs typeface="Calibri" panose="020F0502020204030204" pitchFamily="34" charset="0"/>
+            </a:endParaRPr>
+          </a:p>
+          <a:p>
+            <a:endParaRPr lang="en-US" sz="2200" dirty="0" smtClean="0">
+              <a:latin typeface="Calibri" panose="020F0502020204030204" pitchFamily="34" charset="0"/>
+              <a:cs typeface="Calibri" panose="020F0502020204030204" pitchFamily="34" charset="0"/>
+            </a:endParaRPr>
+          </a:p>
+          <a:p>
+            <a:r>
+              <a:rPr lang="en-US" sz="2200" dirty="0" smtClean="0">
+                <a:latin typeface="Calibri" panose="020F0502020204030204" pitchFamily="34" charset="0"/>
+                <a:cs typeface="Calibri" panose="020F0502020204030204" pitchFamily="34" charset="0"/>
+              </a:rPr>
+              <a:t>Used </a:t>
+            </a:r>
+            <a:r>
+              <a:rPr lang="en-US" sz="2200" dirty="0">
+                <a:latin typeface="Calibri" panose="020F0502020204030204" pitchFamily="34" charset="0"/>
+                <a:cs typeface="Calibri" panose="020F0502020204030204" pitchFamily="34" charset="0"/>
+              </a:rPr>
+              <a:t>pyLDAvis to generate a Intertopic Distance Map</a:t>
+            </a:r>
+            <a:r>
+              <a:rPr lang="en-US" sz="2200" dirty="0" smtClean="0">
+                <a:latin typeface="Calibri" panose="020F0502020204030204" pitchFamily="34" charset="0"/>
+                <a:cs typeface="Calibri" panose="020F0502020204030204" pitchFamily="34" charset="0"/>
+              </a:rPr>
+              <a:t>.</a:t>
+            </a:r>
+          </a:p>
+          <a:p>
+            <a:endParaRPr lang="en-US" sz="2200" dirty="0" smtClean="0">
+              <a:latin typeface="Calibri" panose="020F0502020204030204" pitchFamily="34" charset="0"/>
+              <a:cs typeface="Calibri" panose="020F0502020204030204" pitchFamily="34" charset="0"/>
+            </a:endParaRPr>
+          </a:p>
+          <a:p>
+            <a:r>
+              <a:rPr lang="en-US" sz="2200" dirty="0" smtClean="0">
+                <a:latin typeface="Calibri" panose="020F0502020204030204" pitchFamily="34" charset="0"/>
+                <a:cs typeface="Calibri" panose="020F0502020204030204" pitchFamily="34" charset="0"/>
+              </a:rPr>
+              <a:t>Assigned </a:t>
+            </a:r>
+            <a:r>
+              <a:rPr lang="en-US" sz="2200" dirty="0">
+                <a:latin typeface="Calibri" panose="020F0502020204030204" pitchFamily="34" charset="0"/>
+                <a:cs typeface="Calibri" panose="020F0502020204030204" pitchFamily="34" charset="0"/>
+              </a:rPr>
+              <a:t>the topics to the documents in corpus (Document-Topic Distribution)</a:t>
+            </a:r>
+          </a:p>
+          <a:p>
+            <a:pPr lvl="1"/>
+            <a:endParaRPr lang="en-US" sz="2200" dirty="0" smtClean="0">
+              <a:latin typeface="Calibri" panose="020F0502020204030204" pitchFamily="34" charset="0"/>
+              <a:cs typeface="Calibri" panose="020F0502020204030204" pitchFamily="34" charset="0"/>
+            </a:endParaRPr>
+          </a:p>
+          <a:p>
             <a:r>
               <a:rPr lang="en-US" sz="2400" dirty="0" smtClean="0">
                 <a:latin typeface="Calibri" panose="020F0502020204030204" pitchFamily="34" charset="0"/>
@@ -19280,29 +19297,33 @@
                 <a:latin typeface="Calibri" panose="020F0502020204030204" pitchFamily="34" charset="0"/>
                 <a:cs typeface="Calibri" panose="020F0502020204030204" pitchFamily="34" charset="0"/>
               </a:rPr>
-              <a:t>Topics from LSI Model </a:t>
+              <a:t>10 topics </a:t>
             </a:r>
             <a:r>
               <a:rPr lang="en-US" sz="2400" dirty="0" smtClean="0">
                 <a:latin typeface="Calibri" panose="020F0502020204030204" pitchFamily="34" charset="0"/>
                 <a:cs typeface="Calibri" panose="020F0502020204030204" pitchFamily="34" charset="0"/>
               </a:rPr>
-              <a:t>“</a:t>
-            </a:r>
-            <a:r>
-              <a:rPr lang="en-US" sz="2400" dirty="0">
-                <a:latin typeface="Calibri" panose="020F0502020204030204" pitchFamily="34" charset="0"/>
-                <a:cs typeface="Calibri" panose="020F0502020204030204" pitchFamily="34" charset="0"/>
-              </a:rPr>
-              <a:t>Latent Semantic </a:t>
-            </a:r>
-            <a:r>
-              <a:rPr lang="en-US" sz="2400" dirty="0" smtClean="0">
-                <a:latin typeface="Calibri" panose="020F0502020204030204" pitchFamily="34" charset="0"/>
-                <a:cs typeface="Calibri" panose="020F0502020204030204" pitchFamily="34" charset="0"/>
-              </a:rPr>
-              <a:t>Indexing”</a:t>
-            </a:r>
+              <a:t>represent all breach types.</a:t>
+            </a:r>
+            <a:endParaRPr lang="en-US" sz="2400" dirty="0">
+              <a:latin typeface="Calibri" panose="020F0502020204030204" pitchFamily="34" charset="0"/>
+              <a:cs typeface="Calibri" panose="020F0502020204030204" pitchFamily="34" charset="0"/>
+            </a:endParaRPr>
+          </a:p>
+          <a:p>
+            <a:pPr marL="109728" indent="0">
+              <a:buNone/>
+            </a:pPr>
+            <a:endParaRPr lang="en-US" sz="2200" dirty="0" smtClean="0">
+              <a:latin typeface="Calibri" panose="020F0502020204030204" pitchFamily="34" charset="0"/>
+              <a:cs typeface="Calibri" panose="020F0502020204030204" pitchFamily="34" charset="0"/>
+            </a:endParaRPr>
+          </a:p>
+          <a:p>
+            <a:pPr marL="109728" indent="0">
+              <a:buNone/>
+            </a:pPr>
             <a:endParaRPr lang="en-US" sz="2200" dirty="0">
               <a:latin typeface="Calibri" panose="020F0502020204030204" pitchFamily="34" charset="0"/>
               <a:cs typeface="Calibri" panose="020F0502020204030204" pitchFamily="34" charset="0"/>
@@ -19312,63 +19333,7 @@
             <a:pPr marL="109728" indent="0">
               <a:buNone/>
             </a:pPr>
-            <a:endParaRPr lang="en-US" sz="2400" dirty="0" smtClean="0"/>
-          </a:p>
-          <a:p>
-            <a:pPr marL="109728" indent="0">
-              <a:buNone/>
-            </a:pPr>
-            <a:r>
-              <a:rPr lang="en-US" sz="2000" dirty="0" smtClean="0"/>
-              <a:t>Similar </a:t>
-            </a:r>
-            <a:r>
-              <a:rPr lang="en-US" sz="2000" dirty="0"/>
-              <a:t>to LDA only in different order and less clear</a:t>
-            </a:r>
-          </a:p>
-          <a:p>
-            <a:r>
-              <a:rPr lang="en-US" sz="2000" dirty="0"/>
-              <a:t>1) Breaches relating to business and servers. </a:t>
-            </a:r>
-          </a:p>
-          <a:p>
-            <a:r>
-              <a:rPr lang="en-US" sz="2000" dirty="0"/>
-              <a:t>2) Stolen laptop from employee containing patient medical information.</a:t>
-            </a:r>
-          </a:p>
-          <a:p>
-            <a:r>
-              <a:rPr lang="en-US" sz="2000" dirty="0"/>
-              <a:t>3) Breaches related to email</a:t>
-            </a:r>
-          </a:p>
-          <a:p>
-            <a:pPr marL="109728" indent="0">
-              <a:buNone/>
-            </a:pPr>
-            <a:r>
-              <a:rPr lang="en-US" sz="2000" dirty="0"/>
-              <a:t>LSI shows topics that appear similar, but harder to differentiate topics in this case. </a:t>
-            </a:r>
-          </a:p>
-          <a:p>
-            <a:pPr marL="109728" indent="0">
-              <a:buNone/>
-            </a:pPr>
-            <a:endParaRPr lang="en-US" sz="2000" dirty="0"/>
-          </a:p>
-          <a:p>
-            <a:pPr marL="109728" indent="0">
-              <a:buNone/>
-            </a:pPr>
-            <a:r>
-              <a:rPr lang="en-US" sz="2000" dirty="0"/>
-              <a:t>Prefer LDA topic model.</a:t>
-            </a:r>
-            <a:endParaRPr lang="en-US" sz="2000" dirty="0" smtClean="0">
+            <a:endParaRPr lang="en-US" sz="2400" dirty="0" smtClean="0">
               <a:latin typeface="Calibri" panose="020F0502020204030204" pitchFamily="34" charset="0"/>
               <a:cs typeface="Calibri" panose="020F0502020204030204" pitchFamily="34" charset="0"/>
             </a:endParaRPr>
@@ -19385,7 +19350,7 @@
         </p:nvSpPr>
         <p:spPr>
           <a:xfrm>
-            <a:off x="457200" y="1466365"/>
+            <a:off x="457200" y="1481328"/>
             <a:ext cx="8229600" cy="4525963"/>
           </a:xfrm>
           <a:prstGeom prst="rect">
@@ -19580,7 +19545,7 @@
     </p:spTree>
     <p:extLst>
       <p:ext uri="{BB962C8B-B14F-4D97-AF65-F5344CB8AC3E}">
-        <p14:creationId xmlns:p14="http://schemas.microsoft.com/office/powerpoint/2010/main" val="1666915710"/>
+        <p14:creationId xmlns:p14="http://schemas.microsoft.com/office/powerpoint/2010/main" val="2798512954"/>
       </p:ext>
     </p:extLst>
   </p:cSld>
@@ -19625,6 +19590,623 @@
         </p:spPr>
         <p:txBody>
           <a:bodyPr>
+            <a:normAutofit fontScale="62500" lnSpcReduction="20000"/>
+          </a:bodyPr>
+          <a:lstStyle/>
+          <a:p>
+            <a:pPr marL="109728" indent="0" algn="ctr">
+              <a:buNone/>
+            </a:pPr>
+            <a:r>
+              <a:rPr lang="en-US" sz="2600" b="1" dirty="0">
+                <a:latin typeface="Calibri" panose="020F0502020204030204" pitchFamily="34" charset="0"/>
+                <a:cs typeface="Calibri" panose="020F0502020204030204" pitchFamily="34" charset="0"/>
+              </a:rPr>
+              <a:t>Model Building and Evaluation </a:t>
+            </a:r>
+            <a:r>
+              <a:rPr lang="en-US" sz="2600" b="1" dirty="0" smtClean="0">
+                <a:latin typeface="Calibri" panose="020F0502020204030204" pitchFamily="34" charset="0"/>
+                <a:cs typeface="Calibri" panose="020F0502020204030204" pitchFamily="34" charset="0"/>
+              </a:rPr>
+              <a:t>-Unsupervised Machine Learning </a:t>
+            </a:r>
+          </a:p>
+          <a:p>
+            <a:pPr marL="109728" indent="0" algn="ctr">
+              <a:buNone/>
+            </a:pPr>
+            <a:r>
+              <a:rPr lang="en-US" sz="2600" b="1" dirty="0" smtClean="0">
+                <a:latin typeface="Calibri" panose="020F0502020204030204" pitchFamily="34" charset="0"/>
+                <a:cs typeface="Calibri" panose="020F0502020204030204" pitchFamily="34" charset="0"/>
+              </a:rPr>
+              <a:t>LDA </a:t>
+            </a:r>
+            <a:r>
+              <a:rPr lang="en-US" sz="2600" b="1" dirty="0">
+                <a:latin typeface="Calibri" panose="020F0502020204030204" pitchFamily="34" charset="0"/>
+                <a:cs typeface="Calibri" panose="020F0502020204030204" pitchFamily="34" charset="0"/>
+              </a:rPr>
+              <a:t>Topic </a:t>
+            </a:r>
+            <a:r>
+              <a:rPr lang="en-US" sz="2600" b="1" dirty="0" smtClean="0">
+                <a:latin typeface="Calibri" panose="020F0502020204030204" pitchFamily="34" charset="0"/>
+                <a:cs typeface="Calibri" panose="020F0502020204030204" pitchFamily="34" charset="0"/>
+              </a:rPr>
+              <a:t>Modeling – Top Topics</a:t>
+            </a:r>
+          </a:p>
+          <a:p>
+            <a:pPr marL="109728" indent="0">
+              <a:buNone/>
+            </a:pPr>
+            <a:r>
+              <a:rPr lang="en-US" sz="2200" dirty="0" smtClean="0">
+                <a:latin typeface="Calibri" panose="020F0502020204030204" pitchFamily="34" charset="0"/>
+                <a:cs typeface="Calibri" panose="020F0502020204030204" pitchFamily="34" charset="0"/>
+              </a:rPr>
+              <a:t>Top 10 Topics </a:t>
+            </a:r>
+          </a:p>
+          <a:p>
+            <a:pPr marL="109728" indent="0">
+              <a:buNone/>
+            </a:pPr>
+            <a:r>
+              <a:rPr lang="en-US" sz="2200" dirty="0">
+                <a:latin typeface="Calibri" panose="020F0502020204030204" pitchFamily="34" charset="0"/>
+                <a:cs typeface="Calibri" panose="020F0502020204030204" pitchFamily="34" charset="0"/>
+              </a:rPr>
+              <a:t>- </a:t>
+            </a:r>
+            <a:r>
+              <a:rPr lang="en-US" sz="2200" b="1" dirty="0">
+                <a:latin typeface="Calibri" panose="020F0502020204030204" pitchFamily="34" charset="0"/>
+                <a:cs typeface="Calibri" panose="020F0502020204030204" pitchFamily="34" charset="0"/>
+              </a:rPr>
+              <a:t>1) Hacking  - getting email, passwords, etc. </a:t>
+            </a:r>
+          </a:p>
+          <a:p>
+            <a:pPr marL="109728" indent="0">
+              <a:buNone/>
+            </a:pPr>
+            <a:r>
+              <a:rPr lang="en-US" sz="2200" dirty="0">
+                <a:latin typeface="Calibri" panose="020F0502020204030204" pitchFamily="34" charset="0"/>
+                <a:cs typeface="Calibri" panose="020F0502020204030204" pitchFamily="34" charset="0"/>
+              </a:rPr>
+              <a:t>     u'0.026*"employe" + 0.026*"hacker" + 0.022*"access" + 0.017*"ident"  </a:t>
+            </a:r>
+          </a:p>
+          <a:p>
+            <a:pPr marL="109728" indent="0">
+              <a:buNone/>
+            </a:pPr>
+            <a:r>
+              <a:rPr lang="en-US" sz="2200" dirty="0">
+                <a:latin typeface="Calibri" panose="020F0502020204030204" pitchFamily="34" charset="0"/>
+                <a:cs typeface="Calibri" panose="020F0502020204030204" pitchFamily="34" charset="0"/>
+              </a:rPr>
+              <a:t>- </a:t>
+            </a:r>
+            <a:r>
+              <a:rPr lang="en-US" sz="2200" b="1" dirty="0">
+                <a:latin typeface="Calibri" panose="020F0502020204030204" pitchFamily="34" charset="0"/>
+                <a:cs typeface="Calibri" panose="020F0502020204030204" pitchFamily="34" charset="0"/>
+              </a:rPr>
+              <a:t>2) Portable - Stolen laptop from employee containing patient medical information, birthdate, etc</a:t>
+            </a:r>
+            <a:r>
+              <a:rPr lang="en-US" sz="2200" dirty="0">
+                <a:latin typeface="Calibri" panose="020F0502020204030204" pitchFamily="34" charset="0"/>
+                <a:cs typeface="Calibri" panose="020F0502020204030204" pitchFamily="34" charset="0"/>
+              </a:rPr>
+              <a:t>.</a:t>
+            </a:r>
+          </a:p>
+          <a:p>
+            <a:pPr marL="109728" indent="0">
+              <a:buNone/>
+            </a:pPr>
+            <a:r>
+              <a:rPr lang="en-US" sz="2200" dirty="0">
+                <a:latin typeface="Calibri" panose="020F0502020204030204" pitchFamily="34" charset="0"/>
+                <a:cs typeface="Calibri" panose="020F0502020204030204" pitchFamily="34" charset="0"/>
+              </a:rPr>
+              <a:t>     u'0.036*"patient" + 0.032*"social" + 0.026*"contain" + 0.025*"employe" + 0.024*"date" + 0.023*"laptop" + 0.023*"stolen"</a:t>
+            </a:r>
+          </a:p>
+          <a:p>
+            <a:pPr marL="109728" indent="0">
+              <a:buNone/>
+            </a:pPr>
+            <a:r>
+              <a:rPr lang="en-US" sz="2200" b="1" dirty="0">
+                <a:latin typeface="Calibri" panose="020F0502020204030204" pitchFamily="34" charset="0"/>
+                <a:cs typeface="Calibri" panose="020F0502020204030204" pitchFamily="34" charset="0"/>
+              </a:rPr>
+              <a:t>- 3) Unknown  - Companies, employee or employer updating state data and notifying million. Could be a disclosure. </a:t>
+            </a:r>
+          </a:p>
+          <a:p>
+            <a:pPr marL="109728" indent="0">
+              <a:buNone/>
+            </a:pPr>
+            <a:r>
+              <a:rPr lang="en-US" sz="2200" dirty="0">
+                <a:latin typeface="Calibri" panose="020F0502020204030204" pitchFamily="34" charset="0"/>
+                <a:cs typeface="Calibri" panose="020F0502020204030204" pitchFamily="34" charset="0"/>
+              </a:rPr>
+              <a:t>     u'0.034*"data" + 0.032*"compani" + 0.021*"employe" + 0.021*"updat" + 0.017*"state" </a:t>
+            </a:r>
+          </a:p>
+          <a:p>
+            <a:pPr marL="109728" indent="0">
+              <a:buNone/>
+            </a:pPr>
+            <a:r>
+              <a:rPr lang="en-US" sz="2200" dirty="0">
+                <a:latin typeface="Calibri" panose="020F0502020204030204" pitchFamily="34" charset="0"/>
+                <a:cs typeface="Calibri" panose="020F0502020204030204" pitchFamily="34" charset="0"/>
+              </a:rPr>
+              <a:t>- </a:t>
+            </a:r>
+            <a:r>
+              <a:rPr lang="en-US" sz="2200" b="1" dirty="0">
+                <a:latin typeface="Calibri" panose="020F0502020204030204" pitchFamily="34" charset="0"/>
+                <a:cs typeface="Calibri" panose="020F0502020204030204" pitchFamily="34" charset="0"/>
+              </a:rPr>
+              <a:t>4) Stationary - Health report on laptop and desktop, associated with government</a:t>
+            </a:r>
+          </a:p>
+          <a:p>
+            <a:pPr marL="109728" indent="0">
+              <a:buNone/>
+            </a:pPr>
+            <a:r>
+              <a:rPr lang="en-US" sz="2200" dirty="0">
+                <a:latin typeface="Calibri" panose="020F0502020204030204" pitchFamily="34" charset="0"/>
+                <a:cs typeface="Calibri" panose="020F0502020204030204" pitchFamily="34" charset="0"/>
+              </a:rPr>
+              <a:t>     u'0.078*"health" + 0.073*"report" + 0.072*"servic" + 0.067*"human" + 0.041*"electron" + 0.035*"laptop"</a:t>
+            </a:r>
+          </a:p>
+          <a:p>
+            <a:pPr marL="109728" indent="0">
+              <a:buNone/>
+            </a:pPr>
+            <a:r>
+              <a:rPr lang="en-US" sz="2200" dirty="0">
+                <a:latin typeface="Calibri" panose="020F0502020204030204" pitchFamily="34" charset="0"/>
+                <a:cs typeface="Calibri" panose="020F0502020204030204" pitchFamily="34" charset="0"/>
+              </a:rPr>
+              <a:t>- </a:t>
+            </a:r>
+            <a:r>
+              <a:rPr lang="en-US" sz="2200" b="1" dirty="0">
+                <a:latin typeface="Calibri" panose="020F0502020204030204" pitchFamily="34" charset="0"/>
+                <a:cs typeface="Calibri" panose="020F0502020204030204" pitchFamily="34" charset="0"/>
+              </a:rPr>
+              <a:t>5) Disclosure - Email sent to wrong people</a:t>
+            </a:r>
+          </a:p>
+          <a:p>
+            <a:pPr marL="109728" indent="0">
+              <a:buNone/>
+            </a:pPr>
+            <a:r>
+              <a:rPr lang="en-US" sz="2200" dirty="0">
+                <a:latin typeface="Calibri" panose="020F0502020204030204" pitchFamily="34" charset="0"/>
+                <a:cs typeface="Calibri" panose="020F0502020204030204" pitchFamily="34" charset="0"/>
+              </a:rPr>
+              <a:t>     u'0.042*"mail" + 0.035*"sent" + 0.025*"email" + 0.023*"employe" + 0.021*"address" </a:t>
+            </a:r>
+          </a:p>
+          <a:p>
+            <a:pPr marL="109728" indent="0">
+              <a:buNone/>
+            </a:pPr>
+            <a:r>
+              <a:rPr lang="en-US" sz="2200" dirty="0">
+                <a:latin typeface="Calibri" panose="020F0502020204030204" pitchFamily="34" charset="0"/>
+                <a:cs typeface="Calibri" panose="020F0502020204030204" pitchFamily="34" charset="0"/>
+              </a:rPr>
+              <a:t>- </a:t>
+            </a:r>
+            <a:r>
+              <a:rPr lang="en-US" sz="2200" b="1" dirty="0">
+                <a:latin typeface="Calibri" panose="020F0502020204030204" pitchFamily="34" charset="0"/>
+                <a:cs typeface="Calibri" panose="020F0502020204030204" pitchFamily="34" charset="0"/>
+              </a:rPr>
+              <a:t>6) Credit Card - Credit card information through payment systems</a:t>
+            </a:r>
+          </a:p>
+          <a:p>
+            <a:pPr marL="109728" indent="0">
+              <a:buNone/>
+            </a:pPr>
+            <a:r>
+              <a:rPr lang="en-US" sz="2200" dirty="0">
+                <a:latin typeface="Calibri" panose="020F0502020204030204" pitchFamily="34" charset="0"/>
+                <a:cs typeface="Calibri" panose="020F0502020204030204" pitchFamily="34" charset="0"/>
+              </a:rPr>
+              <a:t>     u'0.087*"card" + 0.058*"credit" + 0.052*"custom" + 0.022*"payment" + 0.017*"system" + 0.013*"may" + 0.012*"debit" + 0.011*"bank" + 0.011*"store"</a:t>
+            </a:r>
+          </a:p>
+          <a:p>
+            <a:pPr marL="109728" indent="0">
+              <a:buNone/>
+            </a:pPr>
+            <a:r>
+              <a:rPr lang="en-US" sz="2200" b="1" dirty="0">
+                <a:latin typeface="Calibri" panose="020F0502020204030204" pitchFamily="34" charset="0"/>
+                <a:cs typeface="Calibri" panose="020F0502020204030204" pitchFamily="34" charset="0"/>
+              </a:rPr>
+              <a:t>- 7) Insider - </a:t>
+            </a:r>
+            <a:r>
+              <a:rPr lang="en-US" sz="2200" b="1" dirty="0" smtClean="0">
+                <a:latin typeface="Calibri" panose="020F0502020204030204" pitchFamily="34" charset="0"/>
+                <a:cs typeface="Calibri" panose="020F0502020204030204" pitchFamily="34" charset="0"/>
+              </a:rPr>
+              <a:t>Associate/Individual </a:t>
+            </a:r>
+            <a:r>
+              <a:rPr lang="en-US" sz="2200" b="1" dirty="0">
+                <a:latin typeface="Calibri" panose="020F0502020204030204" pitchFamily="34" charset="0"/>
+                <a:cs typeface="Calibri" panose="020F0502020204030204" pitchFamily="34" charset="0"/>
+              </a:rPr>
+              <a:t>provided protected health information</a:t>
+            </a:r>
+          </a:p>
+          <a:p>
+            <a:pPr marL="109728" indent="0">
+              <a:buNone/>
+            </a:pPr>
+            <a:r>
+              <a:rPr lang="en-US" sz="2200" dirty="0">
+                <a:latin typeface="Calibri" panose="020F0502020204030204" pitchFamily="34" charset="0"/>
+                <a:cs typeface="Calibri" panose="020F0502020204030204" pitchFamily="34" charset="0"/>
+              </a:rPr>
+              <a:t>     u'0.030*"individu" + 0.022*"health" + 0.021*"ocr" + 0.020*"associ" + 0.020*"provid" + 0.019*"phi" + 0.019*"protect"</a:t>
+            </a:r>
+          </a:p>
+          <a:p>
+            <a:pPr marL="109728" indent="0">
+              <a:buNone/>
+            </a:pPr>
+            <a:r>
+              <a:rPr lang="en-US" sz="2200" b="1" dirty="0">
+                <a:latin typeface="Calibri" panose="020F0502020204030204" pitchFamily="34" charset="0"/>
+                <a:cs typeface="Calibri" panose="020F0502020204030204" pitchFamily="34" charset="0"/>
+              </a:rPr>
+              <a:t>- 8) Hacking - Unauthorized access to email account</a:t>
+            </a:r>
+          </a:p>
+          <a:p>
+            <a:pPr marL="109728" indent="0">
+              <a:buNone/>
+            </a:pPr>
+            <a:r>
+              <a:rPr lang="en-US" sz="2200" dirty="0">
+                <a:latin typeface="Calibri" panose="020F0502020204030204" pitchFamily="34" charset="0"/>
+                <a:cs typeface="Calibri" panose="020F0502020204030204" pitchFamily="34" charset="0"/>
+              </a:rPr>
+              <a:t>     u'0.029*"access" + 0.023*"account" + 0.022*"address" + 0.022*"email" + 0.018*"may" + 0.015*"includ" + 0.015*"investig"</a:t>
+            </a:r>
+          </a:p>
+          <a:p>
+            <a:pPr marL="109728" indent="0">
+              <a:buNone/>
+            </a:pPr>
+            <a:r>
+              <a:rPr lang="en-US" sz="2200" b="1" dirty="0">
+                <a:latin typeface="Calibri" panose="020F0502020204030204" pitchFamily="34" charset="0"/>
+                <a:cs typeface="Calibri" panose="020F0502020204030204" pitchFamily="34" charset="0"/>
+              </a:rPr>
+              <a:t>- 9) Insider - breach using university computer hard drive by former university student through social media </a:t>
+            </a:r>
+          </a:p>
+          <a:p>
+            <a:pPr marL="109728" indent="0">
+              <a:buNone/>
+            </a:pPr>
+            <a:r>
+              <a:rPr lang="en-US" sz="2200" dirty="0">
+                <a:latin typeface="Calibri" panose="020F0502020204030204" pitchFamily="34" charset="0"/>
+                <a:cs typeface="Calibri" panose="020F0502020204030204" pitchFamily="34" charset="0"/>
+              </a:rPr>
+              <a:t>     u'0.055*"student" + 0.038*"social" + 0.036*"univers" + 0.033*"drive" + 0.029*"comput" + 0.022*"person + 0.018*"former" </a:t>
+            </a:r>
+          </a:p>
+          <a:p>
+            <a:pPr marL="109728" indent="0">
+              <a:buNone/>
+            </a:pPr>
+            <a:r>
+              <a:rPr lang="en-US" sz="2200" b="1" dirty="0">
+                <a:latin typeface="Calibri" panose="020F0502020204030204" pitchFamily="34" charset="0"/>
+                <a:cs typeface="Calibri" panose="020F0502020204030204" pitchFamily="34" charset="0"/>
+              </a:rPr>
+              <a:t>- 10) Physical - breach relating to film or paper located by associate </a:t>
+            </a:r>
+          </a:p>
+          <a:p>
+            <a:pPr marL="109728" indent="0">
+              <a:buNone/>
+            </a:pPr>
+            <a:r>
+              <a:rPr lang="en-US" sz="2200" dirty="0">
+                <a:latin typeface="Calibri" panose="020F0502020204030204" pitchFamily="34" charset="0"/>
+                <a:cs typeface="Calibri" panose="020F0502020204030204" pitchFamily="34" charset="0"/>
+              </a:rPr>
+              <a:t>      u'0.173*"associ" + 0.150*"present" + 0.148*"nbusi" + 0.104*"locat" + 0.065*"nlocat" + 0.038*"paper" + 0.035*"server" + 0.033*"film" </a:t>
+            </a:r>
+          </a:p>
+          <a:p>
+            <a:pPr marL="109728" indent="0">
+              <a:buNone/>
+            </a:pPr>
+            <a:endParaRPr lang="en-US" sz="2400" dirty="0" smtClean="0">
+              <a:latin typeface="Calibri" panose="020F0502020204030204" pitchFamily="34" charset="0"/>
+              <a:cs typeface="Calibri" panose="020F0502020204030204" pitchFamily="34" charset="0"/>
+            </a:endParaRPr>
+          </a:p>
+        </p:txBody>
+      </p:sp>
+      <p:sp>
+        <p:nvSpPr>
+          <p:cNvPr id="5" name="Content Placeholder 1"/>
+          <p:cNvSpPr txBox="1">
+            <a:spLocks/>
+          </p:cNvSpPr>
+          <p:nvPr/>
+        </p:nvSpPr>
+        <p:spPr>
+          <a:xfrm>
+            <a:off x="457200" y="0"/>
+            <a:ext cx="8229600" cy="6007291"/>
+          </a:xfrm>
+          <a:prstGeom prst="rect">
+            <a:avLst/>
+          </a:prstGeom>
+        </p:spPr>
+        <p:txBody>
+          <a:bodyPr vert="horz">
+            <a:normAutofit/>
+          </a:bodyPr>
+          <a:lstStyle>
+            <a:lvl1pPr marL="365760" indent="-256032" algn="l" rtl="0" eaLnBrk="1" latinLnBrk="0" hangingPunct="1">
+              <a:spcBef>
+                <a:spcPts val="400"/>
+              </a:spcBef>
+              <a:spcAft>
+                <a:spcPts val="0"/>
+              </a:spcAft>
+              <a:buClr>
+                <a:schemeClr val="accent1"/>
+              </a:buClr>
+              <a:buSzPct val="68000"/>
+              <a:buFont typeface="Wingdings 3"/>
+              <a:buChar char=""/>
+              <a:defRPr kumimoji="0" sz="2700" kern="1200">
+                <a:solidFill>
+                  <a:schemeClr val="tx1"/>
+                </a:solidFill>
+                <a:latin typeface="+mn-lt"/>
+                <a:ea typeface="+mn-ea"/>
+                <a:cs typeface="+mn-cs"/>
+              </a:defRPr>
+            </a:lvl1pPr>
+            <a:lvl2pPr marL="621792" indent="-228600" algn="l" rtl="0" eaLnBrk="1" latinLnBrk="0" hangingPunct="1">
+              <a:spcBef>
+                <a:spcPts val="324"/>
+              </a:spcBef>
+              <a:buClr>
+                <a:schemeClr val="accent1"/>
+              </a:buClr>
+              <a:buFont typeface="Verdana"/>
+              <a:buChar char="◦"/>
+              <a:defRPr kumimoji="0" sz="2300" kern="1200">
+                <a:solidFill>
+                  <a:schemeClr val="tx1"/>
+                </a:solidFill>
+                <a:latin typeface="+mn-lt"/>
+                <a:ea typeface="+mn-ea"/>
+                <a:cs typeface="+mn-cs"/>
+              </a:defRPr>
+            </a:lvl2pPr>
+            <a:lvl3pPr marL="859536" indent="-228600" algn="l" rtl="0" eaLnBrk="1" latinLnBrk="0" hangingPunct="1">
+              <a:spcBef>
+                <a:spcPts val="350"/>
+              </a:spcBef>
+              <a:buClr>
+                <a:schemeClr val="accent2"/>
+              </a:buClr>
+              <a:buSzPct val="100000"/>
+              <a:buFont typeface="Wingdings 2"/>
+              <a:buChar char=""/>
+              <a:defRPr kumimoji="0" sz="2100" kern="1200">
+                <a:solidFill>
+                  <a:schemeClr val="tx1"/>
+                </a:solidFill>
+                <a:latin typeface="+mn-lt"/>
+                <a:ea typeface="+mn-ea"/>
+                <a:cs typeface="+mn-cs"/>
+              </a:defRPr>
+            </a:lvl3pPr>
+            <a:lvl4pPr marL="1143000" indent="-228600" algn="l" rtl="0" eaLnBrk="1" latinLnBrk="0" hangingPunct="1">
+              <a:spcBef>
+                <a:spcPts val="350"/>
+              </a:spcBef>
+              <a:buClr>
+                <a:schemeClr val="accent2"/>
+              </a:buClr>
+              <a:buFont typeface="Wingdings 2"/>
+              <a:buChar char=""/>
+              <a:defRPr kumimoji="0" sz="1900" kern="1200">
+                <a:solidFill>
+                  <a:schemeClr val="tx1"/>
+                </a:solidFill>
+                <a:latin typeface="+mn-lt"/>
+                <a:ea typeface="+mn-ea"/>
+                <a:cs typeface="+mn-cs"/>
+              </a:defRPr>
+            </a:lvl4pPr>
+            <a:lvl5pPr marL="1371600" indent="-228600" algn="l" rtl="0" eaLnBrk="1" latinLnBrk="0" hangingPunct="1">
+              <a:spcBef>
+                <a:spcPts val="350"/>
+              </a:spcBef>
+              <a:buClr>
+                <a:schemeClr val="accent2"/>
+              </a:buClr>
+              <a:buFont typeface="Wingdings 2"/>
+              <a:buChar char=""/>
+              <a:defRPr kumimoji="0" sz="1800" kern="1200">
+                <a:solidFill>
+                  <a:schemeClr val="tx1"/>
+                </a:solidFill>
+                <a:latin typeface="+mn-lt"/>
+                <a:ea typeface="+mn-ea"/>
+                <a:cs typeface="+mn-cs"/>
+              </a:defRPr>
+            </a:lvl5pPr>
+            <a:lvl6pPr marL="1600200" indent="-228600" algn="l" rtl="0" eaLnBrk="1" latinLnBrk="0" hangingPunct="1">
+              <a:spcBef>
+                <a:spcPts val="350"/>
+              </a:spcBef>
+              <a:buClr>
+                <a:schemeClr val="accent3"/>
+              </a:buClr>
+              <a:buFont typeface="Wingdings 2"/>
+              <a:buChar char=""/>
+              <a:defRPr kumimoji="0" sz="1800" kern="1200">
+                <a:solidFill>
+                  <a:schemeClr val="tx1"/>
+                </a:solidFill>
+                <a:latin typeface="+mn-lt"/>
+                <a:ea typeface="+mn-ea"/>
+                <a:cs typeface="+mn-cs"/>
+              </a:defRPr>
+            </a:lvl6pPr>
+            <a:lvl7pPr marL="1828800" indent="-228600" algn="l" rtl="0" eaLnBrk="1" latinLnBrk="0" hangingPunct="1">
+              <a:spcBef>
+                <a:spcPts val="350"/>
+              </a:spcBef>
+              <a:buClr>
+                <a:schemeClr val="accent3"/>
+              </a:buClr>
+              <a:buFont typeface="Wingdings 2"/>
+              <a:buChar char=""/>
+              <a:defRPr kumimoji="0" sz="1600" kern="1200">
+                <a:solidFill>
+                  <a:schemeClr val="tx1"/>
+                </a:solidFill>
+                <a:latin typeface="+mn-lt"/>
+                <a:ea typeface="+mn-ea"/>
+                <a:cs typeface="+mn-cs"/>
+              </a:defRPr>
+            </a:lvl7pPr>
+            <a:lvl8pPr marL="2057400" indent="-228600" algn="l" rtl="0" eaLnBrk="1" latinLnBrk="0" hangingPunct="1">
+              <a:spcBef>
+                <a:spcPts val="350"/>
+              </a:spcBef>
+              <a:buClr>
+                <a:schemeClr val="accent3"/>
+              </a:buClr>
+              <a:buFont typeface="Wingdings 2"/>
+              <a:buChar char=""/>
+              <a:defRPr kumimoji="0" sz="1600" kern="1200">
+                <a:solidFill>
+                  <a:schemeClr val="tx1"/>
+                </a:solidFill>
+                <a:latin typeface="+mn-lt"/>
+                <a:ea typeface="+mn-ea"/>
+                <a:cs typeface="+mn-cs"/>
+              </a:defRPr>
+            </a:lvl8pPr>
+            <a:lvl9pPr marL="2286000" indent="-228600" algn="l" rtl="0" eaLnBrk="1" latinLnBrk="0" hangingPunct="1">
+              <a:spcBef>
+                <a:spcPts val="350"/>
+              </a:spcBef>
+              <a:buClr>
+                <a:schemeClr val="accent3"/>
+              </a:buClr>
+              <a:buFont typeface="Wingdings 2"/>
+              <a:buChar char=""/>
+              <a:defRPr kumimoji="0" sz="1600" kern="1200" baseline="0">
+                <a:solidFill>
+                  <a:schemeClr val="tx1"/>
+                </a:solidFill>
+                <a:latin typeface="+mn-lt"/>
+                <a:ea typeface="+mn-ea"/>
+                <a:cs typeface="+mn-cs"/>
+              </a:defRPr>
+            </a:lvl9pPr>
+            <a:extLst/>
+          </a:lstStyle>
+          <a:p>
+            <a:pPr marL="109728" indent="0">
+              <a:buNone/>
+            </a:pPr>
+            <a:endParaRPr lang="en-US" sz="2000" dirty="0" smtClean="0">
+              <a:latin typeface="Calibri" panose="020F0502020204030204" pitchFamily="34" charset="0"/>
+              <a:cs typeface="Calibri" panose="020F0502020204030204" pitchFamily="34" charset="0"/>
+            </a:endParaRPr>
+          </a:p>
+        </p:txBody>
+      </p:sp>
+    </p:spTree>
+    <p:extLst>
+      <p:ext uri="{BB962C8B-B14F-4D97-AF65-F5344CB8AC3E}">
+        <p14:creationId xmlns:p14="http://schemas.microsoft.com/office/powerpoint/2010/main" val="581294224"/>
+      </p:ext>
+    </p:extLst>
+  </p:cSld>
+  <p:clrMapOvr>
+    <a:masterClrMapping/>
+  </p:clrMapOvr>
+</p:sld>
+</file>
+
+<file path=ppt/slides/slide45.xml><?xml version="1.0" encoding="utf-8"?>
+<p:sld xmlns:a="http://schemas.openxmlformats.org/drawingml/2006/main" xmlns:r="http://schemas.openxmlformats.org/officeDocument/2006/relationships" xmlns:p="http://schemas.openxmlformats.org/presentationml/2006/main">
+  <p:cSld>
+    <p:spTree>
+      <p:nvGrpSpPr>
+        <p:cNvPr id="1" name=""/>
+        <p:cNvGrpSpPr/>
+        <p:nvPr/>
+      </p:nvGrpSpPr>
+      <p:grpSpPr>
+        <a:xfrm>
+          <a:off x="0" y="0"/>
+          <a:ext cx="0" cy="0"/>
+          <a:chOff x="0" y="0"/>
+          <a:chExt cx="0" cy="0"/>
+        </a:xfrm>
+      </p:grpSpPr>
+      <p:sp>
+        <p:nvSpPr>
+          <p:cNvPr id="2" name="Content Placeholder 1"/>
+          <p:cNvSpPr>
+            <a:spLocks noGrp="1"/>
+          </p:cNvSpPr>
+          <p:nvPr>
+            <p:ph idx="1"/>
+          </p:nvPr>
+        </p:nvSpPr>
+        <p:spPr>
+          <a:xfrm>
+            <a:off x="457200" y="152400"/>
+            <a:ext cx="8458200" cy="6400800"/>
+          </a:xfrm>
+        </p:spPr>
+        <p:txBody>
+          <a:bodyPr>
             <a:normAutofit/>
           </a:bodyPr>
           <a:lstStyle/>
@@ -19656,7 +20238,35 @@
                 <a:latin typeface="Calibri" panose="020F0502020204030204" pitchFamily="34" charset="0"/>
                 <a:cs typeface="Calibri" panose="020F0502020204030204" pitchFamily="34" charset="0"/>
               </a:rPr>
-              <a:t>Conclusion</a:t>
+              <a:t>Top </a:t>
+            </a:r>
+            <a:r>
+              <a:rPr lang="en-US" sz="2400" dirty="0">
+                <a:latin typeface="Calibri" panose="020F0502020204030204" pitchFamily="34" charset="0"/>
+                <a:cs typeface="Calibri" panose="020F0502020204030204" pitchFamily="34" charset="0"/>
+              </a:rPr>
+              <a:t>Topics from LSI Model </a:t>
+            </a:r>
+            <a:r>
+              <a:rPr lang="en-US" sz="2400" dirty="0" smtClean="0">
+                <a:latin typeface="Calibri" panose="020F0502020204030204" pitchFamily="34" charset="0"/>
+                <a:cs typeface="Calibri" panose="020F0502020204030204" pitchFamily="34" charset="0"/>
+              </a:rPr>
+              <a:t>“</a:t>
+            </a:r>
+            <a:r>
+              <a:rPr lang="en-US" sz="2400" dirty="0">
+                <a:latin typeface="Calibri" panose="020F0502020204030204" pitchFamily="34" charset="0"/>
+                <a:cs typeface="Calibri" panose="020F0502020204030204" pitchFamily="34" charset="0"/>
+              </a:rPr>
+              <a:t>Latent Semantic </a:t>
+            </a:r>
+            <a:r>
+              <a:rPr lang="en-US" sz="2400" dirty="0" smtClean="0">
+                <a:latin typeface="Calibri" panose="020F0502020204030204" pitchFamily="34" charset="0"/>
+                <a:cs typeface="Calibri" panose="020F0502020204030204" pitchFamily="34" charset="0"/>
+              </a:rPr>
+              <a:t>Indexing”</a:t>
             </a:r>
             <a:endParaRPr lang="en-US" sz="2200" dirty="0">
               <a:latin typeface="Calibri" panose="020F0502020204030204" pitchFamily="34" charset="0"/>
@@ -19664,6 +20274,371 @@
             </a:endParaRPr>
           </a:p>
           <a:p>
+            <a:pPr marL="109728" indent="0">
+              <a:buNone/>
+            </a:pPr>
+            <a:endParaRPr lang="en-US" sz="2400" dirty="0" smtClean="0"/>
+          </a:p>
+          <a:p>
+            <a:pPr marL="109728" indent="0">
+              <a:buNone/>
+            </a:pPr>
+            <a:r>
+              <a:rPr lang="en-US" sz="2000" dirty="0" smtClean="0"/>
+              <a:t>Similar </a:t>
+            </a:r>
+            <a:r>
+              <a:rPr lang="en-US" sz="2000" dirty="0"/>
+              <a:t>to LDA only in different order and less clear</a:t>
+            </a:r>
+          </a:p>
+          <a:p>
+            <a:r>
+              <a:rPr lang="en-US" sz="2000" dirty="0"/>
+              <a:t>1) Breaches relating to business and servers. </a:t>
+            </a:r>
+          </a:p>
+          <a:p>
+            <a:r>
+              <a:rPr lang="en-US" sz="2000" dirty="0"/>
+              <a:t>2) Stolen laptop from employee containing patient medical information.</a:t>
+            </a:r>
+          </a:p>
+          <a:p>
+            <a:r>
+              <a:rPr lang="en-US" sz="2000" dirty="0"/>
+              <a:t>3) Breaches related to email</a:t>
+            </a:r>
+          </a:p>
+          <a:p>
+            <a:pPr marL="109728" indent="0">
+              <a:buNone/>
+            </a:pPr>
+            <a:endParaRPr lang="en-US" sz="2000" dirty="0" smtClean="0"/>
+          </a:p>
+          <a:p>
+            <a:pPr marL="109728" indent="0">
+              <a:buNone/>
+            </a:pPr>
+            <a:r>
+              <a:rPr lang="en-US" sz="2000" dirty="0" smtClean="0"/>
+              <a:t>LSI </a:t>
+            </a:r>
+            <a:r>
+              <a:rPr lang="en-US" sz="2000" dirty="0"/>
+              <a:t>shows topics that appear similar, but harder to differentiate topics in this case. </a:t>
+            </a:r>
+          </a:p>
+          <a:p>
+            <a:pPr marL="109728" indent="0">
+              <a:buNone/>
+            </a:pPr>
+            <a:endParaRPr lang="en-US" sz="2000" dirty="0"/>
+          </a:p>
+          <a:p>
+            <a:pPr marL="109728" indent="0">
+              <a:buNone/>
+            </a:pPr>
+            <a:r>
+              <a:rPr lang="en-US" sz="2000" dirty="0"/>
+              <a:t>Prefer LDA topic model.</a:t>
+            </a:r>
+            <a:endParaRPr lang="en-US" sz="2000" dirty="0" smtClean="0">
+              <a:latin typeface="Calibri" panose="020F0502020204030204" pitchFamily="34" charset="0"/>
+              <a:cs typeface="Calibri" panose="020F0502020204030204" pitchFamily="34" charset="0"/>
+            </a:endParaRPr>
+          </a:p>
+        </p:txBody>
+      </p:sp>
+      <p:sp>
+        <p:nvSpPr>
+          <p:cNvPr id="5" name="Content Placeholder 1"/>
+          <p:cNvSpPr txBox="1">
+            <a:spLocks/>
+          </p:cNvSpPr>
+          <p:nvPr/>
+        </p:nvSpPr>
+        <p:spPr>
+          <a:xfrm>
+            <a:off x="457200" y="1466365"/>
+            <a:ext cx="8229600" cy="4525963"/>
+          </a:xfrm>
+          <a:prstGeom prst="rect">
+            <a:avLst/>
+          </a:prstGeom>
+        </p:spPr>
+        <p:txBody>
+          <a:bodyPr vert="horz">
+            <a:normAutofit/>
+          </a:bodyPr>
+          <a:lstStyle>
+            <a:lvl1pPr marL="365760" indent="-256032" algn="l" rtl="0" eaLnBrk="1" latinLnBrk="0" hangingPunct="1">
+              <a:spcBef>
+                <a:spcPts val="400"/>
+              </a:spcBef>
+              <a:spcAft>
+                <a:spcPts val="0"/>
+              </a:spcAft>
+              <a:buClr>
+                <a:schemeClr val="accent1"/>
+              </a:buClr>
+              <a:buSzPct val="68000"/>
+              <a:buFont typeface="Wingdings 3"/>
+              <a:buChar char=""/>
+              <a:defRPr kumimoji="0" sz="2700" kern="1200">
+                <a:solidFill>
+                  <a:schemeClr val="tx1"/>
+                </a:solidFill>
+                <a:latin typeface="+mn-lt"/>
+                <a:ea typeface="+mn-ea"/>
+                <a:cs typeface="+mn-cs"/>
+              </a:defRPr>
+            </a:lvl1pPr>
+            <a:lvl2pPr marL="621792" indent="-228600" algn="l" rtl="0" eaLnBrk="1" latinLnBrk="0" hangingPunct="1">
+              <a:spcBef>
+                <a:spcPts val="324"/>
+              </a:spcBef>
+              <a:buClr>
+                <a:schemeClr val="accent1"/>
+              </a:buClr>
+              <a:buFont typeface="Verdana"/>
+              <a:buChar char="◦"/>
+              <a:defRPr kumimoji="0" sz="2300" kern="1200">
+                <a:solidFill>
+                  <a:schemeClr val="tx1"/>
+                </a:solidFill>
+                <a:latin typeface="+mn-lt"/>
+                <a:ea typeface="+mn-ea"/>
+                <a:cs typeface="+mn-cs"/>
+              </a:defRPr>
+            </a:lvl2pPr>
+            <a:lvl3pPr marL="859536" indent="-228600" algn="l" rtl="0" eaLnBrk="1" latinLnBrk="0" hangingPunct="1">
+              <a:spcBef>
+                <a:spcPts val="350"/>
+              </a:spcBef>
+              <a:buClr>
+                <a:schemeClr val="accent2"/>
+              </a:buClr>
+              <a:buSzPct val="100000"/>
+              <a:buFont typeface="Wingdings 2"/>
+              <a:buChar char=""/>
+              <a:defRPr kumimoji="0" sz="2100" kern="1200">
+                <a:solidFill>
+                  <a:schemeClr val="tx1"/>
+                </a:solidFill>
+                <a:latin typeface="+mn-lt"/>
+                <a:ea typeface="+mn-ea"/>
+                <a:cs typeface="+mn-cs"/>
+              </a:defRPr>
+            </a:lvl3pPr>
+            <a:lvl4pPr marL="1143000" indent="-228600" algn="l" rtl="0" eaLnBrk="1" latinLnBrk="0" hangingPunct="1">
+              <a:spcBef>
+                <a:spcPts val="350"/>
+              </a:spcBef>
+              <a:buClr>
+                <a:schemeClr val="accent2"/>
+              </a:buClr>
+              <a:buFont typeface="Wingdings 2"/>
+              <a:buChar char=""/>
+              <a:defRPr kumimoji="0" sz="1900" kern="1200">
+                <a:solidFill>
+                  <a:schemeClr val="tx1"/>
+                </a:solidFill>
+                <a:latin typeface="+mn-lt"/>
+                <a:ea typeface="+mn-ea"/>
+                <a:cs typeface="+mn-cs"/>
+              </a:defRPr>
+            </a:lvl4pPr>
+            <a:lvl5pPr marL="1371600" indent="-228600" algn="l" rtl="0" eaLnBrk="1" latinLnBrk="0" hangingPunct="1">
+              <a:spcBef>
+                <a:spcPts val="350"/>
+              </a:spcBef>
+              <a:buClr>
+                <a:schemeClr val="accent2"/>
+              </a:buClr>
+              <a:buFont typeface="Wingdings 2"/>
+              <a:buChar char=""/>
+              <a:defRPr kumimoji="0" sz="1800" kern="1200">
+                <a:solidFill>
+                  <a:schemeClr val="tx1"/>
+                </a:solidFill>
+                <a:latin typeface="+mn-lt"/>
+                <a:ea typeface="+mn-ea"/>
+                <a:cs typeface="+mn-cs"/>
+              </a:defRPr>
+            </a:lvl5pPr>
+            <a:lvl6pPr marL="1600200" indent="-228600" algn="l" rtl="0" eaLnBrk="1" latinLnBrk="0" hangingPunct="1">
+              <a:spcBef>
+                <a:spcPts val="350"/>
+              </a:spcBef>
+              <a:buClr>
+                <a:schemeClr val="accent3"/>
+              </a:buClr>
+              <a:buFont typeface="Wingdings 2"/>
+              <a:buChar char=""/>
+              <a:defRPr kumimoji="0" sz="1800" kern="1200">
+                <a:solidFill>
+                  <a:schemeClr val="tx1"/>
+                </a:solidFill>
+                <a:latin typeface="+mn-lt"/>
+                <a:ea typeface="+mn-ea"/>
+                <a:cs typeface="+mn-cs"/>
+              </a:defRPr>
+            </a:lvl6pPr>
+            <a:lvl7pPr marL="1828800" indent="-228600" algn="l" rtl="0" eaLnBrk="1" latinLnBrk="0" hangingPunct="1">
+              <a:spcBef>
+                <a:spcPts val="350"/>
+              </a:spcBef>
+              <a:buClr>
+                <a:schemeClr val="accent3"/>
+              </a:buClr>
+              <a:buFont typeface="Wingdings 2"/>
+              <a:buChar char=""/>
+              <a:defRPr kumimoji="0" sz="1600" kern="1200">
+                <a:solidFill>
+                  <a:schemeClr val="tx1"/>
+                </a:solidFill>
+                <a:latin typeface="+mn-lt"/>
+                <a:ea typeface="+mn-ea"/>
+                <a:cs typeface="+mn-cs"/>
+              </a:defRPr>
+            </a:lvl7pPr>
+            <a:lvl8pPr marL="2057400" indent="-228600" algn="l" rtl="0" eaLnBrk="1" latinLnBrk="0" hangingPunct="1">
+              <a:spcBef>
+                <a:spcPts val="350"/>
+              </a:spcBef>
+              <a:buClr>
+                <a:schemeClr val="accent3"/>
+              </a:buClr>
+              <a:buFont typeface="Wingdings 2"/>
+              <a:buChar char=""/>
+              <a:defRPr kumimoji="0" sz="1600" kern="1200">
+                <a:solidFill>
+                  <a:schemeClr val="tx1"/>
+                </a:solidFill>
+                <a:latin typeface="+mn-lt"/>
+                <a:ea typeface="+mn-ea"/>
+                <a:cs typeface="+mn-cs"/>
+              </a:defRPr>
+            </a:lvl8pPr>
+            <a:lvl9pPr marL="2286000" indent="-228600" algn="l" rtl="0" eaLnBrk="1" latinLnBrk="0" hangingPunct="1">
+              <a:spcBef>
+                <a:spcPts val="350"/>
+              </a:spcBef>
+              <a:buClr>
+                <a:schemeClr val="accent3"/>
+              </a:buClr>
+              <a:buFont typeface="Wingdings 2"/>
+              <a:buChar char=""/>
+              <a:defRPr kumimoji="0" sz="1600" kern="1200" baseline="0">
+                <a:solidFill>
+                  <a:schemeClr val="tx1"/>
+                </a:solidFill>
+                <a:latin typeface="+mn-lt"/>
+                <a:ea typeface="+mn-ea"/>
+                <a:cs typeface="+mn-cs"/>
+              </a:defRPr>
+            </a:lvl9pPr>
+            <a:extLst/>
+          </a:lstStyle>
+          <a:p>
+            <a:pPr marL="109728" indent="0">
+              <a:buNone/>
+            </a:pPr>
+            <a:endParaRPr lang="en-US" sz="2000" dirty="0" smtClean="0">
+              <a:latin typeface="Calibri" panose="020F0502020204030204" pitchFamily="34" charset="0"/>
+              <a:cs typeface="Calibri" panose="020F0502020204030204" pitchFamily="34" charset="0"/>
+            </a:endParaRPr>
+          </a:p>
+        </p:txBody>
+      </p:sp>
+    </p:spTree>
+    <p:extLst>
+      <p:ext uri="{BB962C8B-B14F-4D97-AF65-F5344CB8AC3E}">
+        <p14:creationId xmlns:p14="http://schemas.microsoft.com/office/powerpoint/2010/main" val="1666915710"/>
+      </p:ext>
+    </p:extLst>
+  </p:cSld>
+  <p:clrMapOvr>
+    <a:masterClrMapping/>
+  </p:clrMapOvr>
+</p:sld>
+</file>
+
+<file path=ppt/slides/slide46.xml><?xml version="1.0" encoding="utf-8"?>
+<p:sld xmlns:a="http://schemas.openxmlformats.org/drawingml/2006/main" xmlns:r="http://schemas.openxmlformats.org/officeDocument/2006/relationships" xmlns:p="http://schemas.openxmlformats.org/presentationml/2006/main">
+  <p:cSld>
+    <p:spTree>
+      <p:nvGrpSpPr>
+        <p:cNvPr id="1" name=""/>
+        <p:cNvGrpSpPr/>
+        <p:nvPr/>
+      </p:nvGrpSpPr>
+      <p:grpSpPr>
+        <a:xfrm>
+          <a:off x="0" y="0"/>
+          <a:ext cx="0" cy="0"/>
+          <a:chOff x="0" y="0"/>
+          <a:chExt cx="0" cy="0"/>
+        </a:xfrm>
+      </p:grpSpPr>
+      <p:sp>
+        <p:nvSpPr>
+          <p:cNvPr id="2" name="Content Placeholder 1"/>
+          <p:cNvSpPr>
+            <a:spLocks noGrp="1"/>
+          </p:cNvSpPr>
+          <p:nvPr>
+            <p:ph idx="1"/>
+          </p:nvPr>
+        </p:nvSpPr>
+        <p:spPr>
+          <a:xfrm>
+            <a:off x="457200" y="152400"/>
+            <a:ext cx="8458200" cy="6400800"/>
+          </a:xfrm>
+        </p:spPr>
+        <p:txBody>
+          <a:bodyPr>
+            <a:normAutofit/>
+          </a:bodyPr>
+          <a:lstStyle/>
+          <a:p>
+            <a:pPr marL="109728" indent="0" algn="ctr">
+              <a:buNone/>
+            </a:pPr>
+            <a:r>
+              <a:rPr lang="en-US" sz="2400" dirty="0">
+                <a:latin typeface="Calibri" panose="020F0502020204030204" pitchFamily="34" charset="0"/>
+                <a:cs typeface="Calibri" panose="020F0502020204030204" pitchFamily="34" charset="0"/>
+              </a:rPr>
+              <a:t>Model Building and Evaluation </a:t>
+            </a:r>
+            <a:r>
+              <a:rPr lang="en-US" sz="2400" dirty="0" smtClean="0">
+                <a:latin typeface="Calibri" panose="020F0502020204030204" pitchFamily="34" charset="0"/>
+                <a:cs typeface="Calibri" panose="020F0502020204030204" pitchFamily="34" charset="0"/>
+              </a:rPr>
+              <a:t>-Unsupervised Machine Learning </a:t>
+            </a:r>
+          </a:p>
+          <a:p>
+            <a:pPr marL="109728" indent="0" algn="ctr">
+              <a:buNone/>
+            </a:pPr>
+            <a:r>
+              <a:rPr lang="en-US" sz="2400" dirty="0" smtClean="0">
+                <a:latin typeface="Calibri" panose="020F0502020204030204" pitchFamily="34" charset="0"/>
+                <a:cs typeface="Calibri" panose="020F0502020204030204" pitchFamily="34" charset="0"/>
+              </a:rPr>
+              <a:t>Conclusion</a:t>
+            </a:r>
+            <a:endParaRPr lang="en-US" sz="2400" dirty="0">
+              <a:latin typeface="Calibri" panose="020F0502020204030204" pitchFamily="34" charset="0"/>
+              <a:cs typeface="Calibri" panose="020F0502020204030204" pitchFamily="34" charset="0"/>
+            </a:endParaRPr>
+          </a:p>
+          <a:p>
             <a:pPr marL="525780" indent="-457200"/>
             <a:endParaRPr lang="en-US" altLang="en-US" sz="2400" dirty="0" smtClean="0"/>
           </a:p>
@@ -19676,31 +20651,42 @@
           <a:p>
             <a:pPr marL="525780" indent="-457200"/>
             <a:r>
-              <a:rPr lang="en-US" altLang="en-US" sz="2400" dirty="0" smtClean="0">
+              <a:rPr lang="en-US" altLang="en-US" sz="2800" dirty="0" smtClean="0">
                 <a:latin typeface="Calibri" panose="020F0502020204030204" pitchFamily="34" charset="0"/>
                 <a:cs typeface="Calibri" panose="020F0502020204030204" pitchFamily="34" charset="0"/>
               </a:rPr>
               <a:t>For </a:t>
             </a:r>
             <a:r>
-              <a:rPr lang="en-US" altLang="en-US" sz="2400" dirty="0">
-                <a:latin typeface="Calibri" panose="020F0502020204030204" pitchFamily="34" charset="0"/>
-                <a:cs typeface="Calibri" panose="020F0502020204030204" pitchFamily="34" charset="0"/>
-              </a:rPr>
-              <a:t>unsupervised topic modeling, prefer LDA</a:t>
-            </a:r>
-          </a:p>
-          <a:p>
-            <a:pPr marL="525780" indent="-457200"/>
-            <a:endParaRPr lang="en-US" altLang="en-US" sz="2400" dirty="0">
+              <a:rPr lang="en-US" altLang="en-US" sz="2800" dirty="0">
+                <a:latin typeface="Calibri" panose="020F0502020204030204" pitchFamily="34" charset="0"/>
+                <a:cs typeface="Calibri" panose="020F0502020204030204" pitchFamily="34" charset="0"/>
+              </a:rPr>
+              <a:t>unsupervised topic modeling, </a:t>
+            </a:r>
+            <a:r>
+              <a:rPr lang="en-US" altLang="en-US" sz="2800" dirty="0" smtClean="0">
+                <a:latin typeface="Calibri" panose="020F0502020204030204" pitchFamily="34" charset="0"/>
+                <a:cs typeface="Calibri" panose="020F0502020204030204" pitchFamily="34" charset="0"/>
+              </a:rPr>
+              <a:t>used the LDA </a:t>
+            </a:r>
+            <a:endParaRPr lang="en-US" altLang="en-US" sz="2800" dirty="0">
               <a:latin typeface="Calibri" panose="020F0502020204030204" pitchFamily="34" charset="0"/>
               <a:cs typeface="Calibri" panose="020F0502020204030204" pitchFamily="34" charset="0"/>
             </a:endParaRPr>
           </a:p>
           <a:p>
             <a:pPr marL="525780" indent="-457200"/>
-            <a:r>
-              <a:rPr lang="en-US" altLang="en-US" sz="2400" dirty="0">
+            <a:endParaRPr lang="en-US" altLang="en-US" sz="2800" dirty="0">
+              <a:latin typeface="Calibri" panose="020F0502020204030204" pitchFamily="34" charset="0"/>
+              <a:cs typeface="Calibri" panose="020F0502020204030204" pitchFamily="34" charset="0"/>
+            </a:endParaRPr>
+          </a:p>
+          <a:p>
+            <a:pPr marL="525780" indent="-457200"/>
+            <a:r>
+              <a:rPr lang="en-US" altLang="en-US" sz="2800" dirty="0">
                 <a:latin typeface="Calibri" panose="020F0502020204030204" pitchFamily="34" charset="0"/>
                 <a:cs typeface="Calibri" panose="020F0502020204030204" pitchFamily="34" charset="0"/>
               </a:rPr>

--- a/Final Analysis - Data Capstone Project - Data Breaches.pptx
+++ b/Final Analysis - Data Capstone Project - Data Breaches.pptx
@@ -74,6 +74,7 @@
     <p:sldId id="322" r:id="rId68"/>
     <p:sldId id="324" r:id="rId69"/>
     <p:sldId id="325" r:id="rId70"/>
+    <p:sldId id="326" r:id="rId71"/>
   </p:sldIdLst>
   <p:sldSz cx="9144000" cy="6858000" type="screen4x3"/>
   <p:notesSz cx="6858000" cy="9144000"/>
@@ -31227,14 +31228,7 @@
                 <a:latin typeface="Calibri" panose="020F0502020204030204" pitchFamily="34" charset="0"/>
                 <a:cs typeface="Calibri" panose="020F0502020204030204" pitchFamily="34" charset="0"/>
               </a:rPr>
-              <a:t>Data Breaches </a:t>
-            </a:r>
-            <a:r>
-              <a:rPr lang="en-US" sz="2400" smtClean="0">
-                <a:latin typeface="Calibri" panose="020F0502020204030204" pitchFamily="34" charset="0"/>
-                <a:cs typeface="Calibri" panose="020F0502020204030204" pitchFamily="34" charset="0"/>
-              </a:rPr>
-              <a:t>, Time </a:t>
+              <a:t>Data Breaches , Time </a:t>
             </a:r>
             <a:r>
               <a:rPr lang="en-US" sz="1800" dirty="0" smtClean="0">
@@ -31711,6 +31705,388 @@
     <p:extLst>
       <p:ext uri="{BB962C8B-B14F-4D97-AF65-F5344CB8AC3E}">
         <p14:creationId xmlns:p14="http://schemas.microsoft.com/office/powerpoint/2010/main" val="3310493877"/>
+      </p:ext>
+    </p:extLst>
+  </p:cSld>
+  <p:clrMapOvr>
+    <a:masterClrMapping/>
+  </p:clrMapOvr>
+</p:sld>
+</file>
+
+<file path=ppt/slides/slide70.xml><?xml version="1.0" encoding="utf-8"?>
+<p:sld xmlns:a="http://schemas.openxmlformats.org/drawingml/2006/main" xmlns:r="http://schemas.openxmlformats.org/officeDocument/2006/relationships" xmlns:p="http://schemas.openxmlformats.org/presentationml/2006/main">
+  <p:cSld>
+    <p:spTree>
+      <p:nvGrpSpPr>
+        <p:cNvPr id="1" name=""/>
+        <p:cNvGrpSpPr/>
+        <p:nvPr/>
+      </p:nvGrpSpPr>
+      <p:grpSpPr>
+        <a:xfrm>
+          <a:off x="0" y="0"/>
+          <a:ext cx="0" cy="0"/>
+          <a:chOff x="0" y="0"/>
+          <a:chExt cx="0" cy="0"/>
+        </a:xfrm>
+      </p:grpSpPr>
+      <p:sp>
+        <p:nvSpPr>
+          <p:cNvPr id="2" name="Content Placeholder 1"/>
+          <p:cNvSpPr>
+            <a:spLocks noGrp="1"/>
+          </p:cNvSpPr>
+          <p:nvPr>
+            <p:ph idx="1"/>
+          </p:nvPr>
+        </p:nvSpPr>
+        <p:spPr>
+          <a:xfrm>
+            <a:off x="457200" y="152400"/>
+            <a:ext cx="8458200" cy="6400800"/>
+          </a:xfrm>
+        </p:spPr>
+        <p:txBody>
+          <a:bodyPr>
+            <a:normAutofit/>
+          </a:bodyPr>
+          <a:lstStyle/>
+          <a:p>
+            <a:pPr marL="109728" indent="0" algn="ctr">
+              <a:buNone/>
+            </a:pPr>
+            <a:r>
+              <a:rPr lang="en-US" sz="2400" dirty="0">
+                <a:latin typeface="Calibri" panose="020F0502020204030204" pitchFamily="34" charset="0"/>
+                <a:cs typeface="Calibri" panose="020F0502020204030204" pitchFamily="34" charset="0"/>
+              </a:rPr>
+              <a:t>Final </a:t>
+            </a:r>
+            <a:r>
+              <a:rPr lang="en-US" sz="2400" dirty="0" smtClean="0">
+                <a:latin typeface="Calibri" panose="020F0502020204030204" pitchFamily="34" charset="0"/>
+                <a:cs typeface="Calibri" panose="020F0502020204030204" pitchFamily="34" charset="0"/>
+              </a:rPr>
+              <a:t>Analysis and Insights -  Statistical Analysis</a:t>
+            </a:r>
+          </a:p>
+          <a:p>
+            <a:pPr marL="109728" indent="0" algn="ctr">
+              <a:buNone/>
+            </a:pPr>
+            <a:r>
+              <a:rPr lang="en-US" sz="2400" dirty="0" smtClean="0">
+                <a:latin typeface="Calibri" panose="020F0502020204030204" pitchFamily="34" charset="0"/>
+                <a:cs typeface="Calibri" panose="020F0502020204030204" pitchFamily="34" charset="0"/>
+              </a:rPr>
+              <a:t>Request to test two null hypotheses</a:t>
+            </a:r>
+          </a:p>
+          <a:p>
+            <a:pPr marL="109728" indent="0" algn="ctr">
+              <a:buNone/>
+            </a:pPr>
+            <a:endParaRPr lang="en-US" sz="2400" dirty="0" smtClean="0">
+              <a:latin typeface="Calibri" panose="020F0502020204030204" pitchFamily="34" charset="0"/>
+              <a:cs typeface="Calibri" panose="020F0502020204030204" pitchFamily="34" charset="0"/>
+            </a:endParaRPr>
+          </a:p>
+          <a:p>
+            <a:r>
+              <a:rPr lang="en-US" sz="2000" dirty="0">
+                <a:latin typeface="Calibri" panose="020F0502020204030204" pitchFamily="34" charset="0"/>
+                <a:cs typeface="Calibri" panose="020F0502020204030204" pitchFamily="34" charset="0"/>
+              </a:rPr>
+              <a:t>First hypothesis - “two data breach types—DISC and HACK—are equal in the harm caused to organizations in terms of records affected (“Total_Recs”)”. </a:t>
+            </a:r>
+            <a:endParaRPr lang="en-US" sz="2000" dirty="0" smtClean="0">
+              <a:latin typeface="Calibri" panose="020F0502020204030204" pitchFamily="34" charset="0"/>
+              <a:cs typeface="Calibri" panose="020F0502020204030204" pitchFamily="34" charset="0"/>
+            </a:endParaRPr>
+          </a:p>
+          <a:p>
+            <a:r>
+              <a:rPr lang="en-US" sz="2000" dirty="0" smtClean="0">
+                <a:latin typeface="Calibri" panose="020F0502020204030204" pitchFamily="34" charset="0"/>
+                <a:cs typeface="Calibri" panose="020F0502020204030204" pitchFamily="34" charset="0"/>
+              </a:rPr>
+              <a:t>Second </a:t>
+            </a:r>
+            <a:r>
+              <a:rPr lang="en-US" sz="2000" dirty="0">
+                <a:latin typeface="Calibri" panose="020F0502020204030204" pitchFamily="34" charset="0"/>
+                <a:cs typeface="Calibri" panose="020F0502020204030204" pitchFamily="34" charset="0"/>
+              </a:rPr>
+              <a:t>hypothesis - “all data breach types are equal in the harm caused to organizations in terms of records affected (“Total_Recs”)”. </a:t>
+            </a:r>
+            <a:endParaRPr lang="en-US" sz="2000" dirty="0" smtClean="0">
+              <a:latin typeface="Calibri" panose="020F0502020204030204" pitchFamily="34" charset="0"/>
+              <a:cs typeface="Calibri" panose="020F0502020204030204" pitchFamily="34" charset="0"/>
+            </a:endParaRPr>
+          </a:p>
+          <a:p>
+            <a:endParaRPr lang="en-US" sz="2000" dirty="0" smtClean="0">
+              <a:latin typeface="Calibri" panose="020F0502020204030204" pitchFamily="34" charset="0"/>
+              <a:cs typeface="Calibri" panose="020F0502020204030204" pitchFamily="34" charset="0"/>
+            </a:endParaRPr>
+          </a:p>
+          <a:p>
+            <a:r>
+              <a:rPr lang="en-US" sz="2400" dirty="0" smtClean="0">
+                <a:latin typeface="Calibri" panose="020F0502020204030204" pitchFamily="34" charset="0"/>
+                <a:cs typeface="Calibri" panose="020F0502020204030204" pitchFamily="34" charset="0"/>
+              </a:rPr>
+              <a:t>Ran tests for normal distribution:</a:t>
+            </a:r>
+          </a:p>
+          <a:p>
+            <a:r>
+              <a:rPr lang="en-US" sz="2000" dirty="0">
+                <a:latin typeface="Calibri" panose="020F0502020204030204" pitchFamily="34" charset="0"/>
+                <a:cs typeface="Calibri" panose="020F0502020204030204" pitchFamily="34" charset="0"/>
+              </a:rPr>
+              <a:t>NormaltestResult(statistic=10961.939152487257, pvalue=0.0) NormaltestResult(statistic=26402.890893042619, pvalue=0.0) NormaltestResult(statistic=2040.0978912919225, pvalue=0.0) </a:t>
+            </a:r>
+            <a:endParaRPr lang="en-US" sz="2000" dirty="0" smtClean="0">
+              <a:latin typeface="Calibri" panose="020F0502020204030204" pitchFamily="34" charset="0"/>
+              <a:cs typeface="Calibri" panose="020F0502020204030204" pitchFamily="34" charset="0"/>
+            </a:endParaRPr>
+          </a:p>
+          <a:p>
+            <a:endParaRPr lang="en-US" sz="2000" smtClean="0">
+              <a:latin typeface="Calibri" panose="020F0502020204030204" pitchFamily="34" charset="0"/>
+              <a:cs typeface="Calibri" panose="020F0502020204030204" pitchFamily="34" charset="0"/>
+            </a:endParaRPr>
+          </a:p>
+          <a:p>
+            <a:r>
+              <a:rPr lang="en-US" sz="2000" smtClean="0">
+                <a:latin typeface="Calibri" panose="020F0502020204030204" pitchFamily="34" charset="0"/>
+                <a:cs typeface="Calibri" panose="020F0502020204030204" pitchFamily="34" charset="0"/>
+              </a:rPr>
+              <a:t>In </a:t>
+            </a:r>
+            <a:r>
+              <a:rPr lang="en-US" sz="2000" dirty="0">
+                <a:latin typeface="Calibri" panose="020F0502020204030204" pitchFamily="34" charset="0"/>
+                <a:cs typeface="Calibri" panose="020F0502020204030204" pitchFamily="34" charset="0"/>
+              </a:rPr>
+              <a:t>all three tests for a normal distribution, the pvalue = 0.0.  This means we reject both null hypothesis.</a:t>
+            </a:r>
+            <a:endParaRPr lang="en-US" sz="2000" dirty="0">
+              <a:latin typeface="Calibri" panose="020F0502020204030204" pitchFamily="34" charset="0"/>
+              <a:cs typeface="Calibri" panose="020F0502020204030204" pitchFamily="34" charset="0"/>
+            </a:endParaRPr>
+          </a:p>
+        </p:txBody>
+      </p:sp>
+      <p:sp>
+        <p:nvSpPr>
+          <p:cNvPr id="5" name="Content Placeholder 1"/>
+          <p:cNvSpPr txBox="1">
+            <a:spLocks/>
+          </p:cNvSpPr>
+          <p:nvPr/>
+        </p:nvSpPr>
+        <p:spPr>
+          <a:xfrm>
+            <a:off x="457200" y="152400"/>
+            <a:ext cx="8229600" cy="6553199"/>
+          </a:xfrm>
+          <a:prstGeom prst="rect">
+            <a:avLst/>
+          </a:prstGeom>
+        </p:spPr>
+        <p:txBody>
+          <a:bodyPr vert="horz">
+            <a:normAutofit/>
+          </a:bodyPr>
+          <a:lstStyle>
+            <a:lvl1pPr marL="365760" indent="-256032" algn="l" rtl="0" eaLnBrk="1" latinLnBrk="0" hangingPunct="1">
+              <a:spcBef>
+                <a:spcPts val="400"/>
+              </a:spcBef>
+              <a:spcAft>
+                <a:spcPts val="0"/>
+              </a:spcAft>
+              <a:buClr>
+                <a:schemeClr val="accent1"/>
+              </a:buClr>
+              <a:buSzPct val="68000"/>
+              <a:buFont typeface="Wingdings 3"/>
+              <a:buChar char=""/>
+              <a:defRPr kumimoji="0" sz="2700" kern="1200">
+                <a:solidFill>
+                  <a:schemeClr val="tx1"/>
+                </a:solidFill>
+                <a:latin typeface="+mn-lt"/>
+                <a:ea typeface="+mn-ea"/>
+                <a:cs typeface="+mn-cs"/>
+              </a:defRPr>
+            </a:lvl1pPr>
+            <a:lvl2pPr marL="621792" indent="-228600" algn="l" rtl="0" eaLnBrk="1" latinLnBrk="0" hangingPunct="1">
+              <a:spcBef>
+                <a:spcPts val="324"/>
+              </a:spcBef>
+              <a:buClr>
+                <a:schemeClr val="accent1"/>
+              </a:buClr>
+              <a:buFont typeface="Verdana"/>
+              <a:buChar char="◦"/>
+              <a:defRPr kumimoji="0" sz="2300" kern="1200">
+                <a:solidFill>
+                  <a:schemeClr val="tx1"/>
+                </a:solidFill>
+                <a:latin typeface="+mn-lt"/>
+                <a:ea typeface="+mn-ea"/>
+                <a:cs typeface="+mn-cs"/>
+              </a:defRPr>
+            </a:lvl2pPr>
+            <a:lvl3pPr marL="859536" indent="-228600" algn="l" rtl="0" eaLnBrk="1" latinLnBrk="0" hangingPunct="1">
+              <a:spcBef>
+                <a:spcPts val="350"/>
+              </a:spcBef>
+              <a:buClr>
+                <a:schemeClr val="accent2"/>
+              </a:buClr>
+              <a:buSzPct val="100000"/>
+              <a:buFont typeface="Wingdings 2"/>
+              <a:buChar char=""/>
+              <a:defRPr kumimoji="0" sz="2100" kern="1200">
+                <a:solidFill>
+                  <a:schemeClr val="tx1"/>
+                </a:solidFill>
+                <a:latin typeface="+mn-lt"/>
+                <a:ea typeface="+mn-ea"/>
+                <a:cs typeface="+mn-cs"/>
+              </a:defRPr>
+            </a:lvl3pPr>
+            <a:lvl4pPr marL="1143000" indent="-228600" algn="l" rtl="0" eaLnBrk="1" latinLnBrk="0" hangingPunct="1">
+              <a:spcBef>
+                <a:spcPts val="350"/>
+              </a:spcBef>
+              <a:buClr>
+                <a:schemeClr val="accent2"/>
+              </a:buClr>
+              <a:buFont typeface="Wingdings 2"/>
+              <a:buChar char=""/>
+              <a:defRPr kumimoji="0" sz="1900" kern="1200">
+                <a:solidFill>
+                  <a:schemeClr val="tx1"/>
+                </a:solidFill>
+                <a:latin typeface="+mn-lt"/>
+                <a:ea typeface="+mn-ea"/>
+                <a:cs typeface="+mn-cs"/>
+              </a:defRPr>
+            </a:lvl4pPr>
+            <a:lvl5pPr marL="1371600" indent="-228600" algn="l" rtl="0" eaLnBrk="1" latinLnBrk="0" hangingPunct="1">
+              <a:spcBef>
+                <a:spcPts val="350"/>
+              </a:spcBef>
+              <a:buClr>
+                <a:schemeClr val="accent2"/>
+              </a:buClr>
+              <a:buFont typeface="Wingdings 2"/>
+              <a:buChar char=""/>
+              <a:defRPr kumimoji="0" sz="1800" kern="1200">
+                <a:solidFill>
+                  <a:schemeClr val="tx1"/>
+                </a:solidFill>
+                <a:latin typeface="+mn-lt"/>
+                <a:ea typeface="+mn-ea"/>
+                <a:cs typeface="+mn-cs"/>
+              </a:defRPr>
+            </a:lvl5pPr>
+            <a:lvl6pPr marL="1600200" indent="-228600" algn="l" rtl="0" eaLnBrk="1" latinLnBrk="0" hangingPunct="1">
+              <a:spcBef>
+                <a:spcPts val="350"/>
+              </a:spcBef>
+              <a:buClr>
+                <a:schemeClr val="accent3"/>
+              </a:buClr>
+              <a:buFont typeface="Wingdings 2"/>
+              <a:buChar char=""/>
+              <a:defRPr kumimoji="0" sz="1800" kern="1200">
+                <a:solidFill>
+                  <a:schemeClr val="tx1"/>
+                </a:solidFill>
+                <a:latin typeface="+mn-lt"/>
+                <a:ea typeface="+mn-ea"/>
+                <a:cs typeface="+mn-cs"/>
+              </a:defRPr>
+            </a:lvl6pPr>
+            <a:lvl7pPr marL="1828800" indent="-228600" algn="l" rtl="0" eaLnBrk="1" latinLnBrk="0" hangingPunct="1">
+              <a:spcBef>
+                <a:spcPts val="350"/>
+              </a:spcBef>
+              <a:buClr>
+                <a:schemeClr val="accent3"/>
+              </a:buClr>
+              <a:buFont typeface="Wingdings 2"/>
+              <a:buChar char=""/>
+              <a:defRPr kumimoji="0" sz="1600" kern="1200">
+                <a:solidFill>
+                  <a:schemeClr val="tx1"/>
+                </a:solidFill>
+                <a:latin typeface="+mn-lt"/>
+                <a:ea typeface="+mn-ea"/>
+                <a:cs typeface="+mn-cs"/>
+              </a:defRPr>
+            </a:lvl7pPr>
+            <a:lvl8pPr marL="2057400" indent="-228600" algn="l" rtl="0" eaLnBrk="1" latinLnBrk="0" hangingPunct="1">
+              <a:spcBef>
+                <a:spcPts val="350"/>
+              </a:spcBef>
+              <a:buClr>
+                <a:schemeClr val="accent3"/>
+              </a:buClr>
+              <a:buFont typeface="Wingdings 2"/>
+              <a:buChar char=""/>
+              <a:defRPr kumimoji="0" sz="1600" kern="1200">
+                <a:solidFill>
+                  <a:schemeClr val="tx1"/>
+                </a:solidFill>
+                <a:latin typeface="+mn-lt"/>
+                <a:ea typeface="+mn-ea"/>
+                <a:cs typeface="+mn-cs"/>
+              </a:defRPr>
+            </a:lvl8pPr>
+            <a:lvl9pPr marL="2286000" indent="-228600" algn="l" rtl="0" eaLnBrk="1" latinLnBrk="0" hangingPunct="1">
+              <a:spcBef>
+                <a:spcPts val="350"/>
+              </a:spcBef>
+              <a:buClr>
+                <a:schemeClr val="accent3"/>
+              </a:buClr>
+              <a:buFont typeface="Wingdings 2"/>
+              <a:buChar char=""/>
+              <a:defRPr kumimoji="0" sz="1600" kern="1200" baseline="0">
+                <a:solidFill>
+                  <a:schemeClr val="tx1"/>
+                </a:solidFill>
+                <a:latin typeface="+mn-lt"/>
+                <a:ea typeface="+mn-ea"/>
+                <a:cs typeface="+mn-cs"/>
+              </a:defRPr>
+            </a:lvl9pPr>
+            <a:extLst/>
+          </a:lstStyle>
+          <a:p>
+            <a:pPr marL="109728" indent="0">
+              <a:buNone/>
+            </a:pPr>
+            <a:endParaRPr lang="en-US" sz="2000" dirty="0" smtClean="0">
+              <a:latin typeface="Calibri" panose="020F0502020204030204" pitchFamily="34" charset="0"/>
+              <a:cs typeface="Calibri" panose="020F0502020204030204" pitchFamily="34" charset="0"/>
+            </a:endParaRPr>
+          </a:p>
+        </p:txBody>
+      </p:sp>
+    </p:spTree>
+    <p:extLst>
+      <p:ext uri="{BB962C8B-B14F-4D97-AF65-F5344CB8AC3E}">
+        <p14:creationId xmlns:p14="http://schemas.microsoft.com/office/powerpoint/2010/main" val="4141353735"/>
       </p:ext>
     </p:extLst>
   </p:cSld>
